--- a/courses/apcsp/lect12.pptx
+++ b/courses/apcsp/lect12.pptx
@@ -10,35 +10,36 @@
     <p:sldId id="313" r:id="rId4"/>
     <p:sldId id="314" r:id="rId5"/>
     <p:sldId id="317" r:id="rId6"/>
-    <p:sldId id="315" r:id="rId7"/>
-    <p:sldId id="316" r:id="rId8"/>
-    <p:sldId id="345" r:id="rId9"/>
-    <p:sldId id="319" r:id="rId10"/>
-    <p:sldId id="323" r:id="rId11"/>
-    <p:sldId id="320" r:id="rId12"/>
-    <p:sldId id="321" r:id="rId13"/>
-    <p:sldId id="322" r:id="rId14"/>
-    <p:sldId id="343" r:id="rId15"/>
-    <p:sldId id="342" r:id="rId16"/>
-    <p:sldId id="327" r:id="rId17"/>
-    <p:sldId id="325" r:id="rId18"/>
-    <p:sldId id="328" r:id="rId19"/>
-    <p:sldId id="329" r:id="rId20"/>
-    <p:sldId id="330" r:id="rId21"/>
-    <p:sldId id="331" r:id="rId22"/>
-    <p:sldId id="346" r:id="rId23"/>
-    <p:sldId id="334" r:id="rId24"/>
-    <p:sldId id="332" r:id="rId25"/>
-    <p:sldId id="333" r:id="rId26"/>
-    <p:sldId id="335" r:id="rId27"/>
-    <p:sldId id="336" r:id="rId28"/>
-    <p:sldId id="337" r:id="rId29"/>
-    <p:sldId id="338" r:id="rId30"/>
-    <p:sldId id="340" r:id="rId31"/>
-    <p:sldId id="339" r:id="rId32"/>
-    <p:sldId id="341" r:id="rId33"/>
-    <p:sldId id="309" r:id="rId34"/>
-    <p:sldId id="344" r:id="rId35"/>
+    <p:sldId id="348" r:id="rId7"/>
+    <p:sldId id="315" r:id="rId8"/>
+    <p:sldId id="316" r:id="rId9"/>
+    <p:sldId id="345" r:id="rId10"/>
+    <p:sldId id="319" r:id="rId11"/>
+    <p:sldId id="323" r:id="rId12"/>
+    <p:sldId id="320" r:id="rId13"/>
+    <p:sldId id="321" r:id="rId14"/>
+    <p:sldId id="322" r:id="rId15"/>
+    <p:sldId id="343" r:id="rId16"/>
+    <p:sldId id="342" r:id="rId17"/>
+    <p:sldId id="327" r:id="rId18"/>
+    <p:sldId id="325" r:id="rId19"/>
+    <p:sldId id="328" r:id="rId20"/>
+    <p:sldId id="329" r:id="rId21"/>
+    <p:sldId id="330" r:id="rId22"/>
+    <p:sldId id="331" r:id="rId23"/>
+    <p:sldId id="346" r:id="rId24"/>
+    <p:sldId id="334" r:id="rId25"/>
+    <p:sldId id="332" r:id="rId26"/>
+    <p:sldId id="333" r:id="rId27"/>
+    <p:sldId id="335" r:id="rId28"/>
+    <p:sldId id="336" r:id="rId29"/>
+    <p:sldId id="337" r:id="rId30"/>
+    <p:sldId id="338" r:id="rId31"/>
+    <p:sldId id="340" r:id="rId32"/>
+    <p:sldId id="339" r:id="rId33"/>
+    <p:sldId id="341" r:id="rId34"/>
+    <p:sldId id="309" r:id="rId35"/>
+    <p:sldId id="344" r:id="rId36"/>
   </p:sldIdLst>
   <p:sldSz cx="9144000" cy="5715000" type="screen16x10"/>
   <p:notesSz cx="6858000" cy="9144000"/>
@@ -148,7 +149,7 @@
 <file path=ppt/revisionInfo.xml><?xml version="1.0" encoding="utf-8"?>
 <p1510:revInfo xmlns:a="http://schemas.openxmlformats.org/drawingml/2006/main" xmlns:r="http://schemas.openxmlformats.org/officeDocument/2006/relationships" xmlns:p1510="http://schemas.microsoft.com/office/powerpoint/2015/10/main">
   <p1510:revLst>
-    <p1510:client id="{6AC26564-89E3-E046-BFB4-F80582D7E17B}" v="190" dt="2020-01-13T14:19:32.433"/>
+    <p1510:client id="{6AC26564-89E3-E046-BFB4-F80582D7E17B}" v="411" dt="2020-01-16T12:56:30.213"/>
   </p1510:revLst>
 </p1510:revInfo>
 </file>
@@ -654,7 +655,7 @@
   <pc:docChgLst>
     <pc:chgData name="Long B Nguyen" userId="f59fb8f3-a021-417a-8bc1-65c8d471c621" providerId="ADAL" clId="{6AC26564-89E3-E046-BFB4-F80582D7E17B}"/>
     <pc:docChg chg="custSel addSld delSld modSld">
-      <pc:chgData name="Long B Nguyen" userId="f59fb8f3-a021-417a-8bc1-65c8d471c621" providerId="ADAL" clId="{6AC26564-89E3-E046-BFB4-F80582D7E17B}" dt="2020-01-13T14:19:32.433" v="590" actId="20577"/>
+      <pc:chgData name="Long B Nguyen" userId="f59fb8f3-a021-417a-8bc1-65c8d471c621" providerId="ADAL" clId="{6AC26564-89E3-E046-BFB4-F80582D7E17B}" dt="2020-01-16T12:56:30.213" v="1179"/>
       <pc:docMkLst>
         <pc:docMk/>
       </pc:docMkLst>
@@ -747,14 +748,14 @@
           </ac:spMkLst>
         </pc:spChg>
       </pc:sldChg>
-      <pc:sldChg chg="modSp add">
-        <pc:chgData name="Long B Nguyen" userId="f59fb8f3-a021-417a-8bc1-65c8d471c621" providerId="ADAL" clId="{6AC26564-89E3-E046-BFB4-F80582D7E17B}" dt="2020-01-13T14:07:35.776" v="258" actId="12"/>
+      <pc:sldChg chg="modSp add modAnim">
+        <pc:chgData name="Long B Nguyen" userId="f59fb8f3-a021-417a-8bc1-65c8d471c621" providerId="ADAL" clId="{6AC26564-89E3-E046-BFB4-F80582D7E17B}" dt="2020-01-16T12:46:51.559" v="758" actId="255"/>
         <pc:sldMkLst>
           <pc:docMk/>
           <pc:sldMk cId="2054265466" sldId="314"/>
         </pc:sldMkLst>
         <pc:spChg chg="mod">
-          <ac:chgData name="Long B Nguyen" userId="f59fb8f3-a021-417a-8bc1-65c8d471c621" providerId="ADAL" clId="{6AC26564-89E3-E046-BFB4-F80582D7E17B}" dt="2020-01-13T14:07:35.776" v="258" actId="12"/>
+          <ac:chgData name="Long B Nguyen" userId="f59fb8f3-a021-417a-8bc1-65c8d471c621" providerId="ADAL" clId="{6AC26564-89E3-E046-BFB4-F80582D7E17B}" dt="2020-01-16T12:46:51.559" v="758" actId="255"/>
           <ac:spMkLst>
             <pc:docMk/>
             <pc:sldMk cId="2054265466" sldId="314"/>
@@ -762,14 +763,14 @@
           </ac:spMkLst>
         </pc:spChg>
       </pc:sldChg>
-      <pc:sldChg chg="modSp add">
-        <pc:chgData name="Long B Nguyen" userId="f59fb8f3-a021-417a-8bc1-65c8d471c621" providerId="ADAL" clId="{6AC26564-89E3-E046-BFB4-F80582D7E17B}" dt="2020-01-13T14:09:38.970" v="310" actId="20577"/>
+      <pc:sldChg chg="modSp add modAnim">
+        <pc:chgData name="Long B Nguyen" userId="f59fb8f3-a021-417a-8bc1-65c8d471c621" providerId="ADAL" clId="{6AC26564-89E3-E046-BFB4-F80582D7E17B}" dt="2020-01-16T12:49:13.049" v="816" actId="255"/>
         <pc:sldMkLst>
           <pc:docMk/>
           <pc:sldMk cId="917461937" sldId="315"/>
         </pc:sldMkLst>
         <pc:spChg chg="mod">
-          <ac:chgData name="Long B Nguyen" userId="f59fb8f3-a021-417a-8bc1-65c8d471c621" providerId="ADAL" clId="{6AC26564-89E3-E046-BFB4-F80582D7E17B}" dt="2020-01-13T14:09:38.970" v="310" actId="20577"/>
+          <ac:chgData name="Long B Nguyen" userId="f59fb8f3-a021-417a-8bc1-65c8d471c621" providerId="ADAL" clId="{6AC26564-89E3-E046-BFB4-F80582D7E17B}" dt="2020-01-16T12:49:13.049" v="816" actId="255"/>
           <ac:spMkLst>
             <pc:docMk/>
             <pc:sldMk cId="917461937" sldId="315"/>
@@ -785,13 +786,13 @@
         </pc:sldMkLst>
       </pc:sldChg>
       <pc:sldChg chg="modSp add modAnim">
-        <pc:chgData name="Long B Nguyen" userId="f59fb8f3-a021-417a-8bc1-65c8d471c621" providerId="ADAL" clId="{6AC26564-89E3-E046-BFB4-F80582D7E17B}" dt="2020-01-13T14:09:33.672" v="308" actId="20577"/>
+        <pc:chgData name="Long B Nguyen" userId="f59fb8f3-a021-417a-8bc1-65c8d471c621" providerId="ADAL" clId="{6AC26564-89E3-E046-BFB4-F80582D7E17B}" dt="2020-01-16T12:49:23.670" v="817" actId="255"/>
         <pc:sldMkLst>
           <pc:docMk/>
           <pc:sldMk cId="3266234076" sldId="316"/>
         </pc:sldMkLst>
         <pc:spChg chg="mod">
-          <ac:chgData name="Long B Nguyen" userId="f59fb8f3-a021-417a-8bc1-65c8d471c621" providerId="ADAL" clId="{6AC26564-89E3-E046-BFB4-F80582D7E17B}" dt="2020-01-13T14:09:33.672" v="308" actId="20577"/>
+          <ac:chgData name="Long B Nguyen" userId="f59fb8f3-a021-417a-8bc1-65c8d471c621" providerId="ADAL" clId="{6AC26564-89E3-E046-BFB4-F80582D7E17B}" dt="2020-01-16T12:49:23.670" v="817" actId="255"/>
           <ac:spMkLst>
             <pc:docMk/>
             <pc:sldMk cId="3266234076" sldId="316"/>
@@ -799,12 +800,36 @@
           </ac:spMkLst>
         </pc:spChg>
       </pc:sldChg>
-      <pc:sldChg chg="add">
-        <pc:chgData name="Long B Nguyen" userId="f59fb8f3-a021-417a-8bc1-65c8d471c621" providerId="ADAL" clId="{6AC26564-89E3-E046-BFB4-F80582D7E17B}" dt="2020-01-13T13:43:29.420" v="22"/>
+      <pc:sldChg chg="addSp delSp modSp add">
+        <pc:chgData name="Long B Nguyen" userId="f59fb8f3-a021-417a-8bc1-65c8d471c621" providerId="ADAL" clId="{6AC26564-89E3-E046-BFB4-F80582D7E17B}" dt="2020-01-16T12:48:56.620" v="814" actId="20577"/>
         <pc:sldMkLst>
           <pc:docMk/>
           <pc:sldMk cId="2886319738" sldId="317"/>
         </pc:sldMkLst>
+        <pc:spChg chg="mod">
+          <ac:chgData name="Long B Nguyen" userId="f59fb8f3-a021-417a-8bc1-65c8d471c621" providerId="ADAL" clId="{6AC26564-89E3-E046-BFB4-F80582D7E17B}" dt="2020-01-16T12:48:56.620" v="814" actId="20577"/>
+          <ac:spMkLst>
+            <pc:docMk/>
+            <pc:sldMk cId="2886319738" sldId="317"/>
+            <ac:spMk id="23553" creationId="{5E6C904F-B0D2-8542-BF56-4B43E4386E3D}"/>
+          </ac:spMkLst>
+        </pc:spChg>
+        <pc:picChg chg="add mod">
+          <ac:chgData name="Long B Nguyen" userId="f59fb8f3-a021-417a-8bc1-65c8d471c621" providerId="ADAL" clId="{6AC26564-89E3-E046-BFB4-F80582D7E17B}" dt="2020-01-16T12:47:30.817" v="764" actId="1076"/>
+          <ac:picMkLst>
+            <pc:docMk/>
+            <pc:sldMk cId="2886319738" sldId="317"/>
+            <ac:picMk id="2" creationId="{D5FC4C3C-5059-9845-989F-6DA2B906114F}"/>
+          </ac:picMkLst>
+        </pc:picChg>
+        <pc:picChg chg="del">
+          <ac:chgData name="Long B Nguyen" userId="f59fb8f3-a021-417a-8bc1-65c8d471c621" providerId="ADAL" clId="{6AC26564-89E3-E046-BFB4-F80582D7E17B}" dt="2020-01-16T12:47:24.975" v="761" actId="478"/>
+          <ac:picMkLst>
+            <pc:docMk/>
+            <pc:sldMk cId="2886319738" sldId="317"/>
+            <ac:picMk id="23555" creationId="{03C56796-055B-E94B-ACE3-C4CD06B2EB8A}"/>
+          </ac:picMkLst>
+        </pc:picChg>
       </pc:sldChg>
       <pc:sldChg chg="del">
         <pc:chgData name="Long B Nguyen" userId="f59fb8f3-a021-417a-8bc1-65c8d471c621" providerId="ADAL" clId="{6AC26564-89E3-E046-BFB4-F80582D7E17B}" dt="2020-01-13T13:43:16.993" v="0" actId="2696"/>
@@ -813,21 +838,37 @@
           <pc:sldMk cId="924617162" sldId="319"/>
         </pc:sldMkLst>
       </pc:sldChg>
-      <pc:sldChg chg="add">
-        <pc:chgData name="Long B Nguyen" userId="f59fb8f3-a021-417a-8bc1-65c8d471c621" providerId="ADAL" clId="{6AC26564-89E3-E046-BFB4-F80582D7E17B}" dt="2020-01-13T13:43:29.420" v="22"/>
+      <pc:sldChg chg="modSp add modAnim">
+        <pc:chgData name="Long B Nguyen" userId="f59fb8f3-a021-417a-8bc1-65c8d471c621" providerId="ADAL" clId="{6AC26564-89E3-E046-BFB4-F80582D7E17B}" dt="2020-01-16T12:52:51.863" v="1123"/>
         <pc:sldMkLst>
           <pc:docMk/>
           <pc:sldMk cId="3906700287" sldId="319"/>
         </pc:sldMkLst>
+        <pc:spChg chg="mod">
+          <ac:chgData name="Long B Nguyen" userId="f59fb8f3-a021-417a-8bc1-65c8d471c621" providerId="ADAL" clId="{6AC26564-89E3-E046-BFB4-F80582D7E17B}" dt="2020-01-16T12:52:41.941" v="1121" actId="20577"/>
+          <ac:spMkLst>
+            <pc:docMk/>
+            <pc:sldMk cId="3906700287" sldId="319"/>
+            <ac:spMk id="3" creationId="{6BAAF3A1-8774-5448-8A90-E12045B4D3F2}"/>
+          </ac:spMkLst>
+        </pc:spChg>
+        <pc:picChg chg="mod">
+          <ac:chgData name="Long B Nguyen" userId="f59fb8f3-a021-417a-8bc1-65c8d471c621" providerId="ADAL" clId="{6AC26564-89E3-E046-BFB4-F80582D7E17B}" dt="2020-01-16T12:52:39.412" v="1113" actId="1076"/>
+          <ac:picMkLst>
+            <pc:docMk/>
+            <pc:sldMk cId="3906700287" sldId="319"/>
+            <ac:picMk id="27653" creationId="{75F4E284-8B62-804D-956D-6A4F07E681AD}"/>
+          </ac:picMkLst>
+        </pc:picChg>
       </pc:sldChg>
-      <pc:sldChg chg="modSp add">
-        <pc:chgData name="Long B Nguyen" userId="f59fb8f3-a021-417a-8bc1-65c8d471c621" providerId="ADAL" clId="{6AC26564-89E3-E046-BFB4-F80582D7E17B}" dt="2020-01-13T14:07:23.755" v="255" actId="12"/>
+      <pc:sldChg chg="modSp add modAnim">
+        <pc:chgData name="Long B Nguyen" userId="f59fb8f3-a021-417a-8bc1-65c8d471c621" providerId="ADAL" clId="{6AC26564-89E3-E046-BFB4-F80582D7E17B}" dt="2020-01-16T12:53:13.597" v="1127"/>
         <pc:sldMkLst>
           <pc:docMk/>
           <pc:sldMk cId="1810541734" sldId="320"/>
         </pc:sldMkLst>
         <pc:spChg chg="mod">
-          <ac:chgData name="Long B Nguyen" userId="f59fb8f3-a021-417a-8bc1-65c8d471c621" providerId="ADAL" clId="{6AC26564-89E3-E046-BFB4-F80582D7E17B}" dt="2020-01-13T14:07:23.755" v="255" actId="12"/>
+          <ac:chgData name="Long B Nguyen" userId="f59fb8f3-a021-417a-8bc1-65c8d471c621" providerId="ADAL" clId="{6AC26564-89E3-E046-BFB4-F80582D7E17B}" dt="2020-01-14T14:42:38.364" v="596" actId="20577"/>
           <ac:spMkLst>
             <pc:docMk/>
             <pc:sldMk cId="1810541734" sldId="320"/>
@@ -926,12 +967,20 @@
           <pc:sldMk cId="1724104636" sldId="327"/>
         </pc:sldMkLst>
       </pc:sldChg>
-      <pc:sldChg chg="add">
-        <pc:chgData name="Long B Nguyen" userId="f59fb8f3-a021-417a-8bc1-65c8d471c621" providerId="ADAL" clId="{6AC26564-89E3-E046-BFB4-F80582D7E17B}" dt="2020-01-13T13:43:29.420" v="22"/>
+      <pc:sldChg chg="modSp add">
+        <pc:chgData name="Long B Nguyen" userId="f59fb8f3-a021-417a-8bc1-65c8d471c621" providerId="ADAL" clId="{6AC26564-89E3-E046-BFB4-F80582D7E17B}" dt="2020-01-16T12:53:51.150" v="1128" actId="1076"/>
         <pc:sldMkLst>
           <pc:docMk/>
           <pc:sldMk cId="4174920299" sldId="327"/>
         </pc:sldMkLst>
+        <pc:spChg chg="mod">
+          <ac:chgData name="Long B Nguyen" userId="f59fb8f3-a021-417a-8bc1-65c8d471c621" providerId="ADAL" clId="{6AC26564-89E3-E046-BFB4-F80582D7E17B}" dt="2020-01-16T12:53:51.150" v="1128" actId="1076"/>
+          <ac:spMkLst>
+            <pc:docMk/>
+            <pc:sldMk cId="4174920299" sldId="327"/>
+            <ac:spMk id="35842" creationId="{0B0C4E89-D419-8343-A309-ADA122397E36}"/>
+          </ac:spMkLst>
+        </pc:spChg>
       </pc:sldChg>
       <pc:sldChg chg="add">
         <pc:chgData name="Long B Nguyen" userId="f59fb8f3-a021-417a-8bc1-65c8d471c621" providerId="ADAL" clId="{6AC26564-89E3-E046-BFB4-F80582D7E17B}" dt="2020-01-13T13:43:29.420" v="22"/>
@@ -947,8 +996,8 @@
           <pc:sldMk cId="3894299887" sldId="328"/>
         </pc:sldMkLst>
       </pc:sldChg>
-      <pc:sldChg chg="addSp modSp add">
-        <pc:chgData name="Long B Nguyen" userId="f59fb8f3-a021-417a-8bc1-65c8d471c621" providerId="ADAL" clId="{6AC26564-89E3-E046-BFB4-F80582D7E17B}" dt="2020-01-13T14:12:22.399" v="366" actId="1076"/>
+      <pc:sldChg chg="addSp modSp add modAnim">
+        <pc:chgData name="Long B Nguyen" userId="f59fb8f3-a021-417a-8bc1-65c8d471c621" providerId="ADAL" clId="{6AC26564-89E3-E046-BFB4-F80582D7E17B}" dt="2020-01-16T12:55:13.445" v="1133"/>
         <pc:sldMkLst>
           <pc:docMk/>
           <pc:sldMk cId="3080714931" sldId="329"/>
@@ -1001,12 +1050,20 @@
           <pc:sldMk cId="4294143140" sldId="329"/>
         </pc:sldMkLst>
       </pc:sldChg>
-      <pc:sldChg chg="add">
-        <pc:chgData name="Long B Nguyen" userId="f59fb8f3-a021-417a-8bc1-65c8d471c621" providerId="ADAL" clId="{6AC26564-89E3-E046-BFB4-F80582D7E17B}" dt="2020-01-13T13:43:29.420" v="22"/>
+      <pc:sldChg chg="modSp add">
+        <pc:chgData name="Long B Nguyen" userId="f59fb8f3-a021-417a-8bc1-65c8d471c621" providerId="ADAL" clId="{6AC26564-89E3-E046-BFB4-F80582D7E17B}" dt="2020-01-16T12:55:29.239" v="1161" actId="20577"/>
         <pc:sldMkLst>
           <pc:docMk/>
           <pc:sldMk cId="532184546" sldId="330"/>
         </pc:sldMkLst>
+        <pc:spChg chg="mod">
+          <ac:chgData name="Long B Nguyen" userId="f59fb8f3-a021-417a-8bc1-65c8d471c621" providerId="ADAL" clId="{6AC26564-89E3-E046-BFB4-F80582D7E17B}" dt="2020-01-16T12:55:29.239" v="1161" actId="20577"/>
+          <ac:spMkLst>
+            <pc:docMk/>
+            <pc:sldMk cId="532184546" sldId="330"/>
+            <ac:spMk id="39937" creationId="{8C524C6D-7080-AE45-B989-CF5B895D67C8}"/>
+          </ac:spMkLst>
+        </pc:spChg>
       </pc:sldChg>
       <pc:sldChg chg="del">
         <pc:chgData name="Long B Nguyen" userId="f59fb8f3-a021-417a-8bc1-65c8d471c621" providerId="ADAL" clId="{6AC26564-89E3-E046-BFB4-F80582D7E17B}" dt="2020-01-13T13:43:17.136" v="8" actId="2696"/>
@@ -1015,12 +1072,20 @@
           <pc:sldMk cId="3594730708" sldId="330"/>
         </pc:sldMkLst>
       </pc:sldChg>
-      <pc:sldChg chg="add">
-        <pc:chgData name="Long B Nguyen" userId="f59fb8f3-a021-417a-8bc1-65c8d471c621" providerId="ADAL" clId="{6AC26564-89E3-E046-BFB4-F80582D7E17B}" dt="2020-01-13T13:43:29.420" v="22"/>
+      <pc:sldChg chg="modSp add">
+        <pc:chgData name="Long B Nguyen" userId="f59fb8f3-a021-417a-8bc1-65c8d471c621" providerId="ADAL" clId="{6AC26564-89E3-E046-BFB4-F80582D7E17B}" dt="2020-01-16T12:55:34.788" v="1174" actId="20577"/>
         <pc:sldMkLst>
           <pc:docMk/>
           <pc:sldMk cId="3264629021" sldId="331"/>
         </pc:sldMkLst>
+        <pc:spChg chg="mod">
+          <ac:chgData name="Long B Nguyen" userId="f59fb8f3-a021-417a-8bc1-65c8d471c621" providerId="ADAL" clId="{6AC26564-89E3-E046-BFB4-F80582D7E17B}" dt="2020-01-16T12:55:34.788" v="1174" actId="20577"/>
+          <ac:spMkLst>
+            <pc:docMk/>
+            <pc:sldMk cId="3264629021" sldId="331"/>
+            <ac:spMk id="40961" creationId="{296F68FC-4103-DB4E-A72A-65C1FF52FEE9}"/>
+          </ac:spMkLst>
+        </pc:spChg>
       </pc:sldChg>
       <pc:sldChg chg="del">
         <pc:chgData name="Long B Nguyen" userId="f59fb8f3-a021-417a-8bc1-65c8d471c621" providerId="ADAL" clId="{6AC26564-89E3-E046-BFB4-F80582D7E17B}" dt="2020-01-13T13:43:17.188" v="12" actId="2696"/>
@@ -1086,8 +1151,8 @@
           <pc:sldMk cId="461704868" sldId="337"/>
         </pc:sldMkLst>
       </pc:sldChg>
-      <pc:sldChg chg="add">
-        <pc:chgData name="Long B Nguyen" userId="f59fb8f3-a021-417a-8bc1-65c8d471c621" providerId="ADAL" clId="{6AC26564-89E3-E046-BFB4-F80582D7E17B}" dt="2020-01-13T13:43:29.420" v="22"/>
+      <pc:sldChg chg="add modAnim">
+        <pc:chgData name="Long B Nguyen" userId="f59fb8f3-a021-417a-8bc1-65c8d471c621" providerId="ADAL" clId="{6AC26564-89E3-E046-BFB4-F80582D7E17B}" dt="2020-01-16T12:56:30.213" v="1179"/>
         <pc:sldMkLst>
           <pc:docMk/>
           <pc:sldMk cId="545386500" sldId="338"/>
@@ -1100,12 +1165,20 @@
           <pc:sldMk cId="1791361008" sldId="339"/>
         </pc:sldMkLst>
       </pc:sldChg>
-      <pc:sldChg chg="add">
-        <pc:chgData name="Long B Nguyen" userId="f59fb8f3-a021-417a-8bc1-65c8d471c621" providerId="ADAL" clId="{6AC26564-89E3-E046-BFB4-F80582D7E17B}" dt="2020-01-13T13:43:29.420" v="22"/>
+      <pc:sldChg chg="modSp add modAnim">
+        <pc:chgData name="Long B Nguyen" userId="f59fb8f3-a021-417a-8bc1-65c8d471c621" providerId="ADAL" clId="{6AC26564-89E3-E046-BFB4-F80582D7E17B}" dt="2020-01-16T12:56:22.622" v="1178"/>
         <pc:sldMkLst>
           <pc:docMk/>
           <pc:sldMk cId="678299524" sldId="340"/>
         </pc:sldMkLst>
+        <pc:spChg chg="mod">
+          <ac:chgData name="Long B Nguyen" userId="f59fb8f3-a021-417a-8bc1-65c8d471c621" providerId="ADAL" clId="{6AC26564-89E3-E046-BFB4-F80582D7E17B}" dt="2020-01-16T12:56:12.663" v="1177" actId="20577"/>
+          <ac:spMkLst>
+            <pc:docMk/>
+            <pc:sldMk cId="678299524" sldId="340"/>
+            <ac:spMk id="50178" creationId="{67FBFF4E-84BD-104A-B697-66B57B261691}"/>
+          </ac:spMkLst>
+        </pc:spChg>
       </pc:sldChg>
       <pc:sldChg chg="modSp add modAnim">
         <pc:chgData name="Long B Nguyen" userId="f59fb8f3-a021-417a-8bc1-65c8d471c621" providerId="ADAL" clId="{6AC26564-89E3-E046-BFB4-F80582D7E17B}" dt="2020-01-13T14:19:32.433" v="590" actId="20577"/>
@@ -1129,12 +1202,20 @@
           <pc:sldMk cId="2214326257" sldId="342"/>
         </pc:sldMkLst>
       </pc:sldChg>
-      <pc:sldChg chg="add">
-        <pc:chgData name="Long B Nguyen" userId="f59fb8f3-a021-417a-8bc1-65c8d471c621" providerId="ADAL" clId="{6AC26564-89E3-E046-BFB4-F80582D7E17B}" dt="2020-01-13T13:43:29.420" v="22"/>
+      <pc:sldChg chg="modSp add">
+        <pc:chgData name="Long B Nguyen" userId="f59fb8f3-a021-417a-8bc1-65c8d471c621" providerId="ADAL" clId="{6AC26564-89E3-E046-BFB4-F80582D7E17B}" dt="2020-01-14T14:43:22.774" v="624" actId="20577"/>
         <pc:sldMkLst>
           <pc:docMk/>
           <pc:sldMk cId="1356056044" sldId="343"/>
         </pc:sldMkLst>
+        <pc:spChg chg="mod">
+          <ac:chgData name="Long B Nguyen" userId="f59fb8f3-a021-417a-8bc1-65c8d471c621" providerId="ADAL" clId="{6AC26564-89E3-E046-BFB4-F80582D7E17B}" dt="2020-01-14T14:43:22.774" v="624" actId="20577"/>
+          <ac:spMkLst>
+            <pc:docMk/>
+            <pc:sldMk cId="1356056044" sldId="343"/>
+            <ac:spMk id="3" creationId="{BB84A3DF-3845-E44E-BE23-31EA988FAEBB}"/>
+          </ac:spMkLst>
+        </pc:spChg>
       </pc:sldChg>
       <pc:sldChg chg="modSp add">
         <pc:chgData name="Long B Nguyen" userId="f59fb8f3-a021-417a-8bc1-65c8d471c621" providerId="ADAL" clId="{6AC26564-89E3-E046-BFB4-F80582D7E17B}" dt="2020-01-13T13:52:32.924" v="99" actId="2711"/>
@@ -1151,12 +1232,36 @@
           </ac:spMkLst>
         </pc:spChg>
       </pc:sldChg>
-      <pc:sldChg chg="add">
-        <pc:chgData name="Long B Nguyen" userId="f59fb8f3-a021-417a-8bc1-65c8d471c621" providerId="ADAL" clId="{6AC26564-89E3-E046-BFB4-F80582D7E17B}" dt="2020-01-13T13:43:29.420" v="22"/>
+      <pc:sldChg chg="modSp add modAnim">
+        <pc:chgData name="Long B Nguyen" userId="f59fb8f3-a021-417a-8bc1-65c8d471c621" providerId="ADAL" clId="{6AC26564-89E3-E046-BFB4-F80582D7E17B}" dt="2020-01-16T12:52:56.169" v="1124"/>
         <pc:sldMkLst>
           <pc:docMk/>
           <pc:sldMk cId="902308803" sldId="345"/>
         </pc:sldMkLst>
+        <pc:spChg chg="mod">
+          <ac:chgData name="Long B Nguyen" userId="f59fb8f3-a021-417a-8bc1-65c8d471c621" providerId="ADAL" clId="{6AC26564-89E3-E046-BFB4-F80582D7E17B}" dt="2020-01-16T12:51:09.080" v="992" actId="1076"/>
+          <ac:spMkLst>
+            <pc:docMk/>
+            <pc:sldMk cId="902308803" sldId="345"/>
+            <ac:spMk id="26625" creationId="{EEE37393-73E7-7A42-A21D-4773DC200BF6}"/>
+          </ac:spMkLst>
+        </pc:spChg>
+        <pc:spChg chg="mod">
+          <ac:chgData name="Long B Nguyen" userId="f59fb8f3-a021-417a-8bc1-65c8d471c621" providerId="ADAL" clId="{6AC26564-89E3-E046-BFB4-F80582D7E17B}" dt="2020-01-16T12:51:14.786" v="994" actId="255"/>
+          <ac:spMkLst>
+            <pc:docMk/>
+            <pc:sldMk cId="902308803" sldId="345"/>
+            <ac:spMk id="26626" creationId="{EBDCF6EE-E392-F04F-9B69-A1B47BE13E5F}"/>
+          </ac:spMkLst>
+        </pc:spChg>
+        <pc:picChg chg="mod">
+          <ac:chgData name="Long B Nguyen" userId="f59fb8f3-a021-417a-8bc1-65c8d471c621" providerId="ADAL" clId="{6AC26564-89E3-E046-BFB4-F80582D7E17B}" dt="2020-01-16T12:51:17.248" v="995" actId="1076"/>
+          <ac:picMkLst>
+            <pc:docMk/>
+            <pc:sldMk cId="902308803" sldId="345"/>
+            <ac:picMk id="26627" creationId="{4CB819D5-BF58-EF49-ADC3-C5DAC8299BED}"/>
+          </ac:picMkLst>
+        </pc:picChg>
       </pc:sldChg>
       <pc:sldChg chg="add">
         <pc:chgData name="Long B Nguyen" userId="f59fb8f3-a021-417a-8bc1-65c8d471c621" providerId="ADAL" clId="{6AC26564-89E3-E046-BFB4-F80582D7E17B}" dt="2020-01-13T13:43:29.420" v="22"/>
@@ -1173,19 +1278,58 @@
         </pc:sldMkLst>
       </pc:sldChg>
       <pc:sldChg chg="modSp add">
-        <pc:chgData name="Long B Nguyen" userId="f59fb8f3-a021-417a-8bc1-65c8d471c621" providerId="ADAL" clId="{6AC26564-89E3-E046-BFB4-F80582D7E17B}" dt="2020-01-13T14:10:12.188" v="325" actId="20577"/>
+        <pc:chgData name="Long B Nguyen" userId="f59fb8f3-a021-417a-8bc1-65c8d471c621" providerId="ADAL" clId="{6AC26564-89E3-E046-BFB4-F80582D7E17B}" dt="2020-01-14T14:41:50.033" v="591" actId="1076"/>
         <pc:sldMkLst>
           <pc:docMk/>
           <pc:sldMk cId="3556500226" sldId="347"/>
         </pc:sldMkLst>
         <pc:spChg chg="mod">
-          <ac:chgData name="Long B Nguyen" userId="f59fb8f3-a021-417a-8bc1-65c8d471c621" providerId="ADAL" clId="{6AC26564-89E3-E046-BFB4-F80582D7E17B}" dt="2020-01-13T14:10:12.188" v="325" actId="20577"/>
+          <ac:chgData name="Long B Nguyen" userId="f59fb8f3-a021-417a-8bc1-65c8d471c621" providerId="ADAL" clId="{6AC26564-89E3-E046-BFB4-F80582D7E17B}" dt="2020-01-14T14:41:50.033" v="591" actId="1076"/>
           <ac:spMkLst>
             <pc:docMk/>
             <pc:sldMk cId="3556500226" sldId="347"/>
             <ac:spMk id="35842" creationId="{0B0C4E89-D419-8343-A309-ADA122397E36}"/>
           </ac:spMkLst>
         </pc:spChg>
+      </pc:sldChg>
+      <pc:sldChg chg="addSp delSp modSp add">
+        <pc:chgData name="Long B Nguyen" userId="f59fb8f3-a021-417a-8bc1-65c8d471c621" providerId="ADAL" clId="{6AC26564-89E3-E046-BFB4-F80582D7E17B}" dt="2020-01-16T12:48:48.788" v="791" actId="20577"/>
+        <pc:sldMkLst>
+          <pc:docMk/>
+          <pc:sldMk cId="3512088914" sldId="348"/>
+        </pc:sldMkLst>
+        <pc:spChg chg="mod">
+          <ac:chgData name="Long B Nguyen" userId="f59fb8f3-a021-417a-8bc1-65c8d471c621" providerId="ADAL" clId="{6AC26564-89E3-E046-BFB4-F80582D7E17B}" dt="2020-01-16T12:48:48.788" v="791" actId="20577"/>
+          <ac:spMkLst>
+            <pc:docMk/>
+            <pc:sldMk cId="3512088914" sldId="348"/>
+            <ac:spMk id="23553" creationId="{5E6C904F-B0D2-8542-BF56-4B43E4386E3D}"/>
+          </ac:spMkLst>
+        </pc:spChg>
+        <pc:picChg chg="del">
+          <ac:chgData name="Long B Nguyen" userId="f59fb8f3-a021-417a-8bc1-65c8d471c621" providerId="ADAL" clId="{6AC26564-89E3-E046-BFB4-F80582D7E17B}" dt="2020-01-16T12:47:37.467" v="765" actId="478"/>
+          <ac:picMkLst>
+            <pc:docMk/>
+            <pc:sldMk cId="3512088914" sldId="348"/>
+            <ac:picMk id="2" creationId="{D5FC4C3C-5059-9845-989F-6DA2B906114F}"/>
+          </ac:picMkLst>
+        </pc:picChg>
+        <pc:picChg chg="add mod">
+          <ac:chgData name="Long B Nguyen" userId="f59fb8f3-a021-417a-8bc1-65c8d471c621" providerId="ADAL" clId="{6AC26564-89E3-E046-BFB4-F80582D7E17B}" dt="2020-01-16T12:47:50.861" v="770" actId="1076"/>
+          <ac:picMkLst>
+            <pc:docMk/>
+            <pc:sldMk cId="3512088914" sldId="348"/>
+            <ac:picMk id="3" creationId="{CB795113-FB6C-E648-85D0-183CDD5AF882}"/>
+          </ac:picMkLst>
+        </pc:picChg>
+        <pc:picChg chg="del">
+          <ac:chgData name="Long B Nguyen" userId="f59fb8f3-a021-417a-8bc1-65c8d471c621" providerId="ADAL" clId="{6AC26564-89E3-E046-BFB4-F80582D7E17B}" dt="2020-01-16T12:47:46.031" v="767" actId="478"/>
+          <ac:picMkLst>
+            <pc:docMk/>
+            <pc:sldMk cId="3512088914" sldId="348"/>
+            <ac:picMk id="23555" creationId="{03C56796-055B-E94B-ACE3-C4CD06B2EB8A}"/>
+          </ac:picMkLst>
+        </pc:picChg>
       </pc:sldChg>
     </pc:docChg>
   </pc:docChgLst>
@@ -1899,7 +2043,7 @@
           <a:p>
             <a:fld id="{4AAD347D-5ACD-4C99-B74B-A9C85AD731AF}" type="datetimeFigureOut">
               <a:rPr lang="en-US" smtClean="0"/>
-              <a:t>1/13/20</a:t>
+              <a:t>1/16/20</a:t>
             </a:fld>
             <a:endParaRPr lang="en-US" dirty="0"/>
           </a:p>
@@ -2069,7 +2213,7 @@
           <a:p>
             <a:fld id="{4509A250-FF31-4206-8172-F9D3106AACB1}" type="datetimeFigureOut">
               <a:rPr lang="en-US" smtClean="0"/>
-              <a:t>1/13/20</a:t>
+              <a:t>1/16/20</a:t>
             </a:fld>
             <a:endParaRPr lang="en-US" dirty="0"/>
           </a:p>
@@ -2249,7 +2393,7 @@
           <a:p>
             <a:fld id="{4509A250-FF31-4206-8172-F9D3106AACB1}" type="datetimeFigureOut">
               <a:rPr lang="en-US" smtClean="0"/>
-              <a:t>1/13/20</a:t>
+              <a:t>1/16/20</a:t>
             </a:fld>
             <a:endParaRPr lang="en-US" dirty="0"/>
           </a:p>
@@ -2419,7 +2563,7 @@
           <a:p>
             <a:fld id="{4509A250-FF31-4206-8172-F9D3106AACB1}" type="datetimeFigureOut">
               <a:rPr lang="en-US" smtClean="0"/>
-              <a:t>1/13/20</a:t>
+              <a:t>1/16/20</a:t>
             </a:fld>
             <a:endParaRPr lang="en-US" dirty="0"/>
           </a:p>
@@ -2665,7 +2809,7 @@
           <a:p>
             <a:fld id="{9796027F-7875-4030-9381-8BD8C4F21935}" type="datetimeFigureOut">
               <a:rPr lang="en-US" smtClean="0"/>
-              <a:t>1/13/20</a:t>
+              <a:t>1/16/20</a:t>
             </a:fld>
             <a:endParaRPr lang="en-US" dirty="0"/>
           </a:p>
@@ -2897,7 +3041,7 @@
           <a:p>
             <a:fld id="{9796027F-7875-4030-9381-8BD8C4F21935}" type="datetimeFigureOut">
               <a:rPr lang="en-US" smtClean="0"/>
-              <a:t>1/13/20</a:t>
+              <a:t>1/16/20</a:t>
             </a:fld>
             <a:endParaRPr lang="en-US" dirty="0"/>
           </a:p>
@@ -3264,7 +3408,7 @@
           <a:p>
             <a:fld id="{9796027F-7875-4030-9381-8BD8C4F21935}" type="datetimeFigureOut">
               <a:rPr lang="en-US" smtClean="0"/>
-              <a:t>1/13/20</a:t>
+              <a:t>1/16/20</a:t>
             </a:fld>
             <a:endParaRPr lang="en-US" dirty="0"/>
           </a:p>
@@ -3382,7 +3526,7 @@
           <a:p>
             <a:fld id="{4509A250-FF31-4206-8172-F9D3106AACB1}" type="datetimeFigureOut">
               <a:rPr lang="en-US" smtClean="0"/>
-              <a:t>1/13/20</a:t>
+              <a:t>1/16/20</a:t>
             </a:fld>
             <a:endParaRPr lang="en-US" dirty="0"/>
           </a:p>
@@ -3477,7 +3621,7 @@
           <a:p>
             <a:fld id="{4509A250-FF31-4206-8172-F9D3106AACB1}" type="datetimeFigureOut">
               <a:rPr lang="en-US" smtClean="0"/>
-              <a:t>1/13/20</a:t>
+              <a:t>1/16/20</a:t>
             </a:fld>
             <a:endParaRPr lang="en-US" dirty="0"/>
           </a:p>
@@ -3754,7 +3898,7 @@
           <a:p>
             <a:fld id="{4509A250-FF31-4206-8172-F9D3106AACB1}" type="datetimeFigureOut">
               <a:rPr lang="en-US" smtClean="0"/>
-              <a:t>1/13/20</a:t>
+              <a:t>1/16/20</a:t>
             </a:fld>
             <a:endParaRPr lang="en-US" dirty="0"/>
           </a:p>
@@ -4011,7 +4155,7 @@
           <a:p>
             <a:fld id="{4509A250-FF31-4206-8172-F9D3106AACB1}" type="datetimeFigureOut">
               <a:rPr lang="en-US" smtClean="0"/>
-              <a:t>1/13/20</a:t>
+              <a:t>1/16/20</a:t>
             </a:fld>
             <a:endParaRPr lang="en-US" dirty="0"/>
           </a:p>
@@ -4224,7 +4368,7 @@
           <a:p>
             <a:fld id="{4AAD347D-5ACD-4C99-B74B-A9C85AD731AF}" type="datetimeFigureOut">
               <a:rPr lang="en-US" smtClean="0"/>
-              <a:t>1/13/20</a:t>
+              <a:t>1/16/20</a:t>
             </a:fld>
             <a:endParaRPr lang="en-US" dirty="0"/>
           </a:p>
@@ -4929,6 +5073,867 @@
       </p:grpSpPr>
       <p:sp>
         <p:nvSpPr>
+          <p:cNvPr id="27649" name="Title 1">
+            <a:extLst>
+              <a:ext uri="{FF2B5EF4-FFF2-40B4-BE49-F238E27FC236}">
+                <a16:creationId xmlns:a16="http://schemas.microsoft.com/office/drawing/2014/main" id="{6DF2718B-6957-A844-8110-C38E5F3B4833}"/>
+              </a:ext>
+            </a:extLst>
+          </p:cNvPr>
+          <p:cNvSpPr>
+            <a:spLocks noGrp="1" noChangeArrowheads="1"/>
+          </p:cNvSpPr>
+          <p:nvPr>
+            <p:ph type="title"/>
+          </p:nvPr>
+        </p:nvSpPr>
+        <p:spPr/>
+        <p:txBody>
+          <a:bodyPr/>
+          <a:lstStyle/>
+          <a:p>
+            <a:pPr eaLnBrk="1" hangingPunct="1"/>
+            <a:r>
+              <a:rPr lang="en-US" altLang="en-US">
+                <a:ea typeface="ＭＳ Ｐゴシック" panose="020B0600070205080204" pitchFamily="34" charset="-128"/>
+              </a:rPr>
+              <a:t>Adding Binary</a:t>
+            </a:r>
+          </a:p>
+        </p:txBody>
+      </p:sp>
+      <p:sp>
+        <p:nvSpPr>
+          <p:cNvPr id="3" name="Content Placeholder 2">
+            <a:extLst>
+              <a:ext uri="{FF2B5EF4-FFF2-40B4-BE49-F238E27FC236}">
+                <a16:creationId xmlns:a16="http://schemas.microsoft.com/office/drawing/2014/main" id="{6BAAF3A1-8774-5448-8A90-E12045B4D3F2}"/>
+              </a:ext>
+            </a:extLst>
+          </p:cNvPr>
+          <p:cNvSpPr>
+            <a:spLocks noGrp="1"/>
+          </p:cNvSpPr>
+          <p:nvPr>
+            <p:ph idx="1"/>
+          </p:nvPr>
+        </p:nvSpPr>
+        <p:spPr>
+          <a:xfrm>
+            <a:off x="628650" y="1116282"/>
+            <a:ext cx="7886700" cy="4031188"/>
+          </a:xfrm>
+        </p:spPr>
+        <p:txBody>
+          <a:bodyPr/>
+          <a:lstStyle/>
+          <a:p>
+            <a:pPr marL="0" indent="0">
+              <a:buNone/>
+              <a:defRPr/>
+            </a:pPr>
+            <a:r>
+              <a:rPr lang="en-US" altLang="zh-CN" sz="2000" dirty="0">
+                <a:ea typeface="宋体" charset="0"/>
+                <a:cs typeface="宋体" charset="0"/>
+              </a:rPr>
+              <a:t>Add from right to left as usual. Follow the three rules below and remember to carry. </a:t>
+            </a:r>
+          </a:p>
+          <a:p>
+            <a:pPr marL="0" indent="0" algn="ctr">
+              <a:buNone/>
+              <a:defRPr/>
+            </a:pPr>
+            <a:r>
+              <a:rPr lang="en-US" altLang="zh-CN" sz="2000" dirty="0">
+                <a:ea typeface="宋体" charset="0"/>
+                <a:cs typeface="宋体" charset="0"/>
+              </a:rPr>
+              <a:t>0 + 0 = 0</a:t>
+            </a:r>
+          </a:p>
+          <a:p>
+            <a:pPr marL="0" indent="0" algn="ctr">
+              <a:buNone/>
+              <a:defRPr/>
+            </a:pPr>
+            <a:r>
+              <a:rPr lang="en-US" altLang="zh-CN" sz="2000" dirty="0">
+                <a:ea typeface="宋体" charset="0"/>
+                <a:cs typeface="宋体" charset="0"/>
+              </a:rPr>
+              <a:t>1 + 0 = 1</a:t>
+            </a:r>
+          </a:p>
+          <a:p>
+            <a:pPr marL="0" indent="0" algn="ctr">
+              <a:buNone/>
+              <a:defRPr/>
+            </a:pPr>
+            <a:r>
+              <a:rPr lang="en-US" altLang="zh-CN" sz="2000" dirty="0">
+                <a:ea typeface="宋体" charset="0"/>
+                <a:cs typeface="宋体" charset="0"/>
+              </a:rPr>
+              <a:t>1 + 1 = 10</a:t>
+            </a:r>
+            <a:endParaRPr lang="en-US" sz="2000" dirty="0"/>
+          </a:p>
+          <a:p>
+            <a:pPr marL="0" indent="0">
+              <a:buNone/>
+              <a:defRPr/>
+            </a:pPr>
+            <a:r>
+              <a:rPr lang="en-US" sz="2000" dirty="0"/>
+              <a:t>Example:</a:t>
+            </a:r>
+          </a:p>
+          <a:p>
+            <a:pPr marL="0" indent="0">
+              <a:buNone/>
+              <a:defRPr/>
+            </a:pPr>
+            <a:endParaRPr lang="en-US" sz="1833" dirty="0"/>
+          </a:p>
+          <a:p>
+            <a:pPr marL="0" indent="0">
+              <a:buNone/>
+              <a:defRPr/>
+            </a:pPr>
+            <a:endParaRPr lang="en-US" sz="1833" dirty="0">
+              <a:latin typeface="Tahoma"/>
+              <a:cs typeface="Tahoma"/>
+            </a:endParaRPr>
+          </a:p>
+        </p:txBody>
+      </p:sp>
+      <p:sp>
+        <p:nvSpPr>
+          <p:cNvPr id="27651" name="TextBox 3">
+            <a:extLst>
+              <a:ext uri="{FF2B5EF4-FFF2-40B4-BE49-F238E27FC236}">
+                <a16:creationId xmlns:a16="http://schemas.microsoft.com/office/drawing/2014/main" id="{6FC605D7-3622-AB4C-89F0-D1DD9A54F1CD}"/>
+              </a:ext>
+            </a:extLst>
+          </p:cNvPr>
+          <p:cNvSpPr txBox="1">
+            <a:spLocks noChangeArrowheads="1"/>
+          </p:cNvSpPr>
+          <p:nvPr/>
+        </p:nvSpPr>
+        <p:spPr bwMode="auto">
+          <a:xfrm>
+            <a:off x="3012282" y="1660261"/>
+            <a:ext cx="184731" cy="323165"/>
+          </a:xfrm>
+          <a:prstGeom prst="rect">
+            <a:avLst/>
+          </a:prstGeom>
+          <a:noFill/>
+          <a:ln>
+            <a:noFill/>
+          </a:ln>
+          <a:extLst>
+            <a:ext uri="{909E8E84-426E-40DD-AFC4-6F175D3DCCD1}">
+              <a14:hiddenFill xmlns:a14="http://schemas.microsoft.com/office/drawing/2010/main">
+                <a:solidFill>
+                  <a:srgbClr val="FFFFFF"/>
+                </a:solidFill>
+              </a14:hiddenFill>
+            </a:ext>
+            <a:ext uri="{91240B29-F687-4F45-9708-019B960494DF}">
+              <a14:hiddenLine xmlns:a14="http://schemas.microsoft.com/office/drawing/2010/main" w="9525">
+                <a:solidFill>
+                  <a:srgbClr val="000000"/>
+                </a:solidFill>
+                <a:miter lim="800000"/>
+                <a:headEnd/>
+                <a:tailEnd/>
+              </a14:hiddenLine>
+            </a:ext>
+          </a:extLst>
+        </p:spPr>
+        <p:txBody>
+          <a:bodyPr wrap="none">
+            <a:spAutoFit/>
+          </a:bodyPr>
+          <a:lstStyle>
+            <a:lvl1pPr>
+              <a:spcBef>
+                <a:spcPct val="20000"/>
+              </a:spcBef>
+              <a:buChar char="•"/>
+              <a:defRPr sz="3200">
+                <a:solidFill>
+                  <a:schemeClr val="tx1"/>
+                </a:solidFill>
+                <a:latin typeface="Arial" panose="020B0604020202020204" pitchFamily="34" charset="0"/>
+                <a:ea typeface="ＭＳ Ｐゴシック" panose="020B0600070205080204" pitchFamily="34" charset="-128"/>
+                <a:cs typeface="Arial" panose="020B0604020202020204" pitchFamily="34" charset="0"/>
+              </a:defRPr>
+            </a:lvl1pPr>
+            <a:lvl2pPr marL="742950" indent="-285750">
+              <a:spcBef>
+                <a:spcPct val="20000"/>
+              </a:spcBef>
+              <a:buChar char="–"/>
+              <a:defRPr sz="2800">
+                <a:solidFill>
+                  <a:schemeClr val="tx1"/>
+                </a:solidFill>
+                <a:latin typeface="Arial" panose="020B0604020202020204" pitchFamily="34" charset="0"/>
+                <a:ea typeface="Arial" panose="020B0604020202020204" pitchFamily="34" charset="0"/>
+                <a:cs typeface="Arial" panose="020B0604020202020204" pitchFamily="34" charset="0"/>
+              </a:defRPr>
+            </a:lvl2pPr>
+            <a:lvl3pPr marL="1143000" indent="-228600">
+              <a:spcBef>
+                <a:spcPct val="20000"/>
+              </a:spcBef>
+              <a:buChar char="•"/>
+              <a:defRPr sz="2400">
+                <a:solidFill>
+                  <a:schemeClr val="tx1"/>
+                </a:solidFill>
+                <a:latin typeface="Arial" panose="020B0604020202020204" pitchFamily="34" charset="0"/>
+                <a:ea typeface="Arial" panose="020B0604020202020204" pitchFamily="34" charset="0"/>
+                <a:cs typeface="Arial" panose="020B0604020202020204" pitchFamily="34" charset="0"/>
+              </a:defRPr>
+            </a:lvl3pPr>
+            <a:lvl4pPr marL="1600200" indent="-228600">
+              <a:spcBef>
+                <a:spcPct val="20000"/>
+              </a:spcBef>
+              <a:buChar char="–"/>
+              <a:defRPr sz="2000">
+                <a:solidFill>
+                  <a:schemeClr val="tx1"/>
+                </a:solidFill>
+                <a:latin typeface="Arial" panose="020B0604020202020204" pitchFamily="34" charset="0"/>
+                <a:ea typeface="Arial" panose="020B0604020202020204" pitchFamily="34" charset="0"/>
+                <a:cs typeface="Arial" panose="020B0604020202020204" pitchFamily="34" charset="0"/>
+              </a:defRPr>
+            </a:lvl4pPr>
+            <a:lvl5pPr marL="2057400" indent="-228600">
+              <a:spcBef>
+                <a:spcPct val="20000"/>
+              </a:spcBef>
+              <a:buChar char="»"/>
+              <a:defRPr sz="2000">
+                <a:solidFill>
+                  <a:schemeClr val="tx1"/>
+                </a:solidFill>
+                <a:latin typeface="Arial" panose="020B0604020202020204" pitchFamily="34" charset="0"/>
+                <a:ea typeface="Arial" panose="020B0604020202020204" pitchFamily="34" charset="0"/>
+                <a:cs typeface="Arial" panose="020B0604020202020204" pitchFamily="34" charset="0"/>
+              </a:defRPr>
+            </a:lvl5pPr>
+            <a:lvl6pPr marL="2514600" indent="-228600" eaLnBrk="0" fontAlgn="base" hangingPunct="0">
+              <a:spcBef>
+                <a:spcPct val="20000"/>
+              </a:spcBef>
+              <a:spcAft>
+                <a:spcPct val="0"/>
+              </a:spcAft>
+              <a:buChar char="»"/>
+              <a:defRPr sz="2000">
+                <a:solidFill>
+                  <a:schemeClr val="tx1"/>
+                </a:solidFill>
+                <a:latin typeface="Arial" panose="020B0604020202020204" pitchFamily="34" charset="0"/>
+                <a:ea typeface="Arial" panose="020B0604020202020204" pitchFamily="34" charset="0"/>
+                <a:cs typeface="Arial" panose="020B0604020202020204" pitchFamily="34" charset="0"/>
+              </a:defRPr>
+            </a:lvl6pPr>
+            <a:lvl7pPr marL="2971800" indent="-228600" eaLnBrk="0" fontAlgn="base" hangingPunct="0">
+              <a:spcBef>
+                <a:spcPct val="20000"/>
+              </a:spcBef>
+              <a:spcAft>
+                <a:spcPct val="0"/>
+              </a:spcAft>
+              <a:buChar char="»"/>
+              <a:defRPr sz="2000">
+                <a:solidFill>
+                  <a:schemeClr val="tx1"/>
+                </a:solidFill>
+                <a:latin typeface="Arial" panose="020B0604020202020204" pitchFamily="34" charset="0"/>
+                <a:ea typeface="Arial" panose="020B0604020202020204" pitchFamily="34" charset="0"/>
+                <a:cs typeface="Arial" panose="020B0604020202020204" pitchFamily="34" charset="0"/>
+              </a:defRPr>
+            </a:lvl7pPr>
+            <a:lvl8pPr marL="3429000" indent="-228600" eaLnBrk="0" fontAlgn="base" hangingPunct="0">
+              <a:spcBef>
+                <a:spcPct val="20000"/>
+              </a:spcBef>
+              <a:spcAft>
+                <a:spcPct val="0"/>
+              </a:spcAft>
+              <a:buChar char="»"/>
+              <a:defRPr sz="2000">
+                <a:solidFill>
+                  <a:schemeClr val="tx1"/>
+                </a:solidFill>
+                <a:latin typeface="Arial" panose="020B0604020202020204" pitchFamily="34" charset="0"/>
+                <a:ea typeface="Arial" panose="020B0604020202020204" pitchFamily="34" charset="0"/>
+                <a:cs typeface="Arial" panose="020B0604020202020204" pitchFamily="34" charset="0"/>
+              </a:defRPr>
+            </a:lvl8pPr>
+            <a:lvl9pPr marL="3886200" indent="-228600" eaLnBrk="0" fontAlgn="base" hangingPunct="0">
+              <a:spcBef>
+                <a:spcPct val="20000"/>
+              </a:spcBef>
+              <a:spcAft>
+                <a:spcPct val="0"/>
+              </a:spcAft>
+              <a:buChar char="»"/>
+              <a:defRPr sz="2000">
+                <a:solidFill>
+                  <a:schemeClr val="tx1"/>
+                </a:solidFill>
+                <a:latin typeface="Arial" panose="020B0604020202020204" pitchFamily="34" charset="0"/>
+                <a:ea typeface="Arial" panose="020B0604020202020204" pitchFamily="34" charset="0"/>
+                <a:cs typeface="Arial" panose="020B0604020202020204" pitchFamily="34" charset="0"/>
+              </a:defRPr>
+            </a:lvl9pPr>
+          </a:lstStyle>
+          <a:p>
+            <a:pPr>
+              <a:spcBef>
+                <a:spcPct val="0"/>
+              </a:spcBef>
+              <a:buFontTx/>
+              <a:buNone/>
+            </a:pPr>
+            <a:endParaRPr lang="en-US" altLang="en-US" sz="1500"/>
+          </a:p>
+        </p:txBody>
+      </p:sp>
+      <p:sp>
+        <p:nvSpPr>
+          <p:cNvPr id="27652" name="TextBox 5">
+            <a:extLst>
+              <a:ext uri="{FF2B5EF4-FFF2-40B4-BE49-F238E27FC236}">
+                <a16:creationId xmlns:a16="http://schemas.microsoft.com/office/drawing/2014/main" id="{D9135003-1544-5E4E-ADFE-49C04929E5EB}"/>
+              </a:ext>
+            </a:extLst>
+          </p:cNvPr>
+          <p:cNvSpPr txBox="1">
+            <a:spLocks noChangeArrowheads="1"/>
+          </p:cNvSpPr>
+          <p:nvPr/>
+        </p:nvSpPr>
+        <p:spPr bwMode="auto">
+          <a:xfrm>
+            <a:off x="3947584" y="1670845"/>
+            <a:ext cx="184731" cy="323165"/>
+          </a:xfrm>
+          <a:prstGeom prst="rect">
+            <a:avLst/>
+          </a:prstGeom>
+          <a:noFill/>
+          <a:ln>
+            <a:noFill/>
+          </a:ln>
+          <a:extLst>
+            <a:ext uri="{909E8E84-426E-40DD-AFC4-6F175D3DCCD1}">
+              <a14:hiddenFill xmlns:a14="http://schemas.microsoft.com/office/drawing/2010/main">
+                <a:solidFill>
+                  <a:srgbClr val="FFFFFF"/>
+                </a:solidFill>
+              </a14:hiddenFill>
+            </a:ext>
+            <a:ext uri="{91240B29-F687-4F45-9708-019B960494DF}">
+              <a14:hiddenLine xmlns:a14="http://schemas.microsoft.com/office/drawing/2010/main" w="9525">
+                <a:solidFill>
+                  <a:srgbClr val="000000"/>
+                </a:solidFill>
+                <a:miter lim="800000"/>
+                <a:headEnd/>
+                <a:tailEnd/>
+              </a14:hiddenLine>
+            </a:ext>
+          </a:extLst>
+        </p:spPr>
+        <p:txBody>
+          <a:bodyPr wrap="none">
+            <a:spAutoFit/>
+          </a:bodyPr>
+          <a:lstStyle>
+            <a:lvl1pPr>
+              <a:spcBef>
+                <a:spcPct val="20000"/>
+              </a:spcBef>
+              <a:buChar char="•"/>
+              <a:defRPr sz="3200">
+                <a:solidFill>
+                  <a:schemeClr val="tx1"/>
+                </a:solidFill>
+                <a:latin typeface="Arial" panose="020B0604020202020204" pitchFamily="34" charset="0"/>
+                <a:ea typeface="ＭＳ Ｐゴシック" panose="020B0600070205080204" pitchFamily="34" charset="-128"/>
+                <a:cs typeface="Arial" panose="020B0604020202020204" pitchFamily="34" charset="0"/>
+              </a:defRPr>
+            </a:lvl1pPr>
+            <a:lvl2pPr marL="742950" indent="-285750">
+              <a:spcBef>
+                <a:spcPct val="20000"/>
+              </a:spcBef>
+              <a:buChar char="–"/>
+              <a:defRPr sz="2800">
+                <a:solidFill>
+                  <a:schemeClr val="tx1"/>
+                </a:solidFill>
+                <a:latin typeface="Arial" panose="020B0604020202020204" pitchFamily="34" charset="0"/>
+                <a:ea typeface="Arial" panose="020B0604020202020204" pitchFamily="34" charset="0"/>
+                <a:cs typeface="Arial" panose="020B0604020202020204" pitchFamily="34" charset="0"/>
+              </a:defRPr>
+            </a:lvl2pPr>
+            <a:lvl3pPr marL="1143000" indent="-228600">
+              <a:spcBef>
+                <a:spcPct val="20000"/>
+              </a:spcBef>
+              <a:buChar char="•"/>
+              <a:defRPr sz="2400">
+                <a:solidFill>
+                  <a:schemeClr val="tx1"/>
+                </a:solidFill>
+                <a:latin typeface="Arial" panose="020B0604020202020204" pitchFamily="34" charset="0"/>
+                <a:ea typeface="Arial" panose="020B0604020202020204" pitchFamily="34" charset="0"/>
+                <a:cs typeface="Arial" panose="020B0604020202020204" pitchFamily="34" charset="0"/>
+              </a:defRPr>
+            </a:lvl3pPr>
+            <a:lvl4pPr marL="1600200" indent="-228600">
+              <a:spcBef>
+                <a:spcPct val="20000"/>
+              </a:spcBef>
+              <a:buChar char="–"/>
+              <a:defRPr sz="2000">
+                <a:solidFill>
+                  <a:schemeClr val="tx1"/>
+                </a:solidFill>
+                <a:latin typeface="Arial" panose="020B0604020202020204" pitchFamily="34" charset="0"/>
+                <a:ea typeface="Arial" panose="020B0604020202020204" pitchFamily="34" charset="0"/>
+                <a:cs typeface="Arial" panose="020B0604020202020204" pitchFamily="34" charset="0"/>
+              </a:defRPr>
+            </a:lvl4pPr>
+            <a:lvl5pPr marL="2057400" indent="-228600">
+              <a:spcBef>
+                <a:spcPct val="20000"/>
+              </a:spcBef>
+              <a:buChar char="»"/>
+              <a:defRPr sz="2000">
+                <a:solidFill>
+                  <a:schemeClr val="tx1"/>
+                </a:solidFill>
+                <a:latin typeface="Arial" panose="020B0604020202020204" pitchFamily="34" charset="0"/>
+                <a:ea typeface="Arial" panose="020B0604020202020204" pitchFamily="34" charset="0"/>
+                <a:cs typeface="Arial" panose="020B0604020202020204" pitchFamily="34" charset="0"/>
+              </a:defRPr>
+            </a:lvl5pPr>
+            <a:lvl6pPr marL="2514600" indent="-228600" eaLnBrk="0" fontAlgn="base" hangingPunct="0">
+              <a:spcBef>
+                <a:spcPct val="20000"/>
+              </a:spcBef>
+              <a:spcAft>
+                <a:spcPct val="0"/>
+              </a:spcAft>
+              <a:buChar char="»"/>
+              <a:defRPr sz="2000">
+                <a:solidFill>
+                  <a:schemeClr val="tx1"/>
+                </a:solidFill>
+                <a:latin typeface="Arial" panose="020B0604020202020204" pitchFamily="34" charset="0"/>
+                <a:ea typeface="Arial" panose="020B0604020202020204" pitchFamily="34" charset="0"/>
+                <a:cs typeface="Arial" panose="020B0604020202020204" pitchFamily="34" charset="0"/>
+              </a:defRPr>
+            </a:lvl6pPr>
+            <a:lvl7pPr marL="2971800" indent="-228600" eaLnBrk="0" fontAlgn="base" hangingPunct="0">
+              <a:spcBef>
+                <a:spcPct val="20000"/>
+              </a:spcBef>
+              <a:spcAft>
+                <a:spcPct val="0"/>
+              </a:spcAft>
+              <a:buChar char="»"/>
+              <a:defRPr sz="2000">
+                <a:solidFill>
+                  <a:schemeClr val="tx1"/>
+                </a:solidFill>
+                <a:latin typeface="Arial" panose="020B0604020202020204" pitchFamily="34" charset="0"/>
+                <a:ea typeface="Arial" panose="020B0604020202020204" pitchFamily="34" charset="0"/>
+                <a:cs typeface="Arial" panose="020B0604020202020204" pitchFamily="34" charset="0"/>
+              </a:defRPr>
+            </a:lvl7pPr>
+            <a:lvl8pPr marL="3429000" indent="-228600" eaLnBrk="0" fontAlgn="base" hangingPunct="0">
+              <a:spcBef>
+                <a:spcPct val="20000"/>
+              </a:spcBef>
+              <a:spcAft>
+                <a:spcPct val="0"/>
+              </a:spcAft>
+              <a:buChar char="»"/>
+              <a:defRPr sz="2000">
+                <a:solidFill>
+                  <a:schemeClr val="tx1"/>
+                </a:solidFill>
+                <a:latin typeface="Arial" panose="020B0604020202020204" pitchFamily="34" charset="0"/>
+                <a:ea typeface="Arial" panose="020B0604020202020204" pitchFamily="34" charset="0"/>
+                <a:cs typeface="Arial" panose="020B0604020202020204" pitchFamily="34" charset="0"/>
+              </a:defRPr>
+            </a:lvl8pPr>
+            <a:lvl9pPr marL="3886200" indent="-228600" eaLnBrk="0" fontAlgn="base" hangingPunct="0">
+              <a:spcBef>
+                <a:spcPct val="20000"/>
+              </a:spcBef>
+              <a:spcAft>
+                <a:spcPct val="0"/>
+              </a:spcAft>
+              <a:buChar char="»"/>
+              <a:defRPr sz="2000">
+                <a:solidFill>
+                  <a:schemeClr val="tx1"/>
+                </a:solidFill>
+                <a:latin typeface="Arial" panose="020B0604020202020204" pitchFamily="34" charset="0"/>
+                <a:ea typeface="Arial" panose="020B0604020202020204" pitchFamily="34" charset="0"/>
+                <a:cs typeface="Arial" panose="020B0604020202020204" pitchFamily="34" charset="0"/>
+              </a:defRPr>
+            </a:lvl9pPr>
+          </a:lstStyle>
+          <a:p>
+            <a:pPr>
+              <a:spcBef>
+                <a:spcPct val="0"/>
+              </a:spcBef>
+              <a:buFontTx/>
+              <a:buNone/>
+            </a:pPr>
+            <a:endParaRPr lang="en-US" altLang="en-US" sz="1500"/>
+          </a:p>
+        </p:txBody>
+      </p:sp>
+      <p:pic>
+        <p:nvPicPr>
+          <p:cNvPr id="27653" name="Picture 4" descr="untitled">
+            <a:extLst>
+              <a:ext uri="{FF2B5EF4-FFF2-40B4-BE49-F238E27FC236}">
+                <a16:creationId xmlns:a16="http://schemas.microsoft.com/office/drawing/2014/main" id="{75F4E284-8B62-804D-956D-6A4F07E681AD}"/>
+              </a:ext>
+            </a:extLst>
+          </p:cNvPr>
+          <p:cNvPicPr>
+            <a:picLocks noChangeAspect="1" noChangeArrowheads="1"/>
+          </p:cNvPicPr>
+          <p:nvPr/>
+        </p:nvPicPr>
+        <p:blipFill>
+          <a:blip r:embed="rId2">
+            <a:extLst>
+              <a:ext uri="{28A0092B-C50C-407E-A947-70E740481C1C}">
+                <a14:useLocalDpi xmlns:a14="http://schemas.microsoft.com/office/drawing/2010/main" val="0"/>
+              </a:ext>
+            </a:extLst>
+          </a:blip>
+          <a:srcRect/>
+          <a:stretch>
+            <a:fillRect/>
+          </a:stretch>
+        </p:blipFill>
+        <p:spPr bwMode="auto">
+          <a:xfrm>
+            <a:off x="2133507" y="3155272"/>
+            <a:ext cx="4398581" cy="2440263"/>
+          </a:xfrm>
+          <a:prstGeom prst="rect">
+            <a:avLst/>
+          </a:prstGeom>
+          <a:noFill/>
+          <a:ln>
+            <a:noFill/>
+          </a:ln>
+          <a:effectLst/>
+          <a:extLst>
+            <a:ext uri="{909E8E84-426E-40DD-AFC4-6F175D3DCCD1}">
+              <a14:hiddenFill xmlns:a14="http://schemas.microsoft.com/office/drawing/2010/main">
+                <a:solidFill>
+                  <a:srgbClr val="FFFFFF"/>
+                </a:solidFill>
+              </a14:hiddenFill>
+            </a:ext>
+            <a:ext uri="{91240B29-F687-4F45-9708-019B960494DF}">
+              <a14:hiddenLine xmlns:a14="http://schemas.microsoft.com/office/drawing/2010/main" w="9525">
+                <a:solidFill>
+                  <a:srgbClr val="000000"/>
+                </a:solidFill>
+                <a:miter lim="800000"/>
+                <a:headEnd/>
+                <a:tailEnd/>
+              </a14:hiddenLine>
+            </a:ext>
+            <a:ext uri="{AF507438-7753-43E0-B8FC-AC1667EBCBE1}">
+              <a14:hiddenEffects xmlns:a14="http://schemas.microsoft.com/office/drawing/2010/main">
+                <a:effectLst>
+                  <a:outerShdw dist="35921" dir="2700000" algn="ctr" rotWithShape="0">
+                    <a:srgbClr val="808080">
+                      <a:alpha val="74997"/>
+                    </a:srgbClr>
+                  </a:outerShdw>
+                </a:effectLst>
+              </a14:hiddenEffects>
+            </a:ext>
+          </a:extLst>
+        </p:spPr>
+      </p:pic>
+    </p:spTree>
+    <p:extLst>
+      <p:ext uri="{BB962C8B-B14F-4D97-AF65-F5344CB8AC3E}">
+        <p14:creationId xmlns:p14="http://schemas.microsoft.com/office/powerpoint/2010/main" val="3906700287"/>
+      </p:ext>
+    </p:extLst>
+  </p:cSld>
+  <p:clrMapOvr>
+    <a:masterClrMapping/>
+  </p:clrMapOvr>
+  <p:timing>
+    <p:tnLst>
+      <p:par>
+        <p:cTn id="1" dur="indefinite" restart="never" nodeType="tmRoot">
+          <p:childTnLst>
+            <p:seq concurrent="1" nextAc="seek">
+              <p:cTn id="2" dur="indefinite" nodeType="mainSeq">
+                <p:childTnLst>
+                  <p:par>
+                    <p:cTn id="3" fill="hold">
+                      <p:stCondLst>
+                        <p:cond delay="indefinite"/>
+                      </p:stCondLst>
+                      <p:childTnLst>
+                        <p:par>
+                          <p:cTn id="4" fill="hold">
+                            <p:stCondLst>
+                              <p:cond delay="0"/>
+                            </p:stCondLst>
+                            <p:childTnLst>
+                              <p:par>
+                                <p:cTn id="5" presetID="1" presetClass="entr" presetSubtype="0" fill="hold" nodeType="clickEffect">
+                                  <p:stCondLst>
+                                    <p:cond delay="0"/>
+                                  </p:stCondLst>
+                                  <p:childTnLst>
+                                    <p:set>
+                                      <p:cBhvr>
+                                        <p:cTn id="6" dur="1" fill="hold">
+                                          <p:stCondLst>
+                                            <p:cond delay="0"/>
+                                          </p:stCondLst>
+                                        </p:cTn>
+                                        <p:tgtEl>
+                                          <p:spTgt spid="3">
+                                            <p:txEl>
+                                              <p:pRg st="1" end="1"/>
+                                            </p:txEl>
+                                          </p:spTgt>
+                                        </p:tgtEl>
+                                        <p:attrNameLst>
+                                          <p:attrName>style.visibility</p:attrName>
+                                        </p:attrNameLst>
+                                      </p:cBhvr>
+                                      <p:to>
+                                        <p:strVal val="visible"/>
+                                      </p:to>
+                                    </p:set>
+                                  </p:childTnLst>
+                                </p:cTn>
+                              </p:par>
+                              <p:par>
+                                <p:cTn id="7" presetID="1" presetClass="entr" presetSubtype="0" fill="hold" nodeType="withEffect">
+                                  <p:stCondLst>
+                                    <p:cond delay="0"/>
+                                  </p:stCondLst>
+                                  <p:childTnLst>
+                                    <p:set>
+                                      <p:cBhvr>
+                                        <p:cTn id="8" dur="1" fill="hold">
+                                          <p:stCondLst>
+                                            <p:cond delay="0"/>
+                                          </p:stCondLst>
+                                        </p:cTn>
+                                        <p:tgtEl>
+                                          <p:spTgt spid="3">
+                                            <p:txEl>
+                                              <p:pRg st="2" end="2"/>
+                                            </p:txEl>
+                                          </p:spTgt>
+                                        </p:tgtEl>
+                                        <p:attrNameLst>
+                                          <p:attrName>style.visibility</p:attrName>
+                                        </p:attrNameLst>
+                                      </p:cBhvr>
+                                      <p:to>
+                                        <p:strVal val="visible"/>
+                                      </p:to>
+                                    </p:set>
+                                  </p:childTnLst>
+                                </p:cTn>
+                              </p:par>
+                              <p:par>
+                                <p:cTn id="9" presetID="1" presetClass="entr" presetSubtype="0" fill="hold" nodeType="withEffect">
+                                  <p:stCondLst>
+                                    <p:cond delay="0"/>
+                                  </p:stCondLst>
+                                  <p:childTnLst>
+                                    <p:set>
+                                      <p:cBhvr>
+                                        <p:cTn id="10" dur="1" fill="hold">
+                                          <p:stCondLst>
+                                            <p:cond delay="0"/>
+                                          </p:stCondLst>
+                                        </p:cTn>
+                                        <p:tgtEl>
+                                          <p:spTgt spid="3">
+                                            <p:txEl>
+                                              <p:pRg st="3" end="3"/>
+                                            </p:txEl>
+                                          </p:spTgt>
+                                        </p:tgtEl>
+                                        <p:attrNameLst>
+                                          <p:attrName>style.visibility</p:attrName>
+                                        </p:attrNameLst>
+                                      </p:cBhvr>
+                                      <p:to>
+                                        <p:strVal val="visible"/>
+                                      </p:to>
+                                    </p:set>
+                                  </p:childTnLst>
+                                </p:cTn>
+                              </p:par>
+                              <p:par>
+                                <p:cTn id="11" presetID="1" presetClass="entr" presetSubtype="0" fill="hold" nodeType="withEffect">
+                                  <p:stCondLst>
+                                    <p:cond delay="0"/>
+                                  </p:stCondLst>
+                                  <p:childTnLst>
+                                    <p:set>
+                                      <p:cBhvr>
+                                        <p:cTn id="12" dur="1" fill="hold">
+                                          <p:stCondLst>
+                                            <p:cond delay="0"/>
+                                          </p:stCondLst>
+                                        </p:cTn>
+                                        <p:tgtEl>
+                                          <p:spTgt spid="3">
+                                            <p:txEl>
+                                              <p:pRg st="4" end="4"/>
+                                            </p:txEl>
+                                          </p:spTgt>
+                                        </p:tgtEl>
+                                        <p:attrNameLst>
+                                          <p:attrName>style.visibility</p:attrName>
+                                        </p:attrNameLst>
+                                      </p:cBhvr>
+                                      <p:to>
+                                        <p:strVal val="visible"/>
+                                      </p:to>
+                                    </p:set>
+                                  </p:childTnLst>
+                                </p:cTn>
+                              </p:par>
+                            </p:childTnLst>
+                          </p:cTn>
+                        </p:par>
+                      </p:childTnLst>
+                    </p:cTn>
+                  </p:par>
+                  <p:par>
+                    <p:cTn id="13" fill="hold">
+                      <p:stCondLst>
+                        <p:cond delay="indefinite"/>
+                      </p:stCondLst>
+                      <p:childTnLst>
+                        <p:par>
+                          <p:cTn id="14" fill="hold">
+                            <p:stCondLst>
+                              <p:cond delay="0"/>
+                            </p:stCondLst>
+                            <p:childTnLst>
+                              <p:par>
+                                <p:cTn id="15" presetID="1" presetClass="entr" presetSubtype="0" fill="hold" nodeType="clickEffect">
+                                  <p:stCondLst>
+                                    <p:cond delay="0"/>
+                                  </p:stCondLst>
+                                  <p:childTnLst>
+                                    <p:set>
+                                      <p:cBhvr>
+                                        <p:cTn id="16" dur="1" fill="hold">
+                                          <p:stCondLst>
+                                            <p:cond delay="0"/>
+                                          </p:stCondLst>
+                                        </p:cTn>
+                                        <p:tgtEl>
+                                          <p:spTgt spid="27653"/>
+                                        </p:tgtEl>
+                                        <p:attrNameLst>
+                                          <p:attrName>style.visibility</p:attrName>
+                                        </p:attrNameLst>
+                                      </p:cBhvr>
+                                      <p:to>
+                                        <p:strVal val="visible"/>
+                                      </p:to>
+                                    </p:set>
+                                  </p:childTnLst>
+                                </p:cTn>
+                              </p:par>
+                            </p:childTnLst>
+                          </p:cTn>
+                        </p:par>
+                      </p:childTnLst>
+                    </p:cTn>
+                  </p:par>
+                </p:childTnLst>
+              </p:cTn>
+              <p:prevCondLst>
+                <p:cond evt="onPrev" delay="0">
+                  <p:tgtEl>
+                    <p:sldTgt/>
+                  </p:tgtEl>
+                </p:cond>
+              </p:prevCondLst>
+              <p:nextCondLst>
+                <p:cond evt="onNext" delay="0">
+                  <p:tgtEl>
+                    <p:sldTgt/>
+                  </p:tgtEl>
+                </p:cond>
+              </p:nextCondLst>
+            </p:seq>
+          </p:childTnLst>
+        </p:cTn>
+      </p:par>
+    </p:tnLst>
+  </p:timing>
+</p:sld>
+</file>
+
+<file path=ppt/slides/slide11.xml><?xml version="1.0" encoding="utf-8"?>
+<p:sld xmlns:a="http://schemas.openxmlformats.org/drawingml/2006/main" xmlns:r="http://schemas.openxmlformats.org/officeDocument/2006/relationships" xmlns:p="http://schemas.openxmlformats.org/presentationml/2006/main">
+  <p:cSld>
+    <p:spTree>
+      <p:nvGrpSpPr>
+        <p:cNvPr id="1" name=""/>
+        <p:cNvGrpSpPr/>
+        <p:nvPr/>
+      </p:nvGrpSpPr>
+      <p:grpSpPr>
+        <a:xfrm>
+          <a:off x="0" y="0"/>
+          <a:ext cx="0" cy="0"/>
+          <a:chOff x="0" y="0"/>
+          <a:chExt cx="0" cy="0"/>
+        </a:xfrm>
+      </p:grpSpPr>
+      <p:sp>
+        <p:nvSpPr>
           <p:cNvPr id="28673" name="Title 1">
             <a:extLst>
               <a:ext uri="{FF2B5EF4-FFF2-40B4-BE49-F238E27FC236}">
@@ -5394,7 +6399,7 @@
 </p:sld>
 </file>
 
-<file path=ppt/slides/slide11.xml><?xml version="1.0" encoding="utf-8"?>
+<file path=ppt/slides/slide12.xml><?xml version="1.0" encoding="utf-8"?>
 <p:sld xmlns:a="http://schemas.openxmlformats.org/drawingml/2006/main" xmlns:r="http://schemas.openxmlformats.org/officeDocument/2006/relationships" xmlns:p="http://schemas.openxmlformats.org/presentationml/2006/main">
   <p:cSld>
     <p:spTree>
@@ -5509,7 +6514,7 @@
                 <a:ea typeface="宋体" charset="0"/>
                 <a:cs typeface="宋体" charset="0"/>
               </a:rPr>
-              <a:t>Problem: we are short of numbers</a:t>
+              <a:t>Problem: we are short of numbers.</a:t>
             </a:r>
           </a:p>
           <a:p>
@@ -5555,20 +6560,7 @@
                 <a:ea typeface="宋体" charset="0"/>
                 <a:cs typeface="宋体" charset="0"/>
               </a:rPr>
-              <a:t>Converting a binary number to a Hex number is relatively easy</a:t>
-            </a:r>
-          </a:p>
-          <a:p>
-            <a:pPr marL="342900" lvl="1" indent="0">
-              <a:buNone/>
-              <a:defRPr/>
-            </a:pPr>
-            <a:r>
-              <a:rPr lang="en-US" altLang="zh-CN" sz="1833" dirty="0">
-                <a:ea typeface="宋体" charset="0"/>
-                <a:cs typeface="宋体" charset="0"/>
-              </a:rPr>
-              <a:t>Every 4 bit can convert to a Hex</a:t>
+              <a:t>Converting a binary number to a Hex number is relatively easy. Every 4 bit can convert to a Hex.</a:t>
             </a:r>
           </a:p>
           <a:p>
@@ -5593,10 +6585,218 @@
   <p:clrMapOvr>
     <a:masterClrMapping/>
   </p:clrMapOvr>
+  <p:timing>
+    <p:tnLst>
+      <p:par>
+        <p:cTn id="1" dur="indefinite" restart="never" nodeType="tmRoot">
+          <p:childTnLst>
+            <p:seq concurrent="1" nextAc="seek">
+              <p:cTn id="2" dur="indefinite" nodeType="mainSeq">
+                <p:childTnLst>
+                  <p:par>
+                    <p:cTn id="3" fill="hold">
+                      <p:stCondLst>
+                        <p:cond delay="indefinite"/>
+                      </p:stCondLst>
+                      <p:childTnLst>
+                        <p:par>
+                          <p:cTn id="4" fill="hold">
+                            <p:stCondLst>
+                              <p:cond delay="0"/>
+                            </p:stCondLst>
+                            <p:childTnLst>
+                              <p:par>
+                                <p:cTn id="5" presetID="1" presetClass="entr" presetSubtype="0" fill="hold" nodeType="clickEffect">
+                                  <p:stCondLst>
+                                    <p:cond delay="0"/>
+                                  </p:stCondLst>
+                                  <p:childTnLst>
+                                    <p:set>
+                                      <p:cBhvr>
+                                        <p:cTn id="6" dur="1" fill="hold">
+                                          <p:stCondLst>
+                                            <p:cond delay="0"/>
+                                          </p:stCondLst>
+                                        </p:cTn>
+                                        <p:tgtEl>
+                                          <p:spTgt spid="3">
+                                            <p:txEl>
+                                              <p:pRg st="2" end="2"/>
+                                            </p:txEl>
+                                          </p:spTgt>
+                                        </p:tgtEl>
+                                        <p:attrNameLst>
+                                          <p:attrName>style.visibility</p:attrName>
+                                        </p:attrNameLst>
+                                      </p:cBhvr>
+                                      <p:to>
+                                        <p:strVal val="visible"/>
+                                      </p:to>
+                                    </p:set>
+                                  </p:childTnLst>
+                                </p:cTn>
+                              </p:par>
+                            </p:childTnLst>
+                          </p:cTn>
+                        </p:par>
+                      </p:childTnLst>
+                    </p:cTn>
+                  </p:par>
+                  <p:par>
+                    <p:cTn id="7" fill="hold">
+                      <p:stCondLst>
+                        <p:cond delay="indefinite"/>
+                      </p:stCondLst>
+                      <p:childTnLst>
+                        <p:par>
+                          <p:cTn id="8" fill="hold">
+                            <p:stCondLst>
+                              <p:cond delay="0"/>
+                            </p:stCondLst>
+                            <p:childTnLst>
+                              <p:par>
+                                <p:cTn id="9" presetID="1" presetClass="entr" presetSubtype="0" fill="hold" nodeType="clickEffect">
+                                  <p:stCondLst>
+                                    <p:cond delay="0"/>
+                                  </p:stCondLst>
+                                  <p:childTnLst>
+                                    <p:set>
+                                      <p:cBhvr>
+                                        <p:cTn id="10" dur="1" fill="hold">
+                                          <p:stCondLst>
+                                            <p:cond delay="0"/>
+                                          </p:stCondLst>
+                                        </p:cTn>
+                                        <p:tgtEl>
+                                          <p:spTgt spid="3">
+                                            <p:txEl>
+                                              <p:pRg st="3" end="3"/>
+                                            </p:txEl>
+                                          </p:spTgt>
+                                        </p:tgtEl>
+                                        <p:attrNameLst>
+                                          <p:attrName>style.visibility</p:attrName>
+                                        </p:attrNameLst>
+                                      </p:cBhvr>
+                                      <p:to>
+                                        <p:strVal val="visible"/>
+                                      </p:to>
+                                    </p:set>
+                                  </p:childTnLst>
+                                </p:cTn>
+                              </p:par>
+                              <p:par>
+                                <p:cTn id="11" presetID="1" presetClass="entr" presetSubtype="0" fill="hold" nodeType="withEffect">
+                                  <p:stCondLst>
+                                    <p:cond delay="0"/>
+                                  </p:stCondLst>
+                                  <p:childTnLst>
+                                    <p:set>
+                                      <p:cBhvr>
+                                        <p:cTn id="12" dur="1" fill="hold">
+                                          <p:stCondLst>
+                                            <p:cond delay="0"/>
+                                          </p:stCondLst>
+                                        </p:cTn>
+                                        <p:tgtEl>
+                                          <p:spTgt spid="3">
+                                            <p:txEl>
+                                              <p:pRg st="4" end="4"/>
+                                            </p:txEl>
+                                          </p:spTgt>
+                                        </p:tgtEl>
+                                        <p:attrNameLst>
+                                          <p:attrName>style.visibility</p:attrName>
+                                        </p:attrNameLst>
+                                      </p:cBhvr>
+                                      <p:to>
+                                        <p:strVal val="visible"/>
+                                      </p:to>
+                                    </p:set>
+                                  </p:childTnLst>
+                                </p:cTn>
+                              </p:par>
+                            </p:childTnLst>
+                          </p:cTn>
+                        </p:par>
+                      </p:childTnLst>
+                    </p:cTn>
+                  </p:par>
+                  <p:par>
+                    <p:cTn id="13" fill="hold">
+                      <p:stCondLst>
+                        <p:cond delay="indefinite"/>
+                      </p:stCondLst>
+                      <p:childTnLst>
+                        <p:par>
+                          <p:cTn id="14" fill="hold">
+                            <p:stCondLst>
+                              <p:cond delay="0"/>
+                            </p:stCondLst>
+                            <p:childTnLst>
+                              <p:par>
+                                <p:cTn id="15" presetID="1" presetClass="entr" presetSubtype="0" fill="hold" nodeType="clickEffect">
+                                  <p:stCondLst>
+                                    <p:cond delay="0"/>
+                                  </p:stCondLst>
+                                  <p:childTnLst>
+                                    <p:set>
+                                      <p:cBhvr>
+                                        <p:cTn id="16" dur="1" fill="hold">
+                                          <p:stCondLst>
+                                            <p:cond delay="0"/>
+                                          </p:stCondLst>
+                                        </p:cTn>
+                                        <p:tgtEl>
+                                          <p:spTgt spid="3">
+                                            <p:txEl>
+                                              <p:pRg st="6" end="6"/>
+                                            </p:txEl>
+                                          </p:spTgt>
+                                        </p:tgtEl>
+                                        <p:attrNameLst>
+                                          <p:attrName>style.visibility</p:attrName>
+                                        </p:attrNameLst>
+                                      </p:cBhvr>
+                                      <p:to>
+                                        <p:strVal val="visible"/>
+                                      </p:to>
+                                    </p:set>
+                                  </p:childTnLst>
+                                </p:cTn>
+                              </p:par>
+                            </p:childTnLst>
+                          </p:cTn>
+                        </p:par>
+                      </p:childTnLst>
+                    </p:cTn>
+                  </p:par>
+                </p:childTnLst>
+              </p:cTn>
+              <p:prevCondLst>
+                <p:cond evt="onPrev" delay="0">
+                  <p:tgtEl>
+                    <p:sldTgt/>
+                  </p:tgtEl>
+                </p:cond>
+              </p:prevCondLst>
+              <p:nextCondLst>
+                <p:cond evt="onNext" delay="0">
+                  <p:tgtEl>
+                    <p:sldTgt/>
+                  </p:tgtEl>
+                </p:cond>
+              </p:nextCondLst>
+            </p:seq>
+          </p:childTnLst>
+        </p:cTn>
+      </p:par>
+    </p:tnLst>
+  </p:timing>
 </p:sld>
 </file>
 
-<file path=ppt/slides/slide12.xml><?xml version="1.0" encoding="utf-8"?>
+<file path=ppt/slides/slide13.xml><?xml version="1.0" encoding="utf-8"?>
 <p:sld xmlns:a="http://schemas.openxmlformats.org/drawingml/2006/main" xmlns:r="http://schemas.openxmlformats.org/officeDocument/2006/relationships" xmlns:p="http://schemas.openxmlformats.org/presentationml/2006/main">
   <p:cSld>
     <p:spTree>
@@ -6160,7 +7360,7 @@
 </p:sld>
 </file>
 
-<file path=ppt/slides/slide13.xml><?xml version="1.0" encoding="utf-8"?>
+<file path=ppt/slides/slide14.xml><?xml version="1.0" encoding="utf-8"?>
 <p:sld xmlns:a="http://schemas.openxmlformats.org/drawingml/2006/main" xmlns:r="http://schemas.openxmlformats.org/officeDocument/2006/relationships" xmlns:p="http://schemas.openxmlformats.org/presentationml/2006/main">
   <p:cSld>
     <p:spTree>
@@ -6736,7 +7936,7 @@
 </p:sld>
 </file>
 
-<file path=ppt/slides/slide14.xml><?xml version="1.0" encoding="utf-8"?>
+<file path=ppt/slides/slide15.xml><?xml version="1.0" encoding="utf-8"?>
 <p:sld xmlns:a="http://schemas.openxmlformats.org/drawingml/2006/main" xmlns:r="http://schemas.openxmlformats.org/officeDocument/2006/relationships" xmlns:p="http://schemas.openxmlformats.org/presentationml/2006/main">
   <p:cSld>
     <p:spTree>
@@ -6809,7 +8009,7 @@
               <a:buNone/>
             </a:pPr>
             <a:r>
-              <a:rPr lang="en-US" altLang="zh-CN" sz="1833">
+              <a:rPr lang="en-US" altLang="zh-CN" sz="1833" dirty="0">
                 <a:ea typeface="宋体" panose="02010600030101010101" pitchFamily="2" charset="-122"/>
               </a:rPr>
               <a:t>Let’s count in Base 10. </a:t>
@@ -6820,7 +8020,7 @@
               <a:buNone/>
             </a:pPr>
             <a:r>
-              <a:rPr lang="en-US" altLang="zh-CN" sz="1833">
+              <a:rPr lang="en-US" altLang="zh-CN" sz="1833" dirty="0">
                 <a:ea typeface="宋体" panose="02010600030101010101" pitchFamily="2" charset="-122"/>
               </a:rPr>
               <a:t>0,1,2,3,4,5,6,7,8,9,__,___,…,18,19,__,__. </a:t>
@@ -6831,15 +8031,15 @@
               <a:buNone/>
             </a:pPr>
             <a:r>
-              <a:rPr lang="en-US" altLang="zh-CN" sz="1833">
+              <a:rPr lang="en-US" altLang="zh-CN" sz="1833" dirty="0">
                 <a:ea typeface="宋体" panose="02010600030101010101" pitchFamily="2" charset="-122"/>
               </a:rPr>
-              <a:t>Answer: 10,11,20,21. Impressive!</a:t>
+              <a:t>Answer: 10,11…..,20,21. Good job!</a:t>
             </a:r>
           </a:p>
           <a:p>
             <a:pPr marL="0" indent="0"/>
-            <a:endParaRPr lang="en-US" altLang="en-US" sz="1833">
+            <a:endParaRPr lang="en-US" altLang="en-US" sz="1833" dirty="0">
               <a:ea typeface="ＭＳ Ｐゴシック" panose="020B0600070205080204" pitchFamily="34" charset="-128"/>
             </a:endParaRPr>
           </a:p>
@@ -6848,7 +8048,7 @@
               <a:buNone/>
             </a:pPr>
             <a:r>
-              <a:rPr lang="en-US" altLang="en-US" sz="1833">
+              <a:rPr lang="en-US" altLang="en-US" sz="1833" dirty="0">
                 <a:ea typeface="ＭＳ Ｐゴシック" panose="020B0600070205080204" pitchFamily="34" charset="-128"/>
               </a:rPr>
               <a:t>Let’s count in Base 5.</a:t>
@@ -6859,7 +8059,7 @@
               <a:buNone/>
             </a:pPr>
             <a:r>
-              <a:rPr lang="en-US" altLang="en-US" sz="1833">
+              <a:rPr lang="en-US" altLang="en-US" sz="1833" dirty="0">
                 <a:ea typeface="ＭＳ Ｐゴシック" panose="020B0600070205080204" pitchFamily="34" charset="-128"/>
               </a:rPr>
               <a:t>0,1,2,3,4,__,__,__,__,__,___.</a:t>
@@ -6870,7 +8070,7 @@
               <a:buNone/>
             </a:pPr>
             <a:r>
-              <a:rPr lang="en-US" altLang="en-US" sz="1833">
+              <a:rPr lang="en-US" altLang="en-US" sz="1833" dirty="0">
                 <a:ea typeface="ＭＳ Ｐゴシック" panose="020B0600070205080204" pitchFamily="34" charset="-128"/>
               </a:rPr>
               <a:t>Answer:10,11,12,13,14,20. </a:t>
@@ -6880,7 +8080,7 @@
             <a:pPr marL="0" indent="0">
               <a:buNone/>
             </a:pPr>
-            <a:endParaRPr lang="en-US" altLang="en-US" sz="1833">
+            <a:endParaRPr lang="en-US" altLang="en-US" sz="1833" dirty="0">
               <a:ea typeface="ＭＳ Ｐゴシック" panose="020B0600070205080204" pitchFamily="34" charset="-128"/>
             </a:endParaRPr>
           </a:p>
@@ -6889,7 +8089,7 @@
               <a:buNone/>
             </a:pPr>
             <a:r>
-              <a:rPr lang="en-US" altLang="en-US" sz="1833">
+              <a:rPr lang="en-US" altLang="en-US" sz="1833" dirty="0">
                 <a:ea typeface="ＭＳ Ｐゴシック" panose="020B0600070205080204" pitchFamily="34" charset="-128"/>
               </a:rPr>
               <a:t>Let’s keep going!</a:t>
@@ -6900,7 +8100,7 @@
               <a:buNone/>
             </a:pPr>
             <a:r>
-              <a:rPr lang="en-US" altLang="en-US" sz="1833">
+              <a:rPr lang="en-US" altLang="en-US" sz="1833" dirty="0">
                 <a:ea typeface="ＭＳ Ｐゴシック" panose="020B0600070205080204" pitchFamily="34" charset="-128"/>
               </a:rPr>
               <a:t>40,41,42,43,44,___,___,___.</a:t>
@@ -6911,7 +8111,7 @@
               <a:buNone/>
             </a:pPr>
             <a:r>
-              <a:rPr lang="en-US" altLang="en-US" sz="1833">
+              <a:rPr lang="en-US" altLang="en-US" sz="1833" dirty="0">
                 <a:ea typeface="ＭＳ Ｐゴシック" panose="020B0600070205080204" pitchFamily="34" charset="-128"/>
               </a:rPr>
               <a:t>Answer:100,101,102. </a:t>
@@ -6921,7 +8121,7 @@
             <a:pPr marL="0" indent="0">
               <a:buNone/>
             </a:pPr>
-            <a:endParaRPr lang="en-US" altLang="en-US" sz="1833">
+            <a:endParaRPr lang="en-US" altLang="en-US" sz="1833" dirty="0">
               <a:ea typeface="ＭＳ Ｐゴシック" panose="020B0600070205080204" pitchFamily="34" charset="-128"/>
             </a:endParaRPr>
           </a:p>
@@ -6929,7 +8129,7 @@
             <a:pPr marL="0" indent="0">
               <a:buNone/>
             </a:pPr>
-            <a:endParaRPr lang="en-US" altLang="en-US" sz="1833">
+            <a:endParaRPr lang="en-US" altLang="en-US" sz="1833" dirty="0">
               <a:latin typeface="Tahoma" panose="020B0604030504040204" pitchFamily="34" charset="0"/>
               <a:ea typeface="ＭＳ Ｐゴシック" panose="020B0600070205080204" pitchFamily="34" charset="-128"/>
             </a:endParaRPr>
@@ -7402,7 +8602,7 @@
 </p:sld>
 </file>
 
-<file path=ppt/slides/slide15.xml><?xml version="1.0" encoding="utf-8"?>
+<file path=ppt/slides/slide16.xml><?xml version="1.0" encoding="utf-8"?>
 <p:sld xmlns:a="http://schemas.openxmlformats.org/drawingml/2006/main" xmlns:r="http://schemas.openxmlformats.org/officeDocument/2006/relationships" xmlns:p="http://schemas.openxmlformats.org/presentationml/2006/main">
   <p:cSld>
     <p:spTree>
@@ -8600,7 +9800,7 @@
 </p:sld>
 </file>
 
-<file path=ppt/slides/slide16.xml><?xml version="1.0" encoding="utf-8"?>
+<file path=ppt/slides/slide17.xml><?xml version="1.0" encoding="utf-8"?>
 <p:sld xmlns:a="http://schemas.openxmlformats.org/drawingml/2006/main" xmlns:r="http://schemas.openxmlformats.org/officeDocument/2006/relationships" xmlns:p="http://schemas.openxmlformats.org/presentationml/2006/main">
   <p:cSld>
     <p:spTree>
@@ -8661,7 +9861,12 @@
             <p:ph idx="1"/>
           </p:nvPr>
         </p:nvSpPr>
-        <p:spPr/>
+        <p:spPr>
+          <a:xfrm>
+            <a:off x="343642" y="654456"/>
+            <a:ext cx="7886700" cy="3626115"/>
+          </a:xfrm>
+        </p:spPr>
         <p:txBody>
           <a:bodyPr/>
           <a:lstStyle/>
@@ -8669,7 +9874,7 @@
             <a:pPr marL="0" indent="0">
               <a:buNone/>
             </a:pPr>
-            <a:endParaRPr lang="en-US" altLang="en-US" sz="1833">
+            <a:endParaRPr lang="en-US" altLang="en-US" sz="1833" dirty="0">
               <a:latin typeface="Tahoma" panose="020B0604030504040204" pitchFamily="34" charset="0"/>
               <a:ea typeface="ＭＳ Ｐゴシック" panose="020B0600070205080204" pitchFamily="34" charset="-128"/>
             </a:endParaRPr>
@@ -8678,7 +9883,7 @@
             <a:pPr marL="0" indent="0">
               <a:buNone/>
             </a:pPr>
-            <a:endParaRPr lang="en-US" altLang="en-US" sz="1833">
+            <a:endParaRPr lang="en-US" altLang="en-US" sz="1833" dirty="0">
               <a:latin typeface="Tahoma" panose="020B0604030504040204" pitchFamily="34" charset="0"/>
               <a:ea typeface="ＭＳ Ｐゴシック" panose="020B0600070205080204" pitchFamily="34" charset="-128"/>
             </a:endParaRPr>
@@ -8687,7 +9892,7 @@
             <a:pPr marL="0" indent="0">
               <a:buNone/>
             </a:pPr>
-            <a:endParaRPr lang="en-US" altLang="en-US" sz="1833">
+            <a:endParaRPr lang="en-US" altLang="en-US" sz="1833" dirty="0">
               <a:latin typeface="Tahoma" panose="020B0604030504040204" pitchFamily="34" charset="0"/>
               <a:ea typeface="ＭＳ Ｐゴシック" panose="020B0600070205080204" pitchFamily="34" charset="-128"/>
             </a:endParaRPr>
@@ -8696,7 +9901,7 @@
             <a:pPr marL="0" indent="0">
               <a:buNone/>
             </a:pPr>
-            <a:endParaRPr lang="en-US" altLang="en-US" sz="1833">
+            <a:endParaRPr lang="en-US" altLang="en-US" sz="1833" dirty="0">
               <a:latin typeface="Tahoma" panose="020B0604030504040204" pitchFamily="34" charset="0"/>
               <a:ea typeface="ＭＳ Ｐゴシック" panose="020B0600070205080204" pitchFamily="34" charset="-128"/>
             </a:endParaRPr>
@@ -8706,7 +9911,7 @@
               <a:buNone/>
             </a:pPr>
             <a:r>
-              <a:rPr lang="en-US" altLang="en-US" sz="3333" b="1">
+              <a:rPr lang="en-US" altLang="en-US" sz="3333" b="1" dirty="0">
                 <a:latin typeface="Tahoma" panose="020B0604030504040204" pitchFamily="34" charset="0"/>
                 <a:ea typeface="ＭＳ Ｐゴシック" panose="020B0600070205080204" pitchFamily="34" charset="-128"/>
               </a:rPr>
@@ -8717,7 +9922,7 @@
             <a:pPr marL="0" indent="0">
               <a:buNone/>
             </a:pPr>
-            <a:endParaRPr lang="en-US" altLang="en-US" sz="1833">
+            <a:endParaRPr lang="en-US" altLang="en-US" sz="1833" dirty="0">
               <a:latin typeface="Tahoma" panose="020B0604030504040204" pitchFamily="34" charset="0"/>
               <a:ea typeface="ＭＳ Ｐゴシック" panose="020B0600070205080204" pitchFamily="34" charset="-128"/>
             </a:endParaRPr>
@@ -8737,7 +9942,7 @@
 </p:sld>
 </file>
 
-<file path=ppt/slides/slide17.xml><?xml version="1.0" encoding="utf-8"?>
+<file path=ppt/slides/slide18.xml><?xml version="1.0" encoding="utf-8"?>
 <p:sld xmlns:a="http://schemas.openxmlformats.org/drawingml/2006/main" xmlns:r="http://schemas.openxmlformats.org/officeDocument/2006/relationships" xmlns:p="http://schemas.openxmlformats.org/presentationml/2006/main">
   <p:cSld>
     <p:spTree>
@@ -9328,7 +10533,7 @@
 </p:sld>
 </file>
 
-<file path=ppt/slides/slide18.xml><?xml version="1.0" encoding="utf-8"?>
+<file path=ppt/slides/slide19.xml><?xml version="1.0" encoding="utf-8"?>
 <p:sld xmlns:a="http://schemas.openxmlformats.org/drawingml/2006/main" xmlns:r="http://schemas.openxmlformats.org/officeDocument/2006/relationships" xmlns:p="http://schemas.openxmlformats.org/presentationml/2006/main">
   <p:cSld>
     <p:spTree>
@@ -9853,7 +11058,149 @@
 </p:sld>
 </file>
 
-<file path=ppt/slides/slide19.xml><?xml version="1.0" encoding="utf-8"?>
+<file path=ppt/slides/slide2.xml><?xml version="1.0" encoding="utf-8"?>
+<p:sld xmlns:a="http://schemas.openxmlformats.org/drawingml/2006/main" xmlns:r="http://schemas.openxmlformats.org/officeDocument/2006/relationships" xmlns:p="http://schemas.openxmlformats.org/presentationml/2006/main">
+  <p:cSld>
+    <p:spTree>
+      <p:nvGrpSpPr>
+        <p:cNvPr id="1" name=""/>
+        <p:cNvGrpSpPr/>
+        <p:nvPr/>
+      </p:nvGrpSpPr>
+      <p:grpSpPr>
+        <a:xfrm>
+          <a:off x="0" y="0"/>
+          <a:ext cx="0" cy="0"/>
+          <a:chOff x="0" y="0"/>
+          <a:chExt cx="0" cy="0"/>
+        </a:xfrm>
+      </p:grpSpPr>
+      <p:sp>
+        <p:nvSpPr>
+          <p:cNvPr id="35841" name="Title 1">
+            <a:extLst>
+              <a:ext uri="{FF2B5EF4-FFF2-40B4-BE49-F238E27FC236}">
+                <a16:creationId xmlns:a16="http://schemas.microsoft.com/office/drawing/2014/main" id="{45A1ECB0-3872-DA48-8755-B55DCCF62586}"/>
+              </a:ext>
+            </a:extLst>
+          </p:cNvPr>
+          <p:cNvSpPr>
+            <a:spLocks noGrp="1" noChangeArrowheads="1"/>
+          </p:cNvSpPr>
+          <p:nvPr>
+            <p:ph type="title"/>
+          </p:nvPr>
+        </p:nvSpPr>
+        <p:spPr/>
+        <p:txBody>
+          <a:bodyPr/>
+          <a:lstStyle/>
+          <a:p>
+            <a:pPr eaLnBrk="1" hangingPunct="1"/>
+            <a:endParaRPr lang="en-US" altLang="en-US">
+              <a:ea typeface="ＭＳ Ｐゴシック" panose="020B0600070205080204" pitchFamily="34" charset="-128"/>
+            </a:endParaRPr>
+          </a:p>
+        </p:txBody>
+      </p:sp>
+      <p:sp>
+        <p:nvSpPr>
+          <p:cNvPr id="35842" name="Content Placeholder 2">
+            <a:extLst>
+              <a:ext uri="{FF2B5EF4-FFF2-40B4-BE49-F238E27FC236}">
+                <a16:creationId xmlns:a16="http://schemas.microsoft.com/office/drawing/2014/main" id="{0B0C4E89-D419-8343-A309-ADA122397E36}"/>
+              </a:ext>
+            </a:extLst>
+          </p:cNvPr>
+          <p:cNvSpPr>
+            <a:spLocks noGrp="1" noChangeArrowheads="1"/>
+          </p:cNvSpPr>
+          <p:nvPr>
+            <p:ph idx="1"/>
+          </p:nvPr>
+        </p:nvSpPr>
+        <p:spPr>
+          <a:xfrm>
+            <a:off x="466280" y="547133"/>
+            <a:ext cx="7886700" cy="3626115"/>
+          </a:xfrm>
+        </p:spPr>
+        <p:txBody>
+          <a:bodyPr/>
+          <a:lstStyle/>
+          <a:p>
+            <a:pPr marL="0" indent="0">
+              <a:buNone/>
+            </a:pPr>
+            <a:endParaRPr lang="en-US" altLang="en-US" sz="1833" dirty="0">
+              <a:latin typeface="Tahoma" panose="020B0604030504040204" pitchFamily="34" charset="0"/>
+              <a:ea typeface="ＭＳ Ｐゴシック" panose="020B0600070205080204" pitchFamily="34" charset="-128"/>
+            </a:endParaRPr>
+          </a:p>
+          <a:p>
+            <a:pPr marL="0" indent="0">
+              <a:buNone/>
+            </a:pPr>
+            <a:endParaRPr lang="en-US" altLang="en-US" sz="1833" dirty="0">
+              <a:latin typeface="Tahoma" panose="020B0604030504040204" pitchFamily="34" charset="0"/>
+              <a:ea typeface="ＭＳ Ｐゴシック" panose="020B0600070205080204" pitchFamily="34" charset="-128"/>
+            </a:endParaRPr>
+          </a:p>
+          <a:p>
+            <a:pPr marL="0" indent="0">
+              <a:buNone/>
+            </a:pPr>
+            <a:endParaRPr lang="en-US" altLang="en-US" sz="1833" dirty="0">
+              <a:latin typeface="Tahoma" panose="020B0604030504040204" pitchFamily="34" charset="0"/>
+              <a:ea typeface="ＭＳ Ｐゴシック" panose="020B0600070205080204" pitchFamily="34" charset="-128"/>
+            </a:endParaRPr>
+          </a:p>
+          <a:p>
+            <a:pPr marL="0" indent="0">
+              <a:buNone/>
+            </a:pPr>
+            <a:endParaRPr lang="en-US" altLang="en-US" sz="1833" dirty="0">
+              <a:latin typeface="Tahoma" panose="020B0604030504040204" pitchFamily="34" charset="0"/>
+              <a:ea typeface="ＭＳ Ｐゴシック" panose="020B0600070205080204" pitchFamily="34" charset="-128"/>
+            </a:endParaRPr>
+          </a:p>
+          <a:p>
+            <a:pPr marL="0" indent="0" algn="ctr">
+              <a:buNone/>
+            </a:pPr>
+            <a:r>
+              <a:rPr lang="en-US" altLang="en-US" sz="3333" b="1" dirty="0">
+                <a:latin typeface="Tahoma" panose="020B0604030504040204" pitchFamily="34" charset="0"/>
+                <a:ea typeface="ＭＳ Ｐゴシック" panose="020B0600070205080204" pitchFamily="34" charset="-128"/>
+              </a:rPr>
+              <a:t>Number Systems</a:t>
+            </a:r>
+          </a:p>
+          <a:p>
+            <a:pPr marL="0" indent="0">
+              <a:buNone/>
+            </a:pPr>
+            <a:endParaRPr lang="en-US" altLang="en-US" sz="1833" dirty="0">
+              <a:latin typeface="Tahoma" panose="020B0604030504040204" pitchFamily="34" charset="0"/>
+              <a:ea typeface="ＭＳ Ｐゴシック" panose="020B0600070205080204" pitchFamily="34" charset="-128"/>
+            </a:endParaRPr>
+          </a:p>
+        </p:txBody>
+      </p:sp>
+    </p:spTree>
+    <p:extLst>
+      <p:ext uri="{BB962C8B-B14F-4D97-AF65-F5344CB8AC3E}">
+        <p14:creationId xmlns:p14="http://schemas.microsoft.com/office/powerpoint/2010/main" val="3556500226"/>
+      </p:ext>
+    </p:extLst>
+  </p:cSld>
+  <p:clrMapOvr>
+    <a:masterClrMapping/>
+  </p:clrMapOvr>
+</p:sld>
+</file>
+
+<file path=ppt/slides/slide20.xml><?xml version="1.0" encoding="utf-8"?>
 <p:sld xmlns:a="http://schemas.openxmlformats.org/drawingml/2006/main" xmlns:r="http://schemas.openxmlformats.org/officeDocument/2006/relationships" xmlns:p="http://schemas.openxmlformats.org/presentationml/2006/main">
   <p:cSld>
     <p:spTree>
@@ -9931,7 +11278,7 @@
               <a:buNone/>
             </a:pPr>
             <a:r>
-              <a:rPr lang="en-US" altLang="en-US" sz="1833">
+              <a:rPr lang="en-US" altLang="en-US" sz="1833" dirty="0">
                 <a:ea typeface="ＭＳ Ｐゴシック" panose="020B0600070205080204" pitchFamily="34" charset="-128"/>
               </a:rPr>
               <a:t>In ASCII, 65 represents A, 66 represents B and so on. The numbers are called code points. </a:t>
@@ -9941,7 +11288,7 @@
             <a:pPr marL="0" indent="0">
               <a:buNone/>
             </a:pPr>
-            <a:endParaRPr lang="en-US" altLang="en-US" sz="1833">
+            <a:endParaRPr lang="en-US" altLang="en-US" sz="1833" dirty="0">
               <a:ea typeface="ＭＳ Ｐゴシック" panose="020B0600070205080204" pitchFamily="34" charset="-128"/>
             </a:endParaRPr>
           </a:p>
@@ -9950,19 +11297,19 @@
               <a:buNone/>
             </a:pPr>
             <a:r>
-              <a:rPr lang="en-US" altLang="en-US" sz="1833">
+              <a:rPr lang="en-US" altLang="en-US" sz="1833" dirty="0">
                 <a:ea typeface="ＭＳ Ｐゴシック" panose="020B0600070205080204" pitchFamily="34" charset="-128"/>
               </a:rPr>
               <a:t>To </a:t>
             </a:r>
             <a:r>
-              <a:rPr lang="en-US" altLang="en-US" sz="1833" b="1">
+              <a:rPr lang="en-US" altLang="en-US" sz="1833" b="1" dirty="0">
                 <a:ea typeface="ＭＳ Ｐゴシック" panose="020B0600070205080204" pitchFamily="34" charset="-128"/>
               </a:rPr>
               <a:t>encode</a:t>
             </a:r>
             <a:r>
-              <a:rPr lang="en-US" altLang="en-US" sz="1833">
+              <a:rPr lang="en-US" altLang="en-US" sz="1833" dirty="0">
                 <a:ea typeface="ＭＳ Ｐゴシック" panose="020B0600070205080204" pitchFamily="34" charset="-128"/>
               </a:rPr>
               <a:t> something in ASCII, </a:t>
@@ -9973,7 +11320,7 @@
               <a:buNone/>
             </a:pPr>
             <a:r>
-              <a:rPr lang="en-US" altLang="en-US" sz="1833">
+              <a:rPr lang="en-US" altLang="en-US" sz="1833" dirty="0">
                 <a:ea typeface="ＭＳ Ｐゴシック" panose="020B0600070205080204" pitchFamily="34" charset="-128"/>
               </a:rPr>
               <a:t>follow the table from right to left, </a:t>
@@ -9984,7 +11331,7 @@
               <a:buNone/>
             </a:pPr>
             <a:r>
-              <a:rPr lang="en-US" altLang="en-US" sz="1833">
+              <a:rPr lang="en-US" altLang="en-US" sz="1833" dirty="0">
                 <a:ea typeface="ＭＳ Ｐゴシック" panose="020B0600070205080204" pitchFamily="34" charset="-128"/>
               </a:rPr>
               <a:t>substituting letters for bits.</a:t>
@@ -9994,7 +11341,7 @@
             <a:pPr marL="0" indent="0">
               <a:buNone/>
             </a:pPr>
-            <a:endParaRPr lang="en-US" altLang="en-US" sz="1833">
+            <a:endParaRPr lang="en-US" altLang="en-US" sz="1833" dirty="0">
               <a:ea typeface="ＭＳ Ｐゴシック" panose="020B0600070205080204" pitchFamily="34" charset="-128"/>
             </a:endParaRPr>
           </a:p>
@@ -10003,19 +11350,19 @@
               <a:buNone/>
             </a:pPr>
             <a:r>
-              <a:rPr lang="en-US" altLang="en-US" sz="1833">
+              <a:rPr lang="en-US" altLang="en-US" sz="1833" dirty="0">
                 <a:ea typeface="ＭＳ Ｐゴシック" panose="020B0600070205080204" pitchFamily="34" charset="-128"/>
               </a:rPr>
               <a:t>To </a:t>
             </a:r>
             <a:r>
-              <a:rPr lang="en-US" altLang="en-US" sz="1833" b="1">
+              <a:rPr lang="en-US" altLang="en-US" sz="1833" b="1" dirty="0">
                 <a:ea typeface="ＭＳ Ｐゴシック" panose="020B0600070205080204" pitchFamily="34" charset="-128"/>
               </a:rPr>
               <a:t>decode</a:t>
             </a:r>
             <a:r>
-              <a:rPr lang="en-US" altLang="en-US" sz="1833">
+              <a:rPr lang="en-US" altLang="en-US" sz="1833" dirty="0">
                 <a:ea typeface="ＭＳ Ｐゴシック" panose="020B0600070205080204" pitchFamily="34" charset="-128"/>
               </a:rPr>
               <a:t> a string of bits into </a:t>
@@ -10026,7 +11373,7 @@
               <a:buNone/>
             </a:pPr>
             <a:r>
-              <a:rPr lang="en-US" altLang="en-US" sz="1833">
+              <a:rPr lang="en-US" altLang="en-US" sz="1833" dirty="0">
                 <a:ea typeface="ＭＳ Ｐゴシック" panose="020B0600070205080204" pitchFamily="34" charset="-128"/>
               </a:rPr>
               <a:t>human readable characters, follow </a:t>
@@ -10037,7 +11384,7 @@
               <a:buNone/>
             </a:pPr>
             <a:r>
-              <a:rPr lang="en-US" altLang="en-US" sz="1833">
+              <a:rPr lang="en-US" altLang="en-US" sz="1833" dirty="0">
                 <a:ea typeface="ＭＳ Ｐゴシック" panose="020B0600070205080204" pitchFamily="34" charset="-128"/>
               </a:rPr>
               <a:t>the table from left to right, substituting</a:t>
@@ -10048,7 +11395,7 @@
               <a:buNone/>
             </a:pPr>
             <a:r>
-              <a:rPr lang="en-US" altLang="en-US" sz="1833">
+              <a:rPr lang="en-US" altLang="en-US" sz="1833" dirty="0">
                 <a:ea typeface="ＭＳ Ｐゴシック" panose="020B0600070205080204" pitchFamily="34" charset="-128"/>
               </a:rPr>
               <a:t>bits for letters.</a:t>
@@ -10503,13 +11850,13 @@
               <p:cTn id="2" dur="indefinite" nodeType="mainSeq">
                 <p:childTnLst>
                   <p:par>
-                    <p:cTn id="3" fill="hold" nodeType="clickPar">
+                    <p:cTn id="3" fill="hold">
                       <p:stCondLst>
                         <p:cond delay="indefinite"/>
                       </p:stCondLst>
                       <p:childTnLst>
                         <p:par>
-                          <p:cTn id="4" fill="hold" nodeType="withGroup">
+                          <p:cTn id="4" fill="hold">
                             <p:stCondLst>
                               <p:cond delay="0"/>
                             </p:stCondLst>
@@ -10523,55 +11870,6 @@
                                     <p:set>
                                       <p:cBhvr>
                                         <p:cTn id="6" dur="1" fill="hold">
-                                          <p:stCondLst>
-                                            <p:cond delay="0"/>
-                                          </p:stCondLst>
-                                        </p:cTn>
-                                        <p:tgtEl>
-                                          <p:spTgt spid="3">
-                                            <p:txEl>
-                                              <p:pRg st="0" end="0"/>
-                                            </p:txEl>
-                                          </p:spTgt>
-                                        </p:tgtEl>
-                                        <p:attrNameLst>
-                                          <p:attrName>style.visibility</p:attrName>
-                                        </p:attrNameLst>
-                                      </p:cBhvr>
-                                      <p:to>
-                                        <p:strVal val="visible"/>
-                                      </p:to>
-                                    </p:set>
-                                  </p:childTnLst>
-                                </p:cTn>
-                              </p:par>
-                            </p:childTnLst>
-                          </p:cTn>
-                        </p:par>
-                      </p:childTnLst>
-                    </p:cTn>
-                  </p:par>
-                  <p:par>
-                    <p:cTn id="7" fill="hold" nodeType="clickPar">
-                      <p:stCondLst>
-                        <p:cond delay="indefinite"/>
-                      </p:stCondLst>
-                      <p:childTnLst>
-                        <p:par>
-                          <p:cTn id="8" fill="hold" nodeType="withGroup">
-                            <p:stCondLst>
-                              <p:cond delay="0"/>
-                            </p:stCondLst>
-                            <p:childTnLst>
-                              <p:par>
-                                <p:cTn id="9" presetID="1" presetClass="entr" presetSubtype="0" fill="hold" nodeType="clickEffect">
-                                  <p:stCondLst>
-                                    <p:cond delay="0"/>
-                                  </p:stCondLst>
-                                  <p:childTnLst>
-                                    <p:set>
-                                      <p:cBhvr>
-                                        <p:cTn id="10" dur="1" fill="hold">
                                           <p:stCondLst>
                                             <p:cond delay="0"/>
                                           </p:stCondLst>
@@ -10595,14 +11893,14 @@
                                 </p:cTn>
                               </p:par>
                               <p:par>
-                                <p:cTn id="11" presetID="1" presetClass="entr" presetSubtype="0" fill="hold" nodeType="withEffect">
+                                <p:cTn id="7" presetID="1" presetClass="entr" presetSubtype="0" fill="hold" nodeType="withEffect">
                                   <p:stCondLst>
                                     <p:cond delay="0"/>
                                   </p:stCondLst>
                                   <p:childTnLst>
                                     <p:set>
                                       <p:cBhvr>
-                                        <p:cTn id="12" dur="1" fill="hold">
+                                        <p:cTn id="8" dur="1" fill="hold">
                                           <p:stCondLst>
                                             <p:cond delay="0"/>
                                           </p:stCondLst>
@@ -10626,14 +11924,14 @@
                                 </p:cTn>
                               </p:par>
                               <p:par>
-                                <p:cTn id="13" presetID="1" presetClass="entr" presetSubtype="0" fill="hold" nodeType="withEffect">
+                                <p:cTn id="9" presetID="1" presetClass="entr" presetSubtype="0" fill="hold" nodeType="withEffect">
                                   <p:stCondLst>
                                     <p:cond delay="0"/>
                                   </p:stCondLst>
                                   <p:childTnLst>
                                     <p:set>
                                       <p:cBhvr>
-                                        <p:cTn id="14" dur="1" fill="hold">
+                                        <p:cTn id="10" dur="1" fill="hold">
                                           <p:stCondLst>
                                             <p:cond delay="0"/>
                                           </p:stCondLst>
@@ -10663,36 +11961,32 @@
                     </p:cTn>
                   </p:par>
                   <p:par>
-                    <p:cTn id="15" fill="hold" nodeType="clickPar">
+                    <p:cTn id="11" fill="hold">
                       <p:stCondLst>
                         <p:cond delay="indefinite"/>
                       </p:stCondLst>
                       <p:childTnLst>
                         <p:par>
-                          <p:cTn id="16" fill="hold" nodeType="withGroup">
+                          <p:cTn id="12" fill="hold">
                             <p:stCondLst>
                               <p:cond delay="0"/>
                             </p:stCondLst>
                             <p:childTnLst>
                               <p:par>
-                                <p:cTn id="17" presetID="1" presetClass="entr" presetSubtype="0" fill="hold" nodeType="clickEffect">
+                                <p:cTn id="13" presetID="1" presetClass="entr" presetSubtype="0" fill="hold" grpId="0" nodeType="clickEffect">
                                   <p:stCondLst>
                                     <p:cond delay="0"/>
                                   </p:stCondLst>
                                   <p:childTnLst>
                                     <p:set>
                                       <p:cBhvr>
-                                        <p:cTn id="18" dur="1" fill="hold">
+                                        <p:cTn id="14" dur="1" fill="hold">
                                           <p:stCondLst>
                                             <p:cond delay="0"/>
                                           </p:stCondLst>
                                         </p:cTn>
                                         <p:tgtEl>
-                                          <p:spTgt spid="3">
-                                            <p:txEl>
-                                              <p:pRg st="6" end="6"/>
-                                            </p:txEl>
-                                          </p:spTgt>
+                                          <p:spTgt spid="11"/>
                                         </p:tgtEl>
                                         <p:attrNameLst>
                                           <p:attrName>style.visibility</p:attrName>
@@ -10706,24 +12000,20 @@
                                 </p:cTn>
                               </p:par>
                               <p:par>
-                                <p:cTn id="19" presetID="1" presetClass="entr" presetSubtype="0" fill="hold" nodeType="withEffect">
+                                <p:cTn id="15" presetID="1" presetClass="entr" presetSubtype="0" fill="hold" nodeType="withEffect">
                                   <p:stCondLst>
                                     <p:cond delay="0"/>
                                   </p:stCondLst>
                                   <p:childTnLst>
                                     <p:set>
                                       <p:cBhvr>
-                                        <p:cTn id="20" dur="1" fill="hold">
+                                        <p:cTn id="16" dur="1" fill="hold">
                                           <p:stCondLst>
                                             <p:cond delay="0"/>
                                           </p:stCondLst>
                                         </p:cTn>
                                         <p:tgtEl>
-                                          <p:spTgt spid="3">
-                                            <p:txEl>
-                                              <p:pRg st="7" end="7"/>
-                                            </p:txEl>
-                                          </p:spTgt>
+                                          <p:spTgt spid="10"/>
                                         </p:tgtEl>
                                         <p:attrNameLst>
                                           <p:attrName>style.visibility</p:attrName>
@@ -10737,7 +12027,52 @@
                                 </p:cTn>
                               </p:par>
                               <p:par>
-                                <p:cTn id="21" presetID="1" presetClass="entr" presetSubtype="0" fill="hold" nodeType="withEffect">
+                                <p:cTn id="17" presetID="1" presetClass="entr" presetSubtype="0" fill="hold" nodeType="withEffect">
+                                  <p:stCondLst>
+                                    <p:cond delay="0"/>
+                                  </p:stCondLst>
+                                  <p:childTnLst>
+                                    <p:set>
+                                      <p:cBhvr>
+                                        <p:cTn id="18" dur="1" fill="hold">
+                                          <p:stCondLst>
+                                            <p:cond delay="0"/>
+                                          </p:stCondLst>
+                                        </p:cTn>
+                                        <p:tgtEl>
+                                          <p:spTgt spid="38916"/>
+                                        </p:tgtEl>
+                                        <p:attrNameLst>
+                                          <p:attrName>style.visibility</p:attrName>
+                                        </p:attrNameLst>
+                                      </p:cBhvr>
+                                      <p:to>
+                                        <p:strVal val="visible"/>
+                                      </p:to>
+                                    </p:set>
+                                  </p:childTnLst>
+                                </p:cTn>
+                              </p:par>
+                            </p:childTnLst>
+                          </p:cTn>
+                        </p:par>
+                      </p:childTnLst>
+                    </p:cTn>
+                  </p:par>
+                  <p:par>
+                    <p:cTn id="19" fill="hold">
+                      <p:stCondLst>
+                        <p:cond delay="indefinite"/>
+                      </p:stCondLst>
+                      <p:childTnLst>
+                        <p:par>
+                          <p:cTn id="20" fill="hold">
+                            <p:stCondLst>
+                              <p:cond delay="0"/>
+                            </p:stCondLst>
+                            <p:childTnLst>
+                              <p:par>
+                                <p:cTn id="21" presetID="1" presetClass="entr" presetSubtype="0" fill="hold" nodeType="clickEffect">
                                   <p:stCondLst>
                                     <p:cond delay="0"/>
                                   </p:stCondLst>
@@ -10752,7 +12087,7 @@
                                         <p:tgtEl>
                                           <p:spTgt spid="3">
                                             <p:txEl>
-                                              <p:pRg st="8" end="8"/>
+                                              <p:pRg st="6" end="6"/>
                                             </p:txEl>
                                           </p:spTgt>
                                         </p:tgtEl>
@@ -10783,9 +12118,143 @@
                                         <p:tgtEl>
                                           <p:spTgt spid="3">
                                             <p:txEl>
+                                              <p:pRg st="7" end="7"/>
+                                            </p:txEl>
+                                          </p:spTgt>
+                                        </p:tgtEl>
+                                        <p:attrNameLst>
+                                          <p:attrName>style.visibility</p:attrName>
+                                        </p:attrNameLst>
+                                      </p:cBhvr>
+                                      <p:to>
+                                        <p:strVal val="visible"/>
+                                      </p:to>
+                                    </p:set>
+                                  </p:childTnLst>
+                                </p:cTn>
+                              </p:par>
+                              <p:par>
+                                <p:cTn id="25" presetID="1" presetClass="entr" presetSubtype="0" fill="hold" nodeType="withEffect">
+                                  <p:stCondLst>
+                                    <p:cond delay="0"/>
+                                  </p:stCondLst>
+                                  <p:childTnLst>
+                                    <p:set>
+                                      <p:cBhvr>
+                                        <p:cTn id="26" dur="1" fill="hold">
+                                          <p:stCondLst>
+                                            <p:cond delay="0"/>
+                                          </p:stCondLst>
+                                        </p:cTn>
+                                        <p:tgtEl>
+                                          <p:spTgt spid="3">
+                                            <p:txEl>
+                                              <p:pRg st="8" end="8"/>
+                                            </p:txEl>
+                                          </p:spTgt>
+                                        </p:tgtEl>
+                                        <p:attrNameLst>
+                                          <p:attrName>style.visibility</p:attrName>
+                                        </p:attrNameLst>
+                                      </p:cBhvr>
+                                      <p:to>
+                                        <p:strVal val="visible"/>
+                                      </p:to>
+                                    </p:set>
+                                  </p:childTnLst>
+                                </p:cTn>
+                              </p:par>
+                              <p:par>
+                                <p:cTn id="27" presetID="1" presetClass="entr" presetSubtype="0" fill="hold" nodeType="withEffect">
+                                  <p:stCondLst>
+                                    <p:cond delay="0"/>
+                                  </p:stCondLst>
+                                  <p:childTnLst>
+                                    <p:set>
+                                      <p:cBhvr>
+                                        <p:cTn id="28" dur="1" fill="hold">
+                                          <p:stCondLst>
+                                            <p:cond delay="0"/>
+                                          </p:stCondLst>
+                                        </p:cTn>
+                                        <p:tgtEl>
+                                          <p:spTgt spid="3">
+                                            <p:txEl>
                                               <p:pRg st="9" end="9"/>
                                             </p:txEl>
                                           </p:spTgt>
+                                        </p:tgtEl>
+                                        <p:attrNameLst>
+                                          <p:attrName>style.visibility</p:attrName>
+                                        </p:attrNameLst>
+                                      </p:cBhvr>
+                                      <p:to>
+                                        <p:strVal val="visible"/>
+                                      </p:to>
+                                    </p:set>
+                                  </p:childTnLst>
+                                </p:cTn>
+                              </p:par>
+                            </p:childTnLst>
+                          </p:cTn>
+                        </p:par>
+                      </p:childTnLst>
+                    </p:cTn>
+                  </p:par>
+                  <p:par>
+                    <p:cTn id="29" fill="hold">
+                      <p:stCondLst>
+                        <p:cond delay="indefinite"/>
+                      </p:stCondLst>
+                      <p:childTnLst>
+                        <p:par>
+                          <p:cTn id="30" fill="hold">
+                            <p:stCondLst>
+                              <p:cond delay="0"/>
+                            </p:stCondLst>
+                            <p:childTnLst>
+                              <p:par>
+                                <p:cTn id="31" presetID="1" presetClass="entr" presetSubtype="0" fill="hold" nodeType="clickEffect">
+                                  <p:stCondLst>
+                                    <p:cond delay="0"/>
+                                  </p:stCondLst>
+                                  <p:childTnLst>
+                                    <p:set>
+                                      <p:cBhvr>
+                                        <p:cTn id="32" dur="1" fill="hold">
+                                          <p:stCondLst>
+                                            <p:cond delay="0"/>
+                                          </p:stCondLst>
+                                        </p:cTn>
+                                        <p:tgtEl>
+                                          <p:spTgt spid="4"/>
+                                        </p:tgtEl>
+                                        <p:attrNameLst>
+                                          <p:attrName>style.visibility</p:attrName>
+                                        </p:attrNameLst>
+                                      </p:cBhvr>
+                                      <p:to>
+                                        <p:strVal val="visible"/>
+                                      </p:to>
+                                    </p:set>
+                                  </p:childTnLst>
+                                </p:cTn>
+                              </p:par>
+                              <p:par>
+                                <p:cTn id="33" presetID="1" presetClass="entr" presetSubtype="0" fill="hold" grpId="0" nodeType="withEffect">
+                                  <p:stCondLst>
+                                    <p:cond delay="0"/>
+                                  </p:stCondLst>
+                                  <p:childTnLst>
+                                    <p:set>
+                                      <p:cBhvr>
+                                        <p:cTn id="34" dur="1" fill="hold">
+                                          <p:stCondLst>
+                                            <p:cond delay="0"/>
+                                          </p:stCondLst>
+                                        </p:cTn>
+                                        <p:tgtEl>
+                                          <p:spTgt spid="6"/>
                                         </p:tgtEl>
                                         <p:attrNameLst>
                                           <p:attrName>style.visibility</p:attrName>
@@ -10825,148 +12294,15 @@
         </p:cTn>
       </p:par>
     </p:tnLst>
+    <p:bldLst>
+      <p:bldP spid="6" grpId="0"/>
+      <p:bldP spid="11" grpId="0"/>
+    </p:bldLst>
   </p:timing>
 </p:sld>
 </file>
 
-<file path=ppt/slides/slide2.xml><?xml version="1.0" encoding="utf-8"?>
-<p:sld xmlns:a="http://schemas.openxmlformats.org/drawingml/2006/main" xmlns:r="http://schemas.openxmlformats.org/officeDocument/2006/relationships" xmlns:p="http://schemas.openxmlformats.org/presentationml/2006/main">
-  <p:cSld>
-    <p:spTree>
-      <p:nvGrpSpPr>
-        <p:cNvPr id="1" name=""/>
-        <p:cNvGrpSpPr/>
-        <p:nvPr/>
-      </p:nvGrpSpPr>
-      <p:grpSpPr>
-        <a:xfrm>
-          <a:off x="0" y="0"/>
-          <a:ext cx="0" cy="0"/>
-          <a:chOff x="0" y="0"/>
-          <a:chExt cx="0" cy="0"/>
-        </a:xfrm>
-      </p:grpSpPr>
-      <p:sp>
-        <p:nvSpPr>
-          <p:cNvPr id="35841" name="Title 1">
-            <a:extLst>
-              <a:ext uri="{FF2B5EF4-FFF2-40B4-BE49-F238E27FC236}">
-                <a16:creationId xmlns:a16="http://schemas.microsoft.com/office/drawing/2014/main" id="{45A1ECB0-3872-DA48-8755-B55DCCF62586}"/>
-              </a:ext>
-            </a:extLst>
-          </p:cNvPr>
-          <p:cNvSpPr>
-            <a:spLocks noGrp="1" noChangeArrowheads="1"/>
-          </p:cNvSpPr>
-          <p:nvPr>
-            <p:ph type="title"/>
-          </p:nvPr>
-        </p:nvSpPr>
-        <p:spPr/>
-        <p:txBody>
-          <a:bodyPr/>
-          <a:lstStyle/>
-          <a:p>
-            <a:pPr eaLnBrk="1" hangingPunct="1"/>
-            <a:endParaRPr lang="en-US" altLang="en-US">
-              <a:ea typeface="ＭＳ Ｐゴシック" panose="020B0600070205080204" pitchFamily="34" charset="-128"/>
-            </a:endParaRPr>
-          </a:p>
-        </p:txBody>
-      </p:sp>
-      <p:sp>
-        <p:nvSpPr>
-          <p:cNvPr id="35842" name="Content Placeholder 2">
-            <a:extLst>
-              <a:ext uri="{FF2B5EF4-FFF2-40B4-BE49-F238E27FC236}">
-                <a16:creationId xmlns:a16="http://schemas.microsoft.com/office/drawing/2014/main" id="{0B0C4E89-D419-8343-A309-ADA122397E36}"/>
-              </a:ext>
-            </a:extLst>
-          </p:cNvPr>
-          <p:cNvSpPr>
-            <a:spLocks noGrp="1" noChangeArrowheads="1"/>
-          </p:cNvSpPr>
-          <p:nvPr>
-            <p:ph idx="1"/>
-          </p:nvPr>
-        </p:nvSpPr>
-        <p:spPr/>
-        <p:txBody>
-          <a:bodyPr/>
-          <a:lstStyle/>
-          <a:p>
-            <a:pPr marL="0" indent="0">
-              <a:buNone/>
-            </a:pPr>
-            <a:endParaRPr lang="en-US" altLang="en-US" sz="1833" dirty="0">
-              <a:latin typeface="Tahoma" panose="020B0604030504040204" pitchFamily="34" charset="0"/>
-              <a:ea typeface="ＭＳ Ｐゴシック" panose="020B0600070205080204" pitchFamily="34" charset="-128"/>
-            </a:endParaRPr>
-          </a:p>
-          <a:p>
-            <a:pPr marL="0" indent="0">
-              <a:buNone/>
-            </a:pPr>
-            <a:endParaRPr lang="en-US" altLang="en-US" sz="1833" dirty="0">
-              <a:latin typeface="Tahoma" panose="020B0604030504040204" pitchFamily="34" charset="0"/>
-              <a:ea typeface="ＭＳ Ｐゴシック" panose="020B0600070205080204" pitchFamily="34" charset="-128"/>
-            </a:endParaRPr>
-          </a:p>
-          <a:p>
-            <a:pPr marL="0" indent="0">
-              <a:buNone/>
-            </a:pPr>
-            <a:endParaRPr lang="en-US" altLang="en-US" sz="1833" dirty="0">
-              <a:latin typeface="Tahoma" panose="020B0604030504040204" pitchFamily="34" charset="0"/>
-              <a:ea typeface="ＭＳ Ｐゴシック" panose="020B0600070205080204" pitchFamily="34" charset="-128"/>
-            </a:endParaRPr>
-          </a:p>
-          <a:p>
-            <a:pPr marL="0" indent="0">
-              <a:buNone/>
-            </a:pPr>
-            <a:endParaRPr lang="en-US" altLang="en-US" sz="1833" dirty="0">
-              <a:latin typeface="Tahoma" panose="020B0604030504040204" pitchFamily="34" charset="0"/>
-              <a:ea typeface="ＭＳ Ｐゴシック" panose="020B0600070205080204" pitchFamily="34" charset="-128"/>
-            </a:endParaRPr>
-          </a:p>
-          <a:p>
-            <a:pPr marL="0" indent="0" algn="ctr">
-              <a:buNone/>
-            </a:pPr>
-            <a:r>
-              <a:rPr lang="en-US" altLang="en-US" sz="3333" b="1" dirty="0">
-                <a:latin typeface="Tahoma" panose="020B0604030504040204" pitchFamily="34" charset="0"/>
-                <a:ea typeface="ＭＳ Ｐゴシック" panose="020B0600070205080204" pitchFamily="34" charset="-128"/>
-              </a:rPr>
-              <a:t>Number Systems</a:t>
-            </a:r>
-          </a:p>
-          <a:p>
-            <a:pPr marL="0" indent="0">
-              <a:buNone/>
-            </a:pPr>
-            <a:endParaRPr lang="en-US" altLang="en-US" sz="1833" dirty="0">
-              <a:latin typeface="Tahoma" panose="020B0604030504040204" pitchFamily="34" charset="0"/>
-              <a:ea typeface="ＭＳ Ｐゴシック" panose="020B0600070205080204" pitchFamily="34" charset="-128"/>
-            </a:endParaRPr>
-          </a:p>
-        </p:txBody>
-      </p:sp>
-    </p:spTree>
-    <p:extLst>
-      <p:ext uri="{BB962C8B-B14F-4D97-AF65-F5344CB8AC3E}">
-        <p14:creationId xmlns:p14="http://schemas.microsoft.com/office/powerpoint/2010/main" val="3556500226"/>
-      </p:ext>
-    </p:extLst>
-  </p:cSld>
-  <p:clrMapOvr>
-    <a:masterClrMapping/>
-  </p:clrMapOvr>
-</p:sld>
-</file>
-
-<file path=ppt/slides/slide20.xml><?xml version="1.0" encoding="utf-8"?>
+<file path=ppt/slides/slide21.xml><?xml version="1.0" encoding="utf-8"?>
 <p:sld xmlns:a="http://schemas.openxmlformats.org/drawingml/2006/main" xmlns:r="http://schemas.openxmlformats.org/officeDocument/2006/relationships" xmlns:p="http://schemas.openxmlformats.org/presentationml/2006/main">
   <p:cSld>
     <p:spTree>
@@ -11006,10 +12342,10 @@
           <a:p>
             <a:pPr eaLnBrk="1" hangingPunct="1"/>
             <a:r>
-              <a:rPr lang="en-US" altLang="en-US">
+              <a:rPr lang="en-US" altLang="en-US" dirty="0">
                 <a:ea typeface="ＭＳ Ｐゴシック" panose="020B0600070205080204" pitchFamily="34" charset="-128"/>
               </a:rPr>
-              <a:t>Excusez-Moi?</a:t>
+              <a:t>Other letters?</a:t>
             </a:r>
           </a:p>
         </p:txBody>
@@ -11509,7 +12845,7 @@
 </p:sld>
 </file>
 
-<file path=ppt/slides/slide21.xml><?xml version="1.0" encoding="utf-8"?>
+<file path=ppt/slides/slide22.xml><?xml version="1.0" encoding="utf-8"?>
 <p:sld xmlns:a="http://schemas.openxmlformats.org/drawingml/2006/main" xmlns:r="http://schemas.openxmlformats.org/officeDocument/2006/relationships" xmlns:p="http://schemas.openxmlformats.org/presentationml/2006/main">
   <p:cSld>
     <p:spTree>
@@ -11549,10 +12885,10 @@
           <a:p>
             <a:pPr eaLnBrk="1" hangingPunct="1"/>
             <a:r>
-              <a:rPr lang="en-US" altLang="en-US">
+              <a:rPr lang="en-US" altLang="en-US" dirty="0">
                 <a:ea typeface="ＭＳ Ｐゴシック" panose="020B0600070205080204" pitchFamily="34" charset="-128"/>
               </a:rPr>
-              <a:t>Excusez-Moi?</a:t>
+              <a:t>Other letters</a:t>
             </a:r>
           </a:p>
         </p:txBody>
@@ -11968,7 +13304,7 @@
 </p:sld>
 </file>
 
-<file path=ppt/slides/slide22.xml><?xml version="1.0" encoding="utf-8"?>
+<file path=ppt/slides/slide23.xml><?xml version="1.0" encoding="utf-8"?>
 <p:sld xmlns:a="http://schemas.openxmlformats.org/drawingml/2006/main" xmlns:r="http://schemas.openxmlformats.org/officeDocument/2006/relationships" xmlns:p="http://schemas.openxmlformats.org/presentationml/2006/main">
   <p:cSld>
     <p:spTree>
@@ -12781,7 +14117,7 @@
 </p:sld>
 </file>
 
-<file path=ppt/slides/slide23.xml><?xml version="1.0" encoding="utf-8"?>
+<file path=ppt/slides/slide24.xml><?xml version="1.0" encoding="utf-8"?>
 <p:sld xmlns:a="http://schemas.openxmlformats.org/drawingml/2006/main" xmlns:r="http://schemas.openxmlformats.org/officeDocument/2006/relationships" xmlns:p="http://schemas.openxmlformats.org/presentationml/2006/main">
   <p:cSld>
     <p:spTree>
@@ -13593,7 +14929,7 @@
 </p:sld>
 </file>
 
-<file path=ppt/slides/slide24.xml><?xml version="1.0" encoding="utf-8"?>
+<file path=ppt/slides/slide25.xml><?xml version="1.0" encoding="utf-8"?>
 <p:sld xmlns:a="http://schemas.openxmlformats.org/drawingml/2006/main" xmlns:r="http://schemas.openxmlformats.org/officeDocument/2006/relationships" xmlns:p="http://schemas.openxmlformats.org/presentationml/2006/main">
   <p:cSld>
     <p:spTree>
@@ -13949,7 +15285,7 @@
 </p:sld>
 </file>
 
-<file path=ppt/slides/slide25.xml><?xml version="1.0" encoding="utf-8"?>
+<file path=ppt/slides/slide26.xml><?xml version="1.0" encoding="utf-8"?>
 <p:sld xmlns:a="http://schemas.openxmlformats.org/drawingml/2006/main" xmlns:r="http://schemas.openxmlformats.org/officeDocument/2006/relationships" xmlns:p="http://schemas.openxmlformats.org/presentationml/2006/main">
   <p:cSld>
     <p:spTree>
@@ -14269,7 +15605,7 @@
 </p:sld>
 </file>
 
-<file path=ppt/slides/slide26.xml><?xml version="1.0" encoding="utf-8"?>
+<file path=ppt/slides/slide27.xml><?xml version="1.0" encoding="utf-8"?>
 <p:sld xmlns:a="http://schemas.openxmlformats.org/drawingml/2006/main" xmlns:r="http://schemas.openxmlformats.org/officeDocument/2006/relationships" xmlns:p="http://schemas.openxmlformats.org/presentationml/2006/main">
   <p:cSld>
     <p:spTree>
@@ -14647,474 +15983,6 @@
     <p:extLst>
       <p:ext uri="{BB962C8B-B14F-4D97-AF65-F5344CB8AC3E}">
         <p14:creationId xmlns:p14="http://schemas.microsoft.com/office/powerpoint/2010/main" val="3866550465"/>
-      </p:ext>
-    </p:extLst>
-  </p:cSld>
-  <p:clrMapOvr>
-    <a:masterClrMapping/>
-  </p:clrMapOvr>
-  <p:timing>
-    <p:tnLst>
-      <p:par>
-        <p:cTn id="1" dur="indefinite" restart="never" nodeType="tmRoot">
-          <p:childTnLst>
-            <p:seq concurrent="1" nextAc="seek">
-              <p:cTn id="2" dur="indefinite" nodeType="mainSeq">
-                <p:childTnLst>
-                  <p:par>
-                    <p:cTn id="3" fill="hold" nodeType="clickPar">
-                      <p:stCondLst>
-                        <p:cond delay="indefinite"/>
-                      </p:stCondLst>
-                      <p:childTnLst>
-                        <p:par>
-                          <p:cTn id="4" fill="hold" nodeType="withGroup">
-                            <p:stCondLst>
-                              <p:cond delay="0"/>
-                            </p:stCondLst>
-                            <p:childTnLst>
-                              <p:par>
-                                <p:cTn id="5" presetID="1" presetClass="entr" presetSubtype="0" fill="hold" nodeType="clickEffect">
-                                  <p:stCondLst>
-                                    <p:cond delay="0"/>
-                                  </p:stCondLst>
-                                  <p:childTnLst>
-                                    <p:set>
-                                      <p:cBhvr>
-                                        <p:cTn id="6" dur="1" fill="hold">
-                                          <p:stCondLst>
-                                            <p:cond delay="0"/>
-                                          </p:stCondLst>
-                                        </p:cTn>
-                                        <p:tgtEl>
-                                          <p:spTgt spid="3">
-                                            <p:txEl>
-                                              <p:pRg st="2" end="2"/>
-                                            </p:txEl>
-                                          </p:spTgt>
-                                        </p:tgtEl>
-                                        <p:attrNameLst>
-                                          <p:attrName>style.visibility</p:attrName>
-                                        </p:attrNameLst>
-                                      </p:cBhvr>
-                                      <p:to>
-                                        <p:strVal val="visible"/>
-                                      </p:to>
-                                    </p:set>
-                                  </p:childTnLst>
-                                </p:cTn>
-                              </p:par>
-                            </p:childTnLst>
-                          </p:cTn>
-                        </p:par>
-                      </p:childTnLst>
-                    </p:cTn>
-                  </p:par>
-                  <p:par>
-                    <p:cTn id="7" fill="hold" nodeType="clickPar">
-                      <p:stCondLst>
-                        <p:cond delay="indefinite"/>
-                      </p:stCondLst>
-                      <p:childTnLst>
-                        <p:par>
-                          <p:cTn id="8" fill="hold" nodeType="withGroup">
-                            <p:stCondLst>
-                              <p:cond delay="0"/>
-                            </p:stCondLst>
-                            <p:childTnLst>
-                              <p:par>
-                                <p:cTn id="9" presetID="1" presetClass="entr" presetSubtype="0" fill="hold" nodeType="clickEffect">
-                                  <p:stCondLst>
-                                    <p:cond delay="0"/>
-                                  </p:stCondLst>
-                                  <p:childTnLst>
-                                    <p:set>
-                                      <p:cBhvr>
-                                        <p:cTn id="10" dur="1" fill="hold">
-                                          <p:stCondLst>
-                                            <p:cond delay="0"/>
-                                          </p:stCondLst>
-                                        </p:cTn>
-                                        <p:tgtEl>
-                                          <p:spTgt spid="3">
-                                            <p:txEl>
-                                              <p:pRg st="4" end="4"/>
-                                            </p:txEl>
-                                          </p:spTgt>
-                                        </p:tgtEl>
-                                        <p:attrNameLst>
-                                          <p:attrName>style.visibility</p:attrName>
-                                        </p:attrNameLst>
-                                      </p:cBhvr>
-                                      <p:to>
-                                        <p:strVal val="visible"/>
-                                      </p:to>
-                                    </p:set>
-                                  </p:childTnLst>
-                                </p:cTn>
-                              </p:par>
-                            </p:childTnLst>
-                          </p:cTn>
-                        </p:par>
-                      </p:childTnLst>
-                    </p:cTn>
-                  </p:par>
-                </p:childTnLst>
-              </p:cTn>
-              <p:prevCondLst>
-                <p:cond evt="onPrev" delay="0">
-                  <p:tgtEl>
-                    <p:sldTgt/>
-                  </p:tgtEl>
-                </p:cond>
-              </p:prevCondLst>
-              <p:nextCondLst>
-                <p:cond evt="onNext" delay="0">
-                  <p:tgtEl>
-                    <p:sldTgt/>
-                  </p:tgtEl>
-                </p:cond>
-              </p:nextCondLst>
-            </p:seq>
-          </p:childTnLst>
-        </p:cTn>
-      </p:par>
-    </p:tnLst>
-  </p:timing>
-</p:sld>
-</file>
-
-<file path=ppt/slides/slide27.xml><?xml version="1.0" encoding="utf-8"?>
-<p:sld xmlns:a="http://schemas.openxmlformats.org/drawingml/2006/main" xmlns:r="http://schemas.openxmlformats.org/officeDocument/2006/relationships" xmlns:p="http://schemas.openxmlformats.org/presentationml/2006/main">
-  <p:cSld>
-    <p:spTree>
-      <p:nvGrpSpPr>
-        <p:cNvPr id="1" name=""/>
-        <p:cNvGrpSpPr/>
-        <p:nvPr/>
-      </p:nvGrpSpPr>
-      <p:grpSpPr>
-        <a:xfrm>
-          <a:off x="0" y="0"/>
-          <a:ext cx="0" cy="0"/>
-          <a:chOff x="0" y="0"/>
-          <a:chExt cx="0" cy="0"/>
-        </a:xfrm>
-      </p:grpSpPr>
-      <p:sp>
-        <p:nvSpPr>
-          <p:cNvPr id="47105" name="Title 1">
-            <a:extLst>
-              <a:ext uri="{FF2B5EF4-FFF2-40B4-BE49-F238E27FC236}">
-                <a16:creationId xmlns:a16="http://schemas.microsoft.com/office/drawing/2014/main" id="{1DE02734-8557-4D41-97D1-1E8E963F734C}"/>
-              </a:ext>
-            </a:extLst>
-          </p:cNvPr>
-          <p:cNvSpPr>
-            <a:spLocks noGrp="1" noChangeArrowheads="1"/>
-          </p:cNvSpPr>
-          <p:nvPr>
-            <p:ph type="title"/>
-          </p:nvPr>
-        </p:nvSpPr>
-        <p:spPr/>
-        <p:txBody>
-          <a:bodyPr/>
-          <a:lstStyle/>
-          <a:p>
-            <a:pPr eaLnBrk="1" hangingPunct="1"/>
-            <a:r>
-              <a:rPr lang="en-US" altLang="en-US">
-                <a:ea typeface="ＭＳ Ｐゴシック" panose="020B0600070205080204" pitchFamily="34" charset="-128"/>
-              </a:rPr>
-              <a:t>UTF-32</a:t>
-            </a:r>
-          </a:p>
-        </p:txBody>
-      </p:sp>
-      <p:sp>
-        <p:nvSpPr>
-          <p:cNvPr id="3" name="Content Placeholder 2">
-            <a:extLst>
-              <a:ext uri="{FF2B5EF4-FFF2-40B4-BE49-F238E27FC236}">
-                <a16:creationId xmlns:a16="http://schemas.microsoft.com/office/drawing/2014/main" id="{02BD6BC0-0DF6-1C41-B2F6-DF171A4BD0C7}"/>
-              </a:ext>
-            </a:extLst>
-          </p:cNvPr>
-          <p:cNvSpPr>
-            <a:spLocks noGrp="1" noChangeArrowheads="1"/>
-          </p:cNvSpPr>
-          <p:nvPr>
-            <p:ph idx="1"/>
-          </p:nvPr>
-        </p:nvSpPr>
-        <p:spPr/>
-        <p:txBody>
-          <a:bodyPr/>
-          <a:lstStyle/>
-          <a:p>
-            <a:pPr marL="0" indent="0">
-              <a:buNone/>
-            </a:pPr>
-            <a:endParaRPr lang="en-US" altLang="en-US" sz="1833">
-              <a:ea typeface="ＭＳ Ｐゴシック" panose="020B0600070205080204" pitchFamily="34" charset="-128"/>
-            </a:endParaRPr>
-          </a:p>
-          <a:p>
-            <a:pPr marL="0" indent="0">
-              <a:buNone/>
-            </a:pPr>
-            <a:endParaRPr lang="en-US" altLang="en-US" sz="2000">
-              <a:ea typeface="ＭＳ Ｐゴシック" panose="020B0600070205080204" pitchFamily="34" charset="-128"/>
-            </a:endParaRPr>
-          </a:p>
-          <a:p>
-            <a:pPr marL="0" indent="0">
-              <a:buNone/>
-            </a:pPr>
-            <a:r>
-              <a:rPr lang="en-US" altLang="en-US" sz="2000">
-                <a:ea typeface="ＭＳ Ｐゴシック" panose="020B0600070205080204" pitchFamily="34" charset="-128"/>
-              </a:rPr>
-              <a:t>To represent 1,114,112 different values, two bytes aren't enough. Three bytes are, but three bytes are often awkward to work with, so four bytes would be the comfortable minimum. </a:t>
-            </a:r>
-          </a:p>
-          <a:p>
-            <a:pPr marL="0" indent="0">
-              <a:buNone/>
-            </a:pPr>
-            <a:endParaRPr lang="en-US" altLang="en-US" sz="2000">
-              <a:ea typeface="ＭＳ Ｐゴシック" panose="020B0600070205080204" pitchFamily="34" charset="-128"/>
-            </a:endParaRPr>
-          </a:p>
-          <a:p>
-            <a:pPr marL="0" indent="0">
-              <a:buNone/>
-            </a:pPr>
-            <a:r>
-              <a:rPr lang="en-US" altLang="en-US" sz="2000" b="1">
-                <a:ea typeface="ＭＳ Ｐゴシック" panose="020B0600070205080204" pitchFamily="34" charset="-128"/>
-              </a:rPr>
-              <a:t>UTF-32(Unicode Transformation Format) </a:t>
-            </a:r>
-            <a:r>
-              <a:rPr lang="en-US" altLang="en-US" sz="2000">
-                <a:ea typeface="ＭＳ Ｐゴシック" panose="020B0600070205080204" pitchFamily="34" charset="-128"/>
-              </a:rPr>
-              <a:t>is such an encoding that encodes all Unicode code points using 32 bits. That is, four bytes per character. </a:t>
-            </a:r>
-            <a:endParaRPr lang="en-US" altLang="en-US" sz="1833">
-              <a:ea typeface="ＭＳ Ｐゴシック" panose="020B0600070205080204" pitchFamily="34" charset="-128"/>
-            </a:endParaRPr>
-          </a:p>
-        </p:txBody>
-      </p:sp>
-      <p:sp>
-        <p:nvSpPr>
-          <p:cNvPr id="47107" name="TextBox 3">
-            <a:extLst>
-              <a:ext uri="{FF2B5EF4-FFF2-40B4-BE49-F238E27FC236}">
-                <a16:creationId xmlns:a16="http://schemas.microsoft.com/office/drawing/2014/main" id="{76F7609D-7E75-8449-A8A5-323CA4C72880}"/>
-              </a:ext>
-            </a:extLst>
-          </p:cNvPr>
-          <p:cNvSpPr txBox="1">
-            <a:spLocks noChangeArrowheads="1"/>
-          </p:cNvSpPr>
-          <p:nvPr/>
-        </p:nvSpPr>
-        <p:spPr bwMode="auto">
-          <a:xfrm>
-            <a:off x="3892021" y="67470"/>
-            <a:ext cx="184731" cy="323165"/>
-          </a:xfrm>
-          <a:prstGeom prst="rect">
-            <a:avLst/>
-          </a:prstGeom>
-          <a:noFill/>
-          <a:ln>
-            <a:noFill/>
-          </a:ln>
-          <a:extLst>
-            <a:ext uri="{909E8E84-426E-40DD-AFC4-6F175D3DCCD1}">
-              <a14:hiddenFill xmlns:a14="http://schemas.microsoft.com/office/drawing/2010/main">
-                <a:solidFill>
-                  <a:srgbClr val="FFFFFF"/>
-                </a:solidFill>
-              </a14:hiddenFill>
-            </a:ext>
-            <a:ext uri="{91240B29-F687-4F45-9708-019B960494DF}">
-              <a14:hiddenLine xmlns:a14="http://schemas.microsoft.com/office/drawing/2010/main" w="9525">
-                <a:solidFill>
-                  <a:srgbClr val="000000"/>
-                </a:solidFill>
-                <a:miter lim="800000"/>
-                <a:headEnd/>
-                <a:tailEnd/>
-              </a14:hiddenLine>
-            </a:ext>
-          </a:extLst>
-        </p:spPr>
-        <p:txBody>
-          <a:bodyPr wrap="none">
-            <a:spAutoFit/>
-          </a:bodyPr>
-          <a:lstStyle>
-            <a:lvl1pPr>
-              <a:spcBef>
-                <a:spcPct val="20000"/>
-              </a:spcBef>
-              <a:buChar char="•"/>
-              <a:defRPr sz="3200">
-                <a:solidFill>
-                  <a:schemeClr val="tx1"/>
-                </a:solidFill>
-                <a:latin typeface="Arial" panose="020B0604020202020204" pitchFamily="34" charset="0"/>
-                <a:ea typeface="ＭＳ Ｐゴシック" panose="020B0600070205080204" pitchFamily="34" charset="-128"/>
-                <a:cs typeface="Arial" panose="020B0604020202020204" pitchFamily="34" charset="0"/>
-              </a:defRPr>
-            </a:lvl1pPr>
-            <a:lvl2pPr marL="742950" indent="-285750">
-              <a:spcBef>
-                <a:spcPct val="20000"/>
-              </a:spcBef>
-              <a:buChar char="–"/>
-              <a:defRPr sz="2800">
-                <a:solidFill>
-                  <a:schemeClr val="tx1"/>
-                </a:solidFill>
-                <a:latin typeface="Arial" panose="020B0604020202020204" pitchFamily="34" charset="0"/>
-                <a:ea typeface="Arial" panose="020B0604020202020204" pitchFamily="34" charset="0"/>
-                <a:cs typeface="Arial" panose="020B0604020202020204" pitchFamily="34" charset="0"/>
-              </a:defRPr>
-            </a:lvl2pPr>
-            <a:lvl3pPr marL="1143000" indent="-228600">
-              <a:spcBef>
-                <a:spcPct val="20000"/>
-              </a:spcBef>
-              <a:buChar char="•"/>
-              <a:defRPr sz="2400">
-                <a:solidFill>
-                  <a:schemeClr val="tx1"/>
-                </a:solidFill>
-                <a:latin typeface="Arial" panose="020B0604020202020204" pitchFamily="34" charset="0"/>
-                <a:ea typeface="Arial" panose="020B0604020202020204" pitchFamily="34" charset="0"/>
-                <a:cs typeface="Arial" panose="020B0604020202020204" pitchFamily="34" charset="0"/>
-              </a:defRPr>
-            </a:lvl3pPr>
-            <a:lvl4pPr marL="1600200" indent="-228600">
-              <a:spcBef>
-                <a:spcPct val="20000"/>
-              </a:spcBef>
-              <a:buChar char="–"/>
-              <a:defRPr sz="2000">
-                <a:solidFill>
-                  <a:schemeClr val="tx1"/>
-                </a:solidFill>
-                <a:latin typeface="Arial" panose="020B0604020202020204" pitchFamily="34" charset="0"/>
-                <a:ea typeface="Arial" panose="020B0604020202020204" pitchFamily="34" charset="0"/>
-                <a:cs typeface="Arial" panose="020B0604020202020204" pitchFamily="34" charset="0"/>
-              </a:defRPr>
-            </a:lvl4pPr>
-            <a:lvl5pPr marL="2057400" indent="-228600">
-              <a:spcBef>
-                <a:spcPct val="20000"/>
-              </a:spcBef>
-              <a:buChar char="»"/>
-              <a:defRPr sz="2000">
-                <a:solidFill>
-                  <a:schemeClr val="tx1"/>
-                </a:solidFill>
-                <a:latin typeface="Arial" panose="020B0604020202020204" pitchFamily="34" charset="0"/>
-                <a:ea typeface="Arial" panose="020B0604020202020204" pitchFamily="34" charset="0"/>
-                <a:cs typeface="Arial" panose="020B0604020202020204" pitchFamily="34" charset="0"/>
-              </a:defRPr>
-            </a:lvl5pPr>
-            <a:lvl6pPr marL="2514600" indent="-228600" eaLnBrk="0" fontAlgn="base" hangingPunct="0">
-              <a:spcBef>
-                <a:spcPct val="20000"/>
-              </a:spcBef>
-              <a:spcAft>
-                <a:spcPct val="0"/>
-              </a:spcAft>
-              <a:buChar char="»"/>
-              <a:defRPr sz="2000">
-                <a:solidFill>
-                  <a:schemeClr val="tx1"/>
-                </a:solidFill>
-                <a:latin typeface="Arial" panose="020B0604020202020204" pitchFamily="34" charset="0"/>
-                <a:ea typeface="Arial" panose="020B0604020202020204" pitchFamily="34" charset="0"/>
-                <a:cs typeface="Arial" panose="020B0604020202020204" pitchFamily="34" charset="0"/>
-              </a:defRPr>
-            </a:lvl6pPr>
-            <a:lvl7pPr marL="2971800" indent="-228600" eaLnBrk="0" fontAlgn="base" hangingPunct="0">
-              <a:spcBef>
-                <a:spcPct val="20000"/>
-              </a:spcBef>
-              <a:spcAft>
-                <a:spcPct val="0"/>
-              </a:spcAft>
-              <a:buChar char="»"/>
-              <a:defRPr sz="2000">
-                <a:solidFill>
-                  <a:schemeClr val="tx1"/>
-                </a:solidFill>
-                <a:latin typeface="Arial" panose="020B0604020202020204" pitchFamily="34" charset="0"/>
-                <a:ea typeface="Arial" panose="020B0604020202020204" pitchFamily="34" charset="0"/>
-                <a:cs typeface="Arial" panose="020B0604020202020204" pitchFamily="34" charset="0"/>
-              </a:defRPr>
-            </a:lvl7pPr>
-            <a:lvl8pPr marL="3429000" indent="-228600" eaLnBrk="0" fontAlgn="base" hangingPunct="0">
-              <a:spcBef>
-                <a:spcPct val="20000"/>
-              </a:spcBef>
-              <a:spcAft>
-                <a:spcPct val="0"/>
-              </a:spcAft>
-              <a:buChar char="»"/>
-              <a:defRPr sz="2000">
-                <a:solidFill>
-                  <a:schemeClr val="tx1"/>
-                </a:solidFill>
-                <a:latin typeface="Arial" panose="020B0604020202020204" pitchFamily="34" charset="0"/>
-                <a:ea typeface="Arial" panose="020B0604020202020204" pitchFamily="34" charset="0"/>
-                <a:cs typeface="Arial" panose="020B0604020202020204" pitchFamily="34" charset="0"/>
-              </a:defRPr>
-            </a:lvl8pPr>
-            <a:lvl9pPr marL="3886200" indent="-228600" eaLnBrk="0" fontAlgn="base" hangingPunct="0">
-              <a:spcBef>
-                <a:spcPct val="20000"/>
-              </a:spcBef>
-              <a:spcAft>
-                <a:spcPct val="0"/>
-              </a:spcAft>
-              <a:buChar char="»"/>
-              <a:defRPr sz="2000">
-                <a:solidFill>
-                  <a:schemeClr val="tx1"/>
-                </a:solidFill>
-                <a:latin typeface="Arial" panose="020B0604020202020204" pitchFamily="34" charset="0"/>
-                <a:ea typeface="Arial" panose="020B0604020202020204" pitchFamily="34" charset="0"/>
-                <a:cs typeface="Arial" panose="020B0604020202020204" pitchFamily="34" charset="0"/>
-              </a:defRPr>
-            </a:lvl9pPr>
-          </a:lstStyle>
-          <a:p>
-            <a:pPr>
-              <a:spcBef>
-                <a:spcPct val="0"/>
-              </a:spcBef>
-              <a:buFontTx/>
-              <a:buNone/>
-            </a:pPr>
-            <a:endParaRPr lang="en-US" altLang="en-US" sz="1500"/>
-          </a:p>
-        </p:txBody>
-      </p:sp>
-    </p:spTree>
-    <p:extLst>
-      <p:ext uri="{BB962C8B-B14F-4D97-AF65-F5344CB8AC3E}">
-        <p14:creationId xmlns:p14="http://schemas.microsoft.com/office/powerpoint/2010/main" val="3749436800"/>
       </p:ext>
     </p:extLst>
   </p:cSld>
@@ -15271,6 +16139,474 @@
       </p:grpSpPr>
       <p:sp>
         <p:nvSpPr>
+          <p:cNvPr id="47105" name="Title 1">
+            <a:extLst>
+              <a:ext uri="{FF2B5EF4-FFF2-40B4-BE49-F238E27FC236}">
+                <a16:creationId xmlns:a16="http://schemas.microsoft.com/office/drawing/2014/main" id="{1DE02734-8557-4D41-97D1-1E8E963F734C}"/>
+              </a:ext>
+            </a:extLst>
+          </p:cNvPr>
+          <p:cNvSpPr>
+            <a:spLocks noGrp="1" noChangeArrowheads="1"/>
+          </p:cNvSpPr>
+          <p:nvPr>
+            <p:ph type="title"/>
+          </p:nvPr>
+        </p:nvSpPr>
+        <p:spPr/>
+        <p:txBody>
+          <a:bodyPr/>
+          <a:lstStyle/>
+          <a:p>
+            <a:pPr eaLnBrk="1" hangingPunct="1"/>
+            <a:r>
+              <a:rPr lang="en-US" altLang="en-US">
+                <a:ea typeface="ＭＳ Ｐゴシック" panose="020B0600070205080204" pitchFamily="34" charset="-128"/>
+              </a:rPr>
+              <a:t>UTF-32</a:t>
+            </a:r>
+          </a:p>
+        </p:txBody>
+      </p:sp>
+      <p:sp>
+        <p:nvSpPr>
+          <p:cNvPr id="3" name="Content Placeholder 2">
+            <a:extLst>
+              <a:ext uri="{FF2B5EF4-FFF2-40B4-BE49-F238E27FC236}">
+                <a16:creationId xmlns:a16="http://schemas.microsoft.com/office/drawing/2014/main" id="{02BD6BC0-0DF6-1C41-B2F6-DF171A4BD0C7}"/>
+              </a:ext>
+            </a:extLst>
+          </p:cNvPr>
+          <p:cNvSpPr>
+            <a:spLocks noGrp="1" noChangeArrowheads="1"/>
+          </p:cNvSpPr>
+          <p:nvPr>
+            <p:ph idx="1"/>
+          </p:nvPr>
+        </p:nvSpPr>
+        <p:spPr/>
+        <p:txBody>
+          <a:bodyPr/>
+          <a:lstStyle/>
+          <a:p>
+            <a:pPr marL="0" indent="0">
+              <a:buNone/>
+            </a:pPr>
+            <a:endParaRPr lang="en-US" altLang="en-US" sz="1833">
+              <a:ea typeface="ＭＳ Ｐゴシック" panose="020B0600070205080204" pitchFamily="34" charset="-128"/>
+            </a:endParaRPr>
+          </a:p>
+          <a:p>
+            <a:pPr marL="0" indent="0">
+              <a:buNone/>
+            </a:pPr>
+            <a:endParaRPr lang="en-US" altLang="en-US" sz="2000">
+              <a:ea typeface="ＭＳ Ｐゴシック" panose="020B0600070205080204" pitchFamily="34" charset="-128"/>
+            </a:endParaRPr>
+          </a:p>
+          <a:p>
+            <a:pPr marL="0" indent="0">
+              <a:buNone/>
+            </a:pPr>
+            <a:r>
+              <a:rPr lang="en-US" altLang="en-US" sz="2000">
+                <a:ea typeface="ＭＳ Ｐゴシック" panose="020B0600070205080204" pitchFamily="34" charset="-128"/>
+              </a:rPr>
+              <a:t>To represent 1,114,112 different values, two bytes aren't enough. Three bytes are, but three bytes are often awkward to work with, so four bytes would be the comfortable minimum. </a:t>
+            </a:r>
+          </a:p>
+          <a:p>
+            <a:pPr marL="0" indent="0">
+              <a:buNone/>
+            </a:pPr>
+            <a:endParaRPr lang="en-US" altLang="en-US" sz="2000">
+              <a:ea typeface="ＭＳ Ｐゴシック" panose="020B0600070205080204" pitchFamily="34" charset="-128"/>
+            </a:endParaRPr>
+          </a:p>
+          <a:p>
+            <a:pPr marL="0" indent="0">
+              <a:buNone/>
+            </a:pPr>
+            <a:r>
+              <a:rPr lang="en-US" altLang="en-US" sz="2000" b="1">
+                <a:ea typeface="ＭＳ Ｐゴシック" panose="020B0600070205080204" pitchFamily="34" charset="-128"/>
+              </a:rPr>
+              <a:t>UTF-32(Unicode Transformation Format) </a:t>
+            </a:r>
+            <a:r>
+              <a:rPr lang="en-US" altLang="en-US" sz="2000">
+                <a:ea typeface="ＭＳ Ｐゴシック" panose="020B0600070205080204" pitchFamily="34" charset="-128"/>
+              </a:rPr>
+              <a:t>is such an encoding that encodes all Unicode code points using 32 bits. That is, four bytes per character. </a:t>
+            </a:r>
+            <a:endParaRPr lang="en-US" altLang="en-US" sz="1833">
+              <a:ea typeface="ＭＳ Ｐゴシック" panose="020B0600070205080204" pitchFamily="34" charset="-128"/>
+            </a:endParaRPr>
+          </a:p>
+        </p:txBody>
+      </p:sp>
+      <p:sp>
+        <p:nvSpPr>
+          <p:cNvPr id="47107" name="TextBox 3">
+            <a:extLst>
+              <a:ext uri="{FF2B5EF4-FFF2-40B4-BE49-F238E27FC236}">
+                <a16:creationId xmlns:a16="http://schemas.microsoft.com/office/drawing/2014/main" id="{76F7609D-7E75-8449-A8A5-323CA4C72880}"/>
+              </a:ext>
+            </a:extLst>
+          </p:cNvPr>
+          <p:cNvSpPr txBox="1">
+            <a:spLocks noChangeArrowheads="1"/>
+          </p:cNvSpPr>
+          <p:nvPr/>
+        </p:nvSpPr>
+        <p:spPr bwMode="auto">
+          <a:xfrm>
+            <a:off x="3892021" y="67470"/>
+            <a:ext cx="184731" cy="323165"/>
+          </a:xfrm>
+          <a:prstGeom prst="rect">
+            <a:avLst/>
+          </a:prstGeom>
+          <a:noFill/>
+          <a:ln>
+            <a:noFill/>
+          </a:ln>
+          <a:extLst>
+            <a:ext uri="{909E8E84-426E-40DD-AFC4-6F175D3DCCD1}">
+              <a14:hiddenFill xmlns:a14="http://schemas.microsoft.com/office/drawing/2010/main">
+                <a:solidFill>
+                  <a:srgbClr val="FFFFFF"/>
+                </a:solidFill>
+              </a14:hiddenFill>
+            </a:ext>
+            <a:ext uri="{91240B29-F687-4F45-9708-019B960494DF}">
+              <a14:hiddenLine xmlns:a14="http://schemas.microsoft.com/office/drawing/2010/main" w="9525">
+                <a:solidFill>
+                  <a:srgbClr val="000000"/>
+                </a:solidFill>
+                <a:miter lim="800000"/>
+                <a:headEnd/>
+                <a:tailEnd/>
+              </a14:hiddenLine>
+            </a:ext>
+          </a:extLst>
+        </p:spPr>
+        <p:txBody>
+          <a:bodyPr wrap="none">
+            <a:spAutoFit/>
+          </a:bodyPr>
+          <a:lstStyle>
+            <a:lvl1pPr>
+              <a:spcBef>
+                <a:spcPct val="20000"/>
+              </a:spcBef>
+              <a:buChar char="•"/>
+              <a:defRPr sz="3200">
+                <a:solidFill>
+                  <a:schemeClr val="tx1"/>
+                </a:solidFill>
+                <a:latin typeface="Arial" panose="020B0604020202020204" pitchFamily="34" charset="0"/>
+                <a:ea typeface="ＭＳ Ｐゴシック" panose="020B0600070205080204" pitchFamily="34" charset="-128"/>
+                <a:cs typeface="Arial" panose="020B0604020202020204" pitchFamily="34" charset="0"/>
+              </a:defRPr>
+            </a:lvl1pPr>
+            <a:lvl2pPr marL="742950" indent="-285750">
+              <a:spcBef>
+                <a:spcPct val="20000"/>
+              </a:spcBef>
+              <a:buChar char="–"/>
+              <a:defRPr sz="2800">
+                <a:solidFill>
+                  <a:schemeClr val="tx1"/>
+                </a:solidFill>
+                <a:latin typeface="Arial" panose="020B0604020202020204" pitchFamily="34" charset="0"/>
+                <a:ea typeface="Arial" panose="020B0604020202020204" pitchFamily="34" charset="0"/>
+                <a:cs typeface="Arial" panose="020B0604020202020204" pitchFamily="34" charset="0"/>
+              </a:defRPr>
+            </a:lvl2pPr>
+            <a:lvl3pPr marL="1143000" indent="-228600">
+              <a:spcBef>
+                <a:spcPct val="20000"/>
+              </a:spcBef>
+              <a:buChar char="•"/>
+              <a:defRPr sz="2400">
+                <a:solidFill>
+                  <a:schemeClr val="tx1"/>
+                </a:solidFill>
+                <a:latin typeface="Arial" panose="020B0604020202020204" pitchFamily="34" charset="0"/>
+                <a:ea typeface="Arial" panose="020B0604020202020204" pitchFamily="34" charset="0"/>
+                <a:cs typeface="Arial" panose="020B0604020202020204" pitchFamily="34" charset="0"/>
+              </a:defRPr>
+            </a:lvl3pPr>
+            <a:lvl4pPr marL="1600200" indent="-228600">
+              <a:spcBef>
+                <a:spcPct val="20000"/>
+              </a:spcBef>
+              <a:buChar char="–"/>
+              <a:defRPr sz="2000">
+                <a:solidFill>
+                  <a:schemeClr val="tx1"/>
+                </a:solidFill>
+                <a:latin typeface="Arial" panose="020B0604020202020204" pitchFamily="34" charset="0"/>
+                <a:ea typeface="Arial" panose="020B0604020202020204" pitchFamily="34" charset="0"/>
+                <a:cs typeface="Arial" panose="020B0604020202020204" pitchFamily="34" charset="0"/>
+              </a:defRPr>
+            </a:lvl4pPr>
+            <a:lvl5pPr marL="2057400" indent="-228600">
+              <a:spcBef>
+                <a:spcPct val="20000"/>
+              </a:spcBef>
+              <a:buChar char="»"/>
+              <a:defRPr sz="2000">
+                <a:solidFill>
+                  <a:schemeClr val="tx1"/>
+                </a:solidFill>
+                <a:latin typeface="Arial" panose="020B0604020202020204" pitchFamily="34" charset="0"/>
+                <a:ea typeface="Arial" panose="020B0604020202020204" pitchFamily="34" charset="0"/>
+                <a:cs typeface="Arial" panose="020B0604020202020204" pitchFamily="34" charset="0"/>
+              </a:defRPr>
+            </a:lvl5pPr>
+            <a:lvl6pPr marL="2514600" indent="-228600" eaLnBrk="0" fontAlgn="base" hangingPunct="0">
+              <a:spcBef>
+                <a:spcPct val="20000"/>
+              </a:spcBef>
+              <a:spcAft>
+                <a:spcPct val="0"/>
+              </a:spcAft>
+              <a:buChar char="»"/>
+              <a:defRPr sz="2000">
+                <a:solidFill>
+                  <a:schemeClr val="tx1"/>
+                </a:solidFill>
+                <a:latin typeface="Arial" panose="020B0604020202020204" pitchFamily="34" charset="0"/>
+                <a:ea typeface="Arial" panose="020B0604020202020204" pitchFamily="34" charset="0"/>
+                <a:cs typeface="Arial" panose="020B0604020202020204" pitchFamily="34" charset="0"/>
+              </a:defRPr>
+            </a:lvl6pPr>
+            <a:lvl7pPr marL="2971800" indent="-228600" eaLnBrk="0" fontAlgn="base" hangingPunct="0">
+              <a:spcBef>
+                <a:spcPct val="20000"/>
+              </a:spcBef>
+              <a:spcAft>
+                <a:spcPct val="0"/>
+              </a:spcAft>
+              <a:buChar char="»"/>
+              <a:defRPr sz="2000">
+                <a:solidFill>
+                  <a:schemeClr val="tx1"/>
+                </a:solidFill>
+                <a:latin typeface="Arial" panose="020B0604020202020204" pitchFamily="34" charset="0"/>
+                <a:ea typeface="Arial" panose="020B0604020202020204" pitchFamily="34" charset="0"/>
+                <a:cs typeface="Arial" panose="020B0604020202020204" pitchFamily="34" charset="0"/>
+              </a:defRPr>
+            </a:lvl7pPr>
+            <a:lvl8pPr marL="3429000" indent="-228600" eaLnBrk="0" fontAlgn="base" hangingPunct="0">
+              <a:spcBef>
+                <a:spcPct val="20000"/>
+              </a:spcBef>
+              <a:spcAft>
+                <a:spcPct val="0"/>
+              </a:spcAft>
+              <a:buChar char="»"/>
+              <a:defRPr sz="2000">
+                <a:solidFill>
+                  <a:schemeClr val="tx1"/>
+                </a:solidFill>
+                <a:latin typeface="Arial" panose="020B0604020202020204" pitchFamily="34" charset="0"/>
+                <a:ea typeface="Arial" panose="020B0604020202020204" pitchFamily="34" charset="0"/>
+                <a:cs typeface="Arial" panose="020B0604020202020204" pitchFamily="34" charset="0"/>
+              </a:defRPr>
+            </a:lvl8pPr>
+            <a:lvl9pPr marL="3886200" indent="-228600" eaLnBrk="0" fontAlgn="base" hangingPunct="0">
+              <a:spcBef>
+                <a:spcPct val="20000"/>
+              </a:spcBef>
+              <a:spcAft>
+                <a:spcPct val="0"/>
+              </a:spcAft>
+              <a:buChar char="»"/>
+              <a:defRPr sz="2000">
+                <a:solidFill>
+                  <a:schemeClr val="tx1"/>
+                </a:solidFill>
+                <a:latin typeface="Arial" panose="020B0604020202020204" pitchFamily="34" charset="0"/>
+                <a:ea typeface="Arial" panose="020B0604020202020204" pitchFamily="34" charset="0"/>
+                <a:cs typeface="Arial" panose="020B0604020202020204" pitchFamily="34" charset="0"/>
+              </a:defRPr>
+            </a:lvl9pPr>
+          </a:lstStyle>
+          <a:p>
+            <a:pPr>
+              <a:spcBef>
+                <a:spcPct val="0"/>
+              </a:spcBef>
+              <a:buFontTx/>
+              <a:buNone/>
+            </a:pPr>
+            <a:endParaRPr lang="en-US" altLang="en-US" sz="1500"/>
+          </a:p>
+        </p:txBody>
+      </p:sp>
+    </p:spTree>
+    <p:extLst>
+      <p:ext uri="{BB962C8B-B14F-4D97-AF65-F5344CB8AC3E}">
+        <p14:creationId xmlns:p14="http://schemas.microsoft.com/office/powerpoint/2010/main" val="3749436800"/>
+      </p:ext>
+    </p:extLst>
+  </p:cSld>
+  <p:clrMapOvr>
+    <a:masterClrMapping/>
+  </p:clrMapOvr>
+  <p:timing>
+    <p:tnLst>
+      <p:par>
+        <p:cTn id="1" dur="indefinite" restart="never" nodeType="tmRoot">
+          <p:childTnLst>
+            <p:seq concurrent="1" nextAc="seek">
+              <p:cTn id="2" dur="indefinite" nodeType="mainSeq">
+                <p:childTnLst>
+                  <p:par>
+                    <p:cTn id="3" fill="hold" nodeType="clickPar">
+                      <p:stCondLst>
+                        <p:cond delay="indefinite"/>
+                      </p:stCondLst>
+                      <p:childTnLst>
+                        <p:par>
+                          <p:cTn id="4" fill="hold" nodeType="withGroup">
+                            <p:stCondLst>
+                              <p:cond delay="0"/>
+                            </p:stCondLst>
+                            <p:childTnLst>
+                              <p:par>
+                                <p:cTn id="5" presetID="1" presetClass="entr" presetSubtype="0" fill="hold" nodeType="clickEffect">
+                                  <p:stCondLst>
+                                    <p:cond delay="0"/>
+                                  </p:stCondLst>
+                                  <p:childTnLst>
+                                    <p:set>
+                                      <p:cBhvr>
+                                        <p:cTn id="6" dur="1" fill="hold">
+                                          <p:stCondLst>
+                                            <p:cond delay="0"/>
+                                          </p:stCondLst>
+                                        </p:cTn>
+                                        <p:tgtEl>
+                                          <p:spTgt spid="3">
+                                            <p:txEl>
+                                              <p:pRg st="2" end="2"/>
+                                            </p:txEl>
+                                          </p:spTgt>
+                                        </p:tgtEl>
+                                        <p:attrNameLst>
+                                          <p:attrName>style.visibility</p:attrName>
+                                        </p:attrNameLst>
+                                      </p:cBhvr>
+                                      <p:to>
+                                        <p:strVal val="visible"/>
+                                      </p:to>
+                                    </p:set>
+                                  </p:childTnLst>
+                                </p:cTn>
+                              </p:par>
+                            </p:childTnLst>
+                          </p:cTn>
+                        </p:par>
+                      </p:childTnLst>
+                    </p:cTn>
+                  </p:par>
+                  <p:par>
+                    <p:cTn id="7" fill="hold" nodeType="clickPar">
+                      <p:stCondLst>
+                        <p:cond delay="indefinite"/>
+                      </p:stCondLst>
+                      <p:childTnLst>
+                        <p:par>
+                          <p:cTn id="8" fill="hold" nodeType="withGroup">
+                            <p:stCondLst>
+                              <p:cond delay="0"/>
+                            </p:stCondLst>
+                            <p:childTnLst>
+                              <p:par>
+                                <p:cTn id="9" presetID="1" presetClass="entr" presetSubtype="0" fill="hold" nodeType="clickEffect">
+                                  <p:stCondLst>
+                                    <p:cond delay="0"/>
+                                  </p:stCondLst>
+                                  <p:childTnLst>
+                                    <p:set>
+                                      <p:cBhvr>
+                                        <p:cTn id="10" dur="1" fill="hold">
+                                          <p:stCondLst>
+                                            <p:cond delay="0"/>
+                                          </p:stCondLst>
+                                        </p:cTn>
+                                        <p:tgtEl>
+                                          <p:spTgt spid="3">
+                                            <p:txEl>
+                                              <p:pRg st="4" end="4"/>
+                                            </p:txEl>
+                                          </p:spTgt>
+                                        </p:tgtEl>
+                                        <p:attrNameLst>
+                                          <p:attrName>style.visibility</p:attrName>
+                                        </p:attrNameLst>
+                                      </p:cBhvr>
+                                      <p:to>
+                                        <p:strVal val="visible"/>
+                                      </p:to>
+                                    </p:set>
+                                  </p:childTnLst>
+                                </p:cTn>
+                              </p:par>
+                            </p:childTnLst>
+                          </p:cTn>
+                        </p:par>
+                      </p:childTnLst>
+                    </p:cTn>
+                  </p:par>
+                </p:childTnLst>
+              </p:cTn>
+              <p:prevCondLst>
+                <p:cond evt="onPrev" delay="0">
+                  <p:tgtEl>
+                    <p:sldTgt/>
+                  </p:tgtEl>
+                </p:cond>
+              </p:prevCondLst>
+              <p:nextCondLst>
+                <p:cond evt="onNext" delay="0">
+                  <p:tgtEl>
+                    <p:sldTgt/>
+                  </p:tgtEl>
+                </p:cond>
+              </p:nextCondLst>
+            </p:seq>
+          </p:childTnLst>
+        </p:cTn>
+      </p:par>
+    </p:tnLst>
+  </p:timing>
+</p:sld>
+</file>
+
+<file path=ppt/slides/slide29.xml><?xml version="1.0" encoding="utf-8"?>
+<p:sld xmlns:a="http://schemas.openxmlformats.org/drawingml/2006/main" xmlns:r="http://schemas.openxmlformats.org/officeDocument/2006/relationships" xmlns:p="http://schemas.openxmlformats.org/presentationml/2006/main">
+  <p:cSld>
+    <p:spTree>
+      <p:nvGrpSpPr>
+        <p:cNvPr id="1" name=""/>
+        <p:cNvGrpSpPr/>
+        <p:nvPr/>
+      </p:nvGrpSpPr>
+      <p:grpSpPr>
+        <a:xfrm>
+          <a:off x="0" y="0"/>
+          <a:ext cx="0" cy="0"/>
+          <a:chOff x="0" y="0"/>
+          <a:chExt cx="0" cy="0"/>
+        </a:xfrm>
+      </p:grpSpPr>
+      <p:sp>
+        <p:nvSpPr>
           <p:cNvPr id="48129" name="Title 1">
             <a:extLst>
               <a:ext uri="{FF2B5EF4-FFF2-40B4-BE49-F238E27FC236}">
@@ -15738,434 +17074,6 @@
       </p:par>
     </p:tnLst>
   </p:timing>
-</p:sld>
-</file>
-
-<file path=ppt/slides/slide29.xml><?xml version="1.0" encoding="utf-8"?>
-<p:sld xmlns:a="http://schemas.openxmlformats.org/drawingml/2006/main" xmlns:r="http://schemas.openxmlformats.org/officeDocument/2006/relationships" xmlns:p="http://schemas.openxmlformats.org/presentationml/2006/main">
-  <p:cSld>
-    <p:spTree>
-      <p:nvGrpSpPr>
-        <p:cNvPr id="1" name=""/>
-        <p:cNvGrpSpPr/>
-        <p:nvPr/>
-      </p:nvGrpSpPr>
-      <p:grpSpPr>
-        <a:xfrm>
-          <a:off x="0" y="0"/>
-          <a:ext cx="0" cy="0"/>
-          <a:chOff x="0" y="0"/>
-          <a:chExt cx="0" cy="0"/>
-        </a:xfrm>
-      </p:grpSpPr>
-      <p:sp>
-        <p:nvSpPr>
-          <p:cNvPr id="49153" name="Title 1">
-            <a:extLst>
-              <a:ext uri="{FF2B5EF4-FFF2-40B4-BE49-F238E27FC236}">
-                <a16:creationId xmlns:a16="http://schemas.microsoft.com/office/drawing/2014/main" id="{136DD183-DE9D-374E-B46B-AD19BE975B82}"/>
-              </a:ext>
-            </a:extLst>
-          </p:cNvPr>
-          <p:cNvSpPr>
-            <a:spLocks noGrp="1" noChangeArrowheads="1"/>
-          </p:cNvSpPr>
-          <p:nvPr>
-            <p:ph type="title"/>
-          </p:nvPr>
-        </p:nvSpPr>
-        <p:spPr/>
-        <p:txBody>
-          <a:bodyPr/>
-          <a:lstStyle/>
-          <a:p>
-            <a:pPr eaLnBrk="1" hangingPunct="1"/>
-            <a:r>
-              <a:rPr lang="en-US" altLang="en-US">
-                <a:ea typeface="ＭＳ Ｐゴシック" panose="020B0600070205080204" pitchFamily="34" charset="-128"/>
-              </a:rPr>
-              <a:t>Unicode</a:t>
-            </a:r>
-          </a:p>
-        </p:txBody>
-      </p:sp>
-      <p:sp>
-        <p:nvSpPr>
-          <p:cNvPr id="49154" name="Content Placeholder 2">
-            <a:extLst>
-              <a:ext uri="{FF2B5EF4-FFF2-40B4-BE49-F238E27FC236}">
-                <a16:creationId xmlns:a16="http://schemas.microsoft.com/office/drawing/2014/main" id="{70728B91-24B5-1641-BF83-B51339ED3DF3}"/>
-              </a:ext>
-            </a:extLst>
-          </p:cNvPr>
-          <p:cNvSpPr>
-            <a:spLocks noGrp="1" noChangeArrowheads="1"/>
-          </p:cNvSpPr>
-          <p:nvPr>
-            <p:ph idx="1"/>
-          </p:nvPr>
-        </p:nvSpPr>
-        <p:spPr/>
-        <p:txBody>
-          <a:bodyPr/>
-          <a:lstStyle/>
-          <a:p>
-            <a:pPr marL="0" indent="0">
-              <a:buNone/>
-            </a:pPr>
-            <a:endParaRPr lang="en-US" altLang="en-US" sz="1667">
-              <a:ea typeface="ＭＳ Ｐゴシック" panose="020B0600070205080204" pitchFamily="34" charset="-128"/>
-            </a:endParaRPr>
-          </a:p>
-          <a:p>
-            <a:pPr marL="0" indent="0">
-              <a:buNone/>
-            </a:pPr>
-            <a:endParaRPr lang="en-US" altLang="en-US" sz="1667">
-              <a:ea typeface="ＭＳ Ｐゴシック" panose="020B0600070205080204" pitchFamily="34" charset="-128"/>
-            </a:endParaRPr>
-          </a:p>
-          <a:p>
-            <a:pPr marL="0" indent="0">
-              <a:buNone/>
-            </a:pPr>
-            <a:endParaRPr lang="en-US" altLang="en-US" sz="1667">
-              <a:ea typeface="ＭＳ Ｐゴシック" panose="020B0600070205080204" pitchFamily="34" charset="-128"/>
-            </a:endParaRPr>
-          </a:p>
-          <a:p>
-            <a:pPr marL="0" indent="0">
-              <a:buNone/>
-            </a:pPr>
-            <a:endParaRPr lang="en-US" altLang="en-US" sz="1667">
-              <a:ea typeface="ＭＳ Ｐゴシック" panose="020B0600070205080204" pitchFamily="34" charset="-128"/>
-            </a:endParaRPr>
-          </a:p>
-          <a:p>
-            <a:pPr marL="0" indent="0">
-              <a:buNone/>
-            </a:pPr>
-            <a:endParaRPr lang="en-US" altLang="en-US" sz="1667">
-              <a:ea typeface="ＭＳ Ｐゴシック" panose="020B0600070205080204" pitchFamily="34" charset="-128"/>
-            </a:endParaRPr>
-          </a:p>
-          <a:p>
-            <a:pPr marL="0" indent="0">
-              <a:buNone/>
-            </a:pPr>
-            <a:endParaRPr lang="en-US" altLang="en-US" sz="1667">
-              <a:ea typeface="ＭＳ Ｐゴシック" panose="020B0600070205080204" pitchFamily="34" charset="-128"/>
-            </a:endParaRPr>
-          </a:p>
-          <a:p>
-            <a:pPr marL="0" indent="0">
-              <a:buNone/>
-            </a:pPr>
-            <a:endParaRPr lang="en-US" altLang="en-US" sz="1667">
-              <a:ea typeface="ＭＳ Ｐゴシック" panose="020B0600070205080204" pitchFamily="34" charset="-128"/>
-            </a:endParaRPr>
-          </a:p>
-          <a:p>
-            <a:pPr marL="0" indent="0">
-              <a:buNone/>
-            </a:pPr>
-            <a:endParaRPr lang="en-US" altLang="en-US" sz="1667">
-              <a:ea typeface="ＭＳ Ｐゴシック" panose="020B0600070205080204" pitchFamily="34" charset="-128"/>
-            </a:endParaRPr>
-          </a:p>
-          <a:p>
-            <a:pPr marL="0" indent="0">
-              <a:buNone/>
-            </a:pPr>
-            <a:endParaRPr lang="en-US" altLang="en-US" sz="1667">
-              <a:ea typeface="ＭＳ Ｐゴシック" panose="020B0600070205080204" pitchFamily="34" charset="-128"/>
-            </a:endParaRPr>
-          </a:p>
-          <a:p>
-            <a:pPr marL="0" indent="0">
-              <a:buNone/>
-            </a:pPr>
-            <a:r>
-              <a:rPr lang="en-US" altLang="en-US" sz="1667" b="1">
-                <a:ea typeface="ＭＳ Ｐゴシック" panose="020B0600070205080204" pitchFamily="34" charset="-128"/>
-              </a:rPr>
-              <a:t>Unicode is a large table mapping characters to numbers and the different UTF encodings specify how these numbers are encoded as bits.</a:t>
-            </a:r>
-          </a:p>
-        </p:txBody>
-      </p:sp>
-      <p:sp>
-        <p:nvSpPr>
-          <p:cNvPr id="49155" name="TextBox 3">
-            <a:extLst>
-              <a:ext uri="{FF2B5EF4-FFF2-40B4-BE49-F238E27FC236}">
-                <a16:creationId xmlns:a16="http://schemas.microsoft.com/office/drawing/2014/main" id="{592AA4F9-F9F8-D046-8634-E76720F7DDE2}"/>
-              </a:ext>
-            </a:extLst>
-          </p:cNvPr>
-          <p:cNvSpPr txBox="1">
-            <a:spLocks noChangeArrowheads="1"/>
-          </p:cNvSpPr>
-          <p:nvPr/>
-        </p:nvSpPr>
-        <p:spPr bwMode="auto">
-          <a:xfrm>
-            <a:off x="3892021" y="67470"/>
-            <a:ext cx="184731" cy="323165"/>
-          </a:xfrm>
-          <a:prstGeom prst="rect">
-            <a:avLst/>
-          </a:prstGeom>
-          <a:noFill/>
-          <a:ln>
-            <a:noFill/>
-          </a:ln>
-          <a:extLst>
-            <a:ext uri="{909E8E84-426E-40DD-AFC4-6F175D3DCCD1}">
-              <a14:hiddenFill xmlns:a14="http://schemas.microsoft.com/office/drawing/2010/main">
-                <a:solidFill>
-                  <a:srgbClr val="FFFFFF"/>
-                </a:solidFill>
-              </a14:hiddenFill>
-            </a:ext>
-            <a:ext uri="{91240B29-F687-4F45-9708-019B960494DF}">
-              <a14:hiddenLine xmlns:a14="http://schemas.microsoft.com/office/drawing/2010/main" w="9525">
-                <a:solidFill>
-                  <a:srgbClr val="000000"/>
-                </a:solidFill>
-                <a:miter lim="800000"/>
-                <a:headEnd/>
-                <a:tailEnd/>
-              </a14:hiddenLine>
-            </a:ext>
-          </a:extLst>
-        </p:spPr>
-        <p:txBody>
-          <a:bodyPr wrap="none">
-            <a:spAutoFit/>
-          </a:bodyPr>
-          <a:lstStyle>
-            <a:lvl1pPr>
-              <a:spcBef>
-                <a:spcPct val="20000"/>
-              </a:spcBef>
-              <a:buChar char="•"/>
-              <a:defRPr sz="3200">
-                <a:solidFill>
-                  <a:schemeClr val="tx1"/>
-                </a:solidFill>
-                <a:latin typeface="Arial" panose="020B0604020202020204" pitchFamily="34" charset="0"/>
-                <a:ea typeface="ＭＳ Ｐゴシック" panose="020B0600070205080204" pitchFamily="34" charset="-128"/>
-                <a:cs typeface="Arial" panose="020B0604020202020204" pitchFamily="34" charset="0"/>
-              </a:defRPr>
-            </a:lvl1pPr>
-            <a:lvl2pPr marL="742950" indent="-285750">
-              <a:spcBef>
-                <a:spcPct val="20000"/>
-              </a:spcBef>
-              <a:buChar char="–"/>
-              <a:defRPr sz="2800">
-                <a:solidFill>
-                  <a:schemeClr val="tx1"/>
-                </a:solidFill>
-                <a:latin typeface="Arial" panose="020B0604020202020204" pitchFamily="34" charset="0"/>
-                <a:ea typeface="Arial" panose="020B0604020202020204" pitchFamily="34" charset="0"/>
-                <a:cs typeface="Arial" panose="020B0604020202020204" pitchFamily="34" charset="0"/>
-              </a:defRPr>
-            </a:lvl2pPr>
-            <a:lvl3pPr marL="1143000" indent="-228600">
-              <a:spcBef>
-                <a:spcPct val="20000"/>
-              </a:spcBef>
-              <a:buChar char="•"/>
-              <a:defRPr sz="2400">
-                <a:solidFill>
-                  <a:schemeClr val="tx1"/>
-                </a:solidFill>
-                <a:latin typeface="Arial" panose="020B0604020202020204" pitchFamily="34" charset="0"/>
-                <a:ea typeface="Arial" panose="020B0604020202020204" pitchFamily="34" charset="0"/>
-                <a:cs typeface="Arial" panose="020B0604020202020204" pitchFamily="34" charset="0"/>
-              </a:defRPr>
-            </a:lvl3pPr>
-            <a:lvl4pPr marL="1600200" indent="-228600">
-              <a:spcBef>
-                <a:spcPct val="20000"/>
-              </a:spcBef>
-              <a:buChar char="–"/>
-              <a:defRPr sz="2000">
-                <a:solidFill>
-                  <a:schemeClr val="tx1"/>
-                </a:solidFill>
-                <a:latin typeface="Arial" panose="020B0604020202020204" pitchFamily="34" charset="0"/>
-                <a:ea typeface="Arial" panose="020B0604020202020204" pitchFamily="34" charset="0"/>
-                <a:cs typeface="Arial" panose="020B0604020202020204" pitchFamily="34" charset="0"/>
-              </a:defRPr>
-            </a:lvl4pPr>
-            <a:lvl5pPr marL="2057400" indent="-228600">
-              <a:spcBef>
-                <a:spcPct val="20000"/>
-              </a:spcBef>
-              <a:buChar char="»"/>
-              <a:defRPr sz="2000">
-                <a:solidFill>
-                  <a:schemeClr val="tx1"/>
-                </a:solidFill>
-                <a:latin typeface="Arial" panose="020B0604020202020204" pitchFamily="34" charset="0"/>
-                <a:ea typeface="Arial" panose="020B0604020202020204" pitchFamily="34" charset="0"/>
-                <a:cs typeface="Arial" panose="020B0604020202020204" pitchFamily="34" charset="0"/>
-              </a:defRPr>
-            </a:lvl5pPr>
-            <a:lvl6pPr marL="2514600" indent="-228600" eaLnBrk="0" fontAlgn="base" hangingPunct="0">
-              <a:spcBef>
-                <a:spcPct val="20000"/>
-              </a:spcBef>
-              <a:spcAft>
-                <a:spcPct val="0"/>
-              </a:spcAft>
-              <a:buChar char="»"/>
-              <a:defRPr sz="2000">
-                <a:solidFill>
-                  <a:schemeClr val="tx1"/>
-                </a:solidFill>
-                <a:latin typeface="Arial" panose="020B0604020202020204" pitchFamily="34" charset="0"/>
-                <a:ea typeface="Arial" panose="020B0604020202020204" pitchFamily="34" charset="0"/>
-                <a:cs typeface="Arial" panose="020B0604020202020204" pitchFamily="34" charset="0"/>
-              </a:defRPr>
-            </a:lvl6pPr>
-            <a:lvl7pPr marL="2971800" indent="-228600" eaLnBrk="0" fontAlgn="base" hangingPunct="0">
-              <a:spcBef>
-                <a:spcPct val="20000"/>
-              </a:spcBef>
-              <a:spcAft>
-                <a:spcPct val="0"/>
-              </a:spcAft>
-              <a:buChar char="»"/>
-              <a:defRPr sz="2000">
-                <a:solidFill>
-                  <a:schemeClr val="tx1"/>
-                </a:solidFill>
-                <a:latin typeface="Arial" panose="020B0604020202020204" pitchFamily="34" charset="0"/>
-                <a:ea typeface="Arial" panose="020B0604020202020204" pitchFamily="34" charset="0"/>
-                <a:cs typeface="Arial" panose="020B0604020202020204" pitchFamily="34" charset="0"/>
-              </a:defRPr>
-            </a:lvl7pPr>
-            <a:lvl8pPr marL="3429000" indent="-228600" eaLnBrk="0" fontAlgn="base" hangingPunct="0">
-              <a:spcBef>
-                <a:spcPct val="20000"/>
-              </a:spcBef>
-              <a:spcAft>
-                <a:spcPct val="0"/>
-              </a:spcAft>
-              <a:buChar char="»"/>
-              <a:defRPr sz="2000">
-                <a:solidFill>
-                  <a:schemeClr val="tx1"/>
-                </a:solidFill>
-                <a:latin typeface="Arial" panose="020B0604020202020204" pitchFamily="34" charset="0"/>
-                <a:ea typeface="Arial" panose="020B0604020202020204" pitchFamily="34" charset="0"/>
-                <a:cs typeface="Arial" panose="020B0604020202020204" pitchFamily="34" charset="0"/>
-              </a:defRPr>
-            </a:lvl8pPr>
-            <a:lvl9pPr marL="3886200" indent="-228600" eaLnBrk="0" fontAlgn="base" hangingPunct="0">
-              <a:spcBef>
-                <a:spcPct val="20000"/>
-              </a:spcBef>
-              <a:spcAft>
-                <a:spcPct val="0"/>
-              </a:spcAft>
-              <a:buChar char="»"/>
-              <a:defRPr sz="2000">
-                <a:solidFill>
-                  <a:schemeClr val="tx1"/>
-                </a:solidFill>
-                <a:latin typeface="Arial" panose="020B0604020202020204" pitchFamily="34" charset="0"/>
-                <a:ea typeface="Arial" panose="020B0604020202020204" pitchFamily="34" charset="0"/>
-                <a:cs typeface="Arial" panose="020B0604020202020204" pitchFamily="34" charset="0"/>
-              </a:defRPr>
-            </a:lvl9pPr>
-          </a:lstStyle>
-          <a:p>
-            <a:pPr>
-              <a:spcBef>
-                <a:spcPct val="0"/>
-              </a:spcBef>
-              <a:buFontTx/>
-              <a:buNone/>
-            </a:pPr>
-            <a:endParaRPr lang="en-US" altLang="en-US" sz="1500"/>
-          </a:p>
-        </p:txBody>
-      </p:sp>
-      <p:pic>
-        <p:nvPicPr>
-          <p:cNvPr id="49156" name="Picture 3">
-            <a:extLst>
-              <a:ext uri="{FF2B5EF4-FFF2-40B4-BE49-F238E27FC236}">
-                <a16:creationId xmlns:a16="http://schemas.microsoft.com/office/drawing/2014/main" id="{32D32BCA-126B-2342-B6CF-3DCCE2FADC89}"/>
-              </a:ext>
-            </a:extLst>
-          </p:cNvPr>
-          <p:cNvPicPr>
-            <a:picLocks noChangeAspect="1"/>
-          </p:cNvPicPr>
-          <p:nvPr/>
-        </p:nvPicPr>
-        <p:blipFill>
-          <a:blip r:embed="rId2">
-            <a:extLst>
-              <a:ext uri="{28A0092B-C50C-407E-A947-70E740481C1C}">
-                <a14:useLocalDpi xmlns:a14="http://schemas.microsoft.com/office/drawing/2010/main" val="0"/>
-              </a:ext>
-            </a:extLst>
-          </a:blip>
-          <a:srcRect/>
-          <a:stretch>
-            <a:fillRect/>
-          </a:stretch>
-        </p:blipFill>
-        <p:spPr bwMode="auto">
-          <a:xfrm>
-            <a:off x="1271324" y="1177396"/>
-            <a:ext cx="6703218" cy="2700073"/>
-          </a:xfrm>
-          <a:prstGeom prst="rect">
-            <a:avLst/>
-          </a:prstGeom>
-          <a:noFill/>
-          <a:ln>
-            <a:noFill/>
-          </a:ln>
-          <a:extLst>
-            <a:ext uri="{909E8E84-426E-40DD-AFC4-6F175D3DCCD1}">
-              <a14:hiddenFill xmlns:a14="http://schemas.microsoft.com/office/drawing/2010/main">
-                <a:solidFill>
-                  <a:srgbClr val="FFFFFF"/>
-                </a:solidFill>
-              </a14:hiddenFill>
-            </a:ext>
-            <a:ext uri="{91240B29-F687-4F45-9708-019B960494DF}">
-              <a14:hiddenLine xmlns:a14="http://schemas.microsoft.com/office/drawing/2010/main" w="9525">
-                <a:solidFill>
-                  <a:srgbClr val="000000"/>
-                </a:solidFill>
-                <a:miter lim="800000"/>
-                <a:headEnd/>
-                <a:tailEnd/>
-              </a14:hiddenLine>
-            </a:ext>
-          </a:extLst>
-        </p:spPr>
-      </p:pic>
-    </p:spTree>
-    <p:extLst>
-      <p:ext uri="{BB962C8B-B14F-4D97-AF65-F5344CB8AC3E}">
-        <p14:creationId xmlns:p14="http://schemas.microsoft.com/office/powerpoint/2010/main" val="545386500"/>
-      </p:ext>
-    </p:extLst>
-  </p:cSld>
-  <p:clrMapOvr>
-    <a:masterClrMapping/>
-  </p:clrMapOvr>
 </p:sld>
 </file>
 
@@ -16636,6 +17544,513 @@
       </p:grpSpPr>
       <p:sp>
         <p:nvSpPr>
+          <p:cNvPr id="49153" name="Title 1">
+            <a:extLst>
+              <a:ext uri="{FF2B5EF4-FFF2-40B4-BE49-F238E27FC236}">
+                <a16:creationId xmlns:a16="http://schemas.microsoft.com/office/drawing/2014/main" id="{136DD183-DE9D-374E-B46B-AD19BE975B82}"/>
+              </a:ext>
+            </a:extLst>
+          </p:cNvPr>
+          <p:cNvSpPr>
+            <a:spLocks noGrp="1" noChangeArrowheads="1"/>
+          </p:cNvSpPr>
+          <p:nvPr>
+            <p:ph type="title"/>
+          </p:nvPr>
+        </p:nvSpPr>
+        <p:spPr/>
+        <p:txBody>
+          <a:bodyPr/>
+          <a:lstStyle/>
+          <a:p>
+            <a:pPr eaLnBrk="1" hangingPunct="1"/>
+            <a:r>
+              <a:rPr lang="en-US" altLang="en-US">
+                <a:ea typeface="ＭＳ Ｐゴシック" panose="020B0600070205080204" pitchFamily="34" charset="-128"/>
+              </a:rPr>
+              <a:t>Unicode</a:t>
+            </a:r>
+          </a:p>
+        </p:txBody>
+      </p:sp>
+      <p:sp>
+        <p:nvSpPr>
+          <p:cNvPr id="49154" name="Content Placeholder 2">
+            <a:extLst>
+              <a:ext uri="{FF2B5EF4-FFF2-40B4-BE49-F238E27FC236}">
+                <a16:creationId xmlns:a16="http://schemas.microsoft.com/office/drawing/2014/main" id="{70728B91-24B5-1641-BF83-B51339ED3DF3}"/>
+              </a:ext>
+            </a:extLst>
+          </p:cNvPr>
+          <p:cNvSpPr>
+            <a:spLocks noGrp="1" noChangeArrowheads="1"/>
+          </p:cNvSpPr>
+          <p:nvPr>
+            <p:ph idx="1"/>
+          </p:nvPr>
+        </p:nvSpPr>
+        <p:spPr/>
+        <p:txBody>
+          <a:bodyPr/>
+          <a:lstStyle/>
+          <a:p>
+            <a:pPr marL="0" indent="0">
+              <a:buNone/>
+            </a:pPr>
+            <a:endParaRPr lang="en-US" altLang="en-US" sz="1667" dirty="0">
+              <a:ea typeface="ＭＳ Ｐゴシック" panose="020B0600070205080204" pitchFamily="34" charset="-128"/>
+            </a:endParaRPr>
+          </a:p>
+          <a:p>
+            <a:pPr marL="0" indent="0">
+              <a:buNone/>
+            </a:pPr>
+            <a:endParaRPr lang="en-US" altLang="en-US" sz="1667" dirty="0">
+              <a:ea typeface="ＭＳ Ｐゴシック" panose="020B0600070205080204" pitchFamily="34" charset="-128"/>
+            </a:endParaRPr>
+          </a:p>
+          <a:p>
+            <a:pPr marL="0" indent="0">
+              <a:buNone/>
+            </a:pPr>
+            <a:endParaRPr lang="en-US" altLang="en-US" sz="1667" dirty="0">
+              <a:ea typeface="ＭＳ Ｐゴシック" panose="020B0600070205080204" pitchFamily="34" charset="-128"/>
+            </a:endParaRPr>
+          </a:p>
+          <a:p>
+            <a:pPr marL="0" indent="0">
+              <a:buNone/>
+            </a:pPr>
+            <a:endParaRPr lang="en-US" altLang="en-US" sz="1667" dirty="0">
+              <a:ea typeface="ＭＳ Ｐゴシック" panose="020B0600070205080204" pitchFamily="34" charset="-128"/>
+            </a:endParaRPr>
+          </a:p>
+          <a:p>
+            <a:pPr marL="0" indent="0">
+              <a:buNone/>
+            </a:pPr>
+            <a:endParaRPr lang="en-US" altLang="en-US" sz="1667" dirty="0">
+              <a:ea typeface="ＭＳ Ｐゴシック" panose="020B0600070205080204" pitchFamily="34" charset="-128"/>
+            </a:endParaRPr>
+          </a:p>
+          <a:p>
+            <a:pPr marL="0" indent="0">
+              <a:buNone/>
+            </a:pPr>
+            <a:endParaRPr lang="en-US" altLang="en-US" sz="1667" dirty="0">
+              <a:ea typeface="ＭＳ Ｐゴシック" panose="020B0600070205080204" pitchFamily="34" charset="-128"/>
+            </a:endParaRPr>
+          </a:p>
+          <a:p>
+            <a:pPr marL="0" indent="0">
+              <a:buNone/>
+            </a:pPr>
+            <a:endParaRPr lang="en-US" altLang="en-US" sz="1667" dirty="0">
+              <a:ea typeface="ＭＳ Ｐゴシック" panose="020B0600070205080204" pitchFamily="34" charset="-128"/>
+            </a:endParaRPr>
+          </a:p>
+          <a:p>
+            <a:pPr marL="0" indent="0">
+              <a:buNone/>
+            </a:pPr>
+            <a:endParaRPr lang="en-US" altLang="en-US" sz="1667" dirty="0">
+              <a:ea typeface="ＭＳ Ｐゴシック" panose="020B0600070205080204" pitchFamily="34" charset="-128"/>
+            </a:endParaRPr>
+          </a:p>
+          <a:p>
+            <a:pPr marL="0" indent="0">
+              <a:buNone/>
+            </a:pPr>
+            <a:endParaRPr lang="en-US" altLang="en-US" sz="1667" dirty="0">
+              <a:ea typeface="ＭＳ Ｐゴシック" panose="020B0600070205080204" pitchFamily="34" charset="-128"/>
+            </a:endParaRPr>
+          </a:p>
+          <a:p>
+            <a:pPr marL="0" indent="0">
+              <a:buNone/>
+            </a:pPr>
+            <a:r>
+              <a:rPr lang="en-US" altLang="en-US" sz="1667" b="1" dirty="0">
+                <a:ea typeface="ＭＳ Ｐゴシック" panose="020B0600070205080204" pitchFamily="34" charset="-128"/>
+              </a:rPr>
+              <a:t>Unicode is a large table mapping characters to numbers and the different UTF encodings specify how these numbers are encoded as bits.</a:t>
+            </a:r>
+          </a:p>
+        </p:txBody>
+      </p:sp>
+      <p:sp>
+        <p:nvSpPr>
+          <p:cNvPr id="49155" name="TextBox 3">
+            <a:extLst>
+              <a:ext uri="{FF2B5EF4-FFF2-40B4-BE49-F238E27FC236}">
+                <a16:creationId xmlns:a16="http://schemas.microsoft.com/office/drawing/2014/main" id="{592AA4F9-F9F8-D046-8634-E76720F7DDE2}"/>
+              </a:ext>
+            </a:extLst>
+          </p:cNvPr>
+          <p:cNvSpPr txBox="1">
+            <a:spLocks noChangeArrowheads="1"/>
+          </p:cNvSpPr>
+          <p:nvPr/>
+        </p:nvSpPr>
+        <p:spPr bwMode="auto">
+          <a:xfrm>
+            <a:off x="3892021" y="67470"/>
+            <a:ext cx="184731" cy="323165"/>
+          </a:xfrm>
+          <a:prstGeom prst="rect">
+            <a:avLst/>
+          </a:prstGeom>
+          <a:noFill/>
+          <a:ln>
+            <a:noFill/>
+          </a:ln>
+          <a:extLst>
+            <a:ext uri="{909E8E84-426E-40DD-AFC4-6F175D3DCCD1}">
+              <a14:hiddenFill xmlns:a14="http://schemas.microsoft.com/office/drawing/2010/main">
+                <a:solidFill>
+                  <a:srgbClr val="FFFFFF"/>
+                </a:solidFill>
+              </a14:hiddenFill>
+            </a:ext>
+            <a:ext uri="{91240B29-F687-4F45-9708-019B960494DF}">
+              <a14:hiddenLine xmlns:a14="http://schemas.microsoft.com/office/drawing/2010/main" w="9525">
+                <a:solidFill>
+                  <a:srgbClr val="000000"/>
+                </a:solidFill>
+                <a:miter lim="800000"/>
+                <a:headEnd/>
+                <a:tailEnd/>
+              </a14:hiddenLine>
+            </a:ext>
+          </a:extLst>
+        </p:spPr>
+        <p:txBody>
+          <a:bodyPr wrap="none">
+            <a:spAutoFit/>
+          </a:bodyPr>
+          <a:lstStyle>
+            <a:lvl1pPr>
+              <a:spcBef>
+                <a:spcPct val="20000"/>
+              </a:spcBef>
+              <a:buChar char="•"/>
+              <a:defRPr sz="3200">
+                <a:solidFill>
+                  <a:schemeClr val="tx1"/>
+                </a:solidFill>
+                <a:latin typeface="Arial" panose="020B0604020202020204" pitchFamily="34" charset="0"/>
+                <a:ea typeface="ＭＳ Ｐゴシック" panose="020B0600070205080204" pitchFamily="34" charset="-128"/>
+                <a:cs typeface="Arial" panose="020B0604020202020204" pitchFamily="34" charset="0"/>
+              </a:defRPr>
+            </a:lvl1pPr>
+            <a:lvl2pPr marL="742950" indent="-285750">
+              <a:spcBef>
+                <a:spcPct val="20000"/>
+              </a:spcBef>
+              <a:buChar char="–"/>
+              <a:defRPr sz="2800">
+                <a:solidFill>
+                  <a:schemeClr val="tx1"/>
+                </a:solidFill>
+                <a:latin typeface="Arial" panose="020B0604020202020204" pitchFamily="34" charset="0"/>
+                <a:ea typeface="Arial" panose="020B0604020202020204" pitchFamily="34" charset="0"/>
+                <a:cs typeface="Arial" panose="020B0604020202020204" pitchFamily="34" charset="0"/>
+              </a:defRPr>
+            </a:lvl2pPr>
+            <a:lvl3pPr marL="1143000" indent="-228600">
+              <a:spcBef>
+                <a:spcPct val="20000"/>
+              </a:spcBef>
+              <a:buChar char="•"/>
+              <a:defRPr sz="2400">
+                <a:solidFill>
+                  <a:schemeClr val="tx1"/>
+                </a:solidFill>
+                <a:latin typeface="Arial" panose="020B0604020202020204" pitchFamily="34" charset="0"/>
+                <a:ea typeface="Arial" panose="020B0604020202020204" pitchFamily="34" charset="0"/>
+                <a:cs typeface="Arial" panose="020B0604020202020204" pitchFamily="34" charset="0"/>
+              </a:defRPr>
+            </a:lvl3pPr>
+            <a:lvl4pPr marL="1600200" indent="-228600">
+              <a:spcBef>
+                <a:spcPct val="20000"/>
+              </a:spcBef>
+              <a:buChar char="–"/>
+              <a:defRPr sz="2000">
+                <a:solidFill>
+                  <a:schemeClr val="tx1"/>
+                </a:solidFill>
+                <a:latin typeface="Arial" panose="020B0604020202020204" pitchFamily="34" charset="0"/>
+                <a:ea typeface="Arial" panose="020B0604020202020204" pitchFamily="34" charset="0"/>
+                <a:cs typeface="Arial" panose="020B0604020202020204" pitchFamily="34" charset="0"/>
+              </a:defRPr>
+            </a:lvl4pPr>
+            <a:lvl5pPr marL="2057400" indent="-228600">
+              <a:spcBef>
+                <a:spcPct val="20000"/>
+              </a:spcBef>
+              <a:buChar char="»"/>
+              <a:defRPr sz="2000">
+                <a:solidFill>
+                  <a:schemeClr val="tx1"/>
+                </a:solidFill>
+                <a:latin typeface="Arial" panose="020B0604020202020204" pitchFamily="34" charset="0"/>
+                <a:ea typeface="Arial" panose="020B0604020202020204" pitchFamily="34" charset="0"/>
+                <a:cs typeface="Arial" panose="020B0604020202020204" pitchFamily="34" charset="0"/>
+              </a:defRPr>
+            </a:lvl5pPr>
+            <a:lvl6pPr marL="2514600" indent="-228600" eaLnBrk="0" fontAlgn="base" hangingPunct="0">
+              <a:spcBef>
+                <a:spcPct val="20000"/>
+              </a:spcBef>
+              <a:spcAft>
+                <a:spcPct val="0"/>
+              </a:spcAft>
+              <a:buChar char="»"/>
+              <a:defRPr sz="2000">
+                <a:solidFill>
+                  <a:schemeClr val="tx1"/>
+                </a:solidFill>
+                <a:latin typeface="Arial" panose="020B0604020202020204" pitchFamily="34" charset="0"/>
+                <a:ea typeface="Arial" panose="020B0604020202020204" pitchFamily="34" charset="0"/>
+                <a:cs typeface="Arial" panose="020B0604020202020204" pitchFamily="34" charset="0"/>
+              </a:defRPr>
+            </a:lvl6pPr>
+            <a:lvl7pPr marL="2971800" indent="-228600" eaLnBrk="0" fontAlgn="base" hangingPunct="0">
+              <a:spcBef>
+                <a:spcPct val="20000"/>
+              </a:spcBef>
+              <a:spcAft>
+                <a:spcPct val="0"/>
+              </a:spcAft>
+              <a:buChar char="»"/>
+              <a:defRPr sz="2000">
+                <a:solidFill>
+                  <a:schemeClr val="tx1"/>
+                </a:solidFill>
+                <a:latin typeface="Arial" panose="020B0604020202020204" pitchFamily="34" charset="0"/>
+                <a:ea typeface="Arial" panose="020B0604020202020204" pitchFamily="34" charset="0"/>
+                <a:cs typeface="Arial" panose="020B0604020202020204" pitchFamily="34" charset="0"/>
+              </a:defRPr>
+            </a:lvl7pPr>
+            <a:lvl8pPr marL="3429000" indent="-228600" eaLnBrk="0" fontAlgn="base" hangingPunct="0">
+              <a:spcBef>
+                <a:spcPct val="20000"/>
+              </a:spcBef>
+              <a:spcAft>
+                <a:spcPct val="0"/>
+              </a:spcAft>
+              <a:buChar char="»"/>
+              <a:defRPr sz="2000">
+                <a:solidFill>
+                  <a:schemeClr val="tx1"/>
+                </a:solidFill>
+                <a:latin typeface="Arial" panose="020B0604020202020204" pitchFamily="34" charset="0"/>
+                <a:ea typeface="Arial" panose="020B0604020202020204" pitchFamily="34" charset="0"/>
+                <a:cs typeface="Arial" panose="020B0604020202020204" pitchFamily="34" charset="0"/>
+              </a:defRPr>
+            </a:lvl8pPr>
+            <a:lvl9pPr marL="3886200" indent="-228600" eaLnBrk="0" fontAlgn="base" hangingPunct="0">
+              <a:spcBef>
+                <a:spcPct val="20000"/>
+              </a:spcBef>
+              <a:spcAft>
+                <a:spcPct val="0"/>
+              </a:spcAft>
+              <a:buChar char="»"/>
+              <a:defRPr sz="2000">
+                <a:solidFill>
+                  <a:schemeClr val="tx1"/>
+                </a:solidFill>
+                <a:latin typeface="Arial" panose="020B0604020202020204" pitchFamily="34" charset="0"/>
+                <a:ea typeface="Arial" panose="020B0604020202020204" pitchFamily="34" charset="0"/>
+                <a:cs typeface="Arial" panose="020B0604020202020204" pitchFamily="34" charset="0"/>
+              </a:defRPr>
+            </a:lvl9pPr>
+          </a:lstStyle>
+          <a:p>
+            <a:pPr>
+              <a:spcBef>
+                <a:spcPct val="0"/>
+              </a:spcBef>
+              <a:buFontTx/>
+              <a:buNone/>
+            </a:pPr>
+            <a:endParaRPr lang="en-US" altLang="en-US" sz="1500"/>
+          </a:p>
+        </p:txBody>
+      </p:sp>
+      <p:pic>
+        <p:nvPicPr>
+          <p:cNvPr id="49156" name="Picture 3">
+            <a:extLst>
+              <a:ext uri="{FF2B5EF4-FFF2-40B4-BE49-F238E27FC236}">
+                <a16:creationId xmlns:a16="http://schemas.microsoft.com/office/drawing/2014/main" id="{32D32BCA-126B-2342-B6CF-3DCCE2FADC89}"/>
+              </a:ext>
+            </a:extLst>
+          </p:cNvPr>
+          <p:cNvPicPr>
+            <a:picLocks noChangeAspect="1"/>
+          </p:cNvPicPr>
+          <p:nvPr/>
+        </p:nvPicPr>
+        <p:blipFill>
+          <a:blip r:embed="rId2">
+            <a:extLst>
+              <a:ext uri="{28A0092B-C50C-407E-A947-70E740481C1C}">
+                <a14:useLocalDpi xmlns:a14="http://schemas.microsoft.com/office/drawing/2010/main" val="0"/>
+              </a:ext>
+            </a:extLst>
+          </a:blip>
+          <a:srcRect/>
+          <a:stretch>
+            <a:fillRect/>
+          </a:stretch>
+        </p:blipFill>
+        <p:spPr bwMode="auto">
+          <a:xfrm>
+            <a:off x="1271324" y="1177396"/>
+            <a:ext cx="6703218" cy="2700073"/>
+          </a:xfrm>
+          <a:prstGeom prst="rect">
+            <a:avLst/>
+          </a:prstGeom>
+          <a:noFill/>
+          <a:ln>
+            <a:noFill/>
+          </a:ln>
+          <a:extLst>
+            <a:ext uri="{909E8E84-426E-40DD-AFC4-6F175D3DCCD1}">
+              <a14:hiddenFill xmlns:a14="http://schemas.microsoft.com/office/drawing/2010/main">
+                <a:solidFill>
+                  <a:srgbClr val="FFFFFF"/>
+                </a:solidFill>
+              </a14:hiddenFill>
+            </a:ext>
+            <a:ext uri="{91240B29-F687-4F45-9708-019B960494DF}">
+              <a14:hiddenLine xmlns:a14="http://schemas.microsoft.com/office/drawing/2010/main" w="9525">
+                <a:solidFill>
+                  <a:srgbClr val="000000"/>
+                </a:solidFill>
+                <a:miter lim="800000"/>
+                <a:headEnd/>
+                <a:tailEnd/>
+              </a14:hiddenLine>
+            </a:ext>
+          </a:extLst>
+        </p:spPr>
+      </p:pic>
+    </p:spTree>
+    <p:extLst>
+      <p:ext uri="{BB962C8B-B14F-4D97-AF65-F5344CB8AC3E}">
+        <p14:creationId xmlns:p14="http://schemas.microsoft.com/office/powerpoint/2010/main" val="545386500"/>
+      </p:ext>
+    </p:extLst>
+  </p:cSld>
+  <p:clrMapOvr>
+    <a:masterClrMapping/>
+  </p:clrMapOvr>
+  <p:timing>
+    <p:tnLst>
+      <p:par>
+        <p:cTn id="1" dur="indefinite" restart="never" nodeType="tmRoot">
+          <p:childTnLst>
+            <p:seq concurrent="1" nextAc="seek">
+              <p:cTn id="2" dur="indefinite" nodeType="mainSeq">
+                <p:childTnLst>
+                  <p:par>
+                    <p:cTn id="3" fill="hold">
+                      <p:stCondLst>
+                        <p:cond delay="indefinite"/>
+                      </p:stCondLst>
+                      <p:childTnLst>
+                        <p:par>
+                          <p:cTn id="4" fill="hold">
+                            <p:stCondLst>
+                              <p:cond delay="0"/>
+                            </p:stCondLst>
+                            <p:childTnLst>
+                              <p:par>
+                                <p:cTn id="5" presetID="1" presetClass="entr" presetSubtype="0" fill="hold" nodeType="clickEffect">
+                                  <p:stCondLst>
+                                    <p:cond delay="0"/>
+                                  </p:stCondLst>
+                                  <p:childTnLst>
+                                    <p:set>
+                                      <p:cBhvr>
+                                        <p:cTn id="6" dur="1" fill="hold">
+                                          <p:stCondLst>
+                                            <p:cond delay="0"/>
+                                          </p:stCondLst>
+                                        </p:cTn>
+                                        <p:tgtEl>
+                                          <p:spTgt spid="49154">
+                                            <p:txEl>
+                                              <p:pRg st="9" end="9"/>
+                                            </p:txEl>
+                                          </p:spTgt>
+                                        </p:tgtEl>
+                                        <p:attrNameLst>
+                                          <p:attrName>style.visibility</p:attrName>
+                                        </p:attrNameLst>
+                                      </p:cBhvr>
+                                      <p:to>
+                                        <p:strVal val="visible"/>
+                                      </p:to>
+                                    </p:set>
+                                  </p:childTnLst>
+                                </p:cTn>
+                              </p:par>
+                            </p:childTnLst>
+                          </p:cTn>
+                        </p:par>
+                      </p:childTnLst>
+                    </p:cTn>
+                  </p:par>
+                </p:childTnLst>
+              </p:cTn>
+              <p:prevCondLst>
+                <p:cond evt="onPrev" delay="0">
+                  <p:tgtEl>
+                    <p:sldTgt/>
+                  </p:tgtEl>
+                </p:cond>
+              </p:prevCondLst>
+              <p:nextCondLst>
+                <p:cond evt="onNext" delay="0">
+                  <p:tgtEl>
+                    <p:sldTgt/>
+                  </p:tgtEl>
+                </p:cond>
+              </p:nextCondLst>
+            </p:seq>
+          </p:childTnLst>
+        </p:cTn>
+      </p:par>
+    </p:tnLst>
+  </p:timing>
+</p:sld>
+</file>
+
+<file path=ppt/slides/slide31.xml><?xml version="1.0" encoding="utf-8"?>
+<p:sld xmlns:a="http://schemas.openxmlformats.org/drawingml/2006/main" xmlns:r="http://schemas.openxmlformats.org/officeDocument/2006/relationships" xmlns:p="http://schemas.openxmlformats.org/presentationml/2006/main">
+  <p:cSld>
+    <p:spTree>
+      <p:nvGrpSpPr>
+        <p:cNvPr id="1" name=""/>
+        <p:cNvGrpSpPr/>
+        <p:nvPr/>
+      </p:nvGrpSpPr>
+      <p:grpSpPr>
+        <a:xfrm>
+          <a:off x="0" y="0"/>
+          <a:ext cx="0" cy="0"/>
+          <a:chOff x="0" y="0"/>
+          <a:chExt cx="0" cy="0"/>
+        </a:xfrm>
+      </p:grpSpPr>
+      <p:sp>
+        <p:nvSpPr>
           <p:cNvPr id="50177" name="Title 1">
             <a:extLst>
               <a:ext uri="{FF2B5EF4-FFF2-40B4-BE49-F238E27FC236}">
@@ -16681,7 +18096,12 @@
             <p:ph idx="1"/>
           </p:nvPr>
         </p:nvSpPr>
-        <p:spPr/>
+        <p:spPr>
+          <a:xfrm>
+            <a:off x="628650" y="1175658"/>
+            <a:ext cx="7886700" cy="3971812"/>
+          </a:xfrm>
+        </p:spPr>
         <p:txBody>
           <a:bodyPr/>
           <a:lstStyle/>
@@ -16690,12 +18110,17 @@
               <a:buNone/>
             </a:pPr>
             <a:r>
-              <a:rPr lang="en-US" altLang="en-US" sz="1667">
+              <a:rPr lang="en-US" altLang="en-US" sz="1667" dirty="0">
                 <a:ea typeface="ＭＳ Ｐゴシック" panose="020B0600070205080204" pitchFamily="34" charset="-128"/>
               </a:rPr>
-              <a:t>Any character can be encoded in many different bit sequences and any particular bit sequence can represent many different characters, depending on which encoding is used to read or write them. The reason is simply because different encodings use different numbers of bits per characters and different values to represent different characters.</a:t>
-            </a:r>
-            <a:endParaRPr lang="en-US" altLang="en-US" sz="1667" b="1">
+              <a:t>Any character can be encoded in many different bit sequences and any particular bit sequence can represent many different characters, depending on which encoding is used to read or write them. </a:t>
+            </a:r>
+          </a:p>
+          <a:p>
+            <a:pPr marL="0" indent="0">
+              <a:buNone/>
+            </a:pPr>
+            <a:endParaRPr lang="en-US" altLang="en-US" sz="1667" dirty="0">
               <a:ea typeface="ＭＳ Ｐゴシック" panose="020B0600070205080204" pitchFamily="34" charset="-128"/>
             </a:endParaRPr>
           </a:p>
@@ -16703,7 +18128,13 @@
             <a:pPr marL="0" indent="0">
               <a:buNone/>
             </a:pPr>
-            <a:endParaRPr lang="en-US" altLang="en-US" sz="1667">
+            <a:r>
+              <a:rPr lang="en-US" altLang="en-US" sz="1667" dirty="0">
+                <a:ea typeface="ＭＳ Ｐゴシック" panose="020B0600070205080204" pitchFamily="34" charset="-128"/>
+              </a:rPr>
+              <a:t>The reason is simply because different encodings use different numbers of bits per characters and different values to represent different characters.</a:t>
+            </a:r>
+            <a:endParaRPr lang="en-US" altLang="en-US" sz="1667" b="1" dirty="0">
               <a:ea typeface="ＭＳ Ｐゴシック" panose="020B0600070205080204" pitchFamily="34" charset="-128"/>
             </a:endParaRPr>
           </a:p>
@@ -16711,7 +18142,15 @@
             <a:pPr marL="0" indent="0">
               <a:buNone/>
             </a:pPr>
-            <a:endParaRPr lang="en-US" altLang="en-US" sz="1667" b="1">
+            <a:endParaRPr lang="en-US" altLang="en-US" sz="1667" dirty="0">
+              <a:ea typeface="ＭＳ Ｐゴシック" panose="020B0600070205080204" pitchFamily="34" charset="-128"/>
+            </a:endParaRPr>
+          </a:p>
+          <a:p>
+            <a:pPr marL="0" indent="0">
+              <a:buNone/>
+            </a:pPr>
+            <a:endParaRPr lang="en-US" altLang="en-US" sz="1667" b="1" dirty="0">
               <a:ea typeface="ＭＳ Ｐゴシック" panose="020B0600070205080204" pitchFamily="34" charset="-128"/>
             </a:endParaRPr>
           </a:p>
@@ -16989,10 +18428,89 @@
   <p:clrMapOvr>
     <a:masterClrMapping/>
   </p:clrMapOvr>
+  <p:timing>
+    <p:tnLst>
+      <p:par>
+        <p:cTn id="1" dur="indefinite" restart="never" nodeType="tmRoot">
+          <p:childTnLst>
+            <p:seq concurrent="1" nextAc="seek">
+              <p:cTn id="2" dur="indefinite" nodeType="mainSeq">
+                <p:childTnLst>
+                  <p:par>
+                    <p:cTn id="3" fill="hold">
+                      <p:stCondLst>
+                        <p:cond delay="indefinite"/>
+                      </p:stCondLst>
+                      <p:childTnLst>
+                        <p:par>
+                          <p:cTn id="4" fill="hold">
+                            <p:stCondLst>
+                              <p:cond delay="0"/>
+                            </p:stCondLst>
+                            <p:childTnLst>
+                              <p:par>
+                                <p:cTn id="5" presetID="1" presetClass="entr" presetSubtype="0" fill="hold" nodeType="clickEffect">
+                                  <p:stCondLst>
+                                    <p:cond delay="0"/>
+                                  </p:stCondLst>
+                                  <p:childTnLst>
+                                    <p:set>
+                                      <p:cBhvr>
+                                        <p:cTn id="6" dur="1" fill="hold">
+                                          <p:stCondLst>
+                                            <p:cond delay="0"/>
+                                          </p:stCondLst>
+                                        </p:cTn>
+                                        <p:tgtEl>
+                                          <p:spTgt spid="50178">
+                                            <p:txEl>
+                                              <p:pRg st="2" end="2"/>
+                                            </p:txEl>
+                                          </p:spTgt>
+                                        </p:tgtEl>
+                                        <p:attrNameLst>
+                                          <p:attrName>style.visibility</p:attrName>
+                                        </p:attrNameLst>
+                                      </p:cBhvr>
+                                      <p:to>
+                                        <p:strVal val="visible"/>
+                                      </p:to>
+                                    </p:set>
+                                  </p:childTnLst>
+                                </p:cTn>
+                              </p:par>
+                            </p:childTnLst>
+                          </p:cTn>
+                        </p:par>
+                      </p:childTnLst>
+                    </p:cTn>
+                  </p:par>
+                </p:childTnLst>
+              </p:cTn>
+              <p:prevCondLst>
+                <p:cond evt="onPrev" delay="0">
+                  <p:tgtEl>
+                    <p:sldTgt/>
+                  </p:tgtEl>
+                </p:cond>
+              </p:prevCondLst>
+              <p:nextCondLst>
+                <p:cond evt="onNext" delay="0">
+                  <p:tgtEl>
+                    <p:sldTgt/>
+                  </p:tgtEl>
+                </p:cond>
+              </p:nextCondLst>
+            </p:seq>
+          </p:childTnLst>
+        </p:cTn>
+      </p:par>
+    </p:tnLst>
+  </p:timing>
 </p:sld>
 </file>
 
-<file path=ppt/slides/slide31.xml><?xml version="1.0" encoding="utf-8"?>
+<file path=ppt/slides/slide32.xml><?xml version="1.0" encoding="utf-8"?>
 <p:sld xmlns:a="http://schemas.openxmlformats.org/drawingml/2006/main" xmlns:r="http://schemas.openxmlformats.org/officeDocument/2006/relationships" xmlns:p="http://schemas.openxmlformats.org/presentationml/2006/main">
   <p:cSld>
     <p:spTree>
@@ -17632,7 +19150,7 @@
 </p:sld>
 </file>
 
-<file path=ppt/slides/slide32.xml><?xml version="1.0" encoding="utf-8"?>
+<file path=ppt/slides/slide33.xml><?xml version="1.0" encoding="utf-8"?>
 <p:sld xmlns:a="http://schemas.openxmlformats.org/drawingml/2006/main" xmlns:r="http://schemas.openxmlformats.org/officeDocument/2006/relationships" xmlns:p="http://schemas.openxmlformats.org/presentationml/2006/main">
   <p:cSld>
     <p:spTree>
@@ -18241,7 +19759,7 @@
 </p:sld>
 </file>
 
-<file path=ppt/slides/slide33.xml><?xml version="1.0" encoding="utf-8"?>
+<file path=ppt/slides/slide34.xml><?xml version="1.0" encoding="utf-8"?>
 <p:sld xmlns:a="http://schemas.openxmlformats.org/drawingml/2006/main" xmlns:r="http://schemas.openxmlformats.org/officeDocument/2006/relationships" xmlns:p="http://schemas.openxmlformats.org/presentationml/2006/main">
   <p:cSld>
     <p:spTree>
@@ -18397,7 +19915,7 @@
 </p:sld>
 </file>
 
-<file path=ppt/slides/slide34.xml><?xml version="1.0" encoding="utf-8"?>
+<file path=ppt/slides/slide35.xml><?xml version="1.0" encoding="utf-8"?>
 <p:sld xmlns:a="http://schemas.openxmlformats.org/drawingml/2006/main" xmlns:r="http://schemas.openxmlformats.org/officeDocument/2006/relationships" xmlns:p="http://schemas.openxmlformats.org/presentationml/2006/main">
   <p:cSld>
     <p:spTree>
@@ -18701,6 +20219,19 @@
               <a:buNone/>
               <a:defRPr/>
             </a:pPr>
+            <a:r>
+              <a:rPr lang="en-US" sz="2200" dirty="0">
+                <a:latin typeface="Tahoma"/>
+                <a:cs typeface="Tahoma"/>
+              </a:rPr>
+              <a:t>Each digit has a weight corresponding to a power of 10. Multiply each digit with its weight and then sum. </a:t>
+            </a:r>
+          </a:p>
+          <a:p>
+            <a:pPr marL="0" indent="0">
+              <a:buNone/>
+              <a:defRPr/>
+            </a:pPr>
             <a:endParaRPr lang="en-US" sz="2333" dirty="0">
               <a:solidFill>
                 <a:schemeClr val="tx1">
@@ -18747,29 +20278,29 @@
               <a:defRPr/>
             </a:pPr>
             <a:r>
-              <a:rPr lang="en-US" dirty="0"/>
+              <a:rPr lang="en-US" sz="2000" dirty="0"/>
               <a:t>15</a:t>
             </a:r>
             <a:r>
-              <a:rPr lang="en-US" altLang="zh-CN" dirty="0">
+              <a:rPr lang="en-US" altLang="zh-CN" sz="2000" dirty="0">
                 <a:ea typeface="宋体" charset="0"/>
                 <a:cs typeface="宋体" charset="0"/>
               </a:rPr>
               <a:t>7</a:t>
             </a:r>
             <a:r>
-              <a:rPr lang="en-US" dirty="0"/>
+              <a:rPr lang="en-US" sz="2000" dirty="0"/>
               <a:t> = 1 x 100 + 5 x 10 + </a:t>
             </a:r>
             <a:r>
-              <a:rPr lang="en-US" altLang="zh-CN" dirty="0">
+              <a:rPr lang="en-US" altLang="zh-CN" sz="2000" dirty="0">
                 <a:ea typeface="宋体" charset="0"/>
                 <a:cs typeface="宋体" charset="0"/>
               </a:rPr>
               <a:t>7</a:t>
             </a:r>
             <a:r>
-              <a:rPr lang="en-US" dirty="0"/>
+              <a:rPr lang="en-US" sz="2000" dirty="0"/>
               <a:t> x 1</a:t>
             </a:r>
           </a:p>
@@ -18779,41 +20310,41 @@
               <a:defRPr/>
             </a:pPr>
             <a:r>
-              <a:rPr lang="en-US" dirty="0"/>
-              <a:t>       = 1 x 10</a:t>
-            </a:r>
-            <a:r>
-              <a:rPr lang="en-US" baseline="30000" dirty="0"/>
+              <a:rPr lang="en-US" sz="2000" dirty="0"/>
+              <a:t>          = 1 x 10</a:t>
+            </a:r>
+            <a:r>
+              <a:rPr lang="en-US" sz="2000" baseline="30000" dirty="0"/>
               <a:t>2</a:t>
             </a:r>
             <a:r>
-              <a:rPr lang="en-US" dirty="0"/>
+              <a:rPr lang="en-US" sz="2000" dirty="0"/>
               <a:t> + 5 x 10</a:t>
             </a:r>
             <a:r>
-              <a:rPr lang="en-US" baseline="30000" dirty="0"/>
+              <a:rPr lang="en-US" sz="2000" baseline="30000" dirty="0"/>
               <a:t>1</a:t>
             </a:r>
             <a:r>
-              <a:rPr lang="en-US" dirty="0"/>
+              <a:rPr lang="en-US" sz="2000" dirty="0"/>
               <a:t> + </a:t>
             </a:r>
             <a:r>
-              <a:rPr lang="en-US" altLang="zh-CN" dirty="0">
+              <a:rPr lang="en-US" altLang="zh-CN" sz="2000" dirty="0">
                 <a:ea typeface="宋体" charset="0"/>
                 <a:cs typeface="宋体" charset="0"/>
               </a:rPr>
               <a:t>7</a:t>
             </a:r>
             <a:r>
-              <a:rPr lang="en-US" dirty="0"/>
+              <a:rPr lang="en-US" sz="2000" dirty="0"/>
               <a:t> x 10</a:t>
             </a:r>
             <a:r>
-              <a:rPr lang="en-US" baseline="30000" dirty="0"/>
+              <a:rPr lang="en-US" sz="2000" baseline="30000" dirty="0"/>
               <a:t>0</a:t>
             </a:r>
-            <a:endParaRPr lang="en-US" altLang="zh-CN" baseline="30000" dirty="0">
+            <a:endParaRPr lang="en-US" altLang="zh-CN" sz="2000" baseline="30000" dirty="0">
               <a:ea typeface="宋体" charset="0"/>
               <a:cs typeface="宋体" charset="0"/>
             </a:endParaRPr>
@@ -18831,16 +20362,6 @@
               <a:defRPr/>
             </a:pPr>
             <a:endParaRPr lang="en-US" sz="1833" dirty="0"/>
-          </a:p>
-          <a:p>
-            <a:pPr marL="0" indent="0">
-              <a:buNone/>
-              <a:defRPr/>
-            </a:pPr>
-            <a:endParaRPr lang="en-US" sz="1833" dirty="0">
-              <a:latin typeface="Tahoma"/>
-              <a:cs typeface="Tahoma"/>
-            </a:endParaRPr>
           </a:p>
         </p:txBody>
       </p:sp>
@@ -18848,461 +20369,6 @@
     <p:extLst>
       <p:ext uri="{BB962C8B-B14F-4D97-AF65-F5344CB8AC3E}">
         <p14:creationId xmlns:p14="http://schemas.microsoft.com/office/powerpoint/2010/main" val="2054265466"/>
-      </p:ext>
-    </p:extLst>
-  </p:cSld>
-  <p:clrMapOvr>
-    <a:masterClrMapping/>
-  </p:clrMapOvr>
-</p:sld>
-</file>
-
-<file path=ppt/slides/slide5.xml><?xml version="1.0" encoding="utf-8"?>
-<p:sld xmlns:a="http://schemas.openxmlformats.org/drawingml/2006/main" xmlns:r="http://schemas.openxmlformats.org/officeDocument/2006/relationships" xmlns:p="http://schemas.openxmlformats.org/presentationml/2006/main">
-  <p:cSld>
-    <p:spTree>
-      <p:nvGrpSpPr>
-        <p:cNvPr id="1" name=""/>
-        <p:cNvGrpSpPr/>
-        <p:nvPr/>
-      </p:nvGrpSpPr>
-      <p:grpSpPr>
-        <a:xfrm>
-          <a:off x="0" y="0"/>
-          <a:ext cx="0" cy="0"/>
-          <a:chOff x="0" y="0"/>
-          <a:chExt cx="0" cy="0"/>
-        </a:xfrm>
-      </p:grpSpPr>
-      <p:sp>
-        <p:nvSpPr>
-          <p:cNvPr id="23553" name="Title 1">
-            <a:extLst>
-              <a:ext uri="{FF2B5EF4-FFF2-40B4-BE49-F238E27FC236}">
-                <a16:creationId xmlns:a16="http://schemas.microsoft.com/office/drawing/2014/main" id="{5E6C904F-B0D2-8542-BF56-4B43E4386E3D}"/>
-              </a:ext>
-            </a:extLst>
-          </p:cNvPr>
-          <p:cNvSpPr>
-            <a:spLocks noGrp="1" noChangeArrowheads="1"/>
-          </p:cNvSpPr>
-          <p:nvPr>
-            <p:ph type="title"/>
-          </p:nvPr>
-        </p:nvSpPr>
-        <p:spPr/>
-        <p:txBody>
-          <a:bodyPr/>
-          <a:lstStyle/>
-          <a:p>
-            <a:pPr eaLnBrk="1" hangingPunct="1"/>
-            <a:endParaRPr lang="en-US" altLang="en-US">
-              <a:ea typeface="ＭＳ Ｐゴシック" panose="020B0600070205080204" pitchFamily="34" charset="-128"/>
-            </a:endParaRPr>
-          </a:p>
-        </p:txBody>
-      </p:sp>
-      <p:sp>
-        <p:nvSpPr>
-          <p:cNvPr id="23554" name="Content Placeholder 2">
-            <a:extLst>
-              <a:ext uri="{FF2B5EF4-FFF2-40B4-BE49-F238E27FC236}">
-                <a16:creationId xmlns:a16="http://schemas.microsoft.com/office/drawing/2014/main" id="{3BD2A87C-D635-9046-861F-C063DCE1B6DA}"/>
-              </a:ext>
-            </a:extLst>
-          </p:cNvPr>
-          <p:cNvSpPr>
-            <a:spLocks noGrp="1" noChangeArrowheads="1"/>
-          </p:cNvSpPr>
-          <p:nvPr>
-            <p:ph idx="1"/>
-          </p:nvPr>
-        </p:nvSpPr>
-        <p:spPr/>
-        <p:txBody>
-          <a:bodyPr/>
-          <a:lstStyle/>
-          <a:p>
-            <a:pPr marL="0" indent="0">
-              <a:buNone/>
-            </a:pPr>
-            <a:endParaRPr lang="en-US" altLang="en-US" sz="2000">
-              <a:ea typeface="ＭＳ Ｐゴシック" panose="020B0600070205080204" pitchFamily="34" charset="-128"/>
-            </a:endParaRPr>
-          </a:p>
-          <a:p>
-            <a:pPr marL="0" indent="0">
-              <a:buNone/>
-            </a:pPr>
-            <a:endParaRPr lang="en-US" altLang="en-US" sz="1833">
-              <a:ea typeface="ＭＳ Ｐゴシック" panose="020B0600070205080204" pitchFamily="34" charset="-128"/>
-            </a:endParaRPr>
-          </a:p>
-          <a:p>
-            <a:pPr marL="0" indent="0">
-              <a:buNone/>
-            </a:pPr>
-            <a:endParaRPr lang="en-US" altLang="en-US" sz="1833">
-              <a:latin typeface="Tahoma" panose="020B0604030504040204" pitchFamily="34" charset="0"/>
-              <a:ea typeface="ＭＳ Ｐゴシック" panose="020B0600070205080204" pitchFamily="34" charset="-128"/>
-            </a:endParaRPr>
-          </a:p>
-        </p:txBody>
-      </p:sp>
-      <p:pic>
-        <p:nvPicPr>
-          <p:cNvPr id="23555" name="Picture 3" descr="weight-1.gif">
-            <a:extLst>
-              <a:ext uri="{FF2B5EF4-FFF2-40B4-BE49-F238E27FC236}">
-                <a16:creationId xmlns:a16="http://schemas.microsoft.com/office/drawing/2014/main" id="{03C56796-055B-E94B-ACE3-C4CD06B2EB8A}"/>
-              </a:ext>
-            </a:extLst>
-          </p:cNvPr>
-          <p:cNvPicPr>
-            <a:picLocks noChangeAspect="1"/>
-          </p:cNvPicPr>
-          <p:nvPr/>
-        </p:nvPicPr>
-        <p:blipFill>
-          <a:blip r:embed="rId2">
-            <a:extLst>
-              <a:ext uri="{28A0092B-C50C-407E-A947-70E740481C1C}">
-                <a14:useLocalDpi xmlns:a14="http://schemas.microsoft.com/office/drawing/2010/main" val="0"/>
-              </a:ext>
-            </a:extLst>
-          </a:blip>
-          <a:srcRect/>
-          <a:stretch>
-            <a:fillRect/>
-          </a:stretch>
-        </p:blipFill>
-        <p:spPr bwMode="auto">
-          <a:xfrm>
-            <a:off x="1271323" y="457729"/>
-            <a:ext cx="6540500" cy="4815417"/>
-          </a:xfrm>
-          <a:prstGeom prst="rect">
-            <a:avLst/>
-          </a:prstGeom>
-          <a:noFill/>
-          <a:ln>
-            <a:noFill/>
-          </a:ln>
-          <a:extLst>
-            <a:ext uri="{909E8E84-426E-40DD-AFC4-6F175D3DCCD1}">
-              <a14:hiddenFill xmlns:a14="http://schemas.microsoft.com/office/drawing/2010/main">
-                <a:solidFill>
-                  <a:srgbClr val="FFFFFF"/>
-                </a:solidFill>
-              </a14:hiddenFill>
-            </a:ext>
-            <a:ext uri="{91240B29-F687-4F45-9708-019B960494DF}">
-              <a14:hiddenLine xmlns:a14="http://schemas.microsoft.com/office/drawing/2010/main" w="9525">
-                <a:solidFill>
-                  <a:srgbClr val="000000"/>
-                </a:solidFill>
-                <a:miter lim="800000"/>
-                <a:headEnd/>
-                <a:tailEnd/>
-              </a14:hiddenLine>
-            </a:ext>
-          </a:extLst>
-        </p:spPr>
-      </p:pic>
-    </p:spTree>
-    <p:extLst>
-      <p:ext uri="{BB962C8B-B14F-4D97-AF65-F5344CB8AC3E}">
-        <p14:creationId xmlns:p14="http://schemas.microsoft.com/office/powerpoint/2010/main" val="2886319738"/>
-      </p:ext>
-    </p:extLst>
-  </p:cSld>
-  <p:clrMapOvr>
-    <a:masterClrMapping/>
-  </p:clrMapOvr>
-</p:sld>
-</file>
-
-<file path=ppt/slides/slide6.xml><?xml version="1.0" encoding="utf-8"?>
-<p:sld xmlns:a="http://schemas.openxmlformats.org/drawingml/2006/main" xmlns:r="http://schemas.openxmlformats.org/officeDocument/2006/relationships" xmlns:p="http://schemas.openxmlformats.org/presentationml/2006/main">
-  <p:cSld>
-    <p:spTree>
-      <p:nvGrpSpPr>
-        <p:cNvPr id="1" name=""/>
-        <p:cNvGrpSpPr/>
-        <p:nvPr/>
-      </p:nvGrpSpPr>
-      <p:grpSpPr>
-        <a:xfrm>
-          <a:off x="0" y="0"/>
-          <a:ext cx="0" cy="0"/>
-          <a:chOff x="0" y="0"/>
-          <a:chExt cx="0" cy="0"/>
-        </a:xfrm>
-      </p:grpSpPr>
-      <p:sp>
-        <p:nvSpPr>
-          <p:cNvPr id="24577" name="Title 1">
-            <a:extLst>
-              <a:ext uri="{FF2B5EF4-FFF2-40B4-BE49-F238E27FC236}">
-                <a16:creationId xmlns:a16="http://schemas.microsoft.com/office/drawing/2014/main" id="{44A4C074-C74F-714A-A8EE-ABAB5BC20626}"/>
-              </a:ext>
-            </a:extLst>
-          </p:cNvPr>
-          <p:cNvSpPr>
-            <a:spLocks noGrp="1" noChangeArrowheads="1"/>
-          </p:cNvSpPr>
-          <p:nvPr>
-            <p:ph type="title"/>
-          </p:nvPr>
-        </p:nvSpPr>
-        <p:spPr/>
-        <p:txBody>
-          <a:bodyPr/>
-          <a:lstStyle/>
-          <a:p>
-            <a:pPr eaLnBrk="1" hangingPunct="1"/>
-            <a:r>
-              <a:rPr lang="en-US" altLang="en-US">
-                <a:ea typeface="ＭＳ Ｐゴシック" panose="020B0600070205080204" pitchFamily="34" charset="-128"/>
-              </a:rPr>
-              <a:t>Base 2 </a:t>
-            </a:r>
-            <a:r>
-              <a:rPr lang="en-US" altLang="zh-CN">
-                <a:ea typeface="宋体" panose="02010600030101010101" pitchFamily="2" charset="-122"/>
-              </a:rPr>
-              <a:t>(Binary)</a:t>
-            </a:r>
-            <a:endParaRPr lang="en-US" altLang="en-US">
-              <a:ea typeface="ＭＳ Ｐゴシック" panose="020B0600070205080204" pitchFamily="34" charset="-128"/>
-            </a:endParaRPr>
-          </a:p>
-        </p:txBody>
-      </p:sp>
-      <p:sp>
-        <p:nvSpPr>
-          <p:cNvPr id="3" name="Content Placeholder 2">
-            <a:extLst>
-              <a:ext uri="{FF2B5EF4-FFF2-40B4-BE49-F238E27FC236}">
-                <a16:creationId xmlns:a16="http://schemas.microsoft.com/office/drawing/2014/main" id="{1749D47C-23C2-834A-9FE9-50A8E8BE40E7}"/>
-              </a:ext>
-            </a:extLst>
-          </p:cNvPr>
-          <p:cNvSpPr>
-            <a:spLocks noGrp="1"/>
-          </p:cNvSpPr>
-          <p:nvPr>
-            <p:ph idx="1"/>
-          </p:nvPr>
-        </p:nvSpPr>
-        <p:spPr/>
-        <p:txBody>
-          <a:bodyPr/>
-          <a:lstStyle/>
-          <a:p>
-            <a:pPr marL="0" indent="0">
-              <a:buNone/>
-              <a:defRPr/>
-            </a:pPr>
-            <a:endParaRPr lang="en-US" sz="2000" dirty="0"/>
-          </a:p>
-          <a:p>
-            <a:pPr>
-              <a:buFont typeface="Wingdings" charset="0"/>
-              <a:buNone/>
-              <a:defRPr/>
-            </a:pPr>
-            <a:r>
-              <a:rPr lang="en-US" sz="2000" b="1" dirty="0"/>
-              <a:t>Base 10</a:t>
-            </a:r>
-          </a:p>
-          <a:p>
-            <a:pPr>
-              <a:buFont typeface="Wingdings" charset="0"/>
-              <a:buNone/>
-              <a:defRPr/>
-            </a:pPr>
-            <a:r>
-              <a:rPr lang="en-US" sz="2000" dirty="0"/>
-              <a:t>15</a:t>
-            </a:r>
-            <a:r>
-              <a:rPr lang="en-US" altLang="zh-CN" sz="2000" dirty="0">
-                <a:ea typeface="宋体" charset="0"/>
-                <a:cs typeface="宋体" charset="0"/>
-              </a:rPr>
-              <a:t>7</a:t>
-            </a:r>
-            <a:endParaRPr lang="en-US" sz="2000" dirty="0"/>
-          </a:p>
-          <a:p>
-            <a:pPr>
-              <a:buFont typeface="Wingdings" charset="0"/>
-              <a:buNone/>
-              <a:defRPr/>
-            </a:pPr>
-            <a:r>
-              <a:rPr lang="en-US" sz="2000" dirty="0"/>
-              <a:t>15</a:t>
-            </a:r>
-            <a:r>
-              <a:rPr lang="en-US" altLang="zh-CN" sz="2000" dirty="0">
-                <a:ea typeface="宋体" charset="0"/>
-                <a:cs typeface="宋体" charset="0"/>
-              </a:rPr>
-              <a:t>7</a:t>
-            </a:r>
-            <a:r>
-              <a:rPr lang="en-US" sz="2000" dirty="0"/>
-              <a:t> = 1 x 100 + 5 x 10 + </a:t>
-            </a:r>
-            <a:r>
-              <a:rPr lang="en-US" altLang="zh-CN" sz="2000" dirty="0">
-                <a:ea typeface="宋体" charset="0"/>
-                <a:cs typeface="宋体" charset="0"/>
-              </a:rPr>
-              <a:t>7</a:t>
-            </a:r>
-            <a:r>
-              <a:rPr lang="en-US" sz="2000" dirty="0"/>
-              <a:t> x 1</a:t>
-            </a:r>
-          </a:p>
-          <a:p>
-            <a:pPr>
-              <a:buFont typeface="Wingdings" charset="0"/>
-              <a:buNone/>
-              <a:defRPr/>
-            </a:pPr>
-            <a:r>
-              <a:rPr lang="en-US" sz="2000" dirty="0"/>
-              <a:t>       = 1 x 10</a:t>
-            </a:r>
-            <a:r>
-              <a:rPr lang="en-US" sz="2000" baseline="30000" dirty="0"/>
-              <a:t>2</a:t>
-            </a:r>
-            <a:r>
-              <a:rPr lang="en-US" sz="2000" dirty="0"/>
-              <a:t> + 5 x 10</a:t>
-            </a:r>
-            <a:r>
-              <a:rPr lang="en-US" sz="2000" baseline="30000" dirty="0"/>
-              <a:t>1</a:t>
-            </a:r>
-            <a:r>
-              <a:rPr lang="en-US" sz="2000" dirty="0"/>
-              <a:t> + </a:t>
-            </a:r>
-            <a:r>
-              <a:rPr lang="en-US" altLang="zh-CN" sz="2000" dirty="0">
-                <a:ea typeface="宋体" charset="0"/>
-                <a:cs typeface="宋体" charset="0"/>
-              </a:rPr>
-              <a:t>7</a:t>
-            </a:r>
-            <a:r>
-              <a:rPr lang="en-US" sz="2000" dirty="0"/>
-              <a:t> x 10</a:t>
-            </a:r>
-            <a:r>
-              <a:rPr lang="en-US" sz="2000" baseline="30000" dirty="0"/>
-              <a:t>0</a:t>
-            </a:r>
-          </a:p>
-          <a:p>
-            <a:pPr>
-              <a:buFont typeface="Wingdings" charset="0"/>
-              <a:buNone/>
-              <a:defRPr/>
-            </a:pPr>
-            <a:endParaRPr lang="en-US" sz="2000" dirty="0"/>
-          </a:p>
-          <a:p>
-            <a:pPr>
-              <a:buFont typeface="Wingdings" charset="0"/>
-              <a:buNone/>
-              <a:defRPr/>
-            </a:pPr>
-            <a:r>
-              <a:rPr lang="en-US" sz="2000" b="1" dirty="0"/>
-              <a:t>Base 2</a:t>
-            </a:r>
-          </a:p>
-          <a:p>
-            <a:pPr>
-              <a:buFont typeface="Wingdings" charset="0"/>
-              <a:buNone/>
-              <a:defRPr/>
-            </a:pPr>
-            <a:r>
-              <a:rPr lang="en-US" sz="2000" dirty="0"/>
-              <a:t>1011 = 1 x 2</a:t>
-            </a:r>
-            <a:r>
-              <a:rPr lang="en-US" sz="2000" baseline="30000" dirty="0"/>
-              <a:t>3 </a:t>
-            </a:r>
-            <a:r>
-              <a:rPr lang="en-US" sz="2000" dirty="0"/>
-              <a:t>+ 0 x 2</a:t>
-            </a:r>
-            <a:r>
-              <a:rPr lang="en-US" sz="2000" baseline="30000" dirty="0"/>
-              <a:t>2</a:t>
-            </a:r>
-            <a:r>
-              <a:rPr lang="en-US" sz="2000" dirty="0"/>
-              <a:t> + 1 x 2</a:t>
-            </a:r>
-            <a:r>
-              <a:rPr lang="en-US" sz="2000" baseline="30000" dirty="0"/>
-              <a:t>1</a:t>
-            </a:r>
-            <a:r>
-              <a:rPr lang="en-US" sz="2000" dirty="0"/>
-              <a:t> + 1 x 2</a:t>
-            </a:r>
-            <a:r>
-              <a:rPr lang="en-US" sz="2000" baseline="30000" dirty="0"/>
-              <a:t>0</a:t>
-            </a:r>
-          </a:p>
-          <a:p>
-            <a:pPr>
-              <a:buFont typeface="Wingdings" charset="0"/>
-              <a:buNone/>
-              <a:defRPr/>
-            </a:pPr>
-            <a:r>
-              <a:rPr lang="en-US" sz="2000" dirty="0"/>
-              <a:t>1011 = 1 x 8 + 0 x 4 + 1 x 2 + 1 x 1 =11 in Base 10</a:t>
-            </a:r>
-          </a:p>
-          <a:p>
-            <a:pPr marL="0" indent="0">
-              <a:buNone/>
-              <a:defRPr/>
-            </a:pPr>
-            <a:endParaRPr lang="en-US" sz="1833" dirty="0"/>
-          </a:p>
-          <a:p>
-            <a:pPr marL="0" indent="0">
-              <a:buNone/>
-              <a:defRPr/>
-            </a:pPr>
-            <a:endParaRPr lang="en-US" sz="1833" dirty="0">
-              <a:latin typeface="Tahoma"/>
-              <a:cs typeface="Tahoma"/>
-            </a:endParaRPr>
-          </a:p>
-        </p:txBody>
-      </p:sp>
-    </p:spTree>
-    <p:extLst>
-      <p:ext uri="{BB962C8B-B14F-4D97-AF65-F5344CB8AC3E}">
-        <p14:creationId xmlns:p14="http://schemas.microsoft.com/office/powerpoint/2010/main" val="917461937"/>
       </p:ext>
     </p:extLst>
   </p:cSld>
@@ -19318,13 +20384,13 @@
               <p:cTn id="2" dur="indefinite" nodeType="mainSeq">
                 <p:childTnLst>
                   <p:par>
-                    <p:cTn id="3" fill="hold" nodeType="clickPar">
+                    <p:cTn id="3" fill="hold">
                       <p:stCondLst>
                         <p:cond delay="indefinite"/>
                       </p:stCondLst>
                       <p:childTnLst>
                         <p:par>
-                          <p:cTn id="4" fill="hold" nodeType="withGroup">
+                          <p:cTn id="4" fill="hold">
                             <p:stCondLst>
                               <p:cond delay="0"/>
                             </p:stCondLst>
@@ -19338,68 +20404,6 @@
                                     <p:set>
                                       <p:cBhvr>
                                         <p:cTn id="6" dur="1" fill="hold">
-                                          <p:stCondLst>
-                                            <p:cond delay="0"/>
-                                          </p:stCondLst>
-                                        </p:cTn>
-                                        <p:tgtEl>
-                                          <p:spTgt spid="3">
-                                            <p:txEl>
-                                              <p:pRg st="1" end="1"/>
-                                            </p:txEl>
-                                          </p:spTgt>
-                                        </p:tgtEl>
-                                        <p:attrNameLst>
-                                          <p:attrName>style.visibility</p:attrName>
-                                        </p:attrNameLst>
-                                      </p:cBhvr>
-                                      <p:to>
-                                        <p:strVal val="visible"/>
-                                      </p:to>
-                                    </p:set>
-                                  </p:childTnLst>
-                                </p:cTn>
-                              </p:par>
-                              <p:par>
-                                <p:cTn id="7" presetID="1" presetClass="entr" presetSubtype="0" fill="hold" nodeType="withEffect">
-                                  <p:stCondLst>
-                                    <p:cond delay="0"/>
-                                  </p:stCondLst>
-                                  <p:childTnLst>
-                                    <p:set>
-                                      <p:cBhvr>
-                                        <p:cTn id="8" dur="1" fill="hold">
-                                          <p:stCondLst>
-                                            <p:cond delay="0"/>
-                                          </p:stCondLst>
-                                        </p:cTn>
-                                        <p:tgtEl>
-                                          <p:spTgt spid="3">
-                                            <p:txEl>
-                                              <p:pRg st="2" end="2"/>
-                                            </p:txEl>
-                                          </p:spTgt>
-                                        </p:tgtEl>
-                                        <p:attrNameLst>
-                                          <p:attrName>style.visibility</p:attrName>
-                                        </p:attrNameLst>
-                                      </p:cBhvr>
-                                      <p:to>
-                                        <p:strVal val="visible"/>
-                                      </p:to>
-                                    </p:set>
-                                  </p:childTnLst>
-                                </p:cTn>
-                              </p:par>
-                              <p:par>
-                                <p:cTn id="9" presetID="1" presetClass="entr" presetSubtype="0" fill="hold" nodeType="withEffect">
-                                  <p:stCondLst>
-                                    <p:cond delay="0"/>
-                                  </p:stCondLst>
-                                  <p:childTnLst>
-                                    <p:set>
-                                      <p:cBhvr>
-                                        <p:cTn id="10" dur="1" fill="hold">
                                           <p:stCondLst>
                                             <p:cond delay="0"/>
                                           </p:stCondLst>
@@ -19422,15 +20426,33 @@
                                   </p:childTnLst>
                                 </p:cTn>
                               </p:par>
+                            </p:childTnLst>
+                          </p:cTn>
+                        </p:par>
+                      </p:childTnLst>
+                    </p:cTn>
+                  </p:par>
+                  <p:par>
+                    <p:cTn id="7" fill="hold">
+                      <p:stCondLst>
+                        <p:cond delay="indefinite"/>
+                      </p:stCondLst>
+                      <p:childTnLst>
+                        <p:par>
+                          <p:cTn id="8" fill="hold">
+                            <p:stCondLst>
+                              <p:cond delay="0"/>
+                            </p:stCondLst>
+                            <p:childTnLst>
                               <p:par>
-                                <p:cTn id="11" presetID="1" presetClass="entr" presetSubtype="0" fill="hold" nodeType="withEffect">
+                                <p:cTn id="9" presetID="1" presetClass="entr" presetSubtype="0" fill="hold" nodeType="clickEffect">
                                   <p:stCondLst>
                                     <p:cond delay="0"/>
                                   </p:stCondLst>
                                   <p:childTnLst>
                                     <p:set>
                                       <p:cBhvr>
-                                        <p:cTn id="12" dur="1" fill="hold">
+                                        <p:cTn id="10" dur="1" fill="hold">
                                           <p:stCondLst>
                                             <p:cond delay="0"/>
                                           </p:stCondLst>
@@ -19460,26 +20482,26 @@
                     </p:cTn>
                   </p:par>
                   <p:par>
-                    <p:cTn id="13" fill="hold" nodeType="clickPar">
+                    <p:cTn id="11" fill="hold">
                       <p:stCondLst>
                         <p:cond delay="indefinite"/>
                       </p:stCondLst>
                       <p:childTnLst>
                         <p:par>
-                          <p:cTn id="14" fill="hold" nodeType="withGroup">
+                          <p:cTn id="12" fill="hold">
                             <p:stCondLst>
                               <p:cond delay="0"/>
                             </p:stCondLst>
                             <p:childTnLst>
                               <p:par>
-                                <p:cTn id="15" presetID="1" presetClass="entr" presetSubtype="0" fill="hold" nodeType="clickEffect">
+                                <p:cTn id="13" presetID="1" presetClass="entr" presetSubtype="0" fill="hold" nodeType="clickEffect">
                                   <p:stCondLst>
                                     <p:cond delay="0"/>
                                   </p:stCondLst>
                                   <p:childTnLst>
                                     <p:set>
                                       <p:cBhvr>
-                                        <p:cTn id="16" dur="1" fill="hold">
+                                        <p:cTn id="14" dur="1" fill="hold">
                                           <p:stCondLst>
                                             <p:cond delay="0"/>
                                           </p:stCondLst>
@@ -19487,69 +20509,7 @@
                                         <p:tgtEl>
                                           <p:spTgt spid="3">
                                             <p:txEl>
-                                              <p:pRg st="6" end="6"/>
-                                            </p:txEl>
-                                          </p:spTgt>
-                                        </p:tgtEl>
-                                        <p:attrNameLst>
-                                          <p:attrName>style.visibility</p:attrName>
-                                        </p:attrNameLst>
-                                      </p:cBhvr>
-                                      <p:to>
-                                        <p:strVal val="visible"/>
-                                      </p:to>
-                                    </p:set>
-                                  </p:childTnLst>
-                                </p:cTn>
-                              </p:par>
-                              <p:par>
-                                <p:cTn id="17" presetID="1" presetClass="entr" presetSubtype="0" fill="hold" nodeType="withEffect">
-                                  <p:stCondLst>
-                                    <p:cond delay="0"/>
-                                  </p:stCondLst>
-                                  <p:childTnLst>
-                                    <p:set>
-                                      <p:cBhvr>
-                                        <p:cTn id="18" dur="1" fill="hold">
-                                          <p:stCondLst>
-                                            <p:cond delay="0"/>
-                                          </p:stCondLst>
-                                        </p:cTn>
-                                        <p:tgtEl>
-                                          <p:spTgt spid="3">
-                                            <p:txEl>
-                                              <p:pRg st="7" end="7"/>
-                                            </p:txEl>
-                                          </p:spTgt>
-                                        </p:tgtEl>
-                                        <p:attrNameLst>
-                                          <p:attrName>style.visibility</p:attrName>
-                                        </p:attrNameLst>
-                                      </p:cBhvr>
-                                      <p:to>
-                                        <p:strVal val="visible"/>
-                                      </p:to>
-                                    </p:set>
-                                  </p:childTnLst>
-                                </p:cTn>
-                              </p:par>
-                              <p:par>
-                                <p:cTn id="19" presetID="1" presetClass="entr" presetSubtype="0" fill="hold" nodeType="withEffect">
-                                  <p:stCondLst>
-                                    <p:cond delay="0"/>
-                                  </p:stCondLst>
-                                  <p:childTnLst>
-                                    <p:set>
-                                      <p:cBhvr>
-                                        <p:cTn id="20" dur="1" fill="hold">
-                                          <p:stCondLst>
-                                            <p:cond delay="0"/>
-                                          </p:stCondLst>
-                                        </p:cTn>
-                                        <p:tgtEl>
-                                          <p:spTgt spid="3">
-                                            <p:txEl>
-                                              <p:pRg st="8" end="8"/>
+                                              <p:pRg st="5" end="5"/>
                                             </p:txEl>
                                           </p:spTgt>
                                         </p:tgtEl>
@@ -19595,7 +20555,460 @@
 </p:sld>
 </file>
 
+<file path=ppt/slides/slide5.xml><?xml version="1.0" encoding="utf-8"?>
+<p:sld xmlns:a="http://schemas.openxmlformats.org/drawingml/2006/main" xmlns:r="http://schemas.openxmlformats.org/officeDocument/2006/relationships" xmlns:p="http://schemas.openxmlformats.org/presentationml/2006/main">
+  <p:cSld>
+    <p:spTree>
+      <p:nvGrpSpPr>
+        <p:cNvPr id="1" name=""/>
+        <p:cNvGrpSpPr/>
+        <p:nvPr/>
+      </p:nvGrpSpPr>
+      <p:grpSpPr>
+        <a:xfrm>
+          <a:off x="0" y="0"/>
+          <a:ext cx="0" cy="0"/>
+          <a:chOff x="0" y="0"/>
+          <a:chExt cx="0" cy="0"/>
+        </a:xfrm>
+      </p:grpSpPr>
+      <p:sp>
+        <p:nvSpPr>
+          <p:cNvPr id="23553" name="Title 1">
+            <a:extLst>
+              <a:ext uri="{FF2B5EF4-FFF2-40B4-BE49-F238E27FC236}">
+                <a16:creationId xmlns:a16="http://schemas.microsoft.com/office/drawing/2014/main" id="{5E6C904F-B0D2-8542-BF56-4B43E4386E3D}"/>
+              </a:ext>
+            </a:extLst>
+          </p:cNvPr>
+          <p:cNvSpPr>
+            <a:spLocks noGrp="1" noChangeArrowheads="1"/>
+          </p:cNvSpPr>
+          <p:nvPr>
+            <p:ph type="title"/>
+          </p:nvPr>
+        </p:nvSpPr>
+        <p:spPr/>
+        <p:txBody>
+          <a:bodyPr/>
+          <a:lstStyle/>
+          <a:p>
+            <a:pPr eaLnBrk="1" hangingPunct="1"/>
+            <a:r>
+              <a:rPr lang="en-US" altLang="en-US" dirty="0">
+                <a:ea typeface="ＭＳ Ｐゴシック" panose="020B0600070205080204" pitchFamily="34" charset="-128"/>
+              </a:rPr>
+              <a:t>Base 10 (Decimal)</a:t>
+            </a:r>
+          </a:p>
+        </p:txBody>
+      </p:sp>
+      <p:sp>
+        <p:nvSpPr>
+          <p:cNvPr id="23554" name="Content Placeholder 2">
+            <a:extLst>
+              <a:ext uri="{FF2B5EF4-FFF2-40B4-BE49-F238E27FC236}">
+                <a16:creationId xmlns:a16="http://schemas.microsoft.com/office/drawing/2014/main" id="{3BD2A87C-D635-9046-861F-C063DCE1B6DA}"/>
+              </a:ext>
+            </a:extLst>
+          </p:cNvPr>
+          <p:cNvSpPr>
+            <a:spLocks noGrp="1" noChangeArrowheads="1"/>
+          </p:cNvSpPr>
+          <p:nvPr>
+            <p:ph idx="1"/>
+          </p:nvPr>
+        </p:nvSpPr>
+        <p:spPr/>
+        <p:txBody>
+          <a:bodyPr/>
+          <a:lstStyle/>
+          <a:p>
+            <a:pPr marL="0" indent="0">
+              <a:buNone/>
+            </a:pPr>
+            <a:endParaRPr lang="en-US" altLang="en-US" sz="2000">
+              <a:ea typeface="ＭＳ Ｐゴシック" panose="020B0600070205080204" pitchFamily="34" charset="-128"/>
+            </a:endParaRPr>
+          </a:p>
+          <a:p>
+            <a:pPr marL="0" indent="0">
+              <a:buNone/>
+            </a:pPr>
+            <a:endParaRPr lang="en-US" altLang="en-US" sz="1833">
+              <a:ea typeface="ＭＳ Ｐゴシック" panose="020B0600070205080204" pitchFamily="34" charset="-128"/>
+            </a:endParaRPr>
+          </a:p>
+          <a:p>
+            <a:pPr marL="0" indent="0">
+              <a:buNone/>
+            </a:pPr>
+            <a:endParaRPr lang="en-US" altLang="en-US" sz="1833">
+              <a:latin typeface="Tahoma" panose="020B0604030504040204" pitchFamily="34" charset="0"/>
+              <a:ea typeface="ＭＳ Ｐゴシック" panose="020B0600070205080204" pitchFamily="34" charset="-128"/>
+            </a:endParaRPr>
+          </a:p>
+        </p:txBody>
+      </p:sp>
+      <p:pic>
+        <p:nvPicPr>
+          <p:cNvPr id="2" name="Picture 1">
+            <a:extLst>
+              <a:ext uri="{FF2B5EF4-FFF2-40B4-BE49-F238E27FC236}">
+                <a16:creationId xmlns:a16="http://schemas.microsoft.com/office/drawing/2014/main" id="{D5FC4C3C-5059-9845-989F-6DA2B906114F}"/>
+              </a:ext>
+            </a:extLst>
+          </p:cNvPr>
+          <p:cNvPicPr>
+            <a:picLocks noChangeAspect="1"/>
+          </p:cNvPicPr>
+          <p:nvPr/>
+        </p:nvPicPr>
+        <p:blipFill>
+          <a:blip r:embed="rId2"/>
+          <a:stretch>
+            <a:fillRect/>
+          </a:stretch>
+        </p:blipFill>
+        <p:spPr>
+          <a:xfrm>
+            <a:off x="628650" y="1639596"/>
+            <a:ext cx="8324091" cy="3389630"/>
+          </a:xfrm>
+          <a:prstGeom prst="rect">
+            <a:avLst/>
+          </a:prstGeom>
+        </p:spPr>
+      </p:pic>
+    </p:spTree>
+    <p:extLst>
+      <p:ext uri="{BB962C8B-B14F-4D97-AF65-F5344CB8AC3E}">
+        <p14:creationId xmlns:p14="http://schemas.microsoft.com/office/powerpoint/2010/main" val="2886319738"/>
+      </p:ext>
+    </p:extLst>
+  </p:cSld>
+  <p:clrMapOvr>
+    <a:masterClrMapping/>
+  </p:clrMapOvr>
+</p:sld>
+</file>
+
+<file path=ppt/slides/slide6.xml><?xml version="1.0" encoding="utf-8"?>
+<p:sld xmlns:a="http://schemas.openxmlformats.org/drawingml/2006/main" xmlns:r="http://schemas.openxmlformats.org/officeDocument/2006/relationships" xmlns:p="http://schemas.openxmlformats.org/presentationml/2006/main">
+  <p:cSld>
+    <p:spTree>
+      <p:nvGrpSpPr>
+        <p:cNvPr id="1" name=""/>
+        <p:cNvGrpSpPr/>
+        <p:nvPr/>
+      </p:nvGrpSpPr>
+      <p:grpSpPr>
+        <a:xfrm>
+          <a:off x="0" y="0"/>
+          <a:ext cx="0" cy="0"/>
+          <a:chOff x="0" y="0"/>
+          <a:chExt cx="0" cy="0"/>
+        </a:xfrm>
+      </p:grpSpPr>
+      <p:sp>
+        <p:nvSpPr>
+          <p:cNvPr id="23553" name="Title 1">
+            <a:extLst>
+              <a:ext uri="{FF2B5EF4-FFF2-40B4-BE49-F238E27FC236}">
+                <a16:creationId xmlns:a16="http://schemas.microsoft.com/office/drawing/2014/main" id="{5E6C904F-B0D2-8542-BF56-4B43E4386E3D}"/>
+              </a:ext>
+            </a:extLst>
+          </p:cNvPr>
+          <p:cNvSpPr>
+            <a:spLocks noGrp="1" noChangeArrowheads="1"/>
+          </p:cNvSpPr>
+          <p:nvPr>
+            <p:ph type="title"/>
+          </p:nvPr>
+        </p:nvSpPr>
+        <p:spPr/>
+        <p:txBody>
+          <a:bodyPr/>
+          <a:lstStyle/>
+          <a:p>
+            <a:pPr eaLnBrk="1" hangingPunct="1"/>
+            <a:r>
+              <a:rPr lang="en-US" altLang="en-US" dirty="0">
+                <a:ea typeface="ＭＳ Ｐゴシック" panose="020B0600070205080204" pitchFamily="34" charset="-128"/>
+              </a:rPr>
+              <a:t>Base 2 (Binary)</a:t>
+            </a:r>
+          </a:p>
+        </p:txBody>
+      </p:sp>
+      <p:sp>
+        <p:nvSpPr>
+          <p:cNvPr id="23554" name="Content Placeholder 2">
+            <a:extLst>
+              <a:ext uri="{FF2B5EF4-FFF2-40B4-BE49-F238E27FC236}">
+                <a16:creationId xmlns:a16="http://schemas.microsoft.com/office/drawing/2014/main" id="{3BD2A87C-D635-9046-861F-C063DCE1B6DA}"/>
+              </a:ext>
+            </a:extLst>
+          </p:cNvPr>
+          <p:cNvSpPr>
+            <a:spLocks noGrp="1" noChangeArrowheads="1"/>
+          </p:cNvSpPr>
+          <p:nvPr>
+            <p:ph idx="1"/>
+          </p:nvPr>
+        </p:nvSpPr>
+        <p:spPr/>
+        <p:txBody>
+          <a:bodyPr/>
+          <a:lstStyle/>
+          <a:p>
+            <a:pPr marL="0" indent="0">
+              <a:buNone/>
+            </a:pPr>
+            <a:endParaRPr lang="en-US" altLang="en-US" sz="2000">
+              <a:ea typeface="ＭＳ Ｐゴシック" panose="020B0600070205080204" pitchFamily="34" charset="-128"/>
+            </a:endParaRPr>
+          </a:p>
+          <a:p>
+            <a:pPr marL="0" indent="0">
+              <a:buNone/>
+            </a:pPr>
+            <a:endParaRPr lang="en-US" altLang="en-US" sz="1833">
+              <a:ea typeface="ＭＳ Ｐゴシック" panose="020B0600070205080204" pitchFamily="34" charset="-128"/>
+            </a:endParaRPr>
+          </a:p>
+          <a:p>
+            <a:pPr marL="0" indent="0">
+              <a:buNone/>
+            </a:pPr>
+            <a:endParaRPr lang="en-US" altLang="en-US" sz="1833">
+              <a:latin typeface="Tahoma" panose="020B0604030504040204" pitchFamily="34" charset="0"/>
+              <a:ea typeface="ＭＳ Ｐゴシック" panose="020B0600070205080204" pitchFamily="34" charset="-128"/>
+            </a:endParaRPr>
+          </a:p>
+        </p:txBody>
+      </p:sp>
+      <p:pic>
+        <p:nvPicPr>
+          <p:cNvPr id="3" name="Picture 2">
+            <a:extLst>
+              <a:ext uri="{FF2B5EF4-FFF2-40B4-BE49-F238E27FC236}">
+                <a16:creationId xmlns:a16="http://schemas.microsoft.com/office/drawing/2014/main" id="{CB795113-FB6C-E648-85D0-183CDD5AF882}"/>
+              </a:ext>
+            </a:extLst>
+          </p:cNvPr>
+          <p:cNvPicPr>
+            <a:picLocks noChangeAspect="1"/>
+          </p:cNvPicPr>
+          <p:nvPr/>
+        </p:nvPicPr>
+        <p:blipFill>
+          <a:blip r:embed="rId2"/>
+          <a:stretch>
+            <a:fillRect/>
+          </a:stretch>
+        </p:blipFill>
+        <p:spPr>
+          <a:xfrm>
+            <a:off x="235159" y="1781810"/>
+            <a:ext cx="8673681" cy="2870200"/>
+          </a:xfrm>
+          <a:prstGeom prst="rect">
+            <a:avLst/>
+          </a:prstGeom>
+        </p:spPr>
+      </p:pic>
+    </p:spTree>
+    <p:extLst>
+      <p:ext uri="{BB962C8B-B14F-4D97-AF65-F5344CB8AC3E}">
+        <p14:creationId xmlns:p14="http://schemas.microsoft.com/office/powerpoint/2010/main" val="3512088914"/>
+      </p:ext>
+    </p:extLst>
+  </p:cSld>
+  <p:clrMapOvr>
+    <a:masterClrMapping/>
+  </p:clrMapOvr>
+</p:sld>
+</file>
+
 <file path=ppt/slides/slide7.xml><?xml version="1.0" encoding="utf-8"?>
+<p:sld xmlns:a="http://schemas.openxmlformats.org/drawingml/2006/main" xmlns:r="http://schemas.openxmlformats.org/officeDocument/2006/relationships" xmlns:p="http://schemas.openxmlformats.org/presentationml/2006/main">
+  <p:cSld>
+    <p:spTree>
+      <p:nvGrpSpPr>
+        <p:cNvPr id="1" name=""/>
+        <p:cNvGrpSpPr/>
+        <p:nvPr/>
+      </p:nvGrpSpPr>
+      <p:grpSpPr>
+        <a:xfrm>
+          <a:off x="0" y="0"/>
+          <a:ext cx="0" cy="0"/>
+          <a:chOff x="0" y="0"/>
+          <a:chExt cx="0" cy="0"/>
+        </a:xfrm>
+      </p:grpSpPr>
+      <p:sp>
+        <p:nvSpPr>
+          <p:cNvPr id="24577" name="Title 1">
+            <a:extLst>
+              <a:ext uri="{FF2B5EF4-FFF2-40B4-BE49-F238E27FC236}">
+                <a16:creationId xmlns:a16="http://schemas.microsoft.com/office/drawing/2014/main" id="{44A4C074-C74F-714A-A8EE-ABAB5BC20626}"/>
+              </a:ext>
+            </a:extLst>
+          </p:cNvPr>
+          <p:cNvSpPr>
+            <a:spLocks noGrp="1" noChangeArrowheads="1"/>
+          </p:cNvSpPr>
+          <p:nvPr>
+            <p:ph type="title"/>
+          </p:nvPr>
+        </p:nvSpPr>
+        <p:spPr/>
+        <p:txBody>
+          <a:bodyPr/>
+          <a:lstStyle/>
+          <a:p>
+            <a:pPr eaLnBrk="1" hangingPunct="1"/>
+            <a:r>
+              <a:rPr lang="en-US" altLang="en-US">
+                <a:ea typeface="ＭＳ Ｐゴシック" panose="020B0600070205080204" pitchFamily="34" charset="-128"/>
+              </a:rPr>
+              <a:t>Base 2 </a:t>
+            </a:r>
+            <a:r>
+              <a:rPr lang="en-US" altLang="zh-CN">
+                <a:ea typeface="宋体" panose="02010600030101010101" pitchFamily="2" charset="-122"/>
+              </a:rPr>
+              <a:t>(Binary)</a:t>
+            </a:r>
+            <a:endParaRPr lang="en-US" altLang="en-US">
+              <a:ea typeface="ＭＳ Ｐゴシック" panose="020B0600070205080204" pitchFamily="34" charset="-128"/>
+            </a:endParaRPr>
+          </a:p>
+        </p:txBody>
+      </p:sp>
+      <p:sp>
+        <p:nvSpPr>
+          <p:cNvPr id="3" name="Content Placeholder 2">
+            <a:extLst>
+              <a:ext uri="{FF2B5EF4-FFF2-40B4-BE49-F238E27FC236}">
+                <a16:creationId xmlns:a16="http://schemas.microsoft.com/office/drawing/2014/main" id="{1749D47C-23C2-834A-9FE9-50A8E8BE40E7}"/>
+              </a:ext>
+            </a:extLst>
+          </p:cNvPr>
+          <p:cNvSpPr>
+            <a:spLocks noGrp="1"/>
+          </p:cNvSpPr>
+          <p:nvPr>
+            <p:ph idx="1"/>
+          </p:nvPr>
+        </p:nvSpPr>
+        <p:spPr/>
+        <p:txBody>
+          <a:bodyPr/>
+          <a:lstStyle/>
+          <a:p>
+            <a:pPr marL="0" indent="0">
+              <a:buNone/>
+              <a:defRPr/>
+            </a:pPr>
+            <a:endParaRPr lang="en-US" sz="2000" dirty="0"/>
+          </a:p>
+          <a:p>
+            <a:pPr>
+              <a:buFont typeface="Wingdings" charset="0"/>
+              <a:buNone/>
+              <a:defRPr/>
+            </a:pPr>
+            <a:r>
+              <a:rPr lang="en-US" sz="2500" b="1" dirty="0"/>
+              <a:t>Base 2</a:t>
+            </a:r>
+          </a:p>
+          <a:p>
+            <a:pPr>
+              <a:buFont typeface="Wingdings" charset="0"/>
+              <a:buNone/>
+              <a:defRPr/>
+            </a:pPr>
+            <a:r>
+              <a:rPr lang="en-US" sz="2500" dirty="0"/>
+              <a:t>1011 = 1 x 2</a:t>
+            </a:r>
+            <a:r>
+              <a:rPr lang="en-US" sz="2500" baseline="30000" dirty="0"/>
+              <a:t>3 </a:t>
+            </a:r>
+            <a:r>
+              <a:rPr lang="en-US" sz="2500" dirty="0"/>
+              <a:t>+ 0 x 2</a:t>
+            </a:r>
+            <a:r>
+              <a:rPr lang="en-US" sz="2500" baseline="30000" dirty="0"/>
+              <a:t>2</a:t>
+            </a:r>
+            <a:r>
+              <a:rPr lang="en-US" sz="2500" dirty="0"/>
+              <a:t> + 1 x 2</a:t>
+            </a:r>
+            <a:r>
+              <a:rPr lang="en-US" sz="2500" baseline="30000" dirty="0"/>
+              <a:t>1</a:t>
+            </a:r>
+            <a:r>
+              <a:rPr lang="en-US" sz="2500" dirty="0"/>
+              <a:t> + 1 x 2</a:t>
+            </a:r>
+            <a:r>
+              <a:rPr lang="en-US" sz="2500" baseline="30000" dirty="0"/>
+              <a:t>0</a:t>
+            </a:r>
+          </a:p>
+          <a:p>
+            <a:pPr>
+              <a:buFont typeface="Wingdings" charset="0"/>
+              <a:buNone/>
+              <a:defRPr/>
+            </a:pPr>
+            <a:r>
+              <a:rPr lang="en-US" sz="2500" dirty="0"/>
+              <a:t>1011 = 1 x 8 + 0 x 4 + 1 x 2 + 1 x 1 =11 in Base 10</a:t>
+            </a:r>
+          </a:p>
+          <a:p>
+            <a:pPr marL="0" indent="0">
+              <a:buNone/>
+              <a:defRPr/>
+            </a:pPr>
+            <a:endParaRPr lang="en-US" sz="1833" dirty="0"/>
+          </a:p>
+          <a:p>
+            <a:pPr marL="0" indent="0">
+              <a:buNone/>
+              <a:defRPr/>
+            </a:pPr>
+            <a:endParaRPr lang="en-US" sz="1833" dirty="0">
+              <a:latin typeface="Tahoma"/>
+              <a:cs typeface="Tahoma"/>
+            </a:endParaRPr>
+          </a:p>
+        </p:txBody>
+      </p:sp>
+    </p:spTree>
+    <p:extLst>
+      <p:ext uri="{BB962C8B-B14F-4D97-AF65-F5344CB8AC3E}">
+        <p14:creationId xmlns:p14="http://schemas.microsoft.com/office/powerpoint/2010/main" val="917461937"/>
+      </p:ext>
+    </p:extLst>
+  </p:cSld>
+  <p:clrMapOvr>
+    <a:masterClrMapping/>
+  </p:clrMapOvr>
+</p:sld>
+</file>
+
+<file path=ppt/slides/slide8.xml><?xml version="1.0" encoding="utf-8"?>
 <p:sld xmlns:a="http://schemas.openxmlformats.org/drawingml/2006/main" xmlns:r="http://schemas.openxmlformats.org/officeDocument/2006/relationships" xmlns:p="http://schemas.openxmlformats.org/presentationml/2006/main">
   <p:cSld>
     <p:spTree>
@@ -19670,7 +21083,7 @@
               <a:buNone/>
               <a:defRPr/>
             </a:pPr>
-            <a:endParaRPr lang="en-US" sz="2000" dirty="0"/>
+            <a:endParaRPr lang="en-US" sz="2200" dirty="0"/>
           </a:p>
           <a:p>
             <a:pPr marL="0" indent="0">
@@ -19678,15 +21091,15 @@
               <a:defRPr/>
             </a:pPr>
             <a:r>
-              <a:rPr lang="en-US" sz="2000" dirty="0"/>
+              <a:rPr lang="en-US" sz="2200" dirty="0"/>
               <a:t>1 </a:t>
             </a:r>
             <a:r>
-              <a:rPr lang="en-US" sz="2000" b="1" dirty="0"/>
+              <a:rPr lang="en-US" sz="2200" b="1" dirty="0"/>
               <a:t>bit</a:t>
             </a:r>
             <a:r>
-              <a:rPr lang="en-US" sz="2000" dirty="0"/>
+              <a:rPr lang="en-US" sz="2200" dirty="0"/>
               <a:t> is a single bit of information, a 1 or 0(Only two possible values)</a:t>
             </a:r>
           </a:p>
@@ -19695,7 +21108,7 @@
               <a:buNone/>
               <a:defRPr/>
             </a:pPr>
-            <a:endParaRPr lang="en-US" sz="2000" dirty="0"/>
+            <a:endParaRPr lang="en-US" sz="2200" dirty="0"/>
           </a:p>
           <a:p>
             <a:pPr marL="0" indent="0">
@@ -19703,15 +21116,15 @@
               <a:defRPr/>
             </a:pPr>
             <a:r>
-              <a:rPr lang="en-US" sz="2000" dirty="0"/>
+              <a:rPr lang="en-US" sz="2200" dirty="0"/>
               <a:t>1 </a:t>
             </a:r>
             <a:r>
-              <a:rPr lang="en-US" sz="2000" b="1" dirty="0"/>
+              <a:rPr lang="en-US" sz="2200" b="1" dirty="0"/>
               <a:t>byte</a:t>
             </a:r>
             <a:r>
-              <a:rPr lang="en-US" sz="2000" dirty="0"/>
+              <a:rPr lang="en-US" sz="2200" dirty="0"/>
               <a:t> is 8 bits, an 8 bit word</a:t>
             </a:r>
           </a:p>
@@ -19720,15 +21133,15 @@
               <a:defRPr/>
             </a:pPr>
             <a:r>
-              <a:rPr lang="en-US" sz="2000" dirty="0"/>
+              <a:rPr lang="en-US" sz="2200" dirty="0"/>
               <a:t>256 possible values from 0-255 </a:t>
             </a:r>
             <a:r>
-              <a:rPr lang="en-US" sz="2000" b="1" dirty="0"/>
+              <a:rPr lang="en-US" sz="2200" b="1" dirty="0"/>
               <a:t>base 10</a:t>
             </a:r>
             <a:r>
-              <a:rPr lang="en-US" sz="2000" dirty="0"/>
+              <a:rPr lang="en-US" sz="2200" dirty="0"/>
               <a:t> </a:t>
             </a:r>
           </a:p>
@@ -19737,11 +21150,11 @@
               <a:defRPr/>
             </a:pPr>
             <a:r>
-              <a:rPr lang="en-US" sz="2000" dirty="0"/>
+              <a:rPr lang="en-US" sz="2200" dirty="0"/>
               <a:t>or 00000000 to 11111111 </a:t>
             </a:r>
             <a:r>
-              <a:rPr lang="en-US" sz="2000" b="1" dirty="0"/>
+              <a:rPr lang="en-US" sz="2200" b="1" dirty="0"/>
               <a:t>base 2</a:t>
             </a:r>
           </a:p>
@@ -19750,7 +21163,7 @@
               <a:buNone/>
               <a:defRPr/>
             </a:pPr>
-            <a:endParaRPr lang="en-US" sz="2000" b="1" dirty="0"/>
+            <a:endParaRPr lang="en-US" sz="2200" b="1" dirty="0"/>
           </a:p>
           <a:p>
             <a:pPr marL="0" indent="0">
@@ -19758,7 +21171,7 @@
               <a:defRPr/>
             </a:pPr>
             <a:r>
-              <a:rPr lang="en-US" sz="2000" dirty="0"/>
+              <a:rPr lang="en-US" sz="2200" dirty="0"/>
               <a:t>For example, 10100110 is a single byte</a:t>
             </a:r>
           </a:p>
@@ -19767,7 +21180,7 @@
               <a:buNone/>
               <a:defRPr/>
             </a:pPr>
-            <a:endParaRPr lang="en-US" sz="2000" dirty="0">
+            <a:endParaRPr lang="en-US" sz="2200" dirty="0">
               <a:latin typeface="Tahoma"/>
               <a:cs typeface="Tahoma"/>
             </a:endParaRPr>
@@ -20062,7 +21475,7 @@
 </p:sld>
 </file>
 
-<file path=ppt/slides/slide8.xml><?xml version="1.0" encoding="utf-8"?>
+<file path=ppt/slides/slide9.xml><?xml version="1.0" encoding="utf-8"?>
 <p:sld xmlns:a="http://schemas.openxmlformats.org/drawingml/2006/main" xmlns:r="http://schemas.openxmlformats.org/officeDocument/2006/relationships" xmlns:p="http://schemas.openxmlformats.org/presentationml/2006/main">
   <p:cSld>
     <p:spTree>
@@ -20095,14 +21508,19 @@
             <p:ph type="title"/>
           </p:nvPr>
         </p:nvSpPr>
-        <p:spPr/>
+        <p:spPr>
+          <a:xfrm>
+            <a:off x="628650" y="0"/>
+            <a:ext cx="7886700" cy="1104636"/>
+          </a:xfrm>
+        </p:spPr>
         <p:txBody>
           <a:bodyPr/>
           <a:lstStyle/>
           <a:p>
             <a:pPr eaLnBrk="1" hangingPunct="1"/>
             <a:r>
-              <a:rPr lang="en-US" altLang="en-US">
+              <a:rPr lang="en-US" altLang="en-US" dirty="0">
                 <a:ea typeface="ＭＳ Ｐゴシック" panose="020B0600070205080204" pitchFamily="34" charset="-128"/>
               </a:rPr>
               <a:t>Decimal to Binary</a:t>
@@ -20126,34 +21544,27 @@
             <p:ph idx="1"/>
           </p:nvPr>
         </p:nvSpPr>
-        <p:spPr/>
+        <p:spPr>
+          <a:xfrm>
+            <a:off x="628650" y="783771"/>
+            <a:ext cx="7886700" cy="4363699"/>
+          </a:xfrm>
+        </p:spPr>
         <p:txBody>
-          <a:bodyPr/>
+          <a:bodyPr>
+            <a:normAutofit/>
+          </a:bodyPr>
           <a:lstStyle/>
           <a:p>
             <a:pPr marL="0" indent="0">
               <a:buNone/>
             </a:pPr>
-            <a:endParaRPr lang="en-US" altLang="en-US" sz="2000">
-              <a:ea typeface="ＭＳ Ｐゴシック" panose="020B0600070205080204" pitchFamily="34" charset="-128"/>
-            </a:endParaRPr>
-          </a:p>
-          <a:p>
-            <a:pPr marL="0" indent="0">
-              <a:buNone/>
-            </a:pPr>
-            <a:endParaRPr lang="en-US" altLang="en-US" sz="1833">
-              <a:ea typeface="ＭＳ Ｐゴシック" panose="020B0600070205080204" pitchFamily="34" charset="-128"/>
-            </a:endParaRPr>
-          </a:p>
-          <a:p>
-            <a:pPr marL="0" indent="0">
-              <a:buNone/>
-            </a:pPr>
-            <a:endParaRPr lang="en-US" altLang="en-US" sz="1833">
-              <a:latin typeface="Tahoma" panose="020B0604030504040204" pitchFamily="34" charset="0"/>
-              <a:ea typeface="ＭＳ Ｐゴシック" panose="020B0600070205080204" pitchFamily="34" charset="-128"/>
-            </a:endParaRPr>
+            <a:r>
+              <a:rPr lang="en-US" altLang="en-US" sz="2000" dirty="0">
+                <a:ea typeface="ＭＳ Ｐゴシック" panose="020B0600070205080204" pitchFamily="34" charset="-128"/>
+              </a:rPr>
+              <a:t>Repeatedly modulo 2 and the divide by 2. Stop at 0. The remainder list read top to bottom are the digits from left to right. </a:t>
+            </a:r>
           </a:p>
         </p:txBody>
       </p:sp>
@@ -20186,8 +21597,8 @@
         </p:blipFill>
         <p:spPr bwMode="auto">
           <a:xfrm>
-            <a:off x="1811073" y="1177396"/>
-            <a:ext cx="5207000" cy="4229365"/>
+            <a:off x="2125805" y="1634206"/>
+            <a:ext cx="4536130" cy="3684454"/>
           </a:xfrm>
           <a:prstGeom prst="rect">
             <a:avLst/>
@@ -20239,626 +21650,81 @@
   <p:clrMapOvr>
     <a:masterClrMapping/>
   </p:clrMapOvr>
-</p:sld>
-</file>
-
-<file path=ppt/slides/slide9.xml><?xml version="1.0" encoding="utf-8"?>
-<p:sld xmlns:a="http://schemas.openxmlformats.org/drawingml/2006/main" xmlns:r="http://schemas.openxmlformats.org/officeDocument/2006/relationships" xmlns:p="http://schemas.openxmlformats.org/presentationml/2006/main">
-  <p:cSld>
-    <p:spTree>
-      <p:nvGrpSpPr>
-        <p:cNvPr id="1" name=""/>
-        <p:cNvGrpSpPr/>
-        <p:nvPr/>
-      </p:nvGrpSpPr>
-      <p:grpSpPr>
-        <a:xfrm>
-          <a:off x="0" y="0"/>
-          <a:ext cx="0" cy="0"/>
-          <a:chOff x="0" y="0"/>
-          <a:chExt cx="0" cy="0"/>
-        </a:xfrm>
-      </p:grpSpPr>
-      <p:sp>
-        <p:nvSpPr>
-          <p:cNvPr id="27649" name="Title 1">
-            <a:extLst>
-              <a:ext uri="{FF2B5EF4-FFF2-40B4-BE49-F238E27FC236}">
-                <a16:creationId xmlns:a16="http://schemas.microsoft.com/office/drawing/2014/main" id="{6DF2718B-6957-A844-8110-C38E5F3B4833}"/>
-              </a:ext>
-            </a:extLst>
-          </p:cNvPr>
-          <p:cNvSpPr>
-            <a:spLocks noGrp="1" noChangeArrowheads="1"/>
-          </p:cNvSpPr>
-          <p:nvPr>
-            <p:ph type="title"/>
-          </p:nvPr>
-        </p:nvSpPr>
-        <p:spPr/>
-        <p:txBody>
-          <a:bodyPr/>
-          <a:lstStyle/>
-          <a:p>
-            <a:pPr eaLnBrk="1" hangingPunct="1"/>
-            <a:r>
-              <a:rPr lang="en-US" altLang="en-US">
-                <a:ea typeface="ＭＳ Ｐゴシック" panose="020B0600070205080204" pitchFamily="34" charset="-128"/>
-              </a:rPr>
-              <a:t>Adding Binary</a:t>
-            </a:r>
-          </a:p>
-        </p:txBody>
-      </p:sp>
-      <p:sp>
-        <p:nvSpPr>
-          <p:cNvPr id="3" name="Content Placeholder 2">
-            <a:extLst>
-              <a:ext uri="{FF2B5EF4-FFF2-40B4-BE49-F238E27FC236}">
-                <a16:creationId xmlns:a16="http://schemas.microsoft.com/office/drawing/2014/main" id="{6BAAF3A1-8774-5448-8A90-E12045B4D3F2}"/>
-              </a:ext>
-            </a:extLst>
-          </p:cNvPr>
-          <p:cNvSpPr>
-            <a:spLocks noGrp="1"/>
-          </p:cNvSpPr>
-          <p:nvPr>
-            <p:ph idx="1"/>
-          </p:nvPr>
-        </p:nvSpPr>
-        <p:spPr/>
-        <p:txBody>
-          <a:bodyPr/>
-          <a:lstStyle/>
-          <a:p>
-            <a:pPr>
-              <a:defRPr/>
-            </a:pPr>
-            <a:r>
-              <a:rPr lang="en-US" altLang="zh-CN" sz="2000" dirty="0">
-                <a:ea typeface="宋体" charset="0"/>
-                <a:cs typeface="宋体" charset="0"/>
-              </a:rPr>
-              <a:t>0+0=0</a:t>
-            </a:r>
-          </a:p>
-          <a:p>
-            <a:pPr>
-              <a:defRPr/>
-            </a:pPr>
-            <a:r>
-              <a:rPr lang="en-US" altLang="zh-CN" sz="2000" dirty="0">
-                <a:ea typeface="宋体" charset="0"/>
-                <a:cs typeface="宋体" charset="0"/>
-              </a:rPr>
-              <a:t>1+0=1</a:t>
-            </a:r>
-          </a:p>
-          <a:p>
-            <a:pPr>
-              <a:defRPr/>
-            </a:pPr>
-            <a:r>
-              <a:rPr lang="en-US" altLang="zh-CN" sz="2000" dirty="0">
-                <a:ea typeface="宋体" charset="0"/>
-                <a:cs typeface="宋体" charset="0"/>
-              </a:rPr>
-              <a:t>1+1=10</a:t>
-            </a:r>
-            <a:endParaRPr lang="en-US" sz="2000" dirty="0"/>
-          </a:p>
-          <a:p>
-            <a:pPr marL="0" indent="0">
-              <a:buNone/>
-              <a:defRPr/>
-            </a:pPr>
-            <a:endParaRPr lang="en-US" sz="2000" dirty="0"/>
-          </a:p>
-          <a:p>
-            <a:pPr marL="0" indent="0">
-              <a:buNone/>
-              <a:defRPr/>
-            </a:pPr>
-            <a:endParaRPr lang="en-US" sz="1833" dirty="0"/>
-          </a:p>
-          <a:p>
-            <a:pPr marL="0" indent="0">
-              <a:buNone/>
-              <a:defRPr/>
-            </a:pPr>
-            <a:endParaRPr lang="en-US" sz="1833" dirty="0">
-              <a:latin typeface="Tahoma"/>
-              <a:cs typeface="Tahoma"/>
-            </a:endParaRPr>
-          </a:p>
-        </p:txBody>
-      </p:sp>
-      <p:sp>
-        <p:nvSpPr>
-          <p:cNvPr id="27651" name="TextBox 3">
-            <a:extLst>
-              <a:ext uri="{FF2B5EF4-FFF2-40B4-BE49-F238E27FC236}">
-                <a16:creationId xmlns:a16="http://schemas.microsoft.com/office/drawing/2014/main" id="{6FC605D7-3622-AB4C-89F0-D1DD9A54F1CD}"/>
-              </a:ext>
-            </a:extLst>
-          </p:cNvPr>
-          <p:cNvSpPr txBox="1">
-            <a:spLocks noChangeArrowheads="1"/>
-          </p:cNvSpPr>
-          <p:nvPr/>
-        </p:nvSpPr>
-        <p:spPr bwMode="auto">
-          <a:xfrm>
-            <a:off x="3012282" y="1660261"/>
-            <a:ext cx="184731" cy="323165"/>
-          </a:xfrm>
-          <a:prstGeom prst="rect">
-            <a:avLst/>
-          </a:prstGeom>
-          <a:noFill/>
-          <a:ln>
-            <a:noFill/>
-          </a:ln>
-          <a:extLst>
-            <a:ext uri="{909E8E84-426E-40DD-AFC4-6F175D3DCCD1}">
-              <a14:hiddenFill xmlns:a14="http://schemas.microsoft.com/office/drawing/2010/main">
-                <a:solidFill>
-                  <a:srgbClr val="FFFFFF"/>
-                </a:solidFill>
-              </a14:hiddenFill>
-            </a:ext>
-            <a:ext uri="{91240B29-F687-4F45-9708-019B960494DF}">
-              <a14:hiddenLine xmlns:a14="http://schemas.microsoft.com/office/drawing/2010/main" w="9525">
-                <a:solidFill>
-                  <a:srgbClr val="000000"/>
-                </a:solidFill>
-                <a:miter lim="800000"/>
-                <a:headEnd/>
-                <a:tailEnd/>
-              </a14:hiddenLine>
-            </a:ext>
-          </a:extLst>
-        </p:spPr>
-        <p:txBody>
-          <a:bodyPr wrap="none">
-            <a:spAutoFit/>
-          </a:bodyPr>
-          <a:lstStyle>
-            <a:lvl1pPr>
-              <a:spcBef>
-                <a:spcPct val="20000"/>
-              </a:spcBef>
-              <a:buChar char="•"/>
-              <a:defRPr sz="3200">
-                <a:solidFill>
-                  <a:schemeClr val="tx1"/>
-                </a:solidFill>
-                <a:latin typeface="Arial" panose="020B0604020202020204" pitchFamily="34" charset="0"/>
-                <a:ea typeface="ＭＳ Ｐゴシック" panose="020B0600070205080204" pitchFamily="34" charset="-128"/>
-                <a:cs typeface="Arial" panose="020B0604020202020204" pitchFamily="34" charset="0"/>
-              </a:defRPr>
-            </a:lvl1pPr>
-            <a:lvl2pPr marL="742950" indent="-285750">
-              <a:spcBef>
-                <a:spcPct val="20000"/>
-              </a:spcBef>
-              <a:buChar char="–"/>
-              <a:defRPr sz="2800">
-                <a:solidFill>
-                  <a:schemeClr val="tx1"/>
-                </a:solidFill>
-                <a:latin typeface="Arial" panose="020B0604020202020204" pitchFamily="34" charset="0"/>
-                <a:ea typeface="Arial" panose="020B0604020202020204" pitchFamily="34" charset="0"/>
-                <a:cs typeface="Arial" panose="020B0604020202020204" pitchFamily="34" charset="0"/>
-              </a:defRPr>
-            </a:lvl2pPr>
-            <a:lvl3pPr marL="1143000" indent="-228600">
-              <a:spcBef>
-                <a:spcPct val="20000"/>
-              </a:spcBef>
-              <a:buChar char="•"/>
-              <a:defRPr sz="2400">
-                <a:solidFill>
-                  <a:schemeClr val="tx1"/>
-                </a:solidFill>
-                <a:latin typeface="Arial" panose="020B0604020202020204" pitchFamily="34" charset="0"/>
-                <a:ea typeface="Arial" panose="020B0604020202020204" pitchFamily="34" charset="0"/>
-                <a:cs typeface="Arial" panose="020B0604020202020204" pitchFamily="34" charset="0"/>
-              </a:defRPr>
-            </a:lvl3pPr>
-            <a:lvl4pPr marL="1600200" indent="-228600">
-              <a:spcBef>
-                <a:spcPct val="20000"/>
-              </a:spcBef>
-              <a:buChar char="–"/>
-              <a:defRPr sz="2000">
-                <a:solidFill>
-                  <a:schemeClr val="tx1"/>
-                </a:solidFill>
-                <a:latin typeface="Arial" panose="020B0604020202020204" pitchFamily="34" charset="0"/>
-                <a:ea typeface="Arial" panose="020B0604020202020204" pitchFamily="34" charset="0"/>
-                <a:cs typeface="Arial" panose="020B0604020202020204" pitchFamily="34" charset="0"/>
-              </a:defRPr>
-            </a:lvl4pPr>
-            <a:lvl5pPr marL="2057400" indent="-228600">
-              <a:spcBef>
-                <a:spcPct val="20000"/>
-              </a:spcBef>
-              <a:buChar char="»"/>
-              <a:defRPr sz="2000">
-                <a:solidFill>
-                  <a:schemeClr val="tx1"/>
-                </a:solidFill>
-                <a:latin typeface="Arial" panose="020B0604020202020204" pitchFamily="34" charset="0"/>
-                <a:ea typeface="Arial" panose="020B0604020202020204" pitchFamily="34" charset="0"/>
-                <a:cs typeface="Arial" panose="020B0604020202020204" pitchFamily="34" charset="0"/>
-              </a:defRPr>
-            </a:lvl5pPr>
-            <a:lvl6pPr marL="2514600" indent="-228600" eaLnBrk="0" fontAlgn="base" hangingPunct="0">
-              <a:spcBef>
-                <a:spcPct val="20000"/>
-              </a:spcBef>
-              <a:spcAft>
-                <a:spcPct val="0"/>
-              </a:spcAft>
-              <a:buChar char="»"/>
-              <a:defRPr sz="2000">
-                <a:solidFill>
-                  <a:schemeClr val="tx1"/>
-                </a:solidFill>
-                <a:latin typeface="Arial" panose="020B0604020202020204" pitchFamily="34" charset="0"/>
-                <a:ea typeface="Arial" panose="020B0604020202020204" pitchFamily="34" charset="0"/>
-                <a:cs typeface="Arial" panose="020B0604020202020204" pitchFamily="34" charset="0"/>
-              </a:defRPr>
-            </a:lvl6pPr>
-            <a:lvl7pPr marL="2971800" indent="-228600" eaLnBrk="0" fontAlgn="base" hangingPunct="0">
-              <a:spcBef>
-                <a:spcPct val="20000"/>
-              </a:spcBef>
-              <a:spcAft>
-                <a:spcPct val="0"/>
-              </a:spcAft>
-              <a:buChar char="»"/>
-              <a:defRPr sz="2000">
-                <a:solidFill>
-                  <a:schemeClr val="tx1"/>
-                </a:solidFill>
-                <a:latin typeface="Arial" panose="020B0604020202020204" pitchFamily="34" charset="0"/>
-                <a:ea typeface="Arial" panose="020B0604020202020204" pitchFamily="34" charset="0"/>
-                <a:cs typeface="Arial" panose="020B0604020202020204" pitchFamily="34" charset="0"/>
-              </a:defRPr>
-            </a:lvl7pPr>
-            <a:lvl8pPr marL="3429000" indent="-228600" eaLnBrk="0" fontAlgn="base" hangingPunct="0">
-              <a:spcBef>
-                <a:spcPct val="20000"/>
-              </a:spcBef>
-              <a:spcAft>
-                <a:spcPct val="0"/>
-              </a:spcAft>
-              <a:buChar char="»"/>
-              <a:defRPr sz="2000">
-                <a:solidFill>
-                  <a:schemeClr val="tx1"/>
-                </a:solidFill>
-                <a:latin typeface="Arial" panose="020B0604020202020204" pitchFamily="34" charset="0"/>
-                <a:ea typeface="Arial" panose="020B0604020202020204" pitchFamily="34" charset="0"/>
-                <a:cs typeface="Arial" panose="020B0604020202020204" pitchFamily="34" charset="0"/>
-              </a:defRPr>
-            </a:lvl8pPr>
-            <a:lvl9pPr marL="3886200" indent="-228600" eaLnBrk="0" fontAlgn="base" hangingPunct="0">
-              <a:spcBef>
-                <a:spcPct val="20000"/>
-              </a:spcBef>
-              <a:spcAft>
-                <a:spcPct val="0"/>
-              </a:spcAft>
-              <a:buChar char="»"/>
-              <a:defRPr sz="2000">
-                <a:solidFill>
-                  <a:schemeClr val="tx1"/>
-                </a:solidFill>
-                <a:latin typeface="Arial" panose="020B0604020202020204" pitchFamily="34" charset="0"/>
-                <a:ea typeface="Arial" panose="020B0604020202020204" pitchFamily="34" charset="0"/>
-                <a:cs typeface="Arial" panose="020B0604020202020204" pitchFamily="34" charset="0"/>
-              </a:defRPr>
-            </a:lvl9pPr>
-          </a:lstStyle>
-          <a:p>
-            <a:pPr>
-              <a:spcBef>
-                <a:spcPct val="0"/>
-              </a:spcBef>
-              <a:buFontTx/>
-              <a:buNone/>
-            </a:pPr>
-            <a:endParaRPr lang="en-US" altLang="en-US" sz="1500"/>
-          </a:p>
-        </p:txBody>
-      </p:sp>
-      <p:sp>
-        <p:nvSpPr>
-          <p:cNvPr id="27652" name="TextBox 5">
-            <a:extLst>
-              <a:ext uri="{FF2B5EF4-FFF2-40B4-BE49-F238E27FC236}">
-                <a16:creationId xmlns:a16="http://schemas.microsoft.com/office/drawing/2014/main" id="{D9135003-1544-5E4E-ADFE-49C04929E5EB}"/>
-              </a:ext>
-            </a:extLst>
-          </p:cNvPr>
-          <p:cNvSpPr txBox="1">
-            <a:spLocks noChangeArrowheads="1"/>
-          </p:cNvSpPr>
-          <p:nvPr/>
-        </p:nvSpPr>
-        <p:spPr bwMode="auto">
-          <a:xfrm>
-            <a:off x="3947584" y="1670845"/>
-            <a:ext cx="184731" cy="323165"/>
-          </a:xfrm>
-          <a:prstGeom prst="rect">
-            <a:avLst/>
-          </a:prstGeom>
-          <a:noFill/>
-          <a:ln>
-            <a:noFill/>
-          </a:ln>
-          <a:extLst>
-            <a:ext uri="{909E8E84-426E-40DD-AFC4-6F175D3DCCD1}">
-              <a14:hiddenFill xmlns:a14="http://schemas.microsoft.com/office/drawing/2010/main">
-                <a:solidFill>
-                  <a:srgbClr val="FFFFFF"/>
-                </a:solidFill>
-              </a14:hiddenFill>
-            </a:ext>
-            <a:ext uri="{91240B29-F687-4F45-9708-019B960494DF}">
-              <a14:hiddenLine xmlns:a14="http://schemas.microsoft.com/office/drawing/2010/main" w="9525">
-                <a:solidFill>
-                  <a:srgbClr val="000000"/>
-                </a:solidFill>
-                <a:miter lim="800000"/>
-                <a:headEnd/>
-                <a:tailEnd/>
-              </a14:hiddenLine>
-            </a:ext>
-          </a:extLst>
-        </p:spPr>
-        <p:txBody>
-          <a:bodyPr wrap="none">
-            <a:spAutoFit/>
-          </a:bodyPr>
-          <a:lstStyle>
-            <a:lvl1pPr>
-              <a:spcBef>
-                <a:spcPct val="20000"/>
-              </a:spcBef>
-              <a:buChar char="•"/>
-              <a:defRPr sz="3200">
-                <a:solidFill>
-                  <a:schemeClr val="tx1"/>
-                </a:solidFill>
-                <a:latin typeface="Arial" panose="020B0604020202020204" pitchFamily="34" charset="0"/>
-                <a:ea typeface="ＭＳ Ｐゴシック" panose="020B0600070205080204" pitchFamily="34" charset="-128"/>
-                <a:cs typeface="Arial" panose="020B0604020202020204" pitchFamily="34" charset="0"/>
-              </a:defRPr>
-            </a:lvl1pPr>
-            <a:lvl2pPr marL="742950" indent="-285750">
-              <a:spcBef>
-                <a:spcPct val="20000"/>
-              </a:spcBef>
-              <a:buChar char="–"/>
-              <a:defRPr sz="2800">
-                <a:solidFill>
-                  <a:schemeClr val="tx1"/>
-                </a:solidFill>
-                <a:latin typeface="Arial" panose="020B0604020202020204" pitchFamily="34" charset="0"/>
-                <a:ea typeface="Arial" panose="020B0604020202020204" pitchFamily="34" charset="0"/>
-                <a:cs typeface="Arial" panose="020B0604020202020204" pitchFamily="34" charset="0"/>
-              </a:defRPr>
-            </a:lvl2pPr>
-            <a:lvl3pPr marL="1143000" indent="-228600">
-              <a:spcBef>
-                <a:spcPct val="20000"/>
-              </a:spcBef>
-              <a:buChar char="•"/>
-              <a:defRPr sz="2400">
-                <a:solidFill>
-                  <a:schemeClr val="tx1"/>
-                </a:solidFill>
-                <a:latin typeface="Arial" panose="020B0604020202020204" pitchFamily="34" charset="0"/>
-                <a:ea typeface="Arial" panose="020B0604020202020204" pitchFamily="34" charset="0"/>
-                <a:cs typeface="Arial" panose="020B0604020202020204" pitchFamily="34" charset="0"/>
-              </a:defRPr>
-            </a:lvl3pPr>
-            <a:lvl4pPr marL="1600200" indent="-228600">
-              <a:spcBef>
-                <a:spcPct val="20000"/>
-              </a:spcBef>
-              <a:buChar char="–"/>
-              <a:defRPr sz="2000">
-                <a:solidFill>
-                  <a:schemeClr val="tx1"/>
-                </a:solidFill>
-                <a:latin typeface="Arial" panose="020B0604020202020204" pitchFamily="34" charset="0"/>
-                <a:ea typeface="Arial" panose="020B0604020202020204" pitchFamily="34" charset="0"/>
-                <a:cs typeface="Arial" panose="020B0604020202020204" pitchFamily="34" charset="0"/>
-              </a:defRPr>
-            </a:lvl4pPr>
-            <a:lvl5pPr marL="2057400" indent="-228600">
-              <a:spcBef>
-                <a:spcPct val="20000"/>
-              </a:spcBef>
-              <a:buChar char="»"/>
-              <a:defRPr sz="2000">
-                <a:solidFill>
-                  <a:schemeClr val="tx1"/>
-                </a:solidFill>
-                <a:latin typeface="Arial" panose="020B0604020202020204" pitchFamily="34" charset="0"/>
-                <a:ea typeface="Arial" panose="020B0604020202020204" pitchFamily="34" charset="0"/>
-                <a:cs typeface="Arial" panose="020B0604020202020204" pitchFamily="34" charset="0"/>
-              </a:defRPr>
-            </a:lvl5pPr>
-            <a:lvl6pPr marL="2514600" indent="-228600" eaLnBrk="0" fontAlgn="base" hangingPunct="0">
-              <a:spcBef>
-                <a:spcPct val="20000"/>
-              </a:spcBef>
-              <a:spcAft>
-                <a:spcPct val="0"/>
-              </a:spcAft>
-              <a:buChar char="»"/>
-              <a:defRPr sz="2000">
-                <a:solidFill>
-                  <a:schemeClr val="tx1"/>
-                </a:solidFill>
-                <a:latin typeface="Arial" panose="020B0604020202020204" pitchFamily="34" charset="0"/>
-                <a:ea typeface="Arial" panose="020B0604020202020204" pitchFamily="34" charset="0"/>
-                <a:cs typeface="Arial" panose="020B0604020202020204" pitchFamily="34" charset="0"/>
-              </a:defRPr>
-            </a:lvl6pPr>
-            <a:lvl7pPr marL="2971800" indent="-228600" eaLnBrk="0" fontAlgn="base" hangingPunct="0">
-              <a:spcBef>
-                <a:spcPct val="20000"/>
-              </a:spcBef>
-              <a:spcAft>
-                <a:spcPct val="0"/>
-              </a:spcAft>
-              <a:buChar char="»"/>
-              <a:defRPr sz="2000">
-                <a:solidFill>
-                  <a:schemeClr val="tx1"/>
-                </a:solidFill>
-                <a:latin typeface="Arial" panose="020B0604020202020204" pitchFamily="34" charset="0"/>
-                <a:ea typeface="Arial" panose="020B0604020202020204" pitchFamily="34" charset="0"/>
-                <a:cs typeface="Arial" panose="020B0604020202020204" pitchFamily="34" charset="0"/>
-              </a:defRPr>
-            </a:lvl7pPr>
-            <a:lvl8pPr marL="3429000" indent="-228600" eaLnBrk="0" fontAlgn="base" hangingPunct="0">
-              <a:spcBef>
-                <a:spcPct val="20000"/>
-              </a:spcBef>
-              <a:spcAft>
-                <a:spcPct val="0"/>
-              </a:spcAft>
-              <a:buChar char="»"/>
-              <a:defRPr sz="2000">
-                <a:solidFill>
-                  <a:schemeClr val="tx1"/>
-                </a:solidFill>
-                <a:latin typeface="Arial" panose="020B0604020202020204" pitchFamily="34" charset="0"/>
-                <a:ea typeface="Arial" panose="020B0604020202020204" pitchFamily="34" charset="0"/>
-                <a:cs typeface="Arial" panose="020B0604020202020204" pitchFamily="34" charset="0"/>
-              </a:defRPr>
-            </a:lvl8pPr>
-            <a:lvl9pPr marL="3886200" indent="-228600" eaLnBrk="0" fontAlgn="base" hangingPunct="0">
-              <a:spcBef>
-                <a:spcPct val="20000"/>
-              </a:spcBef>
-              <a:spcAft>
-                <a:spcPct val="0"/>
-              </a:spcAft>
-              <a:buChar char="»"/>
-              <a:defRPr sz="2000">
-                <a:solidFill>
-                  <a:schemeClr val="tx1"/>
-                </a:solidFill>
-                <a:latin typeface="Arial" panose="020B0604020202020204" pitchFamily="34" charset="0"/>
-                <a:ea typeface="Arial" panose="020B0604020202020204" pitchFamily="34" charset="0"/>
-                <a:cs typeface="Arial" panose="020B0604020202020204" pitchFamily="34" charset="0"/>
-              </a:defRPr>
-            </a:lvl9pPr>
-          </a:lstStyle>
-          <a:p>
-            <a:pPr>
-              <a:spcBef>
-                <a:spcPct val="0"/>
-              </a:spcBef>
-              <a:buFontTx/>
-              <a:buNone/>
-            </a:pPr>
-            <a:endParaRPr lang="en-US" altLang="en-US" sz="1500"/>
-          </a:p>
-        </p:txBody>
-      </p:sp>
-      <p:pic>
-        <p:nvPicPr>
-          <p:cNvPr id="27653" name="Picture 4" descr="untitled">
-            <a:extLst>
-              <a:ext uri="{FF2B5EF4-FFF2-40B4-BE49-F238E27FC236}">
-                <a16:creationId xmlns:a16="http://schemas.microsoft.com/office/drawing/2014/main" id="{75F4E284-8B62-804D-956D-6A4F07E681AD}"/>
-              </a:ext>
-            </a:extLst>
-          </p:cNvPr>
-          <p:cNvPicPr>
-            <a:picLocks noChangeAspect="1" noChangeArrowheads="1"/>
-          </p:cNvPicPr>
-          <p:nvPr/>
-        </p:nvPicPr>
-        <p:blipFill>
-          <a:blip r:embed="rId2">
-            <a:extLst>
-              <a:ext uri="{28A0092B-C50C-407E-A947-70E740481C1C}">
-                <a14:useLocalDpi xmlns:a14="http://schemas.microsoft.com/office/drawing/2010/main" val="0"/>
-              </a:ext>
-            </a:extLst>
-          </a:blip>
-          <a:srcRect/>
-          <a:stretch>
-            <a:fillRect/>
-          </a:stretch>
-        </p:blipFill>
-        <p:spPr bwMode="auto">
-          <a:xfrm>
-            <a:off x="2730500" y="1968500"/>
-            <a:ext cx="5143500" cy="2853532"/>
-          </a:xfrm>
-          <a:prstGeom prst="rect">
-            <a:avLst/>
-          </a:prstGeom>
-          <a:noFill/>
-          <a:ln>
-            <a:noFill/>
-          </a:ln>
-          <a:effectLst/>
-          <a:extLst>
-            <a:ext uri="{909E8E84-426E-40DD-AFC4-6F175D3DCCD1}">
-              <a14:hiddenFill xmlns:a14="http://schemas.microsoft.com/office/drawing/2010/main">
-                <a:solidFill>
-                  <a:srgbClr val="FFFFFF"/>
-                </a:solidFill>
-              </a14:hiddenFill>
-            </a:ext>
-            <a:ext uri="{91240B29-F687-4F45-9708-019B960494DF}">
-              <a14:hiddenLine xmlns:a14="http://schemas.microsoft.com/office/drawing/2010/main" w="9525">
-                <a:solidFill>
-                  <a:srgbClr val="000000"/>
-                </a:solidFill>
-                <a:miter lim="800000"/>
-                <a:headEnd/>
-                <a:tailEnd/>
-              </a14:hiddenLine>
-            </a:ext>
-            <a:ext uri="{AF507438-7753-43E0-B8FC-AC1667EBCBE1}">
-              <a14:hiddenEffects xmlns:a14="http://schemas.microsoft.com/office/drawing/2010/main">
-                <a:effectLst>
-                  <a:outerShdw dist="35921" dir="2700000" algn="ctr" rotWithShape="0">
-                    <a:srgbClr val="808080">
-                      <a:alpha val="74997"/>
-                    </a:srgbClr>
-                  </a:outerShdw>
-                </a:effectLst>
-              </a14:hiddenEffects>
-            </a:ext>
-          </a:extLst>
-        </p:spPr>
-      </p:pic>
-    </p:spTree>
-    <p:extLst>
-      <p:ext uri="{BB962C8B-B14F-4D97-AF65-F5344CB8AC3E}">
-        <p14:creationId xmlns:p14="http://schemas.microsoft.com/office/powerpoint/2010/main" val="3906700287"/>
-      </p:ext>
-    </p:extLst>
-  </p:cSld>
-  <p:clrMapOvr>
-    <a:masterClrMapping/>
-  </p:clrMapOvr>
+  <p:timing>
+    <p:tnLst>
+      <p:par>
+        <p:cTn id="1" dur="indefinite" restart="never" nodeType="tmRoot">
+          <p:childTnLst>
+            <p:seq concurrent="1" nextAc="seek">
+              <p:cTn id="2" dur="indefinite" nodeType="mainSeq">
+                <p:childTnLst>
+                  <p:par>
+                    <p:cTn id="3" fill="hold">
+                      <p:stCondLst>
+                        <p:cond delay="indefinite"/>
+                      </p:stCondLst>
+                      <p:childTnLst>
+                        <p:par>
+                          <p:cTn id="4" fill="hold">
+                            <p:stCondLst>
+                              <p:cond delay="0"/>
+                            </p:stCondLst>
+                            <p:childTnLst>
+                              <p:par>
+                                <p:cTn id="5" presetID="1" presetClass="entr" presetSubtype="0" fill="hold" nodeType="clickEffect">
+                                  <p:stCondLst>
+                                    <p:cond delay="0"/>
+                                  </p:stCondLst>
+                                  <p:childTnLst>
+                                    <p:set>
+                                      <p:cBhvr>
+                                        <p:cTn id="6" dur="1" fill="hold">
+                                          <p:stCondLst>
+                                            <p:cond delay="0"/>
+                                          </p:stCondLst>
+                                        </p:cTn>
+                                        <p:tgtEl>
+                                          <p:spTgt spid="26627"/>
+                                        </p:tgtEl>
+                                        <p:attrNameLst>
+                                          <p:attrName>style.visibility</p:attrName>
+                                        </p:attrNameLst>
+                                      </p:cBhvr>
+                                      <p:to>
+                                        <p:strVal val="visible"/>
+                                      </p:to>
+                                    </p:set>
+                                  </p:childTnLst>
+                                </p:cTn>
+                              </p:par>
+                            </p:childTnLst>
+                          </p:cTn>
+                        </p:par>
+                      </p:childTnLst>
+                    </p:cTn>
+                  </p:par>
+                </p:childTnLst>
+              </p:cTn>
+              <p:prevCondLst>
+                <p:cond evt="onPrev" delay="0">
+                  <p:tgtEl>
+                    <p:sldTgt/>
+                  </p:tgtEl>
+                </p:cond>
+              </p:prevCondLst>
+              <p:nextCondLst>
+                <p:cond evt="onNext" delay="0">
+                  <p:tgtEl>
+                    <p:sldTgt/>
+                  </p:tgtEl>
+                </p:cond>
+              </p:nextCondLst>
+            </p:seq>
+          </p:childTnLst>
+        </p:cTn>
+      </p:par>
+    </p:tnLst>
+  </p:timing>
 </p:sld>
 </file>
 

--- a/courses/apcsp/lect12.pptx
+++ b/courses/apcsp/lect12.pptx
@@ -157,20 +157,20 @@
 <file path=ppt/changesInfos/changesInfo1.xml><?xml version="1.0" encoding="utf-8"?>
 <pc:chgInfo xmlns:a="http://schemas.openxmlformats.org/drawingml/2006/main" xmlns:r="http://schemas.openxmlformats.org/officeDocument/2006/relationships" xmlns:ac="http://schemas.microsoft.com/office/drawing/2013/main/command" xmlns:pc="http://schemas.microsoft.com/office/powerpoint/2013/main/command">
   <pc:docChgLst>
-    <pc:chgData name="Long B Nguyen" userId="f59fb8f3-a021-417a-8bc1-65c8d471c621" providerId="ADAL" clId="{A54A5039-9BC6-1548-AC61-7314DB675A9D}"/>
-    <pc:docChg chg="undo custSel addSld delSld modSld">
-      <pc:chgData name="Long B Nguyen" userId="f59fb8f3-a021-417a-8bc1-65c8d471c621" providerId="ADAL" clId="{A54A5039-9BC6-1548-AC61-7314DB675A9D}" dt="2019-09-25T14:26:33.714" v="2899" actId="20577"/>
+    <pc:chgData name="Long B Nguyen" userId="f59fb8f3-a021-417a-8bc1-65c8d471c621" providerId="ADAL" clId="{B5860C40-AA08-4447-A918-2D2782E0FC0B}"/>
+    <pc:docChg chg="delSld modSld">
+      <pc:chgData name="Long B Nguyen" userId="f59fb8f3-a021-417a-8bc1-65c8d471c621" providerId="ADAL" clId="{B5860C40-AA08-4447-A918-2D2782E0FC0B}" dt="2019-09-16T13:59:20.091" v="35" actId="2696"/>
       <pc:docMkLst>
         <pc:docMk/>
       </pc:docMkLst>
       <pc:sldChg chg="modSp">
-        <pc:chgData name="Long B Nguyen" userId="f59fb8f3-a021-417a-8bc1-65c8d471c621" providerId="ADAL" clId="{A54A5039-9BC6-1548-AC61-7314DB675A9D}" dt="2019-09-25T14:17:33.020" v="2843" actId="20577"/>
+        <pc:chgData name="Long B Nguyen" userId="f59fb8f3-a021-417a-8bc1-65c8d471c621" providerId="ADAL" clId="{B5860C40-AA08-4447-A918-2D2782E0FC0B}" dt="2019-09-16T13:58:36.640" v="18" actId="20577"/>
         <pc:sldMkLst>
           <pc:docMk/>
           <pc:sldMk cId="4247104139" sldId="256"/>
         </pc:sldMkLst>
         <pc:spChg chg="mod">
-          <ac:chgData name="Long B Nguyen" userId="f59fb8f3-a021-417a-8bc1-65c8d471c621" providerId="ADAL" clId="{A54A5039-9BC6-1548-AC61-7314DB675A9D}" dt="2019-09-25T14:17:33.020" v="2843" actId="20577"/>
+          <ac:chgData name="Long B Nguyen" userId="f59fb8f3-a021-417a-8bc1-65c8d471c621" providerId="ADAL" clId="{B5860C40-AA08-4447-A918-2D2782E0FC0B}" dt="2019-09-16T13:58:36.640" v="18" actId="20577"/>
           <ac:spMkLst>
             <pc:docMk/>
             <pc:sldMk cId="4247104139" sldId="256"/>
@@ -178,479 +178,339 @@
           </ac:spMkLst>
         </pc:spChg>
       </pc:sldChg>
-      <pc:sldChg chg="modSp modAnim">
-        <pc:chgData name="Long B Nguyen" userId="f59fb8f3-a021-417a-8bc1-65c8d471c621" providerId="ADAL" clId="{A54A5039-9BC6-1548-AC61-7314DB675A9D}" dt="2019-09-24T11:45:26.007" v="2185" actId="20577"/>
+    </pc:docChg>
+  </pc:docChgLst>
+  <pc:docChgLst>
+    <pc:chgData name="Long B Nguyen" userId="f59fb8f3-a021-417a-8bc1-65c8d471c621" providerId="ADAL" clId="{AA9102B5-DACA-D841-B260-AEEBF90FC60A}"/>
+    <pc:docChg chg="custSel addSld delSld modSld">
+      <pc:chgData name="Long B Nguyen" userId="f59fb8f3-a021-417a-8bc1-65c8d471c621" providerId="ADAL" clId="{AA9102B5-DACA-D841-B260-AEEBF90FC60A}" dt="2020-01-06T17:07:10.515" v="1519" actId="2711"/>
+      <pc:docMkLst>
+        <pc:docMk/>
+      </pc:docMkLst>
+      <pc:sldChg chg="modSp">
+        <pc:chgData name="Long B Nguyen" userId="f59fb8f3-a021-417a-8bc1-65c8d471c621" providerId="ADAL" clId="{AA9102B5-DACA-D841-B260-AEEBF90FC60A}" dt="2020-01-05T22:05:23.536" v="23" actId="20577"/>
+        <pc:sldMkLst>
+          <pc:docMk/>
+          <pc:sldMk cId="4247104139" sldId="256"/>
+        </pc:sldMkLst>
+        <pc:spChg chg="mod">
+          <ac:chgData name="Long B Nguyen" userId="f59fb8f3-a021-417a-8bc1-65c8d471c621" providerId="ADAL" clId="{AA9102B5-DACA-D841-B260-AEEBF90FC60A}" dt="2020-01-05T22:05:23.536" v="23" actId="20577"/>
+          <ac:spMkLst>
+            <pc:docMk/>
+            <pc:sldMk cId="4247104139" sldId="256"/>
+            <ac:spMk id="3" creationId="{1BDC47C8-6776-7B44-9CD4-95FC91452D62}"/>
+          </ac:spMkLst>
+        </pc:spChg>
+      </pc:sldChg>
+      <pc:sldChg chg="del">
+        <pc:chgData name="Long B Nguyen" userId="f59fb8f3-a021-417a-8bc1-65c8d471c621" providerId="ADAL" clId="{AA9102B5-DACA-D841-B260-AEEBF90FC60A}" dt="2020-01-05T22:05:52.483" v="41" actId="2696"/>
         <pc:sldMkLst>
           <pc:docMk/>
           <pc:sldMk cId="1438711869" sldId="284"/>
         </pc:sldMkLst>
+      </pc:sldChg>
+      <pc:sldChg chg="del">
+        <pc:chgData name="Long B Nguyen" userId="f59fb8f3-a021-417a-8bc1-65c8d471c621" providerId="ADAL" clId="{AA9102B5-DACA-D841-B260-AEEBF90FC60A}" dt="2020-01-05T22:05:52.199" v="24" actId="2696"/>
+        <pc:sldMkLst>
+          <pc:docMk/>
+          <pc:sldMk cId="131840209" sldId="286"/>
+        </pc:sldMkLst>
+      </pc:sldChg>
+      <pc:sldChg chg="del">
+        <pc:chgData name="Long B Nguyen" userId="f59fb8f3-a021-417a-8bc1-65c8d471c621" providerId="ADAL" clId="{AA9102B5-DACA-D841-B260-AEEBF90FC60A}" dt="2020-01-05T22:05:52.214" v="25" actId="2696"/>
+        <pc:sldMkLst>
+          <pc:docMk/>
+          <pc:sldMk cId="1816941262" sldId="295"/>
+        </pc:sldMkLst>
+      </pc:sldChg>
+      <pc:sldChg chg="del">
+        <pc:chgData name="Long B Nguyen" userId="f59fb8f3-a021-417a-8bc1-65c8d471c621" providerId="ADAL" clId="{AA9102B5-DACA-D841-B260-AEEBF90FC60A}" dt="2020-01-05T22:05:52.246" v="27" actId="2696"/>
+        <pc:sldMkLst>
+          <pc:docMk/>
+          <pc:sldMk cId="553003360" sldId="296"/>
+        </pc:sldMkLst>
+      </pc:sldChg>
+      <pc:sldChg chg="del">
+        <pc:chgData name="Long B Nguyen" userId="f59fb8f3-a021-417a-8bc1-65c8d471c621" providerId="ADAL" clId="{AA9102B5-DACA-D841-B260-AEEBF90FC60A}" dt="2020-01-05T22:05:52.268" v="28" actId="2696"/>
+        <pc:sldMkLst>
+          <pc:docMk/>
+          <pc:sldMk cId="3006175481" sldId="297"/>
+        </pc:sldMkLst>
+      </pc:sldChg>
+      <pc:sldChg chg="del">
+        <pc:chgData name="Long B Nguyen" userId="f59fb8f3-a021-417a-8bc1-65c8d471c621" providerId="ADAL" clId="{AA9102B5-DACA-D841-B260-AEEBF90FC60A}" dt="2020-01-05T22:05:52.287" v="29" actId="2696"/>
+        <pc:sldMkLst>
+          <pc:docMk/>
+          <pc:sldMk cId="3150557076" sldId="298"/>
+        </pc:sldMkLst>
+      </pc:sldChg>
+      <pc:sldChg chg="del">
+        <pc:chgData name="Long B Nguyen" userId="f59fb8f3-a021-417a-8bc1-65c8d471c621" providerId="ADAL" clId="{AA9102B5-DACA-D841-B260-AEEBF90FC60A}" dt="2020-01-05T22:05:52.442" v="38" actId="2696"/>
+        <pc:sldMkLst>
+          <pc:docMk/>
+          <pc:sldMk cId="128704095" sldId="302"/>
+        </pc:sldMkLst>
+      </pc:sldChg>
+      <pc:sldChg chg="del">
+        <pc:chgData name="Long B Nguyen" userId="f59fb8f3-a021-417a-8bc1-65c8d471c621" providerId="ADAL" clId="{AA9102B5-DACA-D841-B260-AEEBF90FC60A}" dt="2020-01-05T22:05:52.305" v="30" actId="2696"/>
+        <pc:sldMkLst>
+          <pc:docMk/>
+          <pc:sldMk cId="3275945509" sldId="303"/>
+        </pc:sldMkLst>
+      </pc:sldChg>
+      <pc:sldChg chg="del">
+        <pc:chgData name="Long B Nguyen" userId="f59fb8f3-a021-417a-8bc1-65c8d471c621" providerId="ADAL" clId="{AA9102B5-DACA-D841-B260-AEEBF90FC60A}" dt="2020-01-05T22:05:52.321" v="31" actId="2696"/>
+        <pc:sldMkLst>
+          <pc:docMk/>
+          <pc:sldMk cId="406772024" sldId="304"/>
+        </pc:sldMkLst>
+      </pc:sldChg>
+      <pc:sldChg chg="del">
+        <pc:chgData name="Long B Nguyen" userId="f59fb8f3-a021-417a-8bc1-65c8d471c621" providerId="ADAL" clId="{AA9102B5-DACA-D841-B260-AEEBF90FC60A}" dt="2020-01-05T22:05:52.334" v="32" actId="2696"/>
+        <pc:sldMkLst>
+          <pc:docMk/>
+          <pc:sldMk cId="1703902501" sldId="305"/>
+        </pc:sldMkLst>
+      </pc:sldChg>
+      <pc:sldChg chg="del">
+        <pc:chgData name="Long B Nguyen" userId="f59fb8f3-a021-417a-8bc1-65c8d471c621" providerId="ADAL" clId="{AA9102B5-DACA-D841-B260-AEEBF90FC60A}" dt="2020-01-05T22:05:52.461" v="39" actId="2696"/>
+        <pc:sldMkLst>
+          <pc:docMk/>
+          <pc:sldMk cId="3614829039" sldId="306"/>
+        </pc:sldMkLst>
+      </pc:sldChg>
+      <pc:sldChg chg="del">
+        <pc:chgData name="Long B Nguyen" userId="f59fb8f3-a021-417a-8bc1-65c8d471c621" providerId="ADAL" clId="{AA9102B5-DACA-D841-B260-AEEBF90FC60A}" dt="2020-01-05T22:05:52.471" v="40" actId="2696"/>
+        <pc:sldMkLst>
+          <pc:docMk/>
+          <pc:sldMk cId="295911327" sldId="307"/>
+        </pc:sldMkLst>
+      </pc:sldChg>
+      <pc:sldChg chg="del">
+        <pc:chgData name="Long B Nguyen" userId="f59fb8f3-a021-417a-8bc1-65c8d471c621" providerId="ADAL" clId="{AA9102B5-DACA-D841-B260-AEEBF90FC60A}" dt="2020-01-05T22:05:52.353" v="33" actId="2696"/>
+        <pc:sldMkLst>
+          <pc:docMk/>
+          <pc:sldMk cId="67957925" sldId="308"/>
+        </pc:sldMkLst>
+      </pc:sldChg>
+      <pc:sldChg chg="del">
+        <pc:chgData name="Long B Nguyen" userId="f59fb8f3-a021-417a-8bc1-65c8d471c621" providerId="ADAL" clId="{AA9102B5-DACA-D841-B260-AEEBF90FC60A}" dt="2020-01-05T22:05:52.365" v="34" actId="2696"/>
+        <pc:sldMkLst>
+          <pc:docMk/>
+          <pc:sldMk cId="1872435103" sldId="309"/>
+        </pc:sldMkLst>
+      </pc:sldChg>
+      <pc:sldChg chg="del">
+        <pc:chgData name="Long B Nguyen" userId="f59fb8f3-a021-417a-8bc1-65c8d471c621" providerId="ADAL" clId="{AA9102B5-DACA-D841-B260-AEEBF90FC60A}" dt="2020-01-05T22:05:52.385" v="35" actId="2696"/>
+        <pc:sldMkLst>
+          <pc:docMk/>
+          <pc:sldMk cId="4088965571" sldId="310"/>
+        </pc:sldMkLst>
+      </pc:sldChg>
+      <pc:sldChg chg="del">
+        <pc:chgData name="Long B Nguyen" userId="f59fb8f3-a021-417a-8bc1-65c8d471c621" providerId="ADAL" clId="{AA9102B5-DACA-D841-B260-AEEBF90FC60A}" dt="2020-01-05T22:05:52.404" v="36" actId="2696"/>
+        <pc:sldMkLst>
+          <pc:docMk/>
+          <pc:sldMk cId="2255846137" sldId="311"/>
+        </pc:sldMkLst>
+      </pc:sldChg>
+      <pc:sldChg chg="del">
+        <pc:chgData name="Long B Nguyen" userId="f59fb8f3-a021-417a-8bc1-65c8d471c621" providerId="ADAL" clId="{AA9102B5-DACA-D841-B260-AEEBF90FC60A}" dt="2020-01-05T22:05:52.423" v="37" actId="2696"/>
+        <pc:sldMkLst>
+          <pc:docMk/>
+          <pc:sldMk cId="1513627164" sldId="312"/>
+        </pc:sldMkLst>
+      </pc:sldChg>
+      <pc:sldChg chg="del">
+        <pc:chgData name="Long B Nguyen" userId="f59fb8f3-a021-417a-8bc1-65c8d471c621" providerId="ADAL" clId="{AA9102B5-DACA-D841-B260-AEEBF90FC60A}" dt="2020-01-05T22:05:52.231" v="26" actId="2696"/>
+        <pc:sldMkLst>
+          <pc:docMk/>
+          <pc:sldMk cId="2097059918" sldId="313"/>
+        </pc:sldMkLst>
+      </pc:sldChg>
+      <pc:sldChg chg="modSp">
+        <pc:chgData name="Long B Nguyen" userId="f59fb8f3-a021-417a-8bc1-65c8d471c621" providerId="ADAL" clId="{AA9102B5-DACA-D841-B260-AEEBF90FC60A}" dt="2020-01-06T15:37:30.346" v="948" actId="20577"/>
+        <pc:sldMkLst>
+          <pc:docMk/>
+          <pc:sldMk cId="1452600724" sldId="316"/>
+        </pc:sldMkLst>
         <pc:spChg chg="mod">
-          <ac:chgData name="Long B Nguyen" userId="f59fb8f3-a021-417a-8bc1-65c8d471c621" providerId="ADAL" clId="{A54A5039-9BC6-1548-AC61-7314DB675A9D}" dt="2019-09-24T11:43:23.898" v="2145" actId="20577"/>
+          <ac:chgData name="Long B Nguyen" userId="f59fb8f3-a021-417a-8bc1-65c8d471c621" providerId="ADAL" clId="{AA9102B5-DACA-D841-B260-AEEBF90FC60A}" dt="2020-01-06T15:37:30.346" v="948" actId="20577"/>
           <ac:spMkLst>
             <pc:docMk/>
-            <pc:sldMk cId="1438711869" sldId="284"/>
-            <ac:spMk id="2" creationId="{AA3A228F-61D0-D949-A5E7-F83756230BF8}"/>
+            <pc:sldMk cId="1452600724" sldId="316"/>
+            <ac:spMk id="9" creationId="{E3B2E017-30B2-884B-A113-B419A2ED51AD}"/>
           </ac:spMkLst>
         </pc:spChg>
+      </pc:sldChg>
+      <pc:sldChg chg="del">
+        <pc:chgData name="Long B Nguyen" userId="f59fb8f3-a021-417a-8bc1-65c8d471c621" providerId="ADAL" clId="{AA9102B5-DACA-D841-B260-AEEBF90FC60A}" dt="2020-01-06T15:03:11.354" v="848" actId="2696"/>
+        <pc:sldMkLst>
+          <pc:docMk/>
+          <pc:sldMk cId="1787114790" sldId="317"/>
+        </pc:sldMkLst>
+      </pc:sldChg>
+      <pc:sldChg chg="del">
+        <pc:chgData name="Long B Nguyen" userId="f59fb8f3-a021-417a-8bc1-65c8d471c621" providerId="ADAL" clId="{AA9102B5-DACA-D841-B260-AEEBF90FC60A}" dt="2020-01-05T22:06:12.101" v="42" actId="2696"/>
+        <pc:sldMkLst>
+          <pc:docMk/>
+          <pc:sldMk cId="1215229427" sldId="318"/>
+        </pc:sldMkLst>
+      </pc:sldChg>
+      <pc:sldChg chg="modSp">
+        <pc:chgData name="Long B Nguyen" userId="f59fb8f3-a021-417a-8bc1-65c8d471c621" providerId="ADAL" clId="{AA9102B5-DACA-D841-B260-AEEBF90FC60A}" dt="2020-01-06T01:48:03.413" v="110" actId="20577"/>
+        <pc:sldMkLst>
+          <pc:docMk/>
+          <pc:sldMk cId="924617162" sldId="319"/>
+        </pc:sldMkLst>
         <pc:spChg chg="mod">
-          <ac:chgData name="Long B Nguyen" userId="f59fb8f3-a021-417a-8bc1-65c8d471c621" providerId="ADAL" clId="{A54A5039-9BC6-1548-AC61-7314DB675A9D}" dt="2019-09-24T11:45:26.007" v="2185" actId="20577"/>
+          <ac:chgData name="Long B Nguyen" userId="f59fb8f3-a021-417a-8bc1-65c8d471c621" providerId="ADAL" clId="{AA9102B5-DACA-D841-B260-AEEBF90FC60A}" dt="2020-01-06T01:48:03.413" v="110" actId="20577"/>
           <ac:spMkLst>
             <pc:docMk/>
-            <pc:sldMk cId="1438711869" sldId="284"/>
+            <pc:sldMk cId="924617162" sldId="319"/>
             <ac:spMk id="9" creationId="{E3B2E017-30B2-884B-A113-B419A2ED51AD}"/>
           </ac:spMkLst>
         </pc:spChg>
       </pc:sldChg>
       <pc:sldChg chg="modSp">
-        <pc:chgData name="Long B Nguyen" userId="f59fb8f3-a021-417a-8bc1-65c8d471c621" providerId="ADAL" clId="{A54A5039-9BC6-1548-AC61-7314DB675A9D}" dt="2019-09-19T14:18:56.959" v="28" actId="20577"/>
+        <pc:chgData name="Long B Nguyen" userId="f59fb8f3-a021-417a-8bc1-65c8d471c621" providerId="ADAL" clId="{AA9102B5-DACA-D841-B260-AEEBF90FC60A}" dt="2020-01-06T01:56:11.549" v="712" actId="1076"/>
         <pc:sldMkLst>
           <pc:docMk/>
-          <pc:sldMk cId="131840209" sldId="286"/>
+          <pc:sldMk cId="1310010799" sldId="324"/>
         </pc:sldMkLst>
         <pc:spChg chg="mod">
-          <ac:chgData name="Long B Nguyen" userId="f59fb8f3-a021-417a-8bc1-65c8d471c621" providerId="ADAL" clId="{A54A5039-9BC6-1548-AC61-7314DB675A9D}" dt="2019-09-19T14:18:56.959" v="28" actId="20577"/>
+          <ac:chgData name="Long B Nguyen" userId="f59fb8f3-a021-417a-8bc1-65c8d471c621" providerId="ADAL" clId="{AA9102B5-DACA-D841-B260-AEEBF90FC60A}" dt="2020-01-06T01:56:11.549" v="712" actId="1076"/>
           <ac:spMkLst>
             <pc:docMk/>
-            <pc:sldMk cId="131840209" sldId="286"/>
+            <pc:sldMk cId="1310010799" sldId="324"/>
             <ac:spMk id="9" creationId="{E3B2E017-30B2-884B-A113-B419A2ED51AD}"/>
           </ac:spMkLst>
         </pc:spChg>
       </pc:sldChg>
-      <pc:sldChg chg="modSp add del modAnim">
-        <pc:chgData name="Long B Nguyen" userId="f59fb8f3-a021-417a-8bc1-65c8d471c621" providerId="ADAL" clId="{A54A5039-9BC6-1548-AC61-7314DB675A9D}" dt="2019-09-24T11:43:26.738" v="2146" actId="2696"/>
+      <pc:sldChg chg="modSp">
+        <pc:chgData name="Long B Nguyen" userId="f59fb8f3-a021-417a-8bc1-65c8d471c621" providerId="ADAL" clId="{AA9102B5-DACA-D841-B260-AEEBF90FC60A}" dt="2020-01-06T15:35:11.658" v="853" actId="20577"/>
         <pc:sldMkLst>
           <pc:docMk/>
-          <pc:sldMk cId="3439768680" sldId="294"/>
+          <pc:sldMk cId="3314372952" sldId="325"/>
         </pc:sldMkLst>
         <pc:spChg chg="mod">
-          <ac:chgData name="Long B Nguyen" userId="f59fb8f3-a021-417a-8bc1-65c8d471c621" providerId="ADAL" clId="{A54A5039-9BC6-1548-AC61-7314DB675A9D}" dt="2019-09-24T11:40:12.100" v="2004"/>
+          <ac:chgData name="Long B Nguyen" userId="f59fb8f3-a021-417a-8bc1-65c8d471c621" providerId="ADAL" clId="{AA9102B5-DACA-D841-B260-AEEBF90FC60A}" dt="2020-01-06T15:35:11.658" v="853" actId="20577"/>
           <ac:spMkLst>
             <pc:docMk/>
-            <pc:sldMk cId="3439768680" sldId="294"/>
-            <ac:spMk id="40963" creationId="{66AA56B3-AB86-6341-92AC-3BDB5774CCA3}"/>
-          </ac:spMkLst>
-        </pc:spChg>
-      </pc:sldChg>
-      <pc:sldChg chg="addSp modSp modAnim">
-        <pc:chgData name="Long B Nguyen" userId="f59fb8f3-a021-417a-8bc1-65c8d471c621" providerId="ADAL" clId="{A54A5039-9BC6-1548-AC61-7314DB675A9D}" dt="2019-09-23T12:04:10.373" v="1911"/>
-        <pc:sldMkLst>
-          <pc:docMk/>
-          <pc:sldMk cId="1816941262" sldId="295"/>
-        </pc:sldMkLst>
-        <pc:spChg chg="add mod">
-          <ac:chgData name="Long B Nguyen" userId="f59fb8f3-a021-417a-8bc1-65c8d471c621" providerId="ADAL" clId="{A54A5039-9BC6-1548-AC61-7314DB675A9D}" dt="2019-09-23T12:03:30.239" v="1901" actId="1076"/>
-          <ac:spMkLst>
-            <pc:docMk/>
-            <pc:sldMk cId="1816941262" sldId="295"/>
-            <ac:spMk id="3" creationId="{53AD888D-2F6F-BB43-86CA-1A3B376061A2}"/>
+            <pc:sldMk cId="3314372952" sldId="325"/>
+            <ac:spMk id="2" creationId="{AA3A228F-61D0-D949-A5E7-F83756230BF8}"/>
           </ac:spMkLst>
         </pc:spChg>
         <pc:spChg chg="mod">
-          <ac:chgData name="Long B Nguyen" userId="f59fb8f3-a021-417a-8bc1-65c8d471c621" providerId="ADAL" clId="{A54A5039-9BC6-1548-AC61-7314DB675A9D}" dt="2019-09-23T11:58:12.789" v="1765" actId="20577"/>
+          <ac:chgData name="Long B Nguyen" userId="f59fb8f3-a021-417a-8bc1-65c8d471c621" providerId="ADAL" clId="{AA9102B5-DACA-D841-B260-AEEBF90FC60A}" dt="2020-01-06T15:02:45.351" v="846" actId="20577"/>
           <ac:spMkLst>
             <pc:docMk/>
-            <pc:sldMk cId="1816941262" sldId="295"/>
-            <ac:spMk id="9" creationId="{E3B2E017-30B2-884B-A113-B419A2ED51AD}"/>
-          </ac:spMkLst>
-        </pc:spChg>
-        <pc:cxnChg chg="add mod">
-          <ac:chgData name="Long B Nguyen" userId="f59fb8f3-a021-417a-8bc1-65c8d471c621" providerId="ADAL" clId="{A54A5039-9BC6-1548-AC61-7314DB675A9D}" dt="2019-09-23T12:03:49.489" v="1909" actId="692"/>
-          <ac:cxnSpMkLst>
-            <pc:docMk/>
-            <pc:sldMk cId="1816941262" sldId="295"/>
-            <ac:cxnSpMk id="5" creationId="{0FA56ED4-EC25-B14C-B73E-DC4E17ADBF86}"/>
-          </ac:cxnSpMkLst>
-        </pc:cxnChg>
-      </pc:sldChg>
-      <pc:sldChg chg="modSp modAnim">
-        <pc:chgData name="Long B Nguyen" userId="f59fb8f3-a021-417a-8bc1-65c8d471c621" providerId="ADAL" clId="{A54A5039-9BC6-1548-AC61-7314DB675A9D}" dt="2019-09-23T11:59:17.508" v="1794"/>
-        <pc:sldMkLst>
-          <pc:docMk/>
-          <pc:sldMk cId="553003360" sldId="296"/>
-        </pc:sldMkLst>
-        <pc:spChg chg="mod">
-          <ac:chgData name="Long B Nguyen" userId="f59fb8f3-a021-417a-8bc1-65c8d471c621" providerId="ADAL" clId="{A54A5039-9BC6-1548-AC61-7314DB675A9D}" dt="2019-09-23T11:59:10.982" v="1792" actId="20577"/>
-          <ac:spMkLst>
-            <pc:docMk/>
-            <pc:sldMk cId="553003360" sldId="296"/>
+            <pc:sldMk cId="3314372952" sldId="325"/>
             <ac:spMk id="9" creationId="{E3B2E017-30B2-884B-A113-B419A2ED51AD}"/>
           </ac:spMkLst>
         </pc:spChg>
       </pc:sldChg>
-      <pc:sldChg chg="modSp modAnim">
-        <pc:chgData name="Long B Nguyen" userId="f59fb8f3-a021-417a-8bc1-65c8d471c621" providerId="ADAL" clId="{A54A5039-9BC6-1548-AC61-7314DB675A9D}" dt="2019-09-23T11:59:34.632" v="1798"/>
+      <pc:sldChg chg="del">
+        <pc:chgData name="Long B Nguyen" userId="f59fb8f3-a021-417a-8bc1-65c8d471c621" providerId="ADAL" clId="{AA9102B5-DACA-D841-B260-AEEBF90FC60A}" dt="2020-01-06T15:03:07.580" v="847" actId="2696"/>
         <pc:sldMkLst>
           <pc:docMk/>
-          <pc:sldMk cId="3006175481" sldId="297"/>
+          <pc:sldMk cId="3117943122" sldId="326"/>
+        </pc:sldMkLst>
+      </pc:sldChg>
+      <pc:sldChg chg="del">
+        <pc:chgData name="Long B Nguyen" userId="f59fb8f3-a021-417a-8bc1-65c8d471c621" providerId="ADAL" clId="{AA9102B5-DACA-D841-B260-AEEBF90FC60A}" dt="2020-01-06T01:49:27.456" v="111" actId="2696"/>
+        <pc:sldMkLst>
+          <pc:docMk/>
+          <pc:sldMk cId="1025618360" sldId="327"/>
+        </pc:sldMkLst>
+      </pc:sldChg>
+      <pc:sldChg chg="modSp add">
+        <pc:chgData name="Long B Nguyen" userId="f59fb8f3-a021-417a-8bc1-65c8d471c621" providerId="ADAL" clId="{AA9102B5-DACA-D841-B260-AEEBF90FC60A}" dt="2020-01-06T15:00:48.763" v="818" actId="113"/>
+        <pc:sldMkLst>
+          <pc:docMk/>
+          <pc:sldMk cId="1724104636" sldId="327"/>
         </pc:sldMkLst>
         <pc:spChg chg="mod">
-          <ac:chgData name="Long B Nguyen" userId="f59fb8f3-a021-417a-8bc1-65c8d471c621" providerId="ADAL" clId="{A54A5039-9BC6-1548-AC61-7314DB675A9D}" dt="2019-09-23T11:59:28.174" v="1796" actId="20577"/>
+          <ac:chgData name="Long B Nguyen" userId="f59fb8f3-a021-417a-8bc1-65c8d471c621" providerId="ADAL" clId="{AA9102B5-DACA-D841-B260-AEEBF90FC60A}" dt="2020-01-06T15:00:48.763" v="818" actId="113"/>
           <ac:spMkLst>
             <pc:docMk/>
-            <pc:sldMk cId="3006175481" sldId="297"/>
+            <pc:sldMk cId="1724104636" sldId="327"/>
             <ac:spMk id="9" creationId="{E3B2E017-30B2-884B-A113-B419A2ED51AD}"/>
           </ac:spMkLst>
         </pc:spChg>
       </pc:sldChg>
-      <pc:sldChg chg="modSp modAnim">
-        <pc:chgData name="Long B Nguyen" userId="f59fb8f3-a021-417a-8bc1-65c8d471c621" providerId="ADAL" clId="{A54A5039-9BC6-1548-AC61-7314DB675A9D}" dt="2019-09-23T12:06:41.861" v="1992"/>
+      <pc:sldChg chg="modSp">
+        <pc:chgData name="Long B Nguyen" userId="f59fb8f3-a021-417a-8bc1-65c8d471c621" providerId="ADAL" clId="{AA9102B5-DACA-D841-B260-AEEBF90FC60A}" dt="2020-01-06T01:55:34.369" v="708" actId="20577"/>
         <pc:sldMkLst>
           <pc:docMk/>
-          <pc:sldMk cId="3150557076" sldId="298"/>
+          <pc:sldMk cId="4294143140" sldId="329"/>
         </pc:sldMkLst>
         <pc:spChg chg="mod">
-          <ac:chgData name="Long B Nguyen" userId="f59fb8f3-a021-417a-8bc1-65c8d471c621" providerId="ADAL" clId="{A54A5039-9BC6-1548-AC61-7314DB675A9D}" dt="2019-09-23T12:05:19.573" v="1985" actId="20577"/>
+          <ac:chgData name="Long B Nguyen" userId="f59fb8f3-a021-417a-8bc1-65c8d471c621" providerId="ADAL" clId="{AA9102B5-DACA-D841-B260-AEEBF90FC60A}" dt="2020-01-06T01:55:34.369" v="708" actId="20577"/>
           <ac:spMkLst>
             <pc:docMk/>
-            <pc:sldMk cId="3150557076" sldId="298"/>
-            <ac:spMk id="9" creationId="{E3B2E017-30B2-884B-A113-B419A2ED51AD}"/>
-          </ac:spMkLst>
-        </pc:spChg>
-      </pc:sldChg>
-      <pc:sldChg chg="addSp delSp modSp modAnim">
-        <pc:chgData name="Long B Nguyen" userId="f59fb8f3-a021-417a-8bc1-65c8d471c621" providerId="ADAL" clId="{A54A5039-9BC6-1548-AC61-7314DB675A9D}" dt="2019-09-23T12:01:44.436" v="1840"/>
-        <pc:sldMkLst>
-          <pc:docMk/>
-          <pc:sldMk cId="128704095" sldId="302"/>
-        </pc:sldMkLst>
-        <pc:spChg chg="add del">
-          <ac:chgData name="Long B Nguyen" userId="f59fb8f3-a021-417a-8bc1-65c8d471c621" providerId="ADAL" clId="{A54A5039-9BC6-1548-AC61-7314DB675A9D}" dt="2019-09-19T16:47:34.465" v="464"/>
-          <ac:spMkLst>
-            <pc:docMk/>
-            <pc:sldMk cId="128704095" sldId="302"/>
-            <ac:spMk id="3" creationId="{EA19F625-AB76-8A4B-B39A-0F2D018DC68D}"/>
-          </ac:spMkLst>
-        </pc:spChg>
-        <pc:spChg chg="mod">
-          <ac:chgData name="Long B Nguyen" userId="f59fb8f3-a021-417a-8bc1-65c8d471c621" providerId="ADAL" clId="{A54A5039-9BC6-1548-AC61-7314DB675A9D}" dt="2019-09-23T12:01:36.243" v="1838" actId="20577"/>
-          <ac:spMkLst>
-            <pc:docMk/>
-            <pc:sldMk cId="128704095" sldId="302"/>
-            <ac:spMk id="9" creationId="{E3B2E017-30B2-884B-A113-B419A2ED51AD}"/>
-          </ac:spMkLst>
-        </pc:spChg>
-      </pc:sldChg>
-      <pc:sldChg chg="modSp add modAnim">
-        <pc:chgData name="Long B Nguyen" userId="f59fb8f3-a021-417a-8bc1-65c8d471c621" providerId="ADAL" clId="{A54A5039-9BC6-1548-AC61-7314DB675A9D}" dt="2019-09-23T12:00:26.516" v="1826" actId="20577"/>
-        <pc:sldMkLst>
-          <pc:docMk/>
-          <pc:sldMk cId="3275945509" sldId="303"/>
-        </pc:sldMkLst>
-        <pc:spChg chg="mod">
-          <ac:chgData name="Long B Nguyen" userId="f59fb8f3-a021-417a-8bc1-65c8d471c621" providerId="ADAL" clId="{A54A5039-9BC6-1548-AC61-7314DB675A9D}" dt="2019-09-23T12:00:26.516" v="1826" actId="20577"/>
-          <ac:spMkLst>
-            <pc:docMk/>
-            <pc:sldMk cId="3275945509" sldId="303"/>
-            <ac:spMk id="9" creationId="{E3B2E017-30B2-884B-A113-B419A2ED51AD}"/>
-          </ac:spMkLst>
-        </pc:spChg>
-      </pc:sldChg>
-      <pc:sldChg chg="modSp add modAnim">
-        <pc:chgData name="Long B Nguyen" userId="f59fb8f3-a021-417a-8bc1-65c8d471c621" providerId="ADAL" clId="{A54A5039-9BC6-1548-AC61-7314DB675A9D}" dt="2019-09-23T12:00:38.314" v="1827"/>
-        <pc:sldMkLst>
-          <pc:docMk/>
-          <pc:sldMk cId="406772024" sldId="304"/>
-        </pc:sldMkLst>
-        <pc:spChg chg="mod">
-          <ac:chgData name="Long B Nguyen" userId="f59fb8f3-a021-417a-8bc1-65c8d471c621" providerId="ADAL" clId="{A54A5039-9BC6-1548-AC61-7314DB675A9D}" dt="2019-09-23T12:00:12.500" v="1808" actId="20577"/>
-          <ac:spMkLst>
-            <pc:docMk/>
-            <pc:sldMk cId="406772024" sldId="304"/>
-            <ac:spMk id="9" creationId="{E3B2E017-30B2-884B-A113-B419A2ED51AD}"/>
-          </ac:spMkLst>
-        </pc:spChg>
-      </pc:sldChg>
-      <pc:sldChg chg="modSp add modAnim">
-        <pc:chgData name="Long B Nguyen" userId="f59fb8f3-a021-417a-8bc1-65c8d471c621" providerId="ADAL" clId="{A54A5039-9BC6-1548-AC61-7314DB675A9D}" dt="2019-09-23T13:27:58.707" v="2000" actId="20577"/>
-        <pc:sldMkLst>
-          <pc:docMk/>
-          <pc:sldMk cId="1703902501" sldId="305"/>
-        </pc:sldMkLst>
-        <pc:spChg chg="mod">
-          <ac:chgData name="Long B Nguyen" userId="f59fb8f3-a021-417a-8bc1-65c8d471c621" providerId="ADAL" clId="{A54A5039-9BC6-1548-AC61-7314DB675A9D}" dt="2019-09-19T14:31:00.333" v="110" actId="20577"/>
-          <ac:spMkLst>
-            <pc:docMk/>
-            <pc:sldMk cId="1703902501" sldId="305"/>
-            <ac:spMk id="2" creationId="{AA3A228F-61D0-D949-A5E7-F83756230BF8}"/>
-          </ac:spMkLst>
-        </pc:spChg>
-        <pc:spChg chg="mod">
-          <ac:chgData name="Long B Nguyen" userId="f59fb8f3-a021-417a-8bc1-65c8d471c621" providerId="ADAL" clId="{A54A5039-9BC6-1548-AC61-7314DB675A9D}" dt="2019-09-23T13:27:58.707" v="2000" actId="20577"/>
-          <ac:spMkLst>
-            <pc:docMk/>
-            <pc:sldMk cId="1703902501" sldId="305"/>
-            <ac:spMk id="9" creationId="{E3B2E017-30B2-884B-A113-B419A2ED51AD}"/>
-          </ac:spMkLst>
-        </pc:spChg>
-      </pc:sldChg>
-      <pc:sldChg chg="modSp add modAnim">
-        <pc:chgData name="Long B Nguyen" userId="f59fb8f3-a021-417a-8bc1-65c8d471c621" providerId="ADAL" clId="{A54A5039-9BC6-1548-AC61-7314DB675A9D}" dt="2019-09-23T12:01:58.728" v="1843"/>
-        <pc:sldMkLst>
-          <pc:docMk/>
-          <pc:sldMk cId="3614829039" sldId="306"/>
-        </pc:sldMkLst>
-        <pc:spChg chg="mod">
-          <ac:chgData name="Long B Nguyen" userId="f59fb8f3-a021-417a-8bc1-65c8d471c621" providerId="ADAL" clId="{A54A5039-9BC6-1548-AC61-7314DB675A9D}" dt="2019-09-19T16:51:57.917" v="536" actId="20577"/>
-          <ac:spMkLst>
-            <pc:docMk/>
-            <pc:sldMk cId="3614829039" sldId="306"/>
-            <ac:spMk id="2" creationId="{AA3A228F-61D0-D949-A5E7-F83756230BF8}"/>
-          </ac:spMkLst>
-        </pc:spChg>
-        <pc:spChg chg="mod">
-          <ac:chgData name="Long B Nguyen" userId="f59fb8f3-a021-417a-8bc1-65c8d471c621" providerId="ADAL" clId="{A54A5039-9BC6-1548-AC61-7314DB675A9D}" dt="2019-09-23T12:01:50.092" v="1842" actId="20577"/>
-          <ac:spMkLst>
-            <pc:docMk/>
-            <pc:sldMk cId="3614829039" sldId="306"/>
-            <ac:spMk id="9" creationId="{E3B2E017-30B2-884B-A113-B419A2ED51AD}"/>
-          </ac:spMkLst>
-        </pc:spChg>
-      </pc:sldChg>
-      <pc:sldChg chg="modSp add modAnim">
-        <pc:chgData name="Long B Nguyen" userId="f59fb8f3-a021-417a-8bc1-65c8d471c621" providerId="ADAL" clId="{A54A5039-9BC6-1548-AC61-7314DB675A9D}" dt="2019-09-23T12:02:15.154" v="1846"/>
-        <pc:sldMkLst>
-          <pc:docMk/>
-          <pc:sldMk cId="295911327" sldId="307"/>
-        </pc:sldMkLst>
-        <pc:spChg chg="mod">
-          <ac:chgData name="Long B Nguyen" userId="f59fb8f3-a021-417a-8bc1-65c8d471c621" providerId="ADAL" clId="{A54A5039-9BC6-1548-AC61-7314DB675A9D}" dt="2019-09-19T17:17:25.590" v="539" actId="20577"/>
-          <ac:spMkLst>
-            <pc:docMk/>
-            <pc:sldMk cId="295911327" sldId="307"/>
-            <ac:spMk id="2" creationId="{AA3A228F-61D0-D949-A5E7-F83756230BF8}"/>
-          </ac:spMkLst>
-        </pc:spChg>
-        <pc:spChg chg="mod">
-          <ac:chgData name="Long B Nguyen" userId="f59fb8f3-a021-417a-8bc1-65c8d471c621" providerId="ADAL" clId="{A54A5039-9BC6-1548-AC61-7314DB675A9D}" dt="2019-09-23T12:02:10.526" v="1845" actId="20577"/>
-          <ac:spMkLst>
-            <pc:docMk/>
-            <pc:sldMk cId="295911327" sldId="307"/>
-            <ac:spMk id="9" creationId="{E3B2E017-30B2-884B-A113-B419A2ED51AD}"/>
-          </ac:spMkLst>
-        </pc:spChg>
-      </pc:sldChg>
-      <pc:sldChg chg="modSp add modAnim">
-        <pc:chgData name="Long B Nguyen" userId="f59fb8f3-a021-417a-8bc1-65c8d471c621" providerId="ADAL" clId="{A54A5039-9BC6-1548-AC61-7314DB675A9D}" dt="2019-09-23T12:01:05.311" v="1832"/>
-        <pc:sldMkLst>
-          <pc:docMk/>
-          <pc:sldMk cId="67957925" sldId="308"/>
-        </pc:sldMkLst>
-        <pc:spChg chg="mod">
-          <ac:chgData name="Long B Nguyen" userId="f59fb8f3-a021-417a-8bc1-65c8d471c621" providerId="ADAL" clId="{A54A5039-9BC6-1548-AC61-7314DB675A9D}" dt="2019-09-20T12:22:34.233" v="599" actId="20577"/>
-          <ac:spMkLst>
-            <pc:docMk/>
-            <pc:sldMk cId="67957925" sldId="308"/>
-            <ac:spMk id="2" creationId="{AA3A228F-61D0-D949-A5E7-F83756230BF8}"/>
-          </ac:spMkLst>
-        </pc:spChg>
-        <pc:spChg chg="mod">
-          <ac:chgData name="Long B Nguyen" userId="f59fb8f3-a021-417a-8bc1-65c8d471c621" providerId="ADAL" clId="{A54A5039-9BC6-1548-AC61-7314DB675A9D}" dt="2019-09-20T12:37:26.490" v="1123" actId="20577"/>
-          <ac:spMkLst>
-            <pc:docMk/>
-            <pc:sldMk cId="67957925" sldId="308"/>
-            <ac:spMk id="9" creationId="{E3B2E017-30B2-884B-A113-B419A2ED51AD}"/>
-          </ac:spMkLst>
-        </pc:spChg>
-      </pc:sldChg>
-      <pc:sldChg chg="modSp add modAnim">
-        <pc:chgData name="Long B Nguyen" userId="f59fb8f3-a021-417a-8bc1-65c8d471c621" providerId="ADAL" clId="{A54A5039-9BC6-1548-AC61-7314DB675A9D}" dt="2019-09-23T12:01:18.117" v="1835"/>
-        <pc:sldMkLst>
-          <pc:docMk/>
-          <pc:sldMk cId="1872435103" sldId="309"/>
-        </pc:sldMkLst>
-        <pc:spChg chg="mod">
-          <ac:chgData name="Long B Nguyen" userId="f59fb8f3-a021-417a-8bc1-65c8d471c621" providerId="ADAL" clId="{A54A5039-9BC6-1548-AC61-7314DB675A9D}" dt="2019-09-20T12:24:39.851" v="793" actId="20577"/>
-          <ac:spMkLst>
-            <pc:docMk/>
-            <pc:sldMk cId="1872435103" sldId="309"/>
-            <ac:spMk id="2" creationId="{AA3A228F-61D0-D949-A5E7-F83756230BF8}"/>
-          </ac:spMkLst>
-        </pc:spChg>
-        <pc:spChg chg="mod">
-          <ac:chgData name="Long B Nguyen" userId="f59fb8f3-a021-417a-8bc1-65c8d471c621" providerId="ADAL" clId="{A54A5039-9BC6-1548-AC61-7314DB675A9D}" dt="2019-09-20T12:37:20.580" v="1117" actId="20577"/>
-          <ac:spMkLst>
-            <pc:docMk/>
-            <pc:sldMk cId="1872435103" sldId="309"/>
+            <pc:sldMk cId="4294143140" sldId="329"/>
             <ac:spMk id="9" creationId="{E3B2E017-30B2-884B-A113-B419A2ED51AD}"/>
           </ac:spMkLst>
         </pc:spChg>
       </pc:sldChg>
       <pc:sldChg chg="modSp add">
-        <pc:chgData name="Long B Nguyen" userId="f59fb8f3-a021-417a-8bc1-65c8d471c621" providerId="ADAL" clId="{A54A5039-9BC6-1548-AC61-7314DB675A9D}" dt="2019-09-20T12:40:48.118" v="1409" actId="20577"/>
+        <pc:chgData name="Long B Nguyen" userId="f59fb8f3-a021-417a-8bc1-65c8d471c621" providerId="ADAL" clId="{AA9102B5-DACA-D841-B260-AEEBF90FC60A}" dt="2020-01-06T15:01:01.638" v="819" actId="2711"/>
         <pc:sldMkLst>
           <pc:docMk/>
-          <pc:sldMk cId="4088965571" sldId="310"/>
+          <pc:sldMk cId="3594730708" sldId="330"/>
         </pc:sldMkLst>
         <pc:spChg chg="mod">
-          <ac:chgData name="Long B Nguyen" userId="f59fb8f3-a021-417a-8bc1-65c8d471c621" providerId="ADAL" clId="{A54A5039-9BC6-1548-AC61-7314DB675A9D}" dt="2019-09-20T12:40:48.118" v="1409" actId="20577"/>
+          <ac:chgData name="Long B Nguyen" userId="f59fb8f3-a021-417a-8bc1-65c8d471c621" providerId="ADAL" clId="{AA9102B5-DACA-D841-B260-AEEBF90FC60A}" dt="2020-01-06T15:01:01.638" v="819" actId="2711"/>
           <ac:spMkLst>
             <pc:docMk/>
-            <pc:sldMk cId="4088965571" sldId="310"/>
-            <ac:spMk id="2" creationId="{AA3A228F-61D0-D949-A5E7-F83756230BF8}"/>
-          </ac:spMkLst>
-        </pc:spChg>
-        <pc:spChg chg="mod">
-          <ac:chgData name="Long B Nguyen" userId="f59fb8f3-a021-417a-8bc1-65c8d471c621" providerId="ADAL" clId="{A54A5039-9BC6-1548-AC61-7314DB675A9D}" dt="2019-09-20T12:40:27.809" v="1394" actId="255"/>
-          <ac:spMkLst>
-            <pc:docMk/>
-            <pc:sldMk cId="4088965571" sldId="310"/>
-            <ac:spMk id="9" creationId="{E3B2E017-30B2-884B-A113-B419A2ED51AD}"/>
-          </ac:spMkLst>
-        </pc:spChg>
-      </pc:sldChg>
-      <pc:sldChg chg="modSp add modAnim">
-        <pc:chgData name="Long B Nguyen" userId="f59fb8f3-a021-417a-8bc1-65c8d471c621" providerId="ADAL" clId="{A54A5039-9BC6-1548-AC61-7314DB675A9D}" dt="2019-09-23T12:01:26.997" v="1836"/>
-        <pc:sldMkLst>
-          <pc:docMk/>
-          <pc:sldMk cId="2255846137" sldId="311"/>
-        </pc:sldMkLst>
-        <pc:spChg chg="mod">
-          <ac:chgData name="Long B Nguyen" userId="f59fb8f3-a021-417a-8bc1-65c8d471c621" providerId="ADAL" clId="{A54A5039-9BC6-1548-AC61-7314DB675A9D}" dt="2019-09-20T12:42:38.115" v="1565" actId="20577"/>
-          <ac:spMkLst>
-            <pc:docMk/>
-            <pc:sldMk cId="2255846137" sldId="311"/>
-            <ac:spMk id="2" creationId="{AA3A228F-61D0-D949-A5E7-F83756230BF8}"/>
-          </ac:spMkLst>
-        </pc:spChg>
-        <pc:spChg chg="mod">
-          <ac:chgData name="Long B Nguyen" userId="f59fb8f3-a021-417a-8bc1-65c8d471c621" providerId="ADAL" clId="{A54A5039-9BC6-1548-AC61-7314DB675A9D}" dt="2019-09-20T12:43:18.312" v="1623" actId="20577"/>
-          <ac:spMkLst>
-            <pc:docMk/>
-            <pc:sldMk cId="2255846137" sldId="311"/>
+            <pc:sldMk cId="3594730708" sldId="330"/>
             <ac:spMk id="9" creationId="{E3B2E017-30B2-884B-A113-B419A2ED51AD}"/>
           </ac:spMkLst>
         </pc:spChg>
       </pc:sldChg>
       <pc:sldChg chg="modSp add">
-        <pc:chgData name="Long B Nguyen" userId="f59fb8f3-a021-417a-8bc1-65c8d471c621" providerId="ADAL" clId="{A54A5039-9BC6-1548-AC61-7314DB675A9D}" dt="2019-09-23T11:49:40.764" v="1759" actId="20577"/>
+        <pc:chgData name="Long B Nguyen" userId="f59fb8f3-a021-417a-8bc1-65c8d471c621" providerId="ADAL" clId="{AA9102B5-DACA-D841-B260-AEEBF90FC60A}" dt="2020-01-06T02:00:17.493" v="815" actId="255"/>
         <pc:sldMkLst>
           <pc:docMk/>
-          <pc:sldMk cId="1513627164" sldId="312"/>
+          <pc:sldMk cId="3870816631" sldId="331"/>
         </pc:sldMkLst>
         <pc:spChg chg="mod">
-          <ac:chgData name="Long B Nguyen" userId="f59fb8f3-a021-417a-8bc1-65c8d471c621" providerId="ADAL" clId="{A54A5039-9BC6-1548-AC61-7314DB675A9D}" dt="2019-09-20T12:44:10.623" v="1625" actId="20577"/>
+          <ac:chgData name="Long B Nguyen" userId="f59fb8f3-a021-417a-8bc1-65c8d471c621" providerId="ADAL" clId="{AA9102B5-DACA-D841-B260-AEEBF90FC60A}" dt="2020-01-06T02:00:17.493" v="815" actId="255"/>
           <ac:spMkLst>
             <pc:docMk/>
-            <pc:sldMk cId="1513627164" sldId="312"/>
-            <ac:spMk id="2" creationId="{AA3A228F-61D0-D949-A5E7-F83756230BF8}"/>
-          </ac:spMkLst>
-        </pc:spChg>
-        <pc:spChg chg="mod">
-          <ac:chgData name="Long B Nguyen" userId="f59fb8f3-a021-417a-8bc1-65c8d471c621" providerId="ADAL" clId="{A54A5039-9BC6-1548-AC61-7314DB675A9D}" dt="2019-09-23T11:49:40.764" v="1759" actId="20577"/>
-          <ac:spMkLst>
-            <pc:docMk/>
-            <pc:sldMk cId="1513627164" sldId="312"/>
-            <ac:spMk id="9" creationId="{E3B2E017-30B2-884B-A113-B419A2ED51AD}"/>
-          </ac:spMkLst>
-        </pc:spChg>
-      </pc:sldChg>
-      <pc:sldChg chg="modSp add modAnim">
-        <pc:chgData name="Long B Nguyen" userId="f59fb8f3-a021-417a-8bc1-65c8d471c621" providerId="ADAL" clId="{A54A5039-9BC6-1548-AC61-7314DB675A9D}" dt="2019-09-23T11:58:57.499" v="1789"/>
-        <pc:sldMkLst>
-          <pc:docMk/>
-          <pc:sldMk cId="2097059918" sldId="313"/>
-        </pc:sldMkLst>
-        <pc:spChg chg="mod">
-          <ac:chgData name="Long B Nguyen" userId="f59fb8f3-a021-417a-8bc1-65c8d471c621" providerId="ADAL" clId="{A54A5039-9BC6-1548-AC61-7314DB675A9D}" dt="2019-09-23T11:58:47.576" v="1783" actId="20577"/>
-          <ac:spMkLst>
-            <pc:docMk/>
-            <pc:sldMk cId="2097059918" sldId="313"/>
-            <ac:spMk id="9" creationId="{E3B2E017-30B2-884B-A113-B419A2ED51AD}"/>
-          </ac:spMkLst>
-        </pc:spChg>
-      </pc:sldChg>
-      <pc:sldChg chg="modSp add del">
-        <pc:chgData name="Long B Nguyen" userId="f59fb8f3-a021-417a-8bc1-65c8d471c621" providerId="ADAL" clId="{A54A5039-9BC6-1548-AC61-7314DB675A9D}" dt="2019-09-24T11:43:27.284" v="2147" actId="2696"/>
-        <pc:sldMkLst>
-          <pc:docMk/>
-          <pc:sldMk cId="3916896519" sldId="314"/>
-        </pc:sldMkLst>
-        <pc:spChg chg="mod">
-          <ac:chgData name="Long B Nguyen" userId="f59fb8f3-a021-417a-8bc1-65c8d471c621" providerId="ADAL" clId="{A54A5039-9BC6-1548-AC61-7314DB675A9D}" dt="2019-09-24T11:40:07.514" v="2003"/>
-          <ac:spMkLst>
-            <pc:docMk/>
-            <pc:sldMk cId="3916896519" sldId="314"/>
-            <ac:spMk id="2" creationId="{AA3A228F-61D0-D949-A5E7-F83756230BF8}"/>
-          </ac:spMkLst>
-        </pc:spChg>
-        <pc:spChg chg="mod">
-          <ac:chgData name="Long B Nguyen" userId="f59fb8f3-a021-417a-8bc1-65c8d471c621" providerId="ADAL" clId="{A54A5039-9BC6-1548-AC61-7314DB675A9D}" dt="2019-09-24T11:41:32.486" v="2043"/>
-          <ac:spMkLst>
-            <pc:docMk/>
-            <pc:sldMk cId="3916896519" sldId="314"/>
-            <ac:spMk id="9" creationId="{E3B2E017-30B2-884B-A113-B419A2ED51AD}"/>
-          </ac:spMkLst>
-        </pc:spChg>
-      </pc:sldChg>
-      <pc:sldChg chg="modSp add del">
-        <pc:chgData name="Long B Nguyen" userId="f59fb8f3-a021-417a-8bc1-65c8d471c621" providerId="ADAL" clId="{A54A5039-9BC6-1548-AC61-7314DB675A9D}" dt="2019-09-24T14:05:24.942" v="2839" actId="2696"/>
-        <pc:sldMkLst>
-          <pc:docMk/>
-          <pc:sldMk cId="2798321153" sldId="315"/>
-        </pc:sldMkLst>
-        <pc:spChg chg="mod">
-          <ac:chgData name="Long B Nguyen" userId="f59fb8f3-a021-417a-8bc1-65c8d471c621" providerId="ADAL" clId="{A54A5039-9BC6-1548-AC61-7314DB675A9D}" dt="2019-09-24T11:47:07.801" v="2189" actId="20577"/>
-          <ac:spMkLst>
-            <pc:docMk/>
-            <pc:sldMk cId="2798321153" sldId="315"/>
-            <ac:spMk id="2" creationId="{AA3A228F-61D0-D949-A5E7-F83756230BF8}"/>
-          </ac:spMkLst>
-        </pc:spChg>
-        <pc:spChg chg="mod">
-          <ac:chgData name="Long B Nguyen" userId="f59fb8f3-a021-417a-8bc1-65c8d471c621" providerId="ADAL" clId="{A54A5039-9BC6-1548-AC61-7314DB675A9D}" dt="2019-09-24T11:53:13.884" v="2630" actId="20577"/>
-          <ac:spMkLst>
-            <pc:docMk/>
-            <pc:sldMk cId="2798321153" sldId="315"/>
-            <ac:spMk id="9" creationId="{E3B2E017-30B2-884B-A113-B419A2ED51AD}"/>
-          </ac:spMkLst>
-        </pc:spChg>
-      </pc:sldChg>
-      <pc:sldChg chg="add">
-        <pc:chgData name="Long B Nguyen" userId="f59fb8f3-a021-417a-8bc1-65c8d471c621" providerId="ADAL" clId="{A54A5039-9BC6-1548-AC61-7314DB675A9D}" dt="2019-09-24T11:47:01.081" v="2186"/>
-        <pc:sldMkLst>
-          <pc:docMk/>
-          <pc:sldMk cId="1452600724" sldId="316"/>
-        </pc:sldMkLst>
-      </pc:sldChg>
-      <pc:sldChg chg="modSp add">
-        <pc:chgData name="Long B Nguyen" userId="f59fb8f3-a021-417a-8bc1-65c8d471c621" providerId="ADAL" clId="{A54A5039-9BC6-1548-AC61-7314DB675A9D}" dt="2019-09-25T14:26:33.714" v="2899" actId="20577"/>
-        <pc:sldMkLst>
-          <pc:docMk/>
-          <pc:sldMk cId="1787114790" sldId="317"/>
-        </pc:sldMkLst>
-        <pc:spChg chg="mod">
-          <ac:chgData name="Long B Nguyen" userId="f59fb8f3-a021-417a-8bc1-65c8d471c621" providerId="ADAL" clId="{A54A5039-9BC6-1548-AC61-7314DB675A9D}" dt="2019-09-24T11:53:24.383" v="2634" actId="20577"/>
-          <ac:spMkLst>
-            <pc:docMk/>
-            <pc:sldMk cId="1787114790" sldId="317"/>
-            <ac:spMk id="2" creationId="{AA3A228F-61D0-D949-A5E7-F83756230BF8}"/>
-          </ac:spMkLst>
-        </pc:spChg>
-        <pc:spChg chg="mod">
-          <ac:chgData name="Long B Nguyen" userId="f59fb8f3-a021-417a-8bc1-65c8d471c621" providerId="ADAL" clId="{A54A5039-9BC6-1548-AC61-7314DB675A9D}" dt="2019-09-25T14:26:33.714" v="2899" actId="20577"/>
-          <ac:spMkLst>
-            <pc:docMk/>
-            <pc:sldMk cId="1787114790" sldId="317"/>
+            <pc:sldMk cId="3870816631" sldId="331"/>
             <ac:spMk id="9" creationId="{E3B2E017-30B2-884B-A113-B419A2ED51AD}"/>
           </ac:spMkLst>
         </pc:spChg>
       </pc:sldChg>
       <pc:sldChg chg="modSp add">
-        <pc:chgData name="Long B Nguyen" userId="f59fb8f3-a021-417a-8bc1-65c8d471c621" providerId="ADAL" clId="{A54A5039-9BC6-1548-AC61-7314DB675A9D}" dt="2019-09-24T13:44:10.963" v="2838" actId="20577"/>
+        <pc:chgData name="Long B Nguyen" userId="f59fb8f3-a021-417a-8bc1-65c8d471c621" providerId="ADAL" clId="{AA9102B5-DACA-D841-B260-AEEBF90FC60A}" dt="2020-01-06T17:07:10.515" v="1519" actId="2711"/>
         <pc:sldMkLst>
           <pc:docMk/>
-          <pc:sldMk cId="1215229427" sldId="318"/>
+          <pc:sldMk cId="3124353102" sldId="332"/>
         </pc:sldMkLst>
         <pc:spChg chg="mod">
-          <ac:chgData name="Long B Nguyen" userId="f59fb8f3-a021-417a-8bc1-65c8d471c621" providerId="ADAL" clId="{A54A5039-9BC6-1548-AC61-7314DB675A9D}" dt="2019-09-24T13:44:10.963" v="2838" actId="20577"/>
+          <ac:chgData name="Long B Nguyen" userId="f59fb8f3-a021-417a-8bc1-65c8d471c621" providerId="ADAL" clId="{AA9102B5-DACA-D841-B260-AEEBF90FC60A}" dt="2020-01-06T17:03:36.721" v="1332" actId="20577"/>
           <ac:spMkLst>
             <pc:docMk/>
-            <pc:sldMk cId="1215229427" sldId="318"/>
+            <pc:sldMk cId="3124353102" sldId="332"/>
+            <ac:spMk id="2" creationId="{AA3A228F-61D0-D949-A5E7-F83756230BF8}"/>
+          </ac:spMkLst>
+        </pc:spChg>
+        <pc:spChg chg="mod">
+          <ac:chgData name="Long B Nguyen" userId="f59fb8f3-a021-417a-8bc1-65c8d471c621" providerId="ADAL" clId="{AA9102B5-DACA-D841-B260-AEEBF90FC60A}" dt="2020-01-06T17:07:10.515" v="1519" actId="2711"/>
+          <ac:spMkLst>
+            <pc:docMk/>
+            <pc:sldMk cId="3124353102" sldId="332"/>
             <ac:spMk id="9" creationId="{E3B2E017-30B2-884B-A113-B419A2ED51AD}"/>
           </ac:spMkLst>
         </pc:spChg>
       </pc:sldChg>
     </pc:docChg>
+  </pc:docChgLst>
+  <pc:docChgLst>
+    <pc:chgData name="Long B Nguyen" userId="f59fb8f3-a021-417a-8bc1-65c8d471c621" providerId="ADAL" clId="{359527BD-9D28-FA41-9B76-D4C412CACD55}"/>
   </pc:docChgLst>
   <pc:docChgLst>
     <pc:chgData name="Long B Nguyen" userId="f59fb8f3-a021-417a-8bc1-65c8d471c621" providerId="ADAL" clId="{6AC26564-89E3-E046-BFB4-F80582D7E17B}"/>
@@ -1334,6 +1194,502 @@
     </pc:docChg>
   </pc:docChgLst>
   <pc:docChgLst>
+    <pc:chgData name="Long B Nguyen" userId="f59fb8f3-a021-417a-8bc1-65c8d471c621" providerId="ADAL" clId="{A54A5039-9BC6-1548-AC61-7314DB675A9D}"/>
+    <pc:docChg chg="undo custSel addSld delSld modSld">
+      <pc:chgData name="Long B Nguyen" userId="f59fb8f3-a021-417a-8bc1-65c8d471c621" providerId="ADAL" clId="{A54A5039-9BC6-1548-AC61-7314DB675A9D}" dt="2019-09-25T14:26:33.714" v="2899" actId="20577"/>
+      <pc:docMkLst>
+        <pc:docMk/>
+      </pc:docMkLst>
+      <pc:sldChg chg="modSp">
+        <pc:chgData name="Long B Nguyen" userId="f59fb8f3-a021-417a-8bc1-65c8d471c621" providerId="ADAL" clId="{A54A5039-9BC6-1548-AC61-7314DB675A9D}" dt="2019-09-25T14:17:33.020" v="2843" actId="20577"/>
+        <pc:sldMkLst>
+          <pc:docMk/>
+          <pc:sldMk cId="4247104139" sldId="256"/>
+        </pc:sldMkLst>
+        <pc:spChg chg="mod">
+          <ac:chgData name="Long B Nguyen" userId="f59fb8f3-a021-417a-8bc1-65c8d471c621" providerId="ADAL" clId="{A54A5039-9BC6-1548-AC61-7314DB675A9D}" dt="2019-09-25T14:17:33.020" v="2843" actId="20577"/>
+          <ac:spMkLst>
+            <pc:docMk/>
+            <pc:sldMk cId="4247104139" sldId="256"/>
+            <ac:spMk id="3" creationId="{1BDC47C8-6776-7B44-9CD4-95FC91452D62}"/>
+          </ac:spMkLst>
+        </pc:spChg>
+      </pc:sldChg>
+      <pc:sldChg chg="modSp modAnim">
+        <pc:chgData name="Long B Nguyen" userId="f59fb8f3-a021-417a-8bc1-65c8d471c621" providerId="ADAL" clId="{A54A5039-9BC6-1548-AC61-7314DB675A9D}" dt="2019-09-24T11:45:26.007" v="2185" actId="20577"/>
+        <pc:sldMkLst>
+          <pc:docMk/>
+          <pc:sldMk cId="1438711869" sldId="284"/>
+        </pc:sldMkLst>
+        <pc:spChg chg="mod">
+          <ac:chgData name="Long B Nguyen" userId="f59fb8f3-a021-417a-8bc1-65c8d471c621" providerId="ADAL" clId="{A54A5039-9BC6-1548-AC61-7314DB675A9D}" dt="2019-09-24T11:43:23.898" v="2145" actId="20577"/>
+          <ac:spMkLst>
+            <pc:docMk/>
+            <pc:sldMk cId="1438711869" sldId="284"/>
+            <ac:spMk id="2" creationId="{AA3A228F-61D0-D949-A5E7-F83756230BF8}"/>
+          </ac:spMkLst>
+        </pc:spChg>
+        <pc:spChg chg="mod">
+          <ac:chgData name="Long B Nguyen" userId="f59fb8f3-a021-417a-8bc1-65c8d471c621" providerId="ADAL" clId="{A54A5039-9BC6-1548-AC61-7314DB675A9D}" dt="2019-09-24T11:45:26.007" v="2185" actId="20577"/>
+          <ac:spMkLst>
+            <pc:docMk/>
+            <pc:sldMk cId="1438711869" sldId="284"/>
+            <ac:spMk id="9" creationId="{E3B2E017-30B2-884B-A113-B419A2ED51AD}"/>
+          </ac:spMkLst>
+        </pc:spChg>
+      </pc:sldChg>
+      <pc:sldChg chg="modSp">
+        <pc:chgData name="Long B Nguyen" userId="f59fb8f3-a021-417a-8bc1-65c8d471c621" providerId="ADAL" clId="{A54A5039-9BC6-1548-AC61-7314DB675A9D}" dt="2019-09-19T14:18:56.959" v="28" actId="20577"/>
+        <pc:sldMkLst>
+          <pc:docMk/>
+          <pc:sldMk cId="131840209" sldId="286"/>
+        </pc:sldMkLst>
+        <pc:spChg chg="mod">
+          <ac:chgData name="Long B Nguyen" userId="f59fb8f3-a021-417a-8bc1-65c8d471c621" providerId="ADAL" clId="{A54A5039-9BC6-1548-AC61-7314DB675A9D}" dt="2019-09-19T14:18:56.959" v="28" actId="20577"/>
+          <ac:spMkLst>
+            <pc:docMk/>
+            <pc:sldMk cId="131840209" sldId="286"/>
+            <ac:spMk id="9" creationId="{E3B2E017-30B2-884B-A113-B419A2ED51AD}"/>
+          </ac:spMkLst>
+        </pc:spChg>
+      </pc:sldChg>
+      <pc:sldChg chg="modSp add del modAnim">
+        <pc:chgData name="Long B Nguyen" userId="f59fb8f3-a021-417a-8bc1-65c8d471c621" providerId="ADAL" clId="{A54A5039-9BC6-1548-AC61-7314DB675A9D}" dt="2019-09-24T11:43:26.738" v="2146" actId="2696"/>
+        <pc:sldMkLst>
+          <pc:docMk/>
+          <pc:sldMk cId="3439768680" sldId="294"/>
+        </pc:sldMkLst>
+        <pc:spChg chg="mod">
+          <ac:chgData name="Long B Nguyen" userId="f59fb8f3-a021-417a-8bc1-65c8d471c621" providerId="ADAL" clId="{A54A5039-9BC6-1548-AC61-7314DB675A9D}" dt="2019-09-24T11:40:12.100" v="2004"/>
+          <ac:spMkLst>
+            <pc:docMk/>
+            <pc:sldMk cId="3439768680" sldId="294"/>
+            <ac:spMk id="40963" creationId="{66AA56B3-AB86-6341-92AC-3BDB5774CCA3}"/>
+          </ac:spMkLst>
+        </pc:spChg>
+      </pc:sldChg>
+      <pc:sldChg chg="addSp modSp modAnim">
+        <pc:chgData name="Long B Nguyen" userId="f59fb8f3-a021-417a-8bc1-65c8d471c621" providerId="ADAL" clId="{A54A5039-9BC6-1548-AC61-7314DB675A9D}" dt="2019-09-23T12:04:10.373" v="1911"/>
+        <pc:sldMkLst>
+          <pc:docMk/>
+          <pc:sldMk cId="1816941262" sldId="295"/>
+        </pc:sldMkLst>
+        <pc:spChg chg="add mod">
+          <ac:chgData name="Long B Nguyen" userId="f59fb8f3-a021-417a-8bc1-65c8d471c621" providerId="ADAL" clId="{A54A5039-9BC6-1548-AC61-7314DB675A9D}" dt="2019-09-23T12:03:30.239" v="1901" actId="1076"/>
+          <ac:spMkLst>
+            <pc:docMk/>
+            <pc:sldMk cId="1816941262" sldId="295"/>
+            <ac:spMk id="3" creationId="{53AD888D-2F6F-BB43-86CA-1A3B376061A2}"/>
+          </ac:spMkLst>
+        </pc:spChg>
+        <pc:spChg chg="mod">
+          <ac:chgData name="Long B Nguyen" userId="f59fb8f3-a021-417a-8bc1-65c8d471c621" providerId="ADAL" clId="{A54A5039-9BC6-1548-AC61-7314DB675A9D}" dt="2019-09-23T11:58:12.789" v="1765" actId="20577"/>
+          <ac:spMkLst>
+            <pc:docMk/>
+            <pc:sldMk cId="1816941262" sldId="295"/>
+            <ac:spMk id="9" creationId="{E3B2E017-30B2-884B-A113-B419A2ED51AD}"/>
+          </ac:spMkLst>
+        </pc:spChg>
+        <pc:cxnChg chg="add mod">
+          <ac:chgData name="Long B Nguyen" userId="f59fb8f3-a021-417a-8bc1-65c8d471c621" providerId="ADAL" clId="{A54A5039-9BC6-1548-AC61-7314DB675A9D}" dt="2019-09-23T12:03:49.489" v="1909" actId="692"/>
+          <ac:cxnSpMkLst>
+            <pc:docMk/>
+            <pc:sldMk cId="1816941262" sldId="295"/>
+            <ac:cxnSpMk id="5" creationId="{0FA56ED4-EC25-B14C-B73E-DC4E17ADBF86}"/>
+          </ac:cxnSpMkLst>
+        </pc:cxnChg>
+      </pc:sldChg>
+      <pc:sldChg chg="modSp modAnim">
+        <pc:chgData name="Long B Nguyen" userId="f59fb8f3-a021-417a-8bc1-65c8d471c621" providerId="ADAL" clId="{A54A5039-9BC6-1548-AC61-7314DB675A9D}" dt="2019-09-23T11:59:17.508" v="1794"/>
+        <pc:sldMkLst>
+          <pc:docMk/>
+          <pc:sldMk cId="553003360" sldId="296"/>
+        </pc:sldMkLst>
+        <pc:spChg chg="mod">
+          <ac:chgData name="Long B Nguyen" userId="f59fb8f3-a021-417a-8bc1-65c8d471c621" providerId="ADAL" clId="{A54A5039-9BC6-1548-AC61-7314DB675A9D}" dt="2019-09-23T11:59:10.982" v="1792" actId="20577"/>
+          <ac:spMkLst>
+            <pc:docMk/>
+            <pc:sldMk cId="553003360" sldId="296"/>
+            <ac:spMk id="9" creationId="{E3B2E017-30B2-884B-A113-B419A2ED51AD}"/>
+          </ac:spMkLst>
+        </pc:spChg>
+      </pc:sldChg>
+      <pc:sldChg chg="modSp modAnim">
+        <pc:chgData name="Long B Nguyen" userId="f59fb8f3-a021-417a-8bc1-65c8d471c621" providerId="ADAL" clId="{A54A5039-9BC6-1548-AC61-7314DB675A9D}" dt="2019-09-23T11:59:34.632" v="1798"/>
+        <pc:sldMkLst>
+          <pc:docMk/>
+          <pc:sldMk cId="3006175481" sldId="297"/>
+        </pc:sldMkLst>
+        <pc:spChg chg="mod">
+          <ac:chgData name="Long B Nguyen" userId="f59fb8f3-a021-417a-8bc1-65c8d471c621" providerId="ADAL" clId="{A54A5039-9BC6-1548-AC61-7314DB675A9D}" dt="2019-09-23T11:59:28.174" v="1796" actId="20577"/>
+          <ac:spMkLst>
+            <pc:docMk/>
+            <pc:sldMk cId="3006175481" sldId="297"/>
+            <ac:spMk id="9" creationId="{E3B2E017-30B2-884B-A113-B419A2ED51AD}"/>
+          </ac:spMkLst>
+        </pc:spChg>
+      </pc:sldChg>
+      <pc:sldChg chg="modSp modAnim">
+        <pc:chgData name="Long B Nguyen" userId="f59fb8f3-a021-417a-8bc1-65c8d471c621" providerId="ADAL" clId="{A54A5039-9BC6-1548-AC61-7314DB675A9D}" dt="2019-09-23T12:06:41.861" v="1992"/>
+        <pc:sldMkLst>
+          <pc:docMk/>
+          <pc:sldMk cId="3150557076" sldId="298"/>
+        </pc:sldMkLst>
+        <pc:spChg chg="mod">
+          <ac:chgData name="Long B Nguyen" userId="f59fb8f3-a021-417a-8bc1-65c8d471c621" providerId="ADAL" clId="{A54A5039-9BC6-1548-AC61-7314DB675A9D}" dt="2019-09-23T12:05:19.573" v="1985" actId="20577"/>
+          <ac:spMkLst>
+            <pc:docMk/>
+            <pc:sldMk cId="3150557076" sldId="298"/>
+            <ac:spMk id="9" creationId="{E3B2E017-30B2-884B-A113-B419A2ED51AD}"/>
+          </ac:spMkLst>
+        </pc:spChg>
+      </pc:sldChg>
+      <pc:sldChg chg="addSp delSp modSp modAnim">
+        <pc:chgData name="Long B Nguyen" userId="f59fb8f3-a021-417a-8bc1-65c8d471c621" providerId="ADAL" clId="{A54A5039-9BC6-1548-AC61-7314DB675A9D}" dt="2019-09-23T12:01:44.436" v="1840"/>
+        <pc:sldMkLst>
+          <pc:docMk/>
+          <pc:sldMk cId="128704095" sldId="302"/>
+        </pc:sldMkLst>
+        <pc:spChg chg="add del">
+          <ac:chgData name="Long B Nguyen" userId="f59fb8f3-a021-417a-8bc1-65c8d471c621" providerId="ADAL" clId="{A54A5039-9BC6-1548-AC61-7314DB675A9D}" dt="2019-09-19T16:47:34.465" v="464"/>
+          <ac:spMkLst>
+            <pc:docMk/>
+            <pc:sldMk cId="128704095" sldId="302"/>
+            <ac:spMk id="3" creationId="{EA19F625-AB76-8A4B-B39A-0F2D018DC68D}"/>
+          </ac:spMkLst>
+        </pc:spChg>
+        <pc:spChg chg="mod">
+          <ac:chgData name="Long B Nguyen" userId="f59fb8f3-a021-417a-8bc1-65c8d471c621" providerId="ADAL" clId="{A54A5039-9BC6-1548-AC61-7314DB675A9D}" dt="2019-09-23T12:01:36.243" v="1838" actId="20577"/>
+          <ac:spMkLst>
+            <pc:docMk/>
+            <pc:sldMk cId="128704095" sldId="302"/>
+            <ac:spMk id="9" creationId="{E3B2E017-30B2-884B-A113-B419A2ED51AD}"/>
+          </ac:spMkLst>
+        </pc:spChg>
+      </pc:sldChg>
+      <pc:sldChg chg="modSp add modAnim">
+        <pc:chgData name="Long B Nguyen" userId="f59fb8f3-a021-417a-8bc1-65c8d471c621" providerId="ADAL" clId="{A54A5039-9BC6-1548-AC61-7314DB675A9D}" dt="2019-09-23T12:00:26.516" v="1826" actId="20577"/>
+        <pc:sldMkLst>
+          <pc:docMk/>
+          <pc:sldMk cId="3275945509" sldId="303"/>
+        </pc:sldMkLst>
+        <pc:spChg chg="mod">
+          <ac:chgData name="Long B Nguyen" userId="f59fb8f3-a021-417a-8bc1-65c8d471c621" providerId="ADAL" clId="{A54A5039-9BC6-1548-AC61-7314DB675A9D}" dt="2019-09-23T12:00:26.516" v="1826" actId="20577"/>
+          <ac:spMkLst>
+            <pc:docMk/>
+            <pc:sldMk cId="3275945509" sldId="303"/>
+            <ac:spMk id="9" creationId="{E3B2E017-30B2-884B-A113-B419A2ED51AD}"/>
+          </ac:spMkLst>
+        </pc:spChg>
+      </pc:sldChg>
+      <pc:sldChg chg="modSp add modAnim">
+        <pc:chgData name="Long B Nguyen" userId="f59fb8f3-a021-417a-8bc1-65c8d471c621" providerId="ADAL" clId="{A54A5039-9BC6-1548-AC61-7314DB675A9D}" dt="2019-09-23T12:00:38.314" v="1827"/>
+        <pc:sldMkLst>
+          <pc:docMk/>
+          <pc:sldMk cId="406772024" sldId="304"/>
+        </pc:sldMkLst>
+        <pc:spChg chg="mod">
+          <ac:chgData name="Long B Nguyen" userId="f59fb8f3-a021-417a-8bc1-65c8d471c621" providerId="ADAL" clId="{A54A5039-9BC6-1548-AC61-7314DB675A9D}" dt="2019-09-23T12:00:12.500" v="1808" actId="20577"/>
+          <ac:spMkLst>
+            <pc:docMk/>
+            <pc:sldMk cId="406772024" sldId="304"/>
+            <ac:spMk id="9" creationId="{E3B2E017-30B2-884B-A113-B419A2ED51AD}"/>
+          </ac:spMkLst>
+        </pc:spChg>
+      </pc:sldChg>
+      <pc:sldChg chg="modSp add modAnim">
+        <pc:chgData name="Long B Nguyen" userId="f59fb8f3-a021-417a-8bc1-65c8d471c621" providerId="ADAL" clId="{A54A5039-9BC6-1548-AC61-7314DB675A9D}" dt="2019-09-23T13:27:58.707" v="2000" actId="20577"/>
+        <pc:sldMkLst>
+          <pc:docMk/>
+          <pc:sldMk cId="1703902501" sldId="305"/>
+        </pc:sldMkLst>
+        <pc:spChg chg="mod">
+          <ac:chgData name="Long B Nguyen" userId="f59fb8f3-a021-417a-8bc1-65c8d471c621" providerId="ADAL" clId="{A54A5039-9BC6-1548-AC61-7314DB675A9D}" dt="2019-09-19T14:31:00.333" v="110" actId="20577"/>
+          <ac:spMkLst>
+            <pc:docMk/>
+            <pc:sldMk cId="1703902501" sldId="305"/>
+            <ac:spMk id="2" creationId="{AA3A228F-61D0-D949-A5E7-F83756230BF8}"/>
+          </ac:spMkLst>
+        </pc:spChg>
+        <pc:spChg chg="mod">
+          <ac:chgData name="Long B Nguyen" userId="f59fb8f3-a021-417a-8bc1-65c8d471c621" providerId="ADAL" clId="{A54A5039-9BC6-1548-AC61-7314DB675A9D}" dt="2019-09-23T13:27:58.707" v="2000" actId="20577"/>
+          <ac:spMkLst>
+            <pc:docMk/>
+            <pc:sldMk cId="1703902501" sldId="305"/>
+            <ac:spMk id="9" creationId="{E3B2E017-30B2-884B-A113-B419A2ED51AD}"/>
+          </ac:spMkLst>
+        </pc:spChg>
+      </pc:sldChg>
+      <pc:sldChg chg="modSp add modAnim">
+        <pc:chgData name="Long B Nguyen" userId="f59fb8f3-a021-417a-8bc1-65c8d471c621" providerId="ADAL" clId="{A54A5039-9BC6-1548-AC61-7314DB675A9D}" dt="2019-09-23T12:01:58.728" v="1843"/>
+        <pc:sldMkLst>
+          <pc:docMk/>
+          <pc:sldMk cId="3614829039" sldId="306"/>
+        </pc:sldMkLst>
+        <pc:spChg chg="mod">
+          <ac:chgData name="Long B Nguyen" userId="f59fb8f3-a021-417a-8bc1-65c8d471c621" providerId="ADAL" clId="{A54A5039-9BC6-1548-AC61-7314DB675A9D}" dt="2019-09-19T16:51:57.917" v="536" actId="20577"/>
+          <ac:spMkLst>
+            <pc:docMk/>
+            <pc:sldMk cId="3614829039" sldId="306"/>
+            <ac:spMk id="2" creationId="{AA3A228F-61D0-D949-A5E7-F83756230BF8}"/>
+          </ac:spMkLst>
+        </pc:spChg>
+        <pc:spChg chg="mod">
+          <ac:chgData name="Long B Nguyen" userId="f59fb8f3-a021-417a-8bc1-65c8d471c621" providerId="ADAL" clId="{A54A5039-9BC6-1548-AC61-7314DB675A9D}" dt="2019-09-23T12:01:50.092" v="1842" actId="20577"/>
+          <ac:spMkLst>
+            <pc:docMk/>
+            <pc:sldMk cId="3614829039" sldId="306"/>
+            <ac:spMk id="9" creationId="{E3B2E017-30B2-884B-A113-B419A2ED51AD}"/>
+          </ac:spMkLst>
+        </pc:spChg>
+      </pc:sldChg>
+      <pc:sldChg chg="modSp add modAnim">
+        <pc:chgData name="Long B Nguyen" userId="f59fb8f3-a021-417a-8bc1-65c8d471c621" providerId="ADAL" clId="{A54A5039-9BC6-1548-AC61-7314DB675A9D}" dt="2019-09-23T12:02:15.154" v="1846"/>
+        <pc:sldMkLst>
+          <pc:docMk/>
+          <pc:sldMk cId="295911327" sldId="307"/>
+        </pc:sldMkLst>
+        <pc:spChg chg="mod">
+          <ac:chgData name="Long B Nguyen" userId="f59fb8f3-a021-417a-8bc1-65c8d471c621" providerId="ADAL" clId="{A54A5039-9BC6-1548-AC61-7314DB675A9D}" dt="2019-09-19T17:17:25.590" v="539" actId="20577"/>
+          <ac:spMkLst>
+            <pc:docMk/>
+            <pc:sldMk cId="295911327" sldId="307"/>
+            <ac:spMk id="2" creationId="{AA3A228F-61D0-D949-A5E7-F83756230BF8}"/>
+          </ac:spMkLst>
+        </pc:spChg>
+        <pc:spChg chg="mod">
+          <ac:chgData name="Long B Nguyen" userId="f59fb8f3-a021-417a-8bc1-65c8d471c621" providerId="ADAL" clId="{A54A5039-9BC6-1548-AC61-7314DB675A9D}" dt="2019-09-23T12:02:10.526" v="1845" actId="20577"/>
+          <ac:spMkLst>
+            <pc:docMk/>
+            <pc:sldMk cId="295911327" sldId="307"/>
+            <ac:spMk id="9" creationId="{E3B2E017-30B2-884B-A113-B419A2ED51AD}"/>
+          </ac:spMkLst>
+        </pc:spChg>
+      </pc:sldChg>
+      <pc:sldChg chg="modSp add modAnim">
+        <pc:chgData name="Long B Nguyen" userId="f59fb8f3-a021-417a-8bc1-65c8d471c621" providerId="ADAL" clId="{A54A5039-9BC6-1548-AC61-7314DB675A9D}" dt="2019-09-23T12:01:05.311" v="1832"/>
+        <pc:sldMkLst>
+          <pc:docMk/>
+          <pc:sldMk cId="67957925" sldId="308"/>
+        </pc:sldMkLst>
+        <pc:spChg chg="mod">
+          <ac:chgData name="Long B Nguyen" userId="f59fb8f3-a021-417a-8bc1-65c8d471c621" providerId="ADAL" clId="{A54A5039-9BC6-1548-AC61-7314DB675A9D}" dt="2019-09-20T12:22:34.233" v="599" actId="20577"/>
+          <ac:spMkLst>
+            <pc:docMk/>
+            <pc:sldMk cId="67957925" sldId="308"/>
+            <ac:spMk id="2" creationId="{AA3A228F-61D0-D949-A5E7-F83756230BF8}"/>
+          </ac:spMkLst>
+        </pc:spChg>
+        <pc:spChg chg="mod">
+          <ac:chgData name="Long B Nguyen" userId="f59fb8f3-a021-417a-8bc1-65c8d471c621" providerId="ADAL" clId="{A54A5039-9BC6-1548-AC61-7314DB675A9D}" dt="2019-09-20T12:37:26.490" v="1123" actId="20577"/>
+          <ac:spMkLst>
+            <pc:docMk/>
+            <pc:sldMk cId="67957925" sldId="308"/>
+            <ac:spMk id="9" creationId="{E3B2E017-30B2-884B-A113-B419A2ED51AD}"/>
+          </ac:spMkLst>
+        </pc:spChg>
+      </pc:sldChg>
+      <pc:sldChg chg="modSp add modAnim">
+        <pc:chgData name="Long B Nguyen" userId="f59fb8f3-a021-417a-8bc1-65c8d471c621" providerId="ADAL" clId="{A54A5039-9BC6-1548-AC61-7314DB675A9D}" dt="2019-09-23T12:01:18.117" v="1835"/>
+        <pc:sldMkLst>
+          <pc:docMk/>
+          <pc:sldMk cId="1872435103" sldId="309"/>
+        </pc:sldMkLst>
+        <pc:spChg chg="mod">
+          <ac:chgData name="Long B Nguyen" userId="f59fb8f3-a021-417a-8bc1-65c8d471c621" providerId="ADAL" clId="{A54A5039-9BC6-1548-AC61-7314DB675A9D}" dt="2019-09-20T12:24:39.851" v="793" actId="20577"/>
+          <ac:spMkLst>
+            <pc:docMk/>
+            <pc:sldMk cId="1872435103" sldId="309"/>
+            <ac:spMk id="2" creationId="{AA3A228F-61D0-D949-A5E7-F83756230BF8}"/>
+          </ac:spMkLst>
+        </pc:spChg>
+        <pc:spChg chg="mod">
+          <ac:chgData name="Long B Nguyen" userId="f59fb8f3-a021-417a-8bc1-65c8d471c621" providerId="ADAL" clId="{A54A5039-9BC6-1548-AC61-7314DB675A9D}" dt="2019-09-20T12:37:20.580" v="1117" actId="20577"/>
+          <ac:spMkLst>
+            <pc:docMk/>
+            <pc:sldMk cId="1872435103" sldId="309"/>
+            <ac:spMk id="9" creationId="{E3B2E017-30B2-884B-A113-B419A2ED51AD}"/>
+          </ac:spMkLst>
+        </pc:spChg>
+      </pc:sldChg>
+      <pc:sldChg chg="modSp add">
+        <pc:chgData name="Long B Nguyen" userId="f59fb8f3-a021-417a-8bc1-65c8d471c621" providerId="ADAL" clId="{A54A5039-9BC6-1548-AC61-7314DB675A9D}" dt="2019-09-20T12:40:48.118" v="1409" actId="20577"/>
+        <pc:sldMkLst>
+          <pc:docMk/>
+          <pc:sldMk cId="4088965571" sldId="310"/>
+        </pc:sldMkLst>
+        <pc:spChg chg="mod">
+          <ac:chgData name="Long B Nguyen" userId="f59fb8f3-a021-417a-8bc1-65c8d471c621" providerId="ADAL" clId="{A54A5039-9BC6-1548-AC61-7314DB675A9D}" dt="2019-09-20T12:40:48.118" v="1409" actId="20577"/>
+          <ac:spMkLst>
+            <pc:docMk/>
+            <pc:sldMk cId="4088965571" sldId="310"/>
+            <ac:spMk id="2" creationId="{AA3A228F-61D0-D949-A5E7-F83756230BF8}"/>
+          </ac:spMkLst>
+        </pc:spChg>
+        <pc:spChg chg="mod">
+          <ac:chgData name="Long B Nguyen" userId="f59fb8f3-a021-417a-8bc1-65c8d471c621" providerId="ADAL" clId="{A54A5039-9BC6-1548-AC61-7314DB675A9D}" dt="2019-09-20T12:40:27.809" v="1394" actId="255"/>
+          <ac:spMkLst>
+            <pc:docMk/>
+            <pc:sldMk cId="4088965571" sldId="310"/>
+            <ac:spMk id="9" creationId="{E3B2E017-30B2-884B-A113-B419A2ED51AD}"/>
+          </ac:spMkLst>
+        </pc:spChg>
+      </pc:sldChg>
+      <pc:sldChg chg="modSp add modAnim">
+        <pc:chgData name="Long B Nguyen" userId="f59fb8f3-a021-417a-8bc1-65c8d471c621" providerId="ADAL" clId="{A54A5039-9BC6-1548-AC61-7314DB675A9D}" dt="2019-09-23T12:01:26.997" v="1836"/>
+        <pc:sldMkLst>
+          <pc:docMk/>
+          <pc:sldMk cId="2255846137" sldId="311"/>
+        </pc:sldMkLst>
+        <pc:spChg chg="mod">
+          <ac:chgData name="Long B Nguyen" userId="f59fb8f3-a021-417a-8bc1-65c8d471c621" providerId="ADAL" clId="{A54A5039-9BC6-1548-AC61-7314DB675A9D}" dt="2019-09-20T12:42:38.115" v="1565" actId="20577"/>
+          <ac:spMkLst>
+            <pc:docMk/>
+            <pc:sldMk cId="2255846137" sldId="311"/>
+            <ac:spMk id="2" creationId="{AA3A228F-61D0-D949-A5E7-F83756230BF8}"/>
+          </ac:spMkLst>
+        </pc:spChg>
+        <pc:spChg chg="mod">
+          <ac:chgData name="Long B Nguyen" userId="f59fb8f3-a021-417a-8bc1-65c8d471c621" providerId="ADAL" clId="{A54A5039-9BC6-1548-AC61-7314DB675A9D}" dt="2019-09-20T12:43:18.312" v="1623" actId="20577"/>
+          <ac:spMkLst>
+            <pc:docMk/>
+            <pc:sldMk cId="2255846137" sldId="311"/>
+            <ac:spMk id="9" creationId="{E3B2E017-30B2-884B-A113-B419A2ED51AD}"/>
+          </ac:spMkLst>
+        </pc:spChg>
+      </pc:sldChg>
+      <pc:sldChg chg="modSp add">
+        <pc:chgData name="Long B Nguyen" userId="f59fb8f3-a021-417a-8bc1-65c8d471c621" providerId="ADAL" clId="{A54A5039-9BC6-1548-AC61-7314DB675A9D}" dt="2019-09-23T11:49:40.764" v="1759" actId="20577"/>
+        <pc:sldMkLst>
+          <pc:docMk/>
+          <pc:sldMk cId="1513627164" sldId="312"/>
+        </pc:sldMkLst>
+        <pc:spChg chg="mod">
+          <ac:chgData name="Long B Nguyen" userId="f59fb8f3-a021-417a-8bc1-65c8d471c621" providerId="ADAL" clId="{A54A5039-9BC6-1548-AC61-7314DB675A9D}" dt="2019-09-20T12:44:10.623" v="1625" actId="20577"/>
+          <ac:spMkLst>
+            <pc:docMk/>
+            <pc:sldMk cId="1513627164" sldId="312"/>
+            <ac:spMk id="2" creationId="{AA3A228F-61D0-D949-A5E7-F83756230BF8}"/>
+          </ac:spMkLst>
+        </pc:spChg>
+        <pc:spChg chg="mod">
+          <ac:chgData name="Long B Nguyen" userId="f59fb8f3-a021-417a-8bc1-65c8d471c621" providerId="ADAL" clId="{A54A5039-9BC6-1548-AC61-7314DB675A9D}" dt="2019-09-23T11:49:40.764" v="1759" actId="20577"/>
+          <ac:spMkLst>
+            <pc:docMk/>
+            <pc:sldMk cId="1513627164" sldId="312"/>
+            <ac:spMk id="9" creationId="{E3B2E017-30B2-884B-A113-B419A2ED51AD}"/>
+          </ac:spMkLst>
+        </pc:spChg>
+      </pc:sldChg>
+      <pc:sldChg chg="modSp add modAnim">
+        <pc:chgData name="Long B Nguyen" userId="f59fb8f3-a021-417a-8bc1-65c8d471c621" providerId="ADAL" clId="{A54A5039-9BC6-1548-AC61-7314DB675A9D}" dt="2019-09-23T11:58:57.499" v="1789"/>
+        <pc:sldMkLst>
+          <pc:docMk/>
+          <pc:sldMk cId="2097059918" sldId="313"/>
+        </pc:sldMkLst>
+        <pc:spChg chg="mod">
+          <ac:chgData name="Long B Nguyen" userId="f59fb8f3-a021-417a-8bc1-65c8d471c621" providerId="ADAL" clId="{A54A5039-9BC6-1548-AC61-7314DB675A9D}" dt="2019-09-23T11:58:47.576" v="1783" actId="20577"/>
+          <ac:spMkLst>
+            <pc:docMk/>
+            <pc:sldMk cId="2097059918" sldId="313"/>
+            <ac:spMk id="9" creationId="{E3B2E017-30B2-884B-A113-B419A2ED51AD}"/>
+          </ac:spMkLst>
+        </pc:spChg>
+      </pc:sldChg>
+      <pc:sldChg chg="modSp add del">
+        <pc:chgData name="Long B Nguyen" userId="f59fb8f3-a021-417a-8bc1-65c8d471c621" providerId="ADAL" clId="{A54A5039-9BC6-1548-AC61-7314DB675A9D}" dt="2019-09-24T11:43:27.284" v="2147" actId="2696"/>
+        <pc:sldMkLst>
+          <pc:docMk/>
+          <pc:sldMk cId="3916896519" sldId="314"/>
+        </pc:sldMkLst>
+        <pc:spChg chg="mod">
+          <ac:chgData name="Long B Nguyen" userId="f59fb8f3-a021-417a-8bc1-65c8d471c621" providerId="ADAL" clId="{A54A5039-9BC6-1548-AC61-7314DB675A9D}" dt="2019-09-24T11:40:07.514" v="2003"/>
+          <ac:spMkLst>
+            <pc:docMk/>
+            <pc:sldMk cId="3916896519" sldId="314"/>
+            <ac:spMk id="2" creationId="{AA3A228F-61D0-D949-A5E7-F83756230BF8}"/>
+          </ac:spMkLst>
+        </pc:spChg>
+        <pc:spChg chg="mod">
+          <ac:chgData name="Long B Nguyen" userId="f59fb8f3-a021-417a-8bc1-65c8d471c621" providerId="ADAL" clId="{A54A5039-9BC6-1548-AC61-7314DB675A9D}" dt="2019-09-24T11:41:32.486" v="2043"/>
+          <ac:spMkLst>
+            <pc:docMk/>
+            <pc:sldMk cId="3916896519" sldId="314"/>
+            <ac:spMk id="9" creationId="{E3B2E017-30B2-884B-A113-B419A2ED51AD}"/>
+          </ac:spMkLst>
+        </pc:spChg>
+      </pc:sldChg>
+      <pc:sldChg chg="modSp add del">
+        <pc:chgData name="Long B Nguyen" userId="f59fb8f3-a021-417a-8bc1-65c8d471c621" providerId="ADAL" clId="{A54A5039-9BC6-1548-AC61-7314DB675A9D}" dt="2019-09-24T14:05:24.942" v="2839" actId="2696"/>
+        <pc:sldMkLst>
+          <pc:docMk/>
+          <pc:sldMk cId="2798321153" sldId="315"/>
+        </pc:sldMkLst>
+        <pc:spChg chg="mod">
+          <ac:chgData name="Long B Nguyen" userId="f59fb8f3-a021-417a-8bc1-65c8d471c621" providerId="ADAL" clId="{A54A5039-9BC6-1548-AC61-7314DB675A9D}" dt="2019-09-24T11:47:07.801" v="2189" actId="20577"/>
+          <ac:spMkLst>
+            <pc:docMk/>
+            <pc:sldMk cId="2798321153" sldId="315"/>
+            <ac:spMk id="2" creationId="{AA3A228F-61D0-D949-A5E7-F83756230BF8}"/>
+          </ac:spMkLst>
+        </pc:spChg>
+        <pc:spChg chg="mod">
+          <ac:chgData name="Long B Nguyen" userId="f59fb8f3-a021-417a-8bc1-65c8d471c621" providerId="ADAL" clId="{A54A5039-9BC6-1548-AC61-7314DB675A9D}" dt="2019-09-24T11:53:13.884" v="2630" actId="20577"/>
+          <ac:spMkLst>
+            <pc:docMk/>
+            <pc:sldMk cId="2798321153" sldId="315"/>
+            <ac:spMk id="9" creationId="{E3B2E017-30B2-884B-A113-B419A2ED51AD}"/>
+          </ac:spMkLst>
+        </pc:spChg>
+      </pc:sldChg>
+      <pc:sldChg chg="add">
+        <pc:chgData name="Long B Nguyen" userId="f59fb8f3-a021-417a-8bc1-65c8d471c621" providerId="ADAL" clId="{A54A5039-9BC6-1548-AC61-7314DB675A9D}" dt="2019-09-24T11:47:01.081" v="2186"/>
+        <pc:sldMkLst>
+          <pc:docMk/>
+          <pc:sldMk cId="1452600724" sldId="316"/>
+        </pc:sldMkLst>
+      </pc:sldChg>
+      <pc:sldChg chg="modSp add">
+        <pc:chgData name="Long B Nguyen" userId="f59fb8f3-a021-417a-8bc1-65c8d471c621" providerId="ADAL" clId="{A54A5039-9BC6-1548-AC61-7314DB675A9D}" dt="2019-09-25T14:26:33.714" v="2899" actId="20577"/>
+        <pc:sldMkLst>
+          <pc:docMk/>
+          <pc:sldMk cId="1787114790" sldId="317"/>
+        </pc:sldMkLst>
+        <pc:spChg chg="mod">
+          <ac:chgData name="Long B Nguyen" userId="f59fb8f3-a021-417a-8bc1-65c8d471c621" providerId="ADAL" clId="{A54A5039-9BC6-1548-AC61-7314DB675A9D}" dt="2019-09-24T11:53:24.383" v="2634" actId="20577"/>
+          <ac:spMkLst>
+            <pc:docMk/>
+            <pc:sldMk cId="1787114790" sldId="317"/>
+            <ac:spMk id="2" creationId="{AA3A228F-61D0-D949-A5E7-F83756230BF8}"/>
+          </ac:spMkLst>
+        </pc:spChg>
+        <pc:spChg chg="mod">
+          <ac:chgData name="Long B Nguyen" userId="f59fb8f3-a021-417a-8bc1-65c8d471c621" providerId="ADAL" clId="{A54A5039-9BC6-1548-AC61-7314DB675A9D}" dt="2019-09-25T14:26:33.714" v="2899" actId="20577"/>
+          <ac:spMkLst>
+            <pc:docMk/>
+            <pc:sldMk cId="1787114790" sldId="317"/>
+            <ac:spMk id="9" creationId="{E3B2E017-30B2-884B-A113-B419A2ED51AD}"/>
+          </ac:spMkLst>
+        </pc:spChg>
+      </pc:sldChg>
+      <pc:sldChg chg="modSp add">
+        <pc:chgData name="Long B Nguyen" userId="f59fb8f3-a021-417a-8bc1-65c8d471c621" providerId="ADAL" clId="{A54A5039-9BC6-1548-AC61-7314DB675A9D}" dt="2019-09-24T13:44:10.963" v="2838" actId="20577"/>
+        <pc:sldMkLst>
+          <pc:docMk/>
+          <pc:sldMk cId="1215229427" sldId="318"/>
+        </pc:sldMkLst>
+        <pc:spChg chg="mod">
+          <ac:chgData name="Long B Nguyen" userId="f59fb8f3-a021-417a-8bc1-65c8d471c621" providerId="ADAL" clId="{A54A5039-9BC6-1548-AC61-7314DB675A9D}" dt="2019-09-24T13:44:10.963" v="2838" actId="20577"/>
+          <ac:spMkLst>
+            <pc:docMk/>
+            <pc:sldMk cId="1215229427" sldId="318"/>
+            <ac:spMk id="9" creationId="{E3B2E017-30B2-884B-A113-B419A2ED51AD}"/>
+          </ac:spMkLst>
+        </pc:spChg>
+      </pc:sldChg>
+    </pc:docChg>
+  </pc:docChgLst>
+  <pc:docChgLst>
     <pc:chgData name="Long B Nguyen" userId="f59fb8f3-a021-417a-8bc1-65c8d471c621" providerId="ADAL" clId="{CC9C9D9A-5149-2947-86C0-576F501F60DC}"/>
     <pc:docChg chg="addSld modSld">
       <pc:chgData name="Long B Nguyen" userId="f59fb8f3-a021-417a-8bc1-65c8d471c621" providerId="ADAL" clId="{CC9C9D9A-5149-2947-86C0-576F501F60DC}" dt="2020-01-05T21:59:55.597" v="2392" actId="14100"/>
@@ -1551,363 +1907,7 @@
     <pc:chgData name="Long B Nguyen" userId="f59fb8f3-a021-417a-8bc1-65c8d471c621" providerId="ADAL" clId="{6CD83B71-C243-244B-B302-DE2E82069201}"/>
   </pc:docChgLst>
   <pc:docChgLst>
-    <pc:chgData name="Long B Nguyen" userId="f59fb8f3-a021-417a-8bc1-65c8d471c621" providerId="ADAL" clId="{AA9102B5-DACA-D841-B260-AEEBF90FC60A}"/>
-    <pc:docChg chg="custSel addSld delSld modSld">
-      <pc:chgData name="Long B Nguyen" userId="f59fb8f3-a021-417a-8bc1-65c8d471c621" providerId="ADAL" clId="{AA9102B5-DACA-D841-B260-AEEBF90FC60A}" dt="2020-01-06T17:07:10.515" v="1519" actId="2711"/>
-      <pc:docMkLst>
-        <pc:docMk/>
-      </pc:docMkLst>
-      <pc:sldChg chg="modSp">
-        <pc:chgData name="Long B Nguyen" userId="f59fb8f3-a021-417a-8bc1-65c8d471c621" providerId="ADAL" clId="{AA9102B5-DACA-D841-B260-AEEBF90FC60A}" dt="2020-01-05T22:05:23.536" v="23" actId="20577"/>
-        <pc:sldMkLst>
-          <pc:docMk/>
-          <pc:sldMk cId="4247104139" sldId="256"/>
-        </pc:sldMkLst>
-        <pc:spChg chg="mod">
-          <ac:chgData name="Long B Nguyen" userId="f59fb8f3-a021-417a-8bc1-65c8d471c621" providerId="ADAL" clId="{AA9102B5-DACA-D841-B260-AEEBF90FC60A}" dt="2020-01-05T22:05:23.536" v="23" actId="20577"/>
-          <ac:spMkLst>
-            <pc:docMk/>
-            <pc:sldMk cId="4247104139" sldId="256"/>
-            <ac:spMk id="3" creationId="{1BDC47C8-6776-7B44-9CD4-95FC91452D62}"/>
-          </ac:spMkLst>
-        </pc:spChg>
-      </pc:sldChg>
-      <pc:sldChg chg="del">
-        <pc:chgData name="Long B Nguyen" userId="f59fb8f3-a021-417a-8bc1-65c8d471c621" providerId="ADAL" clId="{AA9102B5-DACA-D841-B260-AEEBF90FC60A}" dt="2020-01-05T22:05:52.483" v="41" actId="2696"/>
-        <pc:sldMkLst>
-          <pc:docMk/>
-          <pc:sldMk cId="1438711869" sldId="284"/>
-        </pc:sldMkLst>
-      </pc:sldChg>
-      <pc:sldChg chg="del">
-        <pc:chgData name="Long B Nguyen" userId="f59fb8f3-a021-417a-8bc1-65c8d471c621" providerId="ADAL" clId="{AA9102B5-DACA-D841-B260-AEEBF90FC60A}" dt="2020-01-05T22:05:52.199" v="24" actId="2696"/>
-        <pc:sldMkLst>
-          <pc:docMk/>
-          <pc:sldMk cId="131840209" sldId="286"/>
-        </pc:sldMkLst>
-      </pc:sldChg>
-      <pc:sldChg chg="del">
-        <pc:chgData name="Long B Nguyen" userId="f59fb8f3-a021-417a-8bc1-65c8d471c621" providerId="ADAL" clId="{AA9102B5-DACA-D841-B260-AEEBF90FC60A}" dt="2020-01-05T22:05:52.214" v="25" actId="2696"/>
-        <pc:sldMkLst>
-          <pc:docMk/>
-          <pc:sldMk cId="1816941262" sldId="295"/>
-        </pc:sldMkLst>
-      </pc:sldChg>
-      <pc:sldChg chg="del">
-        <pc:chgData name="Long B Nguyen" userId="f59fb8f3-a021-417a-8bc1-65c8d471c621" providerId="ADAL" clId="{AA9102B5-DACA-D841-B260-AEEBF90FC60A}" dt="2020-01-05T22:05:52.246" v="27" actId="2696"/>
-        <pc:sldMkLst>
-          <pc:docMk/>
-          <pc:sldMk cId="553003360" sldId="296"/>
-        </pc:sldMkLst>
-      </pc:sldChg>
-      <pc:sldChg chg="del">
-        <pc:chgData name="Long B Nguyen" userId="f59fb8f3-a021-417a-8bc1-65c8d471c621" providerId="ADAL" clId="{AA9102B5-DACA-D841-B260-AEEBF90FC60A}" dt="2020-01-05T22:05:52.268" v="28" actId="2696"/>
-        <pc:sldMkLst>
-          <pc:docMk/>
-          <pc:sldMk cId="3006175481" sldId="297"/>
-        </pc:sldMkLst>
-      </pc:sldChg>
-      <pc:sldChg chg="del">
-        <pc:chgData name="Long B Nguyen" userId="f59fb8f3-a021-417a-8bc1-65c8d471c621" providerId="ADAL" clId="{AA9102B5-DACA-D841-B260-AEEBF90FC60A}" dt="2020-01-05T22:05:52.287" v="29" actId="2696"/>
-        <pc:sldMkLst>
-          <pc:docMk/>
-          <pc:sldMk cId="3150557076" sldId="298"/>
-        </pc:sldMkLst>
-      </pc:sldChg>
-      <pc:sldChg chg="del">
-        <pc:chgData name="Long B Nguyen" userId="f59fb8f3-a021-417a-8bc1-65c8d471c621" providerId="ADAL" clId="{AA9102B5-DACA-D841-B260-AEEBF90FC60A}" dt="2020-01-05T22:05:52.442" v="38" actId="2696"/>
-        <pc:sldMkLst>
-          <pc:docMk/>
-          <pc:sldMk cId="128704095" sldId="302"/>
-        </pc:sldMkLst>
-      </pc:sldChg>
-      <pc:sldChg chg="del">
-        <pc:chgData name="Long B Nguyen" userId="f59fb8f3-a021-417a-8bc1-65c8d471c621" providerId="ADAL" clId="{AA9102B5-DACA-D841-B260-AEEBF90FC60A}" dt="2020-01-05T22:05:52.305" v="30" actId="2696"/>
-        <pc:sldMkLst>
-          <pc:docMk/>
-          <pc:sldMk cId="3275945509" sldId="303"/>
-        </pc:sldMkLst>
-      </pc:sldChg>
-      <pc:sldChg chg="del">
-        <pc:chgData name="Long B Nguyen" userId="f59fb8f3-a021-417a-8bc1-65c8d471c621" providerId="ADAL" clId="{AA9102B5-DACA-D841-B260-AEEBF90FC60A}" dt="2020-01-05T22:05:52.321" v="31" actId="2696"/>
-        <pc:sldMkLst>
-          <pc:docMk/>
-          <pc:sldMk cId="406772024" sldId="304"/>
-        </pc:sldMkLst>
-      </pc:sldChg>
-      <pc:sldChg chg="del">
-        <pc:chgData name="Long B Nguyen" userId="f59fb8f3-a021-417a-8bc1-65c8d471c621" providerId="ADAL" clId="{AA9102B5-DACA-D841-B260-AEEBF90FC60A}" dt="2020-01-05T22:05:52.334" v="32" actId="2696"/>
-        <pc:sldMkLst>
-          <pc:docMk/>
-          <pc:sldMk cId="1703902501" sldId="305"/>
-        </pc:sldMkLst>
-      </pc:sldChg>
-      <pc:sldChg chg="del">
-        <pc:chgData name="Long B Nguyen" userId="f59fb8f3-a021-417a-8bc1-65c8d471c621" providerId="ADAL" clId="{AA9102B5-DACA-D841-B260-AEEBF90FC60A}" dt="2020-01-05T22:05:52.461" v="39" actId="2696"/>
-        <pc:sldMkLst>
-          <pc:docMk/>
-          <pc:sldMk cId="3614829039" sldId="306"/>
-        </pc:sldMkLst>
-      </pc:sldChg>
-      <pc:sldChg chg="del">
-        <pc:chgData name="Long B Nguyen" userId="f59fb8f3-a021-417a-8bc1-65c8d471c621" providerId="ADAL" clId="{AA9102B5-DACA-D841-B260-AEEBF90FC60A}" dt="2020-01-05T22:05:52.471" v="40" actId="2696"/>
-        <pc:sldMkLst>
-          <pc:docMk/>
-          <pc:sldMk cId="295911327" sldId="307"/>
-        </pc:sldMkLst>
-      </pc:sldChg>
-      <pc:sldChg chg="del">
-        <pc:chgData name="Long B Nguyen" userId="f59fb8f3-a021-417a-8bc1-65c8d471c621" providerId="ADAL" clId="{AA9102B5-DACA-D841-B260-AEEBF90FC60A}" dt="2020-01-05T22:05:52.353" v="33" actId="2696"/>
-        <pc:sldMkLst>
-          <pc:docMk/>
-          <pc:sldMk cId="67957925" sldId="308"/>
-        </pc:sldMkLst>
-      </pc:sldChg>
-      <pc:sldChg chg="del">
-        <pc:chgData name="Long B Nguyen" userId="f59fb8f3-a021-417a-8bc1-65c8d471c621" providerId="ADAL" clId="{AA9102B5-DACA-D841-B260-AEEBF90FC60A}" dt="2020-01-05T22:05:52.365" v="34" actId="2696"/>
-        <pc:sldMkLst>
-          <pc:docMk/>
-          <pc:sldMk cId="1872435103" sldId="309"/>
-        </pc:sldMkLst>
-      </pc:sldChg>
-      <pc:sldChg chg="del">
-        <pc:chgData name="Long B Nguyen" userId="f59fb8f3-a021-417a-8bc1-65c8d471c621" providerId="ADAL" clId="{AA9102B5-DACA-D841-B260-AEEBF90FC60A}" dt="2020-01-05T22:05:52.385" v="35" actId="2696"/>
-        <pc:sldMkLst>
-          <pc:docMk/>
-          <pc:sldMk cId="4088965571" sldId="310"/>
-        </pc:sldMkLst>
-      </pc:sldChg>
-      <pc:sldChg chg="del">
-        <pc:chgData name="Long B Nguyen" userId="f59fb8f3-a021-417a-8bc1-65c8d471c621" providerId="ADAL" clId="{AA9102B5-DACA-D841-B260-AEEBF90FC60A}" dt="2020-01-05T22:05:52.404" v="36" actId="2696"/>
-        <pc:sldMkLst>
-          <pc:docMk/>
-          <pc:sldMk cId="2255846137" sldId="311"/>
-        </pc:sldMkLst>
-      </pc:sldChg>
-      <pc:sldChg chg="del">
-        <pc:chgData name="Long B Nguyen" userId="f59fb8f3-a021-417a-8bc1-65c8d471c621" providerId="ADAL" clId="{AA9102B5-DACA-D841-B260-AEEBF90FC60A}" dt="2020-01-05T22:05:52.423" v="37" actId="2696"/>
-        <pc:sldMkLst>
-          <pc:docMk/>
-          <pc:sldMk cId="1513627164" sldId="312"/>
-        </pc:sldMkLst>
-      </pc:sldChg>
-      <pc:sldChg chg="del">
-        <pc:chgData name="Long B Nguyen" userId="f59fb8f3-a021-417a-8bc1-65c8d471c621" providerId="ADAL" clId="{AA9102B5-DACA-D841-B260-AEEBF90FC60A}" dt="2020-01-05T22:05:52.231" v="26" actId="2696"/>
-        <pc:sldMkLst>
-          <pc:docMk/>
-          <pc:sldMk cId="2097059918" sldId="313"/>
-        </pc:sldMkLst>
-      </pc:sldChg>
-      <pc:sldChg chg="modSp">
-        <pc:chgData name="Long B Nguyen" userId="f59fb8f3-a021-417a-8bc1-65c8d471c621" providerId="ADAL" clId="{AA9102B5-DACA-D841-B260-AEEBF90FC60A}" dt="2020-01-06T15:37:30.346" v="948" actId="20577"/>
-        <pc:sldMkLst>
-          <pc:docMk/>
-          <pc:sldMk cId="1452600724" sldId="316"/>
-        </pc:sldMkLst>
-        <pc:spChg chg="mod">
-          <ac:chgData name="Long B Nguyen" userId="f59fb8f3-a021-417a-8bc1-65c8d471c621" providerId="ADAL" clId="{AA9102B5-DACA-D841-B260-AEEBF90FC60A}" dt="2020-01-06T15:37:30.346" v="948" actId="20577"/>
-          <ac:spMkLst>
-            <pc:docMk/>
-            <pc:sldMk cId="1452600724" sldId="316"/>
-            <ac:spMk id="9" creationId="{E3B2E017-30B2-884B-A113-B419A2ED51AD}"/>
-          </ac:spMkLst>
-        </pc:spChg>
-      </pc:sldChg>
-      <pc:sldChg chg="del">
-        <pc:chgData name="Long B Nguyen" userId="f59fb8f3-a021-417a-8bc1-65c8d471c621" providerId="ADAL" clId="{AA9102B5-DACA-D841-B260-AEEBF90FC60A}" dt="2020-01-06T15:03:11.354" v="848" actId="2696"/>
-        <pc:sldMkLst>
-          <pc:docMk/>
-          <pc:sldMk cId="1787114790" sldId="317"/>
-        </pc:sldMkLst>
-      </pc:sldChg>
-      <pc:sldChg chg="del">
-        <pc:chgData name="Long B Nguyen" userId="f59fb8f3-a021-417a-8bc1-65c8d471c621" providerId="ADAL" clId="{AA9102B5-DACA-D841-B260-AEEBF90FC60A}" dt="2020-01-05T22:06:12.101" v="42" actId="2696"/>
-        <pc:sldMkLst>
-          <pc:docMk/>
-          <pc:sldMk cId="1215229427" sldId="318"/>
-        </pc:sldMkLst>
-      </pc:sldChg>
-      <pc:sldChg chg="modSp">
-        <pc:chgData name="Long B Nguyen" userId="f59fb8f3-a021-417a-8bc1-65c8d471c621" providerId="ADAL" clId="{AA9102B5-DACA-D841-B260-AEEBF90FC60A}" dt="2020-01-06T01:48:03.413" v="110" actId="20577"/>
-        <pc:sldMkLst>
-          <pc:docMk/>
-          <pc:sldMk cId="924617162" sldId="319"/>
-        </pc:sldMkLst>
-        <pc:spChg chg="mod">
-          <ac:chgData name="Long B Nguyen" userId="f59fb8f3-a021-417a-8bc1-65c8d471c621" providerId="ADAL" clId="{AA9102B5-DACA-D841-B260-AEEBF90FC60A}" dt="2020-01-06T01:48:03.413" v="110" actId="20577"/>
-          <ac:spMkLst>
-            <pc:docMk/>
-            <pc:sldMk cId="924617162" sldId="319"/>
-            <ac:spMk id="9" creationId="{E3B2E017-30B2-884B-A113-B419A2ED51AD}"/>
-          </ac:spMkLst>
-        </pc:spChg>
-      </pc:sldChg>
-      <pc:sldChg chg="modSp">
-        <pc:chgData name="Long B Nguyen" userId="f59fb8f3-a021-417a-8bc1-65c8d471c621" providerId="ADAL" clId="{AA9102B5-DACA-D841-B260-AEEBF90FC60A}" dt="2020-01-06T01:56:11.549" v="712" actId="1076"/>
-        <pc:sldMkLst>
-          <pc:docMk/>
-          <pc:sldMk cId="1310010799" sldId="324"/>
-        </pc:sldMkLst>
-        <pc:spChg chg="mod">
-          <ac:chgData name="Long B Nguyen" userId="f59fb8f3-a021-417a-8bc1-65c8d471c621" providerId="ADAL" clId="{AA9102B5-DACA-D841-B260-AEEBF90FC60A}" dt="2020-01-06T01:56:11.549" v="712" actId="1076"/>
-          <ac:spMkLst>
-            <pc:docMk/>
-            <pc:sldMk cId="1310010799" sldId="324"/>
-            <ac:spMk id="9" creationId="{E3B2E017-30B2-884B-A113-B419A2ED51AD}"/>
-          </ac:spMkLst>
-        </pc:spChg>
-      </pc:sldChg>
-      <pc:sldChg chg="modSp">
-        <pc:chgData name="Long B Nguyen" userId="f59fb8f3-a021-417a-8bc1-65c8d471c621" providerId="ADAL" clId="{AA9102B5-DACA-D841-B260-AEEBF90FC60A}" dt="2020-01-06T15:35:11.658" v="853" actId="20577"/>
-        <pc:sldMkLst>
-          <pc:docMk/>
-          <pc:sldMk cId="3314372952" sldId="325"/>
-        </pc:sldMkLst>
-        <pc:spChg chg="mod">
-          <ac:chgData name="Long B Nguyen" userId="f59fb8f3-a021-417a-8bc1-65c8d471c621" providerId="ADAL" clId="{AA9102B5-DACA-D841-B260-AEEBF90FC60A}" dt="2020-01-06T15:35:11.658" v="853" actId="20577"/>
-          <ac:spMkLst>
-            <pc:docMk/>
-            <pc:sldMk cId="3314372952" sldId="325"/>
-            <ac:spMk id="2" creationId="{AA3A228F-61D0-D949-A5E7-F83756230BF8}"/>
-          </ac:spMkLst>
-        </pc:spChg>
-        <pc:spChg chg="mod">
-          <ac:chgData name="Long B Nguyen" userId="f59fb8f3-a021-417a-8bc1-65c8d471c621" providerId="ADAL" clId="{AA9102B5-DACA-D841-B260-AEEBF90FC60A}" dt="2020-01-06T15:02:45.351" v="846" actId="20577"/>
-          <ac:spMkLst>
-            <pc:docMk/>
-            <pc:sldMk cId="3314372952" sldId="325"/>
-            <ac:spMk id="9" creationId="{E3B2E017-30B2-884B-A113-B419A2ED51AD}"/>
-          </ac:spMkLst>
-        </pc:spChg>
-      </pc:sldChg>
-      <pc:sldChg chg="del">
-        <pc:chgData name="Long B Nguyen" userId="f59fb8f3-a021-417a-8bc1-65c8d471c621" providerId="ADAL" clId="{AA9102B5-DACA-D841-B260-AEEBF90FC60A}" dt="2020-01-06T15:03:07.580" v="847" actId="2696"/>
-        <pc:sldMkLst>
-          <pc:docMk/>
-          <pc:sldMk cId="3117943122" sldId="326"/>
-        </pc:sldMkLst>
-      </pc:sldChg>
-      <pc:sldChg chg="del">
-        <pc:chgData name="Long B Nguyen" userId="f59fb8f3-a021-417a-8bc1-65c8d471c621" providerId="ADAL" clId="{AA9102B5-DACA-D841-B260-AEEBF90FC60A}" dt="2020-01-06T01:49:27.456" v="111" actId="2696"/>
-        <pc:sldMkLst>
-          <pc:docMk/>
-          <pc:sldMk cId="1025618360" sldId="327"/>
-        </pc:sldMkLst>
-      </pc:sldChg>
-      <pc:sldChg chg="modSp add">
-        <pc:chgData name="Long B Nguyen" userId="f59fb8f3-a021-417a-8bc1-65c8d471c621" providerId="ADAL" clId="{AA9102B5-DACA-D841-B260-AEEBF90FC60A}" dt="2020-01-06T15:00:48.763" v="818" actId="113"/>
-        <pc:sldMkLst>
-          <pc:docMk/>
-          <pc:sldMk cId="1724104636" sldId="327"/>
-        </pc:sldMkLst>
-        <pc:spChg chg="mod">
-          <ac:chgData name="Long B Nguyen" userId="f59fb8f3-a021-417a-8bc1-65c8d471c621" providerId="ADAL" clId="{AA9102B5-DACA-D841-B260-AEEBF90FC60A}" dt="2020-01-06T15:00:48.763" v="818" actId="113"/>
-          <ac:spMkLst>
-            <pc:docMk/>
-            <pc:sldMk cId="1724104636" sldId="327"/>
-            <ac:spMk id="9" creationId="{E3B2E017-30B2-884B-A113-B419A2ED51AD}"/>
-          </ac:spMkLst>
-        </pc:spChg>
-      </pc:sldChg>
-      <pc:sldChg chg="modSp">
-        <pc:chgData name="Long B Nguyen" userId="f59fb8f3-a021-417a-8bc1-65c8d471c621" providerId="ADAL" clId="{AA9102B5-DACA-D841-B260-AEEBF90FC60A}" dt="2020-01-06T01:55:34.369" v="708" actId="20577"/>
-        <pc:sldMkLst>
-          <pc:docMk/>
-          <pc:sldMk cId="4294143140" sldId="329"/>
-        </pc:sldMkLst>
-        <pc:spChg chg="mod">
-          <ac:chgData name="Long B Nguyen" userId="f59fb8f3-a021-417a-8bc1-65c8d471c621" providerId="ADAL" clId="{AA9102B5-DACA-D841-B260-AEEBF90FC60A}" dt="2020-01-06T01:55:34.369" v="708" actId="20577"/>
-          <ac:spMkLst>
-            <pc:docMk/>
-            <pc:sldMk cId="4294143140" sldId="329"/>
-            <ac:spMk id="9" creationId="{E3B2E017-30B2-884B-A113-B419A2ED51AD}"/>
-          </ac:spMkLst>
-        </pc:spChg>
-      </pc:sldChg>
-      <pc:sldChg chg="modSp add">
-        <pc:chgData name="Long B Nguyen" userId="f59fb8f3-a021-417a-8bc1-65c8d471c621" providerId="ADAL" clId="{AA9102B5-DACA-D841-B260-AEEBF90FC60A}" dt="2020-01-06T15:01:01.638" v="819" actId="2711"/>
-        <pc:sldMkLst>
-          <pc:docMk/>
-          <pc:sldMk cId="3594730708" sldId="330"/>
-        </pc:sldMkLst>
-        <pc:spChg chg="mod">
-          <ac:chgData name="Long B Nguyen" userId="f59fb8f3-a021-417a-8bc1-65c8d471c621" providerId="ADAL" clId="{AA9102B5-DACA-D841-B260-AEEBF90FC60A}" dt="2020-01-06T15:01:01.638" v="819" actId="2711"/>
-          <ac:spMkLst>
-            <pc:docMk/>
-            <pc:sldMk cId="3594730708" sldId="330"/>
-            <ac:spMk id="9" creationId="{E3B2E017-30B2-884B-A113-B419A2ED51AD}"/>
-          </ac:spMkLst>
-        </pc:spChg>
-      </pc:sldChg>
-      <pc:sldChg chg="modSp add">
-        <pc:chgData name="Long B Nguyen" userId="f59fb8f3-a021-417a-8bc1-65c8d471c621" providerId="ADAL" clId="{AA9102B5-DACA-D841-B260-AEEBF90FC60A}" dt="2020-01-06T02:00:17.493" v="815" actId="255"/>
-        <pc:sldMkLst>
-          <pc:docMk/>
-          <pc:sldMk cId="3870816631" sldId="331"/>
-        </pc:sldMkLst>
-        <pc:spChg chg="mod">
-          <ac:chgData name="Long B Nguyen" userId="f59fb8f3-a021-417a-8bc1-65c8d471c621" providerId="ADAL" clId="{AA9102B5-DACA-D841-B260-AEEBF90FC60A}" dt="2020-01-06T02:00:17.493" v="815" actId="255"/>
-          <ac:spMkLst>
-            <pc:docMk/>
-            <pc:sldMk cId="3870816631" sldId="331"/>
-            <ac:spMk id="9" creationId="{E3B2E017-30B2-884B-A113-B419A2ED51AD}"/>
-          </ac:spMkLst>
-        </pc:spChg>
-      </pc:sldChg>
-      <pc:sldChg chg="modSp add">
-        <pc:chgData name="Long B Nguyen" userId="f59fb8f3-a021-417a-8bc1-65c8d471c621" providerId="ADAL" clId="{AA9102B5-DACA-D841-B260-AEEBF90FC60A}" dt="2020-01-06T17:07:10.515" v="1519" actId="2711"/>
-        <pc:sldMkLst>
-          <pc:docMk/>
-          <pc:sldMk cId="3124353102" sldId="332"/>
-        </pc:sldMkLst>
-        <pc:spChg chg="mod">
-          <ac:chgData name="Long B Nguyen" userId="f59fb8f3-a021-417a-8bc1-65c8d471c621" providerId="ADAL" clId="{AA9102B5-DACA-D841-B260-AEEBF90FC60A}" dt="2020-01-06T17:03:36.721" v="1332" actId="20577"/>
-          <ac:spMkLst>
-            <pc:docMk/>
-            <pc:sldMk cId="3124353102" sldId="332"/>
-            <ac:spMk id="2" creationId="{AA3A228F-61D0-D949-A5E7-F83756230BF8}"/>
-          </ac:spMkLst>
-        </pc:spChg>
-        <pc:spChg chg="mod">
-          <ac:chgData name="Long B Nguyen" userId="f59fb8f3-a021-417a-8bc1-65c8d471c621" providerId="ADAL" clId="{AA9102B5-DACA-D841-B260-AEEBF90FC60A}" dt="2020-01-06T17:07:10.515" v="1519" actId="2711"/>
-          <ac:spMkLst>
-            <pc:docMk/>
-            <pc:sldMk cId="3124353102" sldId="332"/>
-            <ac:spMk id="9" creationId="{E3B2E017-30B2-884B-A113-B419A2ED51AD}"/>
-          </ac:spMkLst>
-        </pc:spChg>
-      </pc:sldChg>
-    </pc:docChg>
-  </pc:docChgLst>
-  <pc:docChgLst>
-    <pc:chgData name="Long B Nguyen" userId="f59fb8f3-a021-417a-8bc1-65c8d471c621" providerId="ADAL" clId="{B5860C40-AA08-4447-A918-2D2782E0FC0B}"/>
-    <pc:docChg chg="delSld modSld">
-      <pc:chgData name="Long B Nguyen" userId="f59fb8f3-a021-417a-8bc1-65c8d471c621" providerId="ADAL" clId="{B5860C40-AA08-4447-A918-2D2782E0FC0B}" dt="2019-09-16T13:59:20.091" v="35" actId="2696"/>
-      <pc:docMkLst>
-        <pc:docMk/>
-      </pc:docMkLst>
-      <pc:sldChg chg="modSp">
-        <pc:chgData name="Long B Nguyen" userId="f59fb8f3-a021-417a-8bc1-65c8d471c621" providerId="ADAL" clId="{B5860C40-AA08-4447-A918-2D2782E0FC0B}" dt="2019-09-16T13:58:36.640" v="18" actId="20577"/>
-        <pc:sldMkLst>
-          <pc:docMk/>
-          <pc:sldMk cId="4247104139" sldId="256"/>
-        </pc:sldMkLst>
-        <pc:spChg chg="mod">
-          <ac:chgData name="Long B Nguyen" userId="f59fb8f3-a021-417a-8bc1-65c8d471c621" providerId="ADAL" clId="{B5860C40-AA08-4447-A918-2D2782E0FC0B}" dt="2019-09-16T13:58:36.640" v="18" actId="20577"/>
-          <ac:spMkLst>
-            <pc:docMk/>
-            <pc:sldMk cId="4247104139" sldId="256"/>
-            <ac:spMk id="3" creationId="{1BDC47C8-6776-7B44-9CD4-95FC91452D62}"/>
-          </ac:spMkLst>
-        </pc:spChg>
-      </pc:sldChg>
-    </pc:docChg>
-  </pc:docChgLst>
-  <pc:docChgLst>
     <pc:chgData name="Long B Nguyen" userId="f59fb8f3-a021-417a-8bc1-65c8d471c621" providerId="ADAL" clId="{E5BF62A1-4F8A-BC49-8FD7-ABEA3D28ED25}"/>
-  </pc:docChgLst>
-  <pc:docChgLst>
-    <pc:chgData name="Long B Nguyen" userId="f59fb8f3-a021-417a-8bc1-65c8d471c621" providerId="ADAL" clId="{359527BD-9D28-FA41-9B76-D4C412CACD55}"/>
   </pc:docChgLst>
 </pc:chgInfo>
 </file>
@@ -2043,7 +2043,7 @@
           <a:p>
             <a:fld id="{4AAD347D-5ACD-4C99-B74B-A9C85AD731AF}" type="datetimeFigureOut">
               <a:rPr lang="en-US" smtClean="0"/>
-              <a:t>1/16/20</a:t>
+              <a:t>1/30/20</a:t>
             </a:fld>
             <a:endParaRPr lang="en-US" dirty="0"/>
           </a:p>
@@ -2213,7 +2213,7 @@
           <a:p>
             <a:fld id="{4509A250-FF31-4206-8172-F9D3106AACB1}" type="datetimeFigureOut">
               <a:rPr lang="en-US" smtClean="0"/>
-              <a:t>1/16/20</a:t>
+              <a:t>1/30/20</a:t>
             </a:fld>
             <a:endParaRPr lang="en-US" dirty="0"/>
           </a:p>
@@ -2393,7 +2393,7 @@
           <a:p>
             <a:fld id="{4509A250-FF31-4206-8172-F9D3106AACB1}" type="datetimeFigureOut">
               <a:rPr lang="en-US" smtClean="0"/>
-              <a:t>1/16/20</a:t>
+              <a:t>1/30/20</a:t>
             </a:fld>
             <a:endParaRPr lang="en-US" dirty="0"/>
           </a:p>
@@ -2563,7 +2563,7 @@
           <a:p>
             <a:fld id="{4509A250-FF31-4206-8172-F9D3106AACB1}" type="datetimeFigureOut">
               <a:rPr lang="en-US" smtClean="0"/>
-              <a:t>1/16/20</a:t>
+              <a:t>1/30/20</a:t>
             </a:fld>
             <a:endParaRPr lang="en-US" dirty="0"/>
           </a:p>
@@ -2809,7 +2809,7 @@
           <a:p>
             <a:fld id="{9796027F-7875-4030-9381-8BD8C4F21935}" type="datetimeFigureOut">
               <a:rPr lang="en-US" smtClean="0"/>
-              <a:t>1/16/20</a:t>
+              <a:t>1/30/20</a:t>
             </a:fld>
             <a:endParaRPr lang="en-US" dirty="0"/>
           </a:p>
@@ -3041,7 +3041,7 @@
           <a:p>
             <a:fld id="{9796027F-7875-4030-9381-8BD8C4F21935}" type="datetimeFigureOut">
               <a:rPr lang="en-US" smtClean="0"/>
-              <a:t>1/16/20</a:t>
+              <a:t>1/30/20</a:t>
             </a:fld>
             <a:endParaRPr lang="en-US" dirty="0"/>
           </a:p>
@@ -3408,7 +3408,7 @@
           <a:p>
             <a:fld id="{9796027F-7875-4030-9381-8BD8C4F21935}" type="datetimeFigureOut">
               <a:rPr lang="en-US" smtClean="0"/>
-              <a:t>1/16/20</a:t>
+              <a:t>1/30/20</a:t>
             </a:fld>
             <a:endParaRPr lang="en-US" dirty="0"/>
           </a:p>
@@ -3526,7 +3526,7 @@
           <a:p>
             <a:fld id="{4509A250-FF31-4206-8172-F9D3106AACB1}" type="datetimeFigureOut">
               <a:rPr lang="en-US" smtClean="0"/>
-              <a:t>1/16/20</a:t>
+              <a:t>1/30/20</a:t>
             </a:fld>
             <a:endParaRPr lang="en-US" dirty="0"/>
           </a:p>
@@ -3621,7 +3621,7 @@
           <a:p>
             <a:fld id="{4509A250-FF31-4206-8172-F9D3106AACB1}" type="datetimeFigureOut">
               <a:rPr lang="en-US" smtClean="0"/>
-              <a:t>1/16/20</a:t>
+              <a:t>1/30/20</a:t>
             </a:fld>
             <a:endParaRPr lang="en-US" dirty="0"/>
           </a:p>
@@ -3898,7 +3898,7 @@
           <a:p>
             <a:fld id="{4509A250-FF31-4206-8172-F9D3106AACB1}" type="datetimeFigureOut">
               <a:rPr lang="en-US" smtClean="0"/>
-              <a:t>1/16/20</a:t>
+              <a:t>1/30/20</a:t>
             </a:fld>
             <a:endParaRPr lang="en-US" dirty="0"/>
           </a:p>
@@ -4155,7 +4155,7 @@
           <a:p>
             <a:fld id="{4509A250-FF31-4206-8172-F9D3106AACB1}" type="datetimeFigureOut">
               <a:rPr lang="en-US" smtClean="0"/>
-              <a:t>1/16/20</a:t>
+              <a:t>1/30/20</a:t>
             </a:fld>
             <a:endParaRPr lang="en-US" dirty="0"/>
           </a:p>
@@ -4368,7 +4368,7 @@
           <a:p>
             <a:fld id="{4AAD347D-5ACD-4C99-B74B-A9C85AD731AF}" type="datetimeFigureOut">
               <a:rPr lang="en-US" smtClean="0"/>
-              <a:t>1/16/20</a:t>
+              <a:t>1/30/20</a:t>
             </a:fld>
             <a:endParaRPr lang="en-US" dirty="0"/>
           </a:p>
@@ -18072,10 +18072,10 @@
           <a:p>
             <a:pPr eaLnBrk="1" hangingPunct="1"/>
             <a:r>
-              <a:rPr lang="en-US" altLang="en-US">
+              <a:rPr lang="en-US" altLang="en-US" dirty="0">
                 <a:ea typeface="ＭＳ Ｐゴシック" panose="020B0600070205080204" pitchFamily="34" charset="-128"/>
               </a:rPr>
-              <a:t>UTF-32</a:t>
+              <a:t>Encoding</a:t>
             </a:r>
           </a:p>
         </p:txBody>

--- a/courses/apcsp/lect12.pptx
+++ b/courses/apcsp/lect12.pptx
@@ -5,41 +5,40 @@
     <p:sldMasterId id="2147483791" r:id="rId1"/>
   </p:sldMasterIdLst>
   <p:sldIdLst>
-    <p:sldId id="256" r:id="rId2"/>
-    <p:sldId id="347" r:id="rId3"/>
-    <p:sldId id="313" r:id="rId4"/>
-    <p:sldId id="314" r:id="rId5"/>
-    <p:sldId id="317" r:id="rId6"/>
-    <p:sldId id="348" r:id="rId7"/>
-    <p:sldId id="315" r:id="rId8"/>
-    <p:sldId id="316" r:id="rId9"/>
-    <p:sldId id="345" r:id="rId10"/>
-    <p:sldId id="319" r:id="rId11"/>
-    <p:sldId id="323" r:id="rId12"/>
-    <p:sldId id="320" r:id="rId13"/>
-    <p:sldId id="321" r:id="rId14"/>
-    <p:sldId id="322" r:id="rId15"/>
-    <p:sldId id="343" r:id="rId16"/>
-    <p:sldId id="342" r:id="rId17"/>
-    <p:sldId id="327" r:id="rId18"/>
-    <p:sldId id="325" r:id="rId19"/>
-    <p:sldId id="328" r:id="rId20"/>
-    <p:sldId id="329" r:id="rId21"/>
-    <p:sldId id="330" r:id="rId22"/>
-    <p:sldId id="331" r:id="rId23"/>
-    <p:sldId id="346" r:id="rId24"/>
-    <p:sldId id="334" r:id="rId25"/>
-    <p:sldId id="332" r:id="rId26"/>
-    <p:sldId id="333" r:id="rId27"/>
-    <p:sldId id="335" r:id="rId28"/>
-    <p:sldId id="336" r:id="rId29"/>
-    <p:sldId id="337" r:id="rId30"/>
-    <p:sldId id="338" r:id="rId31"/>
-    <p:sldId id="340" r:id="rId32"/>
-    <p:sldId id="339" r:id="rId33"/>
-    <p:sldId id="341" r:id="rId34"/>
-    <p:sldId id="309" r:id="rId35"/>
-    <p:sldId id="344" r:id="rId36"/>
+    <p:sldId id="349" r:id="rId2"/>
+    <p:sldId id="313" r:id="rId3"/>
+    <p:sldId id="314" r:id="rId4"/>
+    <p:sldId id="317" r:id="rId5"/>
+    <p:sldId id="348" r:id="rId6"/>
+    <p:sldId id="315" r:id="rId7"/>
+    <p:sldId id="316" r:id="rId8"/>
+    <p:sldId id="345" r:id="rId9"/>
+    <p:sldId id="319" r:id="rId10"/>
+    <p:sldId id="323" r:id="rId11"/>
+    <p:sldId id="320" r:id="rId12"/>
+    <p:sldId id="321" r:id="rId13"/>
+    <p:sldId id="322" r:id="rId14"/>
+    <p:sldId id="343" r:id="rId15"/>
+    <p:sldId id="342" r:id="rId16"/>
+    <p:sldId id="327" r:id="rId17"/>
+    <p:sldId id="325" r:id="rId18"/>
+    <p:sldId id="328" r:id="rId19"/>
+    <p:sldId id="329" r:id="rId20"/>
+    <p:sldId id="330" r:id="rId21"/>
+    <p:sldId id="331" r:id="rId22"/>
+    <p:sldId id="346" r:id="rId23"/>
+    <p:sldId id="334" r:id="rId24"/>
+    <p:sldId id="332" r:id="rId25"/>
+    <p:sldId id="333" r:id="rId26"/>
+    <p:sldId id="335" r:id="rId27"/>
+    <p:sldId id="336" r:id="rId28"/>
+    <p:sldId id="337" r:id="rId29"/>
+    <p:sldId id="338" r:id="rId30"/>
+    <p:sldId id="340" r:id="rId31"/>
+    <p:sldId id="339" r:id="rId32"/>
+    <p:sldId id="341" r:id="rId33"/>
+    <p:sldId id="309" r:id="rId34"/>
+    <p:sldId id="344" r:id="rId35"/>
   </p:sldIdLst>
   <p:sldSz cx="9144000" cy="5715000" type="screen16x10"/>
   <p:notesSz cx="6858000" cy="9144000"/>
@@ -2043,7 +2042,7 @@
           <a:p>
             <a:fld id="{4AAD347D-5ACD-4C99-B74B-A9C85AD731AF}" type="datetimeFigureOut">
               <a:rPr lang="en-US" smtClean="0"/>
-              <a:t>1/30/20</a:t>
+              <a:t>2/7/20</a:t>
             </a:fld>
             <a:endParaRPr lang="en-US" dirty="0"/>
           </a:p>
@@ -2213,7 +2212,7 @@
           <a:p>
             <a:fld id="{4509A250-FF31-4206-8172-F9D3106AACB1}" type="datetimeFigureOut">
               <a:rPr lang="en-US" smtClean="0"/>
-              <a:t>1/30/20</a:t>
+              <a:t>2/7/20</a:t>
             </a:fld>
             <a:endParaRPr lang="en-US" dirty="0"/>
           </a:p>
@@ -2393,7 +2392,7 @@
           <a:p>
             <a:fld id="{4509A250-FF31-4206-8172-F9D3106AACB1}" type="datetimeFigureOut">
               <a:rPr lang="en-US" smtClean="0"/>
-              <a:t>1/30/20</a:t>
+              <a:t>2/7/20</a:t>
             </a:fld>
             <a:endParaRPr lang="en-US" dirty="0"/>
           </a:p>
@@ -2563,7 +2562,7 @@
           <a:p>
             <a:fld id="{4509A250-FF31-4206-8172-F9D3106AACB1}" type="datetimeFigureOut">
               <a:rPr lang="en-US" smtClean="0"/>
-              <a:t>1/30/20</a:t>
+              <a:t>2/7/20</a:t>
             </a:fld>
             <a:endParaRPr lang="en-US" dirty="0"/>
           </a:p>
@@ -2809,7 +2808,7 @@
           <a:p>
             <a:fld id="{9796027F-7875-4030-9381-8BD8C4F21935}" type="datetimeFigureOut">
               <a:rPr lang="en-US" smtClean="0"/>
-              <a:t>1/30/20</a:t>
+              <a:t>2/7/20</a:t>
             </a:fld>
             <a:endParaRPr lang="en-US" dirty="0"/>
           </a:p>
@@ -3041,7 +3040,7 @@
           <a:p>
             <a:fld id="{9796027F-7875-4030-9381-8BD8C4F21935}" type="datetimeFigureOut">
               <a:rPr lang="en-US" smtClean="0"/>
-              <a:t>1/30/20</a:t>
+              <a:t>2/7/20</a:t>
             </a:fld>
             <a:endParaRPr lang="en-US" dirty="0"/>
           </a:p>
@@ -3408,7 +3407,7 @@
           <a:p>
             <a:fld id="{9796027F-7875-4030-9381-8BD8C4F21935}" type="datetimeFigureOut">
               <a:rPr lang="en-US" smtClean="0"/>
-              <a:t>1/30/20</a:t>
+              <a:t>2/7/20</a:t>
             </a:fld>
             <a:endParaRPr lang="en-US" dirty="0"/>
           </a:p>
@@ -3526,7 +3525,7 @@
           <a:p>
             <a:fld id="{4509A250-FF31-4206-8172-F9D3106AACB1}" type="datetimeFigureOut">
               <a:rPr lang="en-US" smtClean="0"/>
-              <a:t>1/30/20</a:t>
+              <a:t>2/7/20</a:t>
             </a:fld>
             <a:endParaRPr lang="en-US" dirty="0"/>
           </a:p>
@@ -3621,7 +3620,7 @@
           <a:p>
             <a:fld id="{4509A250-FF31-4206-8172-F9D3106AACB1}" type="datetimeFigureOut">
               <a:rPr lang="en-US" smtClean="0"/>
-              <a:t>1/30/20</a:t>
+              <a:t>2/7/20</a:t>
             </a:fld>
             <a:endParaRPr lang="en-US" dirty="0"/>
           </a:p>
@@ -3898,7 +3897,7 @@
           <a:p>
             <a:fld id="{4509A250-FF31-4206-8172-F9D3106AACB1}" type="datetimeFigureOut">
               <a:rPr lang="en-US" smtClean="0"/>
-              <a:t>1/30/20</a:t>
+              <a:t>2/7/20</a:t>
             </a:fld>
             <a:endParaRPr lang="en-US" dirty="0"/>
           </a:p>
@@ -4155,7 +4154,7 @@
           <a:p>
             <a:fld id="{4509A250-FF31-4206-8172-F9D3106AACB1}" type="datetimeFigureOut">
               <a:rPr lang="en-US" smtClean="0"/>
-              <a:t>1/30/20</a:t>
+              <a:t>2/7/20</a:t>
             </a:fld>
             <a:endParaRPr lang="en-US" dirty="0"/>
           </a:p>
@@ -4368,7 +4367,7 @@
           <a:p>
             <a:fld id="{4AAD347D-5ACD-4C99-B74B-A9C85AD731AF}" type="datetimeFigureOut">
               <a:rPr lang="en-US" smtClean="0"/>
-              <a:t>1/30/20</a:t>
+              <a:t>2/7/20</a:t>
             </a:fld>
             <a:endParaRPr lang="en-US" dirty="0"/>
           </a:p>
@@ -4760,6 +4759,14 @@
 <file path=ppt/slides/slide1.xml><?xml version="1.0" encoding="utf-8"?>
 <p:sld xmlns:a="http://schemas.openxmlformats.org/drawingml/2006/main" xmlns:r="http://schemas.openxmlformats.org/officeDocument/2006/relationships" xmlns:p="http://schemas.openxmlformats.org/presentationml/2006/main">
   <p:cSld>
+    <p:bg>
+      <p:bgPr>
+        <a:solidFill>
+          <a:schemeClr val="bg1"/>
+        </a:solidFill>
+        <a:effectLst/>
+      </p:bgPr>
+    </p:bg>
     <p:spTree>
       <p:nvGrpSpPr>
         <p:cNvPr id="1" name=""/>
@@ -4774,6 +4781,165 @@
           <a:chExt cx="0" cy="0"/>
         </a:xfrm>
       </p:grpSpPr>
+      <p:sp>
+        <p:nvSpPr>
+          <p:cNvPr id="9" name="Rectangle 8">
+            <a:extLst>
+              <a:ext uri="{FF2B5EF4-FFF2-40B4-BE49-F238E27FC236}">
+                <a16:creationId xmlns:a16="http://schemas.microsoft.com/office/drawing/2014/main" id="{23962611-DFD5-4092-AAFD-559E3DFCE2C9}"/>
+              </a:ext>
+              <a:ext uri="{C183D7F6-B498-43B3-948B-1728B52AA6E4}">
+                <adec:decorative xmlns:adec="http://schemas.microsoft.com/office/drawing/2017/decorative" val="1"/>
+              </a:ext>
+            </a:extLst>
+          </p:cNvPr>
+          <p:cNvSpPr>
+            <a:spLocks noGrp="1" noRot="1" noChangeAspect="1" noMove="1" noResize="1" noEditPoints="1" noAdjustHandles="1" noChangeArrowheads="1" noChangeShapeType="1" noTextEdit="1"/>
+          </p:cNvSpPr>
+          <p:nvPr>
+            <p:extLst>
+              <p:ext uri="{386F3935-93C4-4BCD-93E2-E3B085C9AB24}">
+                <p16:designElem xmlns:p16="http://schemas.microsoft.com/office/powerpoint/2015/main" val="1"/>
+              </p:ext>
+            </p:extLst>
+          </p:nvPr>
+        </p:nvSpPr>
+        <p:spPr>
+          <a:xfrm>
+            <a:off x="356616" y="0"/>
+            <a:ext cx="8182719" cy="5715000"/>
+          </a:xfrm>
+          <a:prstGeom prst="rect">
+            <a:avLst/>
+          </a:prstGeom>
+          <a:gradFill>
+            <a:gsLst>
+              <a:gs pos="0">
+                <a:schemeClr val="accent1">
+                  <a:lumMod val="90000"/>
+                </a:schemeClr>
+              </a:gs>
+              <a:gs pos="25000">
+                <a:schemeClr val="accent1">
+                  <a:lumMod val="90000"/>
+                </a:schemeClr>
+              </a:gs>
+              <a:gs pos="94000">
+                <a:schemeClr val="bg2">
+                  <a:lumMod val="25000"/>
+                </a:schemeClr>
+              </a:gs>
+              <a:gs pos="100000">
+                <a:schemeClr val="bg2">
+                  <a:lumMod val="25000"/>
+                </a:schemeClr>
+              </a:gs>
+            </a:gsLst>
+            <a:lin ang="4200000" scaled="0"/>
+          </a:gradFill>
+          <a:ln>
+            <a:noFill/>
+          </a:ln>
+        </p:spPr>
+        <p:style>
+          <a:lnRef idx="2">
+            <a:schemeClr val="accent1">
+              <a:shade val="50000"/>
+            </a:schemeClr>
+          </a:lnRef>
+          <a:fillRef idx="1">
+            <a:schemeClr val="accent1"/>
+          </a:fillRef>
+          <a:effectRef idx="0">
+            <a:schemeClr val="accent1"/>
+          </a:effectRef>
+          <a:fontRef idx="minor">
+            <a:schemeClr val="lt1"/>
+          </a:fontRef>
+        </p:style>
+        <p:txBody>
+          <a:bodyPr rtlCol="0" anchor="ctr"/>
+          <a:lstStyle/>
+          <a:p>
+            <a:pPr marL="0" marR="0" lvl="0" indent="0" algn="ctr" defTabSz="356616" rtl="0" eaLnBrk="1" fontAlgn="auto" latinLnBrk="0" hangingPunct="1">
+              <a:lnSpc>
+                <a:spcPct val="100000"/>
+              </a:lnSpc>
+              <a:spcBef>
+                <a:spcPts val="0"/>
+              </a:spcBef>
+              <a:spcAft>
+                <a:spcPts val="0"/>
+              </a:spcAft>
+              <a:buClrTx/>
+              <a:buSzTx/>
+              <a:buFontTx/>
+              <a:buNone/>
+              <a:tabLst/>
+              <a:defRPr/>
+            </a:pPr>
+            <a:endParaRPr kumimoji="0" lang="en-US" sz="1404" b="0" i="0" u="none" strike="noStrike" kern="1200" cap="none" spc="0" normalizeH="0" baseline="0" noProof="0">
+              <a:ln>
+                <a:noFill/>
+              </a:ln>
+              <a:solidFill>
+                <a:prstClr val="white"/>
+              </a:solidFill>
+              <a:effectLst/>
+              <a:uLnTx/>
+              <a:uFillTx/>
+              <a:latin typeface="Gill Sans MT" panose="020B0502020104020203"/>
+              <a:ea typeface="+mn-ea"/>
+              <a:cs typeface="+mn-cs"/>
+            </a:endParaRPr>
+          </a:p>
+        </p:txBody>
+      </p:sp>
+      <p:pic>
+        <p:nvPicPr>
+          <p:cNvPr id="11" name="Picture 10">
+            <a:extLst>
+              <a:ext uri="{FF2B5EF4-FFF2-40B4-BE49-F238E27FC236}">
+                <a16:creationId xmlns:a16="http://schemas.microsoft.com/office/drawing/2014/main" id="{2270F1FA-0425-408F-9861-80BF5AFB276D}"/>
+              </a:ext>
+              <a:ext uri="{C183D7F6-B498-43B3-948B-1728B52AA6E4}">
+                <adec:decorative xmlns:adec="http://schemas.microsoft.com/office/drawing/2017/decorative" val="1"/>
+              </a:ext>
+            </a:extLst>
+          </p:cNvPr>
+          <p:cNvPicPr>
+            <a:picLocks noGrp="1" noRot="1" noChangeAspect="1" noMove="1" noResize="1" noEditPoints="1" noAdjustHandles="1" noChangeArrowheads="1" noChangeShapeType="1" noCrop="1"/>
+          </p:cNvPicPr>
+          <p:nvPr>
+            <p:extLst>
+              <p:ext uri="{386F3935-93C4-4BCD-93E2-E3B085C9AB24}">
+                <p16:designElem xmlns:p16="http://schemas.microsoft.com/office/powerpoint/2015/main" val="1"/>
+              </p:ext>
+            </p:extLst>
+          </p:nvPr>
+        </p:nvPicPr>
+        <p:blipFill>
+          <a:blip r:embed="rId2">
+            <a:extLst>
+              <a:ext uri="{28A0092B-C50C-407E-A947-70E740481C1C}">
+                <a14:useLocalDpi xmlns:a14="http://schemas.microsoft.com/office/drawing/2010/main" val="0"/>
+              </a:ext>
+            </a:extLst>
+          </a:blip>
+          <a:stretch>
+            <a:fillRect/>
+          </a:stretch>
+        </p:blipFill>
+        <p:spPr>
+          <a:xfrm>
+            <a:off x="0" y="0"/>
+            <a:ext cx="9144000" cy="5715000"/>
+          </a:xfrm>
+          <a:prstGeom prst="rect">
+            <a:avLst/>
+          </a:prstGeom>
+        </p:spPr>
+      </p:pic>
       <p:sp>
         <p:nvSpPr>
           <p:cNvPr id="2" name="Title 1">
@@ -4792,17 +4958,22 @@
         </p:nvSpPr>
         <p:spPr>
           <a:xfrm>
-            <a:off x="1654562" y="1623354"/>
-            <a:ext cx="6619244" cy="734328"/>
+            <a:off x="2109421" y="1592461"/>
+            <a:ext cx="4925157" cy="1692546"/>
           </a:xfrm>
         </p:spPr>
         <p:txBody>
-          <a:bodyPr/>
+          <a:bodyPr>
+            <a:normAutofit/>
+          </a:bodyPr>
           <a:lstStyle/>
           <a:p>
-            <a:pPr algn="l"/>
-            <a:r>
-              <a:rPr lang="en-US" sz="4050" dirty="0"/>
+            <a:r>
+              <a:rPr lang="en-US" dirty="0">
+                <a:solidFill>
+                  <a:srgbClr val="FFFFFF"/>
+                </a:solidFill>
+              </a:rPr>
               <a:t>Understanding Data</a:t>
             </a:r>
           </a:p>
@@ -4826,8 +4997,8 @@
         </p:nvSpPr>
         <p:spPr>
           <a:xfrm>
-            <a:off x="1730622" y="2550187"/>
-            <a:ext cx="5414104" cy="1277135"/>
+            <a:off x="2284026" y="3395598"/>
+            <a:ext cx="4578895" cy="568399"/>
           </a:xfrm>
         </p:spPr>
         <p:txBody>
@@ -4836,9 +5007,12 @@
           </a:bodyPr>
           <a:lstStyle/>
           <a:p>
-            <a:pPr algn="l"/>
-            <a:r>
-              <a:rPr lang="en-US" sz="2400" b="1" dirty="0"/>
+            <a:r>
+              <a:rPr lang="en-US" b="1" dirty="0">
+                <a:solidFill>
+                  <a:srgbClr val="FFFFFF"/>
+                </a:solidFill>
+              </a:rPr>
               <a:t>Number Systems and Text Encoding</a:t>
             </a:r>
           </a:p>
@@ -5036,15 +5210,44 @@
             </a:lvl9pPr>
           </a:lstStyle>
           <a:p>
-            <a:pPr algn="l"/>
-            <a:endParaRPr lang="en-US" sz="2400" b="1" dirty="0"/>
+            <a:pPr marL="0" marR="0" lvl="0" indent="0" algn="l" defTabSz="685800" rtl="0" eaLnBrk="1" fontAlgn="auto" latinLnBrk="0" hangingPunct="1">
+              <a:lnSpc>
+                <a:spcPct val="90000"/>
+              </a:lnSpc>
+              <a:spcBef>
+                <a:spcPts val="750"/>
+              </a:spcBef>
+              <a:spcAft>
+                <a:spcPts val="0"/>
+              </a:spcAft>
+              <a:buClrTx/>
+              <a:buSzTx/>
+              <a:buFont typeface="Arial" panose="020B0604020202020204" pitchFamily="34" charset="0"/>
+              <a:buNone/>
+              <a:tabLst/>
+              <a:defRPr/>
+            </a:pPr>
+            <a:endParaRPr kumimoji="0" lang="en-US" sz="2400" b="1" i="0" u="none" strike="noStrike" kern="1200" cap="none" spc="0" normalizeH="0" baseline="0" noProof="0" dirty="0">
+              <a:ln>
+                <a:noFill/>
+              </a:ln>
+              <a:solidFill>
+                <a:prstClr val="black"/>
+              </a:solidFill>
+              <a:effectLst/>
+              <a:uLnTx/>
+              <a:uFillTx/>
+              <a:latin typeface="Gill Sans MT" panose="020B0502020104020203"/>
+              <a:ea typeface="+mn-ea"/>
+              <a:cs typeface="+mn-cs"/>
+            </a:endParaRPr>
           </a:p>
         </p:txBody>
       </p:sp>
     </p:spTree>
     <p:extLst>
       <p:ext uri="{BB962C8B-B14F-4D97-AF65-F5344CB8AC3E}">
-        <p14:creationId xmlns:p14="http://schemas.microsoft.com/office/powerpoint/2010/main" val="4247104139"/>
+        <p14:creationId xmlns:p14="http://schemas.microsoft.com/office/powerpoint/2010/main" val="1685712336"/>
       </p:ext>
     </p:extLst>
   </p:cSld>
@@ -5055,867 +5258,6 @@
 </file>
 
 <file path=ppt/slides/slide10.xml><?xml version="1.0" encoding="utf-8"?>
-<p:sld xmlns:a="http://schemas.openxmlformats.org/drawingml/2006/main" xmlns:r="http://schemas.openxmlformats.org/officeDocument/2006/relationships" xmlns:p="http://schemas.openxmlformats.org/presentationml/2006/main">
-  <p:cSld>
-    <p:spTree>
-      <p:nvGrpSpPr>
-        <p:cNvPr id="1" name=""/>
-        <p:cNvGrpSpPr/>
-        <p:nvPr/>
-      </p:nvGrpSpPr>
-      <p:grpSpPr>
-        <a:xfrm>
-          <a:off x="0" y="0"/>
-          <a:ext cx="0" cy="0"/>
-          <a:chOff x="0" y="0"/>
-          <a:chExt cx="0" cy="0"/>
-        </a:xfrm>
-      </p:grpSpPr>
-      <p:sp>
-        <p:nvSpPr>
-          <p:cNvPr id="27649" name="Title 1">
-            <a:extLst>
-              <a:ext uri="{FF2B5EF4-FFF2-40B4-BE49-F238E27FC236}">
-                <a16:creationId xmlns:a16="http://schemas.microsoft.com/office/drawing/2014/main" id="{6DF2718B-6957-A844-8110-C38E5F3B4833}"/>
-              </a:ext>
-            </a:extLst>
-          </p:cNvPr>
-          <p:cNvSpPr>
-            <a:spLocks noGrp="1" noChangeArrowheads="1"/>
-          </p:cNvSpPr>
-          <p:nvPr>
-            <p:ph type="title"/>
-          </p:nvPr>
-        </p:nvSpPr>
-        <p:spPr/>
-        <p:txBody>
-          <a:bodyPr/>
-          <a:lstStyle/>
-          <a:p>
-            <a:pPr eaLnBrk="1" hangingPunct="1"/>
-            <a:r>
-              <a:rPr lang="en-US" altLang="en-US">
-                <a:ea typeface="ＭＳ Ｐゴシック" panose="020B0600070205080204" pitchFamily="34" charset="-128"/>
-              </a:rPr>
-              <a:t>Adding Binary</a:t>
-            </a:r>
-          </a:p>
-        </p:txBody>
-      </p:sp>
-      <p:sp>
-        <p:nvSpPr>
-          <p:cNvPr id="3" name="Content Placeholder 2">
-            <a:extLst>
-              <a:ext uri="{FF2B5EF4-FFF2-40B4-BE49-F238E27FC236}">
-                <a16:creationId xmlns:a16="http://schemas.microsoft.com/office/drawing/2014/main" id="{6BAAF3A1-8774-5448-8A90-E12045B4D3F2}"/>
-              </a:ext>
-            </a:extLst>
-          </p:cNvPr>
-          <p:cNvSpPr>
-            <a:spLocks noGrp="1"/>
-          </p:cNvSpPr>
-          <p:nvPr>
-            <p:ph idx="1"/>
-          </p:nvPr>
-        </p:nvSpPr>
-        <p:spPr>
-          <a:xfrm>
-            <a:off x="628650" y="1116282"/>
-            <a:ext cx="7886700" cy="4031188"/>
-          </a:xfrm>
-        </p:spPr>
-        <p:txBody>
-          <a:bodyPr/>
-          <a:lstStyle/>
-          <a:p>
-            <a:pPr marL="0" indent="0">
-              <a:buNone/>
-              <a:defRPr/>
-            </a:pPr>
-            <a:r>
-              <a:rPr lang="en-US" altLang="zh-CN" sz="2000" dirty="0">
-                <a:ea typeface="宋体" charset="0"/>
-                <a:cs typeface="宋体" charset="0"/>
-              </a:rPr>
-              <a:t>Add from right to left as usual. Follow the three rules below and remember to carry. </a:t>
-            </a:r>
-          </a:p>
-          <a:p>
-            <a:pPr marL="0" indent="0" algn="ctr">
-              <a:buNone/>
-              <a:defRPr/>
-            </a:pPr>
-            <a:r>
-              <a:rPr lang="en-US" altLang="zh-CN" sz="2000" dirty="0">
-                <a:ea typeface="宋体" charset="0"/>
-                <a:cs typeface="宋体" charset="0"/>
-              </a:rPr>
-              <a:t>0 + 0 = 0</a:t>
-            </a:r>
-          </a:p>
-          <a:p>
-            <a:pPr marL="0" indent="0" algn="ctr">
-              <a:buNone/>
-              <a:defRPr/>
-            </a:pPr>
-            <a:r>
-              <a:rPr lang="en-US" altLang="zh-CN" sz="2000" dirty="0">
-                <a:ea typeface="宋体" charset="0"/>
-                <a:cs typeface="宋体" charset="0"/>
-              </a:rPr>
-              <a:t>1 + 0 = 1</a:t>
-            </a:r>
-          </a:p>
-          <a:p>
-            <a:pPr marL="0" indent="0" algn="ctr">
-              <a:buNone/>
-              <a:defRPr/>
-            </a:pPr>
-            <a:r>
-              <a:rPr lang="en-US" altLang="zh-CN" sz="2000" dirty="0">
-                <a:ea typeface="宋体" charset="0"/>
-                <a:cs typeface="宋体" charset="0"/>
-              </a:rPr>
-              <a:t>1 + 1 = 10</a:t>
-            </a:r>
-            <a:endParaRPr lang="en-US" sz="2000" dirty="0"/>
-          </a:p>
-          <a:p>
-            <a:pPr marL="0" indent="0">
-              <a:buNone/>
-              <a:defRPr/>
-            </a:pPr>
-            <a:r>
-              <a:rPr lang="en-US" sz="2000" dirty="0"/>
-              <a:t>Example:</a:t>
-            </a:r>
-          </a:p>
-          <a:p>
-            <a:pPr marL="0" indent="0">
-              <a:buNone/>
-              <a:defRPr/>
-            </a:pPr>
-            <a:endParaRPr lang="en-US" sz="1833" dirty="0"/>
-          </a:p>
-          <a:p>
-            <a:pPr marL="0" indent="0">
-              <a:buNone/>
-              <a:defRPr/>
-            </a:pPr>
-            <a:endParaRPr lang="en-US" sz="1833" dirty="0">
-              <a:latin typeface="Tahoma"/>
-              <a:cs typeface="Tahoma"/>
-            </a:endParaRPr>
-          </a:p>
-        </p:txBody>
-      </p:sp>
-      <p:sp>
-        <p:nvSpPr>
-          <p:cNvPr id="27651" name="TextBox 3">
-            <a:extLst>
-              <a:ext uri="{FF2B5EF4-FFF2-40B4-BE49-F238E27FC236}">
-                <a16:creationId xmlns:a16="http://schemas.microsoft.com/office/drawing/2014/main" id="{6FC605D7-3622-AB4C-89F0-D1DD9A54F1CD}"/>
-              </a:ext>
-            </a:extLst>
-          </p:cNvPr>
-          <p:cNvSpPr txBox="1">
-            <a:spLocks noChangeArrowheads="1"/>
-          </p:cNvSpPr>
-          <p:nvPr/>
-        </p:nvSpPr>
-        <p:spPr bwMode="auto">
-          <a:xfrm>
-            <a:off x="3012282" y="1660261"/>
-            <a:ext cx="184731" cy="323165"/>
-          </a:xfrm>
-          <a:prstGeom prst="rect">
-            <a:avLst/>
-          </a:prstGeom>
-          <a:noFill/>
-          <a:ln>
-            <a:noFill/>
-          </a:ln>
-          <a:extLst>
-            <a:ext uri="{909E8E84-426E-40DD-AFC4-6F175D3DCCD1}">
-              <a14:hiddenFill xmlns:a14="http://schemas.microsoft.com/office/drawing/2010/main">
-                <a:solidFill>
-                  <a:srgbClr val="FFFFFF"/>
-                </a:solidFill>
-              </a14:hiddenFill>
-            </a:ext>
-            <a:ext uri="{91240B29-F687-4F45-9708-019B960494DF}">
-              <a14:hiddenLine xmlns:a14="http://schemas.microsoft.com/office/drawing/2010/main" w="9525">
-                <a:solidFill>
-                  <a:srgbClr val="000000"/>
-                </a:solidFill>
-                <a:miter lim="800000"/>
-                <a:headEnd/>
-                <a:tailEnd/>
-              </a14:hiddenLine>
-            </a:ext>
-          </a:extLst>
-        </p:spPr>
-        <p:txBody>
-          <a:bodyPr wrap="none">
-            <a:spAutoFit/>
-          </a:bodyPr>
-          <a:lstStyle>
-            <a:lvl1pPr>
-              <a:spcBef>
-                <a:spcPct val="20000"/>
-              </a:spcBef>
-              <a:buChar char="•"/>
-              <a:defRPr sz="3200">
-                <a:solidFill>
-                  <a:schemeClr val="tx1"/>
-                </a:solidFill>
-                <a:latin typeface="Arial" panose="020B0604020202020204" pitchFamily="34" charset="0"/>
-                <a:ea typeface="ＭＳ Ｐゴシック" panose="020B0600070205080204" pitchFamily="34" charset="-128"/>
-                <a:cs typeface="Arial" panose="020B0604020202020204" pitchFamily="34" charset="0"/>
-              </a:defRPr>
-            </a:lvl1pPr>
-            <a:lvl2pPr marL="742950" indent="-285750">
-              <a:spcBef>
-                <a:spcPct val="20000"/>
-              </a:spcBef>
-              <a:buChar char="–"/>
-              <a:defRPr sz="2800">
-                <a:solidFill>
-                  <a:schemeClr val="tx1"/>
-                </a:solidFill>
-                <a:latin typeface="Arial" panose="020B0604020202020204" pitchFamily="34" charset="0"/>
-                <a:ea typeface="Arial" panose="020B0604020202020204" pitchFamily="34" charset="0"/>
-                <a:cs typeface="Arial" panose="020B0604020202020204" pitchFamily="34" charset="0"/>
-              </a:defRPr>
-            </a:lvl2pPr>
-            <a:lvl3pPr marL="1143000" indent="-228600">
-              <a:spcBef>
-                <a:spcPct val="20000"/>
-              </a:spcBef>
-              <a:buChar char="•"/>
-              <a:defRPr sz="2400">
-                <a:solidFill>
-                  <a:schemeClr val="tx1"/>
-                </a:solidFill>
-                <a:latin typeface="Arial" panose="020B0604020202020204" pitchFamily="34" charset="0"/>
-                <a:ea typeface="Arial" panose="020B0604020202020204" pitchFamily="34" charset="0"/>
-                <a:cs typeface="Arial" panose="020B0604020202020204" pitchFamily="34" charset="0"/>
-              </a:defRPr>
-            </a:lvl3pPr>
-            <a:lvl4pPr marL="1600200" indent="-228600">
-              <a:spcBef>
-                <a:spcPct val="20000"/>
-              </a:spcBef>
-              <a:buChar char="–"/>
-              <a:defRPr sz="2000">
-                <a:solidFill>
-                  <a:schemeClr val="tx1"/>
-                </a:solidFill>
-                <a:latin typeface="Arial" panose="020B0604020202020204" pitchFamily="34" charset="0"/>
-                <a:ea typeface="Arial" panose="020B0604020202020204" pitchFamily="34" charset="0"/>
-                <a:cs typeface="Arial" panose="020B0604020202020204" pitchFamily="34" charset="0"/>
-              </a:defRPr>
-            </a:lvl4pPr>
-            <a:lvl5pPr marL="2057400" indent="-228600">
-              <a:spcBef>
-                <a:spcPct val="20000"/>
-              </a:spcBef>
-              <a:buChar char="»"/>
-              <a:defRPr sz="2000">
-                <a:solidFill>
-                  <a:schemeClr val="tx1"/>
-                </a:solidFill>
-                <a:latin typeface="Arial" panose="020B0604020202020204" pitchFamily="34" charset="0"/>
-                <a:ea typeface="Arial" panose="020B0604020202020204" pitchFamily="34" charset="0"/>
-                <a:cs typeface="Arial" panose="020B0604020202020204" pitchFamily="34" charset="0"/>
-              </a:defRPr>
-            </a:lvl5pPr>
-            <a:lvl6pPr marL="2514600" indent="-228600" eaLnBrk="0" fontAlgn="base" hangingPunct="0">
-              <a:spcBef>
-                <a:spcPct val="20000"/>
-              </a:spcBef>
-              <a:spcAft>
-                <a:spcPct val="0"/>
-              </a:spcAft>
-              <a:buChar char="»"/>
-              <a:defRPr sz="2000">
-                <a:solidFill>
-                  <a:schemeClr val="tx1"/>
-                </a:solidFill>
-                <a:latin typeface="Arial" panose="020B0604020202020204" pitchFamily="34" charset="0"/>
-                <a:ea typeface="Arial" panose="020B0604020202020204" pitchFamily="34" charset="0"/>
-                <a:cs typeface="Arial" panose="020B0604020202020204" pitchFamily="34" charset="0"/>
-              </a:defRPr>
-            </a:lvl6pPr>
-            <a:lvl7pPr marL="2971800" indent="-228600" eaLnBrk="0" fontAlgn="base" hangingPunct="0">
-              <a:spcBef>
-                <a:spcPct val="20000"/>
-              </a:spcBef>
-              <a:spcAft>
-                <a:spcPct val="0"/>
-              </a:spcAft>
-              <a:buChar char="»"/>
-              <a:defRPr sz="2000">
-                <a:solidFill>
-                  <a:schemeClr val="tx1"/>
-                </a:solidFill>
-                <a:latin typeface="Arial" panose="020B0604020202020204" pitchFamily="34" charset="0"/>
-                <a:ea typeface="Arial" panose="020B0604020202020204" pitchFamily="34" charset="0"/>
-                <a:cs typeface="Arial" panose="020B0604020202020204" pitchFamily="34" charset="0"/>
-              </a:defRPr>
-            </a:lvl7pPr>
-            <a:lvl8pPr marL="3429000" indent="-228600" eaLnBrk="0" fontAlgn="base" hangingPunct="0">
-              <a:spcBef>
-                <a:spcPct val="20000"/>
-              </a:spcBef>
-              <a:spcAft>
-                <a:spcPct val="0"/>
-              </a:spcAft>
-              <a:buChar char="»"/>
-              <a:defRPr sz="2000">
-                <a:solidFill>
-                  <a:schemeClr val="tx1"/>
-                </a:solidFill>
-                <a:latin typeface="Arial" panose="020B0604020202020204" pitchFamily="34" charset="0"/>
-                <a:ea typeface="Arial" panose="020B0604020202020204" pitchFamily="34" charset="0"/>
-                <a:cs typeface="Arial" panose="020B0604020202020204" pitchFamily="34" charset="0"/>
-              </a:defRPr>
-            </a:lvl8pPr>
-            <a:lvl9pPr marL="3886200" indent="-228600" eaLnBrk="0" fontAlgn="base" hangingPunct="0">
-              <a:spcBef>
-                <a:spcPct val="20000"/>
-              </a:spcBef>
-              <a:spcAft>
-                <a:spcPct val="0"/>
-              </a:spcAft>
-              <a:buChar char="»"/>
-              <a:defRPr sz="2000">
-                <a:solidFill>
-                  <a:schemeClr val="tx1"/>
-                </a:solidFill>
-                <a:latin typeface="Arial" panose="020B0604020202020204" pitchFamily="34" charset="0"/>
-                <a:ea typeface="Arial" panose="020B0604020202020204" pitchFamily="34" charset="0"/>
-                <a:cs typeface="Arial" panose="020B0604020202020204" pitchFamily="34" charset="0"/>
-              </a:defRPr>
-            </a:lvl9pPr>
-          </a:lstStyle>
-          <a:p>
-            <a:pPr>
-              <a:spcBef>
-                <a:spcPct val="0"/>
-              </a:spcBef>
-              <a:buFontTx/>
-              <a:buNone/>
-            </a:pPr>
-            <a:endParaRPr lang="en-US" altLang="en-US" sz="1500"/>
-          </a:p>
-        </p:txBody>
-      </p:sp>
-      <p:sp>
-        <p:nvSpPr>
-          <p:cNvPr id="27652" name="TextBox 5">
-            <a:extLst>
-              <a:ext uri="{FF2B5EF4-FFF2-40B4-BE49-F238E27FC236}">
-                <a16:creationId xmlns:a16="http://schemas.microsoft.com/office/drawing/2014/main" id="{D9135003-1544-5E4E-ADFE-49C04929E5EB}"/>
-              </a:ext>
-            </a:extLst>
-          </p:cNvPr>
-          <p:cNvSpPr txBox="1">
-            <a:spLocks noChangeArrowheads="1"/>
-          </p:cNvSpPr>
-          <p:nvPr/>
-        </p:nvSpPr>
-        <p:spPr bwMode="auto">
-          <a:xfrm>
-            <a:off x="3947584" y="1670845"/>
-            <a:ext cx="184731" cy="323165"/>
-          </a:xfrm>
-          <a:prstGeom prst="rect">
-            <a:avLst/>
-          </a:prstGeom>
-          <a:noFill/>
-          <a:ln>
-            <a:noFill/>
-          </a:ln>
-          <a:extLst>
-            <a:ext uri="{909E8E84-426E-40DD-AFC4-6F175D3DCCD1}">
-              <a14:hiddenFill xmlns:a14="http://schemas.microsoft.com/office/drawing/2010/main">
-                <a:solidFill>
-                  <a:srgbClr val="FFFFFF"/>
-                </a:solidFill>
-              </a14:hiddenFill>
-            </a:ext>
-            <a:ext uri="{91240B29-F687-4F45-9708-019B960494DF}">
-              <a14:hiddenLine xmlns:a14="http://schemas.microsoft.com/office/drawing/2010/main" w="9525">
-                <a:solidFill>
-                  <a:srgbClr val="000000"/>
-                </a:solidFill>
-                <a:miter lim="800000"/>
-                <a:headEnd/>
-                <a:tailEnd/>
-              </a14:hiddenLine>
-            </a:ext>
-          </a:extLst>
-        </p:spPr>
-        <p:txBody>
-          <a:bodyPr wrap="none">
-            <a:spAutoFit/>
-          </a:bodyPr>
-          <a:lstStyle>
-            <a:lvl1pPr>
-              <a:spcBef>
-                <a:spcPct val="20000"/>
-              </a:spcBef>
-              <a:buChar char="•"/>
-              <a:defRPr sz="3200">
-                <a:solidFill>
-                  <a:schemeClr val="tx1"/>
-                </a:solidFill>
-                <a:latin typeface="Arial" panose="020B0604020202020204" pitchFamily="34" charset="0"/>
-                <a:ea typeface="ＭＳ Ｐゴシック" panose="020B0600070205080204" pitchFamily="34" charset="-128"/>
-                <a:cs typeface="Arial" panose="020B0604020202020204" pitchFamily="34" charset="0"/>
-              </a:defRPr>
-            </a:lvl1pPr>
-            <a:lvl2pPr marL="742950" indent="-285750">
-              <a:spcBef>
-                <a:spcPct val="20000"/>
-              </a:spcBef>
-              <a:buChar char="–"/>
-              <a:defRPr sz="2800">
-                <a:solidFill>
-                  <a:schemeClr val="tx1"/>
-                </a:solidFill>
-                <a:latin typeface="Arial" panose="020B0604020202020204" pitchFamily="34" charset="0"/>
-                <a:ea typeface="Arial" panose="020B0604020202020204" pitchFamily="34" charset="0"/>
-                <a:cs typeface="Arial" panose="020B0604020202020204" pitchFamily="34" charset="0"/>
-              </a:defRPr>
-            </a:lvl2pPr>
-            <a:lvl3pPr marL="1143000" indent="-228600">
-              <a:spcBef>
-                <a:spcPct val="20000"/>
-              </a:spcBef>
-              <a:buChar char="•"/>
-              <a:defRPr sz="2400">
-                <a:solidFill>
-                  <a:schemeClr val="tx1"/>
-                </a:solidFill>
-                <a:latin typeface="Arial" panose="020B0604020202020204" pitchFamily="34" charset="0"/>
-                <a:ea typeface="Arial" panose="020B0604020202020204" pitchFamily="34" charset="0"/>
-                <a:cs typeface="Arial" panose="020B0604020202020204" pitchFamily="34" charset="0"/>
-              </a:defRPr>
-            </a:lvl3pPr>
-            <a:lvl4pPr marL="1600200" indent="-228600">
-              <a:spcBef>
-                <a:spcPct val="20000"/>
-              </a:spcBef>
-              <a:buChar char="–"/>
-              <a:defRPr sz="2000">
-                <a:solidFill>
-                  <a:schemeClr val="tx1"/>
-                </a:solidFill>
-                <a:latin typeface="Arial" panose="020B0604020202020204" pitchFamily="34" charset="0"/>
-                <a:ea typeface="Arial" panose="020B0604020202020204" pitchFamily="34" charset="0"/>
-                <a:cs typeface="Arial" panose="020B0604020202020204" pitchFamily="34" charset="0"/>
-              </a:defRPr>
-            </a:lvl4pPr>
-            <a:lvl5pPr marL="2057400" indent="-228600">
-              <a:spcBef>
-                <a:spcPct val="20000"/>
-              </a:spcBef>
-              <a:buChar char="»"/>
-              <a:defRPr sz="2000">
-                <a:solidFill>
-                  <a:schemeClr val="tx1"/>
-                </a:solidFill>
-                <a:latin typeface="Arial" panose="020B0604020202020204" pitchFamily="34" charset="0"/>
-                <a:ea typeface="Arial" panose="020B0604020202020204" pitchFamily="34" charset="0"/>
-                <a:cs typeface="Arial" panose="020B0604020202020204" pitchFamily="34" charset="0"/>
-              </a:defRPr>
-            </a:lvl5pPr>
-            <a:lvl6pPr marL="2514600" indent="-228600" eaLnBrk="0" fontAlgn="base" hangingPunct="0">
-              <a:spcBef>
-                <a:spcPct val="20000"/>
-              </a:spcBef>
-              <a:spcAft>
-                <a:spcPct val="0"/>
-              </a:spcAft>
-              <a:buChar char="»"/>
-              <a:defRPr sz="2000">
-                <a:solidFill>
-                  <a:schemeClr val="tx1"/>
-                </a:solidFill>
-                <a:latin typeface="Arial" panose="020B0604020202020204" pitchFamily="34" charset="0"/>
-                <a:ea typeface="Arial" panose="020B0604020202020204" pitchFamily="34" charset="0"/>
-                <a:cs typeface="Arial" panose="020B0604020202020204" pitchFamily="34" charset="0"/>
-              </a:defRPr>
-            </a:lvl6pPr>
-            <a:lvl7pPr marL="2971800" indent="-228600" eaLnBrk="0" fontAlgn="base" hangingPunct="0">
-              <a:spcBef>
-                <a:spcPct val="20000"/>
-              </a:spcBef>
-              <a:spcAft>
-                <a:spcPct val="0"/>
-              </a:spcAft>
-              <a:buChar char="»"/>
-              <a:defRPr sz="2000">
-                <a:solidFill>
-                  <a:schemeClr val="tx1"/>
-                </a:solidFill>
-                <a:latin typeface="Arial" panose="020B0604020202020204" pitchFamily="34" charset="0"/>
-                <a:ea typeface="Arial" panose="020B0604020202020204" pitchFamily="34" charset="0"/>
-                <a:cs typeface="Arial" panose="020B0604020202020204" pitchFamily="34" charset="0"/>
-              </a:defRPr>
-            </a:lvl7pPr>
-            <a:lvl8pPr marL="3429000" indent="-228600" eaLnBrk="0" fontAlgn="base" hangingPunct="0">
-              <a:spcBef>
-                <a:spcPct val="20000"/>
-              </a:spcBef>
-              <a:spcAft>
-                <a:spcPct val="0"/>
-              </a:spcAft>
-              <a:buChar char="»"/>
-              <a:defRPr sz="2000">
-                <a:solidFill>
-                  <a:schemeClr val="tx1"/>
-                </a:solidFill>
-                <a:latin typeface="Arial" panose="020B0604020202020204" pitchFamily="34" charset="0"/>
-                <a:ea typeface="Arial" panose="020B0604020202020204" pitchFamily="34" charset="0"/>
-                <a:cs typeface="Arial" panose="020B0604020202020204" pitchFamily="34" charset="0"/>
-              </a:defRPr>
-            </a:lvl8pPr>
-            <a:lvl9pPr marL="3886200" indent="-228600" eaLnBrk="0" fontAlgn="base" hangingPunct="0">
-              <a:spcBef>
-                <a:spcPct val="20000"/>
-              </a:spcBef>
-              <a:spcAft>
-                <a:spcPct val="0"/>
-              </a:spcAft>
-              <a:buChar char="»"/>
-              <a:defRPr sz="2000">
-                <a:solidFill>
-                  <a:schemeClr val="tx1"/>
-                </a:solidFill>
-                <a:latin typeface="Arial" panose="020B0604020202020204" pitchFamily="34" charset="0"/>
-                <a:ea typeface="Arial" panose="020B0604020202020204" pitchFamily="34" charset="0"/>
-                <a:cs typeface="Arial" panose="020B0604020202020204" pitchFamily="34" charset="0"/>
-              </a:defRPr>
-            </a:lvl9pPr>
-          </a:lstStyle>
-          <a:p>
-            <a:pPr>
-              <a:spcBef>
-                <a:spcPct val="0"/>
-              </a:spcBef>
-              <a:buFontTx/>
-              <a:buNone/>
-            </a:pPr>
-            <a:endParaRPr lang="en-US" altLang="en-US" sz="1500"/>
-          </a:p>
-        </p:txBody>
-      </p:sp>
-      <p:pic>
-        <p:nvPicPr>
-          <p:cNvPr id="27653" name="Picture 4" descr="untitled">
-            <a:extLst>
-              <a:ext uri="{FF2B5EF4-FFF2-40B4-BE49-F238E27FC236}">
-                <a16:creationId xmlns:a16="http://schemas.microsoft.com/office/drawing/2014/main" id="{75F4E284-8B62-804D-956D-6A4F07E681AD}"/>
-              </a:ext>
-            </a:extLst>
-          </p:cNvPr>
-          <p:cNvPicPr>
-            <a:picLocks noChangeAspect="1" noChangeArrowheads="1"/>
-          </p:cNvPicPr>
-          <p:nvPr/>
-        </p:nvPicPr>
-        <p:blipFill>
-          <a:blip r:embed="rId2">
-            <a:extLst>
-              <a:ext uri="{28A0092B-C50C-407E-A947-70E740481C1C}">
-                <a14:useLocalDpi xmlns:a14="http://schemas.microsoft.com/office/drawing/2010/main" val="0"/>
-              </a:ext>
-            </a:extLst>
-          </a:blip>
-          <a:srcRect/>
-          <a:stretch>
-            <a:fillRect/>
-          </a:stretch>
-        </p:blipFill>
-        <p:spPr bwMode="auto">
-          <a:xfrm>
-            <a:off x="2133507" y="3155272"/>
-            <a:ext cx="4398581" cy="2440263"/>
-          </a:xfrm>
-          <a:prstGeom prst="rect">
-            <a:avLst/>
-          </a:prstGeom>
-          <a:noFill/>
-          <a:ln>
-            <a:noFill/>
-          </a:ln>
-          <a:effectLst/>
-          <a:extLst>
-            <a:ext uri="{909E8E84-426E-40DD-AFC4-6F175D3DCCD1}">
-              <a14:hiddenFill xmlns:a14="http://schemas.microsoft.com/office/drawing/2010/main">
-                <a:solidFill>
-                  <a:srgbClr val="FFFFFF"/>
-                </a:solidFill>
-              </a14:hiddenFill>
-            </a:ext>
-            <a:ext uri="{91240B29-F687-4F45-9708-019B960494DF}">
-              <a14:hiddenLine xmlns:a14="http://schemas.microsoft.com/office/drawing/2010/main" w="9525">
-                <a:solidFill>
-                  <a:srgbClr val="000000"/>
-                </a:solidFill>
-                <a:miter lim="800000"/>
-                <a:headEnd/>
-                <a:tailEnd/>
-              </a14:hiddenLine>
-            </a:ext>
-            <a:ext uri="{AF507438-7753-43E0-B8FC-AC1667EBCBE1}">
-              <a14:hiddenEffects xmlns:a14="http://schemas.microsoft.com/office/drawing/2010/main">
-                <a:effectLst>
-                  <a:outerShdw dist="35921" dir="2700000" algn="ctr" rotWithShape="0">
-                    <a:srgbClr val="808080">
-                      <a:alpha val="74997"/>
-                    </a:srgbClr>
-                  </a:outerShdw>
-                </a:effectLst>
-              </a14:hiddenEffects>
-            </a:ext>
-          </a:extLst>
-        </p:spPr>
-      </p:pic>
-    </p:spTree>
-    <p:extLst>
-      <p:ext uri="{BB962C8B-B14F-4D97-AF65-F5344CB8AC3E}">
-        <p14:creationId xmlns:p14="http://schemas.microsoft.com/office/powerpoint/2010/main" val="3906700287"/>
-      </p:ext>
-    </p:extLst>
-  </p:cSld>
-  <p:clrMapOvr>
-    <a:masterClrMapping/>
-  </p:clrMapOvr>
-  <p:timing>
-    <p:tnLst>
-      <p:par>
-        <p:cTn id="1" dur="indefinite" restart="never" nodeType="tmRoot">
-          <p:childTnLst>
-            <p:seq concurrent="1" nextAc="seek">
-              <p:cTn id="2" dur="indefinite" nodeType="mainSeq">
-                <p:childTnLst>
-                  <p:par>
-                    <p:cTn id="3" fill="hold">
-                      <p:stCondLst>
-                        <p:cond delay="indefinite"/>
-                      </p:stCondLst>
-                      <p:childTnLst>
-                        <p:par>
-                          <p:cTn id="4" fill="hold">
-                            <p:stCondLst>
-                              <p:cond delay="0"/>
-                            </p:stCondLst>
-                            <p:childTnLst>
-                              <p:par>
-                                <p:cTn id="5" presetID="1" presetClass="entr" presetSubtype="0" fill="hold" nodeType="clickEffect">
-                                  <p:stCondLst>
-                                    <p:cond delay="0"/>
-                                  </p:stCondLst>
-                                  <p:childTnLst>
-                                    <p:set>
-                                      <p:cBhvr>
-                                        <p:cTn id="6" dur="1" fill="hold">
-                                          <p:stCondLst>
-                                            <p:cond delay="0"/>
-                                          </p:stCondLst>
-                                        </p:cTn>
-                                        <p:tgtEl>
-                                          <p:spTgt spid="3">
-                                            <p:txEl>
-                                              <p:pRg st="1" end="1"/>
-                                            </p:txEl>
-                                          </p:spTgt>
-                                        </p:tgtEl>
-                                        <p:attrNameLst>
-                                          <p:attrName>style.visibility</p:attrName>
-                                        </p:attrNameLst>
-                                      </p:cBhvr>
-                                      <p:to>
-                                        <p:strVal val="visible"/>
-                                      </p:to>
-                                    </p:set>
-                                  </p:childTnLst>
-                                </p:cTn>
-                              </p:par>
-                              <p:par>
-                                <p:cTn id="7" presetID="1" presetClass="entr" presetSubtype="0" fill="hold" nodeType="withEffect">
-                                  <p:stCondLst>
-                                    <p:cond delay="0"/>
-                                  </p:stCondLst>
-                                  <p:childTnLst>
-                                    <p:set>
-                                      <p:cBhvr>
-                                        <p:cTn id="8" dur="1" fill="hold">
-                                          <p:stCondLst>
-                                            <p:cond delay="0"/>
-                                          </p:stCondLst>
-                                        </p:cTn>
-                                        <p:tgtEl>
-                                          <p:spTgt spid="3">
-                                            <p:txEl>
-                                              <p:pRg st="2" end="2"/>
-                                            </p:txEl>
-                                          </p:spTgt>
-                                        </p:tgtEl>
-                                        <p:attrNameLst>
-                                          <p:attrName>style.visibility</p:attrName>
-                                        </p:attrNameLst>
-                                      </p:cBhvr>
-                                      <p:to>
-                                        <p:strVal val="visible"/>
-                                      </p:to>
-                                    </p:set>
-                                  </p:childTnLst>
-                                </p:cTn>
-                              </p:par>
-                              <p:par>
-                                <p:cTn id="9" presetID="1" presetClass="entr" presetSubtype="0" fill="hold" nodeType="withEffect">
-                                  <p:stCondLst>
-                                    <p:cond delay="0"/>
-                                  </p:stCondLst>
-                                  <p:childTnLst>
-                                    <p:set>
-                                      <p:cBhvr>
-                                        <p:cTn id="10" dur="1" fill="hold">
-                                          <p:stCondLst>
-                                            <p:cond delay="0"/>
-                                          </p:stCondLst>
-                                        </p:cTn>
-                                        <p:tgtEl>
-                                          <p:spTgt spid="3">
-                                            <p:txEl>
-                                              <p:pRg st="3" end="3"/>
-                                            </p:txEl>
-                                          </p:spTgt>
-                                        </p:tgtEl>
-                                        <p:attrNameLst>
-                                          <p:attrName>style.visibility</p:attrName>
-                                        </p:attrNameLst>
-                                      </p:cBhvr>
-                                      <p:to>
-                                        <p:strVal val="visible"/>
-                                      </p:to>
-                                    </p:set>
-                                  </p:childTnLst>
-                                </p:cTn>
-                              </p:par>
-                              <p:par>
-                                <p:cTn id="11" presetID="1" presetClass="entr" presetSubtype="0" fill="hold" nodeType="withEffect">
-                                  <p:stCondLst>
-                                    <p:cond delay="0"/>
-                                  </p:stCondLst>
-                                  <p:childTnLst>
-                                    <p:set>
-                                      <p:cBhvr>
-                                        <p:cTn id="12" dur="1" fill="hold">
-                                          <p:stCondLst>
-                                            <p:cond delay="0"/>
-                                          </p:stCondLst>
-                                        </p:cTn>
-                                        <p:tgtEl>
-                                          <p:spTgt spid="3">
-                                            <p:txEl>
-                                              <p:pRg st="4" end="4"/>
-                                            </p:txEl>
-                                          </p:spTgt>
-                                        </p:tgtEl>
-                                        <p:attrNameLst>
-                                          <p:attrName>style.visibility</p:attrName>
-                                        </p:attrNameLst>
-                                      </p:cBhvr>
-                                      <p:to>
-                                        <p:strVal val="visible"/>
-                                      </p:to>
-                                    </p:set>
-                                  </p:childTnLst>
-                                </p:cTn>
-                              </p:par>
-                            </p:childTnLst>
-                          </p:cTn>
-                        </p:par>
-                      </p:childTnLst>
-                    </p:cTn>
-                  </p:par>
-                  <p:par>
-                    <p:cTn id="13" fill="hold">
-                      <p:stCondLst>
-                        <p:cond delay="indefinite"/>
-                      </p:stCondLst>
-                      <p:childTnLst>
-                        <p:par>
-                          <p:cTn id="14" fill="hold">
-                            <p:stCondLst>
-                              <p:cond delay="0"/>
-                            </p:stCondLst>
-                            <p:childTnLst>
-                              <p:par>
-                                <p:cTn id="15" presetID="1" presetClass="entr" presetSubtype="0" fill="hold" nodeType="clickEffect">
-                                  <p:stCondLst>
-                                    <p:cond delay="0"/>
-                                  </p:stCondLst>
-                                  <p:childTnLst>
-                                    <p:set>
-                                      <p:cBhvr>
-                                        <p:cTn id="16" dur="1" fill="hold">
-                                          <p:stCondLst>
-                                            <p:cond delay="0"/>
-                                          </p:stCondLst>
-                                        </p:cTn>
-                                        <p:tgtEl>
-                                          <p:spTgt spid="27653"/>
-                                        </p:tgtEl>
-                                        <p:attrNameLst>
-                                          <p:attrName>style.visibility</p:attrName>
-                                        </p:attrNameLst>
-                                      </p:cBhvr>
-                                      <p:to>
-                                        <p:strVal val="visible"/>
-                                      </p:to>
-                                    </p:set>
-                                  </p:childTnLst>
-                                </p:cTn>
-                              </p:par>
-                            </p:childTnLst>
-                          </p:cTn>
-                        </p:par>
-                      </p:childTnLst>
-                    </p:cTn>
-                  </p:par>
-                </p:childTnLst>
-              </p:cTn>
-              <p:prevCondLst>
-                <p:cond evt="onPrev" delay="0">
-                  <p:tgtEl>
-                    <p:sldTgt/>
-                  </p:tgtEl>
-                </p:cond>
-              </p:prevCondLst>
-              <p:nextCondLst>
-                <p:cond evt="onNext" delay="0">
-                  <p:tgtEl>
-                    <p:sldTgt/>
-                  </p:tgtEl>
-                </p:cond>
-              </p:nextCondLst>
-            </p:seq>
-          </p:childTnLst>
-        </p:cTn>
-      </p:par>
-    </p:tnLst>
-  </p:timing>
-</p:sld>
-</file>
-
-<file path=ppt/slides/slide11.xml><?xml version="1.0" encoding="utf-8"?>
 <p:sld xmlns:a="http://schemas.openxmlformats.org/drawingml/2006/main" xmlns:r="http://schemas.openxmlformats.org/officeDocument/2006/relationships" xmlns:p="http://schemas.openxmlformats.org/presentationml/2006/main">
   <p:cSld>
     <p:spTree>
@@ -6399,7 +5741,7 @@
 </p:sld>
 </file>
 
-<file path=ppt/slides/slide12.xml><?xml version="1.0" encoding="utf-8"?>
+<file path=ppt/slides/slide11.xml><?xml version="1.0" encoding="utf-8"?>
 <p:sld xmlns:a="http://schemas.openxmlformats.org/drawingml/2006/main" xmlns:r="http://schemas.openxmlformats.org/officeDocument/2006/relationships" xmlns:p="http://schemas.openxmlformats.org/presentationml/2006/main">
   <p:cSld>
     <p:spTree>
@@ -6796,7 +6138,7 @@
 </p:sld>
 </file>
 
-<file path=ppt/slides/slide13.xml><?xml version="1.0" encoding="utf-8"?>
+<file path=ppt/slides/slide12.xml><?xml version="1.0" encoding="utf-8"?>
 <p:sld xmlns:a="http://schemas.openxmlformats.org/drawingml/2006/main" xmlns:r="http://schemas.openxmlformats.org/officeDocument/2006/relationships" xmlns:p="http://schemas.openxmlformats.org/presentationml/2006/main">
   <p:cSld>
     <p:spTree>
@@ -7360,7 +6702,7 @@
 </p:sld>
 </file>
 
-<file path=ppt/slides/slide14.xml><?xml version="1.0" encoding="utf-8"?>
+<file path=ppt/slides/slide13.xml><?xml version="1.0" encoding="utf-8"?>
 <p:sld xmlns:a="http://schemas.openxmlformats.org/drawingml/2006/main" xmlns:r="http://schemas.openxmlformats.org/officeDocument/2006/relationships" xmlns:p="http://schemas.openxmlformats.org/presentationml/2006/main">
   <p:cSld>
     <p:spTree>
@@ -7936,7 +7278,7 @@
 </p:sld>
 </file>
 
-<file path=ppt/slides/slide15.xml><?xml version="1.0" encoding="utf-8"?>
+<file path=ppt/slides/slide14.xml><?xml version="1.0" encoding="utf-8"?>
 <p:sld xmlns:a="http://schemas.openxmlformats.org/drawingml/2006/main" xmlns:r="http://schemas.openxmlformats.org/officeDocument/2006/relationships" xmlns:p="http://schemas.openxmlformats.org/presentationml/2006/main">
   <p:cSld>
     <p:spTree>
@@ -8602,7 +7944,7 @@
 </p:sld>
 </file>
 
-<file path=ppt/slides/slide16.xml><?xml version="1.0" encoding="utf-8"?>
+<file path=ppt/slides/slide15.xml><?xml version="1.0" encoding="utf-8"?>
 <p:sld xmlns:a="http://schemas.openxmlformats.org/drawingml/2006/main" xmlns:r="http://schemas.openxmlformats.org/officeDocument/2006/relationships" xmlns:p="http://schemas.openxmlformats.org/presentationml/2006/main">
   <p:cSld>
     <p:spTree>
@@ -9800,7 +9142,7 @@
 </p:sld>
 </file>
 
-<file path=ppt/slides/slide17.xml><?xml version="1.0" encoding="utf-8"?>
+<file path=ppt/slides/slide16.xml><?xml version="1.0" encoding="utf-8"?>
 <p:sld xmlns:a="http://schemas.openxmlformats.org/drawingml/2006/main" xmlns:r="http://schemas.openxmlformats.org/officeDocument/2006/relationships" xmlns:p="http://schemas.openxmlformats.org/presentationml/2006/main">
   <p:cSld>
     <p:spTree>
@@ -9942,7 +9284,7 @@
 </p:sld>
 </file>
 
-<file path=ppt/slides/slide18.xml><?xml version="1.0" encoding="utf-8"?>
+<file path=ppt/slides/slide17.xml><?xml version="1.0" encoding="utf-8"?>
 <p:sld xmlns:a="http://schemas.openxmlformats.org/drawingml/2006/main" xmlns:r="http://schemas.openxmlformats.org/officeDocument/2006/relationships" xmlns:p="http://schemas.openxmlformats.org/presentationml/2006/main">
   <p:cSld>
     <p:spTree>
@@ -10533,7 +9875,7 @@
 </p:sld>
 </file>
 
-<file path=ppt/slides/slide19.xml><?xml version="1.0" encoding="utf-8"?>
+<file path=ppt/slides/slide18.xml><?xml version="1.0" encoding="utf-8"?>
 <p:sld xmlns:a="http://schemas.openxmlformats.org/drawingml/2006/main" xmlns:r="http://schemas.openxmlformats.org/officeDocument/2006/relationships" xmlns:p="http://schemas.openxmlformats.org/presentationml/2006/main">
   <p:cSld>
     <p:spTree>
@@ -11058,149 +10400,7 @@
 </p:sld>
 </file>
 
-<file path=ppt/slides/slide2.xml><?xml version="1.0" encoding="utf-8"?>
-<p:sld xmlns:a="http://schemas.openxmlformats.org/drawingml/2006/main" xmlns:r="http://schemas.openxmlformats.org/officeDocument/2006/relationships" xmlns:p="http://schemas.openxmlformats.org/presentationml/2006/main">
-  <p:cSld>
-    <p:spTree>
-      <p:nvGrpSpPr>
-        <p:cNvPr id="1" name=""/>
-        <p:cNvGrpSpPr/>
-        <p:nvPr/>
-      </p:nvGrpSpPr>
-      <p:grpSpPr>
-        <a:xfrm>
-          <a:off x="0" y="0"/>
-          <a:ext cx="0" cy="0"/>
-          <a:chOff x="0" y="0"/>
-          <a:chExt cx="0" cy="0"/>
-        </a:xfrm>
-      </p:grpSpPr>
-      <p:sp>
-        <p:nvSpPr>
-          <p:cNvPr id="35841" name="Title 1">
-            <a:extLst>
-              <a:ext uri="{FF2B5EF4-FFF2-40B4-BE49-F238E27FC236}">
-                <a16:creationId xmlns:a16="http://schemas.microsoft.com/office/drawing/2014/main" id="{45A1ECB0-3872-DA48-8755-B55DCCF62586}"/>
-              </a:ext>
-            </a:extLst>
-          </p:cNvPr>
-          <p:cNvSpPr>
-            <a:spLocks noGrp="1" noChangeArrowheads="1"/>
-          </p:cNvSpPr>
-          <p:nvPr>
-            <p:ph type="title"/>
-          </p:nvPr>
-        </p:nvSpPr>
-        <p:spPr/>
-        <p:txBody>
-          <a:bodyPr/>
-          <a:lstStyle/>
-          <a:p>
-            <a:pPr eaLnBrk="1" hangingPunct="1"/>
-            <a:endParaRPr lang="en-US" altLang="en-US">
-              <a:ea typeface="ＭＳ Ｐゴシック" panose="020B0600070205080204" pitchFamily="34" charset="-128"/>
-            </a:endParaRPr>
-          </a:p>
-        </p:txBody>
-      </p:sp>
-      <p:sp>
-        <p:nvSpPr>
-          <p:cNvPr id="35842" name="Content Placeholder 2">
-            <a:extLst>
-              <a:ext uri="{FF2B5EF4-FFF2-40B4-BE49-F238E27FC236}">
-                <a16:creationId xmlns:a16="http://schemas.microsoft.com/office/drawing/2014/main" id="{0B0C4E89-D419-8343-A309-ADA122397E36}"/>
-              </a:ext>
-            </a:extLst>
-          </p:cNvPr>
-          <p:cNvSpPr>
-            <a:spLocks noGrp="1" noChangeArrowheads="1"/>
-          </p:cNvSpPr>
-          <p:nvPr>
-            <p:ph idx="1"/>
-          </p:nvPr>
-        </p:nvSpPr>
-        <p:spPr>
-          <a:xfrm>
-            <a:off x="466280" y="547133"/>
-            <a:ext cx="7886700" cy="3626115"/>
-          </a:xfrm>
-        </p:spPr>
-        <p:txBody>
-          <a:bodyPr/>
-          <a:lstStyle/>
-          <a:p>
-            <a:pPr marL="0" indent="0">
-              <a:buNone/>
-            </a:pPr>
-            <a:endParaRPr lang="en-US" altLang="en-US" sz="1833" dirty="0">
-              <a:latin typeface="Tahoma" panose="020B0604030504040204" pitchFamily="34" charset="0"/>
-              <a:ea typeface="ＭＳ Ｐゴシック" panose="020B0600070205080204" pitchFamily="34" charset="-128"/>
-            </a:endParaRPr>
-          </a:p>
-          <a:p>
-            <a:pPr marL="0" indent="0">
-              <a:buNone/>
-            </a:pPr>
-            <a:endParaRPr lang="en-US" altLang="en-US" sz="1833" dirty="0">
-              <a:latin typeface="Tahoma" panose="020B0604030504040204" pitchFamily="34" charset="0"/>
-              <a:ea typeface="ＭＳ Ｐゴシック" panose="020B0600070205080204" pitchFamily="34" charset="-128"/>
-            </a:endParaRPr>
-          </a:p>
-          <a:p>
-            <a:pPr marL="0" indent="0">
-              <a:buNone/>
-            </a:pPr>
-            <a:endParaRPr lang="en-US" altLang="en-US" sz="1833" dirty="0">
-              <a:latin typeface="Tahoma" panose="020B0604030504040204" pitchFamily="34" charset="0"/>
-              <a:ea typeface="ＭＳ Ｐゴシック" panose="020B0600070205080204" pitchFamily="34" charset="-128"/>
-            </a:endParaRPr>
-          </a:p>
-          <a:p>
-            <a:pPr marL="0" indent="0">
-              <a:buNone/>
-            </a:pPr>
-            <a:endParaRPr lang="en-US" altLang="en-US" sz="1833" dirty="0">
-              <a:latin typeface="Tahoma" panose="020B0604030504040204" pitchFamily="34" charset="0"/>
-              <a:ea typeface="ＭＳ Ｐゴシック" panose="020B0600070205080204" pitchFamily="34" charset="-128"/>
-            </a:endParaRPr>
-          </a:p>
-          <a:p>
-            <a:pPr marL="0" indent="0" algn="ctr">
-              <a:buNone/>
-            </a:pPr>
-            <a:r>
-              <a:rPr lang="en-US" altLang="en-US" sz="3333" b="1" dirty="0">
-                <a:latin typeface="Tahoma" panose="020B0604030504040204" pitchFamily="34" charset="0"/>
-                <a:ea typeface="ＭＳ Ｐゴシック" panose="020B0600070205080204" pitchFamily="34" charset="-128"/>
-              </a:rPr>
-              <a:t>Number Systems</a:t>
-            </a:r>
-          </a:p>
-          <a:p>
-            <a:pPr marL="0" indent="0">
-              <a:buNone/>
-            </a:pPr>
-            <a:endParaRPr lang="en-US" altLang="en-US" sz="1833" dirty="0">
-              <a:latin typeface="Tahoma" panose="020B0604030504040204" pitchFamily="34" charset="0"/>
-              <a:ea typeface="ＭＳ Ｐゴシック" panose="020B0600070205080204" pitchFamily="34" charset="-128"/>
-            </a:endParaRPr>
-          </a:p>
-        </p:txBody>
-      </p:sp>
-    </p:spTree>
-    <p:extLst>
-      <p:ext uri="{BB962C8B-B14F-4D97-AF65-F5344CB8AC3E}">
-        <p14:creationId xmlns:p14="http://schemas.microsoft.com/office/powerpoint/2010/main" val="3556500226"/>
-      </p:ext>
-    </p:extLst>
-  </p:cSld>
-  <p:clrMapOvr>
-    <a:masterClrMapping/>
-  </p:clrMapOvr>
-</p:sld>
-</file>
-
-<file path=ppt/slides/slide20.xml><?xml version="1.0" encoding="utf-8"?>
+<file path=ppt/slides/slide19.xml><?xml version="1.0" encoding="utf-8"?>
 <p:sld xmlns:a="http://schemas.openxmlformats.org/drawingml/2006/main" xmlns:r="http://schemas.openxmlformats.org/officeDocument/2006/relationships" xmlns:p="http://schemas.openxmlformats.org/presentationml/2006/main">
   <p:cSld>
     <p:spTree>
@@ -12302,7 +11502,455 @@
 </p:sld>
 </file>
 
-<file path=ppt/slides/slide21.xml><?xml version="1.0" encoding="utf-8"?>
+<file path=ppt/slides/slide2.xml><?xml version="1.0" encoding="utf-8"?>
+<p:sld xmlns:a="http://schemas.openxmlformats.org/drawingml/2006/main" xmlns:r="http://schemas.openxmlformats.org/officeDocument/2006/relationships" xmlns:p="http://schemas.openxmlformats.org/presentationml/2006/main">
+  <p:cSld>
+    <p:spTree>
+      <p:nvGrpSpPr>
+        <p:cNvPr id="1" name=""/>
+        <p:cNvGrpSpPr/>
+        <p:nvPr/>
+      </p:nvGrpSpPr>
+      <p:grpSpPr>
+        <a:xfrm>
+          <a:off x="0" y="0"/>
+          <a:ext cx="0" cy="0"/>
+          <a:chOff x="0" y="0"/>
+          <a:chExt cx="0" cy="0"/>
+        </a:xfrm>
+      </p:grpSpPr>
+      <p:sp>
+        <p:nvSpPr>
+          <p:cNvPr id="21505" name="Title 1">
+            <a:extLst>
+              <a:ext uri="{FF2B5EF4-FFF2-40B4-BE49-F238E27FC236}">
+                <a16:creationId xmlns:a16="http://schemas.microsoft.com/office/drawing/2014/main" id="{BCBA125C-ACA7-FB47-96FC-9420F821AD81}"/>
+              </a:ext>
+            </a:extLst>
+          </p:cNvPr>
+          <p:cNvSpPr>
+            <a:spLocks noGrp="1" noChangeArrowheads="1"/>
+          </p:cNvSpPr>
+          <p:nvPr>
+            <p:ph type="title"/>
+          </p:nvPr>
+        </p:nvSpPr>
+        <p:spPr/>
+        <p:txBody>
+          <a:bodyPr/>
+          <a:lstStyle/>
+          <a:p>
+            <a:pPr eaLnBrk="1" hangingPunct="1"/>
+            <a:r>
+              <a:rPr lang="en-US" altLang="en-US">
+                <a:ea typeface="ＭＳ Ｐゴシック" panose="020B0600070205080204" pitchFamily="34" charset="-128"/>
+              </a:rPr>
+              <a:t>Base 10 </a:t>
+            </a:r>
+            <a:r>
+              <a:rPr lang="en-US" altLang="zh-CN">
+                <a:ea typeface="宋体" panose="02010600030101010101" pitchFamily="2" charset="-122"/>
+              </a:rPr>
+              <a:t>(Decimal numbers)</a:t>
+            </a:r>
+            <a:endParaRPr lang="en-US" altLang="en-US">
+              <a:ea typeface="ＭＳ Ｐゴシック" panose="020B0600070205080204" pitchFamily="34" charset="-128"/>
+            </a:endParaRPr>
+          </a:p>
+        </p:txBody>
+      </p:sp>
+      <p:sp>
+        <p:nvSpPr>
+          <p:cNvPr id="3" name="Content Placeholder 2">
+            <a:extLst>
+              <a:ext uri="{FF2B5EF4-FFF2-40B4-BE49-F238E27FC236}">
+                <a16:creationId xmlns:a16="http://schemas.microsoft.com/office/drawing/2014/main" id="{44A58473-3189-0C44-8A5E-E353CDFB3E5C}"/>
+              </a:ext>
+            </a:extLst>
+          </p:cNvPr>
+          <p:cNvSpPr>
+            <a:spLocks noGrp="1" noChangeArrowheads="1"/>
+          </p:cNvSpPr>
+          <p:nvPr>
+            <p:ph idx="1"/>
+          </p:nvPr>
+        </p:nvSpPr>
+        <p:spPr/>
+        <p:txBody>
+          <a:bodyPr/>
+          <a:lstStyle/>
+          <a:p>
+            <a:pPr marL="0" indent="0">
+              <a:buNone/>
+            </a:pPr>
+            <a:r>
+              <a:rPr lang="en-US" altLang="en-US" sz="2333" dirty="0">
+                <a:solidFill>
+                  <a:srgbClr val="000000"/>
+                </a:solidFill>
+                <a:ea typeface="ＭＳ Ｐゴシック" panose="020B0600070205080204" pitchFamily="34" charset="-128"/>
+              </a:rPr>
+              <a:t>Why base 10?</a:t>
+            </a:r>
+          </a:p>
+          <a:p>
+            <a:pPr marL="0" indent="0">
+              <a:buNone/>
+            </a:pPr>
+            <a:endParaRPr lang="en-US" altLang="zh-CN" sz="1833" dirty="0">
+              <a:ea typeface="ＭＳ Ｐゴシック" panose="020B0600070205080204" pitchFamily="34" charset="-128"/>
+            </a:endParaRPr>
+          </a:p>
+          <a:p>
+            <a:pPr marL="0" indent="0">
+              <a:buNone/>
+            </a:pPr>
+            <a:r>
+              <a:rPr lang="en-US" altLang="zh-CN" sz="2000" dirty="0">
+                <a:ea typeface="宋体" panose="02010600030101010101" pitchFamily="2" charset="-122"/>
+              </a:rPr>
+              <a:t>We </a:t>
+            </a:r>
+            <a:r>
+              <a:rPr lang="en-US" altLang="zh-CN" sz="2000" i="1" dirty="0">
+                <a:ea typeface="宋体" panose="02010600030101010101" pitchFamily="2" charset="-122"/>
+              </a:rPr>
+              <a:t>happened</a:t>
+            </a:r>
+            <a:r>
+              <a:rPr lang="en-US" altLang="zh-CN" sz="2000" dirty="0">
+                <a:ea typeface="宋体" panose="02010600030101010101" pitchFamily="2" charset="-122"/>
+              </a:rPr>
+              <a:t> to use the current counting system, because we happened to have ten fingers.</a:t>
+            </a:r>
+          </a:p>
+          <a:p>
+            <a:pPr marL="0" indent="0">
+              <a:buNone/>
+            </a:pPr>
+            <a:endParaRPr lang="en-US" altLang="zh-CN" sz="2000" dirty="0">
+              <a:ea typeface="宋体" panose="02010600030101010101" pitchFamily="2" charset="-122"/>
+            </a:endParaRPr>
+          </a:p>
+          <a:p>
+            <a:pPr marL="0" indent="0">
+              <a:buNone/>
+            </a:pPr>
+            <a:r>
+              <a:rPr lang="en-US" altLang="zh-CN" sz="2000" dirty="0">
+                <a:ea typeface="宋体" panose="02010600030101010101" pitchFamily="2" charset="-122"/>
+              </a:rPr>
+              <a:t>Base 10(Decimal) uses 10 digits {0,1,2,3…,9}.</a:t>
+            </a:r>
+          </a:p>
+          <a:p>
+            <a:pPr marL="0" indent="0">
+              <a:buNone/>
+            </a:pPr>
+            <a:r>
+              <a:rPr lang="en-US" altLang="zh-CN" sz="2000" dirty="0">
+                <a:ea typeface="宋体" panose="02010600030101010101" pitchFamily="2" charset="-122"/>
+              </a:rPr>
+              <a:t>Base 2(Binary) uses 2 digits {0,1}.</a:t>
+            </a:r>
+          </a:p>
+          <a:p>
+            <a:pPr marL="0" indent="0">
+              <a:buNone/>
+            </a:pPr>
+            <a:r>
+              <a:rPr lang="en-US" altLang="zh-CN" sz="2000" dirty="0">
+                <a:ea typeface="宋体" panose="02010600030101010101" pitchFamily="2" charset="-122"/>
+              </a:rPr>
+              <a:t>Base 8(Octal) uses 8 digits {0,1,2,3,4,5,6,7}</a:t>
+            </a:r>
+          </a:p>
+          <a:p>
+            <a:pPr marL="0" indent="0">
+              <a:buNone/>
+            </a:pPr>
+            <a:endParaRPr lang="en-US" altLang="zh-CN" sz="2000" dirty="0">
+              <a:ea typeface="宋体" panose="02010600030101010101" pitchFamily="2" charset="-122"/>
+            </a:endParaRPr>
+          </a:p>
+          <a:p>
+            <a:pPr marL="0" indent="0"/>
+            <a:endParaRPr lang="en-US" altLang="en-US" sz="2000" dirty="0">
+              <a:ea typeface="ＭＳ Ｐゴシック" panose="020B0600070205080204" pitchFamily="34" charset="-128"/>
+            </a:endParaRPr>
+          </a:p>
+          <a:p>
+            <a:pPr marL="0" indent="0">
+              <a:buNone/>
+            </a:pPr>
+            <a:endParaRPr lang="en-US" altLang="en-US" sz="1833" dirty="0">
+              <a:ea typeface="ＭＳ Ｐゴシック" panose="020B0600070205080204" pitchFamily="34" charset="-128"/>
+            </a:endParaRPr>
+          </a:p>
+          <a:p>
+            <a:pPr marL="0" indent="0">
+              <a:buNone/>
+            </a:pPr>
+            <a:endParaRPr lang="en-US" altLang="en-US" sz="1833" dirty="0">
+              <a:latin typeface="Tahoma" panose="020B0604030504040204" pitchFamily="34" charset="0"/>
+              <a:ea typeface="ＭＳ Ｐゴシック" panose="020B0600070205080204" pitchFamily="34" charset="-128"/>
+            </a:endParaRPr>
+          </a:p>
+        </p:txBody>
+      </p:sp>
+    </p:spTree>
+    <p:extLst>
+      <p:ext uri="{BB962C8B-B14F-4D97-AF65-F5344CB8AC3E}">
+        <p14:creationId xmlns:p14="http://schemas.microsoft.com/office/powerpoint/2010/main" val="3947558204"/>
+      </p:ext>
+    </p:extLst>
+  </p:cSld>
+  <p:clrMapOvr>
+    <a:masterClrMapping/>
+  </p:clrMapOvr>
+  <p:timing>
+    <p:tnLst>
+      <p:par>
+        <p:cTn id="1" dur="indefinite" restart="never" nodeType="tmRoot">
+          <p:childTnLst>
+            <p:seq concurrent="1" nextAc="seek">
+              <p:cTn id="2" dur="indefinite" nodeType="mainSeq">
+                <p:childTnLst>
+                  <p:par>
+                    <p:cTn id="3" fill="hold" nodeType="clickPar">
+                      <p:stCondLst>
+                        <p:cond delay="indefinite"/>
+                      </p:stCondLst>
+                      <p:childTnLst>
+                        <p:par>
+                          <p:cTn id="4" fill="hold" nodeType="withGroup">
+                            <p:stCondLst>
+                              <p:cond delay="0"/>
+                            </p:stCondLst>
+                            <p:childTnLst>
+                              <p:par>
+                                <p:cTn id="5" presetID="1" presetClass="entr" presetSubtype="0" fill="hold" nodeType="clickEffect">
+                                  <p:stCondLst>
+                                    <p:cond delay="0"/>
+                                  </p:stCondLst>
+                                  <p:childTnLst>
+                                    <p:set>
+                                      <p:cBhvr>
+                                        <p:cTn id="6" dur="1" fill="hold">
+                                          <p:stCondLst>
+                                            <p:cond delay="0"/>
+                                          </p:stCondLst>
+                                        </p:cTn>
+                                        <p:tgtEl>
+                                          <p:spTgt spid="3">
+                                            <p:txEl>
+                                              <p:pRg st="0" end="0"/>
+                                            </p:txEl>
+                                          </p:spTgt>
+                                        </p:tgtEl>
+                                        <p:attrNameLst>
+                                          <p:attrName>style.visibility</p:attrName>
+                                        </p:attrNameLst>
+                                      </p:cBhvr>
+                                      <p:to>
+                                        <p:strVal val="visible"/>
+                                      </p:to>
+                                    </p:set>
+                                  </p:childTnLst>
+                                </p:cTn>
+                              </p:par>
+                            </p:childTnLst>
+                          </p:cTn>
+                        </p:par>
+                      </p:childTnLst>
+                    </p:cTn>
+                  </p:par>
+                  <p:par>
+                    <p:cTn id="7" fill="hold" nodeType="clickPar">
+                      <p:stCondLst>
+                        <p:cond delay="indefinite"/>
+                      </p:stCondLst>
+                      <p:childTnLst>
+                        <p:par>
+                          <p:cTn id="8" fill="hold" nodeType="withGroup">
+                            <p:stCondLst>
+                              <p:cond delay="0"/>
+                            </p:stCondLst>
+                            <p:childTnLst>
+                              <p:par>
+                                <p:cTn id="9" presetID="1" presetClass="entr" presetSubtype="0" fill="hold" nodeType="clickEffect">
+                                  <p:stCondLst>
+                                    <p:cond delay="0"/>
+                                  </p:stCondLst>
+                                  <p:childTnLst>
+                                    <p:set>
+                                      <p:cBhvr>
+                                        <p:cTn id="10" dur="1" fill="hold">
+                                          <p:stCondLst>
+                                            <p:cond delay="0"/>
+                                          </p:stCondLst>
+                                        </p:cTn>
+                                        <p:tgtEl>
+                                          <p:spTgt spid="3">
+                                            <p:txEl>
+                                              <p:pRg st="2" end="2"/>
+                                            </p:txEl>
+                                          </p:spTgt>
+                                        </p:tgtEl>
+                                        <p:attrNameLst>
+                                          <p:attrName>style.visibility</p:attrName>
+                                        </p:attrNameLst>
+                                      </p:cBhvr>
+                                      <p:to>
+                                        <p:strVal val="visible"/>
+                                      </p:to>
+                                    </p:set>
+                                  </p:childTnLst>
+                                </p:cTn>
+                              </p:par>
+                            </p:childTnLst>
+                          </p:cTn>
+                        </p:par>
+                      </p:childTnLst>
+                    </p:cTn>
+                  </p:par>
+                  <p:par>
+                    <p:cTn id="11" fill="hold" nodeType="clickPar">
+                      <p:stCondLst>
+                        <p:cond delay="indefinite"/>
+                      </p:stCondLst>
+                      <p:childTnLst>
+                        <p:par>
+                          <p:cTn id="12" fill="hold" nodeType="withGroup">
+                            <p:stCondLst>
+                              <p:cond delay="0"/>
+                            </p:stCondLst>
+                            <p:childTnLst>
+                              <p:par>
+                                <p:cTn id="13" presetID="1" presetClass="entr" presetSubtype="0" fill="hold" nodeType="clickEffect">
+                                  <p:stCondLst>
+                                    <p:cond delay="0"/>
+                                  </p:stCondLst>
+                                  <p:childTnLst>
+                                    <p:set>
+                                      <p:cBhvr>
+                                        <p:cTn id="14" dur="1" fill="hold">
+                                          <p:stCondLst>
+                                            <p:cond delay="0"/>
+                                          </p:stCondLst>
+                                        </p:cTn>
+                                        <p:tgtEl>
+                                          <p:spTgt spid="3">
+                                            <p:txEl>
+                                              <p:pRg st="4" end="4"/>
+                                            </p:txEl>
+                                          </p:spTgt>
+                                        </p:tgtEl>
+                                        <p:attrNameLst>
+                                          <p:attrName>style.visibility</p:attrName>
+                                        </p:attrNameLst>
+                                      </p:cBhvr>
+                                      <p:to>
+                                        <p:strVal val="visible"/>
+                                      </p:to>
+                                    </p:set>
+                                  </p:childTnLst>
+                                </p:cTn>
+                              </p:par>
+                              <p:par>
+                                <p:cTn id="15" presetID="1" presetClass="entr" presetSubtype="0" fill="hold" nodeType="withEffect">
+                                  <p:stCondLst>
+                                    <p:cond delay="0"/>
+                                  </p:stCondLst>
+                                  <p:childTnLst>
+                                    <p:set>
+                                      <p:cBhvr>
+                                        <p:cTn id="16" dur="1" fill="hold">
+                                          <p:stCondLst>
+                                            <p:cond delay="0"/>
+                                          </p:stCondLst>
+                                        </p:cTn>
+                                        <p:tgtEl>
+                                          <p:spTgt spid="3">
+                                            <p:txEl>
+                                              <p:pRg st="5" end="5"/>
+                                            </p:txEl>
+                                          </p:spTgt>
+                                        </p:tgtEl>
+                                        <p:attrNameLst>
+                                          <p:attrName>style.visibility</p:attrName>
+                                        </p:attrNameLst>
+                                      </p:cBhvr>
+                                      <p:to>
+                                        <p:strVal val="visible"/>
+                                      </p:to>
+                                    </p:set>
+                                  </p:childTnLst>
+                                </p:cTn>
+                              </p:par>
+                              <p:par>
+                                <p:cTn id="17" presetID="1" presetClass="entr" presetSubtype="0" fill="hold" nodeType="withEffect">
+                                  <p:stCondLst>
+                                    <p:cond delay="0"/>
+                                  </p:stCondLst>
+                                  <p:childTnLst>
+                                    <p:set>
+                                      <p:cBhvr>
+                                        <p:cTn id="18" dur="1" fill="hold">
+                                          <p:stCondLst>
+                                            <p:cond delay="0"/>
+                                          </p:stCondLst>
+                                        </p:cTn>
+                                        <p:tgtEl>
+                                          <p:spTgt spid="3">
+                                            <p:txEl>
+                                              <p:pRg st="6" end="6"/>
+                                            </p:txEl>
+                                          </p:spTgt>
+                                        </p:tgtEl>
+                                        <p:attrNameLst>
+                                          <p:attrName>style.visibility</p:attrName>
+                                        </p:attrNameLst>
+                                      </p:cBhvr>
+                                      <p:to>
+                                        <p:strVal val="visible"/>
+                                      </p:to>
+                                    </p:set>
+                                  </p:childTnLst>
+                                </p:cTn>
+                              </p:par>
+                            </p:childTnLst>
+                          </p:cTn>
+                        </p:par>
+                      </p:childTnLst>
+                    </p:cTn>
+                  </p:par>
+                </p:childTnLst>
+              </p:cTn>
+              <p:prevCondLst>
+                <p:cond evt="onPrev" delay="0">
+                  <p:tgtEl>
+                    <p:sldTgt/>
+                  </p:tgtEl>
+                </p:cond>
+              </p:prevCondLst>
+              <p:nextCondLst>
+                <p:cond evt="onNext" delay="0">
+                  <p:tgtEl>
+                    <p:sldTgt/>
+                  </p:tgtEl>
+                </p:cond>
+              </p:nextCondLst>
+            </p:seq>
+          </p:childTnLst>
+        </p:cTn>
+      </p:par>
+    </p:tnLst>
+  </p:timing>
+</p:sld>
+</file>
+
+<file path=ppt/slides/slide20.xml><?xml version="1.0" encoding="utf-8"?>
 <p:sld xmlns:a="http://schemas.openxmlformats.org/drawingml/2006/main" xmlns:r="http://schemas.openxmlformats.org/officeDocument/2006/relationships" xmlns:p="http://schemas.openxmlformats.org/presentationml/2006/main">
   <p:cSld>
     <p:spTree>
@@ -12845,7 +12493,7 @@
 </p:sld>
 </file>
 
-<file path=ppt/slides/slide22.xml><?xml version="1.0" encoding="utf-8"?>
+<file path=ppt/slides/slide21.xml><?xml version="1.0" encoding="utf-8"?>
 <p:sld xmlns:a="http://schemas.openxmlformats.org/drawingml/2006/main" xmlns:r="http://schemas.openxmlformats.org/officeDocument/2006/relationships" xmlns:p="http://schemas.openxmlformats.org/presentationml/2006/main">
   <p:cSld>
     <p:spTree>
@@ -13304,7 +12952,7 @@
 </p:sld>
 </file>
 
-<file path=ppt/slides/slide23.xml><?xml version="1.0" encoding="utf-8"?>
+<file path=ppt/slides/slide22.xml><?xml version="1.0" encoding="utf-8"?>
 <p:sld xmlns:a="http://schemas.openxmlformats.org/drawingml/2006/main" xmlns:r="http://schemas.openxmlformats.org/officeDocument/2006/relationships" xmlns:p="http://schemas.openxmlformats.org/presentationml/2006/main">
   <p:cSld>
     <p:spTree>
@@ -14117,7 +13765,7 @@
 </p:sld>
 </file>
 
-<file path=ppt/slides/slide24.xml><?xml version="1.0" encoding="utf-8"?>
+<file path=ppt/slides/slide23.xml><?xml version="1.0" encoding="utf-8"?>
 <p:sld xmlns:a="http://schemas.openxmlformats.org/drawingml/2006/main" xmlns:r="http://schemas.openxmlformats.org/officeDocument/2006/relationships" xmlns:p="http://schemas.openxmlformats.org/presentationml/2006/main">
   <p:cSld>
     <p:spTree>
@@ -14929,7 +14577,7 @@
 </p:sld>
 </file>
 
-<file path=ppt/slides/slide25.xml><?xml version="1.0" encoding="utf-8"?>
+<file path=ppt/slides/slide24.xml><?xml version="1.0" encoding="utf-8"?>
 <p:sld xmlns:a="http://schemas.openxmlformats.org/drawingml/2006/main" xmlns:r="http://schemas.openxmlformats.org/officeDocument/2006/relationships" xmlns:p="http://schemas.openxmlformats.org/presentationml/2006/main">
   <p:cSld>
     <p:spTree>
@@ -15285,7 +14933,7 @@
 </p:sld>
 </file>
 
-<file path=ppt/slides/slide26.xml><?xml version="1.0" encoding="utf-8"?>
+<file path=ppt/slides/slide25.xml><?xml version="1.0" encoding="utf-8"?>
 <p:sld xmlns:a="http://schemas.openxmlformats.org/drawingml/2006/main" xmlns:r="http://schemas.openxmlformats.org/officeDocument/2006/relationships" xmlns:p="http://schemas.openxmlformats.org/presentationml/2006/main">
   <p:cSld>
     <p:spTree>
@@ -15605,7 +15253,7 @@
 </p:sld>
 </file>
 
-<file path=ppt/slides/slide27.xml><?xml version="1.0" encoding="utf-8"?>
+<file path=ppt/slides/slide26.xml><?xml version="1.0" encoding="utf-8"?>
 <p:sld xmlns:a="http://schemas.openxmlformats.org/drawingml/2006/main" xmlns:r="http://schemas.openxmlformats.org/officeDocument/2006/relationships" xmlns:p="http://schemas.openxmlformats.org/presentationml/2006/main">
   <p:cSld>
     <p:spTree>
@@ -15983,6 +15631,474 @@
     <p:extLst>
       <p:ext uri="{BB962C8B-B14F-4D97-AF65-F5344CB8AC3E}">
         <p14:creationId xmlns:p14="http://schemas.microsoft.com/office/powerpoint/2010/main" val="3866550465"/>
+      </p:ext>
+    </p:extLst>
+  </p:cSld>
+  <p:clrMapOvr>
+    <a:masterClrMapping/>
+  </p:clrMapOvr>
+  <p:timing>
+    <p:tnLst>
+      <p:par>
+        <p:cTn id="1" dur="indefinite" restart="never" nodeType="tmRoot">
+          <p:childTnLst>
+            <p:seq concurrent="1" nextAc="seek">
+              <p:cTn id="2" dur="indefinite" nodeType="mainSeq">
+                <p:childTnLst>
+                  <p:par>
+                    <p:cTn id="3" fill="hold" nodeType="clickPar">
+                      <p:stCondLst>
+                        <p:cond delay="indefinite"/>
+                      </p:stCondLst>
+                      <p:childTnLst>
+                        <p:par>
+                          <p:cTn id="4" fill="hold" nodeType="withGroup">
+                            <p:stCondLst>
+                              <p:cond delay="0"/>
+                            </p:stCondLst>
+                            <p:childTnLst>
+                              <p:par>
+                                <p:cTn id="5" presetID="1" presetClass="entr" presetSubtype="0" fill="hold" nodeType="clickEffect">
+                                  <p:stCondLst>
+                                    <p:cond delay="0"/>
+                                  </p:stCondLst>
+                                  <p:childTnLst>
+                                    <p:set>
+                                      <p:cBhvr>
+                                        <p:cTn id="6" dur="1" fill="hold">
+                                          <p:stCondLst>
+                                            <p:cond delay="0"/>
+                                          </p:stCondLst>
+                                        </p:cTn>
+                                        <p:tgtEl>
+                                          <p:spTgt spid="3">
+                                            <p:txEl>
+                                              <p:pRg st="2" end="2"/>
+                                            </p:txEl>
+                                          </p:spTgt>
+                                        </p:tgtEl>
+                                        <p:attrNameLst>
+                                          <p:attrName>style.visibility</p:attrName>
+                                        </p:attrNameLst>
+                                      </p:cBhvr>
+                                      <p:to>
+                                        <p:strVal val="visible"/>
+                                      </p:to>
+                                    </p:set>
+                                  </p:childTnLst>
+                                </p:cTn>
+                              </p:par>
+                            </p:childTnLst>
+                          </p:cTn>
+                        </p:par>
+                      </p:childTnLst>
+                    </p:cTn>
+                  </p:par>
+                  <p:par>
+                    <p:cTn id="7" fill="hold" nodeType="clickPar">
+                      <p:stCondLst>
+                        <p:cond delay="indefinite"/>
+                      </p:stCondLst>
+                      <p:childTnLst>
+                        <p:par>
+                          <p:cTn id="8" fill="hold" nodeType="withGroup">
+                            <p:stCondLst>
+                              <p:cond delay="0"/>
+                            </p:stCondLst>
+                            <p:childTnLst>
+                              <p:par>
+                                <p:cTn id="9" presetID="1" presetClass="entr" presetSubtype="0" fill="hold" nodeType="clickEffect">
+                                  <p:stCondLst>
+                                    <p:cond delay="0"/>
+                                  </p:stCondLst>
+                                  <p:childTnLst>
+                                    <p:set>
+                                      <p:cBhvr>
+                                        <p:cTn id="10" dur="1" fill="hold">
+                                          <p:stCondLst>
+                                            <p:cond delay="0"/>
+                                          </p:stCondLst>
+                                        </p:cTn>
+                                        <p:tgtEl>
+                                          <p:spTgt spid="3">
+                                            <p:txEl>
+                                              <p:pRg st="4" end="4"/>
+                                            </p:txEl>
+                                          </p:spTgt>
+                                        </p:tgtEl>
+                                        <p:attrNameLst>
+                                          <p:attrName>style.visibility</p:attrName>
+                                        </p:attrNameLst>
+                                      </p:cBhvr>
+                                      <p:to>
+                                        <p:strVal val="visible"/>
+                                      </p:to>
+                                    </p:set>
+                                  </p:childTnLst>
+                                </p:cTn>
+                              </p:par>
+                            </p:childTnLst>
+                          </p:cTn>
+                        </p:par>
+                      </p:childTnLst>
+                    </p:cTn>
+                  </p:par>
+                </p:childTnLst>
+              </p:cTn>
+              <p:prevCondLst>
+                <p:cond evt="onPrev" delay="0">
+                  <p:tgtEl>
+                    <p:sldTgt/>
+                  </p:tgtEl>
+                </p:cond>
+              </p:prevCondLst>
+              <p:nextCondLst>
+                <p:cond evt="onNext" delay="0">
+                  <p:tgtEl>
+                    <p:sldTgt/>
+                  </p:tgtEl>
+                </p:cond>
+              </p:nextCondLst>
+            </p:seq>
+          </p:childTnLst>
+        </p:cTn>
+      </p:par>
+    </p:tnLst>
+  </p:timing>
+</p:sld>
+</file>
+
+<file path=ppt/slides/slide27.xml><?xml version="1.0" encoding="utf-8"?>
+<p:sld xmlns:a="http://schemas.openxmlformats.org/drawingml/2006/main" xmlns:r="http://schemas.openxmlformats.org/officeDocument/2006/relationships" xmlns:p="http://schemas.openxmlformats.org/presentationml/2006/main">
+  <p:cSld>
+    <p:spTree>
+      <p:nvGrpSpPr>
+        <p:cNvPr id="1" name=""/>
+        <p:cNvGrpSpPr/>
+        <p:nvPr/>
+      </p:nvGrpSpPr>
+      <p:grpSpPr>
+        <a:xfrm>
+          <a:off x="0" y="0"/>
+          <a:ext cx="0" cy="0"/>
+          <a:chOff x="0" y="0"/>
+          <a:chExt cx="0" cy="0"/>
+        </a:xfrm>
+      </p:grpSpPr>
+      <p:sp>
+        <p:nvSpPr>
+          <p:cNvPr id="47105" name="Title 1">
+            <a:extLst>
+              <a:ext uri="{FF2B5EF4-FFF2-40B4-BE49-F238E27FC236}">
+                <a16:creationId xmlns:a16="http://schemas.microsoft.com/office/drawing/2014/main" id="{1DE02734-8557-4D41-97D1-1E8E963F734C}"/>
+              </a:ext>
+            </a:extLst>
+          </p:cNvPr>
+          <p:cNvSpPr>
+            <a:spLocks noGrp="1" noChangeArrowheads="1"/>
+          </p:cNvSpPr>
+          <p:nvPr>
+            <p:ph type="title"/>
+          </p:nvPr>
+        </p:nvSpPr>
+        <p:spPr/>
+        <p:txBody>
+          <a:bodyPr/>
+          <a:lstStyle/>
+          <a:p>
+            <a:pPr eaLnBrk="1" hangingPunct="1"/>
+            <a:r>
+              <a:rPr lang="en-US" altLang="en-US">
+                <a:ea typeface="ＭＳ Ｐゴシック" panose="020B0600070205080204" pitchFamily="34" charset="-128"/>
+              </a:rPr>
+              <a:t>UTF-32</a:t>
+            </a:r>
+          </a:p>
+        </p:txBody>
+      </p:sp>
+      <p:sp>
+        <p:nvSpPr>
+          <p:cNvPr id="3" name="Content Placeholder 2">
+            <a:extLst>
+              <a:ext uri="{FF2B5EF4-FFF2-40B4-BE49-F238E27FC236}">
+                <a16:creationId xmlns:a16="http://schemas.microsoft.com/office/drawing/2014/main" id="{02BD6BC0-0DF6-1C41-B2F6-DF171A4BD0C7}"/>
+              </a:ext>
+            </a:extLst>
+          </p:cNvPr>
+          <p:cNvSpPr>
+            <a:spLocks noGrp="1" noChangeArrowheads="1"/>
+          </p:cNvSpPr>
+          <p:nvPr>
+            <p:ph idx="1"/>
+          </p:nvPr>
+        </p:nvSpPr>
+        <p:spPr/>
+        <p:txBody>
+          <a:bodyPr/>
+          <a:lstStyle/>
+          <a:p>
+            <a:pPr marL="0" indent="0">
+              <a:buNone/>
+            </a:pPr>
+            <a:endParaRPr lang="en-US" altLang="en-US" sz="1833">
+              <a:ea typeface="ＭＳ Ｐゴシック" panose="020B0600070205080204" pitchFamily="34" charset="-128"/>
+            </a:endParaRPr>
+          </a:p>
+          <a:p>
+            <a:pPr marL="0" indent="0">
+              <a:buNone/>
+            </a:pPr>
+            <a:endParaRPr lang="en-US" altLang="en-US" sz="2000">
+              <a:ea typeface="ＭＳ Ｐゴシック" panose="020B0600070205080204" pitchFamily="34" charset="-128"/>
+            </a:endParaRPr>
+          </a:p>
+          <a:p>
+            <a:pPr marL="0" indent="0">
+              <a:buNone/>
+            </a:pPr>
+            <a:r>
+              <a:rPr lang="en-US" altLang="en-US" sz="2000">
+                <a:ea typeface="ＭＳ Ｐゴシック" panose="020B0600070205080204" pitchFamily="34" charset="-128"/>
+              </a:rPr>
+              <a:t>To represent 1,114,112 different values, two bytes aren't enough. Three bytes are, but three bytes are often awkward to work with, so four bytes would be the comfortable minimum. </a:t>
+            </a:r>
+          </a:p>
+          <a:p>
+            <a:pPr marL="0" indent="0">
+              <a:buNone/>
+            </a:pPr>
+            <a:endParaRPr lang="en-US" altLang="en-US" sz="2000">
+              <a:ea typeface="ＭＳ Ｐゴシック" panose="020B0600070205080204" pitchFamily="34" charset="-128"/>
+            </a:endParaRPr>
+          </a:p>
+          <a:p>
+            <a:pPr marL="0" indent="0">
+              <a:buNone/>
+            </a:pPr>
+            <a:r>
+              <a:rPr lang="en-US" altLang="en-US" sz="2000" b="1">
+                <a:ea typeface="ＭＳ Ｐゴシック" panose="020B0600070205080204" pitchFamily="34" charset="-128"/>
+              </a:rPr>
+              <a:t>UTF-32(Unicode Transformation Format) </a:t>
+            </a:r>
+            <a:r>
+              <a:rPr lang="en-US" altLang="en-US" sz="2000">
+                <a:ea typeface="ＭＳ Ｐゴシック" panose="020B0600070205080204" pitchFamily="34" charset="-128"/>
+              </a:rPr>
+              <a:t>is such an encoding that encodes all Unicode code points using 32 bits. That is, four bytes per character. </a:t>
+            </a:r>
+            <a:endParaRPr lang="en-US" altLang="en-US" sz="1833">
+              <a:ea typeface="ＭＳ Ｐゴシック" panose="020B0600070205080204" pitchFamily="34" charset="-128"/>
+            </a:endParaRPr>
+          </a:p>
+        </p:txBody>
+      </p:sp>
+      <p:sp>
+        <p:nvSpPr>
+          <p:cNvPr id="47107" name="TextBox 3">
+            <a:extLst>
+              <a:ext uri="{FF2B5EF4-FFF2-40B4-BE49-F238E27FC236}">
+                <a16:creationId xmlns:a16="http://schemas.microsoft.com/office/drawing/2014/main" id="{76F7609D-7E75-8449-A8A5-323CA4C72880}"/>
+              </a:ext>
+            </a:extLst>
+          </p:cNvPr>
+          <p:cNvSpPr txBox="1">
+            <a:spLocks noChangeArrowheads="1"/>
+          </p:cNvSpPr>
+          <p:nvPr/>
+        </p:nvSpPr>
+        <p:spPr bwMode="auto">
+          <a:xfrm>
+            <a:off x="3892021" y="67470"/>
+            <a:ext cx="184731" cy="323165"/>
+          </a:xfrm>
+          <a:prstGeom prst="rect">
+            <a:avLst/>
+          </a:prstGeom>
+          <a:noFill/>
+          <a:ln>
+            <a:noFill/>
+          </a:ln>
+          <a:extLst>
+            <a:ext uri="{909E8E84-426E-40DD-AFC4-6F175D3DCCD1}">
+              <a14:hiddenFill xmlns:a14="http://schemas.microsoft.com/office/drawing/2010/main">
+                <a:solidFill>
+                  <a:srgbClr val="FFFFFF"/>
+                </a:solidFill>
+              </a14:hiddenFill>
+            </a:ext>
+            <a:ext uri="{91240B29-F687-4F45-9708-019B960494DF}">
+              <a14:hiddenLine xmlns:a14="http://schemas.microsoft.com/office/drawing/2010/main" w="9525">
+                <a:solidFill>
+                  <a:srgbClr val="000000"/>
+                </a:solidFill>
+                <a:miter lim="800000"/>
+                <a:headEnd/>
+                <a:tailEnd/>
+              </a14:hiddenLine>
+            </a:ext>
+          </a:extLst>
+        </p:spPr>
+        <p:txBody>
+          <a:bodyPr wrap="none">
+            <a:spAutoFit/>
+          </a:bodyPr>
+          <a:lstStyle>
+            <a:lvl1pPr>
+              <a:spcBef>
+                <a:spcPct val="20000"/>
+              </a:spcBef>
+              <a:buChar char="•"/>
+              <a:defRPr sz="3200">
+                <a:solidFill>
+                  <a:schemeClr val="tx1"/>
+                </a:solidFill>
+                <a:latin typeface="Arial" panose="020B0604020202020204" pitchFamily="34" charset="0"/>
+                <a:ea typeface="ＭＳ Ｐゴシック" panose="020B0600070205080204" pitchFamily="34" charset="-128"/>
+                <a:cs typeface="Arial" panose="020B0604020202020204" pitchFamily="34" charset="0"/>
+              </a:defRPr>
+            </a:lvl1pPr>
+            <a:lvl2pPr marL="742950" indent="-285750">
+              <a:spcBef>
+                <a:spcPct val="20000"/>
+              </a:spcBef>
+              <a:buChar char="–"/>
+              <a:defRPr sz="2800">
+                <a:solidFill>
+                  <a:schemeClr val="tx1"/>
+                </a:solidFill>
+                <a:latin typeface="Arial" panose="020B0604020202020204" pitchFamily="34" charset="0"/>
+                <a:ea typeface="Arial" panose="020B0604020202020204" pitchFamily="34" charset="0"/>
+                <a:cs typeface="Arial" panose="020B0604020202020204" pitchFamily="34" charset="0"/>
+              </a:defRPr>
+            </a:lvl2pPr>
+            <a:lvl3pPr marL="1143000" indent="-228600">
+              <a:spcBef>
+                <a:spcPct val="20000"/>
+              </a:spcBef>
+              <a:buChar char="•"/>
+              <a:defRPr sz="2400">
+                <a:solidFill>
+                  <a:schemeClr val="tx1"/>
+                </a:solidFill>
+                <a:latin typeface="Arial" panose="020B0604020202020204" pitchFamily="34" charset="0"/>
+                <a:ea typeface="Arial" panose="020B0604020202020204" pitchFamily="34" charset="0"/>
+                <a:cs typeface="Arial" panose="020B0604020202020204" pitchFamily="34" charset="0"/>
+              </a:defRPr>
+            </a:lvl3pPr>
+            <a:lvl4pPr marL="1600200" indent="-228600">
+              <a:spcBef>
+                <a:spcPct val="20000"/>
+              </a:spcBef>
+              <a:buChar char="–"/>
+              <a:defRPr sz="2000">
+                <a:solidFill>
+                  <a:schemeClr val="tx1"/>
+                </a:solidFill>
+                <a:latin typeface="Arial" panose="020B0604020202020204" pitchFamily="34" charset="0"/>
+                <a:ea typeface="Arial" panose="020B0604020202020204" pitchFamily="34" charset="0"/>
+                <a:cs typeface="Arial" panose="020B0604020202020204" pitchFamily="34" charset="0"/>
+              </a:defRPr>
+            </a:lvl4pPr>
+            <a:lvl5pPr marL="2057400" indent="-228600">
+              <a:spcBef>
+                <a:spcPct val="20000"/>
+              </a:spcBef>
+              <a:buChar char="»"/>
+              <a:defRPr sz="2000">
+                <a:solidFill>
+                  <a:schemeClr val="tx1"/>
+                </a:solidFill>
+                <a:latin typeface="Arial" panose="020B0604020202020204" pitchFamily="34" charset="0"/>
+                <a:ea typeface="Arial" panose="020B0604020202020204" pitchFamily="34" charset="0"/>
+                <a:cs typeface="Arial" panose="020B0604020202020204" pitchFamily="34" charset="0"/>
+              </a:defRPr>
+            </a:lvl5pPr>
+            <a:lvl6pPr marL="2514600" indent="-228600" eaLnBrk="0" fontAlgn="base" hangingPunct="0">
+              <a:spcBef>
+                <a:spcPct val="20000"/>
+              </a:spcBef>
+              <a:spcAft>
+                <a:spcPct val="0"/>
+              </a:spcAft>
+              <a:buChar char="»"/>
+              <a:defRPr sz="2000">
+                <a:solidFill>
+                  <a:schemeClr val="tx1"/>
+                </a:solidFill>
+                <a:latin typeface="Arial" panose="020B0604020202020204" pitchFamily="34" charset="0"/>
+                <a:ea typeface="Arial" panose="020B0604020202020204" pitchFamily="34" charset="0"/>
+                <a:cs typeface="Arial" panose="020B0604020202020204" pitchFamily="34" charset="0"/>
+              </a:defRPr>
+            </a:lvl6pPr>
+            <a:lvl7pPr marL="2971800" indent="-228600" eaLnBrk="0" fontAlgn="base" hangingPunct="0">
+              <a:spcBef>
+                <a:spcPct val="20000"/>
+              </a:spcBef>
+              <a:spcAft>
+                <a:spcPct val="0"/>
+              </a:spcAft>
+              <a:buChar char="»"/>
+              <a:defRPr sz="2000">
+                <a:solidFill>
+                  <a:schemeClr val="tx1"/>
+                </a:solidFill>
+                <a:latin typeface="Arial" panose="020B0604020202020204" pitchFamily="34" charset="0"/>
+                <a:ea typeface="Arial" panose="020B0604020202020204" pitchFamily="34" charset="0"/>
+                <a:cs typeface="Arial" panose="020B0604020202020204" pitchFamily="34" charset="0"/>
+              </a:defRPr>
+            </a:lvl7pPr>
+            <a:lvl8pPr marL="3429000" indent="-228600" eaLnBrk="0" fontAlgn="base" hangingPunct="0">
+              <a:spcBef>
+                <a:spcPct val="20000"/>
+              </a:spcBef>
+              <a:spcAft>
+                <a:spcPct val="0"/>
+              </a:spcAft>
+              <a:buChar char="»"/>
+              <a:defRPr sz="2000">
+                <a:solidFill>
+                  <a:schemeClr val="tx1"/>
+                </a:solidFill>
+                <a:latin typeface="Arial" panose="020B0604020202020204" pitchFamily="34" charset="0"/>
+                <a:ea typeface="Arial" panose="020B0604020202020204" pitchFamily="34" charset="0"/>
+                <a:cs typeface="Arial" panose="020B0604020202020204" pitchFamily="34" charset="0"/>
+              </a:defRPr>
+            </a:lvl8pPr>
+            <a:lvl9pPr marL="3886200" indent="-228600" eaLnBrk="0" fontAlgn="base" hangingPunct="0">
+              <a:spcBef>
+                <a:spcPct val="20000"/>
+              </a:spcBef>
+              <a:spcAft>
+                <a:spcPct val="0"/>
+              </a:spcAft>
+              <a:buChar char="»"/>
+              <a:defRPr sz="2000">
+                <a:solidFill>
+                  <a:schemeClr val="tx1"/>
+                </a:solidFill>
+                <a:latin typeface="Arial" panose="020B0604020202020204" pitchFamily="34" charset="0"/>
+                <a:ea typeface="Arial" panose="020B0604020202020204" pitchFamily="34" charset="0"/>
+                <a:cs typeface="Arial" panose="020B0604020202020204" pitchFamily="34" charset="0"/>
+              </a:defRPr>
+            </a:lvl9pPr>
+          </a:lstStyle>
+          <a:p>
+            <a:pPr>
+              <a:spcBef>
+                <a:spcPct val="0"/>
+              </a:spcBef>
+              <a:buFontTx/>
+              <a:buNone/>
+            </a:pPr>
+            <a:endParaRPr lang="en-US" altLang="en-US" sz="1500"/>
+          </a:p>
+        </p:txBody>
+      </p:sp>
+    </p:spTree>
+    <p:extLst>
+      <p:ext uri="{BB962C8B-B14F-4D97-AF65-F5344CB8AC3E}">
+        <p14:creationId xmlns:p14="http://schemas.microsoft.com/office/powerpoint/2010/main" val="3749436800"/>
       </p:ext>
     </p:extLst>
   </p:cSld>
@@ -16139,474 +16255,6 @@
       </p:grpSpPr>
       <p:sp>
         <p:nvSpPr>
-          <p:cNvPr id="47105" name="Title 1">
-            <a:extLst>
-              <a:ext uri="{FF2B5EF4-FFF2-40B4-BE49-F238E27FC236}">
-                <a16:creationId xmlns:a16="http://schemas.microsoft.com/office/drawing/2014/main" id="{1DE02734-8557-4D41-97D1-1E8E963F734C}"/>
-              </a:ext>
-            </a:extLst>
-          </p:cNvPr>
-          <p:cNvSpPr>
-            <a:spLocks noGrp="1" noChangeArrowheads="1"/>
-          </p:cNvSpPr>
-          <p:nvPr>
-            <p:ph type="title"/>
-          </p:nvPr>
-        </p:nvSpPr>
-        <p:spPr/>
-        <p:txBody>
-          <a:bodyPr/>
-          <a:lstStyle/>
-          <a:p>
-            <a:pPr eaLnBrk="1" hangingPunct="1"/>
-            <a:r>
-              <a:rPr lang="en-US" altLang="en-US">
-                <a:ea typeface="ＭＳ Ｐゴシック" panose="020B0600070205080204" pitchFamily="34" charset="-128"/>
-              </a:rPr>
-              <a:t>UTF-32</a:t>
-            </a:r>
-          </a:p>
-        </p:txBody>
-      </p:sp>
-      <p:sp>
-        <p:nvSpPr>
-          <p:cNvPr id="3" name="Content Placeholder 2">
-            <a:extLst>
-              <a:ext uri="{FF2B5EF4-FFF2-40B4-BE49-F238E27FC236}">
-                <a16:creationId xmlns:a16="http://schemas.microsoft.com/office/drawing/2014/main" id="{02BD6BC0-0DF6-1C41-B2F6-DF171A4BD0C7}"/>
-              </a:ext>
-            </a:extLst>
-          </p:cNvPr>
-          <p:cNvSpPr>
-            <a:spLocks noGrp="1" noChangeArrowheads="1"/>
-          </p:cNvSpPr>
-          <p:nvPr>
-            <p:ph idx="1"/>
-          </p:nvPr>
-        </p:nvSpPr>
-        <p:spPr/>
-        <p:txBody>
-          <a:bodyPr/>
-          <a:lstStyle/>
-          <a:p>
-            <a:pPr marL="0" indent="0">
-              <a:buNone/>
-            </a:pPr>
-            <a:endParaRPr lang="en-US" altLang="en-US" sz="1833">
-              <a:ea typeface="ＭＳ Ｐゴシック" panose="020B0600070205080204" pitchFamily="34" charset="-128"/>
-            </a:endParaRPr>
-          </a:p>
-          <a:p>
-            <a:pPr marL="0" indent="0">
-              <a:buNone/>
-            </a:pPr>
-            <a:endParaRPr lang="en-US" altLang="en-US" sz="2000">
-              <a:ea typeface="ＭＳ Ｐゴシック" panose="020B0600070205080204" pitchFamily="34" charset="-128"/>
-            </a:endParaRPr>
-          </a:p>
-          <a:p>
-            <a:pPr marL="0" indent="0">
-              <a:buNone/>
-            </a:pPr>
-            <a:r>
-              <a:rPr lang="en-US" altLang="en-US" sz="2000">
-                <a:ea typeface="ＭＳ Ｐゴシック" panose="020B0600070205080204" pitchFamily="34" charset="-128"/>
-              </a:rPr>
-              <a:t>To represent 1,114,112 different values, two bytes aren't enough. Three bytes are, but three bytes are often awkward to work with, so four bytes would be the comfortable minimum. </a:t>
-            </a:r>
-          </a:p>
-          <a:p>
-            <a:pPr marL="0" indent="0">
-              <a:buNone/>
-            </a:pPr>
-            <a:endParaRPr lang="en-US" altLang="en-US" sz="2000">
-              <a:ea typeface="ＭＳ Ｐゴシック" panose="020B0600070205080204" pitchFamily="34" charset="-128"/>
-            </a:endParaRPr>
-          </a:p>
-          <a:p>
-            <a:pPr marL="0" indent="0">
-              <a:buNone/>
-            </a:pPr>
-            <a:r>
-              <a:rPr lang="en-US" altLang="en-US" sz="2000" b="1">
-                <a:ea typeface="ＭＳ Ｐゴシック" panose="020B0600070205080204" pitchFamily="34" charset="-128"/>
-              </a:rPr>
-              <a:t>UTF-32(Unicode Transformation Format) </a:t>
-            </a:r>
-            <a:r>
-              <a:rPr lang="en-US" altLang="en-US" sz="2000">
-                <a:ea typeface="ＭＳ Ｐゴシック" panose="020B0600070205080204" pitchFamily="34" charset="-128"/>
-              </a:rPr>
-              <a:t>is such an encoding that encodes all Unicode code points using 32 bits. That is, four bytes per character. </a:t>
-            </a:r>
-            <a:endParaRPr lang="en-US" altLang="en-US" sz="1833">
-              <a:ea typeface="ＭＳ Ｐゴシック" panose="020B0600070205080204" pitchFamily="34" charset="-128"/>
-            </a:endParaRPr>
-          </a:p>
-        </p:txBody>
-      </p:sp>
-      <p:sp>
-        <p:nvSpPr>
-          <p:cNvPr id="47107" name="TextBox 3">
-            <a:extLst>
-              <a:ext uri="{FF2B5EF4-FFF2-40B4-BE49-F238E27FC236}">
-                <a16:creationId xmlns:a16="http://schemas.microsoft.com/office/drawing/2014/main" id="{76F7609D-7E75-8449-A8A5-323CA4C72880}"/>
-              </a:ext>
-            </a:extLst>
-          </p:cNvPr>
-          <p:cNvSpPr txBox="1">
-            <a:spLocks noChangeArrowheads="1"/>
-          </p:cNvSpPr>
-          <p:nvPr/>
-        </p:nvSpPr>
-        <p:spPr bwMode="auto">
-          <a:xfrm>
-            <a:off x="3892021" y="67470"/>
-            <a:ext cx="184731" cy="323165"/>
-          </a:xfrm>
-          <a:prstGeom prst="rect">
-            <a:avLst/>
-          </a:prstGeom>
-          <a:noFill/>
-          <a:ln>
-            <a:noFill/>
-          </a:ln>
-          <a:extLst>
-            <a:ext uri="{909E8E84-426E-40DD-AFC4-6F175D3DCCD1}">
-              <a14:hiddenFill xmlns:a14="http://schemas.microsoft.com/office/drawing/2010/main">
-                <a:solidFill>
-                  <a:srgbClr val="FFFFFF"/>
-                </a:solidFill>
-              </a14:hiddenFill>
-            </a:ext>
-            <a:ext uri="{91240B29-F687-4F45-9708-019B960494DF}">
-              <a14:hiddenLine xmlns:a14="http://schemas.microsoft.com/office/drawing/2010/main" w="9525">
-                <a:solidFill>
-                  <a:srgbClr val="000000"/>
-                </a:solidFill>
-                <a:miter lim="800000"/>
-                <a:headEnd/>
-                <a:tailEnd/>
-              </a14:hiddenLine>
-            </a:ext>
-          </a:extLst>
-        </p:spPr>
-        <p:txBody>
-          <a:bodyPr wrap="none">
-            <a:spAutoFit/>
-          </a:bodyPr>
-          <a:lstStyle>
-            <a:lvl1pPr>
-              <a:spcBef>
-                <a:spcPct val="20000"/>
-              </a:spcBef>
-              <a:buChar char="•"/>
-              <a:defRPr sz="3200">
-                <a:solidFill>
-                  <a:schemeClr val="tx1"/>
-                </a:solidFill>
-                <a:latin typeface="Arial" panose="020B0604020202020204" pitchFamily="34" charset="0"/>
-                <a:ea typeface="ＭＳ Ｐゴシック" panose="020B0600070205080204" pitchFamily="34" charset="-128"/>
-                <a:cs typeface="Arial" panose="020B0604020202020204" pitchFamily="34" charset="0"/>
-              </a:defRPr>
-            </a:lvl1pPr>
-            <a:lvl2pPr marL="742950" indent="-285750">
-              <a:spcBef>
-                <a:spcPct val="20000"/>
-              </a:spcBef>
-              <a:buChar char="–"/>
-              <a:defRPr sz="2800">
-                <a:solidFill>
-                  <a:schemeClr val="tx1"/>
-                </a:solidFill>
-                <a:latin typeface="Arial" panose="020B0604020202020204" pitchFamily="34" charset="0"/>
-                <a:ea typeface="Arial" panose="020B0604020202020204" pitchFamily="34" charset="0"/>
-                <a:cs typeface="Arial" panose="020B0604020202020204" pitchFamily="34" charset="0"/>
-              </a:defRPr>
-            </a:lvl2pPr>
-            <a:lvl3pPr marL="1143000" indent="-228600">
-              <a:spcBef>
-                <a:spcPct val="20000"/>
-              </a:spcBef>
-              <a:buChar char="•"/>
-              <a:defRPr sz="2400">
-                <a:solidFill>
-                  <a:schemeClr val="tx1"/>
-                </a:solidFill>
-                <a:latin typeface="Arial" panose="020B0604020202020204" pitchFamily="34" charset="0"/>
-                <a:ea typeface="Arial" panose="020B0604020202020204" pitchFamily="34" charset="0"/>
-                <a:cs typeface="Arial" panose="020B0604020202020204" pitchFamily="34" charset="0"/>
-              </a:defRPr>
-            </a:lvl3pPr>
-            <a:lvl4pPr marL="1600200" indent="-228600">
-              <a:spcBef>
-                <a:spcPct val="20000"/>
-              </a:spcBef>
-              <a:buChar char="–"/>
-              <a:defRPr sz="2000">
-                <a:solidFill>
-                  <a:schemeClr val="tx1"/>
-                </a:solidFill>
-                <a:latin typeface="Arial" panose="020B0604020202020204" pitchFamily="34" charset="0"/>
-                <a:ea typeface="Arial" panose="020B0604020202020204" pitchFamily="34" charset="0"/>
-                <a:cs typeface="Arial" panose="020B0604020202020204" pitchFamily="34" charset="0"/>
-              </a:defRPr>
-            </a:lvl4pPr>
-            <a:lvl5pPr marL="2057400" indent="-228600">
-              <a:spcBef>
-                <a:spcPct val="20000"/>
-              </a:spcBef>
-              <a:buChar char="»"/>
-              <a:defRPr sz="2000">
-                <a:solidFill>
-                  <a:schemeClr val="tx1"/>
-                </a:solidFill>
-                <a:latin typeface="Arial" panose="020B0604020202020204" pitchFamily="34" charset="0"/>
-                <a:ea typeface="Arial" panose="020B0604020202020204" pitchFamily="34" charset="0"/>
-                <a:cs typeface="Arial" panose="020B0604020202020204" pitchFamily="34" charset="0"/>
-              </a:defRPr>
-            </a:lvl5pPr>
-            <a:lvl6pPr marL="2514600" indent="-228600" eaLnBrk="0" fontAlgn="base" hangingPunct="0">
-              <a:spcBef>
-                <a:spcPct val="20000"/>
-              </a:spcBef>
-              <a:spcAft>
-                <a:spcPct val="0"/>
-              </a:spcAft>
-              <a:buChar char="»"/>
-              <a:defRPr sz="2000">
-                <a:solidFill>
-                  <a:schemeClr val="tx1"/>
-                </a:solidFill>
-                <a:latin typeface="Arial" panose="020B0604020202020204" pitchFamily="34" charset="0"/>
-                <a:ea typeface="Arial" panose="020B0604020202020204" pitchFamily="34" charset="0"/>
-                <a:cs typeface="Arial" panose="020B0604020202020204" pitchFamily="34" charset="0"/>
-              </a:defRPr>
-            </a:lvl6pPr>
-            <a:lvl7pPr marL="2971800" indent="-228600" eaLnBrk="0" fontAlgn="base" hangingPunct="0">
-              <a:spcBef>
-                <a:spcPct val="20000"/>
-              </a:spcBef>
-              <a:spcAft>
-                <a:spcPct val="0"/>
-              </a:spcAft>
-              <a:buChar char="»"/>
-              <a:defRPr sz="2000">
-                <a:solidFill>
-                  <a:schemeClr val="tx1"/>
-                </a:solidFill>
-                <a:latin typeface="Arial" panose="020B0604020202020204" pitchFamily="34" charset="0"/>
-                <a:ea typeface="Arial" panose="020B0604020202020204" pitchFamily="34" charset="0"/>
-                <a:cs typeface="Arial" panose="020B0604020202020204" pitchFamily="34" charset="0"/>
-              </a:defRPr>
-            </a:lvl7pPr>
-            <a:lvl8pPr marL="3429000" indent="-228600" eaLnBrk="0" fontAlgn="base" hangingPunct="0">
-              <a:spcBef>
-                <a:spcPct val="20000"/>
-              </a:spcBef>
-              <a:spcAft>
-                <a:spcPct val="0"/>
-              </a:spcAft>
-              <a:buChar char="»"/>
-              <a:defRPr sz="2000">
-                <a:solidFill>
-                  <a:schemeClr val="tx1"/>
-                </a:solidFill>
-                <a:latin typeface="Arial" panose="020B0604020202020204" pitchFamily="34" charset="0"/>
-                <a:ea typeface="Arial" panose="020B0604020202020204" pitchFamily="34" charset="0"/>
-                <a:cs typeface="Arial" panose="020B0604020202020204" pitchFamily="34" charset="0"/>
-              </a:defRPr>
-            </a:lvl8pPr>
-            <a:lvl9pPr marL="3886200" indent="-228600" eaLnBrk="0" fontAlgn="base" hangingPunct="0">
-              <a:spcBef>
-                <a:spcPct val="20000"/>
-              </a:spcBef>
-              <a:spcAft>
-                <a:spcPct val="0"/>
-              </a:spcAft>
-              <a:buChar char="»"/>
-              <a:defRPr sz="2000">
-                <a:solidFill>
-                  <a:schemeClr val="tx1"/>
-                </a:solidFill>
-                <a:latin typeface="Arial" panose="020B0604020202020204" pitchFamily="34" charset="0"/>
-                <a:ea typeface="Arial" panose="020B0604020202020204" pitchFamily="34" charset="0"/>
-                <a:cs typeface="Arial" panose="020B0604020202020204" pitchFamily="34" charset="0"/>
-              </a:defRPr>
-            </a:lvl9pPr>
-          </a:lstStyle>
-          <a:p>
-            <a:pPr>
-              <a:spcBef>
-                <a:spcPct val="0"/>
-              </a:spcBef>
-              <a:buFontTx/>
-              <a:buNone/>
-            </a:pPr>
-            <a:endParaRPr lang="en-US" altLang="en-US" sz="1500"/>
-          </a:p>
-        </p:txBody>
-      </p:sp>
-    </p:spTree>
-    <p:extLst>
-      <p:ext uri="{BB962C8B-B14F-4D97-AF65-F5344CB8AC3E}">
-        <p14:creationId xmlns:p14="http://schemas.microsoft.com/office/powerpoint/2010/main" val="3749436800"/>
-      </p:ext>
-    </p:extLst>
-  </p:cSld>
-  <p:clrMapOvr>
-    <a:masterClrMapping/>
-  </p:clrMapOvr>
-  <p:timing>
-    <p:tnLst>
-      <p:par>
-        <p:cTn id="1" dur="indefinite" restart="never" nodeType="tmRoot">
-          <p:childTnLst>
-            <p:seq concurrent="1" nextAc="seek">
-              <p:cTn id="2" dur="indefinite" nodeType="mainSeq">
-                <p:childTnLst>
-                  <p:par>
-                    <p:cTn id="3" fill="hold" nodeType="clickPar">
-                      <p:stCondLst>
-                        <p:cond delay="indefinite"/>
-                      </p:stCondLst>
-                      <p:childTnLst>
-                        <p:par>
-                          <p:cTn id="4" fill="hold" nodeType="withGroup">
-                            <p:stCondLst>
-                              <p:cond delay="0"/>
-                            </p:stCondLst>
-                            <p:childTnLst>
-                              <p:par>
-                                <p:cTn id="5" presetID="1" presetClass="entr" presetSubtype="0" fill="hold" nodeType="clickEffect">
-                                  <p:stCondLst>
-                                    <p:cond delay="0"/>
-                                  </p:stCondLst>
-                                  <p:childTnLst>
-                                    <p:set>
-                                      <p:cBhvr>
-                                        <p:cTn id="6" dur="1" fill="hold">
-                                          <p:stCondLst>
-                                            <p:cond delay="0"/>
-                                          </p:stCondLst>
-                                        </p:cTn>
-                                        <p:tgtEl>
-                                          <p:spTgt spid="3">
-                                            <p:txEl>
-                                              <p:pRg st="2" end="2"/>
-                                            </p:txEl>
-                                          </p:spTgt>
-                                        </p:tgtEl>
-                                        <p:attrNameLst>
-                                          <p:attrName>style.visibility</p:attrName>
-                                        </p:attrNameLst>
-                                      </p:cBhvr>
-                                      <p:to>
-                                        <p:strVal val="visible"/>
-                                      </p:to>
-                                    </p:set>
-                                  </p:childTnLst>
-                                </p:cTn>
-                              </p:par>
-                            </p:childTnLst>
-                          </p:cTn>
-                        </p:par>
-                      </p:childTnLst>
-                    </p:cTn>
-                  </p:par>
-                  <p:par>
-                    <p:cTn id="7" fill="hold" nodeType="clickPar">
-                      <p:stCondLst>
-                        <p:cond delay="indefinite"/>
-                      </p:stCondLst>
-                      <p:childTnLst>
-                        <p:par>
-                          <p:cTn id="8" fill="hold" nodeType="withGroup">
-                            <p:stCondLst>
-                              <p:cond delay="0"/>
-                            </p:stCondLst>
-                            <p:childTnLst>
-                              <p:par>
-                                <p:cTn id="9" presetID="1" presetClass="entr" presetSubtype="0" fill="hold" nodeType="clickEffect">
-                                  <p:stCondLst>
-                                    <p:cond delay="0"/>
-                                  </p:stCondLst>
-                                  <p:childTnLst>
-                                    <p:set>
-                                      <p:cBhvr>
-                                        <p:cTn id="10" dur="1" fill="hold">
-                                          <p:stCondLst>
-                                            <p:cond delay="0"/>
-                                          </p:stCondLst>
-                                        </p:cTn>
-                                        <p:tgtEl>
-                                          <p:spTgt spid="3">
-                                            <p:txEl>
-                                              <p:pRg st="4" end="4"/>
-                                            </p:txEl>
-                                          </p:spTgt>
-                                        </p:tgtEl>
-                                        <p:attrNameLst>
-                                          <p:attrName>style.visibility</p:attrName>
-                                        </p:attrNameLst>
-                                      </p:cBhvr>
-                                      <p:to>
-                                        <p:strVal val="visible"/>
-                                      </p:to>
-                                    </p:set>
-                                  </p:childTnLst>
-                                </p:cTn>
-                              </p:par>
-                            </p:childTnLst>
-                          </p:cTn>
-                        </p:par>
-                      </p:childTnLst>
-                    </p:cTn>
-                  </p:par>
-                </p:childTnLst>
-              </p:cTn>
-              <p:prevCondLst>
-                <p:cond evt="onPrev" delay="0">
-                  <p:tgtEl>
-                    <p:sldTgt/>
-                  </p:tgtEl>
-                </p:cond>
-              </p:prevCondLst>
-              <p:nextCondLst>
-                <p:cond evt="onNext" delay="0">
-                  <p:tgtEl>
-                    <p:sldTgt/>
-                  </p:tgtEl>
-                </p:cond>
-              </p:nextCondLst>
-            </p:seq>
-          </p:childTnLst>
-        </p:cTn>
-      </p:par>
-    </p:tnLst>
-  </p:timing>
-</p:sld>
-</file>
-
-<file path=ppt/slides/slide29.xml><?xml version="1.0" encoding="utf-8"?>
-<p:sld xmlns:a="http://schemas.openxmlformats.org/drawingml/2006/main" xmlns:r="http://schemas.openxmlformats.org/officeDocument/2006/relationships" xmlns:p="http://schemas.openxmlformats.org/presentationml/2006/main">
-  <p:cSld>
-    <p:spTree>
-      <p:nvGrpSpPr>
-        <p:cNvPr id="1" name=""/>
-        <p:cNvGrpSpPr/>
-        <p:nvPr/>
-      </p:nvGrpSpPr>
-      <p:grpSpPr>
-        <a:xfrm>
-          <a:off x="0" y="0"/>
-          <a:ext cx="0" cy="0"/>
-          <a:chOff x="0" y="0"/>
-          <a:chExt cx="0" cy="0"/>
-        </a:xfrm>
-      </p:grpSpPr>
-      <p:sp>
-        <p:nvSpPr>
           <p:cNvPr id="48129" name="Title 1">
             <a:extLst>
               <a:ext uri="{FF2B5EF4-FFF2-40B4-BE49-F238E27FC236}">
@@ -17077,455 +16725,7 @@
 </p:sld>
 </file>
 
-<file path=ppt/slides/slide3.xml><?xml version="1.0" encoding="utf-8"?>
-<p:sld xmlns:a="http://schemas.openxmlformats.org/drawingml/2006/main" xmlns:r="http://schemas.openxmlformats.org/officeDocument/2006/relationships" xmlns:p="http://schemas.openxmlformats.org/presentationml/2006/main">
-  <p:cSld>
-    <p:spTree>
-      <p:nvGrpSpPr>
-        <p:cNvPr id="1" name=""/>
-        <p:cNvGrpSpPr/>
-        <p:nvPr/>
-      </p:nvGrpSpPr>
-      <p:grpSpPr>
-        <a:xfrm>
-          <a:off x="0" y="0"/>
-          <a:ext cx="0" cy="0"/>
-          <a:chOff x="0" y="0"/>
-          <a:chExt cx="0" cy="0"/>
-        </a:xfrm>
-      </p:grpSpPr>
-      <p:sp>
-        <p:nvSpPr>
-          <p:cNvPr id="21505" name="Title 1">
-            <a:extLst>
-              <a:ext uri="{FF2B5EF4-FFF2-40B4-BE49-F238E27FC236}">
-                <a16:creationId xmlns:a16="http://schemas.microsoft.com/office/drawing/2014/main" id="{BCBA125C-ACA7-FB47-96FC-9420F821AD81}"/>
-              </a:ext>
-            </a:extLst>
-          </p:cNvPr>
-          <p:cNvSpPr>
-            <a:spLocks noGrp="1" noChangeArrowheads="1"/>
-          </p:cNvSpPr>
-          <p:nvPr>
-            <p:ph type="title"/>
-          </p:nvPr>
-        </p:nvSpPr>
-        <p:spPr/>
-        <p:txBody>
-          <a:bodyPr/>
-          <a:lstStyle/>
-          <a:p>
-            <a:pPr eaLnBrk="1" hangingPunct="1"/>
-            <a:r>
-              <a:rPr lang="en-US" altLang="en-US">
-                <a:ea typeface="ＭＳ Ｐゴシック" panose="020B0600070205080204" pitchFamily="34" charset="-128"/>
-              </a:rPr>
-              <a:t>Base 10 </a:t>
-            </a:r>
-            <a:r>
-              <a:rPr lang="en-US" altLang="zh-CN">
-                <a:ea typeface="宋体" panose="02010600030101010101" pitchFamily="2" charset="-122"/>
-              </a:rPr>
-              <a:t>(Decimal numbers)</a:t>
-            </a:r>
-            <a:endParaRPr lang="en-US" altLang="en-US">
-              <a:ea typeface="ＭＳ Ｐゴシック" panose="020B0600070205080204" pitchFamily="34" charset="-128"/>
-            </a:endParaRPr>
-          </a:p>
-        </p:txBody>
-      </p:sp>
-      <p:sp>
-        <p:nvSpPr>
-          <p:cNvPr id="3" name="Content Placeholder 2">
-            <a:extLst>
-              <a:ext uri="{FF2B5EF4-FFF2-40B4-BE49-F238E27FC236}">
-                <a16:creationId xmlns:a16="http://schemas.microsoft.com/office/drawing/2014/main" id="{44A58473-3189-0C44-8A5E-E353CDFB3E5C}"/>
-              </a:ext>
-            </a:extLst>
-          </p:cNvPr>
-          <p:cNvSpPr>
-            <a:spLocks noGrp="1" noChangeArrowheads="1"/>
-          </p:cNvSpPr>
-          <p:nvPr>
-            <p:ph idx="1"/>
-          </p:nvPr>
-        </p:nvSpPr>
-        <p:spPr/>
-        <p:txBody>
-          <a:bodyPr/>
-          <a:lstStyle/>
-          <a:p>
-            <a:pPr marL="0" indent="0">
-              <a:buNone/>
-            </a:pPr>
-            <a:r>
-              <a:rPr lang="en-US" altLang="en-US" sz="2333" dirty="0">
-                <a:solidFill>
-                  <a:srgbClr val="000000"/>
-                </a:solidFill>
-                <a:ea typeface="ＭＳ Ｐゴシック" panose="020B0600070205080204" pitchFamily="34" charset="-128"/>
-              </a:rPr>
-              <a:t>Why base 10?</a:t>
-            </a:r>
-          </a:p>
-          <a:p>
-            <a:pPr marL="0" indent="0">
-              <a:buNone/>
-            </a:pPr>
-            <a:endParaRPr lang="en-US" altLang="zh-CN" sz="1833" dirty="0">
-              <a:ea typeface="ＭＳ Ｐゴシック" panose="020B0600070205080204" pitchFamily="34" charset="-128"/>
-            </a:endParaRPr>
-          </a:p>
-          <a:p>
-            <a:pPr marL="0" indent="0">
-              <a:buNone/>
-            </a:pPr>
-            <a:r>
-              <a:rPr lang="en-US" altLang="zh-CN" sz="2000" dirty="0">
-                <a:ea typeface="宋体" panose="02010600030101010101" pitchFamily="2" charset="-122"/>
-              </a:rPr>
-              <a:t>We </a:t>
-            </a:r>
-            <a:r>
-              <a:rPr lang="en-US" altLang="zh-CN" sz="2000" i="1" dirty="0">
-                <a:ea typeface="宋体" panose="02010600030101010101" pitchFamily="2" charset="-122"/>
-              </a:rPr>
-              <a:t>happened</a:t>
-            </a:r>
-            <a:r>
-              <a:rPr lang="en-US" altLang="zh-CN" sz="2000" dirty="0">
-                <a:ea typeface="宋体" panose="02010600030101010101" pitchFamily="2" charset="-122"/>
-              </a:rPr>
-              <a:t> to use the current counting system, because we happened to have ten fingers.</a:t>
-            </a:r>
-          </a:p>
-          <a:p>
-            <a:pPr marL="0" indent="0">
-              <a:buNone/>
-            </a:pPr>
-            <a:endParaRPr lang="en-US" altLang="zh-CN" sz="2000" dirty="0">
-              <a:ea typeface="宋体" panose="02010600030101010101" pitchFamily="2" charset="-122"/>
-            </a:endParaRPr>
-          </a:p>
-          <a:p>
-            <a:pPr marL="0" indent="0">
-              <a:buNone/>
-            </a:pPr>
-            <a:r>
-              <a:rPr lang="en-US" altLang="zh-CN" sz="2000" dirty="0">
-                <a:ea typeface="宋体" panose="02010600030101010101" pitchFamily="2" charset="-122"/>
-              </a:rPr>
-              <a:t>Base 10(Decimal) uses 10 digits {0,1,2,3…,9}.</a:t>
-            </a:r>
-          </a:p>
-          <a:p>
-            <a:pPr marL="0" indent="0">
-              <a:buNone/>
-            </a:pPr>
-            <a:r>
-              <a:rPr lang="en-US" altLang="zh-CN" sz="2000" dirty="0">
-                <a:ea typeface="宋体" panose="02010600030101010101" pitchFamily="2" charset="-122"/>
-              </a:rPr>
-              <a:t>Base 2(Binary) uses 2 digits {0,1}.</a:t>
-            </a:r>
-          </a:p>
-          <a:p>
-            <a:pPr marL="0" indent="0">
-              <a:buNone/>
-            </a:pPr>
-            <a:r>
-              <a:rPr lang="en-US" altLang="zh-CN" sz="2000" dirty="0">
-                <a:ea typeface="宋体" panose="02010600030101010101" pitchFamily="2" charset="-122"/>
-              </a:rPr>
-              <a:t>Base 8(Octal) uses 8 digits {0,1,2,3,4,5,6,7}</a:t>
-            </a:r>
-          </a:p>
-          <a:p>
-            <a:pPr marL="0" indent="0">
-              <a:buNone/>
-            </a:pPr>
-            <a:endParaRPr lang="en-US" altLang="zh-CN" sz="2000" dirty="0">
-              <a:ea typeface="宋体" panose="02010600030101010101" pitchFamily="2" charset="-122"/>
-            </a:endParaRPr>
-          </a:p>
-          <a:p>
-            <a:pPr marL="0" indent="0"/>
-            <a:endParaRPr lang="en-US" altLang="en-US" sz="2000" dirty="0">
-              <a:ea typeface="ＭＳ Ｐゴシック" panose="020B0600070205080204" pitchFamily="34" charset="-128"/>
-            </a:endParaRPr>
-          </a:p>
-          <a:p>
-            <a:pPr marL="0" indent="0">
-              <a:buNone/>
-            </a:pPr>
-            <a:endParaRPr lang="en-US" altLang="en-US" sz="1833" dirty="0">
-              <a:ea typeface="ＭＳ Ｐゴシック" panose="020B0600070205080204" pitchFamily="34" charset="-128"/>
-            </a:endParaRPr>
-          </a:p>
-          <a:p>
-            <a:pPr marL="0" indent="0">
-              <a:buNone/>
-            </a:pPr>
-            <a:endParaRPr lang="en-US" altLang="en-US" sz="1833" dirty="0">
-              <a:latin typeface="Tahoma" panose="020B0604030504040204" pitchFamily="34" charset="0"/>
-              <a:ea typeface="ＭＳ Ｐゴシック" panose="020B0600070205080204" pitchFamily="34" charset="-128"/>
-            </a:endParaRPr>
-          </a:p>
-        </p:txBody>
-      </p:sp>
-    </p:spTree>
-    <p:extLst>
-      <p:ext uri="{BB962C8B-B14F-4D97-AF65-F5344CB8AC3E}">
-        <p14:creationId xmlns:p14="http://schemas.microsoft.com/office/powerpoint/2010/main" val="3947558204"/>
-      </p:ext>
-    </p:extLst>
-  </p:cSld>
-  <p:clrMapOvr>
-    <a:masterClrMapping/>
-  </p:clrMapOvr>
-  <p:timing>
-    <p:tnLst>
-      <p:par>
-        <p:cTn id="1" dur="indefinite" restart="never" nodeType="tmRoot">
-          <p:childTnLst>
-            <p:seq concurrent="1" nextAc="seek">
-              <p:cTn id="2" dur="indefinite" nodeType="mainSeq">
-                <p:childTnLst>
-                  <p:par>
-                    <p:cTn id="3" fill="hold" nodeType="clickPar">
-                      <p:stCondLst>
-                        <p:cond delay="indefinite"/>
-                      </p:stCondLst>
-                      <p:childTnLst>
-                        <p:par>
-                          <p:cTn id="4" fill="hold" nodeType="withGroup">
-                            <p:stCondLst>
-                              <p:cond delay="0"/>
-                            </p:stCondLst>
-                            <p:childTnLst>
-                              <p:par>
-                                <p:cTn id="5" presetID="1" presetClass="entr" presetSubtype="0" fill="hold" nodeType="clickEffect">
-                                  <p:stCondLst>
-                                    <p:cond delay="0"/>
-                                  </p:stCondLst>
-                                  <p:childTnLst>
-                                    <p:set>
-                                      <p:cBhvr>
-                                        <p:cTn id="6" dur="1" fill="hold">
-                                          <p:stCondLst>
-                                            <p:cond delay="0"/>
-                                          </p:stCondLst>
-                                        </p:cTn>
-                                        <p:tgtEl>
-                                          <p:spTgt spid="3">
-                                            <p:txEl>
-                                              <p:pRg st="0" end="0"/>
-                                            </p:txEl>
-                                          </p:spTgt>
-                                        </p:tgtEl>
-                                        <p:attrNameLst>
-                                          <p:attrName>style.visibility</p:attrName>
-                                        </p:attrNameLst>
-                                      </p:cBhvr>
-                                      <p:to>
-                                        <p:strVal val="visible"/>
-                                      </p:to>
-                                    </p:set>
-                                  </p:childTnLst>
-                                </p:cTn>
-                              </p:par>
-                            </p:childTnLst>
-                          </p:cTn>
-                        </p:par>
-                      </p:childTnLst>
-                    </p:cTn>
-                  </p:par>
-                  <p:par>
-                    <p:cTn id="7" fill="hold" nodeType="clickPar">
-                      <p:stCondLst>
-                        <p:cond delay="indefinite"/>
-                      </p:stCondLst>
-                      <p:childTnLst>
-                        <p:par>
-                          <p:cTn id="8" fill="hold" nodeType="withGroup">
-                            <p:stCondLst>
-                              <p:cond delay="0"/>
-                            </p:stCondLst>
-                            <p:childTnLst>
-                              <p:par>
-                                <p:cTn id="9" presetID="1" presetClass="entr" presetSubtype="0" fill="hold" nodeType="clickEffect">
-                                  <p:stCondLst>
-                                    <p:cond delay="0"/>
-                                  </p:stCondLst>
-                                  <p:childTnLst>
-                                    <p:set>
-                                      <p:cBhvr>
-                                        <p:cTn id="10" dur="1" fill="hold">
-                                          <p:stCondLst>
-                                            <p:cond delay="0"/>
-                                          </p:stCondLst>
-                                        </p:cTn>
-                                        <p:tgtEl>
-                                          <p:spTgt spid="3">
-                                            <p:txEl>
-                                              <p:pRg st="2" end="2"/>
-                                            </p:txEl>
-                                          </p:spTgt>
-                                        </p:tgtEl>
-                                        <p:attrNameLst>
-                                          <p:attrName>style.visibility</p:attrName>
-                                        </p:attrNameLst>
-                                      </p:cBhvr>
-                                      <p:to>
-                                        <p:strVal val="visible"/>
-                                      </p:to>
-                                    </p:set>
-                                  </p:childTnLst>
-                                </p:cTn>
-                              </p:par>
-                            </p:childTnLst>
-                          </p:cTn>
-                        </p:par>
-                      </p:childTnLst>
-                    </p:cTn>
-                  </p:par>
-                  <p:par>
-                    <p:cTn id="11" fill="hold" nodeType="clickPar">
-                      <p:stCondLst>
-                        <p:cond delay="indefinite"/>
-                      </p:stCondLst>
-                      <p:childTnLst>
-                        <p:par>
-                          <p:cTn id="12" fill="hold" nodeType="withGroup">
-                            <p:stCondLst>
-                              <p:cond delay="0"/>
-                            </p:stCondLst>
-                            <p:childTnLst>
-                              <p:par>
-                                <p:cTn id="13" presetID="1" presetClass="entr" presetSubtype="0" fill="hold" nodeType="clickEffect">
-                                  <p:stCondLst>
-                                    <p:cond delay="0"/>
-                                  </p:stCondLst>
-                                  <p:childTnLst>
-                                    <p:set>
-                                      <p:cBhvr>
-                                        <p:cTn id="14" dur="1" fill="hold">
-                                          <p:stCondLst>
-                                            <p:cond delay="0"/>
-                                          </p:stCondLst>
-                                        </p:cTn>
-                                        <p:tgtEl>
-                                          <p:spTgt spid="3">
-                                            <p:txEl>
-                                              <p:pRg st="4" end="4"/>
-                                            </p:txEl>
-                                          </p:spTgt>
-                                        </p:tgtEl>
-                                        <p:attrNameLst>
-                                          <p:attrName>style.visibility</p:attrName>
-                                        </p:attrNameLst>
-                                      </p:cBhvr>
-                                      <p:to>
-                                        <p:strVal val="visible"/>
-                                      </p:to>
-                                    </p:set>
-                                  </p:childTnLst>
-                                </p:cTn>
-                              </p:par>
-                              <p:par>
-                                <p:cTn id="15" presetID="1" presetClass="entr" presetSubtype="0" fill="hold" nodeType="withEffect">
-                                  <p:stCondLst>
-                                    <p:cond delay="0"/>
-                                  </p:stCondLst>
-                                  <p:childTnLst>
-                                    <p:set>
-                                      <p:cBhvr>
-                                        <p:cTn id="16" dur="1" fill="hold">
-                                          <p:stCondLst>
-                                            <p:cond delay="0"/>
-                                          </p:stCondLst>
-                                        </p:cTn>
-                                        <p:tgtEl>
-                                          <p:spTgt spid="3">
-                                            <p:txEl>
-                                              <p:pRg st="5" end="5"/>
-                                            </p:txEl>
-                                          </p:spTgt>
-                                        </p:tgtEl>
-                                        <p:attrNameLst>
-                                          <p:attrName>style.visibility</p:attrName>
-                                        </p:attrNameLst>
-                                      </p:cBhvr>
-                                      <p:to>
-                                        <p:strVal val="visible"/>
-                                      </p:to>
-                                    </p:set>
-                                  </p:childTnLst>
-                                </p:cTn>
-                              </p:par>
-                              <p:par>
-                                <p:cTn id="17" presetID="1" presetClass="entr" presetSubtype="0" fill="hold" nodeType="withEffect">
-                                  <p:stCondLst>
-                                    <p:cond delay="0"/>
-                                  </p:stCondLst>
-                                  <p:childTnLst>
-                                    <p:set>
-                                      <p:cBhvr>
-                                        <p:cTn id="18" dur="1" fill="hold">
-                                          <p:stCondLst>
-                                            <p:cond delay="0"/>
-                                          </p:stCondLst>
-                                        </p:cTn>
-                                        <p:tgtEl>
-                                          <p:spTgt spid="3">
-                                            <p:txEl>
-                                              <p:pRg st="6" end="6"/>
-                                            </p:txEl>
-                                          </p:spTgt>
-                                        </p:tgtEl>
-                                        <p:attrNameLst>
-                                          <p:attrName>style.visibility</p:attrName>
-                                        </p:attrNameLst>
-                                      </p:cBhvr>
-                                      <p:to>
-                                        <p:strVal val="visible"/>
-                                      </p:to>
-                                    </p:set>
-                                  </p:childTnLst>
-                                </p:cTn>
-                              </p:par>
-                            </p:childTnLst>
-                          </p:cTn>
-                        </p:par>
-                      </p:childTnLst>
-                    </p:cTn>
-                  </p:par>
-                </p:childTnLst>
-              </p:cTn>
-              <p:prevCondLst>
-                <p:cond evt="onPrev" delay="0">
-                  <p:tgtEl>
-                    <p:sldTgt/>
-                  </p:tgtEl>
-                </p:cond>
-              </p:prevCondLst>
-              <p:nextCondLst>
-                <p:cond evt="onNext" delay="0">
-                  <p:tgtEl>
-                    <p:sldTgt/>
-                  </p:tgtEl>
-                </p:cond>
-              </p:nextCondLst>
-            </p:seq>
-          </p:childTnLst>
-        </p:cTn>
-      </p:par>
-    </p:tnLst>
-  </p:timing>
-</p:sld>
-</file>
-
-<file path=ppt/slides/slide30.xml><?xml version="1.0" encoding="utf-8"?>
+<file path=ppt/slides/slide29.xml><?xml version="1.0" encoding="utf-8"?>
 <p:sld xmlns:a="http://schemas.openxmlformats.org/drawingml/2006/main" xmlns:r="http://schemas.openxmlformats.org/officeDocument/2006/relationships" xmlns:p="http://schemas.openxmlformats.org/presentationml/2006/main">
   <p:cSld>
     <p:spTree>
@@ -18032,7 +17232,425 @@
 </p:sld>
 </file>
 
-<file path=ppt/slides/slide31.xml><?xml version="1.0" encoding="utf-8"?>
+<file path=ppt/slides/slide3.xml><?xml version="1.0" encoding="utf-8"?>
+<p:sld xmlns:a="http://schemas.openxmlformats.org/drawingml/2006/main" xmlns:r="http://schemas.openxmlformats.org/officeDocument/2006/relationships" xmlns:p="http://schemas.openxmlformats.org/presentationml/2006/main">
+  <p:cSld>
+    <p:spTree>
+      <p:nvGrpSpPr>
+        <p:cNvPr id="1" name=""/>
+        <p:cNvGrpSpPr/>
+        <p:nvPr/>
+      </p:nvGrpSpPr>
+      <p:grpSpPr>
+        <a:xfrm>
+          <a:off x="0" y="0"/>
+          <a:ext cx="0" cy="0"/>
+          <a:chOff x="0" y="0"/>
+          <a:chExt cx="0" cy="0"/>
+        </a:xfrm>
+      </p:grpSpPr>
+      <p:sp>
+        <p:nvSpPr>
+          <p:cNvPr id="22529" name="Title 1">
+            <a:extLst>
+              <a:ext uri="{FF2B5EF4-FFF2-40B4-BE49-F238E27FC236}">
+                <a16:creationId xmlns:a16="http://schemas.microsoft.com/office/drawing/2014/main" id="{D64B8878-850A-FD49-812E-00E5D00C2909}"/>
+              </a:ext>
+            </a:extLst>
+          </p:cNvPr>
+          <p:cNvSpPr>
+            <a:spLocks noGrp="1" noChangeArrowheads="1"/>
+          </p:cNvSpPr>
+          <p:nvPr>
+            <p:ph type="title"/>
+          </p:nvPr>
+        </p:nvSpPr>
+        <p:spPr/>
+        <p:txBody>
+          <a:bodyPr/>
+          <a:lstStyle/>
+          <a:p>
+            <a:pPr eaLnBrk="1" hangingPunct="1"/>
+            <a:r>
+              <a:rPr lang="en-US" altLang="en-US">
+                <a:ea typeface="ＭＳ Ｐゴシック" panose="020B0600070205080204" pitchFamily="34" charset="-128"/>
+              </a:rPr>
+              <a:t>Base 10 </a:t>
+            </a:r>
+            <a:r>
+              <a:rPr lang="en-US" altLang="zh-CN">
+                <a:ea typeface="宋体" panose="02010600030101010101" pitchFamily="2" charset="-122"/>
+              </a:rPr>
+              <a:t>(Decimal numbers)</a:t>
+            </a:r>
+            <a:endParaRPr lang="en-US" altLang="en-US">
+              <a:ea typeface="ＭＳ Ｐゴシック" panose="020B0600070205080204" pitchFamily="34" charset="-128"/>
+            </a:endParaRPr>
+          </a:p>
+        </p:txBody>
+      </p:sp>
+      <p:sp>
+        <p:nvSpPr>
+          <p:cNvPr id="3" name="Content Placeholder 2">
+            <a:extLst>
+              <a:ext uri="{FF2B5EF4-FFF2-40B4-BE49-F238E27FC236}">
+                <a16:creationId xmlns:a16="http://schemas.microsoft.com/office/drawing/2014/main" id="{A2015382-9B7F-FE46-8251-9DC1E84F44FE}"/>
+              </a:ext>
+            </a:extLst>
+          </p:cNvPr>
+          <p:cNvSpPr>
+            <a:spLocks noGrp="1"/>
+          </p:cNvSpPr>
+          <p:nvPr>
+            <p:ph idx="1"/>
+          </p:nvPr>
+        </p:nvSpPr>
+        <p:spPr/>
+        <p:txBody>
+          <a:bodyPr/>
+          <a:lstStyle/>
+          <a:p>
+            <a:pPr marL="0" indent="0">
+              <a:buNone/>
+              <a:defRPr/>
+            </a:pPr>
+            <a:r>
+              <a:rPr lang="en-US" sz="2200" dirty="0">
+                <a:latin typeface="Tahoma"/>
+                <a:cs typeface="Tahoma"/>
+              </a:rPr>
+              <a:t>Each digit has a weight corresponding to a power of 10. Multiply each digit with its weight and then sum. </a:t>
+            </a:r>
+          </a:p>
+          <a:p>
+            <a:pPr marL="0" indent="0">
+              <a:buNone/>
+              <a:defRPr/>
+            </a:pPr>
+            <a:endParaRPr lang="en-US" sz="2333" dirty="0">
+              <a:solidFill>
+                <a:schemeClr val="tx1">
+                  <a:lumMod val="75000"/>
+                </a:schemeClr>
+              </a:solidFill>
+            </a:endParaRPr>
+          </a:p>
+          <a:p>
+            <a:pPr marL="0" indent="0">
+              <a:buNone/>
+              <a:defRPr/>
+            </a:pPr>
+            <a:endParaRPr lang="en-US" sz="1833" dirty="0"/>
+          </a:p>
+          <a:p>
+            <a:pPr marL="0" indent="0">
+              <a:buNone/>
+              <a:defRPr/>
+            </a:pPr>
+            <a:r>
+              <a:rPr lang="en-US" altLang="zh-CN" dirty="0">
+                <a:ea typeface="宋体" charset="0"/>
+                <a:cs typeface="宋体" charset="0"/>
+              </a:rPr>
+              <a:t>What does </a:t>
+            </a:r>
+            <a:r>
+              <a:rPr lang="en-US" dirty="0"/>
+              <a:t>15</a:t>
+            </a:r>
+            <a:r>
+              <a:rPr lang="en-US" altLang="zh-CN" dirty="0">
+                <a:ea typeface="宋体" charset="0"/>
+                <a:cs typeface="宋体" charset="0"/>
+              </a:rPr>
+              <a:t>7 mean?</a:t>
+            </a:r>
+            <a:endParaRPr lang="en-US" dirty="0"/>
+          </a:p>
+          <a:p>
+            <a:pPr marL="342900" lvl="1" indent="0">
+              <a:buNone/>
+              <a:defRPr/>
+            </a:pPr>
+            <a:r>
+              <a:rPr lang="en-US" sz="2000" dirty="0"/>
+              <a:t>15</a:t>
+            </a:r>
+            <a:r>
+              <a:rPr lang="en-US" altLang="zh-CN" sz="2000" dirty="0">
+                <a:ea typeface="宋体" charset="0"/>
+                <a:cs typeface="宋体" charset="0"/>
+              </a:rPr>
+              <a:t>7</a:t>
+            </a:r>
+            <a:r>
+              <a:rPr lang="en-US" sz="2000" dirty="0"/>
+              <a:t> = 1 x 100 + 5 x 10 + </a:t>
+            </a:r>
+            <a:r>
+              <a:rPr lang="en-US" altLang="zh-CN" sz="2000" dirty="0">
+                <a:ea typeface="宋体" charset="0"/>
+                <a:cs typeface="宋体" charset="0"/>
+              </a:rPr>
+              <a:t>7</a:t>
+            </a:r>
+            <a:r>
+              <a:rPr lang="en-US" sz="2000" dirty="0"/>
+              <a:t> x 1</a:t>
+            </a:r>
+          </a:p>
+          <a:p>
+            <a:pPr marL="0" indent="0">
+              <a:buNone/>
+              <a:defRPr/>
+            </a:pPr>
+            <a:r>
+              <a:rPr lang="en-US" sz="2000" dirty="0"/>
+              <a:t>          = 1 x 10</a:t>
+            </a:r>
+            <a:r>
+              <a:rPr lang="en-US" sz="2000" baseline="30000" dirty="0"/>
+              <a:t>2</a:t>
+            </a:r>
+            <a:r>
+              <a:rPr lang="en-US" sz="2000" dirty="0"/>
+              <a:t> + 5 x 10</a:t>
+            </a:r>
+            <a:r>
+              <a:rPr lang="en-US" sz="2000" baseline="30000" dirty="0"/>
+              <a:t>1</a:t>
+            </a:r>
+            <a:r>
+              <a:rPr lang="en-US" sz="2000" dirty="0"/>
+              <a:t> + </a:t>
+            </a:r>
+            <a:r>
+              <a:rPr lang="en-US" altLang="zh-CN" sz="2000" dirty="0">
+                <a:ea typeface="宋体" charset="0"/>
+                <a:cs typeface="宋体" charset="0"/>
+              </a:rPr>
+              <a:t>7</a:t>
+            </a:r>
+            <a:r>
+              <a:rPr lang="en-US" sz="2000" dirty="0"/>
+              <a:t> x 10</a:t>
+            </a:r>
+            <a:r>
+              <a:rPr lang="en-US" sz="2000" baseline="30000" dirty="0"/>
+              <a:t>0</a:t>
+            </a:r>
+            <a:endParaRPr lang="en-US" altLang="zh-CN" sz="2000" baseline="30000" dirty="0">
+              <a:ea typeface="宋体" charset="0"/>
+              <a:cs typeface="宋体" charset="0"/>
+            </a:endParaRPr>
+          </a:p>
+          <a:p>
+            <a:pPr marL="0" indent="0">
+              <a:buNone/>
+              <a:defRPr/>
+            </a:pPr>
+            <a:endParaRPr lang="en-US" sz="2000" dirty="0"/>
+          </a:p>
+          <a:p>
+            <a:pPr marL="0" indent="0">
+              <a:buNone/>
+              <a:defRPr/>
+            </a:pPr>
+            <a:endParaRPr lang="en-US" sz="1833" dirty="0"/>
+          </a:p>
+        </p:txBody>
+      </p:sp>
+    </p:spTree>
+    <p:extLst>
+      <p:ext uri="{BB962C8B-B14F-4D97-AF65-F5344CB8AC3E}">
+        <p14:creationId xmlns:p14="http://schemas.microsoft.com/office/powerpoint/2010/main" val="2054265466"/>
+      </p:ext>
+    </p:extLst>
+  </p:cSld>
+  <p:clrMapOvr>
+    <a:masterClrMapping/>
+  </p:clrMapOvr>
+  <p:timing>
+    <p:tnLst>
+      <p:par>
+        <p:cTn id="1" dur="indefinite" restart="never" nodeType="tmRoot">
+          <p:childTnLst>
+            <p:seq concurrent="1" nextAc="seek">
+              <p:cTn id="2" dur="indefinite" nodeType="mainSeq">
+                <p:childTnLst>
+                  <p:par>
+                    <p:cTn id="3" fill="hold">
+                      <p:stCondLst>
+                        <p:cond delay="indefinite"/>
+                      </p:stCondLst>
+                      <p:childTnLst>
+                        <p:par>
+                          <p:cTn id="4" fill="hold">
+                            <p:stCondLst>
+                              <p:cond delay="0"/>
+                            </p:stCondLst>
+                            <p:childTnLst>
+                              <p:par>
+                                <p:cTn id="5" presetID="1" presetClass="entr" presetSubtype="0" fill="hold" nodeType="clickEffect">
+                                  <p:stCondLst>
+                                    <p:cond delay="0"/>
+                                  </p:stCondLst>
+                                  <p:childTnLst>
+                                    <p:set>
+                                      <p:cBhvr>
+                                        <p:cTn id="6" dur="1" fill="hold">
+                                          <p:stCondLst>
+                                            <p:cond delay="0"/>
+                                          </p:stCondLst>
+                                        </p:cTn>
+                                        <p:tgtEl>
+                                          <p:spTgt spid="3">
+                                            <p:txEl>
+                                              <p:pRg st="3" end="3"/>
+                                            </p:txEl>
+                                          </p:spTgt>
+                                        </p:tgtEl>
+                                        <p:attrNameLst>
+                                          <p:attrName>style.visibility</p:attrName>
+                                        </p:attrNameLst>
+                                      </p:cBhvr>
+                                      <p:to>
+                                        <p:strVal val="visible"/>
+                                      </p:to>
+                                    </p:set>
+                                  </p:childTnLst>
+                                </p:cTn>
+                              </p:par>
+                            </p:childTnLst>
+                          </p:cTn>
+                        </p:par>
+                      </p:childTnLst>
+                    </p:cTn>
+                  </p:par>
+                  <p:par>
+                    <p:cTn id="7" fill="hold">
+                      <p:stCondLst>
+                        <p:cond delay="indefinite"/>
+                      </p:stCondLst>
+                      <p:childTnLst>
+                        <p:par>
+                          <p:cTn id="8" fill="hold">
+                            <p:stCondLst>
+                              <p:cond delay="0"/>
+                            </p:stCondLst>
+                            <p:childTnLst>
+                              <p:par>
+                                <p:cTn id="9" presetID="1" presetClass="entr" presetSubtype="0" fill="hold" nodeType="clickEffect">
+                                  <p:stCondLst>
+                                    <p:cond delay="0"/>
+                                  </p:stCondLst>
+                                  <p:childTnLst>
+                                    <p:set>
+                                      <p:cBhvr>
+                                        <p:cTn id="10" dur="1" fill="hold">
+                                          <p:stCondLst>
+                                            <p:cond delay="0"/>
+                                          </p:stCondLst>
+                                        </p:cTn>
+                                        <p:tgtEl>
+                                          <p:spTgt spid="3">
+                                            <p:txEl>
+                                              <p:pRg st="4" end="4"/>
+                                            </p:txEl>
+                                          </p:spTgt>
+                                        </p:tgtEl>
+                                        <p:attrNameLst>
+                                          <p:attrName>style.visibility</p:attrName>
+                                        </p:attrNameLst>
+                                      </p:cBhvr>
+                                      <p:to>
+                                        <p:strVal val="visible"/>
+                                      </p:to>
+                                    </p:set>
+                                  </p:childTnLst>
+                                </p:cTn>
+                              </p:par>
+                            </p:childTnLst>
+                          </p:cTn>
+                        </p:par>
+                      </p:childTnLst>
+                    </p:cTn>
+                  </p:par>
+                  <p:par>
+                    <p:cTn id="11" fill="hold">
+                      <p:stCondLst>
+                        <p:cond delay="indefinite"/>
+                      </p:stCondLst>
+                      <p:childTnLst>
+                        <p:par>
+                          <p:cTn id="12" fill="hold">
+                            <p:stCondLst>
+                              <p:cond delay="0"/>
+                            </p:stCondLst>
+                            <p:childTnLst>
+                              <p:par>
+                                <p:cTn id="13" presetID="1" presetClass="entr" presetSubtype="0" fill="hold" nodeType="clickEffect">
+                                  <p:stCondLst>
+                                    <p:cond delay="0"/>
+                                  </p:stCondLst>
+                                  <p:childTnLst>
+                                    <p:set>
+                                      <p:cBhvr>
+                                        <p:cTn id="14" dur="1" fill="hold">
+                                          <p:stCondLst>
+                                            <p:cond delay="0"/>
+                                          </p:stCondLst>
+                                        </p:cTn>
+                                        <p:tgtEl>
+                                          <p:spTgt spid="3">
+                                            <p:txEl>
+                                              <p:pRg st="5" end="5"/>
+                                            </p:txEl>
+                                          </p:spTgt>
+                                        </p:tgtEl>
+                                        <p:attrNameLst>
+                                          <p:attrName>style.visibility</p:attrName>
+                                        </p:attrNameLst>
+                                      </p:cBhvr>
+                                      <p:to>
+                                        <p:strVal val="visible"/>
+                                      </p:to>
+                                    </p:set>
+                                  </p:childTnLst>
+                                </p:cTn>
+                              </p:par>
+                            </p:childTnLst>
+                          </p:cTn>
+                        </p:par>
+                      </p:childTnLst>
+                    </p:cTn>
+                  </p:par>
+                </p:childTnLst>
+              </p:cTn>
+              <p:prevCondLst>
+                <p:cond evt="onPrev" delay="0">
+                  <p:tgtEl>
+                    <p:sldTgt/>
+                  </p:tgtEl>
+                </p:cond>
+              </p:prevCondLst>
+              <p:nextCondLst>
+                <p:cond evt="onNext" delay="0">
+                  <p:tgtEl>
+                    <p:sldTgt/>
+                  </p:tgtEl>
+                </p:cond>
+              </p:nextCondLst>
+            </p:seq>
+          </p:childTnLst>
+        </p:cTn>
+      </p:par>
+    </p:tnLst>
+  </p:timing>
+</p:sld>
+</file>
+
+<file path=ppt/slides/slide30.xml><?xml version="1.0" encoding="utf-8"?>
 <p:sld xmlns:a="http://schemas.openxmlformats.org/drawingml/2006/main" xmlns:r="http://schemas.openxmlformats.org/officeDocument/2006/relationships" xmlns:p="http://schemas.openxmlformats.org/presentationml/2006/main">
   <p:cSld>
     <p:spTree>
@@ -18510,7 +18128,7 @@
 </p:sld>
 </file>
 
-<file path=ppt/slides/slide32.xml><?xml version="1.0" encoding="utf-8"?>
+<file path=ppt/slides/slide31.xml><?xml version="1.0" encoding="utf-8"?>
 <p:sld xmlns:a="http://schemas.openxmlformats.org/drawingml/2006/main" xmlns:r="http://schemas.openxmlformats.org/officeDocument/2006/relationships" xmlns:p="http://schemas.openxmlformats.org/presentationml/2006/main">
   <p:cSld>
     <p:spTree>
@@ -19150,7 +18768,7 @@
 </p:sld>
 </file>
 
-<file path=ppt/slides/slide33.xml><?xml version="1.0" encoding="utf-8"?>
+<file path=ppt/slides/slide32.xml><?xml version="1.0" encoding="utf-8"?>
 <p:sld xmlns:a="http://schemas.openxmlformats.org/drawingml/2006/main" xmlns:r="http://schemas.openxmlformats.org/officeDocument/2006/relationships" xmlns:p="http://schemas.openxmlformats.org/presentationml/2006/main">
   <p:cSld>
     <p:spTree>
@@ -19759,7 +19377,7 @@
 </p:sld>
 </file>
 
-<file path=ppt/slides/slide34.xml><?xml version="1.0" encoding="utf-8"?>
+<file path=ppt/slides/slide33.xml><?xml version="1.0" encoding="utf-8"?>
 <p:sld xmlns:a="http://schemas.openxmlformats.org/drawingml/2006/main" xmlns:r="http://schemas.openxmlformats.org/officeDocument/2006/relationships" xmlns:p="http://schemas.openxmlformats.org/presentationml/2006/main">
   <p:cSld>
     <p:spTree>
@@ -19915,7 +19533,7 @@
 </p:sld>
 </file>
 
-<file path=ppt/slides/slide35.xml><?xml version="1.0" encoding="utf-8"?>
+<file path=ppt/slides/slide34.xml><?xml version="1.0" encoding="utf-8"?>
 <p:sld xmlns:a="http://schemas.openxmlformats.org/drawingml/2006/main" xmlns:r="http://schemas.openxmlformats.org/officeDocument/2006/relationships" xmlns:p="http://schemas.openxmlformats.org/presentationml/2006/main">
   <p:cSld>
     <p:spTree>
@@ -20138,424 +19756,6 @@
 </file>
 
 <file path=ppt/slides/slide4.xml><?xml version="1.0" encoding="utf-8"?>
-<p:sld xmlns:a="http://schemas.openxmlformats.org/drawingml/2006/main" xmlns:r="http://schemas.openxmlformats.org/officeDocument/2006/relationships" xmlns:p="http://schemas.openxmlformats.org/presentationml/2006/main">
-  <p:cSld>
-    <p:spTree>
-      <p:nvGrpSpPr>
-        <p:cNvPr id="1" name=""/>
-        <p:cNvGrpSpPr/>
-        <p:nvPr/>
-      </p:nvGrpSpPr>
-      <p:grpSpPr>
-        <a:xfrm>
-          <a:off x="0" y="0"/>
-          <a:ext cx="0" cy="0"/>
-          <a:chOff x="0" y="0"/>
-          <a:chExt cx="0" cy="0"/>
-        </a:xfrm>
-      </p:grpSpPr>
-      <p:sp>
-        <p:nvSpPr>
-          <p:cNvPr id="22529" name="Title 1">
-            <a:extLst>
-              <a:ext uri="{FF2B5EF4-FFF2-40B4-BE49-F238E27FC236}">
-                <a16:creationId xmlns:a16="http://schemas.microsoft.com/office/drawing/2014/main" id="{D64B8878-850A-FD49-812E-00E5D00C2909}"/>
-              </a:ext>
-            </a:extLst>
-          </p:cNvPr>
-          <p:cNvSpPr>
-            <a:spLocks noGrp="1" noChangeArrowheads="1"/>
-          </p:cNvSpPr>
-          <p:nvPr>
-            <p:ph type="title"/>
-          </p:nvPr>
-        </p:nvSpPr>
-        <p:spPr/>
-        <p:txBody>
-          <a:bodyPr/>
-          <a:lstStyle/>
-          <a:p>
-            <a:pPr eaLnBrk="1" hangingPunct="1"/>
-            <a:r>
-              <a:rPr lang="en-US" altLang="en-US">
-                <a:ea typeface="ＭＳ Ｐゴシック" panose="020B0600070205080204" pitchFamily="34" charset="-128"/>
-              </a:rPr>
-              <a:t>Base 10 </a:t>
-            </a:r>
-            <a:r>
-              <a:rPr lang="en-US" altLang="zh-CN">
-                <a:ea typeface="宋体" panose="02010600030101010101" pitchFamily="2" charset="-122"/>
-              </a:rPr>
-              <a:t>(Decimal numbers)</a:t>
-            </a:r>
-            <a:endParaRPr lang="en-US" altLang="en-US">
-              <a:ea typeface="ＭＳ Ｐゴシック" panose="020B0600070205080204" pitchFamily="34" charset="-128"/>
-            </a:endParaRPr>
-          </a:p>
-        </p:txBody>
-      </p:sp>
-      <p:sp>
-        <p:nvSpPr>
-          <p:cNvPr id="3" name="Content Placeholder 2">
-            <a:extLst>
-              <a:ext uri="{FF2B5EF4-FFF2-40B4-BE49-F238E27FC236}">
-                <a16:creationId xmlns:a16="http://schemas.microsoft.com/office/drawing/2014/main" id="{A2015382-9B7F-FE46-8251-9DC1E84F44FE}"/>
-              </a:ext>
-            </a:extLst>
-          </p:cNvPr>
-          <p:cNvSpPr>
-            <a:spLocks noGrp="1"/>
-          </p:cNvSpPr>
-          <p:nvPr>
-            <p:ph idx="1"/>
-          </p:nvPr>
-        </p:nvSpPr>
-        <p:spPr/>
-        <p:txBody>
-          <a:bodyPr/>
-          <a:lstStyle/>
-          <a:p>
-            <a:pPr marL="0" indent="0">
-              <a:buNone/>
-              <a:defRPr/>
-            </a:pPr>
-            <a:r>
-              <a:rPr lang="en-US" sz="2200" dirty="0">
-                <a:latin typeface="Tahoma"/>
-                <a:cs typeface="Tahoma"/>
-              </a:rPr>
-              <a:t>Each digit has a weight corresponding to a power of 10. Multiply each digit with its weight and then sum. </a:t>
-            </a:r>
-          </a:p>
-          <a:p>
-            <a:pPr marL="0" indent="0">
-              <a:buNone/>
-              <a:defRPr/>
-            </a:pPr>
-            <a:endParaRPr lang="en-US" sz="2333" dirty="0">
-              <a:solidFill>
-                <a:schemeClr val="tx1">
-                  <a:lumMod val="75000"/>
-                </a:schemeClr>
-              </a:solidFill>
-            </a:endParaRPr>
-          </a:p>
-          <a:p>
-            <a:pPr marL="0" indent="0">
-              <a:buNone/>
-              <a:defRPr/>
-            </a:pPr>
-            <a:endParaRPr lang="en-US" sz="1833" dirty="0"/>
-          </a:p>
-          <a:p>
-            <a:pPr marL="0" indent="0">
-              <a:buNone/>
-              <a:defRPr/>
-            </a:pPr>
-            <a:r>
-              <a:rPr lang="en-US" altLang="zh-CN" dirty="0">
-                <a:ea typeface="宋体" charset="0"/>
-                <a:cs typeface="宋体" charset="0"/>
-              </a:rPr>
-              <a:t>What does </a:t>
-            </a:r>
-            <a:r>
-              <a:rPr lang="en-US" dirty="0"/>
-              <a:t>15</a:t>
-            </a:r>
-            <a:r>
-              <a:rPr lang="en-US" altLang="zh-CN" dirty="0">
-                <a:ea typeface="宋体" charset="0"/>
-                <a:cs typeface="宋体" charset="0"/>
-              </a:rPr>
-              <a:t>7 mean?</a:t>
-            </a:r>
-            <a:endParaRPr lang="en-US" dirty="0"/>
-          </a:p>
-          <a:p>
-            <a:pPr marL="342900" lvl="1" indent="0">
-              <a:buNone/>
-              <a:defRPr/>
-            </a:pPr>
-            <a:r>
-              <a:rPr lang="en-US" sz="2000" dirty="0"/>
-              <a:t>15</a:t>
-            </a:r>
-            <a:r>
-              <a:rPr lang="en-US" altLang="zh-CN" sz="2000" dirty="0">
-                <a:ea typeface="宋体" charset="0"/>
-                <a:cs typeface="宋体" charset="0"/>
-              </a:rPr>
-              <a:t>7</a:t>
-            </a:r>
-            <a:r>
-              <a:rPr lang="en-US" sz="2000" dirty="0"/>
-              <a:t> = 1 x 100 + 5 x 10 + </a:t>
-            </a:r>
-            <a:r>
-              <a:rPr lang="en-US" altLang="zh-CN" sz="2000" dirty="0">
-                <a:ea typeface="宋体" charset="0"/>
-                <a:cs typeface="宋体" charset="0"/>
-              </a:rPr>
-              <a:t>7</a:t>
-            </a:r>
-            <a:r>
-              <a:rPr lang="en-US" sz="2000" dirty="0"/>
-              <a:t> x 1</a:t>
-            </a:r>
-          </a:p>
-          <a:p>
-            <a:pPr marL="0" indent="0">
-              <a:buNone/>
-              <a:defRPr/>
-            </a:pPr>
-            <a:r>
-              <a:rPr lang="en-US" sz="2000" dirty="0"/>
-              <a:t>          = 1 x 10</a:t>
-            </a:r>
-            <a:r>
-              <a:rPr lang="en-US" sz="2000" baseline="30000" dirty="0"/>
-              <a:t>2</a:t>
-            </a:r>
-            <a:r>
-              <a:rPr lang="en-US" sz="2000" dirty="0"/>
-              <a:t> + 5 x 10</a:t>
-            </a:r>
-            <a:r>
-              <a:rPr lang="en-US" sz="2000" baseline="30000" dirty="0"/>
-              <a:t>1</a:t>
-            </a:r>
-            <a:r>
-              <a:rPr lang="en-US" sz="2000" dirty="0"/>
-              <a:t> + </a:t>
-            </a:r>
-            <a:r>
-              <a:rPr lang="en-US" altLang="zh-CN" sz="2000" dirty="0">
-                <a:ea typeface="宋体" charset="0"/>
-                <a:cs typeface="宋体" charset="0"/>
-              </a:rPr>
-              <a:t>7</a:t>
-            </a:r>
-            <a:r>
-              <a:rPr lang="en-US" sz="2000" dirty="0"/>
-              <a:t> x 10</a:t>
-            </a:r>
-            <a:r>
-              <a:rPr lang="en-US" sz="2000" baseline="30000" dirty="0"/>
-              <a:t>0</a:t>
-            </a:r>
-            <a:endParaRPr lang="en-US" altLang="zh-CN" sz="2000" baseline="30000" dirty="0">
-              <a:ea typeface="宋体" charset="0"/>
-              <a:cs typeface="宋体" charset="0"/>
-            </a:endParaRPr>
-          </a:p>
-          <a:p>
-            <a:pPr marL="0" indent="0">
-              <a:buNone/>
-              <a:defRPr/>
-            </a:pPr>
-            <a:endParaRPr lang="en-US" sz="2000" dirty="0"/>
-          </a:p>
-          <a:p>
-            <a:pPr marL="0" indent="0">
-              <a:buNone/>
-              <a:defRPr/>
-            </a:pPr>
-            <a:endParaRPr lang="en-US" sz="1833" dirty="0"/>
-          </a:p>
-        </p:txBody>
-      </p:sp>
-    </p:spTree>
-    <p:extLst>
-      <p:ext uri="{BB962C8B-B14F-4D97-AF65-F5344CB8AC3E}">
-        <p14:creationId xmlns:p14="http://schemas.microsoft.com/office/powerpoint/2010/main" val="2054265466"/>
-      </p:ext>
-    </p:extLst>
-  </p:cSld>
-  <p:clrMapOvr>
-    <a:masterClrMapping/>
-  </p:clrMapOvr>
-  <p:timing>
-    <p:tnLst>
-      <p:par>
-        <p:cTn id="1" dur="indefinite" restart="never" nodeType="tmRoot">
-          <p:childTnLst>
-            <p:seq concurrent="1" nextAc="seek">
-              <p:cTn id="2" dur="indefinite" nodeType="mainSeq">
-                <p:childTnLst>
-                  <p:par>
-                    <p:cTn id="3" fill="hold">
-                      <p:stCondLst>
-                        <p:cond delay="indefinite"/>
-                      </p:stCondLst>
-                      <p:childTnLst>
-                        <p:par>
-                          <p:cTn id="4" fill="hold">
-                            <p:stCondLst>
-                              <p:cond delay="0"/>
-                            </p:stCondLst>
-                            <p:childTnLst>
-                              <p:par>
-                                <p:cTn id="5" presetID="1" presetClass="entr" presetSubtype="0" fill="hold" nodeType="clickEffect">
-                                  <p:stCondLst>
-                                    <p:cond delay="0"/>
-                                  </p:stCondLst>
-                                  <p:childTnLst>
-                                    <p:set>
-                                      <p:cBhvr>
-                                        <p:cTn id="6" dur="1" fill="hold">
-                                          <p:stCondLst>
-                                            <p:cond delay="0"/>
-                                          </p:stCondLst>
-                                        </p:cTn>
-                                        <p:tgtEl>
-                                          <p:spTgt spid="3">
-                                            <p:txEl>
-                                              <p:pRg st="3" end="3"/>
-                                            </p:txEl>
-                                          </p:spTgt>
-                                        </p:tgtEl>
-                                        <p:attrNameLst>
-                                          <p:attrName>style.visibility</p:attrName>
-                                        </p:attrNameLst>
-                                      </p:cBhvr>
-                                      <p:to>
-                                        <p:strVal val="visible"/>
-                                      </p:to>
-                                    </p:set>
-                                  </p:childTnLst>
-                                </p:cTn>
-                              </p:par>
-                            </p:childTnLst>
-                          </p:cTn>
-                        </p:par>
-                      </p:childTnLst>
-                    </p:cTn>
-                  </p:par>
-                  <p:par>
-                    <p:cTn id="7" fill="hold">
-                      <p:stCondLst>
-                        <p:cond delay="indefinite"/>
-                      </p:stCondLst>
-                      <p:childTnLst>
-                        <p:par>
-                          <p:cTn id="8" fill="hold">
-                            <p:stCondLst>
-                              <p:cond delay="0"/>
-                            </p:stCondLst>
-                            <p:childTnLst>
-                              <p:par>
-                                <p:cTn id="9" presetID="1" presetClass="entr" presetSubtype="0" fill="hold" nodeType="clickEffect">
-                                  <p:stCondLst>
-                                    <p:cond delay="0"/>
-                                  </p:stCondLst>
-                                  <p:childTnLst>
-                                    <p:set>
-                                      <p:cBhvr>
-                                        <p:cTn id="10" dur="1" fill="hold">
-                                          <p:stCondLst>
-                                            <p:cond delay="0"/>
-                                          </p:stCondLst>
-                                        </p:cTn>
-                                        <p:tgtEl>
-                                          <p:spTgt spid="3">
-                                            <p:txEl>
-                                              <p:pRg st="4" end="4"/>
-                                            </p:txEl>
-                                          </p:spTgt>
-                                        </p:tgtEl>
-                                        <p:attrNameLst>
-                                          <p:attrName>style.visibility</p:attrName>
-                                        </p:attrNameLst>
-                                      </p:cBhvr>
-                                      <p:to>
-                                        <p:strVal val="visible"/>
-                                      </p:to>
-                                    </p:set>
-                                  </p:childTnLst>
-                                </p:cTn>
-                              </p:par>
-                            </p:childTnLst>
-                          </p:cTn>
-                        </p:par>
-                      </p:childTnLst>
-                    </p:cTn>
-                  </p:par>
-                  <p:par>
-                    <p:cTn id="11" fill="hold">
-                      <p:stCondLst>
-                        <p:cond delay="indefinite"/>
-                      </p:stCondLst>
-                      <p:childTnLst>
-                        <p:par>
-                          <p:cTn id="12" fill="hold">
-                            <p:stCondLst>
-                              <p:cond delay="0"/>
-                            </p:stCondLst>
-                            <p:childTnLst>
-                              <p:par>
-                                <p:cTn id="13" presetID="1" presetClass="entr" presetSubtype="0" fill="hold" nodeType="clickEffect">
-                                  <p:stCondLst>
-                                    <p:cond delay="0"/>
-                                  </p:stCondLst>
-                                  <p:childTnLst>
-                                    <p:set>
-                                      <p:cBhvr>
-                                        <p:cTn id="14" dur="1" fill="hold">
-                                          <p:stCondLst>
-                                            <p:cond delay="0"/>
-                                          </p:stCondLst>
-                                        </p:cTn>
-                                        <p:tgtEl>
-                                          <p:spTgt spid="3">
-                                            <p:txEl>
-                                              <p:pRg st="5" end="5"/>
-                                            </p:txEl>
-                                          </p:spTgt>
-                                        </p:tgtEl>
-                                        <p:attrNameLst>
-                                          <p:attrName>style.visibility</p:attrName>
-                                        </p:attrNameLst>
-                                      </p:cBhvr>
-                                      <p:to>
-                                        <p:strVal val="visible"/>
-                                      </p:to>
-                                    </p:set>
-                                  </p:childTnLst>
-                                </p:cTn>
-                              </p:par>
-                            </p:childTnLst>
-                          </p:cTn>
-                        </p:par>
-                      </p:childTnLst>
-                    </p:cTn>
-                  </p:par>
-                </p:childTnLst>
-              </p:cTn>
-              <p:prevCondLst>
-                <p:cond evt="onPrev" delay="0">
-                  <p:tgtEl>
-                    <p:sldTgt/>
-                  </p:tgtEl>
-                </p:cond>
-              </p:prevCondLst>
-              <p:nextCondLst>
-                <p:cond evt="onNext" delay="0">
-                  <p:tgtEl>
-                    <p:sldTgt/>
-                  </p:tgtEl>
-                </p:cond>
-              </p:nextCondLst>
-            </p:seq>
-          </p:childTnLst>
-        </p:cTn>
-      </p:par>
-    </p:tnLst>
-  </p:timing>
-</p:sld>
-</file>
-
-<file path=ppt/slides/slide5.xml><?xml version="1.0" encoding="utf-8"?>
 <p:sld xmlns:a="http://schemas.openxmlformats.org/drawingml/2006/main" xmlns:r="http://schemas.openxmlformats.org/officeDocument/2006/relationships" xmlns:p="http://schemas.openxmlformats.org/presentationml/2006/main">
   <p:cSld>
     <p:spTree>
@@ -20693,7 +19893,7 @@
 </p:sld>
 </file>
 
-<file path=ppt/slides/slide6.xml><?xml version="1.0" encoding="utf-8"?>
+<file path=ppt/slides/slide5.xml><?xml version="1.0" encoding="utf-8"?>
 <p:sld xmlns:a="http://schemas.openxmlformats.org/drawingml/2006/main" xmlns:r="http://schemas.openxmlformats.org/officeDocument/2006/relationships" xmlns:p="http://schemas.openxmlformats.org/presentationml/2006/main">
   <p:cSld>
     <p:spTree>
@@ -20831,7 +20031,7 @@
 </p:sld>
 </file>
 
-<file path=ppt/slides/slide7.xml><?xml version="1.0" encoding="utf-8"?>
+<file path=ppt/slides/slide6.xml><?xml version="1.0" encoding="utf-8"?>
 <p:sld xmlns:a="http://schemas.openxmlformats.org/drawingml/2006/main" xmlns:r="http://schemas.openxmlformats.org/officeDocument/2006/relationships" xmlns:p="http://schemas.openxmlformats.org/presentationml/2006/main">
   <p:cSld>
     <p:spTree>
@@ -21008,7 +20208,7 @@
 </p:sld>
 </file>
 
-<file path=ppt/slides/slide8.xml><?xml version="1.0" encoding="utf-8"?>
+<file path=ppt/slides/slide7.xml><?xml version="1.0" encoding="utf-8"?>
 <p:sld xmlns:a="http://schemas.openxmlformats.org/drawingml/2006/main" xmlns:r="http://schemas.openxmlformats.org/officeDocument/2006/relationships" xmlns:p="http://schemas.openxmlformats.org/presentationml/2006/main">
   <p:cSld>
     <p:spTree>
@@ -21475,7 +20675,7 @@
 </p:sld>
 </file>
 
-<file path=ppt/slides/slide9.xml><?xml version="1.0" encoding="utf-8"?>
+<file path=ppt/slides/slide8.xml><?xml version="1.0" encoding="utf-8"?>
 <p:sld xmlns:a="http://schemas.openxmlformats.org/drawingml/2006/main" xmlns:r="http://schemas.openxmlformats.org/officeDocument/2006/relationships" xmlns:p="http://schemas.openxmlformats.org/presentationml/2006/main">
   <p:cSld>
     <p:spTree>
@@ -21685,6 +20885,867 @@
                                         </p:cTn>
                                         <p:tgtEl>
                                           <p:spTgt spid="26627"/>
+                                        </p:tgtEl>
+                                        <p:attrNameLst>
+                                          <p:attrName>style.visibility</p:attrName>
+                                        </p:attrNameLst>
+                                      </p:cBhvr>
+                                      <p:to>
+                                        <p:strVal val="visible"/>
+                                      </p:to>
+                                    </p:set>
+                                  </p:childTnLst>
+                                </p:cTn>
+                              </p:par>
+                            </p:childTnLst>
+                          </p:cTn>
+                        </p:par>
+                      </p:childTnLst>
+                    </p:cTn>
+                  </p:par>
+                </p:childTnLst>
+              </p:cTn>
+              <p:prevCondLst>
+                <p:cond evt="onPrev" delay="0">
+                  <p:tgtEl>
+                    <p:sldTgt/>
+                  </p:tgtEl>
+                </p:cond>
+              </p:prevCondLst>
+              <p:nextCondLst>
+                <p:cond evt="onNext" delay="0">
+                  <p:tgtEl>
+                    <p:sldTgt/>
+                  </p:tgtEl>
+                </p:cond>
+              </p:nextCondLst>
+            </p:seq>
+          </p:childTnLst>
+        </p:cTn>
+      </p:par>
+    </p:tnLst>
+  </p:timing>
+</p:sld>
+</file>
+
+<file path=ppt/slides/slide9.xml><?xml version="1.0" encoding="utf-8"?>
+<p:sld xmlns:a="http://schemas.openxmlformats.org/drawingml/2006/main" xmlns:r="http://schemas.openxmlformats.org/officeDocument/2006/relationships" xmlns:p="http://schemas.openxmlformats.org/presentationml/2006/main">
+  <p:cSld>
+    <p:spTree>
+      <p:nvGrpSpPr>
+        <p:cNvPr id="1" name=""/>
+        <p:cNvGrpSpPr/>
+        <p:nvPr/>
+      </p:nvGrpSpPr>
+      <p:grpSpPr>
+        <a:xfrm>
+          <a:off x="0" y="0"/>
+          <a:ext cx="0" cy="0"/>
+          <a:chOff x="0" y="0"/>
+          <a:chExt cx="0" cy="0"/>
+        </a:xfrm>
+      </p:grpSpPr>
+      <p:sp>
+        <p:nvSpPr>
+          <p:cNvPr id="27649" name="Title 1">
+            <a:extLst>
+              <a:ext uri="{FF2B5EF4-FFF2-40B4-BE49-F238E27FC236}">
+                <a16:creationId xmlns:a16="http://schemas.microsoft.com/office/drawing/2014/main" id="{6DF2718B-6957-A844-8110-C38E5F3B4833}"/>
+              </a:ext>
+            </a:extLst>
+          </p:cNvPr>
+          <p:cNvSpPr>
+            <a:spLocks noGrp="1" noChangeArrowheads="1"/>
+          </p:cNvSpPr>
+          <p:nvPr>
+            <p:ph type="title"/>
+          </p:nvPr>
+        </p:nvSpPr>
+        <p:spPr/>
+        <p:txBody>
+          <a:bodyPr/>
+          <a:lstStyle/>
+          <a:p>
+            <a:pPr eaLnBrk="1" hangingPunct="1"/>
+            <a:r>
+              <a:rPr lang="en-US" altLang="en-US">
+                <a:ea typeface="ＭＳ Ｐゴシック" panose="020B0600070205080204" pitchFamily="34" charset="-128"/>
+              </a:rPr>
+              <a:t>Adding Binary</a:t>
+            </a:r>
+          </a:p>
+        </p:txBody>
+      </p:sp>
+      <p:sp>
+        <p:nvSpPr>
+          <p:cNvPr id="3" name="Content Placeholder 2">
+            <a:extLst>
+              <a:ext uri="{FF2B5EF4-FFF2-40B4-BE49-F238E27FC236}">
+                <a16:creationId xmlns:a16="http://schemas.microsoft.com/office/drawing/2014/main" id="{6BAAF3A1-8774-5448-8A90-E12045B4D3F2}"/>
+              </a:ext>
+            </a:extLst>
+          </p:cNvPr>
+          <p:cNvSpPr>
+            <a:spLocks noGrp="1"/>
+          </p:cNvSpPr>
+          <p:nvPr>
+            <p:ph idx="1"/>
+          </p:nvPr>
+        </p:nvSpPr>
+        <p:spPr>
+          <a:xfrm>
+            <a:off x="628650" y="1116282"/>
+            <a:ext cx="7886700" cy="4031188"/>
+          </a:xfrm>
+        </p:spPr>
+        <p:txBody>
+          <a:bodyPr/>
+          <a:lstStyle/>
+          <a:p>
+            <a:pPr marL="0" indent="0">
+              <a:buNone/>
+              <a:defRPr/>
+            </a:pPr>
+            <a:r>
+              <a:rPr lang="en-US" altLang="zh-CN" sz="2000" dirty="0">
+                <a:ea typeface="宋体" charset="0"/>
+                <a:cs typeface="宋体" charset="0"/>
+              </a:rPr>
+              <a:t>Add from right to left as usual. Follow the three rules below and remember to carry. </a:t>
+            </a:r>
+          </a:p>
+          <a:p>
+            <a:pPr marL="0" indent="0" algn="ctr">
+              <a:buNone/>
+              <a:defRPr/>
+            </a:pPr>
+            <a:r>
+              <a:rPr lang="en-US" altLang="zh-CN" sz="2000" dirty="0">
+                <a:ea typeface="宋体" charset="0"/>
+                <a:cs typeface="宋体" charset="0"/>
+              </a:rPr>
+              <a:t>0 + 0 = 0</a:t>
+            </a:r>
+          </a:p>
+          <a:p>
+            <a:pPr marL="0" indent="0" algn="ctr">
+              <a:buNone/>
+              <a:defRPr/>
+            </a:pPr>
+            <a:r>
+              <a:rPr lang="en-US" altLang="zh-CN" sz="2000" dirty="0">
+                <a:ea typeface="宋体" charset="0"/>
+                <a:cs typeface="宋体" charset="0"/>
+              </a:rPr>
+              <a:t>1 + 0 = 1</a:t>
+            </a:r>
+          </a:p>
+          <a:p>
+            <a:pPr marL="0" indent="0" algn="ctr">
+              <a:buNone/>
+              <a:defRPr/>
+            </a:pPr>
+            <a:r>
+              <a:rPr lang="en-US" altLang="zh-CN" sz="2000" dirty="0">
+                <a:ea typeface="宋体" charset="0"/>
+                <a:cs typeface="宋体" charset="0"/>
+              </a:rPr>
+              <a:t>1 + 1 = 10</a:t>
+            </a:r>
+            <a:endParaRPr lang="en-US" sz="2000" dirty="0"/>
+          </a:p>
+          <a:p>
+            <a:pPr marL="0" indent="0">
+              <a:buNone/>
+              <a:defRPr/>
+            </a:pPr>
+            <a:r>
+              <a:rPr lang="en-US" sz="2000" dirty="0"/>
+              <a:t>Example:</a:t>
+            </a:r>
+          </a:p>
+          <a:p>
+            <a:pPr marL="0" indent="0">
+              <a:buNone/>
+              <a:defRPr/>
+            </a:pPr>
+            <a:endParaRPr lang="en-US" sz="1833" dirty="0"/>
+          </a:p>
+          <a:p>
+            <a:pPr marL="0" indent="0">
+              <a:buNone/>
+              <a:defRPr/>
+            </a:pPr>
+            <a:endParaRPr lang="en-US" sz="1833" dirty="0">
+              <a:latin typeface="Tahoma"/>
+              <a:cs typeface="Tahoma"/>
+            </a:endParaRPr>
+          </a:p>
+        </p:txBody>
+      </p:sp>
+      <p:sp>
+        <p:nvSpPr>
+          <p:cNvPr id="27651" name="TextBox 3">
+            <a:extLst>
+              <a:ext uri="{FF2B5EF4-FFF2-40B4-BE49-F238E27FC236}">
+                <a16:creationId xmlns:a16="http://schemas.microsoft.com/office/drawing/2014/main" id="{6FC605D7-3622-AB4C-89F0-D1DD9A54F1CD}"/>
+              </a:ext>
+            </a:extLst>
+          </p:cNvPr>
+          <p:cNvSpPr txBox="1">
+            <a:spLocks noChangeArrowheads="1"/>
+          </p:cNvSpPr>
+          <p:nvPr/>
+        </p:nvSpPr>
+        <p:spPr bwMode="auto">
+          <a:xfrm>
+            <a:off x="3012282" y="1660261"/>
+            <a:ext cx="184731" cy="323165"/>
+          </a:xfrm>
+          <a:prstGeom prst="rect">
+            <a:avLst/>
+          </a:prstGeom>
+          <a:noFill/>
+          <a:ln>
+            <a:noFill/>
+          </a:ln>
+          <a:extLst>
+            <a:ext uri="{909E8E84-426E-40DD-AFC4-6F175D3DCCD1}">
+              <a14:hiddenFill xmlns:a14="http://schemas.microsoft.com/office/drawing/2010/main">
+                <a:solidFill>
+                  <a:srgbClr val="FFFFFF"/>
+                </a:solidFill>
+              </a14:hiddenFill>
+            </a:ext>
+            <a:ext uri="{91240B29-F687-4F45-9708-019B960494DF}">
+              <a14:hiddenLine xmlns:a14="http://schemas.microsoft.com/office/drawing/2010/main" w="9525">
+                <a:solidFill>
+                  <a:srgbClr val="000000"/>
+                </a:solidFill>
+                <a:miter lim="800000"/>
+                <a:headEnd/>
+                <a:tailEnd/>
+              </a14:hiddenLine>
+            </a:ext>
+          </a:extLst>
+        </p:spPr>
+        <p:txBody>
+          <a:bodyPr wrap="none">
+            <a:spAutoFit/>
+          </a:bodyPr>
+          <a:lstStyle>
+            <a:lvl1pPr>
+              <a:spcBef>
+                <a:spcPct val="20000"/>
+              </a:spcBef>
+              <a:buChar char="•"/>
+              <a:defRPr sz="3200">
+                <a:solidFill>
+                  <a:schemeClr val="tx1"/>
+                </a:solidFill>
+                <a:latin typeface="Arial" panose="020B0604020202020204" pitchFamily="34" charset="0"/>
+                <a:ea typeface="ＭＳ Ｐゴシック" panose="020B0600070205080204" pitchFamily="34" charset="-128"/>
+                <a:cs typeface="Arial" panose="020B0604020202020204" pitchFamily="34" charset="0"/>
+              </a:defRPr>
+            </a:lvl1pPr>
+            <a:lvl2pPr marL="742950" indent="-285750">
+              <a:spcBef>
+                <a:spcPct val="20000"/>
+              </a:spcBef>
+              <a:buChar char="–"/>
+              <a:defRPr sz="2800">
+                <a:solidFill>
+                  <a:schemeClr val="tx1"/>
+                </a:solidFill>
+                <a:latin typeface="Arial" panose="020B0604020202020204" pitchFamily="34" charset="0"/>
+                <a:ea typeface="Arial" panose="020B0604020202020204" pitchFamily="34" charset="0"/>
+                <a:cs typeface="Arial" panose="020B0604020202020204" pitchFamily="34" charset="0"/>
+              </a:defRPr>
+            </a:lvl2pPr>
+            <a:lvl3pPr marL="1143000" indent="-228600">
+              <a:spcBef>
+                <a:spcPct val="20000"/>
+              </a:spcBef>
+              <a:buChar char="•"/>
+              <a:defRPr sz="2400">
+                <a:solidFill>
+                  <a:schemeClr val="tx1"/>
+                </a:solidFill>
+                <a:latin typeface="Arial" panose="020B0604020202020204" pitchFamily="34" charset="0"/>
+                <a:ea typeface="Arial" panose="020B0604020202020204" pitchFamily="34" charset="0"/>
+                <a:cs typeface="Arial" panose="020B0604020202020204" pitchFamily="34" charset="0"/>
+              </a:defRPr>
+            </a:lvl3pPr>
+            <a:lvl4pPr marL="1600200" indent="-228600">
+              <a:spcBef>
+                <a:spcPct val="20000"/>
+              </a:spcBef>
+              <a:buChar char="–"/>
+              <a:defRPr sz="2000">
+                <a:solidFill>
+                  <a:schemeClr val="tx1"/>
+                </a:solidFill>
+                <a:latin typeface="Arial" panose="020B0604020202020204" pitchFamily="34" charset="0"/>
+                <a:ea typeface="Arial" panose="020B0604020202020204" pitchFamily="34" charset="0"/>
+                <a:cs typeface="Arial" panose="020B0604020202020204" pitchFamily="34" charset="0"/>
+              </a:defRPr>
+            </a:lvl4pPr>
+            <a:lvl5pPr marL="2057400" indent="-228600">
+              <a:spcBef>
+                <a:spcPct val="20000"/>
+              </a:spcBef>
+              <a:buChar char="»"/>
+              <a:defRPr sz="2000">
+                <a:solidFill>
+                  <a:schemeClr val="tx1"/>
+                </a:solidFill>
+                <a:latin typeface="Arial" panose="020B0604020202020204" pitchFamily="34" charset="0"/>
+                <a:ea typeface="Arial" panose="020B0604020202020204" pitchFamily="34" charset="0"/>
+                <a:cs typeface="Arial" panose="020B0604020202020204" pitchFamily="34" charset="0"/>
+              </a:defRPr>
+            </a:lvl5pPr>
+            <a:lvl6pPr marL="2514600" indent="-228600" eaLnBrk="0" fontAlgn="base" hangingPunct="0">
+              <a:spcBef>
+                <a:spcPct val="20000"/>
+              </a:spcBef>
+              <a:spcAft>
+                <a:spcPct val="0"/>
+              </a:spcAft>
+              <a:buChar char="»"/>
+              <a:defRPr sz="2000">
+                <a:solidFill>
+                  <a:schemeClr val="tx1"/>
+                </a:solidFill>
+                <a:latin typeface="Arial" panose="020B0604020202020204" pitchFamily="34" charset="0"/>
+                <a:ea typeface="Arial" panose="020B0604020202020204" pitchFamily="34" charset="0"/>
+                <a:cs typeface="Arial" panose="020B0604020202020204" pitchFamily="34" charset="0"/>
+              </a:defRPr>
+            </a:lvl6pPr>
+            <a:lvl7pPr marL="2971800" indent="-228600" eaLnBrk="0" fontAlgn="base" hangingPunct="0">
+              <a:spcBef>
+                <a:spcPct val="20000"/>
+              </a:spcBef>
+              <a:spcAft>
+                <a:spcPct val="0"/>
+              </a:spcAft>
+              <a:buChar char="»"/>
+              <a:defRPr sz="2000">
+                <a:solidFill>
+                  <a:schemeClr val="tx1"/>
+                </a:solidFill>
+                <a:latin typeface="Arial" panose="020B0604020202020204" pitchFamily="34" charset="0"/>
+                <a:ea typeface="Arial" panose="020B0604020202020204" pitchFamily="34" charset="0"/>
+                <a:cs typeface="Arial" panose="020B0604020202020204" pitchFamily="34" charset="0"/>
+              </a:defRPr>
+            </a:lvl7pPr>
+            <a:lvl8pPr marL="3429000" indent="-228600" eaLnBrk="0" fontAlgn="base" hangingPunct="0">
+              <a:spcBef>
+                <a:spcPct val="20000"/>
+              </a:spcBef>
+              <a:spcAft>
+                <a:spcPct val="0"/>
+              </a:spcAft>
+              <a:buChar char="»"/>
+              <a:defRPr sz="2000">
+                <a:solidFill>
+                  <a:schemeClr val="tx1"/>
+                </a:solidFill>
+                <a:latin typeface="Arial" panose="020B0604020202020204" pitchFamily="34" charset="0"/>
+                <a:ea typeface="Arial" panose="020B0604020202020204" pitchFamily="34" charset="0"/>
+                <a:cs typeface="Arial" panose="020B0604020202020204" pitchFamily="34" charset="0"/>
+              </a:defRPr>
+            </a:lvl8pPr>
+            <a:lvl9pPr marL="3886200" indent="-228600" eaLnBrk="0" fontAlgn="base" hangingPunct="0">
+              <a:spcBef>
+                <a:spcPct val="20000"/>
+              </a:spcBef>
+              <a:spcAft>
+                <a:spcPct val="0"/>
+              </a:spcAft>
+              <a:buChar char="»"/>
+              <a:defRPr sz="2000">
+                <a:solidFill>
+                  <a:schemeClr val="tx1"/>
+                </a:solidFill>
+                <a:latin typeface="Arial" panose="020B0604020202020204" pitchFamily="34" charset="0"/>
+                <a:ea typeface="Arial" panose="020B0604020202020204" pitchFamily="34" charset="0"/>
+                <a:cs typeface="Arial" panose="020B0604020202020204" pitchFamily="34" charset="0"/>
+              </a:defRPr>
+            </a:lvl9pPr>
+          </a:lstStyle>
+          <a:p>
+            <a:pPr>
+              <a:spcBef>
+                <a:spcPct val="0"/>
+              </a:spcBef>
+              <a:buFontTx/>
+              <a:buNone/>
+            </a:pPr>
+            <a:endParaRPr lang="en-US" altLang="en-US" sz="1500"/>
+          </a:p>
+        </p:txBody>
+      </p:sp>
+      <p:sp>
+        <p:nvSpPr>
+          <p:cNvPr id="27652" name="TextBox 5">
+            <a:extLst>
+              <a:ext uri="{FF2B5EF4-FFF2-40B4-BE49-F238E27FC236}">
+                <a16:creationId xmlns:a16="http://schemas.microsoft.com/office/drawing/2014/main" id="{D9135003-1544-5E4E-ADFE-49C04929E5EB}"/>
+              </a:ext>
+            </a:extLst>
+          </p:cNvPr>
+          <p:cNvSpPr txBox="1">
+            <a:spLocks noChangeArrowheads="1"/>
+          </p:cNvSpPr>
+          <p:nvPr/>
+        </p:nvSpPr>
+        <p:spPr bwMode="auto">
+          <a:xfrm>
+            <a:off x="3947584" y="1670845"/>
+            <a:ext cx="184731" cy="323165"/>
+          </a:xfrm>
+          <a:prstGeom prst="rect">
+            <a:avLst/>
+          </a:prstGeom>
+          <a:noFill/>
+          <a:ln>
+            <a:noFill/>
+          </a:ln>
+          <a:extLst>
+            <a:ext uri="{909E8E84-426E-40DD-AFC4-6F175D3DCCD1}">
+              <a14:hiddenFill xmlns:a14="http://schemas.microsoft.com/office/drawing/2010/main">
+                <a:solidFill>
+                  <a:srgbClr val="FFFFFF"/>
+                </a:solidFill>
+              </a14:hiddenFill>
+            </a:ext>
+            <a:ext uri="{91240B29-F687-4F45-9708-019B960494DF}">
+              <a14:hiddenLine xmlns:a14="http://schemas.microsoft.com/office/drawing/2010/main" w="9525">
+                <a:solidFill>
+                  <a:srgbClr val="000000"/>
+                </a:solidFill>
+                <a:miter lim="800000"/>
+                <a:headEnd/>
+                <a:tailEnd/>
+              </a14:hiddenLine>
+            </a:ext>
+          </a:extLst>
+        </p:spPr>
+        <p:txBody>
+          <a:bodyPr wrap="none">
+            <a:spAutoFit/>
+          </a:bodyPr>
+          <a:lstStyle>
+            <a:lvl1pPr>
+              <a:spcBef>
+                <a:spcPct val="20000"/>
+              </a:spcBef>
+              <a:buChar char="•"/>
+              <a:defRPr sz="3200">
+                <a:solidFill>
+                  <a:schemeClr val="tx1"/>
+                </a:solidFill>
+                <a:latin typeface="Arial" panose="020B0604020202020204" pitchFamily="34" charset="0"/>
+                <a:ea typeface="ＭＳ Ｐゴシック" panose="020B0600070205080204" pitchFamily="34" charset="-128"/>
+                <a:cs typeface="Arial" panose="020B0604020202020204" pitchFamily="34" charset="0"/>
+              </a:defRPr>
+            </a:lvl1pPr>
+            <a:lvl2pPr marL="742950" indent="-285750">
+              <a:spcBef>
+                <a:spcPct val="20000"/>
+              </a:spcBef>
+              <a:buChar char="–"/>
+              <a:defRPr sz="2800">
+                <a:solidFill>
+                  <a:schemeClr val="tx1"/>
+                </a:solidFill>
+                <a:latin typeface="Arial" panose="020B0604020202020204" pitchFamily="34" charset="0"/>
+                <a:ea typeface="Arial" panose="020B0604020202020204" pitchFamily="34" charset="0"/>
+                <a:cs typeface="Arial" panose="020B0604020202020204" pitchFamily="34" charset="0"/>
+              </a:defRPr>
+            </a:lvl2pPr>
+            <a:lvl3pPr marL="1143000" indent="-228600">
+              <a:spcBef>
+                <a:spcPct val="20000"/>
+              </a:spcBef>
+              <a:buChar char="•"/>
+              <a:defRPr sz="2400">
+                <a:solidFill>
+                  <a:schemeClr val="tx1"/>
+                </a:solidFill>
+                <a:latin typeface="Arial" panose="020B0604020202020204" pitchFamily="34" charset="0"/>
+                <a:ea typeface="Arial" panose="020B0604020202020204" pitchFamily="34" charset="0"/>
+                <a:cs typeface="Arial" panose="020B0604020202020204" pitchFamily="34" charset="0"/>
+              </a:defRPr>
+            </a:lvl3pPr>
+            <a:lvl4pPr marL="1600200" indent="-228600">
+              <a:spcBef>
+                <a:spcPct val="20000"/>
+              </a:spcBef>
+              <a:buChar char="–"/>
+              <a:defRPr sz="2000">
+                <a:solidFill>
+                  <a:schemeClr val="tx1"/>
+                </a:solidFill>
+                <a:latin typeface="Arial" panose="020B0604020202020204" pitchFamily="34" charset="0"/>
+                <a:ea typeface="Arial" panose="020B0604020202020204" pitchFamily="34" charset="0"/>
+                <a:cs typeface="Arial" panose="020B0604020202020204" pitchFamily="34" charset="0"/>
+              </a:defRPr>
+            </a:lvl4pPr>
+            <a:lvl5pPr marL="2057400" indent="-228600">
+              <a:spcBef>
+                <a:spcPct val="20000"/>
+              </a:spcBef>
+              <a:buChar char="»"/>
+              <a:defRPr sz="2000">
+                <a:solidFill>
+                  <a:schemeClr val="tx1"/>
+                </a:solidFill>
+                <a:latin typeface="Arial" panose="020B0604020202020204" pitchFamily="34" charset="0"/>
+                <a:ea typeface="Arial" panose="020B0604020202020204" pitchFamily="34" charset="0"/>
+                <a:cs typeface="Arial" panose="020B0604020202020204" pitchFamily="34" charset="0"/>
+              </a:defRPr>
+            </a:lvl5pPr>
+            <a:lvl6pPr marL="2514600" indent="-228600" eaLnBrk="0" fontAlgn="base" hangingPunct="0">
+              <a:spcBef>
+                <a:spcPct val="20000"/>
+              </a:spcBef>
+              <a:spcAft>
+                <a:spcPct val="0"/>
+              </a:spcAft>
+              <a:buChar char="»"/>
+              <a:defRPr sz="2000">
+                <a:solidFill>
+                  <a:schemeClr val="tx1"/>
+                </a:solidFill>
+                <a:latin typeface="Arial" panose="020B0604020202020204" pitchFamily="34" charset="0"/>
+                <a:ea typeface="Arial" panose="020B0604020202020204" pitchFamily="34" charset="0"/>
+                <a:cs typeface="Arial" panose="020B0604020202020204" pitchFamily="34" charset="0"/>
+              </a:defRPr>
+            </a:lvl6pPr>
+            <a:lvl7pPr marL="2971800" indent="-228600" eaLnBrk="0" fontAlgn="base" hangingPunct="0">
+              <a:spcBef>
+                <a:spcPct val="20000"/>
+              </a:spcBef>
+              <a:spcAft>
+                <a:spcPct val="0"/>
+              </a:spcAft>
+              <a:buChar char="»"/>
+              <a:defRPr sz="2000">
+                <a:solidFill>
+                  <a:schemeClr val="tx1"/>
+                </a:solidFill>
+                <a:latin typeface="Arial" panose="020B0604020202020204" pitchFamily="34" charset="0"/>
+                <a:ea typeface="Arial" panose="020B0604020202020204" pitchFamily="34" charset="0"/>
+                <a:cs typeface="Arial" panose="020B0604020202020204" pitchFamily="34" charset="0"/>
+              </a:defRPr>
+            </a:lvl7pPr>
+            <a:lvl8pPr marL="3429000" indent="-228600" eaLnBrk="0" fontAlgn="base" hangingPunct="0">
+              <a:spcBef>
+                <a:spcPct val="20000"/>
+              </a:spcBef>
+              <a:spcAft>
+                <a:spcPct val="0"/>
+              </a:spcAft>
+              <a:buChar char="»"/>
+              <a:defRPr sz="2000">
+                <a:solidFill>
+                  <a:schemeClr val="tx1"/>
+                </a:solidFill>
+                <a:latin typeface="Arial" panose="020B0604020202020204" pitchFamily="34" charset="0"/>
+                <a:ea typeface="Arial" panose="020B0604020202020204" pitchFamily="34" charset="0"/>
+                <a:cs typeface="Arial" panose="020B0604020202020204" pitchFamily="34" charset="0"/>
+              </a:defRPr>
+            </a:lvl8pPr>
+            <a:lvl9pPr marL="3886200" indent="-228600" eaLnBrk="0" fontAlgn="base" hangingPunct="0">
+              <a:spcBef>
+                <a:spcPct val="20000"/>
+              </a:spcBef>
+              <a:spcAft>
+                <a:spcPct val="0"/>
+              </a:spcAft>
+              <a:buChar char="»"/>
+              <a:defRPr sz="2000">
+                <a:solidFill>
+                  <a:schemeClr val="tx1"/>
+                </a:solidFill>
+                <a:latin typeface="Arial" panose="020B0604020202020204" pitchFamily="34" charset="0"/>
+                <a:ea typeface="Arial" panose="020B0604020202020204" pitchFamily="34" charset="0"/>
+                <a:cs typeface="Arial" panose="020B0604020202020204" pitchFamily="34" charset="0"/>
+              </a:defRPr>
+            </a:lvl9pPr>
+          </a:lstStyle>
+          <a:p>
+            <a:pPr>
+              <a:spcBef>
+                <a:spcPct val="0"/>
+              </a:spcBef>
+              <a:buFontTx/>
+              <a:buNone/>
+            </a:pPr>
+            <a:endParaRPr lang="en-US" altLang="en-US" sz="1500"/>
+          </a:p>
+        </p:txBody>
+      </p:sp>
+      <p:pic>
+        <p:nvPicPr>
+          <p:cNvPr id="27653" name="Picture 4" descr="untitled">
+            <a:extLst>
+              <a:ext uri="{FF2B5EF4-FFF2-40B4-BE49-F238E27FC236}">
+                <a16:creationId xmlns:a16="http://schemas.microsoft.com/office/drawing/2014/main" id="{75F4E284-8B62-804D-956D-6A4F07E681AD}"/>
+              </a:ext>
+            </a:extLst>
+          </p:cNvPr>
+          <p:cNvPicPr>
+            <a:picLocks noChangeAspect="1" noChangeArrowheads="1"/>
+          </p:cNvPicPr>
+          <p:nvPr/>
+        </p:nvPicPr>
+        <p:blipFill>
+          <a:blip r:embed="rId2">
+            <a:extLst>
+              <a:ext uri="{28A0092B-C50C-407E-A947-70E740481C1C}">
+                <a14:useLocalDpi xmlns:a14="http://schemas.microsoft.com/office/drawing/2010/main" val="0"/>
+              </a:ext>
+            </a:extLst>
+          </a:blip>
+          <a:srcRect/>
+          <a:stretch>
+            <a:fillRect/>
+          </a:stretch>
+        </p:blipFill>
+        <p:spPr bwMode="auto">
+          <a:xfrm>
+            <a:off x="2133507" y="3155272"/>
+            <a:ext cx="4398581" cy="2440263"/>
+          </a:xfrm>
+          <a:prstGeom prst="rect">
+            <a:avLst/>
+          </a:prstGeom>
+          <a:noFill/>
+          <a:ln>
+            <a:noFill/>
+          </a:ln>
+          <a:effectLst/>
+          <a:extLst>
+            <a:ext uri="{909E8E84-426E-40DD-AFC4-6F175D3DCCD1}">
+              <a14:hiddenFill xmlns:a14="http://schemas.microsoft.com/office/drawing/2010/main">
+                <a:solidFill>
+                  <a:srgbClr val="FFFFFF"/>
+                </a:solidFill>
+              </a14:hiddenFill>
+            </a:ext>
+            <a:ext uri="{91240B29-F687-4F45-9708-019B960494DF}">
+              <a14:hiddenLine xmlns:a14="http://schemas.microsoft.com/office/drawing/2010/main" w="9525">
+                <a:solidFill>
+                  <a:srgbClr val="000000"/>
+                </a:solidFill>
+                <a:miter lim="800000"/>
+                <a:headEnd/>
+                <a:tailEnd/>
+              </a14:hiddenLine>
+            </a:ext>
+            <a:ext uri="{AF507438-7753-43E0-B8FC-AC1667EBCBE1}">
+              <a14:hiddenEffects xmlns:a14="http://schemas.microsoft.com/office/drawing/2010/main">
+                <a:effectLst>
+                  <a:outerShdw dist="35921" dir="2700000" algn="ctr" rotWithShape="0">
+                    <a:srgbClr val="808080">
+                      <a:alpha val="74997"/>
+                    </a:srgbClr>
+                  </a:outerShdw>
+                </a:effectLst>
+              </a14:hiddenEffects>
+            </a:ext>
+          </a:extLst>
+        </p:spPr>
+      </p:pic>
+    </p:spTree>
+    <p:extLst>
+      <p:ext uri="{BB962C8B-B14F-4D97-AF65-F5344CB8AC3E}">
+        <p14:creationId xmlns:p14="http://schemas.microsoft.com/office/powerpoint/2010/main" val="3906700287"/>
+      </p:ext>
+    </p:extLst>
+  </p:cSld>
+  <p:clrMapOvr>
+    <a:masterClrMapping/>
+  </p:clrMapOvr>
+  <p:timing>
+    <p:tnLst>
+      <p:par>
+        <p:cTn id="1" dur="indefinite" restart="never" nodeType="tmRoot">
+          <p:childTnLst>
+            <p:seq concurrent="1" nextAc="seek">
+              <p:cTn id="2" dur="indefinite" nodeType="mainSeq">
+                <p:childTnLst>
+                  <p:par>
+                    <p:cTn id="3" fill="hold">
+                      <p:stCondLst>
+                        <p:cond delay="indefinite"/>
+                      </p:stCondLst>
+                      <p:childTnLst>
+                        <p:par>
+                          <p:cTn id="4" fill="hold">
+                            <p:stCondLst>
+                              <p:cond delay="0"/>
+                            </p:stCondLst>
+                            <p:childTnLst>
+                              <p:par>
+                                <p:cTn id="5" presetID="1" presetClass="entr" presetSubtype="0" fill="hold" nodeType="clickEffect">
+                                  <p:stCondLst>
+                                    <p:cond delay="0"/>
+                                  </p:stCondLst>
+                                  <p:childTnLst>
+                                    <p:set>
+                                      <p:cBhvr>
+                                        <p:cTn id="6" dur="1" fill="hold">
+                                          <p:stCondLst>
+                                            <p:cond delay="0"/>
+                                          </p:stCondLst>
+                                        </p:cTn>
+                                        <p:tgtEl>
+                                          <p:spTgt spid="3">
+                                            <p:txEl>
+                                              <p:pRg st="1" end="1"/>
+                                            </p:txEl>
+                                          </p:spTgt>
+                                        </p:tgtEl>
+                                        <p:attrNameLst>
+                                          <p:attrName>style.visibility</p:attrName>
+                                        </p:attrNameLst>
+                                      </p:cBhvr>
+                                      <p:to>
+                                        <p:strVal val="visible"/>
+                                      </p:to>
+                                    </p:set>
+                                  </p:childTnLst>
+                                </p:cTn>
+                              </p:par>
+                              <p:par>
+                                <p:cTn id="7" presetID="1" presetClass="entr" presetSubtype="0" fill="hold" nodeType="withEffect">
+                                  <p:stCondLst>
+                                    <p:cond delay="0"/>
+                                  </p:stCondLst>
+                                  <p:childTnLst>
+                                    <p:set>
+                                      <p:cBhvr>
+                                        <p:cTn id="8" dur="1" fill="hold">
+                                          <p:stCondLst>
+                                            <p:cond delay="0"/>
+                                          </p:stCondLst>
+                                        </p:cTn>
+                                        <p:tgtEl>
+                                          <p:spTgt spid="3">
+                                            <p:txEl>
+                                              <p:pRg st="2" end="2"/>
+                                            </p:txEl>
+                                          </p:spTgt>
+                                        </p:tgtEl>
+                                        <p:attrNameLst>
+                                          <p:attrName>style.visibility</p:attrName>
+                                        </p:attrNameLst>
+                                      </p:cBhvr>
+                                      <p:to>
+                                        <p:strVal val="visible"/>
+                                      </p:to>
+                                    </p:set>
+                                  </p:childTnLst>
+                                </p:cTn>
+                              </p:par>
+                              <p:par>
+                                <p:cTn id="9" presetID="1" presetClass="entr" presetSubtype="0" fill="hold" nodeType="withEffect">
+                                  <p:stCondLst>
+                                    <p:cond delay="0"/>
+                                  </p:stCondLst>
+                                  <p:childTnLst>
+                                    <p:set>
+                                      <p:cBhvr>
+                                        <p:cTn id="10" dur="1" fill="hold">
+                                          <p:stCondLst>
+                                            <p:cond delay="0"/>
+                                          </p:stCondLst>
+                                        </p:cTn>
+                                        <p:tgtEl>
+                                          <p:spTgt spid="3">
+                                            <p:txEl>
+                                              <p:pRg st="3" end="3"/>
+                                            </p:txEl>
+                                          </p:spTgt>
+                                        </p:tgtEl>
+                                        <p:attrNameLst>
+                                          <p:attrName>style.visibility</p:attrName>
+                                        </p:attrNameLst>
+                                      </p:cBhvr>
+                                      <p:to>
+                                        <p:strVal val="visible"/>
+                                      </p:to>
+                                    </p:set>
+                                  </p:childTnLst>
+                                </p:cTn>
+                              </p:par>
+                              <p:par>
+                                <p:cTn id="11" presetID="1" presetClass="entr" presetSubtype="0" fill="hold" nodeType="withEffect">
+                                  <p:stCondLst>
+                                    <p:cond delay="0"/>
+                                  </p:stCondLst>
+                                  <p:childTnLst>
+                                    <p:set>
+                                      <p:cBhvr>
+                                        <p:cTn id="12" dur="1" fill="hold">
+                                          <p:stCondLst>
+                                            <p:cond delay="0"/>
+                                          </p:stCondLst>
+                                        </p:cTn>
+                                        <p:tgtEl>
+                                          <p:spTgt spid="3">
+                                            <p:txEl>
+                                              <p:pRg st="4" end="4"/>
+                                            </p:txEl>
+                                          </p:spTgt>
+                                        </p:tgtEl>
+                                        <p:attrNameLst>
+                                          <p:attrName>style.visibility</p:attrName>
+                                        </p:attrNameLst>
+                                      </p:cBhvr>
+                                      <p:to>
+                                        <p:strVal val="visible"/>
+                                      </p:to>
+                                    </p:set>
+                                  </p:childTnLst>
+                                </p:cTn>
+                              </p:par>
+                            </p:childTnLst>
+                          </p:cTn>
+                        </p:par>
+                      </p:childTnLst>
+                    </p:cTn>
+                  </p:par>
+                  <p:par>
+                    <p:cTn id="13" fill="hold">
+                      <p:stCondLst>
+                        <p:cond delay="indefinite"/>
+                      </p:stCondLst>
+                      <p:childTnLst>
+                        <p:par>
+                          <p:cTn id="14" fill="hold">
+                            <p:stCondLst>
+                              <p:cond delay="0"/>
+                            </p:stCondLst>
+                            <p:childTnLst>
+                              <p:par>
+                                <p:cTn id="15" presetID="1" presetClass="entr" presetSubtype="0" fill="hold" nodeType="clickEffect">
+                                  <p:stCondLst>
+                                    <p:cond delay="0"/>
+                                  </p:stCondLst>
+                                  <p:childTnLst>
+                                    <p:set>
+                                      <p:cBhvr>
+                                        <p:cTn id="16" dur="1" fill="hold">
+                                          <p:stCondLst>
+                                            <p:cond delay="0"/>
+                                          </p:stCondLst>
+                                        </p:cTn>
+                                        <p:tgtEl>
+                                          <p:spTgt spid="27653"/>
                                         </p:tgtEl>
                                         <p:attrNameLst>
                                           <p:attrName>style.visibility</p:attrName>

--- a/courses/apcsp/lect12.pptx
+++ b/courses/apcsp/lect12.pptx
@@ -5,7 +5,7 @@
     <p:sldMasterId id="2147483791" r:id="rId1"/>
   </p:sldMasterIdLst>
   <p:notesMasterIdLst>
-    <p:notesMasterId r:id="rId37"/>
+    <p:notesMasterId r:id="rId34"/>
   </p:notesMasterIdLst>
   <p:sldIdLst>
     <p:sldId id="256" r:id="rId2"/>
@@ -34,15 +34,12 @@
     <p:sldId id="347" r:id="rId25"/>
     <p:sldId id="348" r:id="rId26"/>
     <p:sldId id="351" r:id="rId27"/>
-    <p:sldId id="349" r:id="rId28"/>
-    <p:sldId id="350" r:id="rId29"/>
-    <p:sldId id="553" r:id="rId30"/>
-    <p:sldId id="337" r:id="rId31"/>
-    <p:sldId id="549" r:id="rId32"/>
-    <p:sldId id="551" r:id="rId33"/>
-    <p:sldId id="546" r:id="rId34"/>
-    <p:sldId id="554" r:id="rId35"/>
-    <p:sldId id="284" r:id="rId36"/>
+    <p:sldId id="350" r:id="rId28"/>
+    <p:sldId id="549" r:id="rId29"/>
+    <p:sldId id="551" r:id="rId30"/>
+    <p:sldId id="546" r:id="rId31"/>
+    <p:sldId id="554" r:id="rId32"/>
+    <p:sldId id="284" r:id="rId33"/>
   </p:sldIdLst>
   <p:sldSz cx="9144000" cy="5715000" type="screen16x10"/>
   <p:notesSz cx="6858000" cy="9144000"/>
@@ -152,7 +149,7 @@
 <file path=ppt/revisionInfo.xml><?xml version="1.0" encoding="utf-8"?>
 <p1510:revInfo xmlns:a="http://schemas.openxmlformats.org/drawingml/2006/main" xmlns:r="http://schemas.openxmlformats.org/officeDocument/2006/relationships" xmlns:p1510="http://schemas.microsoft.com/office/powerpoint/2015/10/main">
   <p1510:revLst>
-    <p1510:client id="{6E7B29A8-F479-1D4C-864D-9324180C0D1F}" v="682" dt="2021-07-26T15:59:07.332"/>
+    <p1510:client id="{625106A7-3D2F-2F41-B14B-01ED01256878}" v="46" dt="2022-05-20T11:49:11.595"/>
   </p1510:revLst>
 </p1510:revInfo>
 </file>
@@ -1636,6 +1633,247 @@
     </pc:docChg>
   </pc:docChgLst>
   <pc:docChgLst>
+    <pc:chgData name="Long Nguyen" userId="f59fb8f3-a021-417a-8bc1-65c8d471c621" providerId="ADAL" clId="{625106A7-3D2F-2F41-B14B-01ED01256878}"/>
+    <pc:docChg chg="custSel delSld modSld">
+      <pc:chgData name="Long Nguyen" userId="f59fb8f3-a021-417a-8bc1-65c8d471c621" providerId="ADAL" clId="{625106A7-3D2F-2F41-B14B-01ED01256878}" dt="2022-05-20T11:49:21.605" v="198" actId="2696"/>
+      <pc:docMkLst>
+        <pc:docMk/>
+      </pc:docMkLst>
+      <pc:sldChg chg="modSp">
+        <pc:chgData name="Long Nguyen" userId="f59fb8f3-a021-417a-8bc1-65c8d471c621" providerId="ADAL" clId="{625106A7-3D2F-2F41-B14B-01ED01256878}" dt="2022-05-20T11:42:19.116" v="15" actId="20577"/>
+        <pc:sldMkLst>
+          <pc:docMk/>
+          <pc:sldMk cId="3098356658" sldId="257"/>
+        </pc:sldMkLst>
+        <pc:spChg chg="mod">
+          <ac:chgData name="Long Nguyen" userId="f59fb8f3-a021-417a-8bc1-65c8d471c621" providerId="ADAL" clId="{625106A7-3D2F-2F41-B14B-01ED01256878}" dt="2022-05-20T11:42:19.116" v="15" actId="20577"/>
+          <ac:spMkLst>
+            <pc:docMk/>
+            <pc:sldMk cId="3098356658" sldId="257"/>
+            <ac:spMk id="9" creationId="{E3B2E017-30B2-884B-A113-B419A2ED51AD}"/>
+          </ac:spMkLst>
+        </pc:spChg>
+      </pc:sldChg>
+      <pc:sldChg chg="modSp mod">
+        <pc:chgData name="Long Nguyen" userId="f59fb8f3-a021-417a-8bc1-65c8d471c621" providerId="ADAL" clId="{625106A7-3D2F-2F41-B14B-01ED01256878}" dt="2022-05-20T11:45:45.901" v="53" actId="1076"/>
+        <pc:sldMkLst>
+          <pc:docMk/>
+          <pc:sldMk cId="1370301937" sldId="335"/>
+        </pc:sldMkLst>
+        <pc:spChg chg="mod">
+          <ac:chgData name="Long Nguyen" userId="f59fb8f3-a021-417a-8bc1-65c8d471c621" providerId="ADAL" clId="{625106A7-3D2F-2F41-B14B-01ED01256878}" dt="2022-05-20T11:45:45.901" v="53" actId="1076"/>
+          <ac:spMkLst>
+            <pc:docMk/>
+            <pc:sldMk cId="1370301937" sldId="335"/>
+            <ac:spMk id="2" creationId="{AA3A228F-61D0-D949-A5E7-F83756230BF8}"/>
+          </ac:spMkLst>
+        </pc:spChg>
+      </pc:sldChg>
+      <pc:sldChg chg="del">
+        <pc:chgData name="Long Nguyen" userId="f59fb8f3-a021-417a-8bc1-65c8d471c621" providerId="ADAL" clId="{625106A7-3D2F-2F41-B14B-01ED01256878}" dt="2022-05-20T11:49:21.605" v="198" actId="2696"/>
+        <pc:sldMkLst>
+          <pc:docMk/>
+          <pc:sldMk cId="1454819895" sldId="337"/>
+        </pc:sldMkLst>
+      </pc:sldChg>
+      <pc:sldChg chg="modSp">
+        <pc:chgData name="Long Nguyen" userId="f59fb8f3-a021-417a-8bc1-65c8d471c621" providerId="ADAL" clId="{625106A7-3D2F-2F41-B14B-01ED01256878}" dt="2022-05-20T11:43:23.310" v="49" actId="20577"/>
+        <pc:sldMkLst>
+          <pc:docMk/>
+          <pc:sldMk cId="1097937752" sldId="342"/>
+        </pc:sldMkLst>
+        <pc:spChg chg="mod">
+          <ac:chgData name="Long Nguyen" userId="f59fb8f3-a021-417a-8bc1-65c8d471c621" providerId="ADAL" clId="{625106A7-3D2F-2F41-B14B-01ED01256878}" dt="2022-05-20T11:43:23.310" v="49" actId="20577"/>
+          <ac:spMkLst>
+            <pc:docMk/>
+            <pc:sldMk cId="1097937752" sldId="342"/>
+            <ac:spMk id="9" creationId="{E3B2E017-30B2-884B-A113-B419A2ED51AD}"/>
+          </ac:spMkLst>
+        </pc:spChg>
+      </pc:sldChg>
+      <pc:sldChg chg="modSp mod">
+        <pc:chgData name="Long Nguyen" userId="f59fb8f3-a021-417a-8bc1-65c8d471c621" providerId="ADAL" clId="{625106A7-3D2F-2F41-B14B-01ED01256878}" dt="2022-05-20T11:42:06.611" v="1" actId="27636"/>
+        <pc:sldMkLst>
+          <pc:docMk/>
+          <pc:sldMk cId="2946703032" sldId="346"/>
+        </pc:sldMkLst>
+        <pc:spChg chg="mod">
+          <ac:chgData name="Long Nguyen" userId="f59fb8f3-a021-417a-8bc1-65c8d471c621" providerId="ADAL" clId="{625106A7-3D2F-2F41-B14B-01ED01256878}" dt="2022-05-20T11:42:06.611" v="1" actId="27636"/>
+          <ac:spMkLst>
+            <pc:docMk/>
+            <pc:sldMk cId="2946703032" sldId="346"/>
+            <ac:spMk id="2" creationId="{AA3A228F-61D0-D949-A5E7-F83756230BF8}"/>
+          </ac:spMkLst>
+        </pc:spChg>
+      </pc:sldChg>
+      <pc:sldChg chg="modSp mod">
+        <pc:chgData name="Long Nguyen" userId="f59fb8f3-a021-417a-8bc1-65c8d471c621" providerId="ADAL" clId="{625106A7-3D2F-2F41-B14B-01ED01256878}" dt="2022-05-20T11:47:51.694" v="116" actId="14100"/>
+        <pc:sldMkLst>
+          <pc:docMk/>
+          <pc:sldMk cId="4152312606" sldId="348"/>
+        </pc:sldMkLst>
+        <pc:spChg chg="mod">
+          <ac:chgData name="Long Nguyen" userId="f59fb8f3-a021-417a-8bc1-65c8d471c621" providerId="ADAL" clId="{625106A7-3D2F-2F41-B14B-01ED01256878}" dt="2022-05-20T11:47:51.694" v="116" actId="14100"/>
+          <ac:spMkLst>
+            <pc:docMk/>
+            <pc:sldMk cId="4152312606" sldId="348"/>
+            <ac:spMk id="9" creationId="{E3B2E017-30B2-884B-A113-B419A2ED51AD}"/>
+          </ac:spMkLst>
+        </pc:spChg>
+      </pc:sldChg>
+      <pc:sldChg chg="del">
+        <pc:chgData name="Long Nguyen" userId="f59fb8f3-a021-417a-8bc1-65c8d471c621" providerId="ADAL" clId="{625106A7-3D2F-2F41-B14B-01ED01256878}" dt="2022-05-20T11:48:13.480" v="117" actId="2696"/>
+        <pc:sldMkLst>
+          <pc:docMk/>
+          <pc:sldMk cId="2239308720" sldId="349"/>
+        </pc:sldMkLst>
+      </pc:sldChg>
+      <pc:sldChg chg="modSp mod">
+        <pc:chgData name="Long Nguyen" userId="f59fb8f3-a021-417a-8bc1-65c8d471c621" providerId="ADAL" clId="{625106A7-3D2F-2F41-B14B-01ED01256878}" dt="2022-05-20T11:49:15.194" v="197" actId="255"/>
+        <pc:sldMkLst>
+          <pc:docMk/>
+          <pc:sldMk cId="1532134668" sldId="350"/>
+        </pc:sldMkLst>
+        <pc:spChg chg="mod">
+          <ac:chgData name="Long Nguyen" userId="f59fb8f3-a021-417a-8bc1-65c8d471c621" providerId="ADAL" clId="{625106A7-3D2F-2F41-B14B-01ED01256878}" dt="2022-05-20T11:49:15.194" v="197" actId="255"/>
+          <ac:spMkLst>
+            <pc:docMk/>
+            <pc:sldMk cId="1532134668" sldId="350"/>
+            <ac:spMk id="9" creationId="{E3B2E017-30B2-884B-A113-B419A2ED51AD}"/>
+          </ac:spMkLst>
+        </pc:spChg>
+      </pc:sldChg>
+      <pc:sldChg chg="modSp mod">
+        <pc:chgData name="Long Nguyen" userId="f59fb8f3-a021-417a-8bc1-65c8d471c621" providerId="ADAL" clId="{625106A7-3D2F-2F41-B14B-01ED01256878}" dt="2022-05-20T11:49:07.153" v="194" actId="21"/>
+        <pc:sldMkLst>
+          <pc:docMk/>
+          <pc:sldMk cId="3420249496" sldId="351"/>
+        </pc:sldMkLst>
+        <pc:spChg chg="mod">
+          <ac:chgData name="Long Nguyen" userId="f59fb8f3-a021-417a-8bc1-65c8d471c621" providerId="ADAL" clId="{625106A7-3D2F-2F41-B14B-01ED01256878}" dt="2022-05-20T11:49:07.153" v="194" actId="21"/>
+          <ac:spMkLst>
+            <pc:docMk/>
+            <pc:sldMk cId="3420249496" sldId="351"/>
+            <ac:spMk id="9" creationId="{E3B2E017-30B2-884B-A113-B419A2ED51AD}"/>
+          </ac:spMkLst>
+        </pc:spChg>
+      </pc:sldChg>
+      <pc:sldChg chg="modSp mod">
+        <pc:chgData name="Long Nguyen" userId="f59fb8f3-a021-417a-8bc1-65c8d471c621" providerId="ADAL" clId="{625106A7-3D2F-2F41-B14B-01ED01256878}" dt="2022-05-20T11:42:12.406" v="6" actId="20577"/>
+        <pc:sldMkLst>
+          <pc:docMk/>
+          <pc:sldMk cId="2101795491" sldId="545"/>
+        </pc:sldMkLst>
+        <pc:spChg chg="mod">
+          <ac:chgData name="Long Nguyen" userId="f59fb8f3-a021-417a-8bc1-65c8d471c621" providerId="ADAL" clId="{625106A7-3D2F-2F41-B14B-01ED01256878}" dt="2022-05-20T11:42:12.406" v="6" actId="20577"/>
+          <ac:spMkLst>
+            <pc:docMk/>
+            <pc:sldMk cId="2101795491" sldId="545"/>
+            <ac:spMk id="3" creationId="{8BA9D0DA-1D67-ED43-A19F-6557EAD9C067}"/>
+          </ac:spMkLst>
+        </pc:spChg>
+      </pc:sldChg>
+      <pc:sldChg chg="modSp mod">
+        <pc:chgData name="Long Nguyen" userId="f59fb8f3-a021-417a-8bc1-65c8d471c621" providerId="ADAL" clId="{625106A7-3D2F-2F41-B14B-01ED01256878}" dt="2022-05-20T11:45:42.243" v="52" actId="1076"/>
+        <pc:sldMkLst>
+          <pc:docMk/>
+          <pc:sldMk cId="2079192273" sldId="548"/>
+        </pc:sldMkLst>
+        <pc:spChg chg="mod">
+          <ac:chgData name="Long Nguyen" userId="f59fb8f3-a021-417a-8bc1-65c8d471c621" providerId="ADAL" clId="{625106A7-3D2F-2F41-B14B-01ED01256878}" dt="2022-05-20T11:45:42.243" v="52" actId="1076"/>
+          <ac:spMkLst>
+            <pc:docMk/>
+            <pc:sldMk cId="2079192273" sldId="548"/>
+            <ac:spMk id="2" creationId="{AA3A228F-61D0-D949-A5E7-F83756230BF8}"/>
+          </ac:spMkLst>
+        </pc:spChg>
+        <pc:spChg chg="mod">
+          <ac:chgData name="Long Nguyen" userId="f59fb8f3-a021-417a-8bc1-65c8d471c621" providerId="ADAL" clId="{625106A7-3D2F-2F41-B14B-01ED01256878}" dt="2022-05-20T11:45:39.990" v="51" actId="14100"/>
+          <ac:spMkLst>
+            <pc:docMk/>
+            <pc:sldMk cId="2079192273" sldId="548"/>
+            <ac:spMk id="9" creationId="{E3B2E017-30B2-884B-A113-B419A2ED51AD}"/>
+          </ac:spMkLst>
+        </pc:spChg>
+      </pc:sldChg>
+      <pc:sldChg chg="modSp mod">
+        <pc:chgData name="Long Nguyen" userId="f59fb8f3-a021-417a-8bc1-65c8d471c621" providerId="ADAL" clId="{625106A7-3D2F-2F41-B14B-01ED01256878}" dt="2022-05-20T11:42:06.647" v="2" actId="27636"/>
+        <pc:sldMkLst>
+          <pc:docMk/>
+          <pc:sldMk cId="1299838656" sldId="549"/>
+        </pc:sldMkLst>
+        <pc:spChg chg="mod">
+          <ac:chgData name="Long Nguyen" userId="f59fb8f3-a021-417a-8bc1-65c8d471c621" providerId="ADAL" clId="{625106A7-3D2F-2F41-B14B-01ED01256878}" dt="2022-05-20T11:42:06.647" v="2" actId="27636"/>
+          <ac:spMkLst>
+            <pc:docMk/>
+            <pc:sldMk cId="1299838656" sldId="549"/>
+            <ac:spMk id="2" creationId="{AA3A228F-61D0-D949-A5E7-F83756230BF8}"/>
+          </ac:spMkLst>
+        </pc:spChg>
+      </pc:sldChg>
+      <pc:sldChg chg="modSp mod">
+        <pc:chgData name="Long Nguyen" userId="f59fb8f3-a021-417a-8bc1-65c8d471c621" providerId="ADAL" clId="{625106A7-3D2F-2F41-B14B-01ED01256878}" dt="2022-05-20T11:42:06.666" v="3" actId="27636"/>
+        <pc:sldMkLst>
+          <pc:docMk/>
+          <pc:sldMk cId="2820908233" sldId="551"/>
+        </pc:sldMkLst>
+        <pc:spChg chg="mod">
+          <ac:chgData name="Long Nguyen" userId="f59fb8f3-a021-417a-8bc1-65c8d471c621" providerId="ADAL" clId="{625106A7-3D2F-2F41-B14B-01ED01256878}" dt="2022-05-20T11:42:06.666" v="3" actId="27636"/>
+          <ac:spMkLst>
+            <pc:docMk/>
+            <pc:sldMk cId="2820908233" sldId="551"/>
+            <ac:spMk id="2" creationId="{AA3A228F-61D0-D949-A5E7-F83756230BF8}"/>
+          </ac:spMkLst>
+        </pc:spChg>
+      </pc:sldChg>
+      <pc:sldChg chg="modSp del mod">
+        <pc:chgData name="Long Nguyen" userId="f59fb8f3-a021-417a-8bc1-65c8d471c621" providerId="ADAL" clId="{625106A7-3D2F-2F41-B14B-01ED01256878}" dt="2022-05-20T11:48:28.496" v="118" actId="2696"/>
+        <pc:sldMkLst>
+          <pc:docMk/>
+          <pc:sldMk cId="1358728332" sldId="553"/>
+        </pc:sldMkLst>
+        <pc:spChg chg="mod">
+          <ac:chgData name="Long Nguyen" userId="f59fb8f3-a021-417a-8bc1-65c8d471c621" providerId="ADAL" clId="{625106A7-3D2F-2F41-B14B-01ED01256878}" dt="2022-05-20T11:47:05.398" v="54" actId="1076"/>
+          <ac:spMkLst>
+            <pc:docMk/>
+            <pc:sldMk cId="1358728332" sldId="553"/>
+            <ac:spMk id="2" creationId="{AA3A228F-61D0-D949-A5E7-F83756230BF8}"/>
+          </ac:spMkLst>
+        </pc:spChg>
+      </pc:sldChg>
+      <pc:sldChg chg="modSp">
+        <pc:chgData name="Long Nguyen" userId="f59fb8f3-a021-417a-8bc1-65c8d471c621" providerId="ADAL" clId="{625106A7-3D2F-2F41-B14B-01ED01256878}" dt="2022-05-20T11:42:58.528" v="40" actId="255"/>
+        <pc:sldMkLst>
+          <pc:docMk/>
+          <pc:sldMk cId="1226276962" sldId="555"/>
+        </pc:sldMkLst>
+        <pc:spChg chg="mod">
+          <ac:chgData name="Long Nguyen" userId="f59fb8f3-a021-417a-8bc1-65c8d471c621" providerId="ADAL" clId="{625106A7-3D2F-2F41-B14B-01ED01256878}" dt="2022-05-20T11:42:58.528" v="40" actId="255"/>
+          <ac:spMkLst>
+            <pc:docMk/>
+            <pc:sldMk cId="1226276962" sldId="555"/>
+            <ac:spMk id="27650" creationId="{CDDBD0B0-F30B-EE40-92BE-F8B3992FD62C}"/>
+          </ac:spMkLst>
+        </pc:spChg>
+      </pc:sldChg>
+      <pc:sldChg chg="modSp mod">
+        <pc:chgData name="Long Nguyen" userId="f59fb8f3-a021-417a-8bc1-65c8d471c621" providerId="ADAL" clId="{625106A7-3D2F-2F41-B14B-01ED01256878}" dt="2022-05-20T11:42:06.697" v="5" actId="27636"/>
+        <pc:sldMkLst>
+          <pc:docMk/>
+          <pc:sldMk cId="290283863" sldId="556"/>
+        </pc:sldMkLst>
+        <pc:spChg chg="mod">
+          <ac:chgData name="Long Nguyen" userId="f59fb8f3-a021-417a-8bc1-65c8d471c621" providerId="ADAL" clId="{625106A7-3D2F-2F41-B14B-01ED01256878}" dt="2022-05-20T11:42:06.697" v="5" actId="27636"/>
+          <ac:spMkLst>
+            <pc:docMk/>
+            <pc:sldMk cId="290283863" sldId="556"/>
+            <ac:spMk id="2" creationId="{AA3A228F-61D0-D949-A5E7-F83756230BF8}"/>
+          </ac:spMkLst>
+        </pc:spChg>
+      </pc:sldChg>
+    </pc:docChg>
+  </pc:docChgLst>
+  <pc:docChgLst>
     <pc:chgData name="Long B Nguyen" userId="f59fb8f3-a021-417a-8bc1-65c8d471c621" providerId="ADAL" clId="{6E7B29A8-F479-1D4C-864D-9324180C0D1F}"/>
     <pc:docChg chg="custSel addSld delSld modSld">
       <pc:chgData name="Long B Nguyen" userId="f59fb8f3-a021-417a-8bc1-65c8d471c621" providerId="ADAL" clId="{6E7B29A8-F479-1D4C-864D-9324180C0D1F}" dt="2021-07-26T15:59:18.733" v="1282" actId="1076"/>
@@ -2313,7 +2551,7 @@
           <a:p>
             <a:fld id="{728059E6-F4BB-1F4B-A95E-4DE193584F11}" type="datetimeFigureOut">
               <a:rPr lang="en-US" smtClean="0"/>
-              <a:t>7/26/21</a:t>
+              <a:t>5/20/22</a:t>
             </a:fld>
             <a:endParaRPr lang="en-US"/>
           </a:p>
@@ -2879,7 +3117,7 @@
           <a:p>
             <a:fld id="{4AAD347D-5ACD-4C99-B74B-A9C85AD731AF}" type="datetimeFigureOut">
               <a:rPr lang="en-US" smtClean="0"/>
-              <a:t>7/26/21</a:t>
+              <a:t>5/20/22</a:t>
             </a:fld>
             <a:endParaRPr lang="en-US" dirty="0"/>
           </a:p>
@@ -3049,7 +3287,7 @@
           <a:p>
             <a:fld id="{4509A250-FF31-4206-8172-F9D3106AACB1}" type="datetimeFigureOut">
               <a:rPr lang="en-US" smtClean="0"/>
-              <a:t>7/26/21</a:t>
+              <a:t>5/20/22</a:t>
             </a:fld>
             <a:endParaRPr lang="en-US" dirty="0"/>
           </a:p>
@@ -3229,7 +3467,7 @@
           <a:p>
             <a:fld id="{4509A250-FF31-4206-8172-F9D3106AACB1}" type="datetimeFigureOut">
               <a:rPr lang="en-US" smtClean="0"/>
-              <a:t>7/26/21</a:t>
+              <a:t>5/20/22</a:t>
             </a:fld>
             <a:endParaRPr lang="en-US" dirty="0"/>
           </a:p>
@@ -3399,7 +3637,7 @@
           <a:p>
             <a:fld id="{4509A250-FF31-4206-8172-F9D3106AACB1}" type="datetimeFigureOut">
               <a:rPr lang="en-US" smtClean="0"/>
-              <a:t>7/26/21</a:t>
+              <a:t>5/20/22</a:t>
             </a:fld>
             <a:endParaRPr lang="en-US" dirty="0"/>
           </a:p>
@@ -3645,7 +3883,7 @@
           <a:p>
             <a:fld id="{9796027F-7875-4030-9381-8BD8C4F21935}" type="datetimeFigureOut">
               <a:rPr lang="en-US" smtClean="0"/>
-              <a:t>7/26/21</a:t>
+              <a:t>5/20/22</a:t>
             </a:fld>
             <a:endParaRPr lang="en-US" dirty="0"/>
           </a:p>
@@ -3877,7 +4115,7 @@
           <a:p>
             <a:fld id="{9796027F-7875-4030-9381-8BD8C4F21935}" type="datetimeFigureOut">
               <a:rPr lang="en-US" smtClean="0"/>
-              <a:t>7/26/21</a:t>
+              <a:t>5/20/22</a:t>
             </a:fld>
             <a:endParaRPr lang="en-US" dirty="0"/>
           </a:p>
@@ -4244,7 +4482,7 @@
           <a:p>
             <a:fld id="{9796027F-7875-4030-9381-8BD8C4F21935}" type="datetimeFigureOut">
               <a:rPr lang="en-US" smtClean="0"/>
-              <a:t>7/26/21</a:t>
+              <a:t>5/20/22</a:t>
             </a:fld>
             <a:endParaRPr lang="en-US" dirty="0"/>
           </a:p>
@@ -4362,7 +4600,7 @@
           <a:p>
             <a:fld id="{4509A250-FF31-4206-8172-F9D3106AACB1}" type="datetimeFigureOut">
               <a:rPr lang="en-US" smtClean="0"/>
-              <a:t>7/26/21</a:t>
+              <a:t>5/20/22</a:t>
             </a:fld>
             <a:endParaRPr lang="en-US" dirty="0"/>
           </a:p>
@@ -4457,7 +4695,7 @@
           <a:p>
             <a:fld id="{4509A250-FF31-4206-8172-F9D3106AACB1}" type="datetimeFigureOut">
               <a:rPr lang="en-US" smtClean="0"/>
-              <a:t>7/26/21</a:t>
+              <a:t>5/20/22</a:t>
             </a:fld>
             <a:endParaRPr lang="en-US" dirty="0"/>
           </a:p>
@@ -4734,7 +4972,7 @@
           <a:p>
             <a:fld id="{4509A250-FF31-4206-8172-F9D3106AACB1}" type="datetimeFigureOut">
               <a:rPr lang="en-US" smtClean="0"/>
-              <a:t>7/26/21</a:t>
+              <a:t>5/20/22</a:t>
             </a:fld>
             <a:endParaRPr lang="en-US" dirty="0"/>
           </a:p>
@@ -4991,7 +5229,7 @@
           <a:p>
             <a:fld id="{4509A250-FF31-4206-8172-F9D3106AACB1}" type="datetimeFigureOut">
               <a:rPr lang="en-US" smtClean="0"/>
-              <a:t>7/26/21</a:t>
+              <a:t>5/20/22</a:t>
             </a:fld>
             <a:endParaRPr lang="en-US" dirty="0"/>
           </a:p>
@@ -5204,7 +5442,7 @@
           <a:p>
             <a:fld id="{4AAD347D-5ACD-4C99-B74B-A9C85AD731AF}" type="datetimeFigureOut">
               <a:rPr lang="en-US" smtClean="0"/>
-              <a:t>7/26/21</a:t>
+              <a:t>5/20/22</a:t>
             </a:fld>
             <a:endParaRPr lang="en-US" dirty="0"/>
           </a:p>
@@ -10998,7 +11236,7 @@
         </p:nvSpPr>
         <p:spPr>
           <a:xfrm>
-            <a:off x="483848" y="467027"/>
+            <a:off x="175376" y="312368"/>
             <a:ext cx="7053542" cy="683886"/>
           </a:xfrm>
         </p:spPr>
@@ -11919,7 +12157,7 @@
         </p:nvSpPr>
         <p:spPr>
           <a:xfrm>
-            <a:off x="483848" y="467027"/>
+            <a:off x="164359" y="250634"/>
             <a:ext cx="7053542" cy="683886"/>
           </a:xfrm>
         </p:spPr>
@@ -11952,8 +12190,8 @@
         </p:nvSpPr>
         <p:spPr>
           <a:xfrm>
-            <a:off x="483848" y="1307805"/>
-            <a:ext cx="8051725" cy="4094827"/>
+            <a:off x="253388" y="1150913"/>
+            <a:ext cx="8604173" cy="4313453"/>
           </a:xfrm>
         </p:spPr>
         <p:txBody>
@@ -16809,7 +17047,9 @@
           </a:xfrm>
         </p:spPr>
         <p:txBody>
-          <a:bodyPr/>
+          <a:bodyPr>
+            <a:normAutofit fontScale="90000"/>
+          </a:bodyPr>
           <a:lstStyle/>
           <a:p>
             <a:r>
@@ -18300,8 +18540,8 @@
         </p:nvSpPr>
         <p:spPr>
           <a:xfrm>
-            <a:off x="483848" y="769715"/>
-            <a:ext cx="8051725" cy="4734371"/>
+            <a:off x="253388" y="649995"/>
+            <a:ext cx="8736376" cy="4981552"/>
           </a:xfrm>
         </p:spPr>
         <p:txBody>
@@ -18329,7 +18569,7 @@
               <a:rPr lang="en-US" sz="2000" dirty="0">
                 <a:latin typeface="Gill Sans MT" panose="020B0502020104020203" pitchFamily="34" charset="77"/>
               </a:rPr>
-              <a:t> can be used to import the entire module. All of the code from </a:t>
+              <a:t> can be used to import the entire module.  All of the code from </a:t>
             </a:r>
             <a:r>
               <a:rPr lang="en-US" sz="2000" dirty="0" err="1">
@@ -18341,7 +18581,7 @@
               <a:rPr lang="en-US" sz="2000" dirty="0">
                 <a:latin typeface="Gill Sans MT" panose="020B0502020104020203" pitchFamily="34" charset="77"/>
               </a:rPr>
-              <a:t> is executed. </a:t>
+              <a:t> is executed. The dot(“.”) notation is needed to access imported code. </a:t>
             </a:r>
           </a:p>
           <a:p>
@@ -19948,746 +20188,8 @@
               <a:rPr lang="en-US" sz="2000" dirty="0">
                 <a:latin typeface="Gill Sans MT" panose="020B0502020104020203" pitchFamily="34" charset="77"/>
               </a:rPr>
-              <a:t>You can selectively import certain objects.</a:t>
-            </a:r>
-            <a:endParaRPr lang="en-US" sz="1600" dirty="0">
-              <a:latin typeface="Gill Sans MT" panose="020B0502020104020203" pitchFamily="34" charset="77"/>
-            </a:endParaRPr>
-          </a:p>
-          <a:p>
-            <a:pPr marL="0" indent="0">
-              <a:buNone/>
-            </a:pPr>
-            <a:endParaRPr lang="en-US" sz="1600" dirty="0">
-              <a:latin typeface="Gill Sans MT" panose="020B0502020104020203" pitchFamily="34" charset="77"/>
-            </a:endParaRPr>
-          </a:p>
-          <a:p>
-            <a:pPr marL="0" indent="0">
-              <a:buNone/>
-            </a:pPr>
-            <a:endParaRPr lang="en-US" sz="1600" dirty="0">
-              <a:latin typeface="Gill Sans MT" panose="020B0502020104020203" pitchFamily="34" charset="77"/>
-            </a:endParaRPr>
-          </a:p>
-          <a:p>
-            <a:pPr marL="0" indent="0">
-              <a:buNone/>
-            </a:pPr>
-            <a:endParaRPr lang="en-US" sz="1600" dirty="0">
-              <a:latin typeface="Gill Sans MT" panose="020B0502020104020203" pitchFamily="34" charset="77"/>
-            </a:endParaRPr>
-          </a:p>
-        </p:txBody>
-      </p:sp>
-      <p:sp>
-        <p:nvSpPr>
-          <p:cNvPr id="5" name="TextBox 4">
-            <a:extLst>
-              <a:ext uri="{FF2B5EF4-FFF2-40B4-BE49-F238E27FC236}">
-                <a16:creationId xmlns:a16="http://schemas.microsoft.com/office/drawing/2014/main" id="{BABC40CC-AD73-DE40-9706-D1FABABD38CB}"/>
-              </a:ext>
-            </a:extLst>
-          </p:cNvPr>
-          <p:cNvSpPr txBox="1"/>
-          <p:nvPr/>
-        </p:nvSpPr>
-        <p:spPr>
-          <a:xfrm>
-            <a:off x="800187" y="2020142"/>
-            <a:ext cx="3484733" cy="1693412"/>
-          </a:xfrm>
-          <a:prstGeom prst="rect">
-            <a:avLst/>
-          </a:prstGeom>
-          <a:noFill/>
-          <a:ln w="25400">
-            <a:solidFill>
-              <a:schemeClr val="dk1">
-                <a:shade val="95000"/>
-                <a:satMod val="105000"/>
-              </a:schemeClr>
-            </a:solidFill>
-          </a:ln>
-        </p:spPr>
-        <p:txBody>
-          <a:bodyPr wrap="square" rtlCol="0">
-            <a:spAutoFit/>
-          </a:bodyPr>
-          <a:lstStyle/>
-          <a:p>
-            <a:r>
-              <a:rPr lang="en-US" sz="1800" b="1" dirty="0">
-                <a:solidFill>
-                  <a:srgbClr val="FF0000"/>
-                </a:solidFill>
-                <a:latin typeface="Inconsolata" panose="020B0609030003000000" pitchFamily="49" charset="77"/>
-              </a:rPr>
-              <a:t>from helper import </a:t>
-            </a:r>
-            <a:r>
-              <a:rPr lang="en-US" sz="1800" b="1" dirty="0" err="1">
-                <a:solidFill>
-                  <a:srgbClr val="FF0000"/>
-                </a:solidFill>
-                <a:latin typeface="Inconsolata" panose="020B0609030003000000" pitchFamily="49" charset="77"/>
-              </a:rPr>
-              <a:t>lst</a:t>
-            </a:r>
-            <a:r>
-              <a:rPr lang="en-US" sz="1800" b="1" dirty="0">
-                <a:solidFill>
-                  <a:srgbClr val="FF0000"/>
-                </a:solidFill>
-                <a:latin typeface="Inconsolata" panose="020B0609030003000000" pitchFamily="49" charset="77"/>
-              </a:rPr>
-              <a:t>, add</a:t>
-            </a:r>
-          </a:p>
-          <a:p>
-            <a:r>
-              <a:rPr lang="en-US" sz="1800" b="1" dirty="0">
-                <a:solidFill>
-                  <a:srgbClr val="FF0000"/>
-                </a:solidFill>
-                <a:latin typeface="Inconsolata" panose="020B0609030003000000" pitchFamily="49" charset="77"/>
-              </a:rPr>
-              <a:t> </a:t>
-            </a:r>
-          </a:p>
-          <a:p>
-            <a:r>
-              <a:rPr lang="en-US" sz="1800" b="1" dirty="0" err="1">
-                <a:latin typeface="Inconsolata" panose="020B0609030003000000" pitchFamily="49" charset="77"/>
-              </a:rPr>
-              <a:t>lst.append</a:t>
-            </a:r>
-            <a:r>
-              <a:rPr lang="en-US" sz="1800" b="1" dirty="0">
-                <a:latin typeface="Inconsolata" panose="020B0609030003000000" pitchFamily="49" charset="77"/>
-              </a:rPr>
-              <a:t>("hello")</a:t>
-            </a:r>
-          </a:p>
-          <a:p>
-            <a:r>
-              <a:rPr lang="en-US" sz="1800" b="1" dirty="0">
-                <a:latin typeface="Inconsolata" panose="020B0609030003000000" pitchFamily="49" charset="77"/>
-              </a:rPr>
-              <a:t>print(</a:t>
-            </a:r>
-            <a:r>
-              <a:rPr lang="en-US" sz="1800" b="1" dirty="0" err="1">
-                <a:latin typeface="Inconsolata" panose="020B0609030003000000" pitchFamily="49" charset="77"/>
-              </a:rPr>
-              <a:t>lst</a:t>
-            </a:r>
-            <a:r>
-              <a:rPr lang="en-US" sz="1800" b="1" dirty="0">
-                <a:latin typeface="Inconsolata" panose="020B0609030003000000" pitchFamily="49" charset="77"/>
-              </a:rPr>
-              <a:t>)</a:t>
-            </a:r>
-          </a:p>
-          <a:p>
-            <a:r>
-              <a:rPr lang="en-US" sz="1800" b="1" dirty="0">
-                <a:latin typeface="Inconsolata" panose="020B0609030003000000" pitchFamily="49" charset="77"/>
-              </a:rPr>
-              <a:t>print(add(3, 5))</a:t>
-            </a:r>
-            <a:endParaRPr lang="en-US" dirty="0"/>
-          </a:p>
-          <a:p>
-            <a:endParaRPr lang="en-US" dirty="0"/>
-          </a:p>
-        </p:txBody>
-      </p:sp>
-      <p:sp>
-        <p:nvSpPr>
-          <p:cNvPr id="6" name="TextBox 5">
-            <a:extLst>
-              <a:ext uri="{FF2B5EF4-FFF2-40B4-BE49-F238E27FC236}">
-                <a16:creationId xmlns:a16="http://schemas.microsoft.com/office/drawing/2014/main" id="{DA0DFD29-B861-3643-8A1F-6A851B97825B}"/>
-              </a:ext>
-            </a:extLst>
-          </p:cNvPr>
-          <p:cNvSpPr txBox="1"/>
-          <p:nvPr/>
-        </p:nvSpPr>
-        <p:spPr>
-          <a:xfrm>
-            <a:off x="5220590" y="1903240"/>
-            <a:ext cx="3019644" cy="2308324"/>
-          </a:xfrm>
-          <a:prstGeom prst="rect">
-            <a:avLst/>
-          </a:prstGeom>
-          <a:noFill/>
-          <a:ln w="25400">
-            <a:solidFill>
-              <a:schemeClr val="dk1">
-                <a:shade val="95000"/>
-                <a:satMod val="105000"/>
-              </a:schemeClr>
-            </a:solidFill>
-          </a:ln>
-        </p:spPr>
-        <p:txBody>
-          <a:bodyPr wrap="square" rtlCol="0">
-            <a:spAutoFit/>
-          </a:bodyPr>
-          <a:lstStyle/>
-          <a:p>
-            <a:r>
-              <a:rPr lang="en-US" sz="1800" b="1" dirty="0">
-                <a:latin typeface="Inconsolata" panose="020B0609030003000000" pitchFamily="49" charset="77"/>
-              </a:rPr>
-              <a:t>print("in </a:t>
-            </a:r>
-            <a:r>
-              <a:rPr lang="en-US" sz="1800" b="1" dirty="0" err="1">
-                <a:latin typeface="Inconsolata" panose="020B0609030003000000" pitchFamily="49" charset="77"/>
-              </a:rPr>
-              <a:t>helper.py</a:t>
-            </a:r>
-            <a:r>
-              <a:rPr lang="en-US" sz="1800" b="1" dirty="0">
-                <a:latin typeface="Inconsolata" panose="020B0609030003000000" pitchFamily="49" charset="77"/>
-              </a:rPr>
-              <a:t>!")</a:t>
-            </a:r>
-          </a:p>
-          <a:p>
-            <a:endParaRPr lang="en-US" sz="1800" b="1" dirty="0">
-              <a:latin typeface="Inconsolata" panose="020B0609030003000000" pitchFamily="49" charset="77"/>
-            </a:endParaRPr>
-          </a:p>
-          <a:p>
-            <a:r>
-              <a:rPr lang="en-US" sz="1800" b="1" dirty="0">
-                <a:latin typeface="Inconsolata" panose="020B0609030003000000" pitchFamily="49" charset="77"/>
-              </a:rPr>
-              <a:t>a = 5</a:t>
-            </a:r>
-          </a:p>
-          <a:p>
-            <a:endParaRPr lang="en-US" sz="1800" b="1" dirty="0">
-              <a:latin typeface="Inconsolata" panose="020B0609030003000000" pitchFamily="49" charset="77"/>
-            </a:endParaRPr>
-          </a:p>
-          <a:p>
-            <a:r>
-              <a:rPr lang="en-US" sz="1800" b="1" dirty="0" err="1">
-                <a:latin typeface="Inconsolata" panose="020B0609030003000000" pitchFamily="49" charset="77"/>
-              </a:rPr>
-              <a:t>lst</a:t>
-            </a:r>
-            <a:r>
-              <a:rPr lang="en-US" sz="1800" b="1" dirty="0">
-                <a:latin typeface="Inconsolata" panose="020B0609030003000000" pitchFamily="49" charset="77"/>
-              </a:rPr>
-              <a:t> = [1, "hi"]</a:t>
-            </a:r>
-          </a:p>
-          <a:p>
-            <a:endParaRPr lang="en-US" sz="1800" b="1" dirty="0">
-              <a:latin typeface="Inconsolata" panose="020B0609030003000000" pitchFamily="49" charset="77"/>
-            </a:endParaRPr>
-          </a:p>
-          <a:p>
-            <a:r>
-              <a:rPr lang="en-US" sz="1800" b="1" dirty="0">
-                <a:latin typeface="Inconsolata" panose="020B0609030003000000" pitchFamily="49" charset="77"/>
-              </a:rPr>
-              <a:t>def add(x, y):</a:t>
-            </a:r>
-          </a:p>
-          <a:p>
-            <a:r>
-              <a:rPr lang="en-US" sz="1800" b="1" dirty="0">
-                <a:latin typeface="Inconsolata" panose="020B0609030003000000" pitchFamily="49" charset="77"/>
-              </a:rPr>
-              <a:t>	return x + y</a:t>
-            </a:r>
-          </a:p>
-        </p:txBody>
-      </p:sp>
-      <p:sp>
-        <p:nvSpPr>
-          <p:cNvPr id="4" name="TextBox 3">
-            <a:extLst>
-              <a:ext uri="{FF2B5EF4-FFF2-40B4-BE49-F238E27FC236}">
-                <a16:creationId xmlns:a16="http://schemas.microsoft.com/office/drawing/2014/main" id="{AFC1027A-A2B6-B44B-9245-2E5D826BC5DB}"/>
-              </a:ext>
-            </a:extLst>
-          </p:cNvPr>
-          <p:cNvSpPr txBox="1"/>
-          <p:nvPr/>
-        </p:nvSpPr>
-        <p:spPr>
-          <a:xfrm>
-            <a:off x="5199324" y="1420814"/>
-            <a:ext cx="1308978" cy="369332"/>
-          </a:xfrm>
-          <a:prstGeom prst="rect">
-            <a:avLst/>
-          </a:prstGeom>
-          <a:noFill/>
-        </p:spPr>
-        <p:txBody>
-          <a:bodyPr wrap="square" rtlCol="0">
-            <a:spAutoFit/>
-          </a:bodyPr>
-          <a:lstStyle/>
-          <a:p>
-            <a:r>
-              <a:rPr lang="en-US" sz="1800" b="1" dirty="0" err="1"/>
-              <a:t>helper.py</a:t>
-            </a:r>
-            <a:endParaRPr lang="en-US" sz="1800" b="1" dirty="0"/>
-          </a:p>
-        </p:txBody>
-      </p:sp>
-      <p:sp>
-        <p:nvSpPr>
-          <p:cNvPr id="8" name="TextBox 7">
-            <a:extLst>
-              <a:ext uri="{FF2B5EF4-FFF2-40B4-BE49-F238E27FC236}">
-                <a16:creationId xmlns:a16="http://schemas.microsoft.com/office/drawing/2014/main" id="{9678D9F0-77F4-7A43-B46C-EBDB97CE2005}"/>
-              </a:ext>
-            </a:extLst>
-          </p:cNvPr>
-          <p:cNvSpPr txBox="1"/>
-          <p:nvPr/>
-        </p:nvSpPr>
-        <p:spPr>
-          <a:xfrm>
-            <a:off x="740637" y="1520411"/>
-            <a:ext cx="1030923" cy="369332"/>
-          </a:xfrm>
-          <a:prstGeom prst="rect">
-            <a:avLst/>
-          </a:prstGeom>
-          <a:noFill/>
-        </p:spPr>
-        <p:txBody>
-          <a:bodyPr wrap="none" rtlCol="0">
-            <a:spAutoFit/>
-          </a:bodyPr>
-          <a:lstStyle/>
-          <a:p>
-            <a:r>
-              <a:rPr lang="en-US" sz="1800" b="1" dirty="0" err="1"/>
-              <a:t>main.py</a:t>
-            </a:r>
-            <a:endParaRPr lang="en-US" sz="1800" b="1" dirty="0"/>
-          </a:p>
-        </p:txBody>
-      </p:sp>
-      <p:sp>
-        <p:nvSpPr>
-          <p:cNvPr id="7" name="TextBox 6">
-            <a:extLst>
-              <a:ext uri="{FF2B5EF4-FFF2-40B4-BE49-F238E27FC236}">
-                <a16:creationId xmlns:a16="http://schemas.microsoft.com/office/drawing/2014/main" id="{7FA88EF5-A7E3-4B42-AC10-E3709C51AEBA}"/>
-              </a:ext>
-            </a:extLst>
-          </p:cNvPr>
-          <p:cNvSpPr txBox="1"/>
-          <p:nvPr/>
-        </p:nvSpPr>
-        <p:spPr>
-          <a:xfrm>
-            <a:off x="800187" y="3929017"/>
-            <a:ext cx="1996176" cy="1477328"/>
-          </a:xfrm>
-          <a:prstGeom prst="rect">
-            <a:avLst/>
-          </a:prstGeom>
-          <a:noFill/>
-        </p:spPr>
-        <p:txBody>
-          <a:bodyPr wrap="square" rtlCol="0">
-            <a:spAutoFit/>
-          </a:bodyPr>
-          <a:lstStyle/>
-          <a:p>
-            <a:r>
-              <a:rPr lang="en-US" sz="1800" dirty="0">
-                <a:solidFill>
-                  <a:srgbClr val="FF0000"/>
-                </a:solidFill>
-              </a:rPr>
-              <a:t>Output:</a:t>
-            </a:r>
-          </a:p>
-          <a:p>
-            <a:endParaRPr lang="en-US" sz="1800" dirty="0">
-              <a:solidFill>
-                <a:srgbClr val="FF0000"/>
-              </a:solidFill>
-            </a:endParaRPr>
-          </a:p>
-          <a:p>
-            <a:r>
-              <a:rPr lang="en-US" sz="1800" dirty="0">
-                <a:solidFill>
-                  <a:srgbClr val="FF0000"/>
-                </a:solidFill>
-              </a:rPr>
-              <a:t>in </a:t>
-            </a:r>
-            <a:r>
-              <a:rPr lang="en-US" sz="1800" dirty="0" err="1">
-                <a:solidFill>
-                  <a:srgbClr val="FF0000"/>
-                </a:solidFill>
-              </a:rPr>
-              <a:t>helper.py</a:t>
-            </a:r>
-            <a:r>
-              <a:rPr lang="en-US" sz="1800" dirty="0">
-                <a:solidFill>
-                  <a:srgbClr val="FF0000"/>
-                </a:solidFill>
-              </a:rPr>
-              <a:t>!</a:t>
-            </a:r>
-          </a:p>
-          <a:p>
-            <a:r>
-              <a:rPr lang="en-US" sz="1800" dirty="0">
-                <a:solidFill>
-                  <a:srgbClr val="FF0000"/>
-                </a:solidFill>
-              </a:rPr>
-              <a:t>[1,"hi", "hello"]</a:t>
-            </a:r>
-          </a:p>
-          <a:p>
-            <a:r>
-              <a:rPr lang="en-US" sz="1800" dirty="0">
-                <a:solidFill>
-                  <a:srgbClr val="FF0000"/>
-                </a:solidFill>
-              </a:rPr>
-              <a:t>8</a:t>
-            </a:r>
-          </a:p>
-        </p:txBody>
-      </p:sp>
-    </p:spTree>
-    <p:extLst>
-      <p:ext uri="{BB962C8B-B14F-4D97-AF65-F5344CB8AC3E}">
-        <p14:creationId xmlns:p14="http://schemas.microsoft.com/office/powerpoint/2010/main" val="2239308720"/>
-      </p:ext>
-    </p:extLst>
-  </p:cSld>
-  <p:clrMapOvr>
-    <a:masterClrMapping/>
-  </p:clrMapOvr>
-  <p:timing>
-    <p:tnLst>
-      <p:par>
-        <p:cTn id="1" dur="indefinite" restart="never" nodeType="tmRoot">
-          <p:childTnLst>
-            <p:seq concurrent="1" nextAc="seek">
-              <p:cTn id="2" dur="indefinite" nodeType="mainSeq">
-                <p:childTnLst>
-                  <p:par>
-                    <p:cTn id="3" fill="hold">
-                      <p:stCondLst>
-                        <p:cond delay="indefinite"/>
-                      </p:stCondLst>
-                      <p:childTnLst>
-                        <p:par>
-                          <p:cTn id="4" fill="hold">
-                            <p:stCondLst>
-                              <p:cond delay="0"/>
-                            </p:stCondLst>
-                            <p:childTnLst>
-                              <p:par>
-                                <p:cTn id="5" presetID="1" presetClass="entr" presetSubtype="0" fill="hold" grpId="0" nodeType="clickEffect">
-                                  <p:stCondLst>
-                                    <p:cond delay="0"/>
-                                  </p:stCondLst>
-                                  <p:childTnLst>
-                                    <p:set>
-                                      <p:cBhvr>
-                                        <p:cTn id="6" dur="1" fill="hold">
-                                          <p:stCondLst>
-                                            <p:cond delay="0"/>
-                                          </p:stCondLst>
-                                        </p:cTn>
-                                        <p:tgtEl>
-                                          <p:spTgt spid="4"/>
-                                        </p:tgtEl>
-                                        <p:attrNameLst>
-                                          <p:attrName>style.visibility</p:attrName>
-                                        </p:attrNameLst>
-                                      </p:cBhvr>
-                                      <p:to>
-                                        <p:strVal val="visible"/>
-                                      </p:to>
-                                    </p:set>
-                                  </p:childTnLst>
-                                </p:cTn>
-                              </p:par>
-                              <p:par>
-                                <p:cTn id="7" presetID="1" presetClass="entr" presetSubtype="0" fill="hold" grpId="0" nodeType="withEffect">
-                                  <p:stCondLst>
-                                    <p:cond delay="0"/>
-                                  </p:stCondLst>
-                                  <p:childTnLst>
-                                    <p:set>
-                                      <p:cBhvr>
-                                        <p:cTn id="8" dur="1" fill="hold">
-                                          <p:stCondLst>
-                                            <p:cond delay="0"/>
-                                          </p:stCondLst>
-                                        </p:cTn>
-                                        <p:tgtEl>
-                                          <p:spTgt spid="8"/>
-                                        </p:tgtEl>
-                                        <p:attrNameLst>
-                                          <p:attrName>style.visibility</p:attrName>
-                                        </p:attrNameLst>
-                                      </p:cBhvr>
-                                      <p:to>
-                                        <p:strVal val="visible"/>
-                                      </p:to>
-                                    </p:set>
-                                  </p:childTnLst>
-                                </p:cTn>
-                              </p:par>
-                              <p:par>
-                                <p:cTn id="9" presetID="1" presetClass="entr" presetSubtype="0" fill="hold" grpId="0" nodeType="withEffect">
-                                  <p:stCondLst>
-                                    <p:cond delay="0"/>
-                                  </p:stCondLst>
-                                  <p:childTnLst>
-                                    <p:set>
-                                      <p:cBhvr>
-                                        <p:cTn id="10" dur="1" fill="hold">
-                                          <p:stCondLst>
-                                            <p:cond delay="0"/>
-                                          </p:stCondLst>
-                                        </p:cTn>
-                                        <p:tgtEl>
-                                          <p:spTgt spid="5"/>
-                                        </p:tgtEl>
-                                        <p:attrNameLst>
-                                          <p:attrName>style.visibility</p:attrName>
-                                        </p:attrNameLst>
-                                      </p:cBhvr>
-                                      <p:to>
-                                        <p:strVal val="visible"/>
-                                      </p:to>
-                                    </p:set>
-                                  </p:childTnLst>
-                                </p:cTn>
-                              </p:par>
-                              <p:par>
-                                <p:cTn id="11" presetID="1" presetClass="entr" presetSubtype="0" fill="hold" grpId="0" nodeType="withEffect">
-                                  <p:stCondLst>
-                                    <p:cond delay="0"/>
-                                  </p:stCondLst>
-                                  <p:childTnLst>
-                                    <p:set>
-                                      <p:cBhvr>
-                                        <p:cTn id="12" dur="1" fill="hold">
-                                          <p:stCondLst>
-                                            <p:cond delay="0"/>
-                                          </p:stCondLst>
-                                        </p:cTn>
-                                        <p:tgtEl>
-                                          <p:spTgt spid="6"/>
-                                        </p:tgtEl>
-                                        <p:attrNameLst>
-                                          <p:attrName>style.visibility</p:attrName>
-                                        </p:attrNameLst>
-                                      </p:cBhvr>
-                                      <p:to>
-                                        <p:strVal val="visible"/>
-                                      </p:to>
-                                    </p:set>
-                                  </p:childTnLst>
-                                </p:cTn>
-                              </p:par>
-                            </p:childTnLst>
-                          </p:cTn>
-                        </p:par>
-                      </p:childTnLst>
-                    </p:cTn>
-                  </p:par>
-                  <p:par>
-                    <p:cTn id="13" fill="hold">
-                      <p:stCondLst>
-                        <p:cond delay="indefinite"/>
-                      </p:stCondLst>
-                      <p:childTnLst>
-                        <p:par>
-                          <p:cTn id="14" fill="hold">
-                            <p:stCondLst>
-                              <p:cond delay="0"/>
-                            </p:stCondLst>
-                            <p:childTnLst>
-                              <p:par>
-                                <p:cTn id="15" presetID="1" presetClass="entr" presetSubtype="0" fill="hold" grpId="0" nodeType="clickEffect">
-                                  <p:stCondLst>
-                                    <p:cond delay="0"/>
-                                  </p:stCondLst>
-                                  <p:childTnLst>
-                                    <p:set>
-                                      <p:cBhvr>
-                                        <p:cTn id="16" dur="1" fill="hold">
-                                          <p:stCondLst>
-                                            <p:cond delay="0"/>
-                                          </p:stCondLst>
-                                        </p:cTn>
-                                        <p:tgtEl>
-                                          <p:spTgt spid="7"/>
-                                        </p:tgtEl>
-                                        <p:attrNameLst>
-                                          <p:attrName>style.visibility</p:attrName>
-                                        </p:attrNameLst>
-                                      </p:cBhvr>
-                                      <p:to>
-                                        <p:strVal val="visible"/>
-                                      </p:to>
-                                    </p:set>
-                                  </p:childTnLst>
-                                </p:cTn>
-                              </p:par>
-                            </p:childTnLst>
-                          </p:cTn>
-                        </p:par>
-                      </p:childTnLst>
-                    </p:cTn>
-                  </p:par>
-                </p:childTnLst>
-              </p:cTn>
-              <p:prevCondLst>
-                <p:cond evt="onPrev" delay="0">
-                  <p:tgtEl>
-                    <p:sldTgt/>
-                  </p:tgtEl>
-                </p:cond>
-              </p:prevCondLst>
-              <p:nextCondLst>
-                <p:cond evt="onNext" delay="0">
-                  <p:tgtEl>
-                    <p:sldTgt/>
-                  </p:tgtEl>
-                </p:cond>
-              </p:nextCondLst>
-            </p:seq>
-          </p:childTnLst>
-        </p:cTn>
-      </p:par>
-    </p:tnLst>
-    <p:bldLst>
-      <p:bldP spid="5" grpId="0" animBg="1"/>
-      <p:bldP spid="6" grpId="0" animBg="1"/>
-      <p:bldP spid="4" grpId="0"/>
-      <p:bldP spid="8" grpId="0"/>
-      <p:bldP spid="7" grpId="0"/>
-    </p:bldLst>
-  </p:timing>
-</p:sld>
-</file>
-
-<file path=ppt/slides/slide28.xml><?xml version="1.0" encoding="utf-8"?>
-<p:sld xmlns:a="http://schemas.openxmlformats.org/drawingml/2006/main" xmlns:r="http://schemas.openxmlformats.org/officeDocument/2006/relationships" xmlns:p="http://schemas.openxmlformats.org/presentationml/2006/main">
-  <p:cSld>
-    <p:spTree>
-      <p:nvGrpSpPr>
-        <p:cNvPr id="1" name=""/>
-        <p:cNvGrpSpPr/>
-        <p:nvPr/>
-      </p:nvGrpSpPr>
-      <p:grpSpPr>
-        <a:xfrm>
-          <a:off x="0" y="0"/>
-          <a:ext cx="0" cy="0"/>
-          <a:chOff x="0" y="0"/>
-          <a:chExt cx="0" cy="0"/>
-        </a:xfrm>
-      </p:grpSpPr>
-      <p:sp>
-        <p:nvSpPr>
-          <p:cNvPr id="2" name="Title 1">
-            <a:extLst>
-              <a:ext uri="{FF2B5EF4-FFF2-40B4-BE49-F238E27FC236}">
-                <a16:creationId xmlns:a16="http://schemas.microsoft.com/office/drawing/2014/main" id="{AA3A228F-61D0-D949-A5E7-F83756230BF8}"/>
-              </a:ext>
-            </a:extLst>
-          </p:cNvPr>
-          <p:cNvSpPr>
-            <a:spLocks noGrp="1"/>
-          </p:cNvSpPr>
-          <p:nvPr>
-            <p:ph type="title"/>
-          </p:nvPr>
-        </p:nvSpPr>
-        <p:spPr>
-          <a:xfrm>
-            <a:off x="483848" y="83453"/>
-            <a:ext cx="7053542" cy="683886"/>
-          </a:xfrm>
-        </p:spPr>
-        <p:txBody>
-          <a:bodyPr/>
-          <a:lstStyle/>
-          <a:p>
-            <a:r>
-              <a:rPr lang="en-US" dirty="0"/>
-              <a:t>A Program with Multiple Modules</a:t>
-            </a:r>
-          </a:p>
-        </p:txBody>
-      </p:sp>
-      <p:sp>
-        <p:nvSpPr>
-          <p:cNvPr id="9" name="Content Placeholder 8">
-            <a:extLst>
-              <a:ext uri="{FF2B5EF4-FFF2-40B4-BE49-F238E27FC236}">
-                <a16:creationId xmlns:a16="http://schemas.microsoft.com/office/drawing/2014/main" id="{E3B2E017-30B2-884B-A113-B419A2ED51AD}"/>
-              </a:ext>
-            </a:extLst>
-          </p:cNvPr>
-          <p:cNvSpPr>
-            <a:spLocks noGrp="1"/>
-          </p:cNvSpPr>
-          <p:nvPr>
-            <p:ph idx="1"/>
-          </p:nvPr>
-        </p:nvSpPr>
-        <p:spPr>
-          <a:xfrm>
-            <a:off x="483848" y="769715"/>
-            <a:ext cx="8051725" cy="4734371"/>
-          </a:xfrm>
-        </p:spPr>
-        <p:txBody>
-          <a:bodyPr>
-            <a:noAutofit/>
-          </a:bodyPr>
-          <a:lstStyle/>
-          <a:p>
-            <a:pPr marL="0" indent="0">
-              <a:buNone/>
-            </a:pPr>
-            <a:r>
-              <a:rPr lang="en-US" sz="2000" dirty="0">
-                <a:latin typeface="Gill Sans MT" panose="020B0502020104020203" pitchFamily="34" charset="77"/>
-              </a:rPr>
-              <a:t>You can import all objects by using *.</a:t>
-            </a:r>
-            <a:endParaRPr lang="en-US" sz="1600" dirty="0">
-              <a:latin typeface="Gill Sans MT" panose="020B0502020104020203" pitchFamily="34" charset="77"/>
-            </a:endParaRPr>
+              <a:t>You can import all objects by using *. No dot notation is needed to access the imported code in this case. </a:t>
+            </a:r>
           </a:p>
           <a:p>
             <a:pPr marL="0" indent="0">
@@ -21176,1873 +20678,7 @@
 </p:sld>
 </file>
 
-<file path=ppt/slides/slide29.xml><?xml version="1.0" encoding="utf-8"?>
-<p:sld xmlns:a="http://schemas.openxmlformats.org/drawingml/2006/main" xmlns:r="http://schemas.openxmlformats.org/officeDocument/2006/relationships" xmlns:p="http://schemas.openxmlformats.org/presentationml/2006/main">
-  <p:cSld>
-    <p:spTree>
-      <p:nvGrpSpPr>
-        <p:cNvPr id="1" name=""/>
-        <p:cNvGrpSpPr/>
-        <p:nvPr/>
-      </p:nvGrpSpPr>
-      <p:grpSpPr>
-        <a:xfrm>
-          <a:off x="0" y="0"/>
-          <a:ext cx="0" cy="0"/>
-          <a:chOff x="0" y="0"/>
-          <a:chExt cx="0" cy="0"/>
-        </a:xfrm>
-      </p:grpSpPr>
-      <p:sp>
-        <p:nvSpPr>
-          <p:cNvPr id="2" name="Title 1">
-            <a:extLst>
-              <a:ext uri="{FF2B5EF4-FFF2-40B4-BE49-F238E27FC236}">
-                <a16:creationId xmlns:a16="http://schemas.microsoft.com/office/drawing/2014/main" id="{AA3A228F-61D0-D949-A5E7-F83756230BF8}"/>
-              </a:ext>
-            </a:extLst>
-          </p:cNvPr>
-          <p:cNvSpPr>
-            <a:spLocks noGrp="1"/>
-          </p:cNvSpPr>
-          <p:nvPr>
-            <p:ph type="title"/>
-          </p:nvPr>
-        </p:nvSpPr>
-        <p:spPr>
-          <a:xfrm>
-            <a:off x="483848" y="467027"/>
-            <a:ext cx="7053542" cy="683886"/>
-          </a:xfrm>
-        </p:spPr>
-        <p:txBody>
-          <a:bodyPr/>
-          <a:lstStyle/>
-          <a:p>
-            <a:r>
-              <a:rPr lang="en-US" dirty="0"/>
-              <a:t>import vs from</a:t>
-            </a:r>
-          </a:p>
-        </p:txBody>
-      </p:sp>
-      <p:sp>
-        <p:nvSpPr>
-          <p:cNvPr id="9" name="Content Placeholder 8">
-            <a:extLst>
-              <a:ext uri="{FF2B5EF4-FFF2-40B4-BE49-F238E27FC236}">
-                <a16:creationId xmlns:a16="http://schemas.microsoft.com/office/drawing/2014/main" id="{E3B2E017-30B2-884B-A113-B419A2ED51AD}"/>
-              </a:ext>
-            </a:extLst>
-          </p:cNvPr>
-          <p:cNvSpPr>
-            <a:spLocks noGrp="1"/>
-          </p:cNvSpPr>
-          <p:nvPr>
-            <p:ph idx="1"/>
-          </p:nvPr>
-        </p:nvSpPr>
-        <p:spPr>
-          <a:xfrm>
-            <a:off x="483848" y="1007707"/>
-            <a:ext cx="8051725" cy="4583796"/>
-          </a:xfrm>
-        </p:spPr>
-        <p:txBody>
-          <a:bodyPr>
-            <a:normAutofit/>
-          </a:bodyPr>
-          <a:lstStyle/>
-          <a:p>
-            <a:pPr marL="0" indent="0">
-              <a:buNone/>
-            </a:pPr>
-            <a:r>
-              <a:rPr lang="en-US" dirty="0">
-                <a:latin typeface="Gill Sans MT" panose="020B0502020104020203" pitchFamily="34" charset="77"/>
-              </a:rPr>
-              <a:t>It is generally better to use the import statement than to use the from statement. </a:t>
-            </a:r>
-          </a:p>
-          <a:p>
-            <a:pPr marL="0" indent="0">
-              <a:buNone/>
-            </a:pPr>
-            <a:r>
-              <a:rPr lang="en-US" dirty="0">
-                <a:latin typeface="Gill Sans MT" panose="020B0502020104020203" pitchFamily="34" charset="77"/>
-              </a:rPr>
-              <a:t>Even though using import is less concise, it is more explicit and readable. Other programmers can see from the syntax which module contains the imported attributes and functions. For example:</a:t>
-            </a:r>
-          </a:p>
-          <a:p>
-            <a:pPr marL="0" indent="0">
-              <a:buNone/>
-            </a:pPr>
-            <a:r>
-              <a:rPr lang="en-US" dirty="0">
-                <a:latin typeface="Gill Sans MT" panose="020B0502020104020203" pitchFamily="34" charset="77"/>
-              </a:rPr>
-              <a:t>It is better to:</a:t>
-            </a:r>
-          </a:p>
-          <a:p>
-            <a:pPr marL="0" indent="0">
-              <a:buNone/>
-            </a:pPr>
-            <a:r>
-              <a:rPr lang="en-US" b="1" dirty="0">
-                <a:solidFill>
-                  <a:srgbClr val="34A327"/>
-                </a:solidFill>
-                <a:latin typeface="Inconsolata" panose="020B0609030003000000" pitchFamily="49" charset="77"/>
-              </a:rPr>
-              <a:t>import</a:t>
-            </a:r>
-            <a:r>
-              <a:rPr lang="en-US" b="1" dirty="0">
-                <a:solidFill>
-                  <a:srgbClr val="000000"/>
-                </a:solidFill>
-                <a:latin typeface="Inconsolata" panose="020B0609030003000000" pitchFamily="49" charset="77"/>
-              </a:rPr>
-              <a:t> </a:t>
-            </a:r>
-            <a:r>
-              <a:rPr lang="en-US" b="1" dirty="0">
-                <a:solidFill>
-                  <a:srgbClr val="3C9FF2"/>
-                </a:solidFill>
-                <a:latin typeface="Inconsolata" panose="020B0609030003000000" pitchFamily="49" charset="77"/>
-              </a:rPr>
-              <a:t>math</a:t>
-            </a:r>
-            <a:r>
-              <a:rPr lang="en-US" b="1" dirty="0">
-                <a:solidFill>
-                  <a:srgbClr val="000000"/>
-                </a:solidFill>
-                <a:latin typeface="Inconsolata" panose="020B0609030003000000" pitchFamily="49" charset="77"/>
-              </a:rPr>
-              <a:t> </a:t>
-            </a:r>
-            <a:endParaRPr lang="en-US" b="1" dirty="0">
-              <a:solidFill>
-                <a:srgbClr val="34A327"/>
-              </a:solidFill>
-              <a:latin typeface="Inconsolata" panose="020B0609030003000000" pitchFamily="49" charset="77"/>
-            </a:endParaRPr>
-          </a:p>
-          <a:p>
-            <a:pPr marL="0" indent="0">
-              <a:buNone/>
-            </a:pPr>
-            <a:r>
-              <a:rPr lang="en-US" b="1" dirty="0">
-                <a:solidFill>
-                  <a:srgbClr val="34A327"/>
-                </a:solidFill>
-                <a:latin typeface="Inconsolata" panose="020B0609030003000000" pitchFamily="49" charset="77"/>
-              </a:rPr>
-              <a:t>print</a:t>
-            </a:r>
-            <a:r>
-              <a:rPr lang="en-US" b="1" dirty="0">
-                <a:solidFill>
-                  <a:srgbClr val="000000"/>
-                </a:solidFill>
-                <a:latin typeface="Inconsolata" panose="020B0609030003000000" pitchFamily="49" charset="77"/>
-              </a:rPr>
-              <a:t>(</a:t>
-            </a:r>
-            <a:r>
-              <a:rPr lang="en-US" b="1" dirty="0" err="1">
-                <a:solidFill>
-                  <a:srgbClr val="000000"/>
-                </a:solidFill>
-                <a:latin typeface="Inconsolata" panose="020B0609030003000000" pitchFamily="49" charset="77"/>
-              </a:rPr>
-              <a:t>math.pi</a:t>
-            </a:r>
-            <a:r>
-              <a:rPr lang="en-US" b="1" dirty="0">
-                <a:solidFill>
-                  <a:srgbClr val="000000"/>
-                </a:solidFill>
-                <a:latin typeface="Inconsolata" panose="020B0609030003000000" pitchFamily="49" charset="77"/>
-              </a:rPr>
-              <a:t>) </a:t>
-            </a:r>
-          </a:p>
-          <a:p>
-            <a:pPr marL="0" indent="0">
-              <a:buNone/>
-            </a:pPr>
-            <a:endParaRPr lang="en-US" b="1" dirty="0">
-              <a:latin typeface="Inconsolata" panose="020B0609030003000000" pitchFamily="49" charset="77"/>
-            </a:endParaRPr>
-          </a:p>
-          <a:p>
-            <a:pPr marL="0" indent="0">
-              <a:buNone/>
-            </a:pPr>
-            <a:r>
-              <a:rPr lang="en-US" dirty="0">
-                <a:latin typeface="Gill Sans MT" panose="020B0502020104020203" pitchFamily="34" charset="77"/>
-              </a:rPr>
-              <a:t>than to:</a:t>
-            </a:r>
-          </a:p>
-          <a:p>
-            <a:pPr marL="0" indent="0">
-              <a:buNone/>
-            </a:pPr>
-            <a:r>
-              <a:rPr lang="en-US" b="1" dirty="0">
-                <a:solidFill>
-                  <a:srgbClr val="34A327"/>
-                </a:solidFill>
-                <a:latin typeface="Inconsolata" panose="020B0609030003000000" pitchFamily="49" charset="77"/>
-              </a:rPr>
-              <a:t>from</a:t>
-            </a:r>
-            <a:r>
-              <a:rPr lang="en-US" b="1" dirty="0">
-                <a:solidFill>
-                  <a:srgbClr val="000000"/>
-                </a:solidFill>
-                <a:latin typeface="Inconsolata" panose="020B0609030003000000" pitchFamily="49" charset="77"/>
-              </a:rPr>
-              <a:t> </a:t>
-            </a:r>
-            <a:r>
-              <a:rPr lang="en-US" b="1" dirty="0">
-                <a:solidFill>
-                  <a:srgbClr val="3C9FF2"/>
-                </a:solidFill>
-                <a:latin typeface="Inconsolata" panose="020B0609030003000000" pitchFamily="49" charset="77"/>
-              </a:rPr>
-              <a:t>math</a:t>
-            </a:r>
-            <a:r>
-              <a:rPr lang="en-US" b="1" dirty="0">
-                <a:solidFill>
-                  <a:srgbClr val="000000"/>
-                </a:solidFill>
-                <a:latin typeface="Inconsolata" panose="020B0609030003000000" pitchFamily="49" charset="77"/>
-              </a:rPr>
-              <a:t> </a:t>
-            </a:r>
-            <a:r>
-              <a:rPr lang="en-US" b="1" dirty="0">
-                <a:solidFill>
-                  <a:srgbClr val="34A327"/>
-                </a:solidFill>
-                <a:latin typeface="Inconsolata" panose="020B0609030003000000" pitchFamily="49" charset="77"/>
-              </a:rPr>
-              <a:t>import</a:t>
-            </a:r>
-            <a:r>
-              <a:rPr lang="en-US" b="1" dirty="0">
-                <a:solidFill>
-                  <a:srgbClr val="000000"/>
-                </a:solidFill>
-                <a:latin typeface="Inconsolata" panose="020B0609030003000000" pitchFamily="49" charset="77"/>
-              </a:rPr>
-              <a:t> pi</a:t>
-            </a:r>
-            <a:endParaRPr lang="en-US" b="1" dirty="0">
-              <a:solidFill>
-                <a:srgbClr val="34A327"/>
-              </a:solidFill>
-              <a:latin typeface="Inconsolata" panose="020B0609030003000000" pitchFamily="49" charset="77"/>
-            </a:endParaRPr>
-          </a:p>
-          <a:p>
-            <a:pPr marL="0" indent="0">
-              <a:buNone/>
-            </a:pPr>
-            <a:r>
-              <a:rPr lang="en-US" b="1" dirty="0">
-                <a:solidFill>
-                  <a:srgbClr val="34A327"/>
-                </a:solidFill>
-                <a:latin typeface="Inconsolata" panose="020B0609030003000000" pitchFamily="49" charset="77"/>
-              </a:rPr>
-              <a:t>print</a:t>
-            </a:r>
-            <a:r>
-              <a:rPr lang="en-US" b="1" dirty="0">
-                <a:solidFill>
-                  <a:srgbClr val="000000"/>
-                </a:solidFill>
-                <a:latin typeface="Inconsolata" panose="020B0609030003000000" pitchFamily="49" charset="77"/>
-              </a:rPr>
-              <a:t>(pi) </a:t>
-            </a:r>
-            <a:endParaRPr lang="en-US" b="1" dirty="0">
-              <a:solidFill>
-                <a:srgbClr val="34A327"/>
-              </a:solidFill>
-              <a:latin typeface="Inconsolata" panose="020B0609030003000000" pitchFamily="49" charset="77"/>
-            </a:endParaRPr>
-          </a:p>
-          <a:p>
-            <a:pPr marL="0" indent="0">
-              <a:buNone/>
-            </a:pPr>
-            <a:endParaRPr lang="en-US" b="1" dirty="0">
-              <a:latin typeface="Inconsolata" panose="020B0609030003000000" pitchFamily="49" charset="77"/>
-            </a:endParaRPr>
-          </a:p>
-          <a:p>
-            <a:pPr marL="0" indent="0">
-              <a:buNone/>
-            </a:pPr>
-            <a:endParaRPr lang="en-US" b="1" dirty="0">
-              <a:latin typeface="Inconsolata" panose="020B0609030003000000" pitchFamily="49" charset="77"/>
-            </a:endParaRPr>
-          </a:p>
-          <a:p>
-            <a:pPr marL="0" indent="0">
-              <a:buNone/>
-            </a:pPr>
-            <a:endParaRPr lang="en-US" b="1" dirty="0">
-              <a:latin typeface="Inconsolata" panose="020B0609030003000000" pitchFamily="49" charset="77"/>
-            </a:endParaRPr>
-          </a:p>
-          <a:p>
-            <a:pPr marL="0" indent="0">
-              <a:buNone/>
-            </a:pPr>
-            <a:endParaRPr lang="en-US" b="1" dirty="0">
-              <a:solidFill>
-                <a:srgbClr val="000087"/>
-              </a:solidFill>
-              <a:latin typeface="Inconsolata" panose="020B0609030003000000" pitchFamily="49" charset="77"/>
-            </a:endParaRPr>
-          </a:p>
-          <a:p>
-            <a:pPr marL="0" indent="0">
-              <a:buNone/>
-            </a:pPr>
-            <a:endParaRPr lang="en-US" b="1" dirty="0">
-              <a:solidFill>
-                <a:srgbClr val="000087"/>
-              </a:solidFill>
-              <a:latin typeface="Inconsolata" panose="020B0609030003000000" pitchFamily="49" charset="77"/>
-            </a:endParaRPr>
-          </a:p>
-        </p:txBody>
-      </p:sp>
-    </p:spTree>
-    <p:extLst>
-      <p:ext uri="{BB962C8B-B14F-4D97-AF65-F5344CB8AC3E}">
-        <p14:creationId xmlns:p14="http://schemas.microsoft.com/office/powerpoint/2010/main" val="1358728332"/>
-      </p:ext>
-    </p:extLst>
-  </p:cSld>
-  <p:clrMapOvr>
-    <a:masterClrMapping/>
-  </p:clrMapOvr>
-  <p:timing>
-    <p:tnLst>
-      <p:par>
-        <p:cTn id="1" dur="indefinite" restart="never" nodeType="tmRoot">
-          <p:childTnLst>
-            <p:seq concurrent="1" nextAc="seek">
-              <p:cTn id="2" dur="indefinite" nodeType="mainSeq">
-                <p:childTnLst>
-                  <p:par>
-                    <p:cTn id="3" fill="hold">
-                      <p:stCondLst>
-                        <p:cond delay="indefinite"/>
-                      </p:stCondLst>
-                      <p:childTnLst>
-                        <p:par>
-                          <p:cTn id="4" fill="hold">
-                            <p:stCondLst>
-                              <p:cond delay="0"/>
-                            </p:stCondLst>
-                            <p:childTnLst>
-                              <p:par>
-                                <p:cTn id="5" presetID="1" presetClass="entr" presetSubtype="0" fill="hold" nodeType="clickEffect">
-                                  <p:stCondLst>
-                                    <p:cond delay="0"/>
-                                  </p:stCondLst>
-                                  <p:childTnLst>
-                                    <p:set>
-                                      <p:cBhvr>
-                                        <p:cTn id="6" dur="1" fill="hold">
-                                          <p:stCondLst>
-                                            <p:cond delay="0"/>
-                                          </p:stCondLst>
-                                        </p:cTn>
-                                        <p:tgtEl>
-                                          <p:spTgt spid="9">
-                                            <p:txEl>
-                                              <p:pRg st="1" end="1"/>
-                                            </p:txEl>
-                                          </p:spTgt>
-                                        </p:tgtEl>
-                                        <p:attrNameLst>
-                                          <p:attrName>style.visibility</p:attrName>
-                                        </p:attrNameLst>
-                                      </p:cBhvr>
-                                      <p:to>
-                                        <p:strVal val="visible"/>
-                                      </p:to>
-                                    </p:set>
-                                  </p:childTnLst>
-                                </p:cTn>
-                              </p:par>
-                            </p:childTnLst>
-                          </p:cTn>
-                        </p:par>
-                      </p:childTnLst>
-                    </p:cTn>
-                  </p:par>
-                  <p:par>
-                    <p:cTn id="7" fill="hold">
-                      <p:stCondLst>
-                        <p:cond delay="indefinite"/>
-                      </p:stCondLst>
-                      <p:childTnLst>
-                        <p:par>
-                          <p:cTn id="8" fill="hold">
-                            <p:stCondLst>
-                              <p:cond delay="0"/>
-                            </p:stCondLst>
-                            <p:childTnLst>
-                              <p:par>
-                                <p:cTn id="9" presetID="1" presetClass="entr" presetSubtype="0" fill="hold" nodeType="clickEffect">
-                                  <p:stCondLst>
-                                    <p:cond delay="0"/>
-                                  </p:stCondLst>
-                                  <p:childTnLst>
-                                    <p:set>
-                                      <p:cBhvr>
-                                        <p:cTn id="10" dur="1" fill="hold">
-                                          <p:stCondLst>
-                                            <p:cond delay="0"/>
-                                          </p:stCondLst>
-                                        </p:cTn>
-                                        <p:tgtEl>
-                                          <p:spTgt spid="9">
-                                            <p:txEl>
-                                              <p:pRg st="2" end="2"/>
-                                            </p:txEl>
-                                          </p:spTgt>
-                                        </p:tgtEl>
-                                        <p:attrNameLst>
-                                          <p:attrName>style.visibility</p:attrName>
-                                        </p:attrNameLst>
-                                      </p:cBhvr>
-                                      <p:to>
-                                        <p:strVal val="visible"/>
-                                      </p:to>
-                                    </p:set>
-                                  </p:childTnLst>
-                                </p:cTn>
-                              </p:par>
-                              <p:par>
-                                <p:cTn id="11" presetID="1" presetClass="entr" presetSubtype="0" fill="hold" nodeType="withEffect">
-                                  <p:stCondLst>
-                                    <p:cond delay="0"/>
-                                  </p:stCondLst>
-                                  <p:childTnLst>
-                                    <p:set>
-                                      <p:cBhvr>
-                                        <p:cTn id="12" dur="1" fill="hold">
-                                          <p:stCondLst>
-                                            <p:cond delay="0"/>
-                                          </p:stCondLst>
-                                        </p:cTn>
-                                        <p:tgtEl>
-                                          <p:spTgt spid="9">
-                                            <p:txEl>
-                                              <p:pRg st="3" end="3"/>
-                                            </p:txEl>
-                                          </p:spTgt>
-                                        </p:tgtEl>
-                                        <p:attrNameLst>
-                                          <p:attrName>style.visibility</p:attrName>
-                                        </p:attrNameLst>
-                                      </p:cBhvr>
-                                      <p:to>
-                                        <p:strVal val="visible"/>
-                                      </p:to>
-                                    </p:set>
-                                  </p:childTnLst>
-                                </p:cTn>
-                              </p:par>
-                              <p:par>
-                                <p:cTn id="13" presetID="1" presetClass="entr" presetSubtype="0" fill="hold" nodeType="withEffect">
-                                  <p:stCondLst>
-                                    <p:cond delay="0"/>
-                                  </p:stCondLst>
-                                  <p:childTnLst>
-                                    <p:set>
-                                      <p:cBhvr>
-                                        <p:cTn id="14" dur="1" fill="hold">
-                                          <p:stCondLst>
-                                            <p:cond delay="0"/>
-                                          </p:stCondLst>
-                                        </p:cTn>
-                                        <p:tgtEl>
-                                          <p:spTgt spid="9">
-                                            <p:txEl>
-                                              <p:pRg st="4" end="4"/>
-                                            </p:txEl>
-                                          </p:spTgt>
-                                        </p:tgtEl>
-                                        <p:attrNameLst>
-                                          <p:attrName>style.visibility</p:attrName>
-                                        </p:attrNameLst>
-                                      </p:cBhvr>
-                                      <p:to>
-                                        <p:strVal val="visible"/>
-                                      </p:to>
-                                    </p:set>
-                                  </p:childTnLst>
-                                </p:cTn>
-                              </p:par>
-                            </p:childTnLst>
-                          </p:cTn>
-                        </p:par>
-                      </p:childTnLst>
-                    </p:cTn>
-                  </p:par>
-                  <p:par>
-                    <p:cTn id="15" fill="hold">
-                      <p:stCondLst>
-                        <p:cond delay="indefinite"/>
-                      </p:stCondLst>
-                      <p:childTnLst>
-                        <p:par>
-                          <p:cTn id="16" fill="hold">
-                            <p:stCondLst>
-                              <p:cond delay="0"/>
-                            </p:stCondLst>
-                            <p:childTnLst>
-                              <p:par>
-                                <p:cTn id="17" presetID="1" presetClass="entr" presetSubtype="0" fill="hold" nodeType="clickEffect">
-                                  <p:stCondLst>
-                                    <p:cond delay="0"/>
-                                  </p:stCondLst>
-                                  <p:childTnLst>
-                                    <p:set>
-                                      <p:cBhvr>
-                                        <p:cTn id="18" dur="1" fill="hold">
-                                          <p:stCondLst>
-                                            <p:cond delay="0"/>
-                                          </p:stCondLst>
-                                        </p:cTn>
-                                        <p:tgtEl>
-                                          <p:spTgt spid="9">
-                                            <p:txEl>
-                                              <p:pRg st="6" end="6"/>
-                                            </p:txEl>
-                                          </p:spTgt>
-                                        </p:tgtEl>
-                                        <p:attrNameLst>
-                                          <p:attrName>style.visibility</p:attrName>
-                                        </p:attrNameLst>
-                                      </p:cBhvr>
-                                      <p:to>
-                                        <p:strVal val="visible"/>
-                                      </p:to>
-                                    </p:set>
-                                  </p:childTnLst>
-                                </p:cTn>
-                              </p:par>
-                              <p:par>
-                                <p:cTn id="19" presetID="1" presetClass="entr" presetSubtype="0" fill="hold" nodeType="withEffect">
-                                  <p:stCondLst>
-                                    <p:cond delay="0"/>
-                                  </p:stCondLst>
-                                  <p:childTnLst>
-                                    <p:set>
-                                      <p:cBhvr>
-                                        <p:cTn id="20" dur="1" fill="hold">
-                                          <p:stCondLst>
-                                            <p:cond delay="0"/>
-                                          </p:stCondLst>
-                                        </p:cTn>
-                                        <p:tgtEl>
-                                          <p:spTgt spid="9">
-                                            <p:txEl>
-                                              <p:pRg st="7" end="7"/>
-                                            </p:txEl>
-                                          </p:spTgt>
-                                        </p:tgtEl>
-                                        <p:attrNameLst>
-                                          <p:attrName>style.visibility</p:attrName>
-                                        </p:attrNameLst>
-                                      </p:cBhvr>
-                                      <p:to>
-                                        <p:strVal val="visible"/>
-                                      </p:to>
-                                    </p:set>
-                                  </p:childTnLst>
-                                </p:cTn>
-                              </p:par>
-                              <p:par>
-                                <p:cTn id="21" presetID="1" presetClass="entr" presetSubtype="0" fill="hold" nodeType="withEffect">
-                                  <p:stCondLst>
-                                    <p:cond delay="0"/>
-                                  </p:stCondLst>
-                                  <p:childTnLst>
-                                    <p:set>
-                                      <p:cBhvr>
-                                        <p:cTn id="22" dur="1" fill="hold">
-                                          <p:stCondLst>
-                                            <p:cond delay="0"/>
-                                          </p:stCondLst>
-                                        </p:cTn>
-                                        <p:tgtEl>
-                                          <p:spTgt spid="9">
-                                            <p:txEl>
-                                              <p:pRg st="8" end="8"/>
-                                            </p:txEl>
-                                          </p:spTgt>
-                                        </p:tgtEl>
-                                        <p:attrNameLst>
-                                          <p:attrName>style.visibility</p:attrName>
-                                        </p:attrNameLst>
-                                      </p:cBhvr>
-                                      <p:to>
-                                        <p:strVal val="visible"/>
-                                      </p:to>
-                                    </p:set>
-                                  </p:childTnLst>
-                                </p:cTn>
-                              </p:par>
-                            </p:childTnLst>
-                          </p:cTn>
-                        </p:par>
-                      </p:childTnLst>
-                    </p:cTn>
-                  </p:par>
-                </p:childTnLst>
-              </p:cTn>
-              <p:prevCondLst>
-                <p:cond evt="onPrev" delay="0">
-                  <p:tgtEl>
-                    <p:sldTgt/>
-                  </p:tgtEl>
-                </p:cond>
-              </p:prevCondLst>
-              <p:nextCondLst>
-                <p:cond evt="onNext" delay="0">
-                  <p:tgtEl>
-                    <p:sldTgt/>
-                  </p:tgtEl>
-                </p:cond>
-              </p:nextCondLst>
-            </p:seq>
-          </p:childTnLst>
-        </p:cTn>
-      </p:par>
-    </p:tnLst>
-  </p:timing>
-</p:sld>
-</file>
-
-<file path=ppt/slides/slide3.xml><?xml version="1.0" encoding="utf-8"?>
-<p:sld xmlns:a="http://schemas.openxmlformats.org/drawingml/2006/main" xmlns:r="http://schemas.openxmlformats.org/officeDocument/2006/relationships" xmlns:p="http://schemas.openxmlformats.org/presentationml/2006/main">
-  <p:cSld>
-    <p:spTree>
-      <p:nvGrpSpPr>
-        <p:cNvPr id="1" name=""/>
-        <p:cNvGrpSpPr/>
-        <p:nvPr/>
-      </p:nvGrpSpPr>
-      <p:grpSpPr>
-        <a:xfrm>
-          <a:off x="0" y="0"/>
-          <a:ext cx="0" cy="0"/>
-          <a:chOff x="0" y="0"/>
-          <a:chExt cx="0" cy="0"/>
-        </a:xfrm>
-      </p:grpSpPr>
-      <p:sp>
-        <p:nvSpPr>
-          <p:cNvPr id="23554" name="Rectangle 2">
-            <a:extLst>
-              <a:ext uri="{FF2B5EF4-FFF2-40B4-BE49-F238E27FC236}">
-                <a16:creationId xmlns:a16="http://schemas.microsoft.com/office/drawing/2014/main" id="{4A410BF0-5019-0D40-8CE7-D9E5FEAB56F9}"/>
-              </a:ext>
-            </a:extLst>
-          </p:cNvPr>
-          <p:cNvSpPr>
-            <a:spLocks noGrp="1" noChangeArrowheads="1"/>
-          </p:cNvSpPr>
-          <p:nvPr>
-            <p:ph type="title"/>
-          </p:nvPr>
-        </p:nvSpPr>
-        <p:spPr>
-          <a:xfrm>
-            <a:off x="180975" y="74732"/>
-            <a:ext cx="7886700" cy="751682"/>
-          </a:xfrm>
-        </p:spPr>
-        <p:txBody>
-          <a:bodyPr/>
-          <a:lstStyle/>
-          <a:p>
-            <a:pPr eaLnBrk="1" hangingPunct="1">
-              <a:defRPr/>
-            </a:pPr>
-            <a:r>
-              <a:rPr lang="en-US" dirty="0">
-                <a:cs typeface="+mj-cs"/>
-              </a:rPr>
-              <a:t>An Example</a:t>
-            </a:r>
-          </a:p>
-        </p:txBody>
-      </p:sp>
-      <p:sp>
-        <p:nvSpPr>
-          <p:cNvPr id="3" name="Content Placeholder 2">
-            <a:extLst>
-              <a:ext uri="{FF2B5EF4-FFF2-40B4-BE49-F238E27FC236}">
-                <a16:creationId xmlns:a16="http://schemas.microsoft.com/office/drawing/2014/main" id="{8BA9D0DA-1D67-ED43-A19F-6557EAD9C067}"/>
-              </a:ext>
-            </a:extLst>
-          </p:cNvPr>
-          <p:cNvSpPr>
-            <a:spLocks noGrp="1"/>
-          </p:cNvSpPr>
-          <p:nvPr>
-            <p:ph idx="1"/>
-          </p:nvPr>
-        </p:nvSpPr>
-        <p:spPr>
-          <a:xfrm>
-            <a:off x="85061" y="688190"/>
-            <a:ext cx="9058940" cy="5026810"/>
-          </a:xfrm>
-        </p:spPr>
-        <p:txBody>
-          <a:bodyPr/>
-          <a:lstStyle/>
-          <a:p>
-            <a:pPr marL="0" indent="0">
-              <a:buNone/>
-            </a:pPr>
-            <a:r>
-              <a:rPr lang="en-US" dirty="0"/>
-              <a:t>So far, our data has been one piece of information: an int, a float, a string.</a:t>
-            </a:r>
-          </a:p>
-          <a:p>
-            <a:pPr marL="0" indent="0">
-              <a:buNone/>
-            </a:pPr>
-            <a:endParaRPr lang="en-US" dirty="0"/>
-          </a:p>
-          <a:p>
-            <a:pPr marL="0" indent="0">
-              <a:buNone/>
-            </a:pPr>
-            <a:r>
-              <a:rPr lang="en-US" dirty="0"/>
-              <a:t>Suppose we are writing a program that manages a database of students. We need a data type that contains information about a student. </a:t>
-            </a:r>
-          </a:p>
-          <a:p>
-            <a:pPr marL="0" indent="0">
-              <a:buNone/>
-            </a:pPr>
-            <a:endParaRPr lang="en-US" dirty="0"/>
-          </a:p>
-          <a:p>
-            <a:pPr marL="0" indent="0">
-              <a:buNone/>
-            </a:pPr>
-            <a:r>
-              <a:rPr lang="en-US" dirty="0"/>
-              <a:t>A student has more than just one piece of information: name, age, id, address, </a:t>
-            </a:r>
-            <a:r>
-              <a:rPr lang="en-US" dirty="0" err="1"/>
-              <a:t>etc</a:t>
-            </a:r>
-            <a:r>
-              <a:rPr lang="en-US" dirty="0"/>
-              <a:t>…These collectively are the </a:t>
-            </a:r>
-            <a:r>
-              <a:rPr lang="en-US" b="1" dirty="0"/>
-              <a:t>data</a:t>
-            </a:r>
-            <a:r>
-              <a:rPr lang="en-US" dirty="0"/>
-              <a:t> of a student. </a:t>
-            </a:r>
-          </a:p>
-          <a:p>
-            <a:pPr marL="0" indent="0">
-              <a:buNone/>
-            </a:pPr>
-            <a:endParaRPr lang="en-US" dirty="0"/>
-          </a:p>
-          <a:p>
-            <a:pPr marL="0" indent="0">
-              <a:buNone/>
-            </a:pPr>
-            <a:r>
-              <a:rPr lang="en-US" dirty="0"/>
-              <a:t>A student might have some </a:t>
-            </a:r>
-            <a:r>
-              <a:rPr lang="en-US" b="1" dirty="0"/>
-              <a:t>functionality</a:t>
-            </a:r>
-            <a:r>
-              <a:rPr lang="en-US" dirty="0"/>
-              <a:t>: ability to print personal information, change their address, update school information. </a:t>
-            </a:r>
-          </a:p>
-          <a:p>
-            <a:pPr marL="0" indent="0">
-              <a:buNone/>
-            </a:pPr>
-            <a:endParaRPr lang="en-US" dirty="0"/>
-          </a:p>
-          <a:p>
-            <a:pPr marL="0" indent="0">
-              <a:buNone/>
-            </a:pPr>
-            <a:r>
-              <a:rPr lang="en-US" dirty="0"/>
-              <a:t>We like a data type that can bundle </a:t>
-            </a:r>
-            <a:r>
-              <a:rPr lang="en-US" b="1" dirty="0"/>
-              <a:t>data</a:t>
-            </a:r>
-            <a:r>
-              <a:rPr lang="en-US" dirty="0"/>
-              <a:t> and </a:t>
-            </a:r>
-            <a:r>
-              <a:rPr lang="en-US" b="1" dirty="0"/>
-              <a:t>functionality</a:t>
-            </a:r>
-            <a:r>
-              <a:rPr lang="en-US" dirty="0"/>
-              <a:t> into one variable.</a:t>
-            </a:r>
-          </a:p>
-          <a:p>
-            <a:pPr marL="0" indent="0">
-              <a:buNone/>
-            </a:pPr>
-            <a:r>
-              <a:rPr lang="en-US" dirty="0"/>
-              <a:t>A </a:t>
-            </a:r>
-            <a:r>
-              <a:rPr lang="en-US" b="1" dirty="0"/>
-              <a:t>class</a:t>
-            </a:r>
-            <a:r>
-              <a:rPr lang="en-US" dirty="0"/>
-              <a:t> bundles together </a:t>
-            </a:r>
-            <a:r>
-              <a:rPr lang="en-US" i="1" dirty="0"/>
-              <a:t>data </a:t>
-            </a:r>
-            <a:r>
-              <a:rPr lang="en-US" dirty="0"/>
-              <a:t>(instance variables or attributes) and </a:t>
-            </a:r>
-            <a:r>
-              <a:rPr lang="en-US" i="1" dirty="0"/>
-              <a:t>functionality </a:t>
-            </a:r>
-            <a:r>
-              <a:rPr lang="en-US" dirty="0"/>
-              <a:t>(functions). Another name for class is </a:t>
-            </a:r>
-            <a:r>
-              <a:rPr lang="en-US" b="1" dirty="0"/>
-              <a:t>type</a:t>
-            </a:r>
-            <a:r>
-              <a:rPr lang="en-US" dirty="0"/>
-              <a:t>.</a:t>
-            </a:r>
-          </a:p>
-          <a:p>
-            <a:pPr marL="0" indent="0">
-              <a:buNone/>
-            </a:pPr>
-            <a:endParaRPr lang="en-US" dirty="0"/>
-          </a:p>
-        </p:txBody>
-      </p:sp>
-    </p:spTree>
-    <p:extLst>
-      <p:ext uri="{BB962C8B-B14F-4D97-AF65-F5344CB8AC3E}">
-        <p14:creationId xmlns:p14="http://schemas.microsoft.com/office/powerpoint/2010/main" val="2101795491"/>
-      </p:ext>
-    </p:extLst>
-  </p:cSld>
-  <p:clrMapOvr>
-    <a:masterClrMapping/>
-  </p:clrMapOvr>
-  <p:timing>
-    <p:tnLst>
-      <p:par>
-        <p:cTn id="1" dur="indefinite" restart="never" nodeType="tmRoot">
-          <p:childTnLst>
-            <p:seq concurrent="1" nextAc="seek">
-              <p:cTn id="2" dur="indefinite" nodeType="mainSeq">
-                <p:childTnLst>
-                  <p:par>
-                    <p:cTn id="3" fill="hold">
-                      <p:stCondLst>
-                        <p:cond delay="indefinite"/>
-                      </p:stCondLst>
-                      <p:childTnLst>
-                        <p:par>
-                          <p:cTn id="4" fill="hold">
-                            <p:stCondLst>
-                              <p:cond delay="0"/>
-                            </p:stCondLst>
-                            <p:childTnLst>
-                              <p:par>
-                                <p:cTn id="5" presetID="1" presetClass="entr" presetSubtype="0" fill="hold" nodeType="clickEffect">
-                                  <p:stCondLst>
-                                    <p:cond delay="0"/>
-                                  </p:stCondLst>
-                                  <p:childTnLst>
-                                    <p:set>
-                                      <p:cBhvr>
-                                        <p:cTn id="6" dur="1" fill="hold">
-                                          <p:stCondLst>
-                                            <p:cond delay="0"/>
-                                          </p:stCondLst>
-                                        </p:cTn>
-                                        <p:tgtEl>
-                                          <p:spTgt spid="3">
-                                            <p:txEl>
-                                              <p:pRg st="2" end="2"/>
-                                            </p:txEl>
-                                          </p:spTgt>
-                                        </p:tgtEl>
-                                        <p:attrNameLst>
-                                          <p:attrName>style.visibility</p:attrName>
-                                        </p:attrNameLst>
-                                      </p:cBhvr>
-                                      <p:to>
-                                        <p:strVal val="visible"/>
-                                      </p:to>
-                                    </p:set>
-                                  </p:childTnLst>
-                                </p:cTn>
-                              </p:par>
-                            </p:childTnLst>
-                          </p:cTn>
-                        </p:par>
-                      </p:childTnLst>
-                    </p:cTn>
-                  </p:par>
-                  <p:par>
-                    <p:cTn id="7" fill="hold">
-                      <p:stCondLst>
-                        <p:cond delay="indefinite"/>
-                      </p:stCondLst>
-                      <p:childTnLst>
-                        <p:par>
-                          <p:cTn id="8" fill="hold">
-                            <p:stCondLst>
-                              <p:cond delay="0"/>
-                            </p:stCondLst>
-                            <p:childTnLst>
-                              <p:par>
-                                <p:cTn id="9" presetID="1" presetClass="entr" presetSubtype="0" fill="hold" nodeType="clickEffect">
-                                  <p:stCondLst>
-                                    <p:cond delay="0"/>
-                                  </p:stCondLst>
-                                  <p:childTnLst>
-                                    <p:set>
-                                      <p:cBhvr>
-                                        <p:cTn id="10" dur="1" fill="hold">
-                                          <p:stCondLst>
-                                            <p:cond delay="0"/>
-                                          </p:stCondLst>
-                                        </p:cTn>
-                                        <p:tgtEl>
-                                          <p:spTgt spid="3">
-                                            <p:txEl>
-                                              <p:pRg st="4" end="4"/>
-                                            </p:txEl>
-                                          </p:spTgt>
-                                        </p:tgtEl>
-                                        <p:attrNameLst>
-                                          <p:attrName>style.visibility</p:attrName>
-                                        </p:attrNameLst>
-                                      </p:cBhvr>
-                                      <p:to>
-                                        <p:strVal val="visible"/>
-                                      </p:to>
-                                    </p:set>
-                                  </p:childTnLst>
-                                </p:cTn>
-                              </p:par>
-                            </p:childTnLst>
-                          </p:cTn>
-                        </p:par>
-                      </p:childTnLst>
-                    </p:cTn>
-                  </p:par>
-                  <p:par>
-                    <p:cTn id="11" fill="hold">
-                      <p:stCondLst>
-                        <p:cond delay="indefinite"/>
-                      </p:stCondLst>
-                      <p:childTnLst>
-                        <p:par>
-                          <p:cTn id="12" fill="hold">
-                            <p:stCondLst>
-                              <p:cond delay="0"/>
-                            </p:stCondLst>
-                            <p:childTnLst>
-                              <p:par>
-                                <p:cTn id="13" presetID="1" presetClass="entr" presetSubtype="0" fill="hold" nodeType="clickEffect">
-                                  <p:stCondLst>
-                                    <p:cond delay="0"/>
-                                  </p:stCondLst>
-                                  <p:childTnLst>
-                                    <p:set>
-                                      <p:cBhvr>
-                                        <p:cTn id="14" dur="1" fill="hold">
-                                          <p:stCondLst>
-                                            <p:cond delay="0"/>
-                                          </p:stCondLst>
-                                        </p:cTn>
-                                        <p:tgtEl>
-                                          <p:spTgt spid="3">
-                                            <p:txEl>
-                                              <p:pRg st="6" end="6"/>
-                                            </p:txEl>
-                                          </p:spTgt>
-                                        </p:tgtEl>
-                                        <p:attrNameLst>
-                                          <p:attrName>style.visibility</p:attrName>
-                                        </p:attrNameLst>
-                                      </p:cBhvr>
-                                      <p:to>
-                                        <p:strVal val="visible"/>
-                                      </p:to>
-                                    </p:set>
-                                  </p:childTnLst>
-                                </p:cTn>
-                              </p:par>
-                            </p:childTnLst>
-                          </p:cTn>
-                        </p:par>
-                      </p:childTnLst>
-                    </p:cTn>
-                  </p:par>
-                  <p:par>
-                    <p:cTn id="15" fill="hold">
-                      <p:stCondLst>
-                        <p:cond delay="indefinite"/>
-                      </p:stCondLst>
-                      <p:childTnLst>
-                        <p:par>
-                          <p:cTn id="16" fill="hold">
-                            <p:stCondLst>
-                              <p:cond delay="0"/>
-                            </p:stCondLst>
-                            <p:childTnLst>
-                              <p:par>
-                                <p:cTn id="17" presetID="1" presetClass="entr" presetSubtype="0" fill="hold" nodeType="clickEffect">
-                                  <p:stCondLst>
-                                    <p:cond delay="0"/>
-                                  </p:stCondLst>
-                                  <p:childTnLst>
-                                    <p:set>
-                                      <p:cBhvr>
-                                        <p:cTn id="18" dur="1" fill="hold">
-                                          <p:stCondLst>
-                                            <p:cond delay="0"/>
-                                          </p:stCondLst>
-                                        </p:cTn>
-                                        <p:tgtEl>
-                                          <p:spTgt spid="3">
-                                            <p:txEl>
-                                              <p:pRg st="8" end="8"/>
-                                            </p:txEl>
-                                          </p:spTgt>
-                                        </p:tgtEl>
-                                        <p:attrNameLst>
-                                          <p:attrName>style.visibility</p:attrName>
-                                        </p:attrNameLst>
-                                      </p:cBhvr>
-                                      <p:to>
-                                        <p:strVal val="visible"/>
-                                      </p:to>
-                                    </p:set>
-                                  </p:childTnLst>
-                                </p:cTn>
-                              </p:par>
-                            </p:childTnLst>
-                          </p:cTn>
-                        </p:par>
-                      </p:childTnLst>
-                    </p:cTn>
-                  </p:par>
-                  <p:par>
-                    <p:cTn id="19" fill="hold">
-                      <p:stCondLst>
-                        <p:cond delay="indefinite"/>
-                      </p:stCondLst>
-                      <p:childTnLst>
-                        <p:par>
-                          <p:cTn id="20" fill="hold">
-                            <p:stCondLst>
-                              <p:cond delay="0"/>
-                            </p:stCondLst>
-                            <p:childTnLst>
-                              <p:par>
-                                <p:cTn id="21" presetID="1" presetClass="entr" presetSubtype="0" fill="hold" nodeType="clickEffect">
-                                  <p:stCondLst>
-                                    <p:cond delay="0"/>
-                                  </p:stCondLst>
-                                  <p:childTnLst>
-                                    <p:set>
-                                      <p:cBhvr>
-                                        <p:cTn id="22" dur="1" fill="hold">
-                                          <p:stCondLst>
-                                            <p:cond delay="0"/>
-                                          </p:stCondLst>
-                                        </p:cTn>
-                                        <p:tgtEl>
-                                          <p:spTgt spid="3">
-                                            <p:txEl>
-                                              <p:pRg st="9" end="9"/>
-                                            </p:txEl>
-                                          </p:spTgt>
-                                        </p:tgtEl>
-                                        <p:attrNameLst>
-                                          <p:attrName>style.visibility</p:attrName>
-                                        </p:attrNameLst>
-                                      </p:cBhvr>
-                                      <p:to>
-                                        <p:strVal val="visible"/>
-                                      </p:to>
-                                    </p:set>
-                                  </p:childTnLst>
-                                </p:cTn>
-                              </p:par>
-                            </p:childTnLst>
-                          </p:cTn>
-                        </p:par>
-                      </p:childTnLst>
-                    </p:cTn>
-                  </p:par>
-                </p:childTnLst>
-              </p:cTn>
-              <p:prevCondLst>
-                <p:cond evt="onPrev" delay="0">
-                  <p:tgtEl>
-                    <p:sldTgt/>
-                  </p:tgtEl>
-                </p:cond>
-              </p:prevCondLst>
-              <p:nextCondLst>
-                <p:cond evt="onNext" delay="0">
-                  <p:tgtEl>
-                    <p:sldTgt/>
-                  </p:tgtEl>
-                </p:cond>
-              </p:nextCondLst>
-            </p:seq>
-          </p:childTnLst>
-        </p:cTn>
-      </p:par>
-    </p:tnLst>
-  </p:timing>
-</p:sld>
-</file>
-
-<file path=ppt/slides/slide30.xml><?xml version="1.0" encoding="utf-8"?>
-<p:sld xmlns:a="http://schemas.openxmlformats.org/drawingml/2006/main" xmlns:r="http://schemas.openxmlformats.org/officeDocument/2006/relationships" xmlns:p="http://schemas.openxmlformats.org/presentationml/2006/main">
-  <p:cSld>
-    <p:spTree>
-      <p:nvGrpSpPr>
-        <p:cNvPr id="1" name=""/>
-        <p:cNvGrpSpPr/>
-        <p:nvPr/>
-      </p:nvGrpSpPr>
-      <p:grpSpPr>
-        <a:xfrm>
-          <a:off x="0" y="0"/>
-          <a:ext cx="0" cy="0"/>
-          <a:chOff x="0" y="0"/>
-          <a:chExt cx="0" cy="0"/>
-        </a:xfrm>
-      </p:grpSpPr>
-      <p:sp>
-        <p:nvSpPr>
-          <p:cNvPr id="2" name="Title 1">
-            <a:extLst>
-              <a:ext uri="{FF2B5EF4-FFF2-40B4-BE49-F238E27FC236}">
-                <a16:creationId xmlns:a16="http://schemas.microsoft.com/office/drawing/2014/main" id="{AA3A228F-61D0-D949-A5E7-F83756230BF8}"/>
-              </a:ext>
-            </a:extLst>
-          </p:cNvPr>
-          <p:cNvSpPr>
-            <a:spLocks noGrp="1"/>
-          </p:cNvSpPr>
-          <p:nvPr>
-            <p:ph type="title"/>
-          </p:nvPr>
-        </p:nvSpPr>
-        <p:spPr>
-          <a:xfrm>
-            <a:off x="152543" y="123497"/>
-            <a:ext cx="7053542" cy="683886"/>
-          </a:xfrm>
-        </p:spPr>
-        <p:txBody>
-          <a:bodyPr/>
-          <a:lstStyle/>
-          <a:p>
-            <a:r>
-              <a:rPr lang="en-US" dirty="0" err="1"/>
-              <a:t>isinstance</a:t>
-            </a:r>
-            <a:endParaRPr lang="en-US" dirty="0"/>
-          </a:p>
-        </p:txBody>
-      </p:sp>
-      <p:sp>
-        <p:nvSpPr>
-          <p:cNvPr id="9" name="Content Placeholder 8">
-            <a:extLst>
-              <a:ext uri="{FF2B5EF4-FFF2-40B4-BE49-F238E27FC236}">
-                <a16:creationId xmlns:a16="http://schemas.microsoft.com/office/drawing/2014/main" id="{E3B2E017-30B2-884B-A113-B419A2ED51AD}"/>
-              </a:ext>
-            </a:extLst>
-          </p:cNvPr>
-          <p:cNvSpPr>
-            <a:spLocks noGrp="1"/>
-          </p:cNvSpPr>
-          <p:nvPr>
-            <p:ph idx="1"/>
-          </p:nvPr>
-        </p:nvSpPr>
-        <p:spPr>
-          <a:xfrm>
-            <a:off x="311570" y="807383"/>
-            <a:ext cx="8051725" cy="4583796"/>
-          </a:xfrm>
-        </p:spPr>
-        <p:txBody>
-          <a:bodyPr>
-            <a:normAutofit/>
-          </a:bodyPr>
-          <a:lstStyle/>
-          <a:p>
-            <a:pPr marL="0" indent="0">
-              <a:buNone/>
-            </a:pPr>
-            <a:r>
-              <a:rPr lang="en-US" dirty="0"/>
-              <a:t>The built-in </a:t>
-            </a:r>
-            <a:r>
-              <a:rPr lang="en-US" b="1" dirty="0" err="1">
-                <a:latin typeface="Inconsolata" panose="020B0609030003000000" pitchFamily="49" charset="77"/>
-              </a:rPr>
-              <a:t>isinstance</a:t>
-            </a:r>
-            <a:r>
-              <a:rPr lang="en-US" b="1" dirty="0">
-                <a:latin typeface="Inconsolata" panose="020B0609030003000000" pitchFamily="49" charset="77"/>
-              </a:rPr>
-              <a:t>(a, b) </a:t>
-            </a:r>
-            <a:r>
-              <a:rPr lang="en-US" dirty="0">
-                <a:latin typeface="Gill Sans MT" panose="020B0502020104020203" pitchFamily="34" charset="77"/>
-              </a:rPr>
-              <a:t>function returns whether a is an instance of b. </a:t>
-            </a:r>
-          </a:p>
-          <a:p>
-            <a:pPr marL="0" indent="0">
-              <a:buNone/>
-            </a:pPr>
-            <a:endParaRPr lang="en-US" b="1" dirty="0">
-              <a:solidFill>
-                <a:srgbClr val="000087"/>
-              </a:solidFill>
-              <a:latin typeface="Inconsolata" panose="020B0609030003000000" pitchFamily="49" charset="77"/>
-            </a:endParaRPr>
-          </a:p>
-          <a:p>
-            <a:pPr marL="0" indent="0">
-              <a:buNone/>
-            </a:pPr>
-            <a:r>
-              <a:rPr lang="en-US" b="1" dirty="0">
-                <a:latin typeface="Inconsolata" panose="020B0609030003000000" pitchFamily="49" charset="77"/>
-              </a:rPr>
-              <a:t>a = [</a:t>
-            </a:r>
-            <a:r>
-              <a:rPr lang="en-US" b="1" dirty="0">
-                <a:solidFill>
-                  <a:srgbClr val="FF6600"/>
-                </a:solidFill>
-                <a:latin typeface="Inconsolata" panose="020B0609030003000000" pitchFamily="49" charset="77"/>
-              </a:rPr>
-              <a:t>0, 5, 2</a:t>
-            </a:r>
-            <a:r>
-              <a:rPr lang="en-US" b="1" dirty="0">
-                <a:latin typeface="Inconsolata" panose="020B0609030003000000" pitchFamily="49" charset="77"/>
-              </a:rPr>
-              <a:t>]</a:t>
-            </a:r>
-          </a:p>
-          <a:p>
-            <a:pPr marL="0" indent="0">
-              <a:buNone/>
-            </a:pPr>
-            <a:r>
-              <a:rPr lang="en-US" b="1" dirty="0">
-                <a:solidFill>
-                  <a:srgbClr val="000087"/>
-                </a:solidFill>
-                <a:latin typeface="Inconsolata" panose="020B0609030003000000" pitchFamily="49" charset="77"/>
-              </a:rPr>
-              <a:t>print(</a:t>
-            </a:r>
-            <a:r>
-              <a:rPr lang="en-US" b="1" dirty="0" err="1">
-                <a:solidFill>
-                  <a:srgbClr val="00B050"/>
-                </a:solidFill>
-                <a:latin typeface="Inconsolata" panose="020B0609030003000000" pitchFamily="49" charset="77"/>
-              </a:rPr>
-              <a:t>isinstance</a:t>
-            </a:r>
-            <a:r>
-              <a:rPr lang="en-US" b="1" dirty="0">
-                <a:latin typeface="Inconsolata" panose="020B0609030003000000" pitchFamily="49" charset="77"/>
-              </a:rPr>
-              <a:t>(a, </a:t>
-            </a:r>
-            <a:r>
-              <a:rPr lang="en-US" b="1" dirty="0">
-                <a:solidFill>
-                  <a:srgbClr val="00B050"/>
-                </a:solidFill>
-                <a:latin typeface="Inconsolata" panose="020B0609030003000000" pitchFamily="49" charset="77"/>
-              </a:rPr>
-              <a:t>list</a:t>
-            </a:r>
-            <a:r>
-              <a:rPr lang="en-US" b="1" dirty="0">
-                <a:latin typeface="Inconsolata" panose="020B0609030003000000" pitchFamily="49" charset="77"/>
-              </a:rPr>
-              <a:t>))		# True</a:t>
-            </a:r>
-          </a:p>
-          <a:p>
-            <a:pPr marL="0" indent="0">
-              <a:buNone/>
-            </a:pPr>
-            <a:r>
-              <a:rPr lang="en-US" b="1" dirty="0">
-                <a:solidFill>
-                  <a:srgbClr val="000087"/>
-                </a:solidFill>
-                <a:latin typeface="Inconsolata" panose="020B0609030003000000" pitchFamily="49" charset="77"/>
-              </a:rPr>
-              <a:t>print(</a:t>
-            </a:r>
-            <a:r>
-              <a:rPr lang="en-US" b="1" dirty="0" err="1">
-                <a:solidFill>
-                  <a:srgbClr val="00B050"/>
-                </a:solidFill>
-                <a:latin typeface="Inconsolata" panose="020B0609030003000000" pitchFamily="49" charset="77"/>
-              </a:rPr>
-              <a:t>isinstance</a:t>
-            </a:r>
-            <a:r>
-              <a:rPr lang="en-US" b="1" dirty="0">
-                <a:latin typeface="Inconsolata" panose="020B0609030003000000" pitchFamily="49" charset="77"/>
-              </a:rPr>
-              <a:t>(a, </a:t>
-            </a:r>
-            <a:r>
-              <a:rPr lang="en-US" b="1" dirty="0">
-                <a:solidFill>
-                  <a:srgbClr val="00B050"/>
-                </a:solidFill>
-                <a:latin typeface="Inconsolata" panose="020B0609030003000000" pitchFamily="49" charset="77"/>
-              </a:rPr>
-              <a:t>str</a:t>
-            </a:r>
-            <a:r>
-              <a:rPr lang="en-US" b="1" dirty="0">
-                <a:latin typeface="Inconsolata" panose="020B0609030003000000" pitchFamily="49" charset="77"/>
-              </a:rPr>
-              <a:t>))		# False</a:t>
-            </a:r>
-          </a:p>
-          <a:p>
-            <a:pPr marL="0" indent="0">
-              <a:buNone/>
-            </a:pPr>
-            <a:endParaRPr lang="en-US" b="1" dirty="0">
-              <a:latin typeface="Inconsolata" panose="020B0609030003000000" pitchFamily="49" charset="77"/>
-            </a:endParaRPr>
-          </a:p>
-          <a:p>
-            <a:pPr marL="0" indent="0">
-              <a:buNone/>
-            </a:pPr>
-            <a:r>
-              <a:rPr lang="en-US" b="1" dirty="0">
-                <a:latin typeface="Inconsolata" panose="020B0609030003000000" pitchFamily="49" charset="77"/>
-              </a:rPr>
-              <a:t>b = "hi"</a:t>
-            </a:r>
-          </a:p>
-          <a:p>
-            <a:pPr marL="0" indent="0">
-              <a:buNone/>
-            </a:pPr>
-            <a:r>
-              <a:rPr lang="en-US" b="1" dirty="0">
-                <a:solidFill>
-                  <a:srgbClr val="000087"/>
-                </a:solidFill>
-                <a:latin typeface="Inconsolata" panose="020B0609030003000000" pitchFamily="49" charset="77"/>
-              </a:rPr>
-              <a:t>print(</a:t>
-            </a:r>
-            <a:r>
-              <a:rPr lang="en-US" b="1" dirty="0" err="1">
-                <a:solidFill>
-                  <a:srgbClr val="00B050"/>
-                </a:solidFill>
-                <a:latin typeface="Inconsolata" panose="020B0609030003000000" pitchFamily="49" charset="77"/>
-              </a:rPr>
-              <a:t>isinstance</a:t>
-            </a:r>
-            <a:r>
-              <a:rPr lang="en-US" b="1" dirty="0">
-                <a:latin typeface="Inconsolata" panose="020B0609030003000000" pitchFamily="49" charset="77"/>
-              </a:rPr>
-              <a:t>(b, </a:t>
-            </a:r>
-            <a:r>
-              <a:rPr lang="en-US" b="1" dirty="0">
-                <a:solidFill>
-                  <a:srgbClr val="00B050"/>
-                </a:solidFill>
-                <a:latin typeface="Inconsolata" panose="020B0609030003000000" pitchFamily="49" charset="77"/>
-              </a:rPr>
-              <a:t>str</a:t>
-            </a:r>
-            <a:r>
-              <a:rPr lang="en-US" b="1" dirty="0">
-                <a:latin typeface="Inconsolata" panose="020B0609030003000000" pitchFamily="49" charset="77"/>
-              </a:rPr>
-              <a:t>))		# True</a:t>
-            </a:r>
-          </a:p>
-          <a:p>
-            <a:pPr marL="0" indent="0">
-              <a:buNone/>
-            </a:pPr>
-            <a:endParaRPr lang="en-US" b="1" dirty="0">
-              <a:latin typeface="Inconsolata" panose="020B0609030003000000" pitchFamily="49" charset="77"/>
-            </a:endParaRPr>
-          </a:p>
-          <a:p>
-            <a:pPr marL="0" indent="0">
-              <a:buNone/>
-            </a:pPr>
-            <a:r>
-              <a:rPr lang="en-US" b="1" dirty="0">
-                <a:solidFill>
-                  <a:srgbClr val="000087"/>
-                </a:solidFill>
-                <a:latin typeface="Inconsolata" panose="020B0609030003000000" pitchFamily="49" charset="77"/>
-              </a:rPr>
-              <a:t>p = Character("Mario", 100, 5) </a:t>
-            </a:r>
-          </a:p>
-          <a:p>
-            <a:pPr marL="0" indent="0">
-              <a:buNone/>
-            </a:pPr>
-            <a:r>
-              <a:rPr lang="en-US" b="1" dirty="0">
-                <a:solidFill>
-                  <a:srgbClr val="000087"/>
-                </a:solidFill>
-                <a:latin typeface="Inconsolata" panose="020B0609030003000000" pitchFamily="49" charset="77"/>
-              </a:rPr>
-              <a:t>print(</a:t>
-            </a:r>
-            <a:r>
-              <a:rPr lang="en-US" b="1" dirty="0" err="1">
-                <a:solidFill>
-                  <a:srgbClr val="00B050"/>
-                </a:solidFill>
-                <a:latin typeface="Inconsolata" panose="020B0609030003000000" pitchFamily="49" charset="77"/>
-              </a:rPr>
-              <a:t>isinstance</a:t>
-            </a:r>
-            <a:r>
-              <a:rPr lang="en-US" b="1" dirty="0">
-                <a:latin typeface="Inconsolata" panose="020B0609030003000000" pitchFamily="49" charset="77"/>
-              </a:rPr>
-              <a:t>(p, Character))	# True</a:t>
-            </a:r>
-          </a:p>
-          <a:p>
-            <a:pPr marL="0" indent="0">
-              <a:buNone/>
-            </a:pPr>
-            <a:endParaRPr lang="en-US" b="1" dirty="0">
-              <a:latin typeface="Inconsolata" panose="020B0609030003000000" pitchFamily="49" charset="77"/>
-            </a:endParaRPr>
-          </a:p>
-          <a:p>
-            <a:pPr marL="0" indent="0">
-              <a:buNone/>
-            </a:pPr>
-            <a:endParaRPr lang="en-US" b="1" dirty="0">
-              <a:latin typeface="Inconsolata" panose="020B0609030003000000" pitchFamily="49" charset="77"/>
-            </a:endParaRPr>
-          </a:p>
-          <a:p>
-            <a:pPr marL="0" indent="0">
-              <a:buNone/>
-            </a:pPr>
-            <a:endParaRPr lang="en-US" b="1" dirty="0">
-              <a:solidFill>
-                <a:srgbClr val="000087"/>
-              </a:solidFill>
-              <a:latin typeface="Inconsolata" panose="020B0609030003000000" pitchFamily="49" charset="77"/>
-            </a:endParaRPr>
-          </a:p>
-          <a:p>
-            <a:pPr marL="0" indent="0">
-              <a:buNone/>
-            </a:pPr>
-            <a:endParaRPr lang="en-US" b="1" dirty="0">
-              <a:solidFill>
-                <a:srgbClr val="000087"/>
-              </a:solidFill>
-              <a:latin typeface="Inconsolata" panose="020B0609030003000000" pitchFamily="49" charset="77"/>
-            </a:endParaRPr>
-          </a:p>
-        </p:txBody>
-      </p:sp>
-    </p:spTree>
-    <p:extLst>
-      <p:ext uri="{BB962C8B-B14F-4D97-AF65-F5344CB8AC3E}">
-        <p14:creationId xmlns:p14="http://schemas.microsoft.com/office/powerpoint/2010/main" val="1454819895"/>
-      </p:ext>
-    </p:extLst>
-  </p:cSld>
-  <p:clrMapOvr>
-    <a:masterClrMapping/>
-  </p:clrMapOvr>
-  <p:timing>
-    <p:tnLst>
-      <p:par>
-        <p:cTn id="1" dur="indefinite" restart="never" nodeType="tmRoot">
-          <p:childTnLst>
-            <p:seq concurrent="1" nextAc="seek">
-              <p:cTn id="2" dur="indefinite" nodeType="mainSeq">
-                <p:childTnLst>
-                  <p:par>
-                    <p:cTn id="3" fill="hold">
-                      <p:stCondLst>
-                        <p:cond delay="indefinite"/>
-                      </p:stCondLst>
-                      <p:childTnLst>
-                        <p:par>
-                          <p:cTn id="4" fill="hold">
-                            <p:stCondLst>
-                              <p:cond delay="0"/>
-                            </p:stCondLst>
-                            <p:childTnLst>
-                              <p:par>
-                                <p:cTn id="5" presetID="1" presetClass="entr" presetSubtype="0" fill="hold" nodeType="clickEffect">
-                                  <p:stCondLst>
-                                    <p:cond delay="0"/>
-                                  </p:stCondLst>
-                                  <p:childTnLst>
-                                    <p:set>
-                                      <p:cBhvr>
-                                        <p:cTn id="6" dur="1" fill="hold">
-                                          <p:stCondLst>
-                                            <p:cond delay="0"/>
-                                          </p:stCondLst>
-                                        </p:cTn>
-                                        <p:tgtEl>
-                                          <p:spTgt spid="9">
-                                            <p:txEl>
-                                              <p:pRg st="3" end="3"/>
-                                            </p:txEl>
-                                          </p:spTgt>
-                                        </p:tgtEl>
-                                        <p:attrNameLst>
-                                          <p:attrName>style.visibility</p:attrName>
-                                        </p:attrNameLst>
-                                      </p:cBhvr>
-                                      <p:to>
-                                        <p:strVal val="visible"/>
-                                      </p:to>
-                                    </p:set>
-                                  </p:childTnLst>
-                                </p:cTn>
-                              </p:par>
-                            </p:childTnLst>
-                          </p:cTn>
-                        </p:par>
-                      </p:childTnLst>
-                    </p:cTn>
-                  </p:par>
-                  <p:par>
-                    <p:cTn id="7" fill="hold">
-                      <p:stCondLst>
-                        <p:cond delay="indefinite"/>
-                      </p:stCondLst>
-                      <p:childTnLst>
-                        <p:par>
-                          <p:cTn id="8" fill="hold">
-                            <p:stCondLst>
-                              <p:cond delay="0"/>
-                            </p:stCondLst>
-                            <p:childTnLst>
-                              <p:par>
-                                <p:cTn id="9" presetID="1" presetClass="entr" presetSubtype="0" fill="hold" nodeType="clickEffect">
-                                  <p:stCondLst>
-                                    <p:cond delay="0"/>
-                                  </p:stCondLst>
-                                  <p:childTnLst>
-                                    <p:set>
-                                      <p:cBhvr>
-                                        <p:cTn id="10" dur="1" fill="hold">
-                                          <p:stCondLst>
-                                            <p:cond delay="0"/>
-                                          </p:stCondLst>
-                                        </p:cTn>
-                                        <p:tgtEl>
-                                          <p:spTgt spid="9">
-                                            <p:txEl>
-                                              <p:pRg st="4" end="4"/>
-                                            </p:txEl>
-                                          </p:spTgt>
-                                        </p:tgtEl>
-                                        <p:attrNameLst>
-                                          <p:attrName>style.visibility</p:attrName>
-                                        </p:attrNameLst>
-                                      </p:cBhvr>
-                                      <p:to>
-                                        <p:strVal val="visible"/>
-                                      </p:to>
-                                    </p:set>
-                                  </p:childTnLst>
-                                </p:cTn>
-                              </p:par>
-                            </p:childTnLst>
-                          </p:cTn>
-                        </p:par>
-                      </p:childTnLst>
-                    </p:cTn>
-                  </p:par>
-                  <p:par>
-                    <p:cTn id="11" fill="hold">
-                      <p:stCondLst>
-                        <p:cond delay="indefinite"/>
-                      </p:stCondLst>
-                      <p:childTnLst>
-                        <p:par>
-                          <p:cTn id="12" fill="hold">
-                            <p:stCondLst>
-                              <p:cond delay="0"/>
-                            </p:stCondLst>
-                            <p:childTnLst>
-                              <p:par>
-                                <p:cTn id="13" presetID="1" presetClass="entr" presetSubtype="0" fill="hold" nodeType="clickEffect">
-                                  <p:stCondLst>
-                                    <p:cond delay="0"/>
-                                  </p:stCondLst>
-                                  <p:childTnLst>
-                                    <p:set>
-                                      <p:cBhvr>
-                                        <p:cTn id="14" dur="1" fill="hold">
-                                          <p:stCondLst>
-                                            <p:cond delay="0"/>
-                                          </p:stCondLst>
-                                        </p:cTn>
-                                        <p:tgtEl>
-                                          <p:spTgt spid="9">
-                                            <p:txEl>
-                                              <p:pRg st="6" end="6"/>
-                                            </p:txEl>
-                                          </p:spTgt>
-                                        </p:tgtEl>
-                                        <p:attrNameLst>
-                                          <p:attrName>style.visibility</p:attrName>
-                                        </p:attrNameLst>
-                                      </p:cBhvr>
-                                      <p:to>
-                                        <p:strVal val="visible"/>
-                                      </p:to>
-                                    </p:set>
-                                  </p:childTnLst>
-                                </p:cTn>
-                              </p:par>
-                              <p:par>
-                                <p:cTn id="15" presetID="1" presetClass="entr" presetSubtype="0" fill="hold" nodeType="withEffect">
-                                  <p:stCondLst>
-                                    <p:cond delay="0"/>
-                                  </p:stCondLst>
-                                  <p:childTnLst>
-                                    <p:set>
-                                      <p:cBhvr>
-                                        <p:cTn id="16" dur="1" fill="hold">
-                                          <p:stCondLst>
-                                            <p:cond delay="0"/>
-                                          </p:stCondLst>
-                                        </p:cTn>
-                                        <p:tgtEl>
-                                          <p:spTgt spid="9">
-                                            <p:txEl>
-                                              <p:pRg st="7" end="7"/>
-                                            </p:txEl>
-                                          </p:spTgt>
-                                        </p:tgtEl>
-                                        <p:attrNameLst>
-                                          <p:attrName>style.visibility</p:attrName>
-                                        </p:attrNameLst>
-                                      </p:cBhvr>
-                                      <p:to>
-                                        <p:strVal val="visible"/>
-                                      </p:to>
-                                    </p:set>
-                                  </p:childTnLst>
-                                </p:cTn>
-                              </p:par>
-                              <p:par>
-                                <p:cTn id="17" presetID="1" presetClass="entr" presetSubtype="0" fill="hold" nodeType="withEffect">
-                                  <p:stCondLst>
-                                    <p:cond delay="0"/>
-                                  </p:stCondLst>
-                                  <p:childTnLst>
-                                    <p:set>
-                                      <p:cBhvr>
-                                        <p:cTn id="18" dur="1" fill="hold">
-                                          <p:stCondLst>
-                                            <p:cond delay="0"/>
-                                          </p:stCondLst>
-                                        </p:cTn>
-                                        <p:tgtEl>
-                                          <p:spTgt spid="9">
-                                            <p:txEl>
-                                              <p:pRg st="9" end="9"/>
-                                            </p:txEl>
-                                          </p:spTgt>
-                                        </p:tgtEl>
-                                        <p:attrNameLst>
-                                          <p:attrName>style.visibility</p:attrName>
-                                        </p:attrNameLst>
-                                      </p:cBhvr>
-                                      <p:to>
-                                        <p:strVal val="visible"/>
-                                      </p:to>
-                                    </p:set>
-                                  </p:childTnLst>
-                                </p:cTn>
-                              </p:par>
-                              <p:par>
-                                <p:cTn id="19" presetID="1" presetClass="entr" presetSubtype="0" fill="hold" nodeType="withEffect">
-                                  <p:stCondLst>
-                                    <p:cond delay="0"/>
-                                  </p:stCondLst>
-                                  <p:childTnLst>
-                                    <p:set>
-                                      <p:cBhvr>
-                                        <p:cTn id="20" dur="1" fill="hold">
-                                          <p:stCondLst>
-                                            <p:cond delay="0"/>
-                                          </p:stCondLst>
-                                        </p:cTn>
-                                        <p:tgtEl>
-                                          <p:spTgt spid="9">
-                                            <p:txEl>
-                                              <p:pRg st="10" end="10"/>
-                                            </p:txEl>
-                                          </p:spTgt>
-                                        </p:tgtEl>
-                                        <p:attrNameLst>
-                                          <p:attrName>style.visibility</p:attrName>
-                                        </p:attrNameLst>
-                                      </p:cBhvr>
-                                      <p:to>
-                                        <p:strVal val="visible"/>
-                                      </p:to>
-                                    </p:set>
-                                  </p:childTnLst>
-                                </p:cTn>
-                              </p:par>
-                            </p:childTnLst>
-                          </p:cTn>
-                        </p:par>
-                      </p:childTnLst>
-                    </p:cTn>
-                  </p:par>
-                </p:childTnLst>
-              </p:cTn>
-              <p:prevCondLst>
-                <p:cond evt="onPrev" delay="0">
-                  <p:tgtEl>
-                    <p:sldTgt/>
-                  </p:tgtEl>
-                </p:cond>
-              </p:prevCondLst>
-              <p:nextCondLst>
-                <p:cond evt="onNext" delay="0">
-                  <p:tgtEl>
-                    <p:sldTgt/>
-                  </p:tgtEl>
-                </p:cond>
-              </p:nextCondLst>
-            </p:seq>
-          </p:childTnLst>
-        </p:cTn>
-      </p:par>
-    </p:tnLst>
-  </p:timing>
-</p:sld>
-</file>
-
-<file path=ppt/slides/slide31.xml><?xml version="1.0" encoding="utf-8"?>
+<file path=ppt/slides/slide28.xml><?xml version="1.0" encoding="utf-8"?>
 <p:sld xmlns:a="http://schemas.openxmlformats.org/drawingml/2006/main" xmlns:r="http://schemas.openxmlformats.org/officeDocument/2006/relationships" xmlns:p="http://schemas.openxmlformats.org/presentationml/2006/main">
   <p:cSld>
     <p:spTree>
@@ -23082,7 +20718,9 @@
           </a:xfrm>
         </p:spPr>
         <p:txBody>
-          <a:bodyPr/>
+          <a:bodyPr>
+            <a:normAutofit fontScale="90000"/>
+          </a:bodyPr>
           <a:lstStyle/>
           <a:p>
             <a:r>
@@ -23594,7 +21232,7 @@
 </p:sld>
 </file>
 
-<file path=ppt/slides/slide32.xml><?xml version="1.0" encoding="utf-8"?>
+<file path=ppt/slides/slide29.xml><?xml version="1.0" encoding="utf-8"?>
 <p:sld xmlns:a="http://schemas.openxmlformats.org/drawingml/2006/main" xmlns:r="http://schemas.openxmlformats.org/officeDocument/2006/relationships" xmlns:p="http://schemas.openxmlformats.org/presentationml/2006/main">
   <p:cSld>
     <p:spTree>
@@ -23634,7 +21272,9 @@
           </a:xfrm>
         </p:spPr>
         <p:txBody>
-          <a:bodyPr/>
+          <a:bodyPr>
+            <a:normAutofit fontScale="90000"/>
+          </a:bodyPr>
           <a:lstStyle/>
           <a:p>
             <a:r>
@@ -24505,7 +22145,521 @@
 </p:sld>
 </file>
 
-<file path=ppt/slides/slide33.xml><?xml version="1.0" encoding="utf-8"?>
+<file path=ppt/slides/slide3.xml><?xml version="1.0" encoding="utf-8"?>
+<p:sld xmlns:a="http://schemas.openxmlformats.org/drawingml/2006/main" xmlns:r="http://schemas.openxmlformats.org/officeDocument/2006/relationships" xmlns:p="http://schemas.openxmlformats.org/presentationml/2006/main">
+  <p:cSld>
+    <p:spTree>
+      <p:nvGrpSpPr>
+        <p:cNvPr id="1" name=""/>
+        <p:cNvGrpSpPr/>
+        <p:nvPr/>
+      </p:nvGrpSpPr>
+      <p:grpSpPr>
+        <a:xfrm>
+          <a:off x="0" y="0"/>
+          <a:ext cx="0" cy="0"/>
+          <a:chOff x="0" y="0"/>
+          <a:chExt cx="0" cy="0"/>
+        </a:xfrm>
+      </p:grpSpPr>
+      <p:sp>
+        <p:nvSpPr>
+          <p:cNvPr id="23554" name="Rectangle 2">
+            <a:extLst>
+              <a:ext uri="{FF2B5EF4-FFF2-40B4-BE49-F238E27FC236}">
+                <a16:creationId xmlns:a16="http://schemas.microsoft.com/office/drawing/2014/main" id="{4A410BF0-5019-0D40-8CE7-D9E5FEAB56F9}"/>
+              </a:ext>
+            </a:extLst>
+          </p:cNvPr>
+          <p:cNvSpPr>
+            <a:spLocks noGrp="1" noChangeArrowheads="1"/>
+          </p:cNvSpPr>
+          <p:nvPr>
+            <p:ph type="title"/>
+          </p:nvPr>
+        </p:nvSpPr>
+        <p:spPr>
+          <a:xfrm>
+            <a:off x="180975" y="74732"/>
+            <a:ext cx="7886700" cy="751682"/>
+          </a:xfrm>
+        </p:spPr>
+        <p:txBody>
+          <a:bodyPr/>
+          <a:lstStyle/>
+          <a:p>
+            <a:pPr eaLnBrk="1" hangingPunct="1">
+              <a:defRPr/>
+            </a:pPr>
+            <a:r>
+              <a:rPr lang="en-US" dirty="0">
+                <a:cs typeface="+mj-cs"/>
+              </a:rPr>
+              <a:t>An Example</a:t>
+            </a:r>
+          </a:p>
+        </p:txBody>
+      </p:sp>
+      <p:sp>
+        <p:nvSpPr>
+          <p:cNvPr id="3" name="Content Placeholder 2">
+            <a:extLst>
+              <a:ext uri="{FF2B5EF4-FFF2-40B4-BE49-F238E27FC236}">
+                <a16:creationId xmlns:a16="http://schemas.microsoft.com/office/drawing/2014/main" id="{8BA9D0DA-1D67-ED43-A19F-6557EAD9C067}"/>
+              </a:ext>
+            </a:extLst>
+          </p:cNvPr>
+          <p:cNvSpPr>
+            <a:spLocks noGrp="1"/>
+          </p:cNvSpPr>
+          <p:nvPr>
+            <p:ph idx="1"/>
+          </p:nvPr>
+        </p:nvSpPr>
+        <p:spPr>
+          <a:xfrm>
+            <a:off x="85061" y="688190"/>
+            <a:ext cx="9058940" cy="5026810"/>
+          </a:xfrm>
+        </p:spPr>
+        <p:txBody>
+          <a:bodyPr>
+            <a:normAutofit lnSpcReduction="10000"/>
+          </a:bodyPr>
+          <a:lstStyle/>
+          <a:p>
+            <a:pPr marL="0" indent="0">
+              <a:buNone/>
+            </a:pPr>
+            <a:r>
+              <a:rPr lang="en-US" dirty="0"/>
+              <a:t>So far, our data has been one piece of information: an int, a float, a string.</a:t>
+            </a:r>
+          </a:p>
+          <a:p>
+            <a:pPr marL="0" indent="0">
+              <a:buNone/>
+            </a:pPr>
+            <a:endParaRPr lang="en-US" dirty="0"/>
+          </a:p>
+          <a:p>
+            <a:pPr marL="0" indent="0">
+              <a:buNone/>
+            </a:pPr>
+            <a:r>
+              <a:rPr lang="en-US" dirty="0"/>
+              <a:t>Suppose we are writing a program that manages a database of students. We need a data type that contains information about a student. </a:t>
+            </a:r>
+          </a:p>
+          <a:p>
+            <a:pPr marL="0" indent="0">
+              <a:buNone/>
+            </a:pPr>
+            <a:endParaRPr lang="en-US" dirty="0"/>
+          </a:p>
+          <a:p>
+            <a:pPr marL="0" indent="0">
+              <a:buNone/>
+            </a:pPr>
+            <a:r>
+              <a:rPr lang="en-US" dirty="0"/>
+              <a:t>A student has more than just one piece of information: name, age, id, address, </a:t>
+            </a:r>
+            <a:r>
+              <a:rPr lang="en-US" dirty="0" err="1"/>
+              <a:t>etc</a:t>
+            </a:r>
+            <a:r>
+              <a:rPr lang="en-US" dirty="0"/>
+              <a:t>…These collectively are the </a:t>
+            </a:r>
+            <a:r>
+              <a:rPr lang="en-US" b="1" dirty="0"/>
+              <a:t>data</a:t>
+            </a:r>
+            <a:r>
+              <a:rPr lang="en-US" dirty="0"/>
+              <a:t> of a student. </a:t>
+            </a:r>
+          </a:p>
+          <a:p>
+            <a:pPr marL="0" indent="0">
+              <a:buNone/>
+            </a:pPr>
+            <a:endParaRPr lang="en-US" dirty="0"/>
+          </a:p>
+          <a:p>
+            <a:pPr marL="0" indent="0">
+              <a:buNone/>
+            </a:pPr>
+            <a:r>
+              <a:rPr lang="en-US" dirty="0"/>
+              <a:t>A student might have some </a:t>
+            </a:r>
+            <a:r>
+              <a:rPr lang="en-US" b="1" dirty="0"/>
+              <a:t>functionality</a:t>
+            </a:r>
+            <a:r>
+              <a:rPr lang="en-US" dirty="0"/>
+              <a:t>: ability to print personal information, change their address, update school information. </a:t>
+            </a:r>
+          </a:p>
+          <a:p>
+            <a:pPr marL="0" indent="0">
+              <a:buNone/>
+            </a:pPr>
+            <a:endParaRPr lang="en-US" dirty="0"/>
+          </a:p>
+          <a:p>
+            <a:pPr marL="0" indent="0">
+              <a:buNone/>
+            </a:pPr>
+            <a:r>
+              <a:rPr lang="en-US" dirty="0"/>
+              <a:t>We like a data type that can bundle </a:t>
+            </a:r>
+            <a:r>
+              <a:rPr lang="en-US" b="1" dirty="0"/>
+              <a:t>data</a:t>
+            </a:r>
+            <a:r>
+              <a:rPr lang="en-US" dirty="0"/>
+              <a:t> and </a:t>
+            </a:r>
+            <a:r>
+              <a:rPr lang="en-US" b="1" dirty="0"/>
+              <a:t>functionality</a:t>
+            </a:r>
+            <a:r>
+              <a:rPr lang="en-US" dirty="0"/>
+              <a:t> into one variable.</a:t>
+            </a:r>
+          </a:p>
+          <a:p>
+            <a:pPr marL="0" indent="0">
+              <a:buNone/>
+            </a:pPr>
+            <a:r>
+              <a:rPr lang="en-US" dirty="0"/>
+              <a:t>A </a:t>
+            </a:r>
+            <a:r>
+              <a:rPr lang="en-US" b="1" dirty="0"/>
+              <a:t>class</a:t>
+            </a:r>
+            <a:r>
+              <a:rPr lang="en-US" dirty="0"/>
+              <a:t> bundles together </a:t>
+            </a:r>
+            <a:r>
+              <a:rPr lang="en-US" i="1" dirty="0"/>
+              <a:t>data </a:t>
+            </a:r>
+            <a:r>
+              <a:rPr lang="en-US" dirty="0"/>
+              <a:t>(instance variables or attributes) and </a:t>
+            </a:r>
+            <a:r>
+              <a:rPr lang="en-US" i="1" dirty="0"/>
+              <a:t>functionality </a:t>
+            </a:r>
+            <a:r>
+              <a:rPr lang="en-US" dirty="0"/>
+              <a:t>(functions). </a:t>
+            </a:r>
+          </a:p>
+        </p:txBody>
+      </p:sp>
+    </p:spTree>
+    <p:extLst>
+      <p:ext uri="{BB962C8B-B14F-4D97-AF65-F5344CB8AC3E}">
+        <p14:creationId xmlns:p14="http://schemas.microsoft.com/office/powerpoint/2010/main" val="2101795491"/>
+      </p:ext>
+    </p:extLst>
+  </p:cSld>
+  <p:clrMapOvr>
+    <a:masterClrMapping/>
+  </p:clrMapOvr>
+  <p:timing>
+    <p:tnLst>
+      <p:par>
+        <p:cTn id="1" dur="indefinite" restart="never" nodeType="tmRoot">
+          <p:childTnLst>
+            <p:seq concurrent="1" nextAc="seek">
+              <p:cTn id="2" dur="indefinite" nodeType="mainSeq">
+                <p:childTnLst>
+                  <p:par>
+                    <p:cTn id="3" fill="hold">
+                      <p:stCondLst>
+                        <p:cond delay="indefinite"/>
+                      </p:stCondLst>
+                      <p:childTnLst>
+                        <p:par>
+                          <p:cTn id="4" fill="hold">
+                            <p:stCondLst>
+                              <p:cond delay="0"/>
+                            </p:stCondLst>
+                            <p:childTnLst>
+                              <p:par>
+                                <p:cTn id="5" presetID="1" presetClass="entr" presetSubtype="0" fill="hold" nodeType="clickEffect">
+                                  <p:stCondLst>
+                                    <p:cond delay="0"/>
+                                  </p:stCondLst>
+                                  <p:childTnLst>
+                                    <p:set>
+                                      <p:cBhvr>
+                                        <p:cTn id="6" dur="1" fill="hold">
+                                          <p:stCondLst>
+                                            <p:cond delay="0"/>
+                                          </p:stCondLst>
+                                        </p:cTn>
+                                        <p:tgtEl>
+                                          <p:spTgt spid="3">
+                                            <p:txEl>
+                                              <p:pRg st="2" end="2"/>
+                                            </p:txEl>
+                                          </p:spTgt>
+                                        </p:tgtEl>
+                                        <p:attrNameLst>
+                                          <p:attrName>style.visibility</p:attrName>
+                                        </p:attrNameLst>
+                                      </p:cBhvr>
+                                      <p:to>
+                                        <p:strVal val="visible"/>
+                                      </p:to>
+                                    </p:set>
+                                  </p:childTnLst>
+                                </p:cTn>
+                              </p:par>
+                            </p:childTnLst>
+                          </p:cTn>
+                        </p:par>
+                      </p:childTnLst>
+                    </p:cTn>
+                  </p:par>
+                  <p:par>
+                    <p:cTn id="7" fill="hold">
+                      <p:stCondLst>
+                        <p:cond delay="indefinite"/>
+                      </p:stCondLst>
+                      <p:childTnLst>
+                        <p:par>
+                          <p:cTn id="8" fill="hold">
+                            <p:stCondLst>
+                              <p:cond delay="0"/>
+                            </p:stCondLst>
+                            <p:childTnLst>
+                              <p:par>
+                                <p:cTn id="9" presetID="1" presetClass="entr" presetSubtype="0" fill="hold" nodeType="clickEffect">
+                                  <p:stCondLst>
+                                    <p:cond delay="0"/>
+                                  </p:stCondLst>
+                                  <p:childTnLst>
+                                    <p:set>
+                                      <p:cBhvr>
+                                        <p:cTn id="10" dur="1" fill="hold">
+                                          <p:stCondLst>
+                                            <p:cond delay="0"/>
+                                          </p:stCondLst>
+                                        </p:cTn>
+                                        <p:tgtEl>
+                                          <p:spTgt spid="3">
+                                            <p:txEl>
+                                              <p:pRg st="4" end="4"/>
+                                            </p:txEl>
+                                          </p:spTgt>
+                                        </p:tgtEl>
+                                        <p:attrNameLst>
+                                          <p:attrName>style.visibility</p:attrName>
+                                        </p:attrNameLst>
+                                      </p:cBhvr>
+                                      <p:to>
+                                        <p:strVal val="visible"/>
+                                      </p:to>
+                                    </p:set>
+                                  </p:childTnLst>
+                                </p:cTn>
+                              </p:par>
+                            </p:childTnLst>
+                          </p:cTn>
+                        </p:par>
+                      </p:childTnLst>
+                    </p:cTn>
+                  </p:par>
+                  <p:par>
+                    <p:cTn id="11" fill="hold">
+                      <p:stCondLst>
+                        <p:cond delay="indefinite"/>
+                      </p:stCondLst>
+                      <p:childTnLst>
+                        <p:par>
+                          <p:cTn id="12" fill="hold">
+                            <p:stCondLst>
+                              <p:cond delay="0"/>
+                            </p:stCondLst>
+                            <p:childTnLst>
+                              <p:par>
+                                <p:cTn id="13" presetID="1" presetClass="entr" presetSubtype="0" fill="hold" nodeType="clickEffect">
+                                  <p:stCondLst>
+                                    <p:cond delay="0"/>
+                                  </p:stCondLst>
+                                  <p:childTnLst>
+                                    <p:set>
+                                      <p:cBhvr>
+                                        <p:cTn id="14" dur="1" fill="hold">
+                                          <p:stCondLst>
+                                            <p:cond delay="0"/>
+                                          </p:stCondLst>
+                                        </p:cTn>
+                                        <p:tgtEl>
+                                          <p:spTgt spid="3">
+                                            <p:txEl>
+                                              <p:pRg st="6" end="6"/>
+                                            </p:txEl>
+                                          </p:spTgt>
+                                        </p:tgtEl>
+                                        <p:attrNameLst>
+                                          <p:attrName>style.visibility</p:attrName>
+                                        </p:attrNameLst>
+                                      </p:cBhvr>
+                                      <p:to>
+                                        <p:strVal val="visible"/>
+                                      </p:to>
+                                    </p:set>
+                                  </p:childTnLst>
+                                </p:cTn>
+                              </p:par>
+                            </p:childTnLst>
+                          </p:cTn>
+                        </p:par>
+                      </p:childTnLst>
+                    </p:cTn>
+                  </p:par>
+                  <p:par>
+                    <p:cTn id="15" fill="hold">
+                      <p:stCondLst>
+                        <p:cond delay="indefinite"/>
+                      </p:stCondLst>
+                      <p:childTnLst>
+                        <p:par>
+                          <p:cTn id="16" fill="hold">
+                            <p:stCondLst>
+                              <p:cond delay="0"/>
+                            </p:stCondLst>
+                            <p:childTnLst>
+                              <p:par>
+                                <p:cTn id="17" presetID="1" presetClass="entr" presetSubtype="0" fill="hold" nodeType="clickEffect">
+                                  <p:stCondLst>
+                                    <p:cond delay="0"/>
+                                  </p:stCondLst>
+                                  <p:childTnLst>
+                                    <p:set>
+                                      <p:cBhvr>
+                                        <p:cTn id="18" dur="1" fill="hold">
+                                          <p:stCondLst>
+                                            <p:cond delay="0"/>
+                                          </p:stCondLst>
+                                        </p:cTn>
+                                        <p:tgtEl>
+                                          <p:spTgt spid="3">
+                                            <p:txEl>
+                                              <p:pRg st="8" end="8"/>
+                                            </p:txEl>
+                                          </p:spTgt>
+                                        </p:tgtEl>
+                                        <p:attrNameLst>
+                                          <p:attrName>style.visibility</p:attrName>
+                                        </p:attrNameLst>
+                                      </p:cBhvr>
+                                      <p:to>
+                                        <p:strVal val="visible"/>
+                                      </p:to>
+                                    </p:set>
+                                  </p:childTnLst>
+                                </p:cTn>
+                              </p:par>
+                            </p:childTnLst>
+                          </p:cTn>
+                        </p:par>
+                      </p:childTnLst>
+                    </p:cTn>
+                  </p:par>
+                  <p:par>
+                    <p:cTn id="19" fill="hold">
+                      <p:stCondLst>
+                        <p:cond delay="indefinite"/>
+                      </p:stCondLst>
+                      <p:childTnLst>
+                        <p:par>
+                          <p:cTn id="20" fill="hold">
+                            <p:stCondLst>
+                              <p:cond delay="0"/>
+                            </p:stCondLst>
+                            <p:childTnLst>
+                              <p:par>
+                                <p:cTn id="21" presetID="1" presetClass="entr" presetSubtype="0" fill="hold" nodeType="clickEffect">
+                                  <p:stCondLst>
+                                    <p:cond delay="0"/>
+                                  </p:stCondLst>
+                                  <p:childTnLst>
+                                    <p:set>
+                                      <p:cBhvr>
+                                        <p:cTn id="22" dur="1" fill="hold">
+                                          <p:stCondLst>
+                                            <p:cond delay="0"/>
+                                          </p:stCondLst>
+                                        </p:cTn>
+                                        <p:tgtEl>
+                                          <p:spTgt spid="3">
+                                            <p:txEl>
+                                              <p:pRg st="9" end="9"/>
+                                            </p:txEl>
+                                          </p:spTgt>
+                                        </p:tgtEl>
+                                        <p:attrNameLst>
+                                          <p:attrName>style.visibility</p:attrName>
+                                        </p:attrNameLst>
+                                      </p:cBhvr>
+                                      <p:to>
+                                        <p:strVal val="visible"/>
+                                      </p:to>
+                                    </p:set>
+                                  </p:childTnLst>
+                                </p:cTn>
+                              </p:par>
+                            </p:childTnLst>
+                          </p:cTn>
+                        </p:par>
+                      </p:childTnLst>
+                    </p:cTn>
+                  </p:par>
+                </p:childTnLst>
+              </p:cTn>
+              <p:prevCondLst>
+                <p:cond evt="onPrev" delay="0">
+                  <p:tgtEl>
+                    <p:sldTgt/>
+                  </p:tgtEl>
+                </p:cond>
+              </p:prevCondLst>
+              <p:nextCondLst>
+                <p:cond evt="onNext" delay="0">
+                  <p:tgtEl>
+                    <p:sldTgt/>
+                  </p:tgtEl>
+                </p:cond>
+              </p:nextCondLst>
+            </p:seq>
+          </p:childTnLst>
+        </p:cTn>
+      </p:par>
+    </p:tnLst>
+  </p:timing>
+</p:sld>
+</file>
+
+<file path=ppt/slides/slide30.xml><?xml version="1.0" encoding="utf-8"?>
 <p:sld xmlns:a="http://schemas.openxmlformats.org/drawingml/2006/main" xmlns:r="http://schemas.openxmlformats.org/officeDocument/2006/relationships" xmlns:p="http://schemas.openxmlformats.org/presentationml/2006/main">
   <p:cSld>
     <p:spTree>
@@ -24775,7 +22929,7 @@
 </p:sld>
 </file>
 
-<file path=ppt/slides/slide34.xml><?xml version="1.0" encoding="utf-8"?>
+<file path=ppt/slides/slide31.xml><?xml version="1.0" encoding="utf-8"?>
 <p:sld xmlns:a="http://schemas.openxmlformats.org/drawingml/2006/main" xmlns:r="http://schemas.openxmlformats.org/officeDocument/2006/relationships" xmlns:p="http://schemas.openxmlformats.org/presentationml/2006/main">
   <p:cSld>
     <p:spTree>
@@ -24963,7 +23117,7 @@
 </p:sld>
 </file>
 
-<file path=ppt/slides/slide35.xml><?xml version="1.0" encoding="utf-8"?>
+<file path=ppt/slides/slide32.xml><?xml version="1.0" encoding="utf-8"?>
 <p:sld xmlns:a="http://schemas.openxmlformats.org/drawingml/2006/main" xmlns:r="http://schemas.openxmlformats.org/officeDocument/2006/relationships" xmlns:p="http://schemas.openxmlformats.org/presentationml/2006/main">
   <p:cSld>
     <p:spTree>
@@ -25130,7 +23284,9 @@
           </a:xfrm>
         </p:spPr>
         <p:txBody>
-          <a:bodyPr/>
+          <a:bodyPr>
+            <a:normAutofit fontScale="90000"/>
+          </a:bodyPr>
           <a:lstStyle/>
           <a:p>
             <a:r>
@@ -26945,22 +25101,8 @@
             </a:r>
             <a:r>
               <a:rPr lang="en-US" dirty="0"/>
-              <a:t>(methods). Another name for class is </a:t>
-            </a:r>
-            <a:r>
-              <a:rPr lang="en-US" b="1" dirty="0"/>
-              <a:t>type</a:t>
-            </a:r>
-            <a:r>
-              <a:rPr lang="en-US" dirty="0"/>
-              <a:t>.</a:t>
-            </a:r>
-          </a:p>
-          <a:p>
-            <a:pPr marL="0" indent="0">
-              <a:buNone/>
-            </a:pPr>
-            <a:endParaRPr lang="en-US" dirty="0"/>
+              <a:t>(methods). </a:t>
+            </a:r>
           </a:p>
           <a:p>
             <a:pPr marL="0" indent="0">
@@ -26993,19 +25135,7 @@
               <a:rPr lang="en-US" sz="2000" dirty="0">
                 <a:latin typeface="Gill Sans MT" panose="020B0502020104020203" pitchFamily="34" charset="77"/>
               </a:rPr>
-              <a:t>(or </a:t>
-            </a:r>
-            <a:r>
-              <a:rPr lang="en-US" sz="2000" b="1" dirty="0">
-                <a:latin typeface="Gill Sans MT" panose="020B0502020104020203" pitchFamily="34" charset="77"/>
-              </a:rPr>
-              <a:t>type</a:t>
-            </a:r>
-            <a:r>
-              <a:rPr lang="en-US" sz="2000" dirty="0">
-                <a:latin typeface="Gill Sans MT" panose="020B0502020104020203" pitchFamily="34" charset="77"/>
-              </a:rPr>
-              <a:t>) and s1 and s2 are two of its </a:t>
+              <a:t> and s1 and s2 are two of its </a:t>
             </a:r>
             <a:r>
               <a:rPr lang="en-US" sz="2000" b="1" dirty="0">
@@ -27084,7 +25214,7 @@
                                         <p:tgtEl>
                                           <p:spTgt spid="9">
                                             <p:txEl>
-                                              <p:pRg st="5" end="5"/>
+                                              <p:pRg st="4" end="4"/>
                                             </p:txEl>
                                           </p:spTgt>
                                         </p:tgtEl>
@@ -27208,13 +25338,15 @@
           </a:xfrm>
         </p:spPr>
         <p:txBody>
-          <a:bodyPr/>
+          <a:bodyPr>
+            <a:normAutofit/>
+          </a:bodyPr>
           <a:lstStyle/>
           <a:p>
             <a:pPr marL="0" indent="0">
               <a:buNone/>
             </a:pPr>
-            <a:endParaRPr lang="en-US" altLang="en-US" sz="1833" b="1" dirty="0">
+            <a:endParaRPr lang="en-US" altLang="en-US" sz="2000" b="1" dirty="0">
               <a:ea typeface="ＭＳ Ｐゴシック" panose="020B0600070205080204" pitchFamily="34" charset="-128"/>
             </a:endParaRPr>
           </a:p>
@@ -27223,37 +25355,49 @@
               <a:buNone/>
             </a:pPr>
             <a:r>
-              <a:rPr lang="en-US" altLang="en-US" sz="1833" b="1" dirty="0">
+              <a:rPr lang="en-US" altLang="en-US" sz="2000" b="1" dirty="0">
                 <a:ea typeface="ＭＳ Ｐゴシック" panose="020B0600070205080204" pitchFamily="34" charset="-128"/>
               </a:rPr>
               <a:t>Object-Oriented Programming</a:t>
             </a:r>
             <a:r>
-              <a:rPr lang="en-US" altLang="en-US" sz="1833" dirty="0">
+              <a:rPr lang="en-US" altLang="en-US" sz="2000" dirty="0">
                 <a:ea typeface="ＭＳ Ｐゴシック" panose="020B0600070205080204" pitchFamily="34" charset="-128"/>
               </a:rPr>
-              <a:t>(OOP) is a programming paradigm based on the concepts of objects </a:t>
-            </a:r>
-            <a:r>
-              <a:rPr lang="en-US" altLang="en-US" sz="1833" b="1" dirty="0">
+              <a:t>(OOP) is a programming paradigm based on the concepts of </a:t>
+            </a:r>
+            <a:r>
+              <a:rPr lang="en-US" altLang="en-US" sz="2000" b="1" dirty="0">
                 <a:ea typeface="ＭＳ Ｐゴシック" panose="020B0600070205080204" pitchFamily="34" charset="-128"/>
               </a:rPr>
+              <a:t>objects</a:t>
+            </a:r>
+            <a:r>
+              <a:rPr lang="en-US" altLang="en-US" sz="2000" dirty="0">
+                <a:ea typeface="ＭＳ Ｐゴシック" panose="020B0600070205080204" pitchFamily="34" charset="-128"/>
+              </a:rPr>
+              <a:t> which bundles together </a:t>
+            </a:r>
+            <a:r>
+              <a:rPr lang="en-US" altLang="en-US" sz="2000" b="1" dirty="0">
+                <a:ea typeface="ＭＳ Ｐゴシック" panose="020B0600070205080204" pitchFamily="34" charset="-128"/>
+              </a:rPr>
               <a:t>data(</a:t>
             </a:r>
             <a:r>
-              <a:rPr lang="en-US" altLang="en-US" sz="1833" dirty="0">
+              <a:rPr lang="en-US" altLang="en-US" sz="2000" dirty="0">
                 <a:ea typeface="ＭＳ Ｐゴシック" panose="020B0600070205080204" pitchFamily="34" charset="-128"/>
               </a:rPr>
               <a:t>in the form of instance variables) and </a:t>
             </a:r>
             <a:r>
-              <a:rPr lang="en-US" altLang="en-US" sz="1833" b="1" dirty="0">
+              <a:rPr lang="en-US" altLang="en-US" sz="2000" b="1" dirty="0">
                 <a:ea typeface="ＭＳ Ｐゴシック" panose="020B0600070205080204" pitchFamily="34" charset="-128"/>
               </a:rPr>
               <a:t>functionality or behavior(</a:t>
             </a:r>
             <a:r>
-              <a:rPr lang="en-US" altLang="en-US" sz="1833" dirty="0">
+              <a:rPr lang="en-US" altLang="en-US" sz="2000" dirty="0">
                 <a:ea typeface="ＭＳ Ｐゴシック" panose="020B0600070205080204" pitchFamily="34" charset="-128"/>
               </a:rPr>
               <a:t>in the form of methods). </a:t>
@@ -27263,7 +25407,7 @@
             <a:pPr marL="0" indent="0">
               <a:buNone/>
             </a:pPr>
-            <a:endParaRPr lang="en-US" altLang="en-US" sz="1833" dirty="0">
+            <a:endParaRPr lang="en-US" altLang="en-US" sz="2000" dirty="0">
               <a:ea typeface="ＭＳ Ｐゴシック" panose="020B0600070205080204" pitchFamily="34" charset="-128"/>
             </a:endParaRPr>
           </a:p>
@@ -27272,19 +25416,19 @@
               <a:buNone/>
             </a:pPr>
             <a:r>
-              <a:rPr lang="en-US" altLang="en-US" sz="1833" dirty="0">
+              <a:rPr lang="en-US" altLang="en-US" sz="2000" dirty="0">
                 <a:ea typeface="ＭＳ Ｐゴシック" panose="020B0600070205080204" pitchFamily="34" charset="-128"/>
               </a:rPr>
               <a:t>Many popular languages are object-oriented(C++, Java, </a:t>
             </a:r>
             <a:r>
-              <a:rPr lang="en-US" altLang="en-US" sz="1833" dirty="0" err="1">
+              <a:rPr lang="en-US" altLang="en-US" sz="2000" dirty="0" err="1">
                 <a:ea typeface="ＭＳ Ｐゴシック" panose="020B0600070205080204" pitchFamily="34" charset="-128"/>
               </a:rPr>
               <a:t>Javascript</a:t>
             </a:r>
             <a:r>
-              <a:rPr lang="en-US" altLang="en-US" sz="1833" dirty="0">
+              <a:rPr lang="en-US" altLang="en-US" sz="2000" dirty="0">
                 <a:ea typeface="ＭＳ Ｐゴシック" panose="020B0600070205080204" pitchFamily="34" charset="-128"/>
               </a:rPr>
               <a:t>, Python).</a:t>
@@ -27294,7 +25438,7 @@
             <a:pPr marL="0" indent="0">
               <a:buNone/>
             </a:pPr>
-            <a:endParaRPr lang="en-US" altLang="en-US" sz="1833" dirty="0">
+            <a:endParaRPr lang="en-US" altLang="en-US" sz="2000" dirty="0">
               <a:ea typeface="ＭＳ Ｐゴシック" panose="020B0600070205080204" pitchFamily="34" charset="-128"/>
             </a:endParaRPr>
           </a:p>
@@ -27303,7 +25447,7 @@
               <a:buNone/>
             </a:pPr>
             <a:r>
-              <a:rPr lang="en-US" altLang="en-US" sz="1833" dirty="0">
+              <a:rPr lang="en-US" altLang="en-US" sz="2000" dirty="0">
                 <a:ea typeface="ＭＳ Ｐゴシック" panose="020B0600070205080204" pitchFamily="34" charset="-128"/>
               </a:rPr>
               <a:t>In OOP, programs are made up of many objects and a program run is the interaction of these objects. </a:t>
@@ -27313,20 +25457,20 @@
             <a:pPr marL="0" indent="0">
               <a:buNone/>
             </a:pPr>
-            <a:endParaRPr lang="en-US" altLang="en-US" sz="1833" dirty="0">
+            <a:endParaRPr lang="en-US" altLang="en-US" sz="2000" dirty="0">
               <a:ea typeface="ＭＳ Ｐゴシック" panose="020B0600070205080204" pitchFamily="34" charset="-128"/>
             </a:endParaRPr>
           </a:p>
           <a:p>
             <a:pPr lvl="1" eaLnBrk="1" hangingPunct="1"/>
-            <a:endParaRPr lang="en-US" altLang="en-US" dirty="0">
+            <a:endParaRPr lang="en-US" altLang="en-US" sz="2000" dirty="0">
               <a:latin typeface="Courier New" panose="02070309020205020404" pitchFamily="49" charset="0"/>
               <a:ea typeface="ＭＳ Ｐゴシック" panose="020B0600070205080204" pitchFamily="34" charset="-128"/>
             </a:endParaRPr>
           </a:p>
           <a:p>
             <a:pPr lvl="1" eaLnBrk="1" hangingPunct="1"/>
-            <a:endParaRPr lang="en-US" altLang="en-US" dirty="0">
+            <a:endParaRPr lang="en-US" altLang="en-US" sz="2000" dirty="0">
               <a:ea typeface="ＭＳ Ｐゴシック" panose="020B0600070205080204" pitchFamily="34" charset="-128"/>
             </a:endParaRPr>
           </a:p>
@@ -27606,7 +25750,7 @@
             </a:pPr>
             <a:r>
               <a:rPr lang="en-US" dirty="0"/>
-              <a:t>Python provides the ability for programmers to design their own types or classes(</a:t>
+              <a:t>Python provides the ability for programmers to design their own classes(</a:t>
             </a:r>
             <a:r>
               <a:rPr lang="en-US" b="1" dirty="0"/>
